--- a/tex/figures/Figures.pptx
+++ b/tex/figures/Figures.pptx
@@ -250,7 +250,7 @@
           <a:p>
             <a:fld id="{F7249F8D-641B-4CAF-BAE5-10524742F6F1}" type="datetimeFigureOut">
               <a:rPr lang="en-CA" smtClean="0"/>
-              <a:t>2017-09-22</a:t>
+              <a:t>2018-05-04</a:t>
             </a:fld>
             <a:endParaRPr lang="en-CA"/>
           </a:p>
@@ -420,7 +420,7 @@
           <a:p>
             <a:fld id="{F7249F8D-641B-4CAF-BAE5-10524742F6F1}" type="datetimeFigureOut">
               <a:rPr lang="en-CA" smtClean="0"/>
-              <a:t>2017-09-22</a:t>
+              <a:t>2018-05-04</a:t>
             </a:fld>
             <a:endParaRPr lang="en-CA"/>
           </a:p>
@@ -600,7 +600,7 @@
           <a:p>
             <a:fld id="{F7249F8D-641B-4CAF-BAE5-10524742F6F1}" type="datetimeFigureOut">
               <a:rPr lang="en-CA" smtClean="0"/>
-              <a:t>2017-09-22</a:t>
+              <a:t>2018-05-04</a:t>
             </a:fld>
             <a:endParaRPr lang="en-CA"/>
           </a:p>
@@ -770,7 +770,7 @@
           <a:p>
             <a:fld id="{F7249F8D-641B-4CAF-BAE5-10524742F6F1}" type="datetimeFigureOut">
               <a:rPr lang="en-CA" smtClean="0"/>
-              <a:t>2017-09-22</a:t>
+              <a:t>2018-05-04</a:t>
             </a:fld>
             <a:endParaRPr lang="en-CA"/>
           </a:p>
@@ -1016,7 +1016,7 @@
           <a:p>
             <a:fld id="{F7249F8D-641B-4CAF-BAE5-10524742F6F1}" type="datetimeFigureOut">
               <a:rPr lang="en-CA" smtClean="0"/>
-              <a:t>2017-09-22</a:t>
+              <a:t>2018-05-04</a:t>
             </a:fld>
             <a:endParaRPr lang="en-CA"/>
           </a:p>
@@ -1248,7 +1248,7 @@
           <a:p>
             <a:fld id="{F7249F8D-641B-4CAF-BAE5-10524742F6F1}" type="datetimeFigureOut">
               <a:rPr lang="en-CA" smtClean="0"/>
-              <a:t>2017-09-22</a:t>
+              <a:t>2018-05-04</a:t>
             </a:fld>
             <a:endParaRPr lang="en-CA"/>
           </a:p>
@@ -1615,7 +1615,7 @@
           <a:p>
             <a:fld id="{F7249F8D-641B-4CAF-BAE5-10524742F6F1}" type="datetimeFigureOut">
               <a:rPr lang="en-CA" smtClean="0"/>
-              <a:t>2017-09-22</a:t>
+              <a:t>2018-05-04</a:t>
             </a:fld>
             <a:endParaRPr lang="en-CA"/>
           </a:p>
@@ -1733,7 +1733,7 @@
           <a:p>
             <a:fld id="{F7249F8D-641B-4CAF-BAE5-10524742F6F1}" type="datetimeFigureOut">
               <a:rPr lang="en-CA" smtClean="0"/>
-              <a:t>2017-09-22</a:t>
+              <a:t>2018-05-04</a:t>
             </a:fld>
             <a:endParaRPr lang="en-CA"/>
           </a:p>
@@ -1828,7 +1828,7 @@
           <a:p>
             <a:fld id="{F7249F8D-641B-4CAF-BAE5-10524742F6F1}" type="datetimeFigureOut">
               <a:rPr lang="en-CA" smtClean="0"/>
-              <a:t>2017-09-22</a:t>
+              <a:t>2018-05-04</a:t>
             </a:fld>
             <a:endParaRPr lang="en-CA"/>
           </a:p>
@@ -2105,7 +2105,7 @@
           <a:p>
             <a:fld id="{F7249F8D-641B-4CAF-BAE5-10524742F6F1}" type="datetimeFigureOut">
               <a:rPr lang="en-CA" smtClean="0"/>
-              <a:t>2017-09-22</a:t>
+              <a:t>2018-05-04</a:t>
             </a:fld>
             <a:endParaRPr lang="en-CA"/>
           </a:p>
@@ -2358,7 +2358,7 @@
           <a:p>
             <a:fld id="{F7249F8D-641B-4CAF-BAE5-10524742F6F1}" type="datetimeFigureOut">
               <a:rPr lang="en-CA" smtClean="0"/>
-              <a:t>2017-09-22</a:t>
+              <a:t>2018-05-04</a:t>
             </a:fld>
             <a:endParaRPr lang="en-CA"/>
           </a:p>
@@ -2571,7 +2571,7 @@
           <a:p>
             <a:fld id="{F7249F8D-641B-4CAF-BAE5-10524742F6F1}" type="datetimeFigureOut">
               <a:rPr lang="en-CA" smtClean="0"/>
-              <a:t>2017-09-22</a:t>
+              <a:t>2018-05-04</a:t>
             </a:fld>
             <a:endParaRPr lang="en-CA"/>
           </a:p>
@@ -7488,8 +7488,8 @@
             </a:p>
           </p:txBody>
         </p:sp>
-        <mc:AlternateContent xmlns:mc="http://schemas.openxmlformats.org/markup-compatibility/2006">
-          <mc:Choice xmlns:a14="http://schemas.microsoft.com/office/drawing/2010/main" Requires="a14">
+        <mc:AlternateContent xmlns:mc="http://schemas.openxmlformats.org/markup-compatibility/2006" xmlns:a14="http://schemas.microsoft.com/office/drawing/2010/main">
+          <mc:Choice Requires="a14">
             <p:sp>
               <p:nvSpPr>
                 <p:cNvPr id="64" name="TextBox 63"/>
@@ -7547,7 +7547,7 @@
               </p:txBody>
             </p:sp>
           </mc:Choice>
-          <mc:Fallback>
+          <mc:Fallback xmlns="">
             <p:sp>
               <p:nvSpPr>
                 <p:cNvPr id="64" name="TextBox 63"/>
@@ -7623,8 +7623,8 @@
             </a:fontRef>
           </p:style>
         </p:cxnSp>
-        <mc:AlternateContent xmlns:mc="http://schemas.openxmlformats.org/markup-compatibility/2006">
-          <mc:Choice xmlns:a14="http://schemas.microsoft.com/office/drawing/2010/main" Requires="a14">
+        <mc:AlternateContent xmlns:mc="http://schemas.openxmlformats.org/markup-compatibility/2006" xmlns:a14="http://schemas.microsoft.com/office/drawing/2010/main">
+          <mc:Choice Requires="a14">
             <p:sp>
               <p:nvSpPr>
                 <p:cNvPr id="66" name="TextBox 65"/>
@@ -7734,7 +7734,7 @@
               </p:txBody>
             </p:sp>
           </mc:Choice>
-          <mc:Fallback>
+          <mc:Fallback xmlns="">
             <p:sp>
               <p:nvSpPr>
                 <p:cNvPr id="66" name="TextBox 65"/>
@@ -23580,6 +23580,4654 @@
           <a:chExt cx="0" cy="0"/>
         </a:xfrm>
       </p:grpSpPr>
+      <p:grpSp>
+        <p:nvGrpSpPr>
+          <p:cNvPr id="38" name="Group 37"/>
+          <p:cNvGrpSpPr/>
+          <p:nvPr/>
+        </p:nvGrpSpPr>
+        <p:grpSpPr>
+          <a:xfrm>
+            <a:off x="305055" y="545098"/>
+            <a:ext cx="2349307" cy="2146316"/>
+            <a:chOff x="548895" y="707658"/>
+            <a:chExt cx="2349307" cy="2146316"/>
+          </a:xfrm>
+        </p:grpSpPr>
+        <p:grpSp>
+          <p:nvGrpSpPr>
+            <p:cNvPr id="3" name="Group 2"/>
+            <p:cNvGrpSpPr/>
+            <p:nvPr/>
+          </p:nvGrpSpPr>
+          <p:grpSpPr>
+            <a:xfrm>
+              <a:off x="548895" y="707658"/>
+              <a:ext cx="2182785" cy="2146316"/>
+              <a:chOff x="1190506" y="680744"/>
+              <a:chExt cx="2182785" cy="2146316"/>
+            </a:xfrm>
+          </p:grpSpPr>
+          <p:cxnSp>
+            <p:nvCxnSpPr>
+              <p:cNvPr id="16" name="Straight Arrow Connector 15"/>
+              <p:cNvCxnSpPr/>
+              <p:nvPr/>
+            </p:nvCxnSpPr>
+            <p:spPr>
+              <a:xfrm flipV="1">
+                <a:off x="1516583" y="680744"/>
+                <a:ext cx="7684" cy="1859536"/>
+              </a:xfrm>
+              <a:prstGeom prst="straightConnector1">
+                <a:avLst/>
+              </a:prstGeom>
+              <a:ln w="38100">
+                <a:solidFill>
+                  <a:schemeClr val="tx1"/>
+                </a:solidFill>
+                <a:tailEnd type="triangle"/>
+              </a:ln>
+            </p:spPr>
+            <p:style>
+              <a:lnRef idx="1">
+                <a:schemeClr val="accent1"/>
+              </a:lnRef>
+              <a:fillRef idx="0">
+                <a:schemeClr val="accent1"/>
+              </a:fillRef>
+              <a:effectRef idx="0">
+                <a:schemeClr val="accent1"/>
+              </a:effectRef>
+              <a:fontRef idx="minor">
+                <a:schemeClr val="tx1"/>
+              </a:fontRef>
+            </p:style>
+          </p:cxnSp>
+          <p:cxnSp>
+            <p:nvCxnSpPr>
+              <p:cNvPr id="17" name="Straight Arrow Connector 16"/>
+              <p:cNvCxnSpPr/>
+              <p:nvPr/>
+            </p:nvCxnSpPr>
+            <p:spPr>
+              <a:xfrm flipV="1">
+                <a:off x="1498387" y="2526633"/>
+                <a:ext cx="1874904" cy="1"/>
+              </a:xfrm>
+              <a:prstGeom prst="straightConnector1">
+                <a:avLst/>
+              </a:prstGeom>
+              <a:ln w="38100">
+                <a:solidFill>
+                  <a:schemeClr val="tx1"/>
+                </a:solidFill>
+                <a:tailEnd type="triangle"/>
+              </a:ln>
+            </p:spPr>
+            <p:style>
+              <a:lnRef idx="1">
+                <a:schemeClr val="accent1"/>
+              </a:lnRef>
+              <a:fillRef idx="0">
+                <a:schemeClr val="accent1"/>
+              </a:fillRef>
+              <a:effectRef idx="0">
+                <a:schemeClr val="accent1"/>
+              </a:effectRef>
+              <a:fontRef idx="minor">
+                <a:schemeClr val="tx1"/>
+              </a:fontRef>
+            </p:style>
+          </p:cxnSp>
+          <mc:AlternateContent xmlns:mc="http://schemas.openxmlformats.org/markup-compatibility/2006" xmlns:a14="http://schemas.microsoft.com/office/drawing/2010/main">
+            <mc:Choice Requires="a14">
+              <p:sp>
+                <p:nvSpPr>
+                  <p:cNvPr id="18" name="Rectangle 17"/>
+                  <p:cNvSpPr/>
+                  <p:nvPr/>
+                </p:nvSpPr>
+                <p:spPr>
+                  <a:xfrm>
+                    <a:off x="2897675" y="2457728"/>
+                    <a:ext cx="367985" cy="369332"/>
+                  </a:xfrm>
+                  <a:prstGeom prst="rect">
+                    <a:avLst/>
+                  </a:prstGeom>
+                </p:spPr>
+                <p:txBody>
+                  <a:bodyPr wrap="none">
+                    <a:spAutoFit/>
+                  </a:bodyPr>
+                  <a:lstStyle/>
+                  <a:p>
+                    <a:pPr/>
+                    <a14:m>
+                      <m:oMathPara xmlns:m="http://schemas.openxmlformats.org/officeDocument/2006/math">
+                        <m:oMathParaPr>
+                          <m:jc m:val="centerGroup"/>
+                        </m:oMathParaPr>
+                        <m:oMath xmlns:m="http://schemas.openxmlformats.org/officeDocument/2006/math">
+                          <m:r>
+                            <a:rPr lang="en-US" i="1">
+                              <a:latin typeface="Cambria Math" panose="02040503050406030204" pitchFamily="18" charset="0"/>
+                              <a:cs typeface="Arial" panose="020B0604020202020204" pitchFamily="34" charset="0"/>
+                            </a:rPr>
+                            <m:t>𝑥</m:t>
+                          </m:r>
+                        </m:oMath>
+                      </m:oMathPara>
+                    </a14:m>
+                    <a:endParaRPr lang="en-CA" dirty="0"/>
+                  </a:p>
+                </p:txBody>
+              </p:sp>
+            </mc:Choice>
+            <mc:Fallback xmlns="">
+              <p:sp>
+                <p:nvSpPr>
+                  <p:cNvPr id="12" name="Rectangle 11"/>
+                  <p:cNvSpPr>
+                    <a:spLocks noRot="1" noChangeAspect="1" noMove="1" noResize="1" noEditPoints="1" noAdjustHandles="1" noChangeArrowheads="1" noChangeShapeType="1" noTextEdit="1"/>
+                  </p:cNvSpPr>
+                  <p:nvPr/>
+                </p:nvSpPr>
+                <p:spPr>
+                  <a:xfrm>
+                    <a:off x="2897675" y="2457728"/>
+                    <a:ext cx="367985" cy="369332"/>
+                  </a:xfrm>
+                  <a:prstGeom prst="rect">
+                    <a:avLst/>
+                  </a:prstGeom>
+                  <a:blipFill rotWithShape="0">
+                    <a:blip r:embed="rId2"/>
+                    <a:stretch>
+                      <a:fillRect/>
+                    </a:stretch>
+                  </a:blipFill>
+                </p:spPr>
+                <p:txBody>
+                  <a:bodyPr/>
+                  <a:lstStyle/>
+                  <a:p>
+                    <a:r>
+                      <a:rPr lang="en-CA">
+                        <a:noFill/>
+                      </a:rPr>
+                      <a:t> </a:t>
+                    </a:r>
+                  </a:p>
+                </p:txBody>
+              </p:sp>
+            </mc:Fallback>
+          </mc:AlternateContent>
+          <mc:AlternateContent xmlns:mc="http://schemas.openxmlformats.org/markup-compatibility/2006" xmlns:a14="http://schemas.microsoft.com/office/drawing/2010/main">
+            <mc:Choice Requires="a14">
+              <p:sp>
+                <p:nvSpPr>
+                  <p:cNvPr id="19" name="Rectangle 18"/>
+                  <p:cNvSpPr/>
+                  <p:nvPr/>
+                </p:nvSpPr>
+                <p:spPr>
+                  <a:xfrm>
+                    <a:off x="1190506" y="790545"/>
+                    <a:ext cx="371384" cy="369332"/>
+                  </a:xfrm>
+                  <a:prstGeom prst="rect">
+                    <a:avLst/>
+                  </a:prstGeom>
+                </p:spPr>
+                <p:txBody>
+                  <a:bodyPr wrap="none">
+                    <a:spAutoFit/>
+                  </a:bodyPr>
+                  <a:lstStyle/>
+                  <a:p>
+                    <a:pPr/>
+                    <a14:m>
+                      <m:oMathPara xmlns:m="http://schemas.openxmlformats.org/officeDocument/2006/math">
+                        <m:oMathParaPr>
+                          <m:jc m:val="centerGroup"/>
+                        </m:oMathParaPr>
+                        <m:oMath xmlns:m="http://schemas.openxmlformats.org/officeDocument/2006/math">
+                          <m:r>
+                            <a:rPr lang="en-US" b="0" i="1" smtClean="0">
+                              <a:latin typeface="Cambria Math" panose="02040503050406030204" pitchFamily="18" charset="0"/>
+                            </a:rPr>
+                            <m:t>𝑦</m:t>
+                          </m:r>
+                        </m:oMath>
+                      </m:oMathPara>
+                    </a14:m>
+                    <a:endParaRPr lang="en-CA" dirty="0"/>
+                  </a:p>
+                </p:txBody>
+              </p:sp>
+            </mc:Choice>
+            <mc:Fallback xmlns="">
+              <p:sp>
+                <p:nvSpPr>
+                  <p:cNvPr id="13" name="Rectangle 12"/>
+                  <p:cNvSpPr>
+                    <a:spLocks noRot="1" noChangeAspect="1" noMove="1" noResize="1" noEditPoints="1" noAdjustHandles="1" noChangeArrowheads="1" noChangeShapeType="1" noTextEdit="1"/>
+                  </p:cNvSpPr>
+                  <p:nvPr/>
+                </p:nvSpPr>
+                <p:spPr>
+                  <a:xfrm>
+                    <a:off x="1190506" y="790545"/>
+                    <a:ext cx="371384" cy="369332"/>
+                  </a:xfrm>
+                  <a:prstGeom prst="rect">
+                    <a:avLst/>
+                  </a:prstGeom>
+                  <a:blipFill rotWithShape="0">
+                    <a:blip r:embed="rId3"/>
+                    <a:stretch>
+                      <a:fillRect b="-6557"/>
+                    </a:stretch>
+                  </a:blipFill>
+                </p:spPr>
+                <p:txBody>
+                  <a:bodyPr/>
+                  <a:lstStyle/>
+                  <a:p>
+                    <a:r>
+                      <a:rPr lang="en-CA">
+                        <a:noFill/>
+                      </a:rPr>
+                      <a:t> </a:t>
+                    </a:r>
+                  </a:p>
+                </p:txBody>
+              </p:sp>
+            </mc:Fallback>
+          </mc:AlternateContent>
+          <mc:AlternateContent xmlns:mc="http://schemas.openxmlformats.org/markup-compatibility/2006" xmlns:a14="http://schemas.microsoft.com/office/drawing/2010/main">
+            <mc:Choice Requires="a14">
+              <p:sp>
+                <p:nvSpPr>
+                  <p:cNvPr id="20" name="Rectangle 19"/>
+                  <p:cNvSpPr/>
+                  <p:nvPr/>
+                </p:nvSpPr>
+                <p:spPr>
+                  <a:xfrm>
+                    <a:off x="1205483" y="2447020"/>
+                    <a:ext cx="367985" cy="369332"/>
+                  </a:xfrm>
+                  <a:prstGeom prst="rect">
+                    <a:avLst/>
+                  </a:prstGeom>
+                </p:spPr>
+                <p:txBody>
+                  <a:bodyPr wrap="none">
+                    <a:spAutoFit/>
+                  </a:bodyPr>
+                  <a:lstStyle/>
+                  <a:p>
+                    <a:pPr/>
+                    <a14:m>
+                      <m:oMathPara xmlns:m="http://schemas.openxmlformats.org/officeDocument/2006/math">
+                        <m:oMathParaPr>
+                          <m:jc m:val="centerGroup"/>
+                        </m:oMathParaPr>
+                        <m:oMath xmlns:m="http://schemas.openxmlformats.org/officeDocument/2006/math">
+                          <m:r>
+                            <a:rPr lang="en-US" b="0" i="1" smtClean="0">
+                              <a:latin typeface="Cambria Math" panose="02040503050406030204" pitchFamily="18" charset="0"/>
+                              <a:cs typeface="Arial" panose="020B0604020202020204" pitchFamily="34" charset="0"/>
+                            </a:rPr>
+                            <m:t>0</m:t>
+                          </m:r>
+                        </m:oMath>
+                      </m:oMathPara>
+                    </a14:m>
+                    <a:endParaRPr lang="en-CA" dirty="0"/>
+                  </a:p>
+                </p:txBody>
+              </p:sp>
+            </mc:Choice>
+            <mc:Fallback xmlns="">
+              <p:sp>
+                <p:nvSpPr>
+                  <p:cNvPr id="14" name="Rectangle 13"/>
+                  <p:cNvSpPr>
+                    <a:spLocks noRot="1" noChangeAspect="1" noMove="1" noResize="1" noEditPoints="1" noAdjustHandles="1" noChangeArrowheads="1" noChangeShapeType="1" noTextEdit="1"/>
+                  </p:cNvSpPr>
+                  <p:nvPr/>
+                </p:nvSpPr>
+                <p:spPr>
+                  <a:xfrm>
+                    <a:off x="1205483" y="2447020"/>
+                    <a:ext cx="367985" cy="369332"/>
+                  </a:xfrm>
+                  <a:prstGeom prst="rect">
+                    <a:avLst/>
+                  </a:prstGeom>
+                  <a:blipFill rotWithShape="0">
+                    <a:blip r:embed="rId4"/>
+                    <a:stretch>
+                      <a:fillRect/>
+                    </a:stretch>
+                  </a:blipFill>
+                </p:spPr>
+                <p:txBody>
+                  <a:bodyPr/>
+                  <a:lstStyle/>
+                  <a:p>
+                    <a:r>
+                      <a:rPr lang="en-CA">
+                        <a:noFill/>
+                      </a:rPr>
+                      <a:t> </a:t>
+                    </a:r>
+                  </a:p>
+                </p:txBody>
+              </p:sp>
+            </mc:Fallback>
+          </mc:AlternateContent>
+        </p:grpSp>
+        <p:cxnSp>
+          <p:nvCxnSpPr>
+            <p:cNvPr id="10" name="Straight Connector 9"/>
+            <p:cNvCxnSpPr/>
+            <p:nvPr/>
+          </p:nvCxnSpPr>
+          <p:spPr>
+            <a:xfrm flipV="1">
+              <a:off x="1336567" y="2156621"/>
+              <a:ext cx="628319" cy="10343"/>
+            </a:xfrm>
+            <a:prstGeom prst="line">
+              <a:avLst/>
+            </a:prstGeom>
+            <a:ln w="19050">
+              <a:solidFill>
+                <a:schemeClr val="tx1"/>
+              </a:solidFill>
+              <a:prstDash val="sysDot"/>
+            </a:ln>
+          </p:spPr>
+          <p:style>
+            <a:lnRef idx="1">
+              <a:schemeClr val="accent1"/>
+            </a:lnRef>
+            <a:fillRef idx="0">
+              <a:schemeClr val="accent1"/>
+            </a:fillRef>
+            <a:effectRef idx="0">
+              <a:schemeClr val="accent1"/>
+            </a:effectRef>
+            <a:fontRef idx="minor">
+              <a:schemeClr val="tx1"/>
+            </a:fontRef>
+          </p:style>
+        </p:cxnSp>
+        <p:cxnSp>
+          <p:nvCxnSpPr>
+            <p:cNvPr id="11" name="Straight Connector 10"/>
+            <p:cNvCxnSpPr/>
+            <p:nvPr/>
+          </p:nvCxnSpPr>
+          <p:spPr>
+            <a:xfrm flipH="1">
+              <a:off x="1325453" y="1732611"/>
+              <a:ext cx="1267" cy="443320"/>
+            </a:xfrm>
+            <a:prstGeom prst="line">
+              <a:avLst/>
+            </a:prstGeom>
+            <a:ln w="19050">
+              <a:solidFill>
+                <a:schemeClr val="tx1"/>
+              </a:solidFill>
+              <a:prstDash val="sysDot"/>
+            </a:ln>
+          </p:spPr>
+          <p:style>
+            <a:lnRef idx="1">
+              <a:schemeClr val="accent1"/>
+            </a:lnRef>
+            <a:fillRef idx="0">
+              <a:schemeClr val="accent1"/>
+            </a:fillRef>
+            <a:effectRef idx="0">
+              <a:schemeClr val="accent1"/>
+            </a:effectRef>
+            <a:fontRef idx="minor">
+              <a:schemeClr val="tx1"/>
+            </a:fontRef>
+          </p:style>
+        </p:cxnSp>
+        <p:cxnSp>
+          <p:nvCxnSpPr>
+            <p:cNvPr id="14" name="Straight Arrow Connector 13"/>
+            <p:cNvCxnSpPr/>
+            <p:nvPr/>
+          </p:nvCxnSpPr>
+          <p:spPr>
+            <a:xfrm flipH="1" flipV="1">
+              <a:off x="1316087" y="1724991"/>
+              <a:ext cx="648799" cy="429674"/>
+            </a:xfrm>
+            <a:prstGeom prst="straightConnector1">
+              <a:avLst/>
+            </a:prstGeom>
+            <a:ln w="38100">
+              <a:solidFill>
+                <a:schemeClr val="tx1"/>
+              </a:solidFill>
+              <a:tailEnd type="triangle"/>
+            </a:ln>
+          </p:spPr>
+          <p:style>
+            <a:lnRef idx="1">
+              <a:schemeClr val="accent1"/>
+            </a:lnRef>
+            <a:fillRef idx="0">
+              <a:schemeClr val="accent1"/>
+            </a:fillRef>
+            <a:effectRef idx="0">
+              <a:schemeClr val="accent1"/>
+            </a:effectRef>
+            <a:fontRef idx="minor">
+              <a:schemeClr val="tx1"/>
+            </a:fontRef>
+          </p:style>
+        </p:cxnSp>
+        <mc:AlternateContent xmlns:mc="http://schemas.openxmlformats.org/markup-compatibility/2006">
+          <mc:Choice xmlns:a14="http://schemas.microsoft.com/office/drawing/2010/main" Requires="a14">
+            <p:sp>
+              <p:nvSpPr>
+                <p:cNvPr id="15" name="Rectangle 14"/>
+                <p:cNvSpPr/>
+                <p:nvPr/>
+              </p:nvSpPr>
+              <p:spPr>
+                <a:xfrm>
+                  <a:off x="1657629" y="1621858"/>
+                  <a:ext cx="377924" cy="410305"/>
+                </a:xfrm>
+                <a:prstGeom prst="rect">
+                  <a:avLst/>
+                </a:prstGeom>
+              </p:spPr>
+              <p:txBody>
+                <a:bodyPr wrap="none">
+                  <a:spAutoFit/>
+                </a:bodyPr>
+                <a:lstStyle/>
+                <a:p>
+                  <a:pPr/>
+                  <a14:m>
+                    <m:oMathPara xmlns:m="http://schemas.openxmlformats.org/officeDocument/2006/math">
+                      <m:oMathParaPr>
+                        <m:jc m:val="centerGroup"/>
+                      </m:oMathParaPr>
+                      <m:oMath xmlns:m="http://schemas.openxmlformats.org/officeDocument/2006/math">
+                        <m:acc>
+                          <m:accPr>
+                            <m:chr m:val="⃗"/>
+                            <m:ctrlPr>
+                              <a:rPr lang="en-US" b="0" i="1" smtClean="0">
+                                <a:latin typeface="Cambria Math" panose="02040503050406030204" pitchFamily="18" charset="0"/>
+                                <a:cs typeface="Arial" panose="020B0604020202020204" pitchFamily="34" charset="0"/>
+                              </a:rPr>
+                            </m:ctrlPr>
+                          </m:accPr>
+                          <m:e>
+                            <m:r>
+                              <a:rPr lang="en-US" b="0" i="1" smtClean="0">
+                                <a:latin typeface="Cambria Math" panose="02040503050406030204" pitchFamily="18" charset="0"/>
+                                <a:cs typeface="Arial" panose="020B0604020202020204" pitchFamily="34" charset="0"/>
+                              </a:rPr>
+                              <m:t>𝑑</m:t>
+                            </m:r>
+                          </m:e>
+                        </m:acc>
+                      </m:oMath>
+                    </m:oMathPara>
+                  </a14:m>
+                  <a:endParaRPr lang="en-CA" dirty="0"/>
+                </a:p>
+              </p:txBody>
+            </p:sp>
+          </mc:Choice>
+          <mc:Fallback>
+            <p:sp>
+              <p:nvSpPr>
+                <p:cNvPr id="15" name="Rectangle 14"/>
+                <p:cNvSpPr>
+                  <a:spLocks noRot="1" noChangeAspect="1" noMove="1" noResize="1" noEditPoints="1" noAdjustHandles="1" noChangeArrowheads="1" noChangeShapeType="1" noTextEdit="1"/>
+                </p:cNvSpPr>
+                <p:nvPr/>
+              </p:nvSpPr>
+              <p:spPr>
+                <a:xfrm>
+                  <a:off x="1657629" y="1621858"/>
+                  <a:ext cx="377924" cy="410305"/>
+                </a:xfrm>
+                <a:prstGeom prst="rect">
+                  <a:avLst/>
+                </a:prstGeom>
+                <a:blipFill>
+                  <a:blip r:embed="rId5"/>
+                  <a:stretch>
+                    <a:fillRect t="-22059" r="-29032"/>
+                  </a:stretch>
+                </a:blipFill>
+              </p:spPr>
+              <p:txBody>
+                <a:bodyPr/>
+                <a:lstStyle/>
+                <a:p>
+                  <a:r>
+                    <a:rPr lang="en-US">
+                      <a:noFill/>
+                    </a:rPr>
+                    <a:t> </a:t>
+                  </a:r>
+                </a:p>
+              </p:txBody>
+            </p:sp>
+          </mc:Fallback>
+        </mc:AlternateContent>
+        <mc:AlternateContent xmlns:mc="http://schemas.openxmlformats.org/markup-compatibility/2006">
+          <mc:Choice xmlns:a14="http://schemas.microsoft.com/office/drawing/2010/main" Requires="a14">
+            <p:sp>
+              <p:nvSpPr>
+                <p:cNvPr id="25" name="Rectangle 24"/>
+                <p:cNvSpPr/>
+                <p:nvPr/>
+              </p:nvSpPr>
+              <p:spPr>
+                <a:xfrm>
+                  <a:off x="1819428" y="887434"/>
+                  <a:ext cx="377924" cy="410305"/>
+                </a:xfrm>
+                <a:prstGeom prst="rect">
+                  <a:avLst/>
+                </a:prstGeom>
+              </p:spPr>
+              <p:txBody>
+                <a:bodyPr wrap="none">
+                  <a:spAutoFit/>
+                </a:bodyPr>
+                <a:lstStyle/>
+                <a:p>
+                  <a:pPr/>
+                  <a14:m>
+                    <m:oMathPara xmlns:m="http://schemas.openxmlformats.org/officeDocument/2006/math">
+                      <m:oMathParaPr>
+                        <m:jc m:val="centerGroup"/>
+                      </m:oMathParaPr>
+                      <m:oMath xmlns:m="http://schemas.openxmlformats.org/officeDocument/2006/math">
+                        <m:acc>
+                          <m:accPr>
+                            <m:chr m:val="⃗"/>
+                            <m:ctrlPr>
+                              <a:rPr lang="en-US" b="0" i="1" smtClean="0">
+                                <a:latin typeface="Cambria Math" panose="02040503050406030204" pitchFamily="18" charset="0"/>
+                                <a:cs typeface="Arial" panose="020B0604020202020204" pitchFamily="34" charset="0"/>
+                              </a:rPr>
+                            </m:ctrlPr>
+                          </m:accPr>
+                          <m:e>
+                            <m:r>
+                              <a:rPr lang="en-US" b="0" i="1" smtClean="0">
+                                <a:latin typeface="Cambria Math" panose="02040503050406030204" pitchFamily="18" charset="0"/>
+                                <a:cs typeface="Arial" panose="020B0604020202020204" pitchFamily="34" charset="0"/>
+                              </a:rPr>
+                              <m:t>𝑑</m:t>
+                            </m:r>
+                          </m:e>
+                        </m:acc>
+                      </m:oMath>
+                    </m:oMathPara>
+                  </a14:m>
+                  <a:endParaRPr lang="en-CA" dirty="0"/>
+                </a:p>
+              </p:txBody>
+            </p:sp>
+          </mc:Choice>
+          <mc:Fallback>
+            <p:sp>
+              <p:nvSpPr>
+                <p:cNvPr id="25" name="Rectangle 24"/>
+                <p:cNvSpPr>
+                  <a:spLocks noRot="1" noChangeAspect="1" noMove="1" noResize="1" noEditPoints="1" noAdjustHandles="1" noChangeArrowheads="1" noChangeShapeType="1" noTextEdit="1"/>
+                </p:cNvSpPr>
+                <p:nvPr/>
+              </p:nvSpPr>
+              <p:spPr>
+                <a:xfrm>
+                  <a:off x="1819428" y="887434"/>
+                  <a:ext cx="377924" cy="410305"/>
+                </a:xfrm>
+                <a:prstGeom prst="rect">
+                  <a:avLst/>
+                </a:prstGeom>
+                <a:blipFill>
+                  <a:blip r:embed="rId6"/>
+                  <a:stretch>
+                    <a:fillRect t="-22388" r="-30645"/>
+                  </a:stretch>
+                </a:blipFill>
+              </p:spPr>
+              <p:txBody>
+                <a:bodyPr/>
+                <a:lstStyle/>
+                <a:p>
+                  <a:r>
+                    <a:rPr lang="en-US">
+                      <a:noFill/>
+                    </a:rPr>
+                    <a:t> </a:t>
+                  </a:r>
+                </a:p>
+              </p:txBody>
+            </p:sp>
+          </mc:Fallback>
+        </mc:AlternateContent>
+        <mc:AlternateContent xmlns:mc="http://schemas.openxmlformats.org/markup-compatibility/2006">
+          <mc:Choice xmlns:a14="http://schemas.microsoft.com/office/drawing/2010/main" Requires="a14">
+            <p:sp>
+              <p:nvSpPr>
+                <p:cNvPr id="26" name="TextBox 25"/>
+                <p:cNvSpPr txBox="1"/>
+                <p:nvPr/>
+              </p:nvSpPr>
+              <p:spPr>
+                <a:xfrm>
+                  <a:off x="1505036" y="2145636"/>
+                  <a:ext cx="345864" cy="307777"/>
+                </a:xfrm>
+                <a:prstGeom prst="rect">
+                  <a:avLst/>
+                </a:prstGeom>
+                <a:noFill/>
+              </p:spPr>
+              <p:txBody>
+                <a:bodyPr wrap="none" lIns="0" tIns="0" rIns="0" bIns="0" rtlCol="0">
+                  <a:spAutoFit/>
+                </a:bodyPr>
+                <a:lstStyle/>
+                <a:p>
+                  <a14:m>
+                    <m:oMathPara xmlns:m="http://schemas.openxmlformats.org/officeDocument/2006/math">
+                      <m:oMathParaPr>
+                        <m:jc m:val="centerGroup"/>
+                      </m:oMathParaPr>
+                      <m:oMath xmlns:m="http://schemas.openxmlformats.org/officeDocument/2006/math">
+                        <m:sSub>
+                          <m:sSubPr>
+                            <m:ctrlPr>
+                              <a:rPr lang="en-US" sz="2000" b="0" i="1" smtClean="0">
+                                <a:latin typeface="Cambria Math" panose="02040503050406030204" pitchFamily="18" charset="0"/>
+                                <a:cs typeface="Arial" panose="020B0604020202020204" pitchFamily="34" charset="0"/>
+                              </a:rPr>
+                            </m:ctrlPr>
+                          </m:sSubPr>
+                          <m:e>
+                            <m:r>
+                              <a:rPr lang="en-US" sz="2000" b="0" i="1" smtClean="0">
+                                <a:latin typeface="Cambria Math" panose="02040503050406030204" pitchFamily="18" charset="0"/>
+                                <a:cs typeface="Arial" panose="020B0604020202020204" pitchFamily="34" charset="0"/>
+                              </a:rPr>
+                              <m:t>𝑑</m:t>
+                            </m:r>
+                          </m:e>
+                          <m:sub>
+                            <m:r>
+                              <a:rPr lang="en-US" sz="2000" b="0" i="1" smtClean="0">
+                                <a:latin typeface="Cambria Math" panose="02040503050406030204" pitchFamily="18" charset="0"/>
+                                <a:cs typeface="Arial" panose="020B0604020202020204" pitchFamily="34" charset="0"/>
+                              </a:rPr>
+                              <m:t>𝑥</m:t>
+                            </m:r>
+                          </m:sub>
+                        </m:sSub>
+                      </m:oMath>
+                    </m:oMathPara>
+                  </a14:m>
+                  <a:endParaRPr lang="en-US" sz="2000" dirty="0" smtClean="0">
+                    <a:latin typeface="Arial" panose="020B0604020202020204" pitchFamily="34" charset="0"/>
+                    <a:cs typeface="Arial" panose="020B0604020202020204" pitchFamily="34" charset="0"/>
+                  </a:endParaRPr>
+                </a:p>
+              </p:txBody>
+            </p:sp>
+          </mc:Choice>
+          <mc:Fallback>
+            <p:sp>
+              <p:nvSpPr>
+                <p:cNvPr id="26" name="TextBox 25"/>
+                <p:cNvSpPr txBox="1">
+                  <a:spLocks noRot="1" noChangeAspect="1" noMove="1" noResize="1" noEditPoints="1" noAdjustHandles="1" noChangeArrowheads="1" noChangeShapeType="1" noTextEdit="1"/>
+                </p:cNvSpPr>
+                <p:nvPr/>
+              </p:nvSpPr>
+              <p:spPr>
+                <a:xfrm>
+                  <a:off x="1505036" y="2145636"/>
+                  <a:ext cx="345864" cy="307777"/>
+                </a:xfrm>
+                <a:prstGeom prst="rect">
+                  <a:avLst/>
+                </a:prstGeom>
+                <a:blipFill>
+                  <a:blip r:embed="rId7"/>
+                  <a:stretch>
+                    <a:fillRect l="-15789" b="-13725"/>
+                  </a:stretch>
+                </a:blipFill>
+              </p:spPr>
+              <p:txBody>
+                <a:bodyPr/>
+                <a:lstStyle/>
+                <a:p>
+                  <a:r>
+                    <a:rPr lang="en-US">
+                      <a:noFill/>
+                    </a:rPr>
+                    <a:t> </a:t>
+                  </a:r>
+                </a:p>
+              </p:txBody>
+            </p:sp>
+          </mc:Fallback>
+        </mc:AlternateContent>
+        <mc:AlternateContent xmlns:mc="http://schemas.openxmlformats.org/markup-compatibility/2006">
+          <mc:Choice xmlns:a14="http://schemas.microsoft.com/office/drawing/2010/main" Requires="a14">
+            <p:sp>
+              <p:nvSpPr>
+                <p:cNvPr id="27" name="TextBox 26"/>
+                <p:cNvSpPr txBox="1"/>
+                <p:nvPr/>
+              </p:nvSpPr>
+              <p:spPr>
+                <a:xfrm>
+                  <a:off x="995448" y="1768802"/>
+                  <a:ext cx="353430" cy="331950"/>
+                </a:xfrm>
+                <a:prstGeom prst="rect">
+                  <a:avLst/>
+                </a:prstGeom>
+                <a:noFill/>
+              </p:spPr>
+              <p:txBody>
+                <a:bodyPr wrap="none" lIns="0" tIns="0" rIns="0" bIns="0" rtlCol="0">
+                  <a:spAutoFit/>
+                </a:bodyPr>
+                <a:lstStyle/>
+                <a:p>
+                  <a14:m>
+                    <m:oMathPara xmlns:m="http://schemas.openxmlformats.org/officeDocument/2006/math">
+                      <m:oMathParaPr>
+                        <m:jc m:val="centerGroup"/>
+                      </m:oMathParaPr>
+                      <m:oMath xmlns:m="http://schemas.openxmlformats.org/officeDocument/2006/math">
+                        <m:sSub>
+                          <m:sSubPr>
+                            <m:ctrlPr>
+                              <a:rPr lang="en-US" sz="2000" b="0" i="1" smtClean="0">
+                                <a:latin typeface="Cambria Math" panose="02040503050406030204" pitchFamily="18" charset="0"/>
+                                <a:cs typeface="Arial" panose="020B0604020202020204" pitchFamily="34" charset="0"/>
+                              </a:rPr>
+                            </m:ctrlPr>
+                          </m:sSubPr>
+                          <m:e>
+                            <m:r>
+                              <a:rPr lang="en-US" sz="2000" b="0" i="1" smtClean="0">
+                                <a:latin typeface="Cambria Math" panose="02040503050406030204" pitchFamily="18" charset="0"/>
+                                <a:cs typeface="Arial" panose="020B0604020202020204" pitchFamily="34" charset="0"/>
+                              </a:rPr>
+                              <m:t>𝑑</m:t>
+                            </m:r>
+                          </m:e>
+                          <m:sub>
+                            <m:r>
+                              <a:rPr lang="en-US" sz="2000" b="0" i="1" smtClean="0">
+                                <a:latin typeface="Cambria Math" panose="02040503050406030204" pitchFamily="18" charset="0"/>
+                                <a:cs typeface="Arial" panose="020B0604020202020204" pitchFamily="34" charset="0"/>
+                              </a:rPr>
+                              <m:t>𝑦</m:t>
+                            </m:r>
+                          </m:sub>
+                        </m:sSub>
+                      </m:oMath>
+                    </m:oMathPara>
+                  </a14:m>
+                  <a:endParaRPr lang="en-US" sz="2000" dirty="0" smtClean="0">
+                    <a:latin typeface="Arial" panose="020B0604020202020204" pitchFamily="34" charset="0"/>
+                    <a:cs typeface="Arial" panose="020B0604020202020204" pitchFamily="34" charset="0"/>
+                  </a:endParaRPr>
+                </a:p>
+              </p:txBody>
+            </p:sp>
+          </mc:Choice>
+          <mc:Fallback>
+            <p:sp>
+              <p:nvSpPr>
+                <p:cNvPr id="27" name="TextBox 26"/>
+                <p:cNvSpPr txBox="1">
+                  <a:spLocks noRot="1" noChangeAspect="1" noMove="1" noResize="1" noEditPoints="1" noAdjustHandles="1" noChangeArrowheads="1" noChangeShapeType="1" noTextEdit="1"/>
+                </p:cNvSpPr>
+                <p:nvPr/>
+              </p:nvSpPr>
+              <p:spPr>
+                <a:xfrm>
+                  <a:off x="995448" y="1768802"/>
+                  <a:ext cx="353430" cy="331950"/>
+                </a:xfrm>
+                <a:prstGeom prst="rect">
+                  <a:avLst/>
+                </a:prstGeom>
+                <a:blipFill>
+                  <a:blip r:embed="rId8"/>
+                  <a:stretch>
+                    <a:fillRect l="-15517" r="-5172" b="-20000"/>
+                  </a:stretch>
+                </a:blipFill>
+              </p:spPr>
+              <p:txBody>
+                <a:bodyPr/>
+                <a:lstStyle/>
+                <a:p>
+                  <a:r>
+                    <a:rPr lang="en-US">
+                      <a:noFill/>
+                    </a:rPr>
+                    <a:t> </a:t>
+                  </a:r>
+                </a:p>
+              </p:txBody>
+            </p:sp>
+          </mc:Fallback>
+        </mc:AlternateContent>
+        <p:cxnSp>
+          <p:nvCxnSpPr>
+            <p:cNvPr id="28" name="Straight Connector 27"/>
+            <p:cNvCxnSpPr/>
+            <p:nvPr/>
+          </p:nvCxnSpPr>
+          <p:spPr>
+            <a:xfrm flipV="1">
+              <a:off x="2269883" y="1475700"/>
+              <a:ext cx="628319" cy="10343"/>
+            </a:xfrm>
+            <a:prstGeom prst="line">
+              <a:avLst/>
+            </a:prstGeom>
+            <a:ln w="19050">
+              <a:solidFill>
+                <a:schemeClr val="tx1"/>
+              </a:solidFill>
+              <a:prstDash val="sysDot"/>
+            </a:ln>
+          </p:spPr>
+          <p:style>
+            <a:lnRef idx="1">
+              <a:schemeClr val="accent1"/>
+            </a:lnRef>
+            <a:fillRef idx="0">
+              <a:schemeClr val="accent1"/>
+            </a:fillRef>
+            <a:effectRef idx="0">
+              <a:schemeClr val="accent1"/>
+            </a:effectRef>
+            <a:fontRef idx="minor">
+              <a:schemeClr val="tx1"/>
+            </a:fontRef>
+          </p:style>
+        </p:cxnSp>
+        <p:cxnSp>
+          <p:nvCxnSpPr>
+            <p:cNvPr id="34" name="Straight Arrow Connector 33"/>
+            <p:cNvCxnSpPr/>
+            <p:nvPr/>
+          </p:nvCxnSpPr>
+          <p:spPr>
+            <a:xfrm flipH="1" flipV="1">
+              <a:off x="1621084" y="1057383"/>
+              <a:ext cx="648799" cy="429674"/>
+            </a:xfrm>
+            <a:prstGeom prst="straightConnector1">
+              <a:avLst/>
+            </a:prstGeom>
+            <a:ln w="38100">
+              <a:solidFill>
+                <a:schemeClr val="tx1"/>
+              </a:solidFill>
+              <a:tailEnd type="triangle"/>
+            </a:ln>
+          </p:spPr>
+          <p:style>
+            <a:lnRef idx="1">
+              <a:schemeClr val="accent1"/>
+            </a:lnRef>
+            <a:fillRef idx="0">
+              <a:schemeClr val="accent1"/>
+            </a:fillRef>
+            <a:effectRef idx="0">
+              <a:schemeClr val="accent1"/>
+            </a:effectRef>
+            <a:fontRef idx="minor">
+              <a:schemeClr val="tx1"/>
+            </a:fontRef>
+          </p:style>
+        </p:cxnSp>
+        <mc:AlternateContent xmlns:mc="http://schemas.openxmlformats.org/markup-compatibility/2006">
+          <mc:Choice xmlns:a14="http://schemas.microsoft.com/office/drawing/2010/main" Requires="a14">
+            <p:sp>
+              <p:nvSpPr>
+                <p:cNvPr id="36" name="TextBox 35"/>
+                <p:cNvSpPr txBox="1"/>
+                <p:nvPr/>
+              </p:nvSpPr>
+              <p:spPr>
+                <a:xfrm>
+                  <a:off x="2234492" y="1166909"/>
+                  <a:ext cx="250773" cy="307777"/>
+                </a:xfrm>
+                <a:prstGeom prst="rect">
+                  <a:avLst/>
+                </a:prstGeom>
+                <a:noFill/>
+              </p:spPr>
+              <p:txBody>
+                <a:bodyPr wrap="none" lIns="0" tIns="0" rIns="0" bIns="0" rtlCol="0">
+                  <a:spAutoFit/>
+                </a:bodyPr>
+                <a:lstStyle/>
+                <a:p>
+                  <a14:m>
+                    <m:oMathPara xmlns:m="http://schemas.openxmlformats.org/officeDocument/2006/math">
+                      <m:oMathParaPr>
+                        <m:jc m:val="centerGroup"/>
+                      </m:oMathParaPr>
+                      <m:oMath xmlns:m="http://schemas.openxmlformats.org/officeDocument/2006/math">
+                        <m:r>
+                          <a:rPr lang="en-US" sz="2000" b="0" i="1" smtClean="0">
+                            <a:latin typeface="Cambria Math" panose="02040503050406030204" pitchFamily="18" charset="0"/>
+                            <a:cs typeface="Arial" panose="020B0604020202020204" pitchFamily="34" charset="0"/>
+                          </a:rPr>
+                          <m:t>𝜙</m:t>
+                        </m:r>
+                      </m:oMath>
+                    </m:oMathPara>
+                  </a14:m>
+                  <a:endParaRPr lang="en-US" sz="2000" dirty="0" smtClean="0">
+                    <a:latin typeface="Arial" panose="020B0604020202020204" pitchFamily="34" charset="0"/>
+                    <a:cs typeface="Arial" panose="020B0604020202020204" pitchFamily="34" charset="0"/>
+                  </a:endParaRPr>
+                </a:p>
+              </p:txBody>
+            </p:sp>
+          </mc:Choice>
+          <mc:Fallback>
+            <p:sp>
+              <p:nvSpPr>
+                <p:cNvPr id="36" name="TextBox 35"/>
+                <p:cNvSpPr txBox="1">
+                  <a:spLocks noRot="1" noChangeAspect="1" noMove="1" noResize="1" noEditPoints="1" noAdjustHandles="1" noChangeArrowheads="1" noChangeShapeType="1" noTextEdit="1"/>
+                </p:cNvSpPr>
+                <p:nvPr/>
+              </p:nvSpPr>
+              <p:spPr>
+                <a:xfrm>
+                  <a:off x="2234492" y="1166909"/>
+                  <a:ext cx="250773" cy="307777"/>
+                </a:xfrm>
+                <a:prstGeom prst="rect">
+                  <a:avLst/>
+                </a:prstGeom>
+                <a:blipFill>
+                  <a:blip r:embed="rId9"/>
+                  <a:stretch>
+                    <a:fillRect l="-31707" r="-31707" b="-38000"/>
+                  </a:stretch>
+                </a:blipFill>
+              </p:spPr>
+              <p:txBody>
+                <a:bodyPr/>
+                <a:lstStyle/>
+                <a:p>
+                  <a:r>
+                    <a:rPr lang="en-US">
+                      <a:noFill/>
+                    </a:rPr>
+                    <a:t> </a:t>
+                  </a:r>
+                </a:p>
+              </p:txBody>
+            </p:sp>
+          </mc:Fallback>
+        </mc:AlternateContent>
+        <p:sp>
+          <p:nvSpPr>
+            <p:cNvPr id="37" name="Arc 36"/>
+            <p:cNvSpPr/>
+            <p:nvPr/>
+          </p:nvSpPr>
+          <p:spPr>
+            <a:xfrm>
+              <a:off x="2065148" y="1219583"/>
+              <a:ext cx="508000" cy="512234"/>
+            </a:xfrm>
+            <a:prstGeom prst="arc">
+              <a:avLst>
+                <a:gd name="adj1" fmla="val 12351431"/>
+                <a:gd name="adj2" fmla="val 0"/>
+              </a:avLst>
+            </a:prstGeom>
+            <a:ln w="19050">
+              <a:solidFill>
+                <a:schemeClr val="tx1"/>
+              </a:solidFill>
+              <a:prstDash val="sysDot"/>
+            </a:ln>
+          </p:spPr>
+          <p:style>
+            <a:lnRef idx="1">
+              <a:schemeClr val="accent1"/>
+            </a:lnRef>
+            <a:fillRef idx="0">
+              <a:schemeClr val="accent1"/>
+            </a:fillRef>
+            <a:effectRef idx="0">
+              <a:schemeClr val="accent1"/>
+            </a:effectRef>
+            <a:fontRef idx="minor">
+              <a:schemeClr val="tx1"/>
+            </a:fontRef>
+          </p:style>
+          <p:txBody>
+            <a:bodyPr rtlCol="0" anchor="ctr"/>
+            <a:lstStyle/>
+            <a:p>
+              <a:pPr algn="ctr"/>
+              <a:endParaRPr lang="en-US"/>
+            </a:p>
+          </p:txBody>
+        </p:sp>
+      </p:grpSp>
+      <p:grpSp>
+        <p:nvGrpSpPr>
+          <p:cNvPr id="93" name="Group 92"/>
+          <p:cNvGrpSpPr/>
+          <p:nvPr/>
+        </p:nvGrpSpPr>
+        <p:grpSpPr>
+          <a:xfrm>
+            <a:off x="3804555" y="591292"/>
+            <a:ext cx="3590741" cy="2146316"/>
+            <a:chOff x="3804555" y="591292"/>
+            <a:chExt cx="3590741" cy="2146316"/>
+          </a:xfrm>
+        </p:grpSpPr>
+        <p:grpSp>
+          <p:nvGrpSpPr>
+            <p:cNvPr id="40" name="Group 39"/>
+            <p:cNvGrpSpPr/>
+            <p:nvPr/>
+          </p:nvGrpSpPr>
+          <p:grpSpPr>
+            <a:xfrm>
+              <a:off x="3804555" y="591292"/>
+              <a:ext cx="2182785" cy="2146316"/>
+              <a:chOff x="1190506" y="680744"/>
+              <a:chExt cx="2182785" cy="2146316"/>
+            </a:xfrm>
+          </p:grpSpPr>
+          <p:cxnSp>
+            <p:nvCxnSpPr>
+              <p:cNvPr id="52" name="Straight Arrow Connector 51"/>
+              <p:cNvCxnSpPr/>
+              <p:nvPr/>
+            </p:nvCxnSpPr>
+            <p:spPr>
+              <a:xfrm flipV="1">
+                <a:off x="1516583" y="680744"/>
+                <a:ext cx="7684" cy="1859536"/>
+              </a:xfrm>
+              <a:prstGeom prst="straightConnector1">
+                <a:avLst/>
+              </a:prstGeom>
+              <a:ln w="38100">
+                <a:solidFill>
+                  <a:schemeClr val="tx1"/>
+                </a:solidFill>
+                <a:tailEnd type="triangle"/>
+              </a:ln>
+            </p:spPr>
+            <p:style>
+              <a:lnRef idx="1">
+                <a:schemeClr val="accent1"/>
+              </a:lnRef>
+              <a:fillRef idx="0">
+                <a:schemeClr val="accent1"/>
+              </a:fillRef>
+              <a:effectRef idx="0">
+                <a:schemeClr val="accent1"/>
+              </a:effectRef>
+              <a:fontRef idx="minor">
+                <a:schemeClr val="tx1"/>
+              </a:fontRef>
+            </p:style>
+          </p:cxnSp>
+          <p:cxnSp>
+            <p:nvCxnSpPr>
+              <p:cNvPr id="53" name="Straight Arrow Connector 52"/>
+              <p:cNvCxnSpPr/>
+              <p:nvPr/>
+            </p:nvCxnSpPr>
+            <p:spPr>
+              <a:xfrm flipV="1">
+                <a:off x="1498387" y="2526633"/>
+                <a:ext cx="1874904" cy="1"/>
+              </a:xfrm>
+              <a:prstGeom prst="straightConnector1">
+                <a:avLst/>
+              </a:prstGeom>
+              <a:ln w="38100">
+                <a:solidFill>
+                  <a:schemeClr val="tx1"/>
+                </a:solidFill>
+                <a:tailEnd type="triangle"/>
+              </a:ln>
+            </p:spPr>
+            <p:style>
+              <a:lnRef idx="1">
+                <a:schemeClr val="accent1"/>
+              </a:lnRef>
+              <a:fillRef idx="0">
+                <a:schemeClr val="accent1"/>
+              </a:fillRef>
+              <a:effectRef idx="0">
+                <a:schemeClr val="accent1"/>
+              </a:effectRef>
+              <a:fontRef idx="minor">
+                <a:schemeClr val="tx1"/>
+              </a:fontRef>
+            </p:style>
+          </p:cxnSp>
+          <mc:AlternateContent xmlns:mc="http://schemas.openxmlformats.org/markup-compatibility/2006" xmlns:a14="http://schemas.microsoft.com/office/drawing/2010/main">
+            <mc:Choice Requires="a14">
+              <p:sp>
+                <p:nvSpPr>
+                  <p:cNvPr id="54" name="Rectangle 53"/>
+                  <p:cNvSpPr/>
+                  <p:nvPr/>
+                </p:nvSpPr>
+                <p:spPr>
+                  <a:xfrm>
+                    <a:off x="2897675" y="2457728"/>
+                    <a:ext cx="367985" cy="369332"/>
+                  </a:xfrm>
+                  <a:prstGeom prst="rect">
+                    <a:avLst/>
+                  </a:prstGeom>
+                </p:spPr>
+                <p:txBody>
+                  <a:bodyPr wrap="none">
+                    <a:spAutoFit/>
+                  </a:bodyPr>
+                  <a:lstStyle/>
+                  <a:p>
+                    <a:pPr/>
+                    <a14:m>
+                      <m:oMathPara xmlns:m="http://schemas.openxmlformats.org/officeDocument/2006/math">
+                        <m:oMathParaPr>
+                          <m:jc m:val="centerGroup"/>
+                        </m:oMathParaPr>
+                        <m:oMath xmlns:m="http://schemas.openxmlformats.org/officeDocument/2006/math">
+                          <m:r>
+                            <a:rPr lang="en-US" i="1">
+                              <a:latin typeface="Cambria Math" panose="02040503050406030204" pitchFamily="18" charset="0"/>
+                              <a:cs typeface="Arial" panose="020B0604020202020204" pitchFamily="34" charset="0"/>
+                            </a:rPr>
+                            <m:t>𝑥</m:t>
+                          </m:r>
+                        </m:oMath>
+                      </m:oMathPara>
+                    </a14:m>
+                    <a:endParaRPr lang="en-CA" dirty="0"/>
+                  </a:p>
+                </p:txBody>
+              </p:sp>
+            </mc:Choice>
+            <mc:Fallback xmlns="">
+              <p:sp>
+                <p:nvSpPr>
+                  <p:cNvPr id="12" name="Rectangle 11"/>
+                  <p:cNvSpPr>
+                    <a:spLocks noRot="1" noChangeAspect="1" noMove="1" noResize="1" noEditPoints="1" noAdjustHandles="1" noChangeArrowheads="1" noChangeShapeType="1" noTextEdit="1"/>
+                  </p:cNvSpPr>
+                  <p:nvPr/>
+                </p:nvSpPr>
+                <p:spPr>
+                  <a:xfrm>
+                    <a:off x="2897675" y="2457728"/>
+                    <a:ext cx="367985" cy="369332"/>
+                  </a:xfrm>
+                  <a:prstGeom prst="rect">
+                    <a:avLst/>
+                  </a:prstGeom>
+                  <a:blipFill rotWithShape="0">
+                    <a:blip r:embed="rId2"/>
+                    <a:stretch>
+                      <a:fillRect/>
+                    </a:stretch>
+                  </a:blipFill>
+                </p:spPr>
+                <p:txBody>
+                  <a:bodyPr/>
+                  <a:lstStyle/>
+                  <a:p>
+                    <a:r>
+                      <a:rPr lang="en-CA">
+                        <a:noFill/>
+                      </a:rPr>
+                      <a:t> </a:t>
+                    </a:r>
+                  </a:p>
+                </p:txBody>
+              </p:sp>
+            </mc:Fallback>
+          </mc:AlternateContent>
+          <mc:AlternateContent xmlns:mc="http://schemas.openxmlformats.org/markup-compatibility/2006" xmlns:a14="http://schemas.microsoft.com/office/drawing/2010/main">
+            <mc:Choice Requires="a14">
+              <p:sp>
+                <p:nvSpPr>
+                  <p:cNvPr id="55" name="Rectangle 54"/>
+                  <p:cNvSpPr/>
+                  <p:nvPr/>
+                </p:nvSpPr>
+                <p:spPr>
+                  <a:xfrm>
+                    <a:off x="1190506" y="790545"/>
+                    <a:ext cx="371384" cy="369332"/>
+                  </a:xfrm>
+                  <a:prstGeom prst="rect">
+                    <a:avLst/>
+                  </a:prstGeom>
+                </p:spPr>
+                <p:txBody>
+                  <a:bodyPr wrap="none">
+                    <a:spAutoFit/>
+                  </a:bodyPr>
+                  <a:lstStyle/>
+                  <a:p>
+                    <a:pPr/>
+                    <a14:m>
+                      <m:oMathPara xmlns:m="http://schemas.openxmlformats.org/officeDocument/2006/math">
+                        <m:oMathParaPr>
+                          <m:jc m:val="centerGroup"/>
+                        </m:oMathParaPr>
+                        <m:oMath xmlns:m="http://schemas.openxmlformats.org/officeDocument/2006/math">
+                          <m:r>
+                            <a:rPr lang="en-US" b="0" i="1" smtClean="0">
+                              <a:latin typeface="Cambria Math" panose="02040503050406030204" pitchFamily="18" charset="0"/>
+                            </a:rPr>
+                            <m:t>𝑦</m:t>
+                          </m:r>
+                        </m:oMath>
+                      </m:oMathPara>
+                    </a14:m>
+                    <a:endParaRPr lang="en-CA" dirty="0"/>
+                  </a:p>
+                </p:txBody>
+              </p:sp>
+            </mc:Choice>
+            <mc:Fallback xmlns="">
+              <p:sp>
+                <p:nvSpPr>
+                  <p:cNvPr id="13" name="Rectangle 12"/>
+                  <p:cNvSpPr>
+                    <a:spLocks noRot="1" noChangeAspect="1" noMove="1" noResize="1" noEditPoints="1" noAdjustHandles="1" noChangeArrowheads="1" noChangeShapeType="1" noTextEdit="1"/>
+                  </p:cNvSpPr>
+                  <p:nvPr/>
+                </p:nvSpPr>
+                <p:spPr>
+                  <a:xfrm>
+                    <a:off x="1190506" y="790545"/>
+                    <a:ext cx="371384" cy="369332"/>
+                  </a:xfrm>
+                  <a:prstGeom prst="rect">
+                    <a:avLst/>
+                  </a:prstGeom>
+                  <a:blipFill rotWithShape="0">
+                    <a:blip r:embed="rId3"/>
+                    <a:stretch>
+                      <a:fillRect b="-6557"/>
+                    </a:stretch>
+                  </a:blipFill>
+                </p:spPr>
+                <p:txBody>
+                  <a:bodyPr/>
+                  <a:lstStyle/>
+                  <a:p>
+                    <a:r>
+                      <a:rPr lang="en-CA">
+                        <a:noFill/>
+                      </a:rPr>
+                      <a:t> </a:t>
+                    </a:r>
+                  </a:p>
+                </p:txBody>
+              </p:sp>
+            </mc:Fallback>
+          </mc:AlternateContent>
+          <mc:AlternateContent xmlns:mc="http://schemas.openxmlformats.org/markup-compatibility/2006" xmlns:a14="http://schemas.microsoft.com/office/drawing/2010/main">
+            <mc:Choice Requires="a14">
+              <p:sp>
+                <p:nvSpPr>
+                  <p:cNvPr id="56" name="Rectangle 55"/>
+                  <p:cNvSpPr/>
+                  <p:nvPr/>
+                </p:nvSpPr>
+                <p:spPr>
+                  <a:xfrm>
+                    <a:off x="1205483" y="2447020"/>
+                    <a:ext cx="367985" cy="369332"/>
+                  </a:xfrm>
+                  <a:prstGeom prst="rect">
+                    <a:avLst/>
+                  </a:prstGeom>
+                </p:spPr>
+                <p:txBody>
+                  <a:bodyPr wrap="none">
+                    <a:spAutoFit/>
+                  </a:bodyPr>
+                  <a:lstStyle/>
+                  <a:p>
+                    <a:pPr/>
+                    <a14:m>
+                      <m:oMathPara xmlns:m="http://schemas.openxmlformats.org/officeDocument/2006/math">
+                        <m:oMathParaPr>
+                          <m:jc m:val="centerGroup"/>
+                        </m:oMathParaPr>
+                        <m:oMath xmlns:m="http://schemas.openxmlformats.org/officeDocument/2006/math">
+                          <m:r>
+                            <a:rPr lang="en-US" b="0" i="1" smtClean="0">
+                              <a:latin typeface="Cambria Math" panose="02040503050406030204" pitchFamily="18" charset="0"/>
+                              <a:cs typeface="Arial" panose="020B0604020202020204" pitchFamily="34" charset="0"/>
+                            </a:rPr>
+                            <m:t>0</m:t>
+                          </m:r>
+                        </m:oMath>
+                      </m:oMathPara>
+                    </a14:m>
+                    <a:endParaRPr lang="en-CA" dirty="0"/>
+                  </a:p>
+                </p:txBody>
+              </p:sp>
+            </mc:Choice>
+            <mc:Fallback xmlns="">
+              <p:sp>
+                <p:nvSpPr>
+                  <p:cNvPr id="14" name="Rectangle 13"/>
+                  <p:cNvSpPr>
+                    <a:spLocks noRot="1" noChangeAspect="1" noMove="1" noResize="1" noEditPoints="1" noAdjustHandles="1" noChangeArrowheads="1" noChangeShapeType="1" noTextEdit="1"/>
+                  </p:cNvSpPr>
+                  <p:nvPr/>
+                </p:nvSpPr>
+                <p:spPr>
+                  <a:xfrm>
+                    <a:off x="1205483" y="2447020"/>
+                    <a:ext cx="367985" cy="369332"/>
+                  </a:xfrm>
+                  <a:prstGeom prst="rect">
+                    <a:avLst/>
+                  </a:prstGeom>
+                  <a:blipFill rotWithShape="0">
+                    <a:blip r:embed="rId4"/>
+                    <a:stretch>
+                      <a:fillRect/>
+                    </a:stretch>
+                  </a:blipFill>
+                </p:spPr>
+                <p:txBody>
+                  <a:bodyPr/>
+                  <a:lstStyle/>
+                  <a:p>
+                    <a:r>
+                      <a:rPr lang="en-CA">
+                        <a:noFill/>
+                      </a:rPr>
+                      <a:t> </a:t>
+                    </a:r>
+                  </a:p>
+                </p:txBody>
+              </p:sp>
+            </mc:Fallback>
+          </mc:AlternateContent>
+        </p:grpSp>
+        <p:cxnSp>
+          <p:nvCxnSpPr>
+            <p:cNvPr id="41" name="Straight Connector 40"/>
+            <p:cNvCxnSpPr/>
+            <p:nvPr/>
+          </p:nvCxnSpPr>
+          <p:spPr>
+            <a:xfrm flipV="1">
+              <a:off x="4575692" y="1775431"/>
+              <a:ext cx="1031086" cy="16998"/>
+            </a:xfrm>
+            <a:prstGeom prst="line">
+              <a:avLst/>
+            </a:prstGeom>
+            <a:ln w="19050">
+              <a:solidFill>
+                <a:schemeClr val="tx1"/>
+              </a:solidFill>
+              <a:prstDash val="sysDot"/>
+            </a:ln>
+          </p:spPr>
+          <p:style>
+            <a:lnRef idx="1">
+              <a:schemeClr val="accent1"/>
+            </a:lnRef>
+            <a:fillRef idx="0">
+              <a:schemeClr val="accent1"/>
+            </a:fillRef>
+            <a:effectRef idx="0">
+              <a:schemeClr val="accent1"/>
+            </a:effectRef>
+            <a:fontRef idx="minor">
+              <a:schemeClr val="tx1"/>
+            </a:fontRef>
+          </p:style>
+        </p:cxnSp>
+        <p:cxnSp>
+          <p:nvCxnSpPr>
+            <p:cNvPr id="42" name="Straight Connector 41"/>
+            <p:cNvCxnSpPr/>
+            <p:nvPr/>
+          </p:nvCxnSpPr>
+          <p:spPr>
+            <a:xfrm>
+              <a:off x="5580005" y="1012130"/>
+              <a:ext cx="704" cy="771800"/>
+            </a:xfrm>
+            <a:prstGeom prst="line">
+              <a:avLst/>
+            </a:prstGeom>
+            <a:ln w="19050">
+              <a:solidFill>
+                <a:schemeClr val="tx1"/>
+              </a:solidFill>
+              <a:prstDash val="sysDot"/>
+            </a:ln>
+          </p:spPr>
+          <p:style>
+            <a:lnRef idx="1">
+              <a:schemeClr val="accent1"/>
+            </a:lnRef>
+            <a:fillRef idx="0">
+              <a:schemeClr val="accent1"/>
+            </a:fillRef>
+            <a:effectRef idx="0">
+              <a:schemeClr val="accent1"/>
+            </a:effectRef>
+            <a:fontRef idx="minor">
+              <a:schemeClr val="tx1"/>
+            </a:fontRef>
+          </p:style>
+        </p:cxnSp>
+        <p:cxnSp>
+          <p:nvCxnSpPr>
+            <p:cNvPr id="43" name="Straight Arrow Connector 42"/>
+            <p:cNvCxnSpPr/>
+            <p:nvPr/>
+          </p:nvCxnSpPr>
+          <p:spPr>
+            <a:xfrm flipV="1">
+              <a:off x="4585641" y="1215289"/>
+              <a:ext cx="270680" cy="560142"/>
+            </a:xfrm>
+            <a:prstGeom prst="straightConnector1">
+              <a:avLst/>
+            </a:prstGeom>
+            <a:ln w="38100">
+              <a:solidFill>
+                <a:schemeClr val="tx1"/>
+              </a:solidFill>
+              <a:tailEnd type="triangle"/>
+            </a:ln>
+          </p:spPr>
+          <p:style>
+            <a:lnRef idx="1">
+              <a:schemeClr val="accent1"/>
+            </a:lnRef>
+            <a:fillRef idx="0">
+              <a:schemeClr val="accent1"/>
+            </a:fillRef>
+            <a:effectRef idx="0">
+              <a:schemeClr val="accent1"/>
+            </a:effectRef>
+            <a:fontRef idx="minor">
+              <a:schemeClr val="tx1"/>
+            </a:fontRef>
+          </p:style>
+        </p:cxnSp>
+        <mc:AlternateContent xmlns:mc="http://schemas.openxmlformats.org/markup-compatibility/2006">
+          <mc:Choice xmlns:a14="http://schemas.microsoft.com/office/drawing/2010/main" Requires="a14">
+            <p:sp>
+              <p:nvSpPr>
+                <p:cNvPr id="44" name="Rectangle 43"/>
+                <p:cNvSpPr/>
+                <p:nvPr/>
+              </p:nvSpPr>
+              <p:spPr>
+                <a:xfrm>
+                  <a:off x="4357262" y="1240693"/>
+                  <a:ext cx="371448" cy="369332"/>
+                </a:xfrm>
+                <a:prstGeom prst="rect">
+                  <a:avLst/>
+                </a:prstGeom>
+              </p:spPr>
+              <p:txBody>
+                <a:bodyPr wrap="none">
+                  <a:spAutoFit/>
+                </a:bodyPr>
+                <a:lstStyle/>
+                <a:p>
+                  <a:pPr/>
+                  <a14:m>
+                    <m:oMathPara xmlns:m="http://schemas.openxmlformats.org/officeDocument/2006/math">
+                      <m:oMathParaPr>
+                        <m:jc m:val="centerGroup"/>
+                      </m:oMathParaPr>
+                      <m:oMath xmlns:m="http://schemas.openxmlformats.org/officeDocument/2006/math">
+                        <m:acc>
+                          <m:accPr>
+                            <m:chr m:val="⃗"/>
+                            <m:ctrlPr>
+                              <a:rPr lang="en-US" b="0" i="1" smtClean="0">
+                                <a:latin typeface="Cambria Math" panose="02040503050406030204" pitchFamily="18" charset="0"/>
+                                <a:cs typeface="Arial" panose="020B0604020202020204" pitchFamily="34" charset="0"/>
+                              </a:rPr>
+                            </m:ctrlPr>
+                          </m:accPr>
+                          <m:e>
+                            <m:r>
+                              <a:rPr lang="en-US" b="0" i="1" smtClean="0">
+                                <a:latin typeface="Cambria Math" panose="02040503050406030204" pitchFamily="18" charset="0"/>
+                                <a:cs typeface="Arial" panose="020B0604020202020204" pitchFamily="34" charset="0"/>
+                              </a:rPr>
+                              <m:t>𝑎</m:t>
+                            </m:r>
+                          </m:e>
+                        </m:acc>
+                      </m:oMath>
+                    </m:oMathPara>
+                  </a14:m>
+                  <a:endParaRPr lang="en-CA" dirty="0"/>
+                </a:p>
+              </p:txBody>
+            </p:sp>
+          </mc:Choice>
+          <mc:Fallback>
+            <p:sp>
+              <p:nvSpPr>
+                <p:cNvPr id="44" name="Rectangle 43"/>
+                <p:cNvSpPr>
+                  <a:spLocks noRot="1" noChangeAspect="1" noMove="1" noResize="1" noEditPoints="1" noAdjustHandles="1" noChangeArrowheads="1" noChangeShapeType="1" noTextEdit="1"/>
+                </p:cNvSpPr>
+                <p:nvPr/>
+              </p:nvSpPr>
+              <p:spPr>
+                <a:xfrm>
+                  <a:off x="4357262" y="1240693"/>
+                  <a:ext cx="371448" cy="369332"/>
+                </a:xfrm>
+                <a:prstGeom prst="rect">
+                  <a:avLst/>
+                </a:prstGeom>
+                <a:blipFill>
+                  <a:blip r:embed="rId10"/>
+                  <a:stretch>
+                    <a:fillRect t="-23333" r="-24590"/>
+                  </a:stretch>
+                </a:blipFill>
+              </p:spPr>
+              <p:txBody>
+                <a:bodyPr/>
+                <a:lstStyle/>
+                <a:p>
+                  <a:r>
+                    <a:rPr lang="en-US">
+                      <a:noFill/>
+                    </a:rPr>
+                    <a:t> </a:t>
+                  </a:r>
+                </a:p>
+              </p:txBody>
+            </p:sp>
+          </mc:Fallback>
+        </mc:AlternateContent>
+        <mc:AlternateContent xmlns:mc="http://schemas.openxmlformats.org/markup-compatibility/2006">
+          <mc:Choice xmlns:a14="http://schemas.microsoft.com/office/drawing/2010/main" Requires="a14">
+            <p:sp>
+              <p:nvSpPr>
+                <p:cNvPr id="45" name="Rectangle 44"/>
+                <p:cNvSpPr/>
+                <p:nvPr/>
+              </p:nvSpPr>
+              <p:spPr>
+                <a:xfrm>
+                  <a:off x="4876500" y="701776"/>
+                  <a:ext cx="377924" cy="410305"/>
+                </a:xfrm>
+                <a:prstGeom prst="rect">
+                  <a:avLst/>
+                </a:prstGeom>
+              </p:spPr>
+              <p:txBody>
+                <a:bodyPr wrap="none">
+                  <a:spAutoFit/>
+                </a:bodyPr>
+                <a:lstStyle/>
+                <a:p>
+                  <a:pPr/>
+                  <a14:m>
+                    <m:oMathPara xmlns:m="http://schemas.openxmlformats.org/officeDocument/2006/math">
+                      <m:oMathParaPr>
+                        <m:jc m:val="centerGroup"/>
+                      </m:oMathParaPr>
+                      <m:oMath xmlns:m="http://schemas.openxmlformats.org/officeDocument/2006/math">
+                        <m:acc>
+                          <m:accPr>
+                            <m:chr m:val="⃗"/>
+                            <m:ctrlPr>
+                              <a:rPr lang="en-US" b="0" i="1" smtClean="0">
+                                <a:latin typeface="Cambria Math" panose="02040503050406030204" pitchFamily="18" charset="0"/>
+                                <a:cs typeface="Arial" panose="020B0604020202020204" pitchFamily="34" charset="0"/>
+                              </a:rPr>
+                            </m:ctrlPr>
+                          </m:accPr>
+                          <m:e>
+                            <m:r>
+                              <a:rPr lang="en-US" b="0" i="1" smtClean="0">
+                                <a:latin typeface="Cambria Math" panose="02040503050406030204" pitchFamily="18" charset="0"/>
+                                <a:cs typeface="Arial" panose="020B0604020202020204" pitchFamily="34" charset="0"/>
+                              </a:rPr>
+                              <m:t>𝑏</m:t>
+                            </m:r>
+                          </m:e>
+                        </m:acc>
+                      </m:oMath>
+                    </m:oMathPara>
+                  </a14:m>
+                  <a:endParaRPr lang="en-CA" dirty="0"/>
+                </a:p>
+              </p:txBody>
+            </p:sp>
+          </mc:Choice>
+          <mc:Fallback>
+            <p:sp>
+              <p:nvSpPr>
+                <p:cNvPr id="45" name="Rectangle 44"/>
+                <p:cNvSpPr>
+                  <a:spLocks noRot="1" noChangeAspect="1" noMove="1" noResize="1" noEditPoints="1" noAdjustHandles="1" noChangeArrowheads="1" noChangeShapeType="1" noTextEdit="1"/>
+                </p:cNvSpPr>
+                <p:nvPr/>
+              </p:nvSpPr>
+              <p:spPr>
+                <a:xfrm>
+                  <a:off x="4876500" y="701776"/>
+                  <a:ext cx="377924" cy="410305"/>
+                </a:xfrm>
+                <a:prstGeom prst="rect">
+                  <a:avLst/>
+                </a:prstGeom>
+                <a:blipFill>
+                  <a:blip r:embed="rId11"/>
+                  <a:stretch>
+                    <a:fillRect/>
+                  </a:stretch>
+                </a:blipFill>
+              </p:spPr>
+              <p:txBody>
+                <a:bodyPr/>
+                <a:lstStyle/>
+                <a:p>
+                  <a:r>
+                    <a:rPr lang="en-US">
+                      <a:noFill/>
+                    </a:rPr>
+                    <a:t> </a:t>
+                  </a:r>
+                </a:p>
+              </p:txBody>
+            </p:sp>
+          </mc:Fallback>
+        </mc:AlternateContent>
+        <p:cxnSp>
+          <p:nvCxnSpPr>
+            <p:cNvPr id="49" name="Straight Arrow Connector 48"/>
+            <p:cNvCxnSpPr/>
+            <p:nvPr/>
+          </p:nvCxnSpPr>
+          <p:spPr>
+            <a:xfrm flipV="1">
+              <a:off x="4856321" y="1012130"/>
+              <a:ext cx="736676" cy="203159"/>
+            </a:xfrm>
+            <a:prstGeom prst="straightConnector1">
+              <a:avLst/>
+            </a:prstGeom>
+            <a:ln w="38100">
+              <a:solidFill>
+                <a:schemeClr val="tx1"/>
+              </a:solidFill>
+              <a:tailEnd type="triangle"/>
+            </a:ln>
+          </p:spPr>
+          <p:style>
+            <a:lnRef idx="1">
+              <a:schemeClr val="accent1"/>
+            </a:lnRef>
+            <a:fillRef idx="0">
+              <a:schemeClr val="accent1"/>
+            </a:fillRef>
+            <a:effectRef idx="0">
+              <a:schemeClr val="accent1"/>
+            </a:effectRef>
+            <a:fontRef idx="minor">
+              <a:schemeClr val="tx1"/>
+            </a:fontRef>
+          </p:style>
+        </p:cxnSp>
+        <p:cxnSp>
+          <p:nvCxnSpPr>
+            <p:cNvPr id="62" name="Straight Arrow Connector 61"/>
+            <p:cNvCxnSpPr/>
+            <p:nvPr/>
+          </p:nvCxnSpPr>
+          <p:spPr>
+            <a:xfrm flipV="1">
+              <a:off x="4578925" y="1012130"/>
+              <a:ext cx="1014072" cy="773718"/>
+            </a:xfrm>
+            <a:prstGeom prst="straightConnector1">
+              <a:avLst/>
+            </a:prstGeom>
+            <a:ln w="38100">
+              <a:solidFill>
+                <a:schemeClr val="tx1"/>
+              </a:solidFill>
+              <a:tailEnd type="triangle"/>
+            </a:ln>
+          </p:spPr>
+          <p:style>
+            <a:lnRef idx="1">
+              <a:schemeClr val="accent1"/>
+            </a:lnRef>
+            <a:fillRef idx="0">
+              <a:schemeClr val="accent1"/>
+            </a:fillRef>
+            <a:effectRef idx="0">
+              <a:schemeClr val="accent1"/>
+            </a:effectRef>
+            <a:fontRef idx="minor">
+              <a:schemeClr val="tx1"/>
+            </a:fontRef>
+          </p:style>
+        </p:cxnSp>
+        <mc:AlternateContent xmlns:mc="http://schemas.openxmlformats.org/markup-compatibility/2006">
+          <mc:Choice xmlns:a14="http://schemas.microsoft.com/office/drawing/2010/main" Requires="a14">
+            <p:sp>
+              <p:nvSpPr>
+                <p:cNvPr id="66" name="Rectangle 65"/>
+                <p:cNvSpPr/>
+                <p:nvPr/>
+              </p:nvSpPr>
+              <p:spPr>
+                <a:xfrm>
+                  <a:off x="5109687" y="1269038"/>
+                  <a:ext cx="341439" cy="380247"/>
+                </a:xfrm>
+                <a:prstGeom prst="rect">
+                  <a:avLst/>
+                </a:prstGeom>
+              </p:spPr>
+              <p:txBody>
+                <a:bodyPr wrap="square">
+                  <a:spAutoFit/>
+                </a:bodyPr>
+                <a:lstStyle/>
+                <a:p>
+                  <a:pPr/>
+                  <a14:m>
+                    <m:oMathPara xmlns:m="http://schemas.openxmlformats.org/officeDocument/2006/math">
+                      <m:oMathParaPr>
+                        <m:jc m:val="centerGroup"/>
+                      </m:oMathParaPr>
+                      <m:oMath xmlns:m="http://schemas.openxmlformats.org/officeDocument/2006/math">
+                        <m:acc>
+                          <m:accPr>
+                            <m:chr m:val="⃗"/>
+                            <m:ctrlPr>
+                              <a:rPr lang="en-US" b="0" i="1" smtClean="0">
+                                <a:latin typeface="Cambria Math" panose="02040503050406030204" pitchFamily="18" charset="0"/>
+                                <a:cs typeface="Arial" panose="020B0604020202020204" pitchFamily="34" charset="0"/>
+                              </a:rPr>
+                            </m:ctrlPr>
+                          </m:accPr>
+                          <m:e>
+                            <m:r>
+                              <a:rPr lang="en-US" b="0" i="1" smtClean="0">
+                                <a:latin typeface="Cambria Math" panose="02040503050406030204" pitchFamily="18" charset="0"/>
+                                <a:cs typeface="Arial" panose="020B0604020202020204" pitchFamily="34" charset="0"/>
+                              </a:rPr>
+                              <m:t>𝑐</m:t>
+                            </m:r>
+                          </m:e>
+                        </m:acc>
+                      </m:oMath>
+                    </m:oMathPara>
+                  </a14:m>
+                  <a:endParaRPr lang="en-CA" dirty="0"/>
+                </a:p>
+              </p:txBody>
+            </p:sp>
+          </mc:Choice>
+          <mc:Fallback>
+            <p:sp>
+              <p:nvSpPr>
+                <p:cNvPr id="66" name="Rectangle 65"/>
+                <p:cNvSpPr>
+                  <a:spLocks noRot="1" noChangeAspect="1" noMove="1" noResize="1" noEditPoints="1" noAdjustHandles="1" noChangeArrowheads="1" noChangeShapeType="1" noTextEdit="1"/>
+                </p:cNvSpPr>
+                <p:nvPr/>
+              </p:nvSpPr>
+              <p:spPr>
+                <a:xfrm>
+                  <a:off x="5109687" y="1269038"/>
+                  <a:ext cx="341439" cy="380247"/>
+                </a:xfrm>
+                <a:prstGeom prst="rect">
+                  <a:avLst/>
+                </a:prstGeom>
+                <a:blipFill>
+                  <a:blip r:embed="rId12"/>
+                  <a:stretch>
+                    <a:fillRect t="-22222" r="-28571"/>
+                  </a:stretch>
+                </a:blipFill>
+              </p:spPr>
+              <p:txBody>
+                <a:bodyPr/>
+                <a:lstStyle/>
+                <a:p>
+                  <a:r>
+                    <a:rPr lang="en-US">
+                      <a:noFill/>
+                    </a:rPr>
+                    <a:t> </a:t>
+                  </a:r>
+                </a:p>
+              </p:txBody>
+            </p:sp>
+          </mc:Fallback>
+        </mc:AlternateContent>
+        <mc:AlternateContent xmlns:mc="http://schemas.openxmlformats.org/markup-compatibility/2006">
+          <mc:Choice xmlns:a14="http://schemas.microsoft.com/office/drawing/2010/main" Requires="a14">
+            <p:sp>
+              <p:nvSpPr>
+                <p:cNvPr id="75" name="Rectangle 74"/>
+                <p:cNvSpPr/>
+                <p:nvPr/>
+              </p:nvSpPr>
+              <p:spPr>
+                <a:xfrm>
+                  <a:off x="4543883" y="1705594"/>
+                  <a:ext cx="412036" cy="307777"/>
+                </a:xfrm>
+                <a:prstGeom prst="rect">
+                  <a:avLst/>
+                </a:prstGeom>
+              </p:spPr>
+              <p:txBody>
+                <a:bodyPr wrap="none">
+                  <a:spAutoFit/>
+                </a:bodyPr>
+                <a:lstStyle/>
+                <a:p>
+                  <a14:m>
+                    <m:oMathPara xmlns:m="http://schemas.openxmlformats.org/officeDocument/2006/math">
+                      <m:oMathParaPr>
+                        <m:jc m:val="centerGroup"/>
+                      </m:oMathParaPr>
+                      <m:oMath xmlns:m="http://schemas.openxmlformats.org/officeDocument/2006/math">
+                        <m:sSub>
+                          <m:sSubPr>
+                            <m:ctrlPr>
+                              <a:rPr lang="en-US" sz="1400" b="0" i="1" smtClean="0">
+                                <a:latin typeface="Cambria Math" panose="02040503050406030204" pitchFamily="18" charset="0"/>
+                                <a:cs typeface="Arial" panose="020B0604020202020204" pitchFamily="34" charset="0"/>
+                              </a:rPr>
+                            </m:ctrlPr>
+                          </m:sSubPr>
+                          <m:e>
+                            <m:r>
+                              <a:rPr lang="en-US" sz="1400" b="0" i="1" smtClean="0">
+                                <a:latin typeface="Cambria Math" panose="02040503050406030204" pitchFamily="18" charset="0"/>
+                                <a:cs typeface="Arial" panose="020B0604020202020204" pitchFamily="34" charset="0"/>
+                              </a:rPr>
+                              <m:t>𝑎</m:t>
+                            </m:r>
+                          </m:e>
+                          <m:sub>
+                            <m:r>
+                              <a:rPr lang="en-US" sz="1400" b="0" i="1" smtClean="0">
+                                <a:latin typeface="Cambria Math" panose="02040503050406030204" pitchFamily="18" charset="0"/>
+                                <a:cs typeface="Arial" panose="020B0604020202020204" pitchFamily="34" charset="0"/>
+                              </a:rPr>
+                              <m:t>𝑥</m:t>
+                            </m:r>
+                          </m:sub>
+                        </m:sSub>
+                      </m:oMath>
+                    </m:oMathPara>
+                  </a14:m>
+                  <a:endParaRPr lang="en-US" sz="1400" dirty="0"/>
+                </a:p>
+              </p:txBody>
+            </p:sp>
+          </mc:Choice>
+          <mc:Fallback>
+            <p:sp>
+              <p:nvSpPr>
+                <p:cNvPr id="75" name="Rectangle 74"/>
+                <p:cNvSpPr>
+                  <a:spLocks noRot="1" noChangeAspect="1" noMove="1" noResize="1" noEditPoints="1" noAdjustHandles="1" noChangeArrowheads="1" noChangeShapeType="1" noTextEdit="1"/>
+                </p:cNvSpPr>
+                <p:nvPr/>
+              </p:nvSpPr>
+              <p:spPr>
+                <a:xfrm>
+                  <a:off x="4543883" y="1705594"/>
+                  <a:ext cx="412036" cy="307777"/>
+                </a:xfrm>
+                <a:prstGeom prst="rect">
+                  <a:avLst/>
+                </a:prstGeom>
+                <a:blipFill>
+                  <a:blip r:embed="rId13"/>
+                  <a:stretch>
+                    <a:fillRect/>
+                  </a:stretch>
+                </a:blipFill>
+              </p:spPr>
+              <p:txBody>
+                <a:bodyPr/>
+                <a:lstStyle/>
+                <a:p>
+                  <a:r>
+                    <a:rPr lang="en-US">
+                      <a:noFill/>
+                    </a:rPr>
+                    <a:t> </a:t>
+                  </a:r>
+                </a:p>
+              </p:txBody>
+            </p:sp>
+          </mc:Fallback>
+        </mc:AlternateContent>
+        <mc:AlternateContent xmlns:mc="http://schemas.openxmlformats.org/markup-compatibility/2006">
+          <mc:Choice xmlns:a14="http://schemas.microsoft.com/office/drawing/2010/main" Requires="a14">
+            <p:sp>
+              <p:nvSpPr>
+                <p:cNvPr id="76" name="Rectangle 75"/>
+                <p:cNvSpPr/>
+                <p:nvPr/>
+              </p:nvSpPr>
+              <p:spPr>
+                <a:xfrm>
+                  <a:off x="5077444" y="1737108"/>
+                  <a:ext cx="403124" cy="307777"/>
+                </a:xfrm>
+                <a:prstGeom prst="rect">
+                  <a:avLst/>
+                </a:prstGeom>
+              </p:spPr>
+              <p:txBody>
+                <a:bodyPr wrap="none">
+                  <a:spAutoFit/>
+                </a:bodyPr>
+                <a:lstStyle/>
+                <a:p>
+                  <a14:m>
+                    <m:oMathPara xmlns:m="http://schemas.openxmlformats.org/officeDocument/2006/math">
+                      <m:oMathParaPr>
+                        <m:jc m:val="centerGroup"/>
+                      </m:oMathParaPr>
+                      <m:oMath xmlns:m="http://schemas.openxmlformats.org/officeDocument/2006/math">
+                        <m:sSub>
+                          <m:sSubPr>
+                            <m:ctrlPr>
+                              <a:rPr lang="en-US" sz="1400" b="0" i="1" smtClean="0">
+                                <a:latin typeface="Cambria Math" panose="02040503050406030204" pitchFamily="18" charset="0"/>
+                                <a:cs typeface="Arial" panose="020B0604020202020204" pitchFamily="34" charset="0"/>
+                              </a:rPr>
+                            </m:ctrlPr>
+                          </m:sSubPr>
+                          <m:e>
+                            <m:r>
+                              <a:rPr lang="en-US" sz="1400" b="0" i="1" smtClean="0">
+                                <a:latin typeface="Cambria Math" panose="02040503050406030204" pitchFamily="18" charset="0"/>
+                                <a:cs typeface="Arial" panose="020B0604020202020204" pitchFamily="34" charset="0"/>
+                              </a:rPr>
+                              <m:t>𝑏</m:t>
+                            </m:r>
+                          </m:e>
+                          <m:sub>
+                            <m:r>
+                              <a:rPr lang="en-US" sz="1400" b="0" i="1" smtClean="0">
+                                <a:latin typeface="Cambria Math" panose="02040503050406030204" pitchFamily="18" charset="0"/>
+                                <a:cs typeface="Arial" panose="020B0604020202020204" pitchFamily="34" charset="0"/>
+                              </a:rPr>
+                              <m:t>𝑥</m:t>
+                            </m:r>
+                          </m:sub>
+                        </m:sSub>
+                      </m:oMath>
+                    </m:oMathPara>
+                  </a14:m>
+                  <a:endParaRPr lang="en-US" sz="1400" dirty="0"/>
+                </a:p>
+              </p:txBody>
+            </p:sp>
+          </mc:Choice>
+          <mc:Fallback>
+            <p:sp>
+              <p:nvSpPr>
+                <p:cNvPr id="76" name="Rectangle 75"/>
+                <p:cNvSpPr>
+                  <a:spLocks noRot="1" noChangeAspect="1" noMove="1" noResize="1" noEditPoints="1" noAdjustHandles="1" noChangeArrowheads="1" noChangeShapeType="1" noTextEdit="1"/>
+                </p:cNvSpPr>
+                <p:nvPr/>
+              </p:nvSpPr>
+              <p:spPr>
+                <a:xfrm>
+                  <a:off x="5077444" y="1737108"/>
+                  <a:ext cx="403124" cy="307777"/>
+                </a:xfrm>
+                <a:prstGeom prst="rect">
+                  <a:avLst/>
+                </a:prstGeom>
+                <a:blipFill>
+                  <a:blip r:embed="rId14"/>
+                  <a:stretch>
+                    <a:fillRect/>
+                  </a:stretch>
+                </a:blipFill>
+              </p:spPr>
+              <p:txBody>
+                <a:bodyPr/>
+                <a:lstStyle/>
+                <a:p>
+                  <a:r>
+                    <a:rPr lang="en-US">
+                      <a:noFill/>
+                    </a:rPr>
+                    <a:t> </a:t>
+                  </a:r>
+                </a:p>
+              </p:txBody>
+            </p:sp>
+          </mc:Fallback>
+        </mc:AlternateContent>
+        <p:cxnSp>
+          <p:nvCxnSpPr>
+            <p:cNvPr id="77" name="Straight Connector 76"/>
+            <p:cNvCxnSpPr/>
+            <p:nvPr/>
+          </p:nvCxnSpPr>
+          <p:spPr>
+            <a:xfrm>
+              <a:off x="4849162" y="1205142"/>
+              <a:ext cx="890" cy="586569"/>
+            </a:xfrm>
+            <a:prstGeom prst="line">
+              <a:avLst/>
+            </a:prstGeom>
+            <a:ln w="19050">
+              <a:solidFill>
+                <a:schemeClr val="tx1"/>
+              </a:solidFill>
+              <a:prstDash val="sysDot"/>
+            </a:ln>
+          </p:spPr>
+          <p:style>
+            <a:lnRef idx="1">
+              <a:schemeClr val="accent1"/>
+            </a:lnRef>
+            <a:fillRef idx="0">
+              <a:schemeClr val="accent1"/>
+            </a:fillRef>
+            <a:effectRef idx="0">
+              <a:schemeClr val="accent1"/>
+            </a:effectRef>
+            <a:fontRef idx="minor">
+              <a:schemeClr val="tx1"/>
+            </a:fontRef>
+          </p:style>
+        </p:cxnSp>
+        <p:cxnSp>
+          <p:nvCxnSpPr>
+            <p:cNvPr id="79" name="Straight Connector 78"/>
+            <p:cNvCxnSpPr/>
+            <p:nvPr/>
+          </p:nvCxnSpPr>
+          <p:spPr>
+            <a:xfrm flipV="1">
+              <a:off x="4881588" y="1221571"/>
+              <a:ext cx="698417" cy="9040"/>
+            </a:xfrm>
+            <a:prstGeom prst="line">
+              <a:avLst/>
+            </a:prstGeom>
+            <a:ln w="19050">
+              <a:solidFill>
+                <a:schemeClr val="tx1"/>
+              </a:solidFill>
+              <a:prstDash val="sysDot"/>
+            </a:ln>
+          </p:spPr>
+          <p:style>
+            <a:lnRef idx="1">
+              <a:schemeClr val="accent1"/>
+            </a:lnRef>
+            <a:fillRef idx="0">
+              <a:schemeClr val="accent1"/>
+            </a:fillRef>
+            <a:effectRef idx="0">
+              <a:schemeClr val="accent1"/>
+            </a:effectRef>
+            <a:fontRef idx="minor">
+              <a:schemeClr val="tx1"/>
+            </a:fontRef>
+          </p:style>
+        </p:cxnSp>
+        <mc:AlternateContent xmlns:mc="http://schemas.openxmlformats.org/markup-compatibility/2006">
+          <mc:Choice xmlns:a14="http://schemas.microsoft.com/office/drawing/2010/main" Requires="a14">
+            <p:sp>
+              <p:nvSpPr>
+                <p:cNvPr id="81" name="Rectangle 80"/>
+                <p:cNvSpPr/>
+                <p:nvPr/>
+              </p:nvSpPr>
+              <p:spPr>
+                <a:xfrm>
+                  <a:off x="5500475" y="1298745"/>
+                  <a:ext cx="418128" cy="324769"/>
+                </a:xfrm>
+                <a:prstGeom prst="rect">
+                  <a:avLst/>
+                </a:prstGeom>
+              </p:spPr>
+              <p:txBody>
+                <a:bodyPr wrap="none">
+                  <a:spAutoFit/>
+                </a:bodyPr>
+                <a:lstStyle/>
+                <a:p>
+                  <a14:m>
+                    <m:oMathPara xmlns:m="http://schemas.openxmlformats.org/officeDocument/2006/math">
+                      <m:oMathParaPr>
+                        <m:jc m:val="centerGroup"/>
+                      </m:oMathParaPr>
+                      <m:oMath xmlns:m="http://schemas.openxmlformats.org/officeDocument/2006/math">
+                        <m:sSub>
+                          <m:sSubPr>
+                            <m:ctrlPr>
+                              <a:rPr lang="en-US" sz="1400" b="0" i="1" smtClean="0">
+                                <a:latin typeface="Cambria Math" panose="02040503050406030204" pitchFamily="18" charset="0"/>
+                                <a:cs typeface="Arial" panose="020B0604020202020204" pitchFamily="34" charset="0"/>
+                              </a:rPr>
+                            </m:ctrlPr>
+                          </m:sSubPr>
+                          <m:e>
+                            <m:r>
+                              <a:rPr lang="en-US" sz="1400" i="1" smtClean="0">
+                                <a:latin typeface="Cambria Math" panose="02040503050406030204" pitchFamily="18" charset="0"/>
+                                <a:cs typeface="Arial" panose="020B0604020202020204" pitchFamily="34" charset="0"/>
+                              </a:rPr>
+                              <m:t>𝑎</m:t>
+                            </m:r>
+                          </m:e>
+                          <m:sub>
+                            <m:r>
+                              <a:rPr lang="en-US" sz="1400" b="0" i="1" smtClean="0">
+                                <a:latin typeface="Cambria Math" panose="02040503050406030204" pitchFamily="18" charset="0"/>
+                                <a:cs typeface="Arial" panose="020B0604020202020204" pitchFamily="34" charset="0"/>
+                              </a:rPr>
+                              <m:t>𝑦</m:t>
+                            </m:r>
+                          </m:sub>
+                        </m:sSub>
+                      </m:oMath>
+                    </m:oMathPara>
+                  </a14:m>
+                  <a:endParaRPr lang="en-US" sz="1400" dirty="0"/>
+                </a:p>
+              </p:txBody>
+            </p:sp>
+          </mc:Choice>
+          <mc:Fallback>
+            <p:sp>
+              <p:nvSpPr>
+                <p:cNvPr id="81" name="Rectangle 80"/>
+                <p:cNvSpPr>
+                  <a:spLocks noRot="1" noChangeAspect="1" noMove="1" noResize="1" noEditPoints="1" noAdjustHandles="1" noChangeArrowheads="1" noChangeShapeType="1" noTextEdit="1"/>
+                </p:cNvSpPr>
+                <p:nvPr/>
+              </p:nvSpPr>
+              <p:spPr>
+                <a:xfrm>
+                  <a:off x="5500475" y="1298745"/>
+                  <a:ext cx="418128" cy="324769"/>
+                </a:xfrm>
+                <a:prstGeom prst="rect">
+                  <a:avLst/>
+                </a:prstGeom>
+                <a:blipFill>
+                  <a:blip r:embed="rId15"/>
+                  <a:stretch>
+                    <a:fillRect/>
+                  </a:stretch>
+                </a:blipFill>
+              </p:spPr>
+              <p:txBody>
+                <a:bodyPr/>
+                <a:lstStyle/>
+                <a:p>
+                  <a:r>
+                    <a:rPr lang="en-US">
+                      <a:noFill/>
+                    </a:rPr>
+                    <a:t> </a:t>
+                  </a:r>
+                </a:p>
+              </p:txBody>
+            </p:sp>
+          </mc:Fallback>
+        </mc:AlternateContent>
+        <mc:AlternateContent xmlns:mc="http://schemas.openxmlformats.org/markup-compatibility/2006">
+          <mc:Choice xmlns:a14="http://schemas.microsoft.com/office/drawing/2010/main" Requires="a14">
+            <p:sp>
+              <p:nvSpPr>
+                <p:cNvPr id="82" name="Rectangle 81"/>
+                <p:cNvSpPr/>
+                <p:nvPr/>
+              </p:nvSpPr>
+              <p:spPr>
+                <a:xfrm>
+                  <a:off x="5507790" y="951458"/>
+                  <a:ext cx="409215" cy="324769"/>
+                </a:xfrm>
+                <a:prstGeom prst="rect">
+                  <a:avLst/>
+                </a:prstGeom>
+              </p:spPr>
+              <p:txBody>
+                <a:bodyPr wrap="none">
+                  <a:spAutoFit/>
+                </a:bodyPr>
+                <a:lstStyle/>
+                <a:p>
+                  <a14:m>
+                    <m:oMathPara xmlns:m="http://schemas.openxmlformats.org/officeDocument/2006/math">
+                      <m:oMathParaPr>
+                        <m:jc m:val="centerGroup"/>
+                      </m:oMathParaPr>
+                      <m:oMath xmlns:m="http://schemas.openxmlformats.org/officeDocument/2006/math">
+                        <m:sSub>
+                          <m:sSubPr>
+                            <m:ctrlPr>
+                              <a:rPr lang="en-US" sz="1400" b="0" i="1" smtClean="0">
+                                <a:latin typeface="Cambria Math" panose="02040503050406030204" pitchFamily="18" charset="0"/>
+                                <a:cs typeface="Arial" panose="020B0604020202020204" pitchFamily="34" charset="0"/>
+                              </a:rPr>
+                            </m:ctrlPr>
+                          </m:sSubPr>
+                          <m:e>
+                            <m:r>
+                              <a:rPr lang="en-US" sz="1400" b="0" i="1" smtClean="0">
+                                <a:latin typeface="Cambria Math" panose="02040503050406030204" pitchFamily="18" charset="0"/>
+                                <a:cs typeface="Arial" panose="020B0604020202020204" pitchFamily="34" charset="0"/>
+                              </a:rPr>
+                              <m:t>𝑏</m:t>
+                            </m:r>
+                          </m:e>
+                          <m:sub>
+                            <m:r>
+                              <a:rPr lang="en-US" sz="1400" b="0" i="1" smtClean="0">
+                                <a:latin typeface="Cambria Math" panose="02040503050406030204" pitchFamily="18" charset="0"/>
+                                <a:cs typeface="Arial" panose="020B0604020202020204" pitchFamily="34" charset="0"/>
+                              </a:rPr>
+                              <m:t>𝑦</m:t>
+                            </m:r>
+                          </m:sub>
+                        </m:sSub>
+                      </m:oMath>
+                    </m:oMathPara>
+                  </a14:m>
+                  <a:endParaRPr lang="en-US" sz="1400" dirty="0"/>
+                </a:p>
+              </p:txBody>
+            </p:sp>
+          </mc:Choice>
+          <mc:Fallback>
+            <p:sp>
+              <p:nvSpPr>
+                <p:cNvPr id="82" name="Rectangle 81"/>
+                <p:cNvSpPr>
+                  <a:spLocks noRot="1" noChangeAspect="1" noMove="1" noResize="1" noEditPoints="1" noAdjustHandles="1" noChangeArrowheads="1" noChangeShapeType="1" noTextEdit="1"/>
+                </p:cNvSpPr>
+                <p:nvPr/>
+              </p:nvSpPr>
+              <p:spPr>
+                <a:xfrm>
+                  <a:off x="5507790" y="951458"/>
+                  <a:ext cx="409215" cy="324769"/>
+                </a:xfrm>
+                <a:prstGeom prst="rect">
+                  <a:avLst/>
+                </a:prstGeom>
+                <a:blipFill>
+                  <a:blip r:embed="rId16"/>
+                  <a:stretch>
+                    <a:fillRect/>
+                  </a:stretch>
+                </a:blipFill>
+              </p:spPr>
+              <p:txBody>
+                <a:bodyPr/>
+                <a:lstStyle/>
+                <a:p>
+                  <a:r>
+                    <a:rPr lang="en-US">
+                      <a:noFill/>
+                    </a:rPr>
+                    <a:t> </a:t>
+                  </a:r>
+                </a:p>
+              </p:txBody>
+            </p:sp>
+          </mc:Fallback>
+        </mc:AlternateContent>
+        <mc:AlternateContent xmlns:mc="http://schemas.openxmlformats.org/markup-compatibility/2006">
+          <mc:Choice xmlns:a14="http://schemas.microsoft.com/office/drawing/2010/main" Requires="a14">
+            <p:sp>
+              <p:nvSpPr>
+                <p:cNvPr id="91" name="Rectangle 90"/>
+                <p:cNvSpPr/>
+                <p:nvPr/>
+              </p:nvSpPr>
+              <p:spPr>
+                <a:xfrm>
+                  <a:off x="5871353" y="1141028"/>
+                  <a:ext cx="1523943" cy="391261"/>
+                </a:xfrm>
+                <a:prstGeom prst="rect">
+                  <a:avLst/>
+                </a:prstGeom>
+              </p:spPr>
+              <p:txBody>
+                <a:bodyPr wrap="none">
+                  <a:spAutoFit/>
+                </a:bodyPr>
+                <a:lstStyle/>
+                <a:p>
+                  <a14:m>
+                    <m:oMathPara xmlns:m="http://schemas.openxmlformats.org/officeDocument/2006/math">
+                      <m:oMathParaPr>
+                        <m:jc m:val="centerGroup"/>
+                      </m:oMathParaPr>
+                      <m:oMath xmlns:m="http://schemas.openxmlformats.org/officeDocument/2006/math">
+                        <m:sSub>
+                          <m:sSubPr>
+                            <m:ctrlPr>
+                              <a:rPr lang="en-US" b="0" i="1" smtClean="0">
+                                <a:latin typeface="Cambria Math" panose="02040503050406030204" pitchFamily="18" charset="0"/>
+                                <a:cs typeface="Arial" panose="020B0604020202020204" pitchFamily="34" charset="0"/>
+                              </a:rPr>
+                            </m:ctrlPr>
+                          </m:sSubPr>
+                          <m:e>
+                            <m:r>
+                              <a:rPr lang="en-US" b="0" i="1" smtClean="0">
+                                <a:latin typeface="Cambria Math" panose="02040503050406030204" pitchFamily="18" charset="0"/>
+                                <a:cs typeface="Arial" panose="020B0604020202020204" pitchFamily="34" charset="0"/>
+                              </a:rPr>
+                              <m:t>𝑐</m:t>
+                            </m:r>
+                          </m:e>
+                          <m:sub>
+                            <m:r>
+                              <a:rPr lang="en-US" b="0" i="1" smtClean="0">
+                                <a:latin typeface="Cambria Math" panose="02040503050406030204" pitchFamily="18" charset="0"/>
+                                <a:cs typeface="Arial" panose="020B0604020202020204" pitchFamily="34" charset="0"/>
+                              </a:rPr>
+                              <m:t>𝑦</m:t>
+                            </m:r>
+                          </m:sub>
+                        </m:sSub>
+                        <m:r>
+                          <a:rPr lang="en-US" b="0" i="1" smtClean="0">
+                            <a:latin typeface="Cambria Math" panose="02040503050406030204" pitchFamily="18" charset="0"/>
+                            <a:cs typeface="Arial" panose="020B0604020202020204" pitchFamily="34" charset="0"/>
+                          </a:rPr>
+                          <m:t>=</m:t>
+                        </m:r>
+                        <m:sSub>
+                          <m:sSubPr>
+                            <m:ctrlPr>
+                              <a:rPr lang="en-US" b="0" i="1" smtClean="0">
+                                <a:latin typeface="Cambria Math" panose="02040503050406030204" pitchFamily="18" charset="0"/>
+                                <a:cs typeface="Arial" panose="020B0604020202020204" pitchFamily="34" charset="0"/>
+                              </a:rPr>
+                            </m:ctrlPr>
+                          </m:sSubPr>
+                          <m:e>
+                            <m:r>
+                              <a:rPr lang="en-US" b="0" i="1" smtClean="0">
+                                <a:latin typeface="Cambria Math" panose="02040503050406030204" pitchFamily="18" charset="0"/>
+                                <a:cs typeface="Arial" panose="020B0604020202020204" pitchFamily="34" charset="0"/>
+                              </a:rPr>
+                              <m:t>𝑎</m:t>
+                            </m:r>
+                          </m:e>
+                          <m:sub>
+                            <m:r>
+                              <a:rPr lang="en-US" b="0" i="1" smtClean="0">
+                                <a:latin typeface="Cambria Math" panose="02040503050406030204" pitchFamily="18" charset="0"/>
+                                <a:cs typeface="Arial" panose="020B0604020202020204" pitchFamily="34" charset="0"/>
+                              </a:rPr>
+                              <m:t>𝑦</m:t>
+                            </m:r>
+                          </m:sub>
+                        </m:sSub>
+                        <m:r>
+                          <a:rPr lang="en-US" b="0" i="1" smtClean="0">
+                            <a:latin typeface="Cambria Math" panose="02040503050406030204" pitchFamily="18" charset="0"/>
+                            <a:cs typeface="Arial" panose="020B0604020202020204" pitchFamily="34" charset="0"/>
+                          </a:rPr>
+                          <m:t>+</m:t>
+                        </m:r>
+                        <m:sSub>
+                          <m:sSubPr>
+                            <m:ctrlPr>
+                              <a:rPr lang="en-US" b="0" i="1" smtClean="0">
+                                <a:latin typeface="Cambria Math" panose="02040503050406030204" pitchFamily="18" charset="0"/>
+                                <a:cs typeface="Arial" panose="020B0604020202020204" pitchFamily="34" charset="0"/>
+                              </a:rPr>
+                            </m:ctrlPr>
+                          </m:sSubPr>
+                          <m:e>
+                            <m:r>
+                              <a:rPr lang="en-US" b="0" i="1" smtClean="0">
+                                <a:latin typeface="Cambria Math" panose="02040503050406030204" pitchFamily="18" charset="0"/>
+                                <a:cs typeface="Arial" panose="020B0604020202020204" pitchFamily="34" charset="0"/>
+                              </a:rPr>
+                              <m:t>𝑏</m:t>
+                            </m:r>
+                          </m:e>
+                          <m:sub>
+                            <m:r>
+                              <a:rPr lang="en-US" b="0" i="1" smtClean="0">
+                                <a:latin typeface="Cambria Math" panose="02040503050406030204" pitchFamily="18" charset="0"/>
+                                <a:cs typeface="Arial" panose="020B0604020202020204" pitchFamily="34" charset="0"/>
+                              </a:rPr>
+                              <m:t>𝑦</m:t>
+                            </m:r>
+                          </m:sub>
+                        </m:sSub>
+                      </m:oMath>
+                    </m:oMathPara>
+                  </a14:m>
+                  <a:endParaRPr lang="en-US" dirty="0"/>
+                </a:p>
+              </p:txBody>
+            </p:sp>
+          </mc:Choice>
+          <mc:Fallback>
+            <p:sp>
+              <p:nvSpPr>
+                <p:cNvPr id="91" name="Rectangle 90"/>
+                <p:cNvSpPr>
+                  <a:spLocks noRot="1" noChangeAspect="1" noMove="1" noResize="1" noEditPoints="1" noAdjustHandles="1" noChangeArrowheads="1" noChangeShapeType="1" noTextEdit="1"/>
+                </p:cNvSpPr>
+                <p:nvPr/>
+              </p:nvSpPr>
+              <p:spPr>
+                <a:xfrm>
+                  <a:off x="5871353" y="1141028"/>
+                  <a:ext cx="1523943" cy="391261"/>
+                </a:xfrm>
+                <a:prstGeom prst="rect">
+                  <a:avLst/>
+                </a:prstGeom>
+                <a:blipFill>
+                  <a:blip r:embed="rId17"/>
+                  <a:stretch>
+                    <a:fillRect b="-4688"/>
+                  </a:stretch>
+                </a:blipFill>
+              </p:spPr>
+              <p:txBody>
+                <a:bodyPr/>
+                <a:lstStyle/>
+                <a:p>
+                  <a:r>
+                    <a:rPr lang="en-US">
+                      <a:noFill/>
+                    </a:rPr>
+                    <a:t> </a:t>
+                  </a:r>
+                </a:p>
+              </p:txBody>
+            </p:sp>
+          </mc:Fallback>
+        </mc:AlternateContent>
+        <mc:AlternateContent xmlns:mc="http://schemas.openxmlformats.org/markup-compatibility/2006">
+          <mc:Choice xmlns:a14="http://schemas.microsoft.com/office/drawing/2010/main" Requires="a14">
+            <p:sp>
+              <p:nvSpPr>
+                <p:cNvPr id="92" name="Rectangle 91"/>
+                <p:cNvSpPr/>
+                <p:nvPr/>
+              </p:nvSpPr>
+              <p:spPr>
+                <a:xfrm>
+                  <a:off x="4543883" y="2012584"/>
+                  <a:ext cx="1501052" cy="369332"/>
+                </a:xfrm>
+                <a:prstGeom prst="rect">
+                  <a:avLst/>
+                </a:prstGeom>
+              </p:spPr>
+              <p:txBody>
+                <a:bodyPr wrap="none">
+                  <a:spAutoFit/>
+                </a:bodyPr>
+                <a:lstStyle/>
+                <a:p>
+                  <a14:m>
+                    <m:oMathPara xmlns:m="http://schemas.openxmlformats.org/officeDocument/2006/math">
+                      <m:oMathParaPr>
+                        <m:jc m:val="centerGroup"/>
+                      </m:oMathParaPr>
+                      <m:oMath xmlns:m="http://schemas.openxmlformats.org/officeDocument/2006/math">
+                        <m:sSub>
+                          <m:sSubPr>
+                            <m:ctrlPr>
+                              <a:rPr lang="en-US" b="0" i="1" smtClean="0">
+                                <a:latin typeface="Cambria Math" panose="02040503050406030204" pitchFamily="18" charset="0"/>
+                                <a:cs typeface="Arial" panose="020B0604020202020204" pitchFamily="34" charset="0"/>
+                              </a:rPr>
+                            </m:ctrlPr>
+                          </m:sSubPr>
+                          <m:e>
+                            <m:r>
+                              <a:rPr lang="en-US" b="0" i="1" smtClean="0">
+                                <a:latin typeface="Cambria Math" panose="02040503050406030204" pitchFamily="18" charset="0"/>
+                                <a:cs typeface="Arial" panose="020B0604020202020204" pitchFamily="34" charset="0"/>
+                              </a:rPr>
+                              <m:t>𝑐</m:t>
+                            </m:r>
+                          </m:e>
+                          <m:sub>
+                            <m:r>
+                              <a:rPr lang="en-US" b="0" i="1" smtClean="0">
+                                <a:latin typeface="Cambria Math" panose="02040503050406030204" pitchFamily="18" charset="0"/>
+                                <a:cs typeface="Arial" panose="020B0604020202020204" pitchFamily="34" charset="0"/>
+                              </a:rPr>
+                              <m:t>𝑥</m:t>
+                            </m:r>
+                          </m:sub>
+                        </m:sSub>
+                        <m:r>
+                          <a:rPr lang="en-US" b="0" i="1" smtClean="0">
+                            <a:latin typeface="Cambria Math" panose="02040503050406030204" pitchFamily="18" charset="0"/>
+                            <a:cs typeface="Arial" panose="020B0604020202020204" pitchFamily="34" charset="0"/>
+                          </a:rPr>
+                          <m:t>=</m:t>
+                        </m:r>
+                        <m:sSub>
+                          <m:sSubPr>
+                            <m:ctrlPr>
+                              <a:rPr lang="en-US" b="0" i="1" smtClean="0">
+                                <a:latin typeface="Cambria Math" panose="02040503050406030204" pitchFamily="18" charset="0"/>
+                                <a:cs typeface="Arial" panose="020B0604020202020204" pitchFamily="34" charset="0"/>
+                              </a:rPr>
+                            </m:ctrlPr>
+                          </m:sSubPr>
+                          <m:e>
+                            <m:r>
+                              <a:rPr lang="en-US" b="0" i="1" smtClean="0">
+                                <a:latin typeface="Cambria Math" panose="02040503050406030204" pitchFamily="18" charset="0"/>
+                                <a:cs typeface="Arial" panose="020B0604020202020204" pitchFamily="34" charset="0"/>
+                              </a:rPr>
+                              <m:t>𝑎</m:t>
+                            </m:r>
+                          </m:e>
+                          <m:sub>
+                            <m:r>
+                              <a:rPr lang="en-US" b="0" i="1" smtClean="0">
+                                <a:latin typeface="Cambria Math" panose="02040503050406030204" pitchFamily="18" charset="0"/>
+                                <a:cs typeface="Arial" panose="020B0604020202020204" pitchFamily="34" charset="0"/>
+                              </a:rPr>
+                              <m:t>𝑥</m:t>
+                            </m:r>
+                          </m:sub>
+                        </m:sSub>
+                        <m:r>
+                          <a:rPr lang="en-US" b="0" i="1" smtClean="0">
+                            <a:latin typeface="Cambria Math" panose="02040503050406030204" pitchFamily="18" charset="0"/>
+                            <a:cs typeface="Arial" panose="020B0604020202020204" pitchFamily="34" charset="0"/>
+                          </a:rPr>
+                          <m:t>+</m:t>
+                        </m:r>
+                        <m:sSub>
+                          <m:sSubPr>
+                            <m:ctrlPr>
+                              <a:rPr lang="en-US" b="0" i="1" smtClean="0">
+                                <a:latin typeface="Cambria Math" panose="02040503050406030204" pitchFamily="18" charset="0"/>
+                                <a:cs typeface="Arial" panose="020B0604020202020204" pitchFamily="34" charset="0"/>
+                              </a:rPr>
+                            </m:ctrlPr>
+                          </m:sSubPr>
+                          <m:e>
+                            <m:r>
+                              <a:rPr lang="en-US" b="0" i="1" smtClean="0">
+                                <a:latin typeface="Cambria Math" panose="02040503050406030204" pitchFamily="18" charset="0"/>
+                                <a:cs typeface="Arial" panose="020B0604020202020204" pitchFamily="34" charset="0"/>
+                              </a:rPr>
+                              <m:t>𝑏</m:t>
+                            </m:r>
+                          </m:e>
+                          <m:sub>
+                            <m:r>
+                              <a:rPr lang="en-US" b="0" i="1" smtClean="0">
+                                <a:latin typeface="Cambria Math" panose="02040503050406030204" pitchFamily="18" charset="0"/>
+                                <a:cs typeface="Arial" panose="020B0604020202020204" pitchFamily="34" charset="0"/>
+                              </a:rPr>
+                              <m:t>𝑥</m:t>
+                            </m:r>
+                          </m:sub>
+                        </m:sSub>
+                      </m:oMath>
+                    </m:oMathPara>
+                  </a14:m>
+                  <a:endParaRPr lang="en-US" dirty="0"/>
+                </a:p>
+              </p:txBody>
+            </p:sp>
+          </mc:Choice>
+          <mc:Fallback>
+            <p:sp>
+              <p:nvSpPr>
+                <p:cNvPr id="92" name="Rectangle 91"/>
+                <p:cNvSpPr>
+                  <a:spLocks noRot="1" noChangeAspect="1" noMove="1" noResize="1" noEditPoints="1" noAdjustHandles="1" noChangeArrowheads="1" noChangeShapeType="1" noTextEdit="1"/>
+                </p:cNvSpPr>
+                <p:nvPr/>
+              </p:nvSpPr>
+              <p:spPr>
+                <a:xfrm>
+                  <a:off x="4543883" y="2012584"/>
+                  <a:ext cx="1501052" cy="369332"/>
+                </a:xfrm>
+                <a:prstGeom prst="rect">
+                  <a:avLst/>
+                </a:prstGeom>
+                <a:blipFill>
+                  <a:blip r:embed="rId18"/>
+                  <a:stretch>
+                    <a:fillRect/>
+                  </a:stretch>
+                </a:blipFill>
+              </p:spPr>
+              <p:txBody>
+                <a:bodyPr/>
+                <a:lstStyle/>
+                <a:p>
+                  <a:r>
+                    <a:rPr lang="en-US">
+                      <a:noFill/>
+                    </a:rPr>
+                    <a:t> </a:t>
+                  </a:r>
+                </a:p>
+              </p:txBody>
+            </p:sp>
+          </mc:Fallback>
+        </mc:AlternateContent>
+      </p:grpSp>
+      <p:grpSp>
+        <p:nvGrpSpPr>
+          <p:cNvPr id="124" name="Group 123"/>
+          <p:cNvGrpSpPr/>
+          <p:nvPr/>
+        </p:nvGrpSpPr>
+        <p:grpSpPr>
+          <a:xfrm>
+            <a:off x="288600" y="3513144"/>
+            <a:ext cx="2677415" cy="2146316"/>
+            <a:chOff x="288600" y="3513144"/>
+            <a:chExt cx="2677415" cy="2146316"/>
+          </a:xfrm>
+        </p:grpSpPr>
+        <p:grpSp>
+          <p:nvGrpSpPr>
+            <p:cNvPr id="94" name="Group 93"/>
+            <p:cNvGrpSpPr/>
+            <p:nvPr/>
+          </p:nvGrpSpPr>
+          <p:grpSpPr>
+            <a:xfrm>
+              <a:off x="288600" y="3513144"/>
+              <a:ext cx="2216092" cy="2146316"/>
+              <a:chOff x="1129904" y="708040"/>
+              <a:chExt cx="2216092" cy="2146316"/>
+            </a:xfrm>
+          </p:grpSpPr>
+          <p:grpSp>
+            <p:nvGrpSpPr>
+              <p:cNvPr id="95" name="Group 94"/>
+              <p:cNvGrpSpPr/>
+              <p:nvPr/>
+            </p:nvGrpSpPr>
+            <p:grpSpPr>
+              <a:xfrm>
+                <a:off x="1163211" y="708040"/>
+                <a:ext cx="2182785" cy="2146316"/>
+                <a:chOff x="1190506" y="680744"/>
+                <a:chExt cx="2182785" cy="2146316"/>
+              </a:xfrm>
+            </p:grpSpPr>
+            <p:cxnSp>
+              <p:nvCxnSpPr>
+                <p:cNvPr id="97" name="Straight Arrow Connector 96"/>
+                <p:cNvCxnSpPr/>
+                <p:nvPr/>
+              </p:nvCxnSpPr>
+              <p:spPr>
+                <a:xfrm flipV="1">
+                  <a:off x="1516583" y="680744"/>
+                  <a:ext cx="7684" cy="1859536"/>
+                </a:xfrm>
+                <a:prstGeom prst="straightConnector1">
+                  <a:avLst/>
+                </a:prstGeom>
+                <a:ln w="38100">
+                  <a:solidFill>
+                    <a:schemeClr val="tx1"/>
+                  </a:solidFill>
+                  <a:tailEnd type="triangle"/>
+                </a:ln>
+              </p:spPr>
+              <p:style>
+                <a:lnRef idx="1">
+                  <a:schemeClr val="accent1"/>
+                </a:lnRef>
+                <a:fillRef idx="0">
+                  <a:schemeClr val="accent1"/>
+                </a:fillRef>
+                <a:effectRef idx="0">
+                  <a:schemeClr val="accent1"/>
+                </a:effectRef>
+                <a:fontRef idx="minor">
+                  <a:schemeClr val="tx1"/>
+                </a:fontRef>
+              </p:style>
+            </p:cxnSp>
+            <p:cxnSp>
+              <p:nvCxnSpPr>
+                <p:cNvPr id="98" name="Straight Arrow Connector 97"/>
+                <p:cNvCxnSpPr/>
+                <p:nvPr/>
+              </p:nvCxnSpPr>
+              <p:spPr>
+                <a:xfrm flipV="1">
+                  <a:off x="1498387" y="2526633"/>
+                  <a:ext cx="1874904" cy="1"/>
+                </a:xfrm>
+                <a:prstGeom prst="straightConnector1">
+                  <a:avLst/>
+                </a:prstGeom>
+                <a:ln w="38100">
+                  <a:solidFill>
+                    <a:schemeClr val="tx1"/>
+                  </a:solidFill>
+                  <a:tailEnd type="triangle"/>
+                </a:ln>
+              </p:spPr>
+              <p:style>
+                <a:lnRef idx="1">
+                  <a:schemeClr val="accent1"/>
+                </a:lnRef>
+                <a:fillRef idx="0">
+                  <a:schemeClr val="accent1"/>
+                </a:fillRef>
+                <a:effectRef idx="0">
+                  <a:schemeClr val="accent1"/>
+                </a:effectRef>
+                <a:fontRef idx="minor">
+                  <a:schemeClr val="tx1"/>
+                </a:fontRef>
+              </p:style>
+            </p:cxnSp>
+            <mc:AlternateContent xmlns:mc="http://schemas.openxmlformats.org/markup-compatibility/2006" xmlns:a14="http://schemas.microsoft.com/office/drawing/2010/main">
+              <mc:Choice Requires="a14">
+                <p:sp>
+                  <p:nvSpPr>
+                    <p:cNvPr id="99" name="Rectangle 98"/>
+                    <p:cNvSpPr/>
+                    <p:nvPr/>
+                  </p:nvSpPr>
+                  <p:spPr>
+                    <a:xfrm>
+                      <a:off x="2897675" y="2457728"/>
+                      <a:ext cx="367985" cy="369332"/>
+                    </a:xfrm>
+                    <a:prstGeom prst="rect">
+                      <a:avLst/>
+                    </a:prstGeom>
+                  </p:spPr>
+                  <p:txBody>
+                    <a:bodyPr wrap="none">
+                      <a:spAutoFit/>
+                    </a:bodyPr>
+                    <a:lstStyle/>
+                    <a:p>
+                      <a:pPr/>
+                      <a14:m>
+                        <m:oMathPara xmlns:m="http://schemas.openxmlformats.org/officeDocument/2006/math">
+                          <m:oMathParaPr>
+                            <m:jc m:val="centerGroup"/>
+                          </m:oMathParaPr>
+                          <m:oMath xmlns:m="http://schemas.openxmlformats.org/officeDocument/2006/math">
+                            <m:r>
+                              <a:rPr lang="en-US" i="1">
+                                <a:latin typeface="Cambria Math" panose="02040503050406030204" pitchFamily="18" charset="0"/>
+                                <a:cs typeface="Arial" panose="020B0604020202020204" pitchFamily="34" charset="0"/>
+                              </a:rPr>
+                              <m:t>𝑥</m:t>
+                            </m:r>
+                          </m:oMath>
+                        </m:oMathPara>
+                      </a14:m>
+                      <a:endParaRPr lang="en-CA" dirty="0"/>
+                    </a:p>
+                  </p:txBody>
+                </p:sp>
+              </mc:Choice>
+              <mc:Fallback xmlns="">
+                <p:sp>
+                  <p:nvSpPr>
+                    <p:cNvPr id="12" name="Rectangle 11"/>
+                    <p:cNvSpPr>
+                      <a:spLocks noRot="1" noChangeAspect="1" noMove="1" noResize="1" noEditPoints="1" noAdjustHandles="1" noChangeArrowheads="1" noChangeShapeType="1" noTextEdit="1"/>
+                    </p:cNvSpPr>
+                    <p:nvPr/>
+                  </p:nvSpPr>
+                  <p:spPr>
+                    <a:xfrm>
+                      <a:off x="2897675" y="2457728"/>
+                      <a:ext cx="367985" cy="369332"/>
+                    </a:xfrm>
+                    <a:prstGeom prst="rect">
+                      <a:avLst/>
+                    </a:prstGeom>
+                    <a:blipFill rotWithShape="0">
+                      <a:blip r:embed="rId19"/>
+                      <a:stretch>
+                        <a:fillRect/>
+                      </a:stretch>
+                    </a:blipFill>
+                  </p:spPr>
+                  <p:txBody>
+                    <a:bodyPr/>
+                    <a:lstStyle/>
+                    <a:p>
+                      <a:r>
+                        <a:rPr lang="en-CA">
+                          <a:noFill/>
+                        </a:rPr>
+                        <a:t> </a:t>
+                      </a:r>
+                    </a:p>
+                  </p:txBody>
+                </p:sp>
+              </mc:Fallback>
+            </mc:AlternateContent>
+            <mc:AlternateContent xmlns:mc="http://schemas.openxmlformats.org/markup-compatibility/2006" xmlns:a14="http://schemas.microsoft.com/office/drawing/2010/main">
+              <mc:Choice Requires="a14">
+                <p:sp>
+                  <p:nvSpPr>
+                    <p:cNvPr id="100" name="Rectangle 99"/>
+                    <p:cNvSpPr/>
+                    <p:nvPr/>
+                  </p:nvSpPr>
+                  <p:spPr>
+                    <a:xfrm>
+                      <a:off x="1190506" y="790545"/>
+                      <a:ext cx="371384" cy="369332"/>
+                    </a:xfrm>
+                    <a:prstGeom prst="rect">
+                      <a:avLst/>
+                    </a:prstGeom>
+                  </p:spPr>
+                  <p:txBody>
+                    <a:bodyPr wrap="none">
+                      <a:spAutoFit/>
+                    </a:bodyPr>
+                    <a:lstStyle/>
+                    <a:p>
+                      <a:pPr/>
+                      <a14:m>
+                        <m:oMathPara xmlns:m="http://schemas.openxmlformats.org/officeDocument/2006/math">
+                          <m:oMathParaPr>
+                            <m:jc m:val="centerGroup"/>
+                          </m:oMathParaPr>
+                          <m:oMath xmlns:m="http://schemas.openxmlformats.org/officeDocument/2006/math">
+                            <m:r>
+                              <a:rPr lang="en-US" b="0" i="1" smtClean="0">
+                                <a:latin typeface="Cambria Math" panose="02040503050406030204" pitchFamily="18" charset="0"/>
+                              </a:rPr>
+                              <m:t>𝑦</m:t>
+                            </m:r>
+                          </m:oMath>
+                        </m:oMathPara>
+                      </a14:m>
+                      <a:endParaRPr lang="en-CA" dirty="0"/>
+                    </a:p>
+                  </p:txBody>
+                </p:sp>
+              </mc:Choice>
+              <mc:Fallback xmlns="">
+                <p:sp>
+                  <p:nvSpPr>
+                    <p:cNvPr id="13" name="Rectangle 12"/>
+                    <p:cNvSpPr>
+                      <a:spLocks noRot="1" noChangeAspect="1" noMove="1" noResize="1" noEditPoints="1" noAdjustHandles="1" noChangeArrowheads="1" noChangeShapeType="1" noTextEdit="1"/>
+                    </p:cNvSpPr>
+                    <p:nvPr/>
+                  </p:nvSpPr>
+                  <p:spPr>
+                    <a:xfrm>
+                      <a:off x="1190506" y="790545"/>
+                      <a:ext cx="371384" cy="369332"/>
+                    </a:xfrm>
+                    <a:prstGeom prst="rect">
+                      <a:avLst/>
+                    </a:prstGeom>
+                    <a:blipFill rotWithShape="0">
+                      <a:blip r:embed="rId20"/>
+                      <a:stretch>
+                        <a:fillRect b="-6557"/>
+                      </a:stretch>
+                    </a:blipFill>
+                  </p:spPr>
+                  <p:txBody>
+                    <a:bodyPr/>
+                    <a:lstStyle/>
+                    <a:p>
+                      <a:r>
+                        <a:rPr lang="en-CA">
+                          <a:noFill/>
+                        </a:rPr>
+                        <a:t> </a:t>
+                      </a:r>
+                    </a:p>
+                  </p:txBody>
+                </p:sp>
+              </mc:Fallback>
+            </mc:AlternateContent>
+            <mc:AlternateContent xmlns:mc="http://schemas.openxmlformats.org/markup-compatibility/2006" xmlns:a14="http://schemas.microsoft.com/office/drawing/2010/main">
+              <mc:Choice Requires="a14">
+                <p:sp>
+                  <p:nvSpPr>
+                    <p:cNvPr id="101" name="Rectangle 100"/>
+                    <p:cNvSpPr/>
+                    <p:nvPr/>
+                  </p:nvSpPr>
+                  <p:spPr>
+                    <a:xfrm>
+                      <a:off x="1205483" y="2447020"/>
+                      <a:ext cx="367985" cy="369332"/>
+                    </a:xfrm>
+                    <a:prstGeom prst="rect">
+                      <a:avLst/>
+                    </a:prstGeom>
+                  </p:spPr>
+                  <p:txBody>
+                    <a:bodyPr wrap="none">
+                      <a:spAutoFit/>
+                    </a:bodyPr>
+                    <a:lstStyle/>
+                    <a:p>
+                      <a:pPr/>
+                      <a14:m>
+                        <m:oMathPara xmlns:m="http://schemas.openxmlformats.org/officeDocument/2006/math">
+                          <m:oMathParaPr>
+                            <m:jc m:val="centerGroup"/>
+                          </m:oMathParaPr>
+                          <m:oMath xmlns:m="http://schemas.openxmlformats.org/officeDocument/2006/math">
+                            <m:r>
+                              <a:rPr lang="en-US" b="0" i="1" smtClean="0">
+                                <a:latin typeface="Cambria Math" panose="02040503050406030204" pitchFamily="18" charset="0"/>
+                                <a:cs typeface="Arial" panose="020B0604020202020204" pitchFamily="34" charset="0"/>
+                              </a:rPr>
+                              <m:t>0</m:t>
+                            </m:r>
+                          </m:oMath>
+                        </m:oMathPara>
+                      </a14:m>
+                      <a:endParaRPr lang="en-CA" dirty="0"/>
+                    </a:p>
+                  </p:txBody>
+                </p:sp>
+              </mc:Choice>
+              <mc:Fallback xmlns="">
+                <p:sp>
+                  <p:nvSpPr>
+                    <p:cNvPr id="14" name="Rectangle 13"/>
+                    <p:cNvSpPr>
+                      <a:spLocks noRot="1" noChangeAspect="1" noMove="1" noResize="1" noEditPoints="1" noAdjustHandles="1" noChangeArrowheads="1" noChangeShapeType="1" noTextEdit="1"/>
+                    </p:cNvSpPr>
+                    <p:nvPr/>
+                  </p:nvSpPr>
+                  <p:spPr>
+                    <a:xfrm>
+                      <a:off x="1205483" y="2447020"/>
+                      <a:ext cx="367985" cy="369332"/>
+                    </a:xfrm>
+                    <a:prstGeom prst="rect">
+                      <a:avLst/>
+                    </a:prstGeom>
+                    <a:blipFill rotWithShape="0">
+                      <a:blip r:embed="rId21"/>
+                      <a:stretch>
+                        <a:fillRect/>
+                      </a:stretch>
+                    </a:blipFill>
+                  </p:spPr>
+                  <p:txBody>
+                    <a:bodyPr/>
+                    <a:lstStyle/>
+                    <a:p>
+                      <a:r>
+                        <a:rPr lang="en-CA">
+                          <a:noFill/>
+                        </a:rPr>
+                        <a:t> </a:t>
+                      </a:r>
+                    </a:p>
+                  </p:txBody>
+                </p:sp>
+              </mc:Fallback>
+            </mc:AlternateContent>
+          </p:grpSp>
+          <p:sp>
+            <p:nvSpPr>
+              <p:cNvPr id="96" name="Rectangle 95"/>
+              <p:cNvSpPr/>
+              <p:nvPr/>
+            </p:nvSpPr>
+            <p:spPr>
+              <a:xfrm>
+                <a:off x="1129904" y="1614682"/>
+                <a:ext cx="184731" cy="369332"/>
+              </a:xfrm>
+              <a:prstGeom prst="rect">
+                <a:avLst/>
+              </a:prstGeom>
+            </p:spPr>
+            <p:txBody>
+              <a:bodyPr wrap="none">
+                <a:spAutoFit/>
+              </a:bodyPr>
+              <a:lstStyle/>
+              <a:p>
+                <a:endParaRPr lang="en-CA" dirty="0"/>
+              </a:p>
+            </p:txBody>
+          </p:sp>
+        </p:grpSp>
+        <mc:AlternateContent xmlns:mc="http://schemas.openxmlformats.org/markup-compatibility/2006">
+          <mc:Choice xmlns:a14="http://schemas.microsoft.com/office/drawing/2010/main" Requires="a14">
+            <p:sp>
+              <p:nvSpPr>
+                <p:cNvPr id="102" name="Rectangle 101"/>
+                <p:cNvSpPr/>
+                <p:nvPr/>
+              </p:nvSpPr>
+              <p:spPr>
+                <a:xfrm>
+                  <a:off x="1178940" y="3917779"/>
+                  <a:ext cx="371448" cy="369332"/>
+                </a:xfrm>
+                <a:prstGeom prst="rect">
+                  <a:avLst/>
+                </a:prstGeom>
+              </p:spPr>
+              <p:txBody>
+                <a:bodyPr wrap="none">
+                  <a:spAutoFit/>
+                </a:bodyPr>
+                <a:lstStyle/>
+                <a:p>
+                  <a:pPr/>
+                  <a14:m>
+                    <m:oMathPara xmlns:m="http://schemas.openxmlformats.org/officeDocument/2006/math">
+                      <m:oMathParaPr>
+                        <m:jc m:val="centerGroup"/>
+                      </m:oMathParaPr>
+                      <m:oMath xmlns:m="http://schemas.openxmlformats.org/officeDocument/2006/math">
+                        <m:acc>
+                          <m:accPr>
+                            <m:chr m:val="⃗"/>
+                            <m:ctrlPr>
+                              <a:rPr lang="en-US" b="0" i="1" smtClean="0">
+                                <a:latin typeface="Cambria Math" panose="02040503050406030204" pitchFamily="18" charset="0"/>
+                                <a:cs typeface="Arial" panose="020B0604020202020204" pitchFamily="34" charset="0"/>
+                              </a:rPr>
+                            </m:ctrlPr>
+                          </m:accPr>
+                          <m:e>
+                            <m:r>
+                              <a:rPr lang="en-US" b="0" i="1" smtClean="0">
+                                <a:latin typeface="Cambria Math" panose="02040503050406030204" pitchFamily="18" charset="0"/>
+                                <a:cs typeface="Arial" panose="020B0604020202020204" pitchFamily="34" charset="0"/>
+                              </a:rPr>
+                              <m:t>𝑎</m:t>
+                            </m:r>
+                          </m:e>
+                        </m:acc>
+                      </m:oMath>
+                    </m:oMathPara>
+                  </a14:m>
+                  <a:endParaRPr lang="en-CA" dirty="0"/>
+                </a:p>
+              </p:txBody>
+            </p:sp>
+          </mc:Choice>
+          <mc:Fallback>
+            <p:sp>
+              <p:nvSpPr>
+                <p:cNvPr id="102" name="Rectangle 101"/>
+                <p:cNvSpPr>
+                  <a:spLocks noRot="1" noChangeAspect="1" noMove="1" noResize="1" noEditPoints="1" noAdjustHandles="1" noChangeArrowheads="1" noChangeShapeType="1" noTextEdit="1"/>
+                </p:cNvSpPr>
+                <p:nvPr/>
+              </p:nvSpPr>
+              <p:spPr>
+                <a:xfrm>
+                  <a:off x="1178940" y="3917779"/>
+                  <a:ext cx="371448" cy="369332"/>
+                </a:xfrm>
+                <a:prstGeom prst="rect">
+                  <a:avLst/>
+                </a:prstGeom>
+                <a:blipFill>
+                  <a:blip r:embed="rId22"/>
+                  <a:stretch>
+                    <a:fillRect t="-23333" r="-26230"/>
+                  </a:stretch>
+                </a:blipFill>
+              </p:spPr>
+              <p:txBody>
+                <a:bodyPr/>
+                <a:lstStyle/>
+                <a:p>
+                  <a:r>
+                    <a:rPr lang="en-US">
+                      <a:noFill/>
+                    </a:rPr>
+                    <a:t> </a:t>
+                  </a:r>
+                </a:p>
+              </p:txBody>
+            </p:sp>
+          </mc:Fallback>
+        </mc:AlternateContent>
+        <p:cxnSp>
+          <p:nvCxnSpPr>
+            <p:cNvPr id="103" name="Straight Arrow Connector 102"/>
+            <p:cNvCxnSpPr/>
+            <p:nvPr/>
+          </p:nvCxnSpPr>
+          <p:spPr>
+            <a:xfrm flipV="1">
+              <a:off x="1044369" y="3602979"/>
+              <a:ext cx="1243362" cy="1155972"/>
+            </a:xfrm>
+            <a:prstGeom prst="straightConnector1">
+              <a:avLst/>
+            </a:prstGeom>
+            <a:ln w="38100">
+              <a:solidFill>
+                <a:schemeClr val="tx1"/>
+              </a:solidFill>
+              <a:tailEnd type="triangle"/>
+            </a:ln>
+          </p:spPr>
+          <p:style>
+            <a:lnRef idx="1">
+              <a:schemeClr val="accent1"/>
+            </a:lnRef>
+            <a:fillRef idx="0">
+              <a:schemeClr val="accent1"/>
+            </a:fillRef>
+            <a:effectRef idx="0">
+              <a:schemeClr val="accent1"/>
+            </a:effectRef>
+            <a:fontRef idx="minor">
+              <a:schemeClr val="tx1"/>
+            </a:fontRef>
+          </p:style>
+        </p:cxnSp>
+        <p:cxnSp>
+          <p:nvCxnSpPr>
+            <p:cNvPr id="105" name="Straight Arrow Connector 104"/>
+            <p:cNvCxnSpPr/>
+            <p:nvPr/>
+          </p:nvCxnSpPr>
+          <p:spPr>
+            <a:xfrm flipV="1">
+              <a:off x="1055737" y="4756710"/>
+              <a:ext cx="1231994" cy="808"/>
+            </a:xfrm>
+            <a:prstGeom prst="straightConnector1">
+              <a:avLst/>
+            </a:prstGeom>
+            <a:ln w="38100">
+              <a:solidFill>
+                <a:schemeClr val="bg2">
+                  <a:lumMod val="50000"/>
+                </a:schemeClr>
+              </a:solidFill>
+              <a:tailEnd type="triangle"/>
+            </a:ln>
+          </p:spPr>
+          <p:style>
+            <a:lnRef idx="1">
+              <a:schemeClr val="accent1"/>
+            </a:lnRef>
+            <a:fillRef idx="0">
+              <a:schemeClr val="accent1"/>
+            </a:fillRef>
+            <a:effectRef idx="0">
+              <a:schemeClr val="accent1"/>
+            </a:effectRef>
+            <a:fontRef idx="minor">
+              <a:schemeClr val="tx1"/>
+            </a:fontRef>
+          </p:style>
+        </p:cxnSp>
+        <p:cxnSp>
+          <p:nvCxnSpPr>
+            <p:cNvPr id="109" name="Straight Arrow Connector 108"/>
+            <p:cNvCxnSpPr/>
+            <p:nvPr/>
+          </p:nvCxnSpPr>
+          <p:spPr>
+            <a:xfrm flipV="1">
+              <a:off x="2251585" y="3602979"/>
+              <a:ext cx="0" cy="1157152"/>
+            </a:xfrm>
+            <a:prstGeom prst="straightConnector1">
+              <a:avLst/>
+            </a:prstGeom>
+            <a:ln w="38100">
+              <a:solidFill>
+                <a:schemeClr val="bg2">
+                  <a:lumMod val="50000"/>
+                </a:schemeClr>
+              </a:solidFill>
+              <a:tailEnd type="triangle"/>
+            </a:ln>
+          </p:spPr>
+          <p:style>
+            <a:lnRef idx="1">
+              <a:schemeClr val="accent1"/>
+            </a:lnRef>
+            <a:fillRef idx="0">
+              <a:schemeClr val="accent1"/>
+            </a:fillRef>
+            <a:effectRef idx="0">
+              <a:schemeClr val="accent1"/>
+            </a:effectRef>
+            <a:fontRef idx="minor">
+              <a:schemeClr val="tx1"/>
+            </a:fontRef>
+          </p:style>
+        </p:cxnSp>
+        <p:cxnSp>
+          <p:nvCxnSpPr>
+            <p:cNvPr id="112" name="Straight Arrow Connector 111"/>
+            <p:cNvCxnSpPr/>
+            <p:nvPr/>
+          </p:nvCxnSpPr>
+          <p:spPr>
+            <a:xfrm>
+              <a:off x="1044369" y="5018515"/>
+              <a:ext cx="320295" cy="0"/>
+            </a:xfrm>
+            <a:prstGeom prst="straightConnector1">
+              <a:avLst/>
+            </a:prstGeom>
+            <a:ln w="38100">
+              <a:solidFill>
+                <a:schemeClr val="tx1"/>
+              </a:solidFill>
+              <a:tailEnd type="triangle"/>
+            </a:ln>
+          </p:spPr>
+          <p:style>
+            <a:lnRef idx="1">
+              <a:schemeClr val="accent1"/>
+            </a:lnRef>
+            <a:fillRef idx="0">
+              <a:schemeClr val="accent1"/>
+            </a:fillRef>
+            <a:effectRef idx="0">
+              <a:schemeClr val="accent1"/>
+            </a:effectRef>
+            <a:fontRef idx="minor">
+              <a:schemeClr val="tx1"/>
+            </a:fontRef>
+          </p:style>
+        </p:cxnSp>
+        <p:cxnSp>
+          <p:nvCxnSpPr>
+            <p:cNvPr id="117" name="Straight Arrow Connector 116"/>
+            <p:cNvCxnSpPr/>
+            <p:nvPr/>
+          </p:nvCxnSpPr>
+          <p:spPr>
+            <a:xfrm flipV="1">
+              <a:off x="2646804" y="4465675"/>
+              <a:ext cx="0" cy="277553"/>
+            </a:xfrm>
+            <a:prstGeom prst="straightConnector1">
+              <a:avLst/>
+            </a:prstGeom>
+            <a:ln w="38100">
+              <a:solidFill>
+                <a:schemeClr val="tx1"/>
+              </a:solidFill>
+              <a:tailEnd type="triangle"/>
+            </a:ln>
+          </p:spPr>
+          <p:style>
+            <a:lnRef idx="1">
+              <a:schemeClr val="accent1"/>
+            </a:lnRef>
+            <a:fillRef idx="0">
+              <a:schemeClr val="accent1"/>
+            </a:fillRef>
+            <a:effectRef idx="0">
+              <a:schemeClr val="accent1"/>
+            </a:effectRef>
+            <a:fontRef idx="minor">
+              <a:schemeClr val="tx1"/>
+            </a:fontRef>
+          </p:style>
+        </p:cxnSp>
+        <mc:AlternateContent xmlns:mc="http://schemas.openxmlformats.org/markup-compatibility/2006">
+          <mc:Choice xmlns:a14="http://schemas.microsoft.com/office/drawing/2010/main" Requires="a14">
+            <p:sp>
+              <p:nvSpPr>
+                <p:cNvPr id="119" name="Rectangle 118"/>
+                <p:cNvSpPr/>
+                <p:nvPr/>
+              </p:nvSpPr>
+              <p:spPr>
+                <a:xfrm>
+                  <a:off x="2594631" y="4455515"/>
+                  <a:ext cx="371384" cy="369332"/>
+                </a:xfrm>
+                <a:prstGeom prst="rect">
+                  <a:avLst/>
+                </a:prstGeom>
+              </p:spPr>
+              <p:txBody>
+                <a:bodyPr wrap="none">
+                  <a:spAutoFit/>
+                </a:bodyPr>
+                <a:lstStyle/>
+                <a:p>
+                  <a:pPr/>
+                  <a14:m>
+                    <m:oMathPara xmlns:m="http://schemas.openxmlformats.org/officeDocument/2006/math">
+                      <m:oMathParaPr>
+                        <m:jc m:val="centerGroup"/>
+                      </m:oMathParaPr>
+                      <m:oMath xmlns:m="http://schemas.openxmlformats.org/officeDocument/2006/math">
+                        <m:acc>
+                          <m:accPr>
+                            <m:chr m:val="̂"/>
+                            <m:ctrlPr>
+                              <a:rPr lang="en-US" b="0" i="1" smtClean="0">
+                                <a:latin typeface="Cambria Math" panose="02040503050406030204" pitchFamily="18" charset="0"/>
+                                <a:cs typeface="Arial" panose="020B0604020202020204" pitchFamily="34" charset="0"/>
+                              </a:rPr>
+                            </m:ctrlPr>
+                          </m:accPr>
+                          <m:e>
+                            <m:r>
+                              <a:rPr lang="en-US" b="0" i="1" smtClean="0">
+                                <a:latin typeface="Cambria Math" panose="02040503050406030204" pitchFamily="18" charset="0"/>
+                                <a:cs typeface="Arial" panose="020B0604020202020204" pitchFamily="34" charset="0"/>
+                              </a:rPr>
+                              <m:t>𝑦</m:t>
+                            </m:r>
+                          </m:e>
+                        </m:acc>
+                      </m:oMath>
+                    </m:oMathPara>
+                  </a14:m>
+                  <a:endParaRPr lang="en-CA" dirty="0"/>
+                </a:p>
+              </p:txBody>
+            </p:sp>
+          </mc:Choice>
+          <mc:Fallback>
+            <p:sp>
+              <p:nvSpPr>
+                <p:cNvPr id="119" name="Rectangle 118"/>
+                <p:cNvSpPr>
+                  <a:spLocks noRot="1" noChangeAspect="1" noMove="1" noResize="1" noEditPoints="1" noAdjustHandles="1" noChangeArrowheads="1" noChangeShapeType="1" noTextEdit="1"/>
+                </p:cNvSpPr>
+                <p:nvPr/>
+              </p:nvSpPr>
+              <p:spPr>
+                <a:xfrm>
+                  <a:off x="2594631" y="4455515"/>
+                  <a:ext cx="371384" cy="369332"/>
+                </a:xfrm>
+                <a:prstGeom prst="rect">
+                  <a:avLst/>
+                </a:prstGeom>
+                <a:blipFill>
+                  <a:blip r:embed="rId23"/>
+                  <a:stretch>
+                    <a:fillRect t="-6667" r="-14754" b="-6667"/>
+                  </a:stretch>
+                </a:blipFill>
+              </p:spPr>
+              <p:txBody>
+                <a:bodyPr/>
+                <a:lstStyle/>
+                <a:p>
+                  <a:r>
+                    <a:rPr lang="en-US">
+                      <a:noFill/>
+                    </a:rPr>
+                    <a:t> </a:t>
+                  </a:r>
+                </a:p>
+              </p:txBody>
+            </p:sp>
+          </mc:Fallback>
+        </mc:AlternateContent>
+        <mc:AlternateContent xmlns:mc="http://schemas.openxmlformats.org/markup-compatibility/2006">
+          <mc:Choice xmlns:a14="http://schemas.microsoft.com/office/drawing/2010/main" Requires="a14">
+            <p:sp>
+              <p:nvSpPr>
+                <p:cNvPr id="120" name="Rectangle 119"/>
+                <p:cNvSpPr/>
+                <p:nvPr/>
+              </p:nvSpPr>
+              <p:spPr>
+                <a:xfrm>
+                  <a:off x="945751" y="4966672"/>
+                  <a:ext cx="371384" cy="369332"/>
+                </a:xfrm>
+                <a:prstGeom prst="rect">
+                  <a:avLst/>
+                </a:prstGeom>
+              </p:spPr>
+              <p:txBody>
+                <a:bodyPr wrap="none">
+                  <a:spAutoFit/>
+                </a:bodyPr>
+                <a:lstStyle/>
+                <a:p>
+                  <a:pPr/>
+                  <a14:m>
+                    <m:oMathPara xmlns:m="http://schemas.openxmlformats.org/officeDocument/2006/math">
+                      <m:oMathParaPr>
+                        <m:jc m:val="centerGroup"/>
+                      </m:oMathParaPr>
+                      <m:oMath xmlns:m="http://schemas.openxmlformats.org/officeDocument/2006/math">
+                        <m:acc>
+                          <m:accPr>
+                            <m:chr m:val="̂"/>
+                            <m:ctrlPr>
+                              <a:rPr lang="en-US" b="0" i="1" smtClean="0">
+                                <a:latin typeface="Cambria Math" panose="02040503050406030204" pitchFamily="18" charset="0"/>
+                                <a:cs typeface="Arial" panose="020B0604020202020204" pitchFamily="34" charset="0"/>
+                              </a:rPr>
+                            </m:ctrlPr>
+                          </m:accPr>
+                          <m:e>
+                            <m:r>
+                              <a:rPr lang="en-US" b="0" i="1" smtClean="0">
+                                <a:latin typeface="Cambria Math" panose="02040503050406030204" pitchFamily="18" charset="0"/>
+                                <a:cs typeface="Arial" panose="020B0604020202020204" pitchFamily="34" charset="0"/>
+                              </a:rPr>
+                              <m:t>𝑥</m:t>
+                            </m:r>
+                          </m:e>
+                        </m:acc>
+                      </m:oMath>
+                    </m:oMathPara>
+                  </a14:m>
+                  <a:endParaRPr lang="en-CA" dirty="0"/>
+                </a:p>
+              </p:txBody>
+            </p:sp>
+          </mc:Choice>
+          <mc:Fallback>
+            <p:sp>
+              <p:nvSpPr>
+                <p:cNvPr id="120" name="Rectangle 119"/>
+                <p:cNvSpPr>
+                  <a:spLocks noRot="1" noChangeAspect="1" noMove="1" noResize="1" noEditPoints="1" noAdjustHandles="1" noChangeArrowheads="1" noChangeShapeType="1" noTextEdit="1"/>
+                </p:cNvSpPr>
+                <p:nvPr/>
+              </p:nvSpPr>
+              <p:spPr>
+                <a:xfrm>
+                  <a:off x="945751" y="4966672"/>
+                  <a:ext cx="371384" cy="369332"/>
+                </a:xfrm>
+                <a:prstGeom prst="rect">
+                  <a:avLst/>
+                </a:prstGeom>
+                <a:blipFill>
+                  <a:blip r:embed="rId24"/>
+                  <a:stretch>
+                    <a:fillRect t="-6667" r="-16393"/>
+                  </a:stretch>
+                </a:blipFill>
+              </p:spPr>
+              <p:txBody>
+                <a:bodyPr/>
+                <a:lstStyle/>
+                <a:p>
+                  <a:r>
+                    <a:rPr lang="en-US">
+                      <a:noFill/>
+                    </a:rPr>
+                    <a:t> </a:t>
+                  </a:r>
+                </a:p>
+              </p:txBody>
+            </p:sp>
+          </mc:Fallback>
+        </mc:AlternateContent>
+        <mc:AlternateContent xmlns:mc="http://schemas.openxmlformats.org/markup-compatibility/2006">
+          <mc:Choice xmlns:a14="http://schemas.microsoft.com/office/drawing/2010/main" Requires="a14">
+            <p:sp>
+              <p:nvSpPr>
+                <p:cNvPr id="121" name="Rectangle 120"/>
+                <p:cNvSpPr/>
+                <p:nvPr/>
+              </p:nvSpPr>
+              <p:spPr>
+                <a:xfrm>
+                  <a:off x="2241425" y="3980326"/>
+                  <a:ext cx="620683" cy="391261"/>
+                </a:xfrm>
+                <a:prstGeom prst="rect">
+                  <a:avLst/>
+                </a:prstGeom>
+              </p:spPr>
+              <p:txBody>
+                <a:bodyPr wrap="none">
+                  <a:spAutoFit/>
+                </a:bodyPr>
+                <a:lstStyle/>
+                <a:p>
+                  <a:pPr/>
+                  <a14:m>
+                    <m:oMathPara xmlns:m="http://schemas.openxmlformats.org/officeDocument/2006/math">
+                      <m:oMathParaPr>
+                        <m:jc m:val="centerGroup"/>
+                      </m:oMathParaPr>
+                      <m:oMath xmlns:m="http://schemas.openxmlformats.org/officeDocument/2006/math">
+                        <m:sSub>
+                          <m:sSubPr>
+                            <m:ctrlPr>
+                              <a:rPr lang="en-US" b="0" i="1" smtClean="0">
+                                <a:latin typeface="Cambria Math" panose="02040503050406030204" pitchFamily="18" charset="0"/>
+                                <a:cs typeface="Arial" panose="020B0604020202020204" pitchFamily="34" charset="0"/>
+                              </a:rPr>
+                            </m:ctrlPr>
+                          </m:sSubPr>
+                          <m:e>
+                            <m:r>
+                              <a:rPr lang="en-US" b="0" i="1" smtClean="0">
+                                <a:latin typeface="Cambria Math" panose="02040503050406030204" pitchFamily="18" charset="0"/>
+                                <a:cs typeface="Arial" panose="020B0604020202020204" pitchFamily="34" charset="0"/>
+                              </a:rPr>
+                              <m:t>𝑎</m:t>
+                            </m:r>
+                          </m:e>
+                          <m:sub>
+                            <m:r>
+                              <a:rPr lang="en-US" b="0" i="1" smtClean="0">
+                                <a:latin typeface="Cambria Math" panose="02040503050406030204" pitchFamily="18" charset="0"/>
+                                <a:cs typeface="Arial" panose="020B0604020202020204" pitchFamily="34" charset="0"/>
+                              </a:rPr>
+                              <m:t>𝑦</m:t>
+                            </m:r>
+                          </m:sub>
+                        </m:sSub>
+                        <m:acc>
+                          <m:accPr>
+                            <m:chr m:val="̂"/>
+                            <m:ctrlPr>
+                              <a:rPr lang="en-US" b="0" i="1" smtClean="0">
+                                <a:latin typeface="Cambria Math" panose="02040503050406030204" pitchFamily="18" charset="0"/>
+                                <a:cs typeface="Arial" panose="020B0604020202020204" pitchFamily="34" charset="0"/>
+                              </a:rPr>
+                            </m:ctrlPr>
+                          </m:accPr>
+                          <m:e>
+                            <m:r>
+                              <a:rPr lang="en-US" b="0" i="1" smtClean="0">
+                                <a:latin typeface="Cambria Math" panose="02040503050406030204" pitchFamily="18" charset="0"/>
+                                <a:cs typeface="Arial" panose="020B0604020202020204" pitchFamily="34" charset="0"/>
+                              </a:rPr>
+                              <m:t>𝑦</m:t>
+                            </m:r>
+                          </m:e>
+                        </m:acc>
+                      </m:oMath>
+                    </m:oMathPara>
+                  </a14:m>
+                  <a:endParaRPr lang="en-CA" dirty="0"/>
+                </a:p>
+              </p:txBody>
+            </p:sp>
+          </mc:Choice>
+          <mc:Fallback>
+            <p:sp>
+              <p:nvSpPr>
+                <p:cNvPr id="121" name="Rectangle 120"/>
+                <p:cNvSpPr>
+                  <a:spLocks noRot="1" noChangeAspect="1" noMove="1" noResize="1" noEditPoints="1" noAdjustHandles="1" noChangeArrowheads="1" noChangeShapeType="1" noTextEdit="1"/>
+                </p:cNvSpPr>
+                <p:nvPr/>
+              </p:nvSpPr>
+              <p:spPr>
+                <a:xfrm>
+                  <a:off x="2241425" y="3980326"/>
+                  <a:ext cx="620683" cy="391261"/>
+                </a:xfrm>
+                <a:prstGeom prst="rect">
+                  <a:avLst/>
+                </a:prstGeom>
+                <a:blipFill>
+                  <a:blip r:embed="rId25"/>
+                  <a:stretch>
+                    <a:fillRect t="-4688" r="-41176" b="-3125"/>
+                  </a:stretch>
+                </a:blipFill>
+              </p:spPr>
+              <p:txBody>
+                <a:bodyPr/>
+                <a:lstStyle/>
+                <a:p>
+                  <a:r>
+                    <a:rPr lang="en-US">
+                      <a:noFill/>
+                    </a:rPr>
+                    <a:t> </a:t>
+                  </a:r>
+                </a:p>
+              </p:txBody>
+            </p:sp>
+          </mc:Fallback>
+        </mc:AlternateContent>
+        <mc:AlternateContent xmlns:mc="http://schemas.openxmlformats.org/markup-compatibility/2006">
+          <mc:Choice xmlns:a14="http://schemas.microsoft.com/office/drawing/2010/main" Requires="a14">
+            <p:sp>
+              <p:nvSpPr>
+                <p:cNvPr id="122" name="Rectangle 121"/>
+                <p:cNvSpPr/>
+                <p:nvPr/>
+              </p:nvSpPr>
+              <p:spPr>
+                <a:xfrm>
+                  <a:off x="1406886" y="4717321"/>
+                  <a:ext cx="613052" cy="369332"/>
+                </a:xfrm>
+                <a:prstGeom prst="rect">
+                  <a:avLst/>
+                </a:prstGeom>
+              </p:spPr>
+              <p:txBody>
+                <a:bodyPr wrap="none">
+                  <a:spAutoFit/>
+                </a:bodyPr>
+                <a:lstStyle/>
+                <a:p>
+                  <a:pPr/>
+                  <a14:m>
+                    <m:oMathPara xmlns:m="http://schemas.openxmlformats.org/officeDocument/2006/math">
+                      <m:oMathParaPr>
+                        <m:jc m:val="centerGroup"/>
+                      </m:oMathParaPr>
+                      <m:oMath xmlns:m="http://schemas.openxmlformats.org/officeDocument/2006/math">
+                        <m:sSub>
+                          <m:sSubPr>
+                            <m:ctrlPr>
+                              <a:rPr lang="en-US" b="0" i="1" smtClean="0">
+                                <a:latin typeface="Cambria Math" panose="02040503050406030204" pitchFamily="18" charset="0"/>
+                                <a:cs typeface="Arial" panose="020B0604020202020204" pitchFamily="34" charset="0"/>
+                              </a:rPr>
+                            </m:ctrlPr>
+                          </m:sSubPr>
+                          <m:e>
+                            <m:r>
+                              <a:rPr lang="en-US" b="0" i="1" smtClean="0">
+                                <a:latin typeface="Cambria Math" panose="02040503050406030204" pitchFamily="18" charset="0"/>
+                                <a:cs typeface="Arial" panose="020B0604020202020204" pitchFamily="34" charset="0"/>
+                              </a:rPr>
+                              <m:t>𝑎</m:t>
+                            </m:r>
+                          </m:e>
+                          <m:sub>
+                            <m:r>
+                              <a:rPr lang="en-US" b="0" i="1" smtClean="0">
+                                <a:latin typeface="Cambria Math" panose="02040503050406030204" pitchFamily="18" charset="0"/>
+                                <a:cs typeface="Arial" panose="020B0604020202020204" pitchFamily="34" charset="0"/>
+                              </a:rPr>
+                              <m:t>𝑥</m:t>
+                            </m:r>
+                          </m:sub>
+                        </m:sSub>
+                        <m:acc>
+                          <m:accPr>
+                            <m:chr m:val="̂"/>
+                            <m:ctrlPr>
+                              <a:rPr lang="en-US" b="0" i="1" smtClean="0">
+                                <a:latin typeface="Cambria Math" panose="02040503050406030204" pitchFamily="18" charset="0"/>
+                                <a:cs typeface="Arial" panose="020B0604020202020204" pitchFamily="34" charset="0"/>
+                              </a:rPr>
+                            </m:ctrlPr>
+                          </m:accPr>
+                          <m:e>
+                            <m:r>
+                              <a:rPr lang="en-US" b="0" i="1" smtClean="0">
+                                <a:latin typeface="Cambria Math" panose="02040503050406030204" pitchFamily="18" charset="0"/>
+                                <a:cs typeface="Arial" panose="020B0604020202020204" pitchFamily="34" charset="0"/>
+                              </a:rPr>
+                              <m:t>𝑥</m:t>
+                            </m:r>
+                          </m:e>
+                        </m:acc>
+                      </m:oMath>
+                    </m:oMathPara>
+                  </a14:m>
+                  <a:endParaRPr lang="en-CA" dirty="0"/>
+                </a:p>
+              </p:txBody>
+            </p:sp>
+          </mc:Choice>
+          <mc:Fallback>
+            <p:sp>
+              <p:nvSpPr>
+                <p:cNvPr id="122" name="Rectangle 121"/>
+                <p:cNvSpPr>
+                  <a:spLocks noRot="1" noChangeAspect="1" noMove="1" noResize="1" noEditPoints="1" noAdjustHandles="1" noChangeArrowheads="1" noChangeShapeType="1" noTextEdit="1"/>
+                </p:cNvSpPr>
+                <p:nvPr/>
+              </p:nvSpPr>
+              <p:spPr>
+                <a:xfrm>
+                  <a:off x="1406886" y="4717321"/>
+                  <a:ext cx="613052" cy="369332"/>
+                </a:xfrm>
+                <a:prstGeom prst="rect">
+                  <a:avLst/>
+                </a:prstGeom>
+                <a:blipFill>
+                  <a:blip r:embed="rId26"/>
+                  <a:stretch>
+                    <a:fillRect t="-6667" r="-43000"/>
+                  </a:stretch>
+                </a:blipFill>
+              </p:spPr>
+              <p:txBody>
+                <a:bodyPr/>
+                <a:lstStyle/>
+                <a:p>
+                  <a:r>
+                    <a:rPr lang="en-US">
+                      <a:noFill/>
+                    </a:rPr>
+                    <a:t> </a:t>
+                  </a:r>
+                </a:p>
+              </p:txBody>
+            </p:sp>
+          </mc:Fallback>
+        </mc:AlternateContent>
+      </p:grpSp>
+      <p:grpSp>
+        <p:nvGrpSpPr>
+          <p:cNvPr id="150" name="Group 149"/>
+          <p:cNvGrpSpPr/>
+          <p:nvPr/>
+        </p:nvGrpSpPr>
+        <p:grpSpPr>
+          <a:xfrm>
+            <a:off x="3804555" y="3392517"/>
+            <a:ext cx="2216092" cy="2146316"/>
+            <a:chOff x="3804555" y="3392517"/>
+            <a:chExt cx="2216092" cy="2146316"/>
+          </a:xfrm>
+        </p:grpSpPr>
+        <p:grpSp>
+          <p:nvGrpSpPr>
+            <p:cNvPr id="125" name="Group 124"/>
+            <p:cNvGrpSpPr/>
+            <p:nvPr/>
+          </p:nvGrpSpPr>
+          <p:grpSpPr>
+            <a:xfrm>
+              <a:off x="3804555" y="3392517"/>
+              <a:ext cx="2216092" cy="2146316"/>
+              <a:chOff x="1129904" y="708040"/>
+              <a:chExt cx="2216092" cy="2146316"/>
+            </a:xfrm>
+          </p:grpSpPr>
+          <p:grpSp>
+            <p:nvGrpSpPr>
+              <p:cNvPr id="126" name="Group 125"/>
+              <p:cNvGrpSpPr/>
+              <p:nvPr/>
+            </p:nvGrpSpPr>
+            <p:grpSpPr>
+              <a:xfrm>
+                <a:off x="1163211" y="708040"/>
+                <a:ext cx="2182785" cy="2146316"/>
+                <a:chOff x="1190506" y="680744"/>
+                <a:chExt cx="2182785" cy="2146316"/>
+              </a:xfrm>
+            </p:grpSpPr>
+            <p:cxnSp>
+              <p:nvCxnSpPr>
+                <p:cNvPr id="128" name="Straight Arrow Connector 127"/>
+                <p:cNvCxnSpPr/>
+                <p:nvPr/>
+              </p:nvCxnSpPr>
+              <p:spPr>
+                <a:xfrm flipV="1">
+                  <a:off x="1516583" y="680744"/>
+                  <a:ext cx="7684" cy="1859536"/>
+                </a:xfrm>
+                <a:prstGeom prst="straightConnector1">
+                  <a:avLst/>
+                </a:prstGeom>
+                <a:ln w="38100">
+                  <a:solidFill>
+                    <a:schemeClr val="tx1"/>
+                  </a:solidFill>
+                  <a:tailEnd type="triangle"/>
+                </a:ln>
+              </p:spPr>
+              <p:style>
+                <a:lnRef idx="1">
+                  <a:schemeClr val="accent1"/>
+                </a:lnRef>
+                <a:fillRef idx="0">
+                  <a:schemeClr val="accent1"/>
+                </a:fillRef>
+                <a:effectRef idx="0">
+                  <a:schemeClr val="accent1"/>
+                </a:effectRef>
+                <a:fontRef idx="minor">
+                  <a:schemeClr val="tx1"/>
+                </a:fontRef>
+              </p:style>
+            </p:cxnSp>
+            <p:cxnSp>
+              <p:nvCxnSpPr>
+                <p:cNvPr id="129" name="Straight Arrow Connector 128"/>
+                <p:cNvCxnSpPr/>
+                <p:nvPr/>
+              </p:nvCxnSpPr>
+              <p:spPr>
+                <a:xfrm flipV="1">
+                  <a:off x="1498387" y="2526633"/>
+                  <a:ext cx="1874904" cy="1"/>
+                </a:xfrm>
+                <a:prstGeom prst="straightConnector1">
+                  <a:avLst/>
+                </a:prstGeom>
+                <a:ln w="38100">
+                  <a:solidFill>
+                    <a:schemeClr val="tx1"/>
+                  </a:solidFill>
+                  <a:tailEnd type="triangle"/>
+                </a:ln>
+              </p:spPr>
+              <p:style>
+                <a:lnRef idx="1">
+                  <a:schemeClr val="accent1"/>
+                </a:lnRef>
+                <a:fillRef idx="0">
+                  <a:schemeClr val="accent1"/>
+                </a:fillRef>
+                <a:effectRef idx="0">
+                  <a:schemeClr val="accent1"/>
+                </a:effectRef>
+                <a:fontRef idx="minor">
+                  <a:schemeClr val="tx1"/>
+                </a:fontRef>
+              </p:style>
+            </p:cxnSp>
+            <mc:AlternateContent xmlns:mc="http://schemas.openxmlformats.org/markup-compatibility/2006" xmlns:a14="http://schemas.microsoft.com/office/drawing/2010/main">
+              <mc:Choice Requires="a14">
+                <p:sp>
+                  <p:nvSpPr>
+                    <p:cNvPr id="130" name="Rectangle 129"/>
+                    <p:cNvSpPr/>
+                    <p:nvPr/>
+                  </p:nvSpPr>
+                  <p:spPr>
+                    <a:xfrm>
+                      <a:off x="2897675" y="2457728"/>
+                      <a:ext cx="367985" cy="369332"/>
+                    </a:xfrm>
+                    <a:prstGeom prst="rect">
+                      <a:avLst/>
+                    </a:prstGeom>
+                  </p:spPr>
+                  <p:txBody>
+                    <a:bodyPr wrap="none">
+                      <a:spAutoFit/>
+                    </a:bodyPr>
+                    <a:lstStyle/>
+                    <a:p>
+                      <a:pPr/>
+                      <a14:m>
+                        <m:oMathPara xmlns:m="http://schemas.openxmlformats.org/officeDocument/2006/math">
+                          <m:oMathParaPr>
+                            <m:jc m:val="centerGroup"/>
+                          </m:oMathParaPr>
+                          <m:oMath xmlns:m="http://schemas.openxmlformats.org/officeDocument/2006/math">
+                            <m:r>
+                              <a:rPr lang="en-US" i="1">
+                                <a:latin typeface="Cambria Math" panose="02040503050406030204" pitchFamily="18" charset="0"/>
+                                <a:cs typeface="Arial" panose="020B0604020202020204" pitchFamily="34" charset="0"/>
+                              </a:rPr>
+                              <m:t>𝑥</m:t>
+                            </m:r>
+                          </m:oMath>
+                        </m:oMathPara>
+                      </a14:m>
+                      <a:endParaRPr lang="en-CA" dirty="0"/>
+                    </a:p>
+                  </p:txBody>
+                </p:sp>
+              </mc:Choice>
+              <mc:Fallback xmlns="">
+                <p:sp>
+                  <p:nvSpPr>
+                    <p:cNvPr id="12" name="Rectangle 11"/>
+                    <p:cNvSpPr>
+                      <a:spLocks noRot="1" noChangeAspect="1" noMove="1" noResize="1" noEditPoints="1" noAdjustHandles="1" noChangeArrowheads="1" noChangeShapeType="1" noTextEdit="1"/>
+                    </p:cNvSpPr>
+                    <p:nvPr/>
+                  </p:nvSpPr>
+                  <p:spPr>
+                    <a:xfrm>
+                      <a:off x="2897675" y="2457728"/>
+                      <a:ext cx="367985" cy="369332"/>
+                    </a:xfrm>
+                    <a:prstGeom prst="rect">
+                      <a:avLst/>
+                    </a:prstGeom>
+                    <a:blipFill rotWithShape="0">
+                      <a:blip r:embed="rId19"/>
+                      <a:stretch>
+                        <a:fillRect/>
+                      </a:stretch>
+                    </a:blipFill>
+                  </p:spPr>
+                  <p:txBody>
+                    <a:bodyPr/>
+                    <a:lstStyle/>
+                    <a:p>
+                      <a:r>
+                        <a:rPr lang="en-CA">
+                          <a:noFill/>
+                        </a:rPr>
+                        <a:t> </a:t>
+                      </a:r>
+                    </a:p>
+                  </p:txBody>
+                </p:sp>
+              </mc:Fallback>
+            </mc:AlternateContent>
+            <mc:AlternateContent xmlns:mc="http://schemas.openxmlformats.org/markup-compatibility/2006" xmlns:a14="http://schemas.microsoft.com/office/drawing/2010/main">
+              <mc:Choice Requires="a14">
+                <p:sp>
+                  <p:nvSpPr>
+                    <p:cNvPr id="131" name="Rectangle 130"/>
+                    <p:cNvSpPr/>
+                    <p:nvPr/>
+                  </p:nvSpPr>
+                  <p:spPr>
+                    <a:xfrm>
+                      <a:off x="1190506" y="790545"/>
+                      <a:ext cx="371384" cy="369332"/>
+                    </a:xfrm>
+                    <a:prstGeom prst="rect">
+                      <a:avLst/>
+                    </a:prstGeom>
+                  </p:spPr>
+                  <p:txBody>
+                    <a:bodyPr wrap="none">
+                      <a:spAutoFit/>
+                    </a:bodyPr>
+                    <a:lstStyle/>
+                    <a:p>
+                      <a:pPr/>
+                      <a14:m>
+                        <m:oMathPara xmlns:m="http://schemas.openxmlformats.org/officeDocument/2006/math">
+                          <m:oMathParaPr>
+                            <m:jc m:val="centerGroup"/>
+                          </m:oMathParaPr>
+                          <m:oMath xmlns:m="http://schemas.openxmlformats.org/officeDocument/2006/math">
+                            <m:r>
+                              <a:rPr lang="en-US" b="0" i="1" smtClean="0">
+                                <a:latin typeface="Cambria Math" panose="02040503050406030204" pitchFamily="18" charset="0"/>
+                              </a:rPr>
+                              <m:t>𝑦</m:t>
+                            </m:r>
+                          </m:oMath>
+                        </m:oMathPara>
+                      </a14:m>
+                      <a:endParaRPr lang="en-CA" dirty="0"/>
+                    </a:p>
+                  </p:txBody>
+                </p:sp>
+              </mc:Choice>
+              <mc:Fallback xmlns="">
+                <p:sp>
+                  <p:nvSpPr>
+                    <p:cNvPr id="13" name="Rectangle 12"/>
+                    <p:cNvSpPr>
+                      <a:spLocks noRot="1" noChangeAspect="1" noMove="1" noResize="1" noEditPoints="1" noAdjustHandles="1" noChangeArrowheads="1" noChangeShapeType="1" noTextEdit="1"/>
+                    </p:cNvSpPr>
+                    <p:nvPr/>
+                  </p:nvSpPr>
+                  <p:spPr>
+                    <a:xfrm>
+                      <a:off x="1190506" y="790545"/>
+                      <a:ext cx="371384" cy="369332"/>
+                    </a:xfrm>
+                    <a:prstGeom prst="rect">
+                      <a:avLst/>
+                    </a:prstGeom>
+                    <a:blipFill rotWithShape="0">
+                      <a:blip r:embed="rId20"/>
+                      <a:stretch>
+                        <a:fillRect b="-6557"/>
+                      </a:stretch>
+                    </a:blipFill>
+                  </p:spPr>
+                  <p:txBody>
+                    <a:bodyPr/>
+                    <a:lstStyle/>
+                    <a:p>
+                      <a:r>
+                        <a:rPr lang="en-CA">
+                          <a:noFill/>
+                        </a:rPr>
+                        <a:t> </a:t>
+                      </a:r>
+                    </a:p>
+                  </p:txBody>
+                </p:sp>
+              </mc:Fallback>
+            </mc:AlternateContent>
+            <mc:AlternateContent xmlns:mc="http://schemas.openxmlformats.org/markup-compatibility/2006" xmlns:a14="http://schemas.microsoft.com/office/drawing/2010/main">
+              <mc:Choice Requires="a14">
+                <p:sp>
+                  <p:nvSpPr>
+                    <p:cNvPr id="132" name="Rectangle 131"/>
+                    <p:cNvSpPr/>
+                    <p:nvPr/>
+                  </p:nvSpPr>
+                  <p:spPr>
+                    <a:xfrm>
+                      <a:off x="1205483" y="2447020"/>
+                      <a:ext cx="367985" cy="369332"/>
+                    </a:xfrm>
+                    <a:prstGeom prst="rect">
+                      <a:avLst/>
+                    </a:prstGeom>
+                  </p:spPr>
+                  <p:txBody>
+                    <a:bodyPr wrap="none">
+                      <a:spAutoFit/>
+                    </a:bodyPr>
+                    <a:lstStyle/>
+                    <a:p>
+                      <a:pPr/>
+                      <a14:m>
+                        <m:oMathPara xmlns:m="http://schemas.openxmlformats.org/officeDocument/2006/math">
+                          <m:oMathParaPr>
+                            <m:jc m:val="centerGroup"/>
+                          </m:oMathParaPr>
+                          <m:oMath xmlns:m="http://schemas.openxmlformats.org/officeDocument/2006/math">
+                            <m:r>
+                              <a:rPr lang="en-US" b="0" i="1" smtClean="0">
+                                <a:latin typeface="Cambria Math" panose="02040503050406030204" pitchFamily="18" charset="0"/>
+                                <a:cs typeface="Arial" panose="020B0604020202020204" pitchFamily="34" charset="0"/>
+                              </a:rPr>
+                              <m:t>0</m:t>
+                            </m:r>
+                          </m:oMath>
+                        </m:oMathPara>
+                      </a14:m>
+                      <a:endParaRPr lang="en-CA" dirty="0"/>
+                    </a:p>
+                  </p:txBody>
+                </p:sp>
+              </mc:Choice>
+              <mc:Fallback xmlns="">
+                <p:sp>
+                  <p:nvSpPr>
+                    <p:cNvPr id="14" name="Rectangle 13"/>
+                    <p:cNvSpPr>
+                      <a:spLocks noRot="1" noChangeAspect="1" noMove="1" noResize="1" noEditPoints="1" noAdjustHandles="1" noChangeArrowheads="1" noChangeShapeType="1" noTextEdit="1"/>
+                    </p:cNvSpPr>
+                    <p:nvPr/>
+                  </p:nvSpPr>
+                  <p:spPr>
+                    <a:xfrm>
+                      <a:off x="1205483" y="2447020"/>
+                      <a:ext cx="367985" cy="369332"/>
+                    </a:xfrm>
+                    <a:prstGeom prst="rect">
+                      <a:avLst/>
+                    </a:prstGeom>
+                    <a:blipFill rotWithShape="0">
+                      <a:blip r:embed="rId21"/>
+                      <a:stretch>
+                        <a:fillRect/>
+                      </a:stretch>
+                    </a:blipFill>
+                  </p:spPr>
+                  <p:txBody>
+                    <a:bodyPr/>
+                    <a:lstStyle/>
+                    <a:p>
+                      <a:r>
+                        <a:rPr lang="en-CA">
+                          <a:noFill/>
+                        </a:rPr>
+                        <a:t> </a:t>
+                      </a:r>
+                    </a:p>
+                  </p:txBody>
+                </p:sp>
+              </mc:Fallback>
+            </mc:AlternateContent>
+          </p:grpSp>
+          <p:sp>
+            <p:nvSpPr>
+              <p:cNvPr id="127" name="Rectangle 126"/>
+              <p:cNvSpPr/>
+              <p:nvPr/>
+            </p:nvSpPr>
+            <p:spPr>
+              <a:xfrm>
+                <a:off x="1129904" y="1614682"/>
+                <a:ext cx="184731" cy="369332"/>
+              </a:xfrm>
+              <a:prstGeom prst="rect">
+                <a:avLst/>
+              </a:prstGeom>
+            </p:spPr>
+            <p:txBody>
+              <a:bodyPr wrap="none">
+                <a:spAutoFit/>
+              </a:bodyPr>
+              <a:lstStyle/>
+              <a:p>
+                <a:endParaRPr lang="en-CA" dirty="0"/>
+              </a:p>
+            </p:txBody>
+          </p:sp>
+        </p:grpSp>
+        <p:cxnSp>
+          <p:nvCxnSpPr>
+            <p:cNvPr id="133" name="Straight Arrow Connector 132"/>
+            <p:cNvCxnSpPr/>
+            <p:nvPr/>
+          </p:nvCxnSpPr>
+          <p:spPr>
+            <a:xfrm flipV="1">
+              <a:off x="4479798" y="4699759"/>
+              <a:ext cx="1008169" cy="102104"/>
+            </a:xfrm>
+            <a:prstGeom prst="straightConnector1">
+              <a:avLst/>
+            </a:prstGeom>
+            <a:ln w="38100">
+              <a:solidFill>
+                <a:schemeClr val="tx1"/>
+              </a:solidFill>
+              <a:tailEnd type="triangle"/>
+            </a:ln>
+          </p:spPr>
+          <p:style>
+            <a:lnRef idx="1">
+              <a:schemeClr val="accent1"/>
+            </a:lnRef>
+            <a:fillRef idx="0">
+              <a:schemeClr val="accent1"/>
+            </a:fillRef>
+            <a:effectRef idx="0">
+              <a:schemeClr val="accent1"/>
+            </a:effectRef>
+            <a:fontRef idx="minor">
+              <a:schemeClr val="tx1"/>
+            </a:fontRef>
+          </p:style>
+        </p:cxnSp>
+        <p:cxnSp>
+          <p:nvCxnSpPr>
+            <p:cNvPr id="135" name="Straight Arrow Connector 134"/>
+            <p:cNvCxnSpPr/>
+            <p:nvPr/>
+          </p:nvCxnSpPr>
+          <p:spPr>
+            <a:xfrm flipV="1">
+              <a:off x="4494273" y="3871650"/>
+              <a:ext cx="902137" cy="930213"/>
+            </a:xfrm>
+            <a:prstGeom prst="straightConnector1">
+              <a:avLst/>
+            </a:prstGeom>
+            <a:ln w="38100">
+              <a:solidFill>
+                <a:schemeClr val="tx1"/>
+              </a:solidFill>
+              <a:tailEnd type="triangle"/>
+            </a:ln>
+          </p:spPr>
+          <p:style>
+            <a:lnRef idx="1">
+              <a:schemeClr val="accent1"/>
+            </a:lnRef>
+            <a:fillRef idx="0">
+              <a:schemeClr val="accent1"/>
+            </a:fillRef>
+            <a:effectRef idx="0">
+              <a:schemeClr val="accent1"/>
+            </a:effectRef>
+            <a:fontRef idx="minor">
+              <a:schemeClr val="tx1"/>
+            </a:fontRef>
+          </p:style>
+        </p:cxnSp>
+        <p:sp>
+          <p:nvSpPr>
+            <p:cNvPr id="137" name="Arc 136"/>
+            <p:cNvSpPr/>
+            <p:nvPr/>
+          </p:nvSpPr>
+          <p:spPr>
+            <a:xfrm>
+              <a:off x="4553104" y="4564226"/>
+              <a:ext cx="363438" cy="430210"/>
+            </a:xfrm>
+            <a:prstGeom prst="arc">
+              <a:avLst>
+                <a:gd name="adj1" fmla="val 16657186"/>
+                <a:gd name="adj2" fmla="val 20972173"/>
+              </a:avLst>
+            </a:prstGeom>
+            <a:ln w="19050">
+              <a:solidFill>
+                <a:schemeClr val="tx1"/>
+              </a:solidFill>
+              <a:prstDash val="sysDot"/>
+            </a:ln>
+          </p:spPr>
+          <p:style>
+            <a:lnRef idx="1">
+              <a:schemeClr val="accent1"/>
+            </a:lnRef>
+            <a:fillRef idx="0">
+              <a:schemeClr val="accent1"/>
+            </a:fillRef>
+            <a:effectRef idx="0">
+              <a:schemeClr val="accent1"/>
+            </a:effectRef>
+            <a:fontRef idx="minor">
+              <a:schemeClr val="tx1"/>
+            </a:fontRef>
+          </p:style>
+          <p:txBody>
+            <a:bodyPr rtlCol="0" anchor="ctr"/>
+            <a:lstStyle/>
+            <a:p>
+              <a:pPr algn="ctr"/>
+              <a:endParaRPr lang="en-US"/>
+            </a:p>
+          </p:txBody>
+        </p:sp>
+        <mc:AlternateContent xmlns:mc="http://schemas.openxmlformats.org/markup-compatibility/2006">
+          <mc:Choice xmlns:a14="http://schemas.microsoft.com/office/drawing/2010/main" Requires="a14">
+            <p:sp>
+              <p:nvSpPr>
+                <p:cNvPr id="138" name="TextBox 137"/>
+                <p:cNvSpPr txBox="1"/>
+                <p:nvPr/>
+              </p:nvSpPr>
+              <p:spPr>
+                <a:xfrm>
+                  <a:off x="4941953" y="4335614"/>
+                  <a:ext cx="222304" cy="307777"/>
+                </a:xfrm>
+                <a:prstGeom prst="rect">
+                  <a:avLst/>
+                </a:prstGeom>
+                <a:noFill/>
+              </p:spPr>
+              <p:txBody>
+                <a:bodyPr wrap="none" lIns="0" tIns="0" rIns="0" bIns="0" rtlCol="0">
+                  <a:spAutoFit/>
+                </a:bodyPr>
+                <a:lstStyle/>
+                <a:p>
+                  <a14:m>
+                    <m:oMathPara xmlns:m="http://schemas.openxmlformats.org/officeDocument/2006/math">
+                      <m:oMathParaPr>
+                        <m:jc m:val="centerGroup"/>
+                      </m:oMathParaPr>
+                      <m:oMath xmlns:m="http://schemas.openxmlformats.org/officeDocument/2006/math">
+                        <m:r>
+                          <a:rPr lang="en-US" sz="2000" b="0" i="1" smtClean="0">
+                            <a:latin typeface="Cambria Math" panose="02040503050406030204" pitchFamily="18" charset="0"/>
+                            <a:cs typeface="Arial" panose="020B0604020202020204" pitchFamily="34" charset="0"/>
+                          </a:rPr>
+                          <m:t>𝜃</m:t>
+                        </m:r>
+                      </m:oMath>
+                    </m:oMathPara>
+                  </a14:m>
+                  <a:endParaRPr lang="en-US" sz="2000" dirty="0" smtClean="0">
+                    <a:latin typeface="Arial" panose="020B0604020202020204" pitchFamily="34" charset="0"/>
+                    <a:cs typeface="Arial" panose="020B0604020202020204" pitchFamily="34" charset="0"/>
+                  </a:endParaRPr>
+                </a:p>
+              </p:txBody>
+            </p:sp>
+          </mc:Choice>
+          <mc:Fallback>
+            <p:sp>
+              <p:nvSpPr>
+                <p:cNvPr id="138" name="TextBox 137"/>
+                <p:cNvSpPr txBox="1">
+                  <a:spLocks noRot="1" noChangeAspect="1" noMove="1" noResize="1" noEditPoints="1" noAdjustHandles="1" noChangeArrowheads="1" noChangeShapeType="1" noTextEdit="1"/>
+                </p:cNvSpPr>
+                <p:nvPr/>
+              </p:nvSpPr>
+              <p:spPr>
+                <a:xfrm>
+                  <a:off x="4941953" y="4335614"/>
+                  <a:ext cx="222304" cy="307777"/>
+                </a:xfrm>
+                <a:prstGeom prst="rect">
+                  <a:avLst/>
+                </a:prstGeom>
+                <a:blipFill>
+                  <a:blip r:embed="rId27"/>
+                  <a:stretch>
+                    <a:fillRect l="-25000" r="-25000" b="-9804"/>
+                  </a:stretch>
+                </a:blipFill>
+              </p:spPr>
+              <p:txBody>
+                <a:bodyPr/>
+                <a:lstStyle/>
+                <a:p>
+                  <a:r>
+                    <a:rPr lang="en-US">
+                      <a:noFill/>
+                    </a:rPr>
+                    <a:t> </a:t>
+                  </a:r>
+                </a:p>
+              </p:txBody>
+            </p:sp>
+          </mc:Fallback>
+        </mc:AlternateContent>
+        <mc:AlternateContent xmlns:mc="http://schemas.openxmlformats.org/markup-compatibility/2006">
+          <mc:Choice xmlns:a14="http://schemas.microsoft.com/office/drawing/2010/main" Requires="a14">
+            <p:sp>
+              <p:nvSpPr>
+                <p:cNvPr id="139" name="Rectangle 138"/>
+                <p:cNvSpPr/>
+                <p:nvPr/>
+              </p:nvSpPr>
+              <p:spPr>
+                <a:xfrm>
+                  <a:off x="5054785" y="4717127"/>
+                  <a:ext cx="371448" cy="369332"/>
+                </a:xfrm>
+                <a:prstGeom prst="rect">
+                  <a:avLst/>
+                </a:prstGeom>
+              </p:spPr>
+              <p:txBody>
+                <a:bodyPr wrap="none">
+                  <a:spAutoFit/>
+                </a:bodyPr>
+                <a:lstStyle/>
+                <a:p>
+                  <a:pPr/>
+                  <a14:m>
+                    <m:oMathPara xmlns:m="http://schemas.openxmlformats.org/officeDocument/2006/math">
+                      <m:oMathParaPr>
+                        <m:jc m:val="centerGroup"/>
+                      </m:oMathParaPr>
+                      <m:oMath xmlns:m="http://schemas.openxmlformats.org/officeDocument/2006/math">
+                        <m:acc>
+                          <m:accPr>
+                            <m:chr m:val="⃗"/>
+                            <m:ctrlPr>
+                              <a:rPr lang="en-US" b="0" i="1" smtClean="0">
+                                <a:latin typeface="Cambria Math" panose="02040503050406030204" pitchFamily="18" charset="0"/>
+                                <a:cs typeface="Arial" panose="020B0604020202020204" pitchFamily="34" charset="0"/>
+                              </a:rPr>
+                            </m:ctrlPr>
+                          </m:accPr>
+                          <m:e>
+                            <m:r>
+                              <a:rPr lang="en-US" b="0" i="1" smtClean="0">
+                                <a:latin typeface="Cambria Math" panose="02040503050406030204" pitchFamily="18" charset="0"/>
+                                <a:cs typeface="Arial" panose="020B0604020202020204" pitchFamily="34" charset="0"/>
+                              </a:rPr>
+                              <m:t>𝑎</m:t>
+                            </m:r>
+                          </m:e>
+                        </m:acc>
+                      </m:oMath>
+                    </m:oMathPara>
+                  </a14:m>
+                  <a:endParaRPr lang="en-CA" dirty="0"/>
+                </a:p>
+              </p:txBody>
+            </p:sp>
+          </mc:Choice>
+          <mc:Fallback>
+            <p:sp>
+              <p:nvSpPr>
+                <p:cNvPr id="139" name="Rectangle 138"/>
+                <p:cNvSpPr>
+                  <a:spLocks noRot="1" noChangeAspect="1" noMove="1" noResize="1" noEditPoints="1" noAdjustHandles="1" noChangeArrowheads="1" noChangeShapeType="1" noTextEdit="1"/>
+                </p:cNvSpPr>
+                <p:nvPr/>
+              </p:nvSpPr>
+              <p:spPr>
+                <a:xfrm>
+                  <a:off x="5054785" y="4717127"/>
+                  <a:ext cx="371448" cy="369332"/>
+                </a:xfrm>
+                <a:prstGeom prst="rect">
+                  <a:avLst/>
+                </a:prstGeom>
+                <a:blipFill>
+                  <a:blip r:embed="rId28"/>
+                  <a:stretch>
+                    <a:fillRect t="-23333" r="-26230"/>
+                  </a:stretch>
+                </a:blipFill>
+              </p:spPr>
+              <p:txBody>
+                <a:bodyPr/>
+                <a:lstStyle/>
+                <a:p>
+                  <a:r>
+                    <a:rPr lang="en-US">
+                      <a:noFill/>
+                    </a:rPr>
+                    <a:t> </a:t>
+                  </a:r>
+                </a:p>
+              </p:txBody>
+            </p:sp>
+          </mc:Fallback>
+        </mc:AlternateContent>
+        <mc:AlternateContent xmlns:mc="http://schemas.openxmlformats.org/markup-compatibility/2006">
+          <mc:Choice xmlns:a14="http://schemas.microsoft.com/office/drawing/2010/main" Requires="a14">
+            <p:sp>
+              <p:nvSpPr>
+                <p:cNvPr id="140" name="Rectangle 139"/>
+                <p:cNvSpPr/>
+                <p:nvPr/>
+              </p:nvSpPr>
+              <p:spPr>
+                <a:xfrm>
+                  <a:off x="4887111" y="3679042"/>
+                  <a:ext cx="367665" cy="410305"/>
+                </a:xfrm>
+                <a:prstGeom prst="rect">
+                  <a:avLst/>
+                </a:prstGeom>
+              </p:spPr>
+              <p:txBody>
+                <a:bodyPr wrap="none">
+                  <a:spAutoFit/>
+                </a:bodyPr>
+                <a:lstStyle/>
+                <a:p>
+                  <a:pPr/>
+                  <a14:m>
+                    <m:oMathPara xmlns:m="http://schemas.openxmlformats.org/officeDocument/2006/math">
+                      <m:oMathParaPr>
+                        <m:jc m:val="centerGroup"/>
+                      </m:oMathParaPr>
+                      <m:oMath xmlns:m="http://schemas.openxmlformats.org/officeDocument/2006/math">
+                        <m:acc>
+                          <m:accPr>
+                            <m:chr m:val="⃗"/>
+                            <m:ctrlPr>
+                              <a:rPr lang="en-US" b="0" i="1" smtClean="0">
+                                <a:latin typeface="Cambria Math" panose="02040503050406030204" pitchFamily="18" charset="0"/>
+                                <a:cs typeface="Arial" panose="020B0604020202020204" pitchFamily="34" charset="0"/>
+                              </a:rPr>
+                            </m:ctrlPr>
+                          </m:accPr>
+                          <m:e>
+                            <m:r>
+                              <a:rPr lang="en-US" b="0" i="1" smtClean="0">
+                                <a:latin typeface="Cambria Math" panose="02040503050406030204" pitchFamily="18" charset="0"/>
+                                <a:cs typeface="Arial" panose="020B0604020202020204" pitchFamily="34" charset="0"/>
+                              </a:rPr>
+                              <m:t>𝑏</m:t>
+                            </m:r>
+                          </m:e>
+                        </m:acc>
+                      </m:oMath>
+                    </m:oMathPara>
+                  </a14:m>
+                  <a:endParaRPr lang="en-CA" dirty="0"/>
+                </a:p>
+              </p:txBody>
+            </p:sp>
+          </mc:Choice>
+          <mc:Fallback>
+            <p:sp>
+              <p:nvSpPr>
+                <p:cNvPr id="140" name="Rectangle 139"/>
+                <p:cNvSpPr>
+                  <a:spLocks noRot="1" noChangeAspect="1" noMove="1" noResize="1" noEditPoints="1" noAdjustHandles="1" noChangeArrowheads="1" noChangeShapeType="1" noTextEdit="1"/>
+                </p:cNvSpPr>
+                <p:nvPr/>
+              </p:nvSpPr>
+              <p:spPr>
+                <a:xfrm>
+                  <a:off x="4887111" y="3679042"/>
+                  <a:ext cx="367665" cy="410305"/>
+                </a:xfrm>
+                <a:prstGeom prst="rect">
+                  <a:avLst/>
+                </a:prstGeom>
+                <a:blipFill>
+                  <a:blip r:embed="rId29"/>
+                  <a:stretch>
+                    <a:fillRect/>
+                  </a:stretch>
+                </a:blipFill>
+              </p:spPr>
+              <p:txBody>
+                <a:bodyPr/>
+                <a:lstStyle/>
+                <a:p>
+                  <a:r>
+                    <a:rPr lang="en-US">
+                      <a:noFill/>
+                    </a:rPr>
+                    <a:t> </a:t>
+                  </a:r>
+                </a:p>
+              </p:txBody>
+            </p:sp>
+          </mc:Fallback>
+        </mc:AlternateContent>
+      </p:grpSp>
     </p:spTree>
     <p:extLst>
       <p:ext uri="{BB962C8B-B14F-4D97-AF65-F5344CB8AC3E}">
@@ -23590,6 +28238,13 @@
   <p:clrMapOvr>
     <a:masterClrMapping/>
   </p:clrMapOvr>
+  <p:timing>
+    <p:tnLst>
+      <p:par>
+        <p:cTn id="1" dur="indefinite" restart="never" nodeType="tmRoot"/>
+      </p:par>
+    </p:tnLst>
+  </p:timing>
 </p:sld>
 </file>
 
@@ -23620,6 +28275,13 @@
   <p:clrMapOvr>
     <a:masterClrMapping/>
   </p:clrMapOvr>
+  <p:timing>
+    <p:tnLst>
+      <p:par>
+        <p:cTn id="1" dur="indefinite" restart="never" nodeType="tmRoot"/>
+      </p:par>
+    </p:tnLst>
+  </p:timing>
 </p:sld>
 </file>
 

--- a/tex/figures/Figures.pptx
+++ b/tex/figures/Figures.pptx
@@ -250,7 +250,7 @@
           <a:p>
             <a:fld id="{F7249F8D-641B-4CAF-BAE5-10524742F6F1}" type="datetimeFigureOut">
               <a:rPr lang="en-CA" smtClean="0"/>
-              <a:t>2018-05-04</a:t>
+              <a:t>2018-05-07</a:t>
             </a:fld>
             <a:endParaRPr lang="en-CA"/>
           </a:p>
@@ -420,7 +420,7 @@
           <a:p>
             <a:fld id="{F7249F8D-641B-4CAF-BAE5-10524742F6F1}" type="datetimeFigureOut">
               <a:rPr lang="en-CA" smtClean="0"/>
-              <a:t>2018-05-04</a:t>
+              <a:t>2018-05-07</a:t>
             </a:fld>
             <a:endParaRPr lang="en-CA"/>
           </a:p>
@@ -600,7 +600,7 @@
           <a:p>
             <a:fld id="{F7249F8D-641B-4CAF-BAE5-10524742F6F1}" type="datetimeFigureOut">
               <a:rPr lang="en-CA" smtClean="0"/>
-              <a:t>2018-05-04</a:t>
+              <a:t>2018-05-07</a:t>
             </a:fld>
             <a:endParaRPr lang="en-CA"/>
           </a:p>
@@ -770,7 +770,7 @@
           <a:p>
             <a:fld id="{F7249F8D-641B-4CAF-BAE5-10524742F6F1}" type="datetimeFigureOut">
               <a:rPr lang="en-CA" smtClean="0"/>
-              <a:t>2018-05-04</a:t>
+              <a:t>2018-05-07</a:t>
             </a:fld>
             <a:endParaRPr lang="en-CA"/>
           </a:p>
@@ -1016,7 +1016,7 @@
           <a:p>
             <a:fld id="{F7249F8D-641B-4CAF-BAE5-10524742F6F1}" type="datetimeFigureOut">
               <a:rPr lang="en-CA" smtClean="0"/>
-              <a:t>2018-05-04</a:t>
+              <a:t>2018-05-07</a:t>
             </a:fld>
             <a:endParaRPr lang="en-CA"/>
           </a:p>
@@ -1248,7 +1248,7 @@
           <a:p>
             <a:fld id="{F7249F8D-641B-4CAF-BAE5-10524742F6F1}" type="datetimeFigureOut">
               <a:rPr lang="en-CA" smtClean="0"/>
-              <a:t>2018-05-04</a:t>
+              <a:t>2018-05-07</a:t>
             </a:fld>
             <a:endParaRPr lang="en-CA"/>
           </a:p>
@@ -1615,7 +1615,7 @@
           <a:p>
             <a:fld id="{F7249F8D-641B-4CAF-BAE5-10524742F6F1}" type="datetimeFigureOut">
               <a:rPr lang="en-CA" smtClean="0"/>
-              <a:t>2018-05-04</a:t>
+              <a:t>2018-05-07</a:t>
             </a:fld>
             <a:endParaRPr lang="en-CA"/>
           </a:p>
@@ -1733,7 +1733,7 @@
           <a:p>
             <a:fld id="{F7249F8D-641B-4CAF-BAE5-10524742F6F1}" type="datetimeFigureOut">
               <a:rPr lang="en-CA" smtClean="0"/>
-              <a:t>2018-05-04</a:t>
+              <a:t>2018-05-07</a:t>
             </a:fld>
             <a:endParaRPr lang="en-CA"/>
           </a:p>
@@ -1828,7 +1828,7 @@
           <a:p>
             <a:fld id="{F7249F8D-641B-4CAF-BAE5-10524742F6F1}" type="datetimeFigureOut">
               <a:rPr lang="en-CA" smtClean="0"/>
-              <a:t>2018-05-04</a:t>
+              <a:t>2018-05-07</a:t>
             </a:fld>
             <a:endParaRPr lang="en-CA"/>
           </a:p>
@@ -2105,7 +2105,7 @@
           <a:p>
             <a:fld id="{F7249F8D-641B-4CAF-BAE5-10524742F6F1}" type="datetimeFigureOut">
               <a:rPr lang="en-CA" smtClean="0"/>
-              <a:t>2018-05-04</a:t>
+              <a:t>2018-05-07</a:t>
             </a:fld>
             <a:endParaRPr lang="en-CA"/>
           </a:p>
@@ -2358,7 +2358,7 @@
           <a:p>
             <a:fld id="{F7249F8D-641B-4CAF-BAE5-10524742F6F1}" type="datetimeFigureOut">
               <a:rPr lang="en-CA" smtClean="0"/>
-              <a:t>2018-05-04</a:t>
+              <a:t>2018-05-07</a:t>
             </a:fld>
             <a:endParaRPr lang="en-CA"/>
           </a:p>
@@ -2571,7 +2571,7 @@
           <a:p>
             <a:fld id="{F7249F8D-641B-4CAF-BAE5-10524742F6F1}" type="datetimeFigureOut">
               <a:rPr lang="en-CA" smtClean="0"/>
-              <a:t>2018-05-04</a:t>
+              <a:t>2018-05-07</a:t>
             </a:fld>
             <a:endParaRPr lang="en-CA"/>
           </a:p>
@@ -10653,1485 +10653,6 @@
       </p:grpSp>
       <p:grpSp>
         <p:nvGrpSpPr>
-          <p:cNvPr id="122" name="Group 121"/>
-          <p:cNvGrpSpPr/>
-          <p:nvPr/>
-        </p:nvGrpSpPr>
-        <p:grpSpPr>
-          <a:xfrm>
-            <a:off x="4084163" y="3504021"/>
-            <a:ext cx="2220057" cy="2157589"/>
-            <a:chOff x="5451981" y="3341100"/>
-            <a:chExt cx="2220057" cy="2157589"/>
-          </a:xfrm>
-        </p:grpSpPr>
-        <p:grpSp>
-          <p:nvGrpSpPr>
-            <p:cNvPr id="78" name="Group 77"/>
-            <p:cNvGrpSpPr/>
-            <p:nvPr/>
-          </p:nvGrpSpPr>
-          <p:grpSpPr>
-            <a:xfrm>
-              <a:off x="5489253" y="3341100"/>
-              <a:ext cx="2182785" cy="2146316"/>
-              <a:chOff x="1190506" y="680744"/>
-              <a:chExt cx="2182785" cy="2146316"/>
-            </a:xfrm>
-          </p:grpSpPr>
-          <p:cxnSp>
-            <p:nvCxnSpPr>
-              <p:cNvPr id="83" name="Straight Arrow Connector 82"/>
-              <p:cNvCxnSpPr/>
-              <p:nvPr/>
-            </p:nvCxnSpPr>
-            <p:spPr>
-              <a:xfrm flipV="1">
-                <a:off x="1516583" y="680744"/>
-                <a:ext cx="7684" cy="1859536"/>
-              </a:xfrm>
-              <a:prstGeom prst="straightConnector1">
-                <a:avLst/>
-              </a:prstGeom>
-              <a:ln w="38100">
-                <a:solidFill>
-                  <a:schemeClr val="tx1"/>
-                </a:solidFill>
-                <a:tailEnd type="triangle"/>
-              </a:ln>
-            </p:spPr>
-            <p:style>
-              <a:lnRef idx="1">
-                <a:schemeClr val="accent1"/>
-              </a:lnRef>
-              <a:fillRef idx="0">
-                <a:schemeClr val="accent1"/>
-              </a:fillRef>
-              <a:effectRef idx="0">
-                <a:schemeClr val="accent1"/>
-              </a:effectRef>
-              <a:fontRef idx="minor">
-                <a:schemeClr val="tx1"/>
-              </a:fontRef>
-            </p:style>
-          </p:cxnSp>
-          <p:cxnSp>
-            <p:nvCxnSpPr>
-              <p:cNvPr id="84" name="Straight Arrow Connector 83"/>
-              <p:cNvCxnSpPr/>
-              <p:nvPr/>
-            </p:nvCxnSpPr>
-            <p:spPr>
-              <a:xfrm flipV="1">
-                <a:off x="1498387" y="2526633"/>
-                <a:ext cx="1874904" cy="1"/>
-              </a:xfrm>
-              <a:prstGeom prst="straightConnector1">
-                <a:avLst/>
-              </a:prstGeom>
-              <a:ln w="38100">
-                <a:solidFill>
-                  <a:schemeClr val="tx1"/>
-                </a:solidFill>
-                <a:tailEnd type="triangle"/>
-              </a:ln>
-            </p:spPr>
-            <p:style>
-              <a:lnRef idx="1">
-                <a:schemeClr val="accent1"/>
-              </a:lnRef>
-              <a:fillRef idx="0">
-                <a:schemeClr val="accent1"/>
-              </a:fillRef>
-              <a:effectRef idx="0">
-                <a:schemeClr val="accent1"/>
-              </a:effectRef>
-              <a:fontRef idx="minor">
-                <a:schemeClr val="tx1"/>
-              </a:fontRef>
-            </p:style>
-          </p:cxnSp>
-          <mc:AlternateContent xmlns:mc="http://schemas.openxmlformats.org/markup-compatibility/2006" xmlns:a14="http://schemas.microsoft.com/office/drawing/2010/main">
-            <mc:Choice Requires="a14">
-              <p:sp>
-                <p:nvSpPr>
-                  <p:cNvPr id="85" name="Rectangle 84"/>
-                  <p:cNvSpPr/>
-                  <p:nvPr/>
-                </p:nvSpPr>
-                <p:spPr>
-                  <a:xfrm>
-                    <a:off x="2897675" y="2457728"/>
-                    <a:ext cx="367985" cy="369332"/>
-                  </a:xfrm>
-                  <a:prstGeom prst="rect">
-                    <a:avLst/>
-                  </a:prstGeom>
-                </p:spPr>
-                <p:txBody>
-                  <a:bodyPr wrap="none">
-                    <a:spAutoFit/>
-                  </a:bodyPr>
-                  <a:lstStyle/>
-                  <a:p>
-                    <a:pPr/>
-                    <a14:m>
-                      <m:oMathPara xmlns:m="http://schemas.openxmlformats.org/officeDocument/2006/math">
-                        <m:oMathParaPr>
-                          <m:jc m:val="centerGroup"/>
-                        </m:oMathParaPr>
-                        <m:oMath xmlns:m="http://schemas.openxmlformats.org/officeDocument/2006/math">
-                          <m:r>
-                            <a:rPr lang="en-US" i="1">
-                              <a:latin typeface="Cambria Math" panose="02040503050406030204" pitchFamily="18" charset="0"/>
-                              <a:cs typeface="Arial" panose="020B0604020202020204" pitchFamily="34" charset="0"/>
-                            </a:rPr>
-                            <m:t>𝑥</m:t>
-                          </m:r>
-                        </m:oMath>
-                      </m:oMathPara>
-                    </a14:m>
-                    <a:endParaRPr lang="en-CA" dirty="0"/>
-                  </a:p>
-                </p:txBody>
-              </p:sp>
-            </mc:Choice>
-            <mc:Fallback xmlns="">
-              <p:sp>
-                <p:nvSpPr>
-                  <p:cNvPr id="12" name="Rectangle 11"/>
-                  <p:cNvSpPr>
-                    <a:spLocks noRot="1" noChangeAspect="1" noMove="1" noResize="1" noEditPoints="1" noAdjustHandles="1" noChangeArrowheads="1" noChangeShapeType="1" noTextEdit="1"/>
-                  </p:cNvSpPr>
-                  <p:nvPr/>
-                </p:nvSpPr>
-                <p:spPr>
-                  <a:xfrm>
-                    <a:off x="2897675" y="2457728"/>
-                    <a:ext cx="367985" cy="369332"/>
-                  </a:xfrm>
-                  <a:prstGeom prst="rect">
-                    <a:avLst/>
-                  </a:prstGeom>
-                  <a:blipFill rotWithShape="0">
-                    <a:blip r:embed="rId2"/>
-                    <a:stretch>
-                      <a:fillRect/>
-                    </a:stretch>
-                  </a:blipFill>
-                </p:spPr>
-                <p:txBody>
-                  <a:bodyPr/>
-                  <a:lstStyle/>
-                  <a:p>
-                    <a:r>
-                      <a:rPr lang="en-CA">
-                        <a:noFill/>
-                      </a:rPr>
-                      <a:t> </a:t>
-                    </a:r>
-                  </a:p>
-                </p:txBody>
-              </p:sp>
-            </mc:Fallback>
-          </mc:AlternateContent>
-          <mc:AlternateContent xmlns:mc="http://schemas.openxmlformats.org/markup-compatibility/2006" xmlns:a14="http://schemas.microsoft.com/office/drawing/2010/main">
-            <mc:Choice Requires="a14">
-              <p:sp>
-                <p:nvSpPr>
-                  <p:cNvPr id="86" name="Rectangle 85"/>
-                  <p:cNvSpPr/>
-                  <p:nvPr/>
-                </p:nvSpPr>
-                <p:spPr>
-                  <a:xfrm>
-                    <a:off x="1190506" y="790545"/>
-                    <a:ext cx="371384" cy="369332"/>
-                  </a:xfrm>
-                  <a:prstGeom prst="rect">
-                    <a:avLst/>
-                  </a:prstGeom>
-                </p:spPr>
-                <p:txBody>
-                  <a:bodyPr wrap="none">
-                    <a:spAutoFit/>
-                  </a:bodyPr>
-                  <a:lstStyle/>
-                  <a:p>
-                    <a:pPr/>
-                    <a14:m>
-                      <m:oMathPara xmlns:m="http://schemas.openxmlformats.org/officeDocument/2006/math">
-                        <m:oMathParaPr>
-                          <m:jc m:val="centerGroup"/>
-                        </m:oMathParaPr>
-                        <m:oMath xmlns:m="http://schemas.openxmlformats.org/officeDocument/2006/math">
-                          <m:r>
-                            <a:rPr lang="en-US" b="0" i="1" smtClean="0">
-                              <a:latin typeface="Cambria Math" panose="02040503050406030204" pitchFamily="18" charset="0"/>
-                            </a:rPr>
-                            <m:t>𝑦</m:t>
-                          </m:r>
-                        </m:oMath>
-                      </m:oMathPara>
-                    </a14:m>
-                    <a:endParaRPr lang="en-CA" dirty="0"/>
-                  </a:p>
-                </p:txBody>
-              </p:sp>
-            </mc:Choice>
-            <mc:Fallback xmlns="">
-              <p:sp>
-                <p:nvSpPr>
-                  <p:cNvPr id="13" name="Rectangle 12"/>
-                  <p:cNvSpPr>
-                    <a:spLocks noRot="1" noChangeAspect="1" noMove="1" noResize="1" noEditPoints="1" noAdjustHandles="1" noChangeArrowheads="1" noChangeShapeType="1" noTextEdit="1"/>
-                  </p:cNvSpPr>
-                  <p:nvPr/>
-                </p:nvSpPr>
-                <p:spPr>
-                  <a:xfrm>
-                    <a:off x="1190506" y="790545"/>
-                    <a:ext cx="371384" cy="369332"/>
-                  </a:xfrm>
-                  <a:prstGeom prst="rect">
-                    <a:avLst/>
-                  </a:prstGeom>
-                  <a:blipFill rotWithShape="0">
-                    <a:blip r:embed="rId3"/>
-                    <a:stretch>
-                      <a:fillRect b="-6557"/>
-                    </a:stretch>
-                  </a:blipFill>
-                </p:spPr>
-                <p:txBody>
-                  <a:bodyPr/>
-                  <a:lstStyle/>
-                  <a:p>
-                    <a:r>
-                      <a:rPr lang="en-CA">
-                        <a:noFill/>
-                      </a:rPr>
-                      <a:t> </a:t>
-                    </a:r>
-                  </a:p>
-                </p:txBody>
-              </p:sp>
-            </mc:Fallback>
-          </mc:AlternateContent>
-          <mc:AlternateContent xmlns:mc="http://schemas.openxmlformats.org/markup-compatibility/2006" xmlns:a14="http://schemas.microsoft.com/office/drawing/2010/main">
-            <mc:Choice Requires="a14">
-              <p:sp>
-                <p:nvSpPr>
-                  <p:cNvPr id="87" name="Rectangle 86"/>
-                  <p:cNvSpPr/>
-                  <p:nvPr/>
-                </p:nvSpPr>
-                <p:spPr>
-                  <a:xfrm>
-                    <a:off x="1205483" y="2447020"/>
-                    <a:ext cx="367985" cy="369332"/>
-                  </a:xfrm>
-                  <a:prstGeom prst="rect">
-                    <a:avLst/>
-                  </a:prstGeom>
-                </p:spPr>
-                <p:txBody>
-                  <a:bodyPr wrap="none">
-                    <a:spAutoFit/>
-                  </a:bodyPr>
-                  <a:lstStyle/>
-                  <a:p>
-                    <a:pPr/>
-                    <a14:m>
-                      <m:oMathPara xmlns:m="http://schemas.openxmlformats.org/officeDocument/2006/math">
-                        <m:oMathParaPr>
-                          <m:jc m:val="centerGroup"/>
-                        </m:oMathParaPr>
-                        <m:oMath xmlns:m="http://schemas.openxmlformats.org/officeDocument/2006/math">
-                          <m:r>
-                            <a:rPr lang="en-US" b="0" i="1" smtClean="0">
-                              <a:latin typeface="Cambria Math" panose="02040503050406030204" pitchFamily="18" charset="0"/>
-                              <a:cs typeface="Arial" panose="020B0604020202020204" pitchFamily="34" charset="0"/>
-                            </a:rPr>
-                            <m:t>0</m:t>
-                          </m:r>
-                        </m:oMath>
-                      </m:oMathPara>
-                    </a14:m>
-                    <a:endParaRPr lang="en-CA" dirty="0"/>
-                  </a:p>
-                </p:txBody>
-              </p:sp>
-            </mc:Choice>
-            <mc:Fallback xmlns="">
-              <p:sp>
-                <p:nvSpPr>
-                  <p:cNvPr id="14" name="Rectangle 13"/>
-                  <p:cNvSpPr>
-                    <a:spLocks noRot="1" noChangeAspect="1" noMove="1" noResize="1" noEditPoints="1" noAdjustHandles="1" noChangeArrowheads="1" noChangeShapeType="1" noTextEdit="1"/>
-                  </p:cNvSpPr>
-                  <p:nvPr/>
-                </p:nvSpPr>
-                <p:spPr>
-                  <a:xfrm>
-                    <a:off x="1205483" y="2447020"/>
-                    <a:ext cx="367985" cy="369332"/>
-                  </a:xfrm>
-                  <a:prstGeom prst="rect">
-                    <a:avLst/>
-                  </a:prstGeom>
-                  <a:blipFill rotWithShape="0">
-                    <a:blip r:embed="rId4"/>
-                    <a:stretch>
-                      <a:fillRect/>
-                    </a:stretch>
-                  </a:blipFill>
-                </p:spPr>
-                <p:txBody>
-                  <a:bodyPr/>
-                  <a:lstStyle/>
-                  <a:p>
-                    <a:r>
-                      <a:rPr lang="en-CA">
-                        <a:noFill/>
-                      </a:rPr>
-                      <a:t> </a:t>
-                    </a:r>
-                  </a:p>
-                </p:txBody>
-              </p:sp>
-            </mc:Fallback>
-          </mc:AlternateContent>
-          <mc:AlternateContent xmlns:mc="http://schemas.openxmlformats.org/markup-compatibility/2006" xmlns:a14="http://schemas.microsoft.com/office/drawing/2010/main">
-            <mc:Choice Requires="a14">
-              <p:sp>
-                <p:nvSpPr>
-                  <p:cNvPr id="88" name="Rectangle 87"/>
-                  <p:cNvSpPr/>
-                  <p:nvPr/>
-                </p:nvSpPr>
-                <p:spPr>
-                  <a:xfrm>
-                    <a:off x="1602138" y="1809913"/>
-                    <a:ext cx="457433" cy="369332"/>
-                  </a:xfrm>
-                  <a:prstGeom prst="rect">
-                    <a:avLst/>
-                  </a:prstGeom>
-                </p:spPr>
-                <p:txBody>
-                  <a:bodyPr wrap="none">
-                    <a:spAutoFit/>
-                  </a:bodyPr>
-                  <a:lstStyle/>
-                  <a:p>
-                    <a:pPr/>
-                    <a14:m>
-                      <m:oMathPara xmlns:m="http://schemas.openxmlformats.org/officeDocument/2006/math">
-                        <m:oMathParaPr>
-                          <m:jc m:val="centerGroup"/>
-                        </m:oMathParaPr>
-                        <m:oMath xmlns:m="http://schemas.openxmlformats.org/officeDocument/2006/math">
-                          <m:sSub>
-                            <m:sSubPr>
-                              <m:ctrlPr>
-                                <a:rPr lang="en-US" b="0" i="1" smtClean="0">
-                                  <a:latin typeface="Cambria Math" panose="02040503050406030204" pitchFamily="18" charset="0"/>
-                                  <a:cs typeface="Arial" panose="020B0604020202020204" pitchFamily="34" charset="0"/>
-                                </a:rPr>
-                              </m:ctrlPr>
-                            </m:sSubPr>
-                            <m:e>
-                              <m:r>
-                                <a:rPr lang="en-US" b="0" i="1" smtClean="0">
-                                  <a:latin typeface="Cambria Math" panose="02040503050406030204" pitchFamily="18" charset="0"/>
-                                  <a:cs typeface="Arial" panose="020B0604020202020204" pitchFamily="34" charset="0"/>
-                                </a:rPr>
-                                <m:t>𝑃</m:t>
-                              </m:r>
-                            </m:e>
-                            <m:sub>
-                              <m:r>
-                                <a:rPr lang="en-US" b="0" i="1" smtClean="0">
-                                  <a:latin typeface="Cambria Math" panose="02040503050406030204" pitchFamily="18" charset="0"/>
-                                  <a:cs typeface="Arial" panose="020B0604020202020204" pitchFamily="34" charset="0"/>
-                                </a:rPr>
-                                <m:t>1</m:t>
-                              </m:r>
-                            </m:sub>
-                          </m:sSub>
-                        </m:oMath>
-                      </m:oMathPara>
-                    </a14:m>
-                    <a:endParaRPr lang="en-CA" dirty="0"/>
-                  </a:p>
-                </p:txBody>
-              </p:sp>
-            </mc:Choice>
-            <mc:Fallback xmlns="">
-              <p:sp>
-                <p:nvSpPr>
-                  <p:cNvPr id="88" name="Rectangle 87"/>
-                  <p:cNvSpPr>
-                    <a:spLocks noRot="1" noChangeAspect="1" noMove="1" noResize="1" noEditPoints="1" noAdjustHandles="1" noChangeArrowheads="1" noChangeShapeType="1" noTextEdit="1"/>
-                  </p:cNvSpPr>
-                  <p:nvPr/>
-                </p:nvSpPr>
-                <p:spPr>
-                  <a:xfrm>
-                    <a:off x="1602138" y="1809913"/>
-                    <a:ext cx="457433" cy="369332"/>
-                  </a:xfrm>
-                  <a:prstGeom prst="rect">
-                    <a:avLst/>
-                  </a:prstGeom>
-                  <a:blipFill rotWithShape="0">
-                    <a:blip r:embed="rId15"/>
-                    <a:stretch>
-                      <a:fillRect/>
-                    </a:stretch>
-                  </a:blipFill>
-                </p:spPr>
-                <p:txBody>
-                  <a:bodyPr/>
-                  <a:lstStyle/>
-                  <a:p>
-                    <a:r>
-                      <a:rPr lang="en-CA">
-                        <a:noFill/>
-                      </a:rPr>
-                      <a:t> </a:t>
-                    </a:r>
-                  </a:p>
-                </p:txBody>
-              </p:sp>
-            </mc:Fallback>
-          </mc:AlternateContent>
-          <p:sp>
-            <p:nvSpPr>
-              <p:cNvPr id="89" name="Multiply 88"/>
-              <p:cNvSpPr/>
-              <p:nvPr/>
-            </p:nvSpPr>
-            <p:spPr>
-              <a:xfrm>
-                <a:off x="1914328" y="2043690"/>
-                <a:ext cx="145243" cy="188487"/>
-              </a:xfrm>
-              <a:prstGeom prst="mathMultiply">
-                <a:avLst>
-                  <a:gd name="adj1" fmla="val 7806"/>
-                </a:avLst>
-              </a:prstGeom>
-              <a:solidFill>
-                <a:schemeClr val="tx1"/>
-              </a:solidFill>
-              <a:ln>
-                <a:solidFill>
-                  <a:schemeClr val="tx1"/>
-                </a:solidFill>
-              </a:ln>
-            </p:spPr>
-            <p:style>
-              <a:lnRef idx="2">
-                <a:schemeClr val="accent1">
-                  <a:shade val="50000"/>
-                </a:schemeClr>
-              </a:lnRef>
-              <a:fillRef idx="1">
-                <a:schemeClr val="accent1"/>
-              </a:fillRef>
-              <a:effectRef idx="0">
-                <a:schemeClr val="accent1"/>
-              </a:effectRef>
-              <a:fontRef idx="minor">
-                <a:schemeClr val="lt1"/>
-              </a:fontRef>
-            </p:style>
-            <p:txBody>
-              <a:bodyPr rtlCol="0" anchor="ctr"/>
-              <a:lstStyle/>
-              <a:p>
-                <a:pPr algn="ctr"/>
-                <a:endParaRPr lang="en-CA"/>
-              </a:p>
-            </p:txBody>
-          </p:sp>
-        </p:grpSp>
-        <mc:AlternateContent xmlns:mc="http://schemas.openxmlformats.org/markup-compatibility/2006" xmlns:a14="http://schemas.microsoft.com/office/drawing/2010/main">
-          <mc:Choice Requires="a14">
-            <p:sp>
-              <p:nvSpPr>
-                <p:cNvPr id="90" name="Rectangle 89"/>
-                <p:cNvSpPr/>
-                <p:nvPr/>
-              </p:nvSpPr>
-              <p:spPr>
-                <a:xfrm>
-                  <a:off x="6731905" y="4063580"/>
-                  <a:ext cx="462755" cy="369332"/>
-                </a:xfrm>
-                <a:prstGeom prst="rect">
-                  <a:avLst/>
-                </a:prstGeom>
-              </p:spPr>
-              <p:txBody>
-                <a:bodyPr wrap="none">
-                  <a:spAutoFit/>
-                </a:bodyPr>
-                <a:lstStyle/>
-                <a:p>
-                  <a:pPr/>
-                  <a14:m>
-                    <m:oMathPara xmlns:m="http://schemas.openxmlformats.org/officeDocument/2006/math">
-                      <m:oMathParaPr>
-                        <m:jc m:val="centerGroup"/>
-                      </m:oMathParaPr>
-                      <m:oMath xmlns:m="http://schemas.openxmlformats.org/officeDocument/2006/math">
-                        <m:sSub>
-                          <m:sSubPr>
-                            <m:ctrlPr>
-                              <a:rPr lang="en-US" b="0" i="1" smtClean="0">
-                                <a:latin typeface="Cambria Math" panose="02040503050406030204" pitchFamily="18" charset="0"/>
-                                <a:cs typeface="Arial" panose="020B0604020202020204" pitchFamily="34" charset="0"/>
-                              </a:rPr>
-                            </m:ctrlPr>
-                          </m:sSubPr>
-                          <m:e>
-                            <m:r>
-                              <a:rPr lang="en-US" b="0" i="1" smtClean="0">
-                                <a:latin typeface="Cambria Math" panose="02040503050406030204" pitchFamily="18" charset="0"/>
-                                <a:cs typeface="Arial" panose="020B0604020202020204" pitchFamily="34" charset="0"/>
-                              </a:rPr>
-                              <m:t>𝑃</m:t>
-                            </m:r>
-                          </m:e>
-                          <m:sub>
-                            <m:r>
-                              <a:rPr lang="en-US" b="0" i="1" smtClean="0">
-                                <a:latin typeface="Cambria Math" panose="02040503050406030204" pitchFamily="18" charset="0"/>
-                                <a:cs typeface="Arial" panose="020B0604020202020204" pitchFamily="34" charset="0"/>
-                              </a:rPr>
-                              <m:t>2</m:t>
-                            </m:r>
-                          </m:sub>
-                        </m:sSub>
-                      </m:oMath>
-                    </m:oMathPara>
-                  </a14:m>
-                  <a:endParaRPr lang="en-CA" dirty="0"/>
-                </a:p>
-              </p:txBody>
-            </p:sp>
-          </mc:Choice>
-          <mc:Fallback xmlns="">
-            <p:sp>
-              <p:nvSpPr>
-                <p:cNvPr id="90" name="Rectangle 89"/>
-                <p:cNvSpPr>
-                  <a:spLocks noRot="1" noChangeAspect="1" noMove="1" noResize="1" noEditPoints="1" noAdjustHandles="1" noChangeArrowheads="1" noChangeShapeType="1" noTextEdit="1"/>
-                </p:cNvSpPr>
-                <p:nvPr/>
-              </p:nvSpPr>
-              <p:spPr>
-                <a:xfrm>
-                  <a:off x="6731905" y="4063580"/>
-                  <a:ext cx="462755" cy="369332"/>
-                </a:xfrm>
-                <a:prstGeom prst="rect">
-                  <a:avLst/>
-                </a:prstGeom>
-                <a:blipFill rotWithShape="0">
-                  <a:blip r:embed="rId16"/>
-                  <a:stretch>
-                    <a:fillRect/>
-                  </a:stretch>
-                </a:blipFill>
-              </p:spPr>
-              <p:txBody>
-                <a:bodyPr/>
-                <a:lstStyle/>
-                <a:p>
-                  <a:r>
-                    <a:rPr lang="en-CA">
-                      <a:noFill/>
-                    </a:rPr>
-                    <a:t> </a:t>
-                  </a:r>
-                </a:p>
-              </p:txBody>
-            </p:sp>
-          </mc:Fallback>
-        </mc:AlternateContent>
-        <mc:AlternateContent xmlns:mc="http://schemas.openxmlformats.org/markup-compatibility/2006" xmlns:a14="http://schemas.microsoft.com/office/drawing/2010/main">
-          <mc:Choice Requires="a14">
-            <p:sp>
-              <p:nvSpPr>
-                <p:cNvPr id="92" name="Rectangle 91"/>
-                <p:cNvSpPr/>
-                <p:nvPr/>
-              </p:nvSpPr>
-              <p:spPr>
-                <a:xfrm>
-                  <a:off x="5451981" y="4532204"/>
-                  <a:ext cx="462434" cy="369332"/>
-                </a:xfrm>
-                <a:prstGeom prst="rect">
-                  <a:avLst/>
-                </a:prstGeom>
-              </p:spPr>
-              <p:txBody>
-                <a:bodyPr wrap="none">
-                  <a:spAutoFit/>
-                </a:bodyPr>
-                <a:lstStyle/>
-                <a:p>
-                  <a:pPr/>
-                  <a14:m>
-                    <m:oMathPara xmlns:m="http://schemas.openxmlformats.org/officeDocument/2006/math">
-                      <m:oMathParaPr>
-                        <m:jc m:val="centerGroup"/>
-                      </m:oMathParaPr>
-                      <m:oMath xmlns:m="http://schemas.openxmlformats.org/officeDocument/2006/math">
-                        <m:sSub>
-                          <m:sSubPr>
-                            <m:ctrlPr>
-                              <a:rPr lang="en-US" i="1" smtClean="0">
-                                <a:latin typeface="Cambria Math" panose="02040503050406030204" pitchFamily="18" charset="0"/>
-                                <a:cs typeface="Arial" panose="020B0604020202020204" pitchFamily="34" charset="0"/>
-                              </a:rPr>
-                            </m:ctrlPr>
-                          </m:sSubPr>
-                          <m:e>
-                            <m:r>
-                              <a:rPr lang="en-US" i="1">
-                                <a:latin typeface="Cambria Math" panose="02040503050406030204" pitchFamily="18" charset="0"/>
-                                <a:cs typeface="Arial" panose="020B0604020202020204" pitchFamily="34" charset="0"/>
-                              </a:rPr>
-                              <m:t>𝑦</m:t>
-                            </m:r>
-                          </m:e>
-                          <m:sub>
-                            <m:r>
-                              <a:rPr lang="en-US" b="0" i="1" smtClean="0">
-                                <a:latin typeface="Cambria Math" panose="02040503050406030204" pitchFamily="18" charset="0"/>
-                                <a:cs typeface="Arial" panose="020B0604020202020204" pitchFamily="34" charset="0"/>
-                              </a:rPr>
-                              <m:t>1</m:t>
-                            </m:r>
-                          </m:sub>
-                        </m:sSub>
-                      </m:oMath>
-                    </m:oMathPara>
-                  </a14:m>
-                  <a:endParaRPr lang="en-CA" dirty="0"/>
-                </a:p>
-              </p:txBody>
-            </p:sp>
-          </mc:Choice>
-          <mc:Fallback xmlns="">
-            <p:sp>
-              <p:nvSpPr>
-                <p:cNvPr id="92" name="Rectangle 91"/>
-                <p:cNvSpPr>
-                  <a:spLocks noRot="1" noChangeAspect="1" noMove="1" noResize="1" noEditPoints="1" noAdjustHandles="1" noChangeArrowheads="1" noChangeShapeType="1" noTextEdit="1"/>
-                </p:cNvSpPr>
-                <p:nvPr/>
-              </p:nvSpPr>
-              <p:spPr>
-                <a:xfrm>
-                  <a:off x="5451981" y="4532204"/>
-                  <a:ext cx="462434" cy="369332"/>
-                </a:xfrm>
-                <a:prstGeom prst="rect">
-                  <a:avLst/>
-                </a:prstGeom>
-                <a:blipFill rotWithShape="0">
-                  <a:blip r:embed="rId17"/>
-                  <a:stretch>
-                    <a:fillRect b="-6557"/>
-                  </a:stretch>
-                </a:blipFill>
-              </p:spPr>
-              <p:txBody>
-                <a:bodyPr/>
-                <a:lstStyle/>
-                <a:p>
-                  <a:r>
-                    <a:rPr lang="en-CA">
-                      <a:noFill/>
-                    </a:rPr>
-                    <a:t> </a:t>
-                  </a:r>
-                </a:p>
-              </p:txBody>
-            </p:sp>
-          </mc:Fallback>
-        </mc:AlternateContent>
-        <mc:AlternateContent xmlns:mc="http://schemas.openxmlformats.org/markup-compatibility/2006" xmlns:a14="http://schemas.microsoft.com/office/drawing/2010/main">
-          <mc:Choice Requires="a14">
-            <p:sp>
-              <p:nvSpPr>
-                <p:cNvPr id="93" name="Rectangle 92"/>
-                <p:cNvSpPr/>
-                <p:nvPr/>
-              </p:nvSpPr>
-              <p:spPr>
-                <a:xfrm>
-                  <a:off x="5451981" y="4159705"/>
-                  <a:ext cx="467756" cy="369332"/>
-                </a:xfrm>
-                <a:prstGeom prst="rect">
-                  <a:avLst/>
-                </a:prstGeom>
-              </p:spPr>
-              <p:txBody>
-                <a:bodyPr wrap="none">
-                  <a:spAutoFit/>
-                </a:bodyPr>
-                <a:lstStyle/>
-                <a:p>
-                  <a:pPr/>
-                  <a14:m>
-                    <m:oMathPara xmlns:m="http://schemas.openxmlformats.org/officeDocument/2006/math">
-                      <m:oMathParaPr>
-                        <m:jc m:val="centerGroup"/>
-                      </m:oMathParaPr>
-                      <m:oMath xmlns:m="http://schemas.openxmlformats.org/officeDocument/2006/math">
-                        <m:sSub>
-                          <m:sSubPr>
-                            <m:ctrlPr>
-                              <a:rPr lang="en-US" i="1" smtClean="0">
-                                <a:latin typeface="Cambria Math" panose="02040503050406030204" pitchFamily="18" charset="0"/>
-                                <a:cs typeface="Arial" panose="020B0604020202020204" pitchFamily="34" charset="0"/>
-                              </a:rPr>
-                            </m:ctrlPr>
-                          </m:sSubPr>
-                          <m:e>
-                            <m:r>
-                              <a:rPr lang="en-US" i="1">
-                                <a:latin typeface="Cambria Math" panose="02040503050406030204" pitchFamily="18" charset="0"/>
-                                <a:cs typeface="Arial" panose="020B0604020202020204" pitchFamily="34" charset="0"/>
-                              </a:rPr>
-                              <m:t>𝑦</m:t>
-                            </m:r>
-                          </m:e>
-                          <m:sub>
-                            <m:r>
-                              <a:rPr lang="en-US" b="0" i="1" smtClean="0">
-                                <a:latin typeface="Cambria Math" panose="02040503050406030204" pitchFamily="18" charset="0"/>
-                                <a:cs typeface="Arial" panose="020B0604020202020204" pitchFamily="34" charset="0"/>
-                              </a:rPr>
-                              <m:t>2</m:t>
-                            </m:r>
-                          </m:sub>
-                        </m:sSub>
-                      </m:oMath>
-                    </m:oMathPara>
-                  </a14:m>
-                  <a:endParaRPr lang="en-CA" dirty="0"/>
-                </a:p>
-              </p:txBody>
-            </p:sp>
-          </mc:Choice>
-          <mc:Fallback xmlns="">
-            <p:sp>
-              <p:nvSpPr>
-                <p:cNvPr id="93" name="Rectangle 92"/>
-                <p:cNvSpPr>
-                  <a:spLocks noRot="1" noChangeAspect="1" noMove="1" noResize="1" noEditPoints="1" noAdjustHandles="1" noChangeArrowheads="1" noChangeShapeType="1" noTextEdit="1"/>
-                </p:cNvSpPr>
-                <p:nvPr/>
-              </p:nvSpPr>
-              <p:spPr>
-                <a:xfrm>
-                  <a:off x="5451981" y="4159705"/>
-                  <a:ext cx="467756" cy="369332"/>
-                </a:xfrm>
-                <a:prstGeom prst="rect">
-                  <a:avLst/>
-                </a:prstGeom>
-                <a:blipFill rotWithShape="0">
-                  <a:blip r:embed="rId18"/>
-                  <a:stretch>
-                    <a:fillRect b="-6557"/>
-                  </a:stretch>
-                </a:blipFill>
-              </p:spPr>
-              <p:txBody>
-                <a:bodyPr/>
-                <a:lstStyle/>
-                <a:p>
-                  <a:r>
-                    <a:rPr lang="en-CA">
-                      <a:noFill/>
-                    </a:rPr>
-                    <a:t> </a:t>
-                  </a:r>
-                </a:p>
-              </p:txBody>
-            </p:sp>
-          </mc:Fallback>
-        </mc:AlternateContent>
-        <p:sp>
-          <p:nvSpPr>
-            <p:cNvPr id="94" name="Multiply 93"/>
-            <p:cNvSpPr/>
-            <p:nvPr/>
-          </p:nvSpPr>
-          <p:spPr>
-            <a:xfrm>
-              <a:off x="6841394" y="4376025"/>
-              <a:ext cx="145244" cy="188487"/>
-            </a:xfrm>
-            <a:prstGeom prst="mathMultiply">
-              <a:avLst>
-                <a:gd name="adj1" fmla="val 7806"/>
-              </a:avLst>
-            </a:prstGeom>
-            <a:solidFill>
-              <a:schemeClr val="tx1"/>
-            </a:solidFill>
-            <a:ln>
-              <a:solidFill>
-                <a:schemeClr val="tx1"/>
-              </a:solidFill>
-            </a:ln>
-          </p:spPr>
-          <p:style>
-            <a:lnRef idx="2">
-              <a:schemeClr val="accent1">
-                <a:shade val="50000"/>
-              </a:schemeClr>
-            </a:lnRef>
-            <a:fillRef idx="1">
-              <a:schemeClr val="accent1"/>
-            </a:fillRef>
-            <a:effectRef idx="0">
-              <a:schemeClr val="accent1"/>
-            </a:effectRef>
-            <a:fontRef idx="minor">
-              <a:schemeClr val="lt1"/>
-            </a:fontRef>
-          </p:style>
-          <p:txBody>
-            <a:bodyPr rtlCol="0" anchor="ctr"/>
-            <a:lstStyle/>
-            <a:p>
-              <a:pPr algn="ctr"/>
-              <a:endParaRPr lang="en-CA"/>
-            </a:p>
-          </p:txBody>
-        </p:sp>
-        <mc:AlternateContent xmlns:mc="http://schemas.openxmlformats.org/markup-compatibility/2006" xmlns:a14="http://schemas.microsoft.com/office/drawing/2010/main">
-          <mc:Choice Requires="a14">
-            <p:sp>
-              <p:nvSpPr>
-                <p:cNvPr id="95" name="Rectangle 94"/>
-                <p:cNvSpPr/>
-                <p:nvPr/>
-              </p:nvSpPr>
-              <p:spPr>
-                <a:xfrm>
-                  <a:off x="6763352" y="5129357"/>
-                  <a:ext cx="466090" cy="369332"/>
-                </a:xfrm>
-                <a:prstGeom prst="rect">
-                  <a:avLst/>
-                </a:prstGeom>
-              </p:spPr>
-              <p:txBody>
-                <a:bodyPr wrap="none">
-                  <a:spAutoFit/>
-                </a:bodyPr>
-                <a:lstStyle/>
-                <a:p>
-                  <a:pPr/>
-                  <a14:m>
-                    <m:oMathPara xmlns:m="http://schemas.openxmlformats.org/officeDocument/2006/math">
-                      <m:oMathParaPr>
-                        <m:jc m:val="centerGroup"/>
-                      </m:oMathParaPr>
-                      <m:oMath xmlns:m="http://schemas.openxmlformats.org/officeDocument/2006/math">
-                        <m:sSub>
-                          <m:sSubPr>
-                            <m:ctrlPr>
-                              <a:rPr lang="en-US" i="1" smtClean="0">
-                                <a:latin typeface="Cambria Math" panose="02040503050406030204" pitchFamily="18" charset="0"/>
-                                <a:cs typeface="Arial" panose="020B0604020202020204" pitchFamily="34" charset="0"/>
-                              </a:rPr>
-                            </m:ctrlPr>
-                          </m:sSubPr>
-                          <m:e>
-                            <m:r>
-                              <a:rPr lang="en-US" b="0" i="1" smtClean="0">
-                                <a:latin typeface="Cambria Math" panose="02040503050406030204" pitchFamily="18" charset="0"/>
-                                <a:cs typeface="Arial" panose="020B0604020202020204" pitchFamily="34" charset="0"/>
-                              </a:rPr>
-                              <m:t>𝑥</m:t>
-                            </m:r>
-                          </m:e>
-                          <m:sub>
-                            <m:r>
-                              <a:rPr lang="en-US" b="0" i="1" smtClean="0">
-                                <a:latin typeface="Cambria Math" panose="02040503050406030204" pitchFamily="18" charset="0"/>
-                                <a:cs typeface="Arial" panose="020B0604020202020204" pitchFamily="34" charset="0"/>
-                              </a:rPr>
-                              <m:t>2</m:t>
-                            </m:r>
-                          </m:sub>
-                        </m:sSub>
-                      </m:oMath>
-                    </m:oMathPara>
-                  </a14:m>
-                  <a:endParaRPr lang="en-CA" dirty="0"/>
-                </a:p>
-              </p:txBody>
-            </p:sp>
-          </mc:Choice>
-          <mc:Fallback xmlns="">
-            <p:sp>
-              <p:nvSpPr>
-                <p:cNvPr id="95" name="Rectangle 94"/>
-                <p:cNvSpPr>
-                  <a:spLocks noRot="1" noChangeAspect="1" noMove="1" noResize="1" noEditPoints="1" noAdjustHandles="1" noChangeArrowheads="1" noChangeShapeType="1" noTextEdit="1"/>
-                </p:cNvSpPr>
-                <p:nvPr/>
-              </p:nvSpPr>
-              <p:spPr>
-                <a:xfrm>
-                  <a:off x="6763352" y="5129357"/>
-                  <a:ext cx="466090" cy="369332"/>
-                </a:xfrm>
-                <a:prstGeom prst="rect">
-                  <a:avLst/>
-                </a:prstGeom>
-                <a:blipFill rotWithShape="0">
-                  <a:blip r:embed="rId19"/>
-                  <a:stretch>
-                    <a:fillRect/>
-                  </a:stretch>
-                </a:blipFill>
-              </p:spPr>
-              <p:txBody>
-                <a:bodyPr/>
-                <a:lstStyle/>
-                <a:p>
-                  <a:r>
-                    <a:rPr lang="en-CA">
-                      <a:noFill/>
-                    </a:rPr>
-                    <a:t> </a:t>
-                  </a:r>
-                </a:p>
-              </p:txBody>
-            </p:sp>
-          </mc:Fallback>
-        </mc:AlternateContent>
-        <mc:AlternateContent xmlns:mc="http://schemas.openxmlformats.org/markup-compatibility/2006" xmlns:a14="http://schemas.microsoft.com/office/drawing/2010/main">
-          <mc:Choice Requires="a14">
-            <p:sp>
-              <p:nvSpPr>
-                <p:cNvPr id="96" name="Rectangle 95"/>
-                <p:cNvSpPr/>
-                <p:nvPr/>
-              </p:nvSpPr>
-              <p:spPr>
-                <a:xfrm>
-                  <a:off x="6073373" y="5118084"/>
-                  <a:ext cx="466090" cy="369332"/>
-                </a:xfrm>
-                <a:prstGeom prst="rect">
-                  <a:avLst/>
-                </a:prstGeom>
-              </p:spPr>
-              <p:txBody>
-                <a:bodyPr wrap="none">
-                  <a:spAutoFit/>
-                </a:bodyPr>
-                <a:lstStyle/>
-                <a:p>
-                  <a:pPr/>
-                  <a14:m>
-                    <m:oMathPara xmlns:m="http://schemas.openxmlformats.org/officeDocument/2006/math">
-                      <m:oMathParaPr>
-                        <m:jc m:val="centerGroup"/>
-                      </m:oMathParaPr>
-                      <m:oMath xmlns:m="http://schemas.openxmlformats.org/officeDocument/2006/math">
-                        <m:sSub>
-                          <m:sSubPr>
-                            <m:ctrlPr>
-                              <a:rPr lang="en-US" i="1" smtClean="0">
-                                <a:latin typeface="Cambria Math" panose="02040503050406030204" pitchFamily="18" charset="0"/>
-                                <a:cs typeface="Arial" panose="020B0604020202020204" pitchFamily="34" charset="0"/>
-                              </a:rPr>
-                            </m:ctrlPr>
-                          </m:sSubPr>
-                          <m:e>
-                            <m:r>
-                              <a:rPr lang="en-US" b="0" i="1" smtClean="0">
-                                <a:latin typeface="Cambria Math" panose="02040503050406030204" pitchFamily="18" charset="0"/>
-                                <a:cs typeface="Arial" panose="020B0604020202020204" pitchFamily="34" charset="0"/>
-                              </a:rPr>
-                              <m:t>𝑥</m:t>
-                            </m:r>
-                          </m:e>
-                          <m:sub>
-                            <m:r>
-                              <a:rPr lang="en-US" b="0" i="1" smtClean="0">
-                                <a:latin typeface="Cambria Math" panose="02040503050406030204" pitchFamily="18" charset="0"/>
-                                <a:cs typeface="Arial" panose="020B0604020202020204" pitchFamily="34" charset="0"/>
-                              </a:rPr>
-                              <m:t>1</m:t>
-                            </m:r>
-                          </m:sub>
-                        </m:sSub>
-                      </m:oMath>
-                    </m:oMathPara>
-                  </a14:m>
-                  <a:endParaRPr lang="en-CA" dirty="0"/>
-                </a:p>
-              </p:txBody>
-            </p:sp>
-          </mc:Choice>
-          <mc:Fallback xmlns="">
-            <p:sp>
-              <p:nvSpPr>
-                <p:cNvPr id="96" name="Rectangle 95"/>
-                <p:cNvSpPr>
-                  <a:spLocks noRot="1" noChangeAspect="1" noMove="1" noResize="1" noEditPoints="1" noAdjustHandles="1" noChangeArrowheads="1" noChangeShapeType="1" noTextEdit="1"/>
-                </p:cNvSpPr>
-                <p:nvPr/>
-              </p:nvSpPr>
-              <p:spPr>
-                <a:xfrm>
-                  <a:off x="6073373" y="5118084"/>
-                  <a:ext cx="466090" cy="369332"/>
-                </a:xfrm>
-                <a:prstGeom prst="rect">
-                  <a:avLst/>
-                </a:prstGeom>
-                <a:blipFill rotWithShape="0">
-                  <a:blip r:embed="rId20"/>
-                  <a:stretch>
-                    <a:fillRect/>
-                  </a:stretch>
-                </a:blipFill>
-              </p:spPr>
-              <p:txBody>
-                <a:bodyPr/>
-                <a:lstStyle/>
-                <a:p>
-                  <a:r>
-                    <a:rPr lang="en-CA">
-                      <a:noFill/>
-                    </a:rPr>
-                    <a:t> </a:t>
-                  </a:r>
-                </a:p>
-              </p:txBody>
-            </p:sp>
-          </mc:Fallback>
-        </mc:AlternateContent>
-        <p:cxnSp>
-          <p:nvCxnSpPr>
-            <p:cNvPr id="98" name="Straight Connector 97"/>
-            <p:cNvCxnSpPr/>
-            <p:nvPr/>
-          </p:nvCxnSpPr>
-          <p:spPr>
-            <a:xfrm flipV="1">
-              <a:off x="6276925" y="4790063"/>
-              <a:ext cx="628319" cy="10343"/>
-            </a:xfrm>
-            <a:prstGeom prst="line">
-              <a:avLst/>
-            </a:prstGeom>
-            <a:ln w="19050">
-              <a:solidFill>
-                <a:schemeClr val="tx1"/>
-              </a:solidFill>
-              <a:prstDash val="sysDot"/>
-            </a:ln>
-          </p:spPr>
-          <p:style>
-            <a:lnRef idx="1">
-              <a:schemeClr val="accent1"/>
-            </a:lnRef>
-            <a:fillRef idx="0">
-              <a:schemeClr val="accent1"/>
-            </a:fillRef>
-            <a:effectRef idx="0">
-              <a:schemeClr val="accent1"/>
-            </a:effectRef>
-            <a:fontRef idx="minor">
-              <a:schemeClr val="tx1"/>
-            </a:fontRef>
-          </p:style>
-        </p:cxnSp>
-        <p:cxnSp>
-          <p:nvCxnSpPr>
-            <p:cNvPr id="101" name="Straight Connector 100"/>
-            <p:cNvCxnSpPr/>
-            <p:nvPr/>
-          </p:nvCxnSpPr>
-          <p:spPr>
-            <a:xfrm flipH="1">
-              <a:off x="6914016" y="4465051"/>
-              <a:ext cx="2534" cy="348220"/>
-            </a:xfrm>
-            <a:prstGeom prst="line">
-              <a:avLst/>
-            </a:prstGeom>
-            <a:ln w="19050">
-              <a:solidFill>
-                <a:schemeClr val="tx1"/>
-              </a:solidFill>
-              <a:prstDash val="sysDot"/>
-            </a:ln>
-          </p:spPr>
-          <p:style>
-            <a:lnRef idx="1">
-              <a:schemeClr val="accent1"/>
-            </a:lnRef>
-            <a:fillRef idx="0">
-              <a:schemeClr val="accent1"/>
-            </a:fillRef>
-            <a:effectRef idx="0">
-              <a:schemeClr val="accent1"/>
-            </a:effectRef>
-            <a:fontRef idx="minor">
-              <a:schemeClr val="tx1"/>
-            </a:fontRef>
-          </p:style>
-        </p:cxnSp>
-        <mc:AlternateContent xmlns:mc="http://schemas.openxmlformats.org/markup-compatibility/2006" xmlns:a14="http://schemas.microsoft.com/office/drawing/2010/main">
-          <mc:Choice Requires="a14">
-            <p:sp>
-              <p:nvSpPr>
-                <p:cNvPr id="109" name="Rectangle 108"/>
-                <p:cNvSpPr/>
-                <p:nvPr/>
-              </p:nvSpPr>
-              <p:spPr>
-                <a:xfrm>
-                  <a:off x="6419890" y="4711212"/>
-                  <a:ext cx="505843" cy="369332"/>
-                </a:xfrm>
-                <a:prstGeom prst="rect">
-                  <a:avLst/>
-                </a:prstGeom>
-              </p:spPr>
-              <p:txBody>
-                <a:bodyPr wrap="none">
-                  <a:spAutoFit/>
-                </a:bodyPr>
-                <a:lstStyle/>
-                <a:p>
-                  <a:pPr/>
-                  <a14:m>
-                    <m:oMathPara xmlns:m="http://schemas.openxmlformats.org/officeDocument/2006/math">
-                      <m:oMathParaPr>
-                        <m:jc m:val="centerGroup"/>
-                      </m:oMathParaPr>
-                      <m:oMath xmlns:m="http://schemas.openxmlformats.org/officeDocument/2006/math">
-                        <m:r>
-                          <m:rPr>
-                            <m:sty m:val="p"/>
-                          </m:rPr>
-                          <a:rPr lang="en-US" b="0" i="0" smtClean="0">
-                            <a:latin typeface="Cambria Math" panose="02040503050406030204" pitchFamily="18" charset="0"/>
-                            <a:cs typeface="Arial" panose="020B0604020202020204" pitchFamily="34" charset="0"/>
-                          </a:rPr>
-                          <m:t>Δ</m:t>
-                        </m:r>
-                        <m:r>
-                          <a:rPr lang="en-US" i="1">
-                            <a:latin typeface="Cambria Math" panose="02040503050406030204" pitchFamily="18" charset="0"/>
-                            <a:cs typeface="Arial" panose="020B0604020202020204" pitchFamily="34" charset="0"/>
-                          </a:rPr>
-                          <m:t>𝑥</m:t>
-                        </m:r>
-                      </m:oMath>
-                    </m:oMathPara>
-                  </a14:m>
-                  <a:endParaRPr lang="en-CA" dirty="0"/>
-                </a:p>
-              </p:txBody>
-            </p:sp>
-          </mc:Choice>
-          <mc:Fallback xmlns="">
-            <p:sp>
-              <p:nvSpPr>
-                <p:cNvPr id="109" name="Rectangle 108"/>
-                <p:cNvSpPr>
-                  <a:spLocks noRot="1" noChangeAspect="1" noMove="1" noResize="1" noEditPoints="1" noAdjustHandles="1" noChangeArrowheads="1" noChangeShapeType="1" noTextEdit="1"/>
-                </p:cNvSpPr>
-                <p:nvPr/>
-              </p:nvSpPr>
-              <p:spPr>
-                <a:xfrm>
-                  <a:off x="6419890" y="4711212"/>
-                  <a:ext cx="505843" cy="369332"/>
-                </a:xfrm>
-                <a:prstGeom prst="rect">
-                  <a:avLst/>
-                </a:prstGeom>
-                <a:blipFill rotWithShape="0">
-                  <a:blip r:embed="rId21"/>
-                  <a:stretch>
-                    <a:fillRect/>
-                  </a:stretch>
-                </a:blipFill>
-              </p:spPr>
-              <p:txBody>
-                <a:bodyPr/>
-                <a:lstStyle/>
-                <a:p>
-                  <a:r>
-                    <a:rPr lang="en-CA">
-                      <a:noFill/>
-                    </a:rPr>
-                    <a:t> </a:t>
-                  </a:r>
-                </a:p>
-              </p:txBody>
-            </p:sp>
-          </mc:Fallback>
-        </mc:AlternateContent>
-        <mc:AlternateContent xmlns:mc="http://schemas.openxmlformats.org/markup-compatibility/2006" xmlns:a14="http://schemas.microsoft.com/office/drawing/2010/main">
-          <mc:Choice Requires="a14">
-            <p:sp>
-              <p:nvSpPr>
-                <p:cNvPr id="110" name="Rectangle 109"/>
-                <p:cNvSpPr/>
-                <p:nvPr/>
-              </p:nvSpPr>
-              <p:spPr>
-                <a:xfrm>
-                  <a:off x="6852384" y="4453196"/>
-                  <a:ext cx="492443" cy="369332"/>
-                </a:xfrm>
-                <a:prstGeom prst="rect">
-                  <a:avLst/>
-                </a:prstGeom>
-              </p:spPr>
-              <p:txBody>
-                <a:bodyPr wrap="none">
-                  <a:spAutoFit/>
-                </a:bodyPr>
-                <a:lstStyle/>
-                <a:p>
-                  <a:pPr/>
-                  <a14:m>
-                    <m:oMathPara xmlns:m="http://schemas.openxmlformats.org/officeDocument/2006/math">
-                      <m:oMathParaPr>
-                        <m:jc m:val="centerGroup"/>
-                      </m:oMathParaPr>
-                      <m:oMath xmlns:m="http://schemas.openxmlformats.org/officeDocument/2006/math">
-                        <m:r>
-                          <m:rPr>
-                            <m:sty m:val="p"/>
-                          </m:rPr>
-                          <a:rPr lang="en-US" smtClean="0">
-                            <a:latin typeface="Cambria Math" panose="02040503050406030204" pitchFamily="18" charset="0"/>
-                            <a:cs typeface="Arial" panose="020B0604020202020204" pitchFamily="34" charset="0"/>
-                          </a:rPr>
-                          <m:t>Δ</m:t>
-                        </m:r>
-                        <m:r>
-                          <m:rPr>
-                            <m:sty m:val="p"/>
-                          </m:rPr>
-                          <a:rPr lang="en-US">
-                            <a:latin typeface="Cambria Math" panose="02040503050406030204" pitchFamily="18" charset="0"/>
-                            <a:cs typeface="Arial" panose="020B0604020202020204" pitchFamily="34" charset="0"/>
-                          </a:rPr>
-                          <m:t>y</m:t>
-                        </m:r>
-                      </m:oMath>
-                    </m:oMathPara>
-                  </a14:m>
-                  <a:endParaRPr lang="en-CA" dirty="0"/>
-                </a:p>
-              </p:txBody>
-            </p:sp>
-          </mc:Choice>
-          <mc:Fallback xmlns="">
-            <p:sp>
-              <p:nvSpPr>
-                <p:cNvPr id="110" name="Rectangle 109"/>
-                <p:cNvSpPr>
-                  <a:spLocks noRot="1" noChangeAspect="1" noMove="1" noResize="1" noEditPoints="1" noAdjustHandles="1" noChangeArrowheads="1" noChangeShapeType="1" noTextEdit="1"/>
-                </p:cNvSpPr>
-                <p:nvPr/>
-              </p:nvSpPr>
-              <p:spPr>
-                <a:xfrm>
-                  <a:off x="6852384" y="4453196"/>
-                  <a:ext cx="492443" cy="369332"/>
-                </a:xfrm>
-                <a:prstGeom prst="rect">
-                  <a:avLst/>
-                </a:prstGeom>
-                <a:blipFill rotWithShape="0">
-                  <a:blip r:embed="rId22"/>
-                  <a:stretch>
-                    <a:fillRect b="-6557"/>
-                  </a:stretch>
-                </a:blipFill>
-              </p:spPr>
-              <p:txBody>
-                <a:bodyPr/>
-                <a:lstStyle/>
-                <a:p>
-                  <a:r>
-                    <a:rPr lang="en-CA">
-                      <a:noFill/>
-                    </a:rPr>
-                    <a:t> </a:t>
-                  </a:r>
-                </a:p>
-              </p:txBody>
-            </p:sp>
-          </mc:Fallback>
-        </mc:AlternateContent>
-        <p:cxnSp>
-          <p:nvCxnSpPr>
-            <p:cNvPr id="112" name="Straight Arrow Connector 111"/>
-            <p:cNvCxnSpPr/>
-            <p:nvPr/>
-          </p:nvCxnSpPr>
-          <p:spPr>
-            <a:xfrm flipV="1">
-              <a:off x="6289592" y="4470107"/>
-              <a:ext cx="633432" cy="325486"/>
-            </a:xfrm>
-            <a:prstGeom prst="straightConnector1">
-              <a:avLst/>
-            </a:prstGeom>
-            <a:ln w="38100">
-              <a:solidFill>
-                <a:schemeClr val="tx1"/>
-              </a:solidFill>
-              <a:tailEnd type="triangle"/>
-            </a:ln>
-          </p:spPr>
-          <p:style>
-            <a:lnRef idx="1">
-              <a:schemeClr val="accent1"/>
-            </a:lnRef>
-            <a:fillRef idx="0">
-              <a:schemeClr val="accent1"/>
-            </a:fillRef>
-            <a:effectRef idx="0">
-              <a:schemeClr val="accent1"/>
-            </a:effectRef>
-            <a:fontRef idx="minor">
-              <a:schemeClr val="tx1"/>
-            </a:fontRef>
-          </p:style>
-        </p:cxnSp>
-        <mc:AlternateContent xmlns:mc="http://schemas.openxmlformats.org/markup-compatibility/2006" xmlns:a14="http://schemas.microsoft.com/office/drawing/2010/main">
-          <mc:Choice Requires="a14">
-            <p:sp>
-              <p:nvSpPr>
-                <p:cNvPr id="121" name="Rectangle 120"/>
-                <p:cNvSpPr/>
-                <p:nvPr/>
-              </p:nvSpPr>
-              <p:spPr>
-                <a:xfrm>
-                  <a:off x="6385170" y="4261712"/>
-                  <a:ext cx="377924" cy="410305"/>
-                </a:xfrm>
-                <a:prstGeom prst="rect">
-                  <a:avLst/>
-                </a:prstGeom>
-              </p:spPr>
-              <p:txBody>
-                <a:bodyPr wrap="none">
-                  <a:spAutoFit/>
-                </a:bodyPr>
-                <a:lstStyle/>
-                <a:p>
-                  <a:pPr/>
-                  <a14:m>
-                    <m:oMathPara xmlns:m="http://schemas.openxmlformats.org/officeDocument/2006/math">
-                      <m:oMathParaPr>
-                        <m:jc m:val="centerGroup"/>
-                      </m:oMathParaPr>
-                      <m:oMath xmlns:m="http://schemas.openxmlformats.org/officeDocument/2006/math">
-                        <m:acc>
-                          <m:accPr>
-                            <m:chr m:val="⃗"/>
-                            <m:ctrlPr>
-                              <a:rPr lang="en-US" b="0" i="1" smtClean="0">
-                                <a:latin typeface="Cambria Math" panose="02040503050406030204" pitchFamily="18" charset="0"/>
-                                <a:cs typeface="Arial" panose="020B0604020202020204" pitchFamily="34" charset="0"/>
-                              </a:rPr>
-                            </m:ctrlPr>
-                          </m:accPr>
-                          <m:e>
-                            <m:r>
-                              <a:rPr lang="en-US" b="0" i="1" smtClean="0">
-                                <a:latin typeface="Cambria Math" panose="02040503050406030204" pitchFamily="18" charset="0"/>
-                                <a:cs typeface="Arial" panose="020B0604020202020204" pitchFamily="34" charset="0"/>
-                              </a:rPr>
-                              <m:t>𝑑</m:t>
-                            </m:r>
-                          </m:e>
-                        </m:acc>
-                      </m:oMath>
-                    </m:oMathPara>
-                  </a14:m>
-                  <a:endParaRPr lang="en-CA" dirty="0"/>
-                </a:p>
-              </p:txBody>
-            </p:sp>
-          </mc:Choice>
-          <mc:Fallback xmlns="">
-            <p:sp>
-              <p:nvSpPr>
-                <p:cNvPr id="121" name="Rectangle 120"/>
-                <p:cNvSpPr>
-                  <a:spLocks noRot="1" noChangeAspect="1" noMove="1" noResize="1" noEditPoints="1" noAdjustHandles="1" noChangeArrowheads="1" noChangeShapeType="1" noTextEdit="1"/>
-                </p:cNvSpPr>
-                <p:nvPr/>
-              </p:nvSpPr>
-              <p:spPr>
-                <a:xfrm>
-                  <a:off x="6385170" y="4261712"/>
-                  <a:ext cx="377924" cy="410305"/>
-                </a:xfrm>
-                <a:prstGeom prst="rect">
-                  <a:avLst/>
-                </a:prstGeom>
-                <a:blipFill rotWithShape="0">
-                  <a:blip r:embed="rId23"/>
-                  <a:stretch>
-                    <a:fillRect t="-22388" r="-30645"/>
-                  </a:stretch>
-                </a:blipFill>
-              </p:spPr>
-              <p:txBody>
-                <a:bodyPr/>
-                <a:lstStyle/>
-                <a:p>
-                  <a:r>
-                    <a:rPr lang="en-CA">
-                      <a:noFill/>
-                    </a:rPr>
-                    <a:t> </a:t>
-                  </a:r>
-                </a:p>
-              </p:txBody>
-            </p:sp>
-          </mc:Fallback>
-        </mc:AlternateContent>
-      </p:grpSp>
-      <p:grpSp>
-        <p:nvGrpSpPr>
           <p:cNvPr id="139" name="Group 138"/>
           <p:cNvGrpSpPr/>
           <p:nvPr/>
@@ -14831,6 +13352,1514 @@
                 <a:p>
                   <a:r>
                     <a:rPr lang="en-CA">
+                      <a:noFill/>
+                    </a:rPr>
+                    <a:t> </a:t>
+                  </a:r>
+                </a:p>
+              </p:txBody>
+            </p:sp>
+          </mc:Fallback>
+        </mc:AlternateContent>
+      </p:grpSp>
+      <p:grpSp>
+        <p:nvGrpSpPr>
+          <p:cNvPr id="43" name="Group 42"/>
+          <p:cNvGrpSpPr/>
+          <p:nvPr/>
+        </p:nvGrpSpPr>
+        <p:grpSpPr>
+          <a:xfrm>
+            <a:off x="4015695" y="3504021"/>
+            <a:ext cx="2288525" cy="2157589"/>
+            <a:chOff x="4015695" y="3504021"/>
+            <a:chExt cx="2288525" cy="2157589"/>
+          </a:xfrm>
+        </p:grpSpPr>
+        <p:grpSp>
+          <p:nvGrpSpPr>
+            <p:cNvPr id="122" name="Group 121"/>
+            <p:cNvGrpSpPr/>
+            <p:nvPr/>
+          </p:nvGrpSpPr>
+          <p:grpSpPr>
+            <a:xfrm>
+              <a:off x="4015695" y="3504021"/>
+              <a:ext cx="2288525" cy="2157589"/>
+              <a:chOff x="5383513" y="3341100"/>
+              <a:chExt cx="2288525" cy="2157589"/>
+            </a:xfrm>
+          </p:grpSpPr>
+          <p:grpSp>
+            <p:nvGrpSpPr>
+              <p:cNvPr id="78" name="Group 77"/>
+              <p:cNvGrpSpPr/>
+              <p:nvPr/>
+            </p:nvGrpSpPr>
+            <p:grpSpPr>
+              <a:xfrm>
+                <a:off x="5489253" y="3341100"/>
+                <a:ext cx="2182785" cy="2146316"/>
+                <a:chOff x="1190506" y="680744"/>
+                <a:chExt cx="2182785" cy="2146316"/>
+              </a:xfrm>
+            </p:grpSpPr>
+            <p:cxnSp>
+              <p:nvCxnSpPr>
+                <p:cNvPr id="83" name="Straight Arrow Connector 82"/>
+                <p:cNvCxnSpPr/>
+                <p:nvPr/>
+              </p:nvCxnSpPr>
+              <p:spPr>
+                <a:xfrm flipV="1">
+                  <a:off x="1516583" y="680744"/>
+                  <a:ext cx="7684" cy="1859536"/>
+                </a:xfrm>
+                <a:prstGeom prst="straightConnector1">
+                  <a:avLst/>
+                </a:prstGeom>
+                <a:ln w="38100">
+                  <a:solidFill>
+                    <a:schemeClr val="tx1"/>
+                  </a:solidFill>
+                  <a:tailEnd type="triangle"/>
+                </a:ln>
+              </p:spPr>
+              <p:style>
+                <a:lnRef idx="1">
+                  <a:schemeClr val="accent1"/>
+                </a:lnRef>
+                <a:fillRef idx="0">
+                  <a:schemeClr val="accent1"/>
+                </a:fillRef>
+                <a:effectRef idx="0">
+                  <a:schemeClr val="accent1"/>
+                </a:effectRef>
+                <a:fontRef idx="minor">
+                  <a:schemeClr val="tx1"/>
+                </a:fontRef>
+              </p:style>
+            </p:cxnSp>
+            <p:cxnSp>
+              <p:nvCxnSpPr>
+                <p:cNvPr id="84" name="Straight Arrow Connector 83"/>
+                <p:cNvCxnSpPr/>
+                <p:nvPr/>
+              </p:nvCxnSpPr>
+              <p:spPr>
+                <a:xfrm flipV="1">
+                  <a:off x="1498387" y="2526633"/>
+                  <a:ext cx="1874904" cy="1"/>
+                </a:xfrm>
+                <a:prstGeom prst="straightConnector1">
+                  <a:avLst/>
+                </a:prstGeom>
+                <a:ln w="38100">
+                  <a:solidFill>
+                    <a:schemeClr val="tx1"/>
+                  </a:solidFill>
+                  <a:tailEnd type="triangle"/>
+                </a:ln>
+              </p:spPr>
+              <p:style>
+                <a:lnRef idx="1">
+                  <a:schemeClr val="accent1"/>
+                </a:lnRef>
+                <a:fillRef idx="0">
+                  <a:schemeClr val="accent1"/>
+                </a:fillRef>
+                <a:effectRef idx="0">
+                  <a:schemeClr val="accent1"/>
+                </a:effectRef>
+                <a:fontRef idx="minor">
+                  <a:schemeClr val="tx1"/>
+                </a:fontRef>
+              </p:style>
+            </p:cxnSp>
+            <mc:AlternateContent xmlns:mc="http://schemas.openxmlformats.org/markup-compatibility/2006" xmlns:a14="http://schemas.microsoft.com/office/drawing/2010/main">
+              <mc:Choice Requires="a14">
+                <p:sp>
+                  <p:nvSpPr>
+                    <p:cNvPr id="85" name="Rectangle 84"/>
+                    <p:cNvSpPr/>
+                    <p:nvPr/>
+                  </p:nvSpPr>
+                  <p:spPr>
+                    <a:xfrm>
+                      <a:off x="2897675" y="2457728"/>
+                      <a:ext cx="367985" cy="369332"/>
+                    </a:xfrm>
+                    <a:prstGeom prst="rect">
+                      <a:avLst/>
+                    </a:prstGeom>
+                  </p:spPr>
+                  <p:txBody>
+                    <a:bodyPr wrap="none">
+                      <a:spAutoFit/>
+                    </a:bodyPr>
+                    <a:lstStyle/>
+                    <a:p>
+                      <a:pPr/>
+                      <a14:m>
+                        <m:oMathPara xmlns:m="http://schemas.openxmlformats.org/officeDocument/2006/math">
+                          <m:oMathParaPr>
+                            <m:jc m:val="centerGroup"/>
+                          </m:oMathParaPr>
+                          <m:oMath xmlns:m="http://schemas.openxmlformats.org/officeDocument/2006/math">
+                            <m:r>
+                              <a:rPr lang="en-US" i="1">
+                                <a:latin typeface="Cambria Math" panose="02040503050406030204" pitchFamily="18" charset="0"/>
+                                <a:cs typeface="Arial" panose="020B0604020202020204" pitchFamily="34" charset="0"/>
+                              </a:rPr>
+                              <m:t>𝑥</m:t>
+                            </m:r>
+                          </m:oMath>
+                        </m:oMathPara>
+                      </a14:m>
+                      <a:endParaRPr lang="en-CA" dirty="0"/>
+                    </a:p>
+                  </p:txBody>
+                </p:sp>
+              </mc:Choice>
+              <mc:Fallback xmlns="">
+                <p:sp>
+                  <p:nvSpPr>
+                    <p:cNvPr id="12" name="Rectangle 11"/>
+                    <p:cNvSpPr>
+                      <a:spLocks noRot="1" noChangeAspect="1" noMove="1" noResize="1" noEditPoints="1" noAdjustHandles="1" noChangeArrowheads="1" noChangeShapeType="1" noTextEdit="1"/>
+                    </p:cNvSpPr>
+                    <p:nvPr/>
+                  </p:nvSpPr>
+                  <p:spPr>
+                    <a:xfrm>
+                      <a:off x="2897675" y="2457728"/>
+                      <a:ext cx="367985" cy="369332"/>
+                    </a:xfrm>
+                    <a:prstGeom prst="rect">
+                      <a:avLst/>
+                    </a:prstGeom>
+                    <a:blipFill rotWithShape="0">
+                      <a:blip r:embed="rId2"/>
+                      <a:stretch>
+                        <a:fillRect/>
+                      </a:stretch>
+                    </a:blipFill>
+                  </p:spPr>
+                  <p:txBody>
+                    <a:bodyPr/>
+                    <a:lstStyle/>
+                    <a:p>
+                      <a:r>
+                        <a:rPr lang="en-CA">
+                          <a:noFill/>
+                        </a:rPr>
+                        <a:t> </a:t>
+                      </a:r>
+                    </a:p>
+                  </p:txBody>
+                </p:sp>
+              </mc:Fallback>
+            </mc:AlternateContent>
+            <mc:AlternateContent xmlns:mc="http://schemas.openxmlformats.org/markup-compatibility/2006" xmlns:a14="http://schemas.microsoft.com/office/drawing/2010/main">
+              <mc:Choice Requires="a14">
+                <p:sp>
+                  <p:nvSpPr>
+                    <p:cNvPr id="86" name="Rectangle 85"/>
+                    <p:cNvSpPr/>
+                    <p:nvPr/>
+                  </p:nvSpPr>
+                  <p:spPr>
+                    <a:xfrm>
+                      <a:off x="1190506" y="790545"/>
+                      <a:ext cx="371384" cy="369332"/>
+                    </a:xfrm>
+                    <a:prstGeom prst="rect">
+                      <a:avLst/>
+                    </a:prstGeom>
+                  </p:spPr>
+                  <p:txBody>
+                    <a:bodyPr wrap="none">
+                      <a:spAutoFit/>
+                    </a:bodyPr>
+                    <a:lstStyle/>
+                    <a:p>
+                      <a:pPr/>
+                      <a14:m>
+                        <m:oMathPara xmlns:m="http://schemas.openxmlformats.org/officeDocument/2006/math">
+                          <m:oMathParaPr>
+                            <m:jc m:val="centerGroup"/>
+                          </m:oMathParaPr>
+                          <m:oMath xmlns:m="http://schemas.openxmlformats.org/officeDocument/2006/math">
+                            <m:r>
+                              <a:rPr lang="en-US" b="0" i="1" smtClean="0">
+                                <a:latin typeface="Cambria Math" panose="02040503050406030204" pitchFamily="18" charset="0"/>
+                              </a:rPr>
+                              <m:t>𝑦</m:t>
+                            </m:r>
+                          </m:oMath>
+                        </m:oMathPara>
+                      </a14:m>
+                      <a:endParaRPr lang="en-CA" dirty="0"/>
+                    </a:p>
+                  </p:txBody>
+                </p:sp>
+              </mc:Choice>
+              <mc:Fallback xmlns="">
+                <p:sp>
+                  <p:nvSpPr>
+                    <p:cNvPr id="13" name="Rectangle 12"/>
+                    <p:cNvSpPr>
+                      <a:spLocks noRot="1" noChangeAspect="1" noMove="1" noResize="1" noEditPoints="1" noAdjustHandles="1" noChangeArrowheads="1" noChangeShapeType="1" noTextEdit="1"/>
+                    </p:cNvSpPr>
+                    <p:nvPr/>
+                  </p:nvSpPr>
+                  <p:spPr>
+                    <a:xfrm>
+                      <a:off x="1190506" y="790545"/>
+                      <a:ext cx="371384" cy="369332"/>
+                    </a:xfrm>
+                    <a:prstGeom prst="rect">
+                      <a:avLst/>
+                    </a:prstGeom>
+                    <a:blipFill rotWithShape="0">
+                      <a:blip r:embed="rId3"/>
+                      <a:stretch>
+                        <a:fillRect b="-6557"/>
+                      </a:stretch>
+                    </a:blipFill>
+                  </p:spPr>
+                  <p:txBody>
+                    <a:bodyPr/>
+                    <a:lstStyle/>
+                    <a:p>
+                      <a:r>
+                        <a:rPr lang="en-CA">
+                          <a:noFill/>
+                        </a:rPr>
+                        <a:t> </a:t>
+                      </a:r>
+                    </a:p>
+                  </p:txBody>
+                </p:sp>
+              </mc:Fallback>
+            </mc:AlternateContent>
+            <mc:AlternateContent xmlns:mc="http://schemas.openxmlformats.org/markup-compatibility/2006" xmlns:a14="http://schemas.microsoft.com/office/drawing/2010/main">
+              <mc:Choice Requires="a14">
+                <p:sp>
+                  <p:nvSpPr>
+                    <p:cNvPr id="87" name="Rectangle 86"/>
+                    <p:cNvSpPr/>
+                    <p:nvPr/>
+                  </p:nvSpPr>
+                  <p:spPr>
+                    <a:xfrm>
+                      <a:off x="1205483" y="2447020"/>
+                      <a:ext cx="367985" cy="369332"/>
+                    </a:xfrm>
+                    <a:prstGeom prst="rect">
+                      <a:avLst/>
+                    </a:prstGeom>
+                  </p:spPr>
+                  <p:txBody>
+                    <a:bodyPr wrap="none">
+                      <a:spAutoFit/>
+                    </a:bodyPr>
+                    <a:lstStyle/>
+                    <a:p>
+                      <a:pPr/>
+                      <a14:m>
+                        <m:oMathPara xmlns:m="http://schemas.openxmlformats.org/officeDocument/2006/math">
+                          <m:oMathParaPr>
+                            <m:jc m:val="centerGroup"/>
+                          </m:oMathParaPr>
+                          <m:oMath xmlns:m="http://schemas.openxmlformats.org/officeDocument/2006/math">
+                            <m:r>
+                              <a:rPr lang="en-US" b="0" i="1" smtClean="0">
+                                <a:latin typeface="Cambria Math" panose="02040503050406030204" pitchFamily="18" charset="0"/>
+                                <a:cs typeface="Arial" panose="020B0604020202020204" pitchFamily="34" charset="0"/>
+                              </a:rPr>
+                              <m:t>0</m:t>
+                            </m:r>
+                          </m:oMath>
+                        </m:oMathPara>
+                      </a14:m>
+                      <a:endParaRPr lang="en-CA" dirty="0"/>
+                    </a:p>
+                  </p:txBody>
+                </p:sp>
+              </mc:Choice>
+              <mc:Fallback xmlns="">
+                <p:sp>
+                  <p:nvSpPr>
+                    <p:cNvPr id="14" name="Rectangle 13"/>
+                    <p:cNvSpPr>
+                      <a:spLocks noRot="1" noChangeAspect="1" noMove="1" noResize="1" noEditPoints="1" noAdjustHandles="1" noChangeArrowheads="1" noChangeShapeType="1" noTextEdit="1"/>
+                    </p:cNvSpPr>
+                    <p:nvPr/>
+                  </p:nvSpPr>
+                  <p:spPr>
+                    <a:xfrm>
+                      <a:off x="1205483" y="2447020"/>
+                      <a:ext cx="367985" cy="369332"/>
+                    </a:xfrm>
+                    <a:prstGeom prst="rect">
+                      <a:avLst/>
+                    </a:prstGeom>
+                    <a:blipFill rotWithShape="0">
+                      <a:blip r:embed="rId4"/>
+                      <a:stretch>
+                        <a:fillRect/>
+                      </a:stretch>
+                    </a:blipFill>
+                  </p:spPr>
+                  <p:txBody>
+                    <a:bodyPr/>
+                    <a:lstStyle/>
+                    <a:p>
+                      <a:r>
+                        <a:rPr lang="en-CA">
+                          <a:noFill/>
+                        </a:rPr>
+                        <a:t> </a:t>
+                      </a:r>
+                    </a:p>
+                  </p:txBody>
+                </p:sp>
+              </mc:Fallback>
+            </mc:AlternateContent>
+          </p:grpSp>
+          <mc:AlternateContent xmlns:mc="http://schemas.openxmlformats.org/markup-compatibility/2006">
+            <mc:Choice xmlns:a14="http://schemas.microsoft.com/office/drawing/2010/main" Requires="a14">
+              <p:sp>
+                <p:nvSpPr>
+                  <p:cNvPr id="92" name="Rectangle 91"/>
+                  <p:cNvSpPr/>
+                  <p:nvPr/>
+                </p:nvSpPr>
+                <p:spPr>
+                  <a:xfrm>
+                    <a:off x="5383513" y="3938063"/>
+                    <a:ext cx="462434" cy="369332"/>
+                  </a:xfrm>
+                  <a:prstGeom prst="rect">
+                    <a:avLst/>
+                  </a:prstGeom>
+                </p:spPr>
+                <p:txBody>
+                  <a:bodyPr wrap="none">
+                    <a:spAutoFit/>
+                  </a:bodyPr>
+                  <a:lstStyle/>
+                  <a:p>
+                    <a:pPr/>
+                    <a14:m>
+                      <m:oMathPara xmlns:m="http://schemas.openxmlformats.org/officeDocument/2006/math">
+                        <m:oMathParaPr>
+                          <m:jc m:val="centerGroup"/>
+                        </m:oMathParaPr>
+                        <m:oMath xmlns:m="http://schemas.openxmlformats.org/officeDocument/2006/math">
+                          <m:sSub>
+                            <m:sSubPr>
+                              <m:ctrlPr>
+                                <a:rPr lang="en-US" i="1" smtClean="0">
+                                  <a:latin typeface="Cambria Math" panose="02040503050406030204" pitchFamily="18" charset="0"/>
+                                  <a:cs typeface="Arial" panose="020B0604020202020204" pitchFamily="34" charset="0"/>
+                                </a:rPr>
+                              </m:ctrlPr>
+                            </m:sSubPr>
+                            <m:e>
+                              <m:r>
+                                <a:rPr lang="en-US" i="1">
+                                  <a:latin typeface="Cambria Math" panose="02040503050406030204" pitchFamily="18" charset="0"/>
+                                  <a:cs typeface="Arial" panose="020B0604020202020204" pitchFamily="34" charset="0"/>
+                                </a:rPr>
+                                <m:t>𝑦</m:t>
+                              </m:r>
+                            </m:e>
+                            <m:sub>
+                              <m:r>
+                                <a:rPr lang="en-US" b="0" i="1" smtClean="0">
+                                  <a:latin typeface="Cambria Math" panose="02040503050406030204" pitchFamily="18" charset="0"/>
+                                  <a:cs typeface="Arial" panose="020B0604020202020204" pitchFamily="34" charset="0"/>
+                                </a:rPr>
+                                <m:t>1</m:t>
+                              </m:r>
+                            </m:sub>
+                          </m:sSub>
+                        </m:oMath>
+                      </m:oMathPara>
+                    </a14:m>
+                    <a:endParaRPr lang="en-CA" dirty="0"/>
+                  </a:p>
+                </p:txBody>
+              </p:sp>
+            </mc:Choice>
+            <mc:Fallback>
+              <p:sp>
+                <p:nvSpPr>
+                  <p:cNvPr id="92" name="Rectangle 91"/>
+                  <p:cNvSpPr>
+                    <a:spLocks noRot="1" noChangeAspect="1" noMove="1" noResize="1" noEditPoints="1" noAdjustHandles="1" noChangeArrowheads="1" noChangeShapeType="1" noTextEdit="1"/>
+                  </p:cNvSpPr>
+                  <p:nvPr/>
+                </p:nvSpPr>
+                <p:spPr>
+                  <a:xfrm>
+                    <a:off x="5383513" y="3938063"/>
+                    <a:ext cx="462434" cy="369332"/>
+                  </a:xfrm>
+                  <a:prstGeom prst="rect">
+                    <a:avLst/>
+                  </a:prstGeom>
+                  <a:blipFill>
+                    <a:blip r:embed="rId44"/>
+                    <a:stretch>
+                      <a:fillRect b="-6667"/>
+                    </a:stretch>
+                  </a:blipFill>
+                </p:spPr>
+                <p:txBody>
+                  <a:bodyPr/>
+                  <a:lstStyle/>
+                  <a:p>
+                    <a:r>
+                      <a:rPr lang="en-US">
+                        <a:noFill/>
+                      </a:rPr>
+                      <a:t> </a:t>
+                    </a:r>
+                  </a:p>
+                </p:txBody>
+              </p:sp>
+            </mc:Fallback>
+          </mc:AlternateContent>
+          <mc:AlternateContent xmlns:mc="http://schemas.openxmlformats.org/markup-compatibility/2006">
+            <mc:Choice xmlns:a14="http://schemas.microsoft.com/office/drawing/2010/main" Requires="a14">
+              <p:sp>
+                <p:nvSpPr>
+                  <p:cNvPr id="93" name="Rectangle 92"/>
+                  <p:cNvSpPr/>
+                  <p:nvPr/>
+                </p:nvSpPr>
+                <p:spPr>
+                  <a:xfrm>
+                    <a:off x="5389303" y="4424608"/>
+                    <a:ext cx="467756" cy="369332"/>
+                  </a:xfrm>
+                  <a:prstGeom prst="rect">
+                    <a:avLst/>
+                  </a:prstGeom>
+                </p:spPr>
+                <p:txBody>
+                  <a:bodyPr wrap="none">
+                    <a:spAutoFit/>
+                  </a:bodyPr>
+                  <a:lstStyle/>
+                  <a:p>
+                    <a:pPr/>
+                    <a14:m>
+                      <m:oMathPara xmlns:m="http://schemas.openxmlformats.org/officeDocument/2006/math">
+                        <m:oMathParaPr>
+                          <m:jc m:val="centerGroup"/>
+                        </m:oMathParaPr>
+                        <m:oMath xmlns:m="http://schemas.openxmlformats.org/officeDocument/2006/math">
+                          <m:sSub>
+                            <m:sSubPr>
+                              <m:ctrlPr>
+                                <a:rPr lang="en-US" i="1" smtClean="0">
+                                  <a:latin typeface="Cambria Math" panose="02040503050406030204" pitchFamily="18" charset="0"/>
+                                  <a:cs typeface="Arial" panose="020B0604020202020204" pitchFamily="34" charset="0"/>
+                                </a:rPr>
+                              </m:ctrlPr>
+                            </m:sSubPr>
+                            <m:e>
+                              <m:r>
+                                <a:rPr lang="en-US" i="1">
+                                  <a:latin typeface="Cambria Math" panose="02040503050406030204" pitchFamily="18" charset="0"/>
+                                  <a:cs typeface="Arial" panose="020B0604020202020204" pitchFamily="34" charset="0"/>
+                                </a:rPr>
+                                <m:t>𝑦</m:t>
+                              </m:r>
+                            </m:e>
+                            <m:sub>
+                              <m:r>
+                                <a:rPr lang="en-US" b="0" i="1" smtClean="0">
+                                  <a:latin typeface="Cambria Math" panose="02040503050406030204" pitchFamily="18" charset="0"/>
+                                  <a:cs typeface="Arial" panose="020B0604020202020204" pitchFamily="34" charset="0"/>
+                                </a:rPr>
+                                <m:t>2</m:t>
+                              </m:r>
+                            </m:sub>
+                          </m:sSub>
+                        </m:oMath>
+                      </m:oMathPara>
+                    </a14:m>
+                    <a:endParaRPr lang="en-CA" dirty="0"/>
+                  </a:p>
+                </p:txBody>
+              </p:sp>
+            </mc:Choice>
+            <mc:Fallback>
+              <p:sp>
+                <p:nvSpPr>
+                  <p:cNvPr id="93" name="Rectangle 92"/>
+                  <p:cNvSpPr>
+                    <a:spLocks noRot="1" noChangeAspect="1" noMove="1" noResize="1" noEditPoints="1" noAdjustHandles="1" noChangeArrowheads="1" noChangeShapeType="1" noTextEdit="1"/>
+                  </p:cNvSpPr>
+                  <p:nvPr/>
+                </p:nvSpPr>
+                <p:spPr>
+                  <a:xfrm>
+                    <a:off x="5389303" y="4424608"/>
+                    <a:ext cx="467756" cy="369332"/>
+                  </a:xfrm>
+                  <a:prstGeom prst="rect">
+                    <a:avLst/>
+                  </a:prstGeom>
+                  <a:blipFill>
+                    <a:blip r:embed="rId45"/>
+                    <a:stretch>
+                      <a:fillRect b="-6667"/>
+                    </a:stretch>
+                  </a:blipFill>
+                </p:spPr>
+                <p:txBody>
+                  <a:bodyPr/>
+                  <a:lstStyle/>
+                  <a:p>
+                    <a:r>
+                      <a:rPr lang="en-US">
+                        <a:noFill/>
+                      </a:rPr>
+                      <a:t> </a:t>
+                    </a:r>
+                  </a:p>
+                </p:txBody>
+              </p:sp>
+            </mc:Fallback>
+          </mc:AlternateContent>
+          <mc:AlternateContent xmlns:mc="http://schemas.openxmlformats.org/markup-compatibility/2006" xmlns:a14="http://schemas.microsoft.com/office/drawing/2010/main">
+            <mc:Choice Requires="a14">
+              <p:sp>
+                <p:nvSpPr>
+                  <p:cNvPr id="95" name="Rectangle 94"/>
+                  <p:cNvSpPr/>
+                  <p:nvPr/>
+                </p:nvSpPr>
+                <p:spPr>
+                  <a:xfrm>
+                    <a:off x="6763352" y="5129357"/>
+                    <a:ext cx="466090" cy="369332"/>
+                  </a:xfrm>
+                  <a:prstGeom prst="rect">
+                    <a:avLst/>
+                  </a:prstGeom>
+                </p:spPr>
+                <p:txBody>
+                  <a:bodyPr wrap="none">
+                    <a:spAutoFit/>
+                  </a:bodyPr>
+                  <a:lstStyle/>
+                  <a:p>
+                    <a:pPr/>
+                    <a14:m>
+                      <m:oMathPara xmlns:m="http://schemas.openxmlformats.org/officeDocument/2006/math">
+                        <m:oMathParaPr>
+                          <m:jc m:val="centerGroup"/>
+                        </m:oMathParaPr>
+                        <m:oMath xmlns:m="http://schemas.openxmlformats.org/officeDocument/2006/math">
+                          <m:sSub>
+                            <m:sSubPr>
+                              <m:ctrlPr>
+                                <a:rPr lang="en-US" i="1" smtClean="0">
+                                  <a:latin typeface="Cambria Math" panose="02040503050406030204" pitchFamily="18" charset="0"/>
+                                  <a:cs typeface="Arial" panose="020B0604020202020204" pitchFamily="34" charset="0"/>
+                                </a:rPr>
+                              </m:ctrlPr>
+                            </m:sSubPr>
+                            <m:e>
+                              <m:r>
+                                <a:rPr lang="en-US" b="0" i="1" smtClean="0">
+                                  <a:latin typeface="Cambria Math" panose="02040503050406030204" pitchFamily="18" charset="0"/>
+                                  <a:cs typeface="Arial" panose="020B0604020202020204" pitchFamily="34" charset="0"/>
+                                </a:rPr>
+                                <m:t>𝑥</m:t>
+                              </m:r>
+                            </m:e>
+                            <m:sub>
+                              <m:r>
+                                <a:rPr lang="en-US" b="0" i="1" smtClean="0">
+                                  <a:latin typeface="Cambria Math" panose="02040503050406030204" pitchFamily="18" charset="0"/>
+                                  <a:cs typeface="Arial" panose="020B0604020202020204" pitchFamily="34" charset="0"/>
+                                </a:rPr>
+                                <m:t>2</m:t>
+                              </m:r>
+                            </m:sub>
+                          </m:sSub>
+                        </m:oMath>
+                      </m:oMathPara>
+                    </a14:m>
+                    <a:endParaRPr lang="en-CA" dirty="0"/>
+                  </a:p>
+                </p:txBody>
+              </p:sp>
+            </mc:Choice>
+            <mc:Fallback xmlns="">
+              <p:sp>
+                <p:nvSpPr>
+                  <p:cNvPr id="95" name="Rectangle 94"/>
+                  <p:cNvSpPr>
+                    <a:spLocks noRot="1" noChangeAspect="1" noMove="1" noResize="1" noEditPoints="1" noAdjustHandles="1" noChangeArrowheads="1" noChangeShapeType="1" noTextEdit="1"/>
+                  </p:cNvSpPr>
+                  <p:nvPr/>
+                </p:nvSpPr>
+                <p:spPr>
+                  <a:xfrm>
+                    <a:off x="6763352" y="5129357"/>
+                    <a:ext cx="466090" cy="369332"/>
+                  </a:xfrm>
+                  <a:prstGeom prst="rect">
+                    <a:avLst/>
+                  </a:prstGeom>
+                  <a:blipFill rotWithShape="0">
+                    <a:blip r:embed="rId19"/>
+                    <a:stretch>
+                      <a:fillRect/>
+                    </a:stretch>
+                  </a:blipFill>
+                </p:spPr>
+                <p:txBody>
+                  <a:bodyPr/>
+                  <a:lstStyle/>
+                  <a:p>
+                    <a:r>
+                      <a:rPr lang="en-CA">
+                        <a:noFill/>
+                      </a:rPr>
+                      <a:t> </a:t>
+                    </a:r>
+                  </a:p>
+                </p:txBody>
+              </p:sp>
+            </mc:Fallback>
+          </mc:AlternateContent>
+          <mc:AlternateContent xmlns:mc="http://schemas.openxmlformats.org/markup-compatibility/2006">
+            <mc:Choice xmlns:a14="http://schemas.microsoft.com/office/drawing/2010/main" Requires="a14">
+              <p:sp>
+                <p:nvSpPr>
+                  <p:cNvPr id="96" name="Rectangle 95"/>
+                  <p:cNvSpPr/>
+                  <p:nvPr/>
+                </p:nvSpPr>
+                <p:spPr>
+                  <a:xfrm>
+                    <a:off x="6057870" y="5122995"/>
+                    <a:ext cx="466090" cy="369332"/>
+                  </a:xfrm>
+                  <a:prstGeom prst="rect">
+                    <a:avLst/>
+                  </a:prstGeom>
+                </p:spPr>
+                <p:txBody>
+                  <a:bodyPr wrap="none">
+                    <a:spAutoFit/>
+                  </a:bodyPr>
+                  <a:lstStyle/>
+                  <a:p>
+                    <a:pPr/>
+                    <a14:m>
+                      <m:oMathPara xmlns:m="http://schemas.openxmlformats.org/officeDocument/2006/math">
+                        <m:oMathParaPr>
+                          <m:jc m:val="centerGroup"/>
+                        </m:oMathParaPr>
+                        <m:oMath xmlns:m="http://schemas.openxmlformats.org/officeDocument/2006/math">
+                          <m:sSub>
+                            <m:sSubPr>
+                              <m:ctrlPr>
+                                <a:rPr lang="en-US" i="1" smtClean="0">
+                                  <a:latin typeface="Cambria Math" panose="02040503050406030204" pitchFamily="18" charset="0"/>
+                                  <a:cs typeface="Arial" panose="020B0604020202020204" pitchFamily="34" charset="0"/>
+                                </a:rPr>
+                              </m:ctrlPr>
+                            </m:sSubPr>
+                            <m:e>
+                              <m:r>
+                                <a:rPr lang="en-US" b="0" i="1" smtClean="0">
+                                  <a:latin typeface="Cambria Math" panose="02040503050406030204" pitchFamily="18" charset="0"/>
+                                  <a:cs typeface="Arial" panose="020B0604020202020204" pitchFamily="34" charset="0"/>
+                                </a:rPr>
+                                <m:t>𝑥</m:t>
+                              </m:r>
+                            </m:e>
+                            <m:sub>
+                              <m:r>
+                                <a:rPr lang="en-US" b="0" i="1" smtClean="0">
+                                  <a:latin typeface="Cambria Math" panose="02040503050406030204" pitchFamily="18" charset="0"/>
+                                  <a:cs typeface="Arial" panose="020B0604020202020204" pitchFamily="34" charset="0"/>
+                                </a:rPr>
+                                <m:t>1</m:t>
+                              </m:r>
+                            </m:sub>
+                          </m:sSub>
+                        </m:oMath>
+                      </m:oMathPara>
+                    </a14:m>
+                    <a:endParaRPr lang="en-CA" dirty="0"/>
+                  </a:p>
+                </p:txBody>
+              </p:sp>
+            </mc:Choice>
+            <mc:Fallback>
+              <p:sp>
+                <p:nvSpPr>
+                  <p:cNvPr id="96" name="Rectangle 95"/>
+                  <p:cNvSpPr>
+                    <a:spLocks noRot="1" noChangeAspect="1" noMove="1" noResize="1" noEditPoints="1" noAdjustHandles="1" noChangeArrowheads="1" noChangeShapeType="1" noTextEdit="1"/>
+                  </p:cNvSpPr>
+                  <p:nvPr/>
+                </p:nvSpPr>
+                <p:spPr>
+                  <a:xfrm>
+                    <a:off x="6057870" y="5122995"/>
+                    <a:ext cx="466090" cy="369332"/>
+                  </a:xfrm>
+                  <a:prstGeom prst="rect">
+                    <a:avLst/>
+                  </a:prstGeom>
+                  <a:blipFill>
+                    <a:blip r:embed="rId46"/>
+                    <a:stretch>
+                      <a:fillRect/>
+                    </a:stretch>
+                  </a:blipFill>
+                </p:spPr>
+                <p:txBody>
+                  <a:bodyPr/>
+                  <a:lstStyle/>
+                  <a:p>
+                    <a:r>
+                      <a:rPr lang="en-US">
+                        <a:noFill/>
+                      </a:rPr>
+                      <a:t> </a:t>
+                    </a:r>
+                  </a:p>
+                </p:txBody>
+              </p:sp>
+            </mc:Fallback>
+          </mc:AlternateContent>
+          <p:cxnSp>
+            <p:nvCxnSpPr>
+              <p:cNvPr id="98" name="Straight Connector 97"/>
+              <p:cNvCxnSpPr/>
+              <p:nvPr/>
+            </p:nvCxnSpPr>
+            <p:spPr>
+              <a:xfrm>
+                <a:off x="6331463" y="4120802"/>
+                <a:ext cx="750595" cy="9736"/>
+              </a:xfrm>
+              <a:prstGeom prst="line">
+                <a:avLst/>
+              </a:prstGeom>
+              <a:ln w="19050">
+                <a:solidFill>
+                  <a:schemeClr val="tx1"/>
+                </a:solidFill>
+                <a:prstDash val="sysDot"/>
+              </a:ln>
+            </p:spPr>
+            <p:style>
+              <a:lnRef idx="1">
+                <a:schemeClr val="accent1"/>
+              </a:lnRef>
+              <a:fillRef idx="0">
+                <a:schemeClr val="accent1"/>
+              </a:fillRef>
+              <a:effectRef idx="0">
+                <a:schemeClr val="accent1"/>
+              </a:effectRef>
+              <a:fontRef idx="minor">
+                <a:schemeClr val="tx1"/>
+              </a:fontRef>
+            </p:style>
+          </p:cxnSp>
+          <p:cxnSp>
+            <p:nvCxnSpPr>
+              <p:cNvPr id="101" name="Straight Connector 100"/>
+              <p:cNvCxnSpPr/>
+              <p:nvPr/>
+            </p:nvCxnSpPr>
+            <p:spPr>
+              <a:xfrm>
+                <a:off x="7081425" y="4130538"/>
+                <a:ext cx="2458" cy="563781"/>
+              </a:xfrm>
+              <a:prstGeom prst="line">
+                <a:avLst/>
+              </a:prstGeom>
+              <a:ln w="19050">
+                <a:solidFill>
+                  <a:schemeClr val="tx1"/>
+                </a:solidFill>
+                <a:prstDash val="sysDot"/>
+              </a:ln>
+            </p:spPr>
+            <p:style>
+              <a:lnRef idx="1">
+                <a:schemeClr val="accent1"/>
+              </a:lnRef>
+              <a:fillRef idx="0">
+                <a:schemeClr val="accent1"/>
+              </a:fillRef>
+              <a:effectRef idx="0">
+                <a:schemeClr val="accent1"/>
+              </a:effectRef>
+              <a:fontRef idx="minor">
+                <a:schemeClr val="tx1"/>
+              </a:fontRef>
+            </p:style>
+          </p:cxnSp>
+          <mc:AlternateContent xmlns:mc="http://schemas.openxmlformats.org/markup-compatibility/2006">
+            <mc:Choice xmlns:a14="http://schemas.microsoft.com/office/drawing/2010/main" Requires="a14">
+              <p:sp>
+                <p:nvSpPr>
+                  <p:cNvPr id="109" name="Rectangle 108"/>
+                  <p:cNvSpPr/>
+                  <p:nvPr/>
+                </p:nvSpPr>
+                <p:spPr>
+                  <a:xfrm>
+                    <a:off x="6560254" y="3730815"/>
+                    <a:ext cx="505843" cy="369332"/>
+                  </a:xfrm>
+                  <a:prstGeom prst="rect">
+                    <a:avLst/>
+                  </a:prstGeom>
+                </p:spPr>
+                <p:txBody>
+                  <a:bodyPr wrap="none">
+                    <a:spAutoFit/>
+                  </a:bodyPr>
+                  <a:lstStyle/>
+                  <a:p>
+                    <a:pPr/>
+                    <a14:m>
+                      <m:oMathPara xmlns:m="http://schemas.openxmlformats.org/officeDocument/2006/math">
+                        <m:oMathParaPr>
+                          <m:jc m:val="centerGroup"/>
+                        </m:oMathParaPr>
+                        <m:oMath xmlns:m="http://schemas.openxmlformats.org/officeDocument/2006/math">
+                          <m:r>
+                            <m:rPr>
+                              <m:sty m:val="p"/>
+                            </m:rPr>
+                            <a:rPr lang="en-US" b="0" i="0" smtClean="0">
+                              <a:latin typeface="Cambria Math" panose="02040503050406030204" pitchFamily="18" charset="0"/>
+                              <a:cs typeface="Arial" panose="020B0604020202020204" pitchFamily="34" charset="0"/>
+                            </a:rPr>
+                            <m:t>Δ</m:t>
+                          </m:r>
+                          <m:r>
+                            <a:rPr lang="en-US" i="1">
+                              <a:latin typeface="Cambria Math" panose="02040503050406030204" pitchFamily="18" charset="0"/>
+                              <a:cs typeface="Arial" panose="020B0604020202020204" pitchFamily="34" charset="0"/>
+                            </a:rPr>
+                            <m:t>𝑥</m:t>
+                          </m:r>
+                        </m:oMath>
+                      </m:oMathPara>
+                    </a14:m>
+                    <a:endParaRPr lang="en-CA" dirty="0"/>
+                  </a:p>
+                </p:txBody>
+              </p:sp>
+            </mc:Choice>
+            <mc:Fallback>
+              <p:sp>
+                <p:nvSpPr>
+                  <p:cNvPr id="109" name="Rectangle 108"/>
+                  <p:cNvSpPr>
+                    <a:spLocks noRot="1" noChangeAspect="1" noMove="1" noResize="1" noEditPoints="1" noAdjustHandles="1" noChangeArrowheads="1" noChangeShapeType="1" noTextEdit="1"/>
+                  </p:cNvSpPr>
+                  <p:nvPr/>
+                </p:nvSpPr>
+                <p:spPr>
+                  <a:xfrm>
+                    <a:off x="6560254" y="3730815"/>
+                    <a:ext cx="505843" cy="369332"/>
+                  </a:xfrm>
+                  <a:prstGeom prst="rect">
+                    <a:avLst/>
+                  </a:prstGeom>
+                  <a:blipFill>
+                    <a:blip r:embed="rId47"/>
+                    <a:stretch>
+                      <a:fillRect/>
+                    </a:stretch>
+                  </a:blipFill>
+                </p:spPr>
+                <p:txBody>
+                  <a:bodyPr/>
+                  <a:lstStyle/>
+                  <a:p>
+                    <a:r>
+                      <a:rPr lang="en-US">
+                        <a:noFill/>
+                      </a:rPr>
+                      <a:t> </a:t>
+                    </a:r>
+                  </a:p>
+                </p:txBody>
+              </p:sp>
+            </mc:Fallback>
+          </mc:AlternateContent>
+          <mc:AlternateContent xmlns:mc="http://schemas.openxmlformats.org/markup-compatibility/2006">
+            <mc:Choice xmlns:a14="http://schemas.microsoft.com/office/drawing/2010/main" Requires="a14">
+              <p:sp>
+                <p:nvSpPr>
+                  <p:cNvPr id="110" name="Rectangle 109"/>
+                  <p:cNvSpPr/>
+                  <p:nvPr/>
+                </p:nvSpPr>
+                <p:spPr>
+                  <a:xfrm>
+                    <a:off x="7005269" y="4175681"/>
+                    <a:ext cx="492443" cy="369332"/>
+                  </a:xfrm>
+                  <a:prstGeom prst="rect">
+                    <a:avLst/>
+                  </a:prstGeom>
+                </p:spPr>
+                <p:txBody>
+                  <a:bodyPr wrap="none">
+                    <a:spAutoFit/>
+                  </a:bodyPr>
+                  <a:lstStyle/>
+                  <a:p>
+                    <a:pPr/>
+                    <a14:m>
+                      <m:oMathPara xmlns:m="http://schemas.openxmlformats.org/officeDocument/2006/math">
+                        <m:oMathParaPr>
+                          <m:jc m:val="centerGroup"/>
+                        </m:oMathParaPr>
+                        <m:oMath xmlns:m="http://schemas.openxmlformats.org/officeDocument/2006/math">
+                          <m:r>
+                            <m:rPr>
+                              <m:sty m:val="p"/>
+                            </m:rPr>
+                            <a:rPr lang="en-US" smtClean="0">
+                              <a:latin typeface="Cambria Math" panose="02040503050406030204" pitchFamily="18" charset="0"/>
+                              <a:cs typeface="Arial" panose="020B0604020202020204" pitchFamily="34" charset="0"/>
+                            </a:rPr>
+                            <m:t>Δ</m:t>
+                          </m:r>
+                          <m:r>
+                            <m:rPr>
+                              <m:sty m:val="p"/>
+                            </m:rPr>
+                            <a:rPr lang="en-US">
+                              <a:latin typeface="Cambria Math" panose="02040503050406030204" pitchFamily="18" charset="0"/>
+                              <a:cs typeface="Arial" panose="020B0604020202020204" pitchFamily="34" charset="0"/>
+                            </a:rPr>
+                            <m:t>y</m:t>
+                          </m:r>
+                        </m:oMath>
+                      </m:oMathPara>
+                    </a14:m>
+                    <a:endParaRPr lang="en-CA" dirty="0"/>
+                  </a:p>
+                </p:txBody>
+              </p:sp>
+            </mc:Choice>
+            <mc:Fallback>
+              <p:sp>
+                <p:nvSpPr>
+                  <p:cNvPr id="110" name="Rectangle 109"/>
+                  <p:cNvSpPr>
+                    <a:spLocks noRot="1" noChangeAspect="1" noMove="1" noResize="1" noEditPoints="1" noAdjustHandles="1" noChangeArrowheads="1" noChangeShapeType="1" noTextEdit="1"/>
+                  </p:cNvSpPr>
+                  <p:nvPr/>
+                </p:nvSpPr>
+                <p:spPr>
+                  <a:xfrm>
+                    <a:off x="7005269" y="4175681"/>
+                    <a:ext cx="492443" cy="369332"/>
+                  </a:xfrm>
+                  <a:prstGeom prst="rect">
+                    <a:avLst/>
+                  </a:prstGeom>
+                  <a:blipFill>
+                    <a:blip r:embed="rId48"/>
+                    <a:stretch>
+                      <a:fillRect b="-6667"/>
+                    </a:stretch>
+                  </a:blipFill>
+                </p:spPr>
+                <p:txBody>
+                  <a:bodyPr/>
+                  <a:lstStyle/>
+                  <a:p>
+                    <a:r>
+                      <a:rPr lang="en-US">
+                        <a:noFill/>
+                      </a:rPr>
+                      <a:t> </a:t>
+                    </a:r>
+                  </a:p>
+                </p:txBody>
+              </p:sp>
+            </mc:Fallback>
+          </mc:AlternateContent>
+          <p:cxnSp>
+            <p:nvCxnSpPr>
+              <p:cNvPr id="112" name="Straight Arrow Connector 111"/>
+              <p:cNvCxnSpPr/>
+              <p:nvPr/>
+            </p:nvCxnSpPr>
+            <p:spPr>
+              <a:xfrm>
+                <a:off x="6313267" y="4136202"/>
+                <a:ext cx="768791" cy="563905"/>
+              </a:xfrm>
+              <a:prstGeom prst="straightConnector1">
+                <a:avLst/>
+              </a:prstGeom>
+              <a:ln w="38100">
+                <a:solidFill>
+                  <a:srgbClr val="FF0000"/>
+                </a:solidFill>
+                <a:tailEnd type="triangle"/>
+              </a:ln>
+            </p:spPr>
+            <p:style>
+              <a:lnRef idx="1">
+                <a:schemeClr val="accent1"/>
+              </a:lnRef>
+              <a:fillRef idx="0">
+                <a:schemeClr val="accent1"/>
+              </a:fillRef>
+              <a:effectRef idx="0">
+                <a:schemeClr val="accent1"/>
+              </a:effectRef>
+              <a:fontRef idx="minor">
+                <a:schemeClr val="tx1"/>
+              </a:fontRef>
+            </p:style>
+          </p:cxnSp>
+          <mc:AlternateContent xmlns:mc="http://schemas.openxmlformats.org/markup-compatibility/2006">
+            <mc:Choice xmlns:a14="http://schemas.microsoft.com/office/drawing/2010/main" Requires="a14">
+              <p:sp>
+                <p:nvSpPr>
+                  <p:cNvPr id="121" name="Rectangle 120"/>
+                  <p:cNvSpPr/>
+                  <p:nvPr/>
+                </p:nvSpPr>
+                <p:spPr>
+                  <a:xfrm>
+                    <a:off x="6624105" y="4121549"/>
+                    <a:ext cx="377924" cy="410305"/>
+                  </a:xfrm>
+                  <a:prstGeom prst="rect">
+                    <a:avLst/>
+                  </a:prstGeom>
+                </p:spPr>
+                <p:txBody>
+                  <a:bodyPr wrap="none">
+                    <a:spAutoFit/>
+                  </a:bodyPr>
+                  <a:lstStyle/>
+                  <a:p>
+                    <a:pPr/>
+                    <a14:m>
+                      <m:oMathPara xmlns:m="http://schemas.openxmlformats.org/officeDocument/2006/math">
+                        <m:oMathParaPr>
+                          <m:jc m:val="centerGroup"/>
+                        </m:oMathParaPr>
+                        <m:oMath xmlns:m="http://schemas.openxmlformats.org/officeDocument/2006/math">
+                          <m:acc>
+                            <m:accPr>
+                              <m:chr m:val="⃗"/>
+                              <m:ctrlPr>
+                                <a:rPr lang="en-US" b="0" i="1" smtClean="0">
+                                  <a:solidFill>
+                                    <a:srgbClr val="FF0000"/>
+                                  </a:solidFill>
+                                  <a:latin typeface="Cambria Math" panose="02040503050406030204" pitchFamily="18" charset="0"/>
+                                  <a:cs typeface="Arial" panose="020B0604020202020204" pitchFamily="34" charset="0"/>
+                                </a:rPr>
+                              </m:ctrlPr>
+                            </m:accPr>
+                            <m:e>
+                              <m:r>
+                                <a:rPr lang="en-US" b="0" i="1" smtClean="0">
+                                  <a:solidFill>
+                                    <a:srgbClr val="FF0000"/>
+                                  </a:solidFill>
+                                  <a:latin typeface="Cambria Math" panose="02040503050406030204" pitchFamily="18" charset="0"/>
+                                  <a:cs typeface="Arial" panose="020B0604020202020204" pitchFamily="34" charset="0"/>
+                                </a:rPr>
+                                <m:t>𝑑</m:t>
+                              </m:r>
+                            </m:e>
+                          </m:acc>
+                        </m:oMath>
+                      </m:oMathPara>
+                    </a14:m>
+                    <a:endParaRPr lang="en-CA" dirty="0">
+                      <a:solidFill>
+                        <a:srgbClr val="FF0000"/>
+                      </a:solidFill>
+                    </a:endParaRPr>
+                  </a:p>
+                </p:txBody>
+              </p:sp>
+            </mc:Choice>
+            <mc:Fallback>
+              <p:sp>
+                <p:nvSpPr>
+                  <p:cNvPr id="121" name="Rectangle 120"/>
+                  <p:cNvSpPr>
+                    <a:spLocks noRot="1" noChangeAspect="1" noMove="1" noResize="1" noEditPoints="1" noAdjustHandles="1" noChangeArrowheads="1" noChangeShapeType="1" noTextEdit="1"/>
+                  </p:cNvSpPr>
+                  <p:nvPr/>
+                </p:nvSpPr>
+                <p:spPr>
+                  <a:xfrm>
+                    <a:off x="6624105" y="4121549"/>
+                    <a:ext cx="377924" cy="410305"/>
+                  </a:xfrm>
+                  <a:prstGeom prst="rect">
+                    <a:avLst/>
+                  </a:prstGeom>
+                  <a:blipFill>
+                    <a:blip r:embed="rId49"/>
+                    <a:stretch>
+                      <a:fillRect t="-22388" r="-30645"/>
+                    </a:stretch>
+                  </a:blipFill>
+                </p:spPr>
+                <p:txBody>
+                  <a:bodyPr/>
+                  <a:lstStyle/>
+                  <a:p>
+                    <a:r>
+                      <a:rPr lang="en-US">
+                        <a:noFill/>
+                      </a:rPr>
+                      <a:t> </a:t>
+                    </a:r>
+                  </a:p>
+                </p:txBody>
+              </p:sp>
+            </mc:Fallback>
+          </mc:AlternateContent>
+        </p:grpSp>
+        <p:cxnSp>
+          <p:nvCxnSpPr>
+            <p:cNvPr id="106" name="Straight Arrow Connector 105"/>
+            <p:cNvCxnSpPr/>
+            <p:nvPr/>
+          </p:nvCxnSpPr>
+          <p:spPr>
+            <a:xfrm flipV="1">
+              <a:off x="4447512" y="4277709"/>
+              <a:ext cx="497937" cy="1071216"/>
+            </a:xfrm>
+            <a:prstGeom prst="straightConnector1">
+              <a:avLst/>
+            </a:prstGeom>
+            <a:ln w="38100">
+              <a:solidFill>
+                <a:schemeClr val="tx1"/>
+              </a:solidFill>
+              <a:tailEnd type="triangle"/>
+            </a:ln>
+          </p:spPr>
+          <p:style>
+            <a:lnRef idx="1">
+              <a:schemeClr val="accent1"/>
+            </a:lnRef>
+            <a:fillRef idx="0">
+              <a:schemeClr val="accent1"/>
+            </a:fillRef>
+            <a:effectRef idx="0">
+              <a:schemeClr val="accent1"/>
+            </a:effectRef>
+            <a:fontRef idx="minor">
+              <a:schemeClr val="tx1"/>
+            </a:fontRef>
+          </p:style>
+        </p:cxnSp>
+        <p:cxnSp>
+          <p:nvCxnSpPr>
+            <p:cNvPr id="108" name="Straight Arrow Connector 107"/>
+            <p:cNvCxnSpPr/>
+            <p:nvPr/>
+          </p:nvCxnSpPr>
+          <p:spPr>
+            <a:xfrm flipV="1">
+              <a:off x="4472721" y="4840522"/>
+              <a:ext cx="1248252" cy="509779"/>
+            </a:xfrm>
+            <a:prstGeom prst="straightConnector1">
+              <a:avLst/>
+            </a:prstGeom>
+            <a:ln w="38100">
+              <a:solidFill>
+                <a:schemeClr val="tx1"/>
+              </a:solidFill>
+              <a:tailEnd type="triangle"/>
+            </a:ln>
+          </p:spPr>
+          <p:style>
+            <a:lnRef idx="1">
+              <a:schemeClr val="accent1"/>
+            </a:lnRef>
+            <a:fillRef idx="0">
+              <a:schemeClr val="accent1"/>
+            </a:fillRef>
+            <a:effectRef idx="0">
+              <a:schemeClr val="accent1"/>
+            </a:effectRef>
+            <a:fontRef idx="minor">
+              <a:schemeClr val="tx1"/>
+            </a:fontRef>
+          </p:style>
+        </p:cxnSp>
+        <mc:AlternateContent xmlns:mc="http://schemas.openxmlformats.org/markup-compatibility/2006">
+          <mc:Choice xmlns:a14="http://schemas.microsoft.com/office/drawing/2010/main" Requires="a14">
+            <p:sp>
+              <p:nvSpPr>
+                <p:cNvPr id="42" name="TextBox 41"/>
+                <p:cNvSpPr txBox="1"/>
+                <p:nvPr/>
+              </p:nvSpPr>
+              <p:spPr>
+                <a:xfrm>
+                  <a:off x="5295185" y="5002326"/>
+                  <a:ext cx="283859" cy="307777"/>
+                </a:xfrm>
+                <a:prstGeom prst="rect">
+                  <a:avLst/>
+                </a:prstGeom>
+                <a:noFill/>
+              </p:spPr>
+              <p:txBody>
+                <a:bodyPr wrap="none" lIns="0" tIns="0" rIns="0" bIns="0" rtlCol="0">
+                  <a:spAutoFit/>
+                </a:bodyPr>
+                <a:lstStyle/>
+                <a:p>
+                  <a14:m>
+                    <m:oMathPara xmlns:m="http://schemas.openxmlformats.org/officeDocument/2006/math">
+                      <m:oMathParaPr>
+                        <m:jc m:val="centerGroup"/>
+                      </m:oMathParaPr>
+                      <m:oMath xmlns:m="http://schemas.openxmlformats.org/officeDocument/2006/math">
+                        <m:sSub>
+                          <m:sSubPr>
+                            <m:ctrlPr>
+                              <a:rPr lang="en-US" sz="2000" b="0" i="1" smtClean="0">
+                                <a:latin typeface="Cambria Math" panose="02040503050406030204" pitchFamily="18" charset="0"/>
+                                <a:cs typeface="Arial" panose="020B0604020202020204" pitchFamily="34" charset="0"/>
+                              </a:rPr>
+                            </m:ctrlPr>
+                          </m:sSubPr>
+                          <m:e>
+                            <m:acc>
+                              <m:accPr>
+                                <m:chr m:val="⃗"/>
+                                <m:ctrlPr>
+                                  <a:rPr lang="en-US" sz="2000" b="0" i="1" smtClean="0">
+                                    <a:latin typeface="Cambria Math" panose="02040503050406030204" pitchFamily="18" charset="0"/>
+                                    <a:cs typeface="Arial" panose="020B0604020202020204" pitchFamily="34" charset="0"/>
+                                  </a:rPr>
+                                </m:ctrlPr>
+                              </m:accPr>
+                              <m:e>
+                                <m:r>
+                                  <a:rPr lang="en-US" sz="2000" b="0" i="1" smtClean="0">
+                                    <a:latin typeface="Cambria Math" panose="02040503050406030204" pitchFamily="18" charset="0"/>
+                                    <a:cs typeface="Arial" panose="020B0604020202020204" pitchFamily="34" charset="0"/>
+                                  </a:rPr>
+                                  <m:t>𝑟</m:t>
+                                </m:r>
+                              </m:e>
+                            </m:acc>
+                          </m:e>
+                          <m:sub>
+                            <m:r>
+                              <a:rPr lang="en-US" sz="2000" b="0" i="1" smtClean="0">
+                                <a:latin typeface="Cambria Math" panose="02040503050406030204" pitchFamily="18" charset="0"/>
+                                <a:cs typeface="Arial" panose="020B0604020202020204" pitchFamily="34" charset="0"/>
+                              </a:rPr>
+                              <m:t>2</m:t>
+                            </m:r>
+                          </m:sub>
+                        </m:sSub>
+                      </m:oMath>
+                    </m:oMathPara>
+                  </a14:m>
+                  <a:endParaRPr lang="en-US" sz="2000" dirty="0" smtClean="0">
+                    <a:latin typeface="Arial" panose="020B0604020202020204" pitchFamily="34" charset="0"/>
+                    <a:cs typeface="Arial" panose="020B0604020202020204" pitchFamily="34" charset="0"/>
+                  </a:endParaRPr>
+                </a:p>
+              </p:txBody>
+            </p:sp>
+          </mc:Choice>
+          <mc:Fallback>
+            <p:sp>
+              <p:nvSpPr>
+                <p:cNvPr id="42" name="TextBox 41"/>
+                <p:cNvSpPr txBox="1">
+                  <a:spLocks noRot="1" noChangeAspect="1" noMove="1" noResize="1" noEditPoints="1" noAdjustHandles="1" noChangeArrowheads="1" noChangeShapeType="1" noTextEdit="1"/>
+                </p:cNvSpPr>
+                <p:nvPr/>
+              </p:nvSpPr>
+              <p:spPr>
+                <a:xfrm>
+                  <a:off x="5295185" y="5002326"/>
+                  <a:ext cx="283859" cy="307777"/>
+                </a:xfrm>
+                <a:prstGeom prst="rect">
+                  <a:avLst/>
+                </a:prstGeom>
+                <a:blipFill>
+                  <a:blip r:embed="rId50"/>
+                  <a:stretch>
+                    <a:fillRect l="-21739" t="-36000" r="-67391" b="-20000"/>
+                  </a:stretch>
+                </a:blipFill>
+              </p:spPr>
+              <p:txBody>
+                <a:bodyPr/>
+                <a:lstStyle/>
+                <a:p>
+                  <a:r>
+                    <a:rPr lang="en-US">
+                      <a:noFill/>
+                    </a:rPr>
+                    <a:t> </a:t>
+                  </a:r>
+                </a:p>
+              </p:txBody>
+            </p:sp>
+          </mc:Fallback>
+        </mc:AlternateContent>
+        <mc:AlternateContent xmlns:mc="http://schemas.openxmlformats.org/markup-compatibility/2006">
+          <mc:Choice xmlns:a14="http://schemas.microsoft.com/office/drawing/2010/main" Requires="a14">
+            <p:sp>
+              <p:nvSpPr>
+                <p:cNvPr id="117" name="TextBox 116"/>
+                <p:cNvSpPr txBox="1"/>
+                <p:nvPr/>
+              </p:nvSpPr>
+              <p:spPr>
+                <a:xfrm>
+                  <a:off x="4772713" y="4581315"/>
+                  <a:ext cx="283859" cy="307777"/>
+                </a:xfrm>
+                <a:prstGeom prst="rect">
+                  <a:avLst/>
+                </a:prstGeom>
+                <a:noFill/>
+              </p:spPr>
+              <p:txBody>
+                <a:bodyPr wrap="none" lIns="0" tIns="0" rIns="0" bIns="0" rtlCol="0">
+                  <a:spAutoFit/>
+                </a:bodyPr>
+                <a:lstStyle/>
+                <a:p>
+                  <a14:m>
+                    <m:oMathPara xmlns:m="http://schemas.openxmlformats.org/officeDocument/2006/math">
+                      <m:oMathParaPr>
+                        <m:jc m:val="centerGroup"/>
+                      </m:oMathParaPr>
+                      <m:oMath xmlns:m="http://schemas.openxmlformats.org/officeDocument/2006/math">
+                        <m:sSub>
+                          <m:sSubPr>
+                            <m:ctrlPr>
+                              <a:rPr lang="en-US" sz="2000" b="0" i="1" smtClean="0">
+                                <a:latin typeface="Cambria Math" panose="02040503050406030204" pitchFamily="18" charset="0"/>
+                                <a:cs typeface="Arial" panose="020B0604020202020204" pitchFamily="34" charset="0"/>
+                              </a:rPr>
+                            </m:ctrlPr>
+                          </m:sSubPr>
+                          <m:e>
+                            <m:acc>
+                              <m:accPr>
+                                <m:chr m:val="⃗"/>
+                                <m:ctrlPr>
+                                  <a:rPr lang="en-US" sz="2000" b="0" i="1" smtClean="0">
+                                    <a:latin typeface="Cambria Math" panose="02040503050406030204" pitchFamily="18" charset="0"/>
+                                    <a:cs typeface="Arial" panose="020B0604020202020204" pitchFamily="34" charset="0"/>
+                                  </a:rPr>
+                                </m:ctrlPr>
+                              </m:accPr>
+                              <m:e>
+                                <m:r>
+                                  <a:rPr lang="en-US" sz="2000" b="0" i="1" smtClean="0">
+                                    <a:latin typeface="Cambria Math" panose="02040503050406030204" pitchFamily="18" charset="0"/>
+                                    <a:cs typeface="Arial" panose="020B0604020202020204" pitchFamily="34" charset="0"/>
+                                  </a:rPr>
+                                  <m:t>𝑟</m:t>
+                                </m:r>
+                              </m:e>
+                            </m:acc>
+                          </m:e>
+                          <m:sub>
+                            <m:r>
+                              <a:rPr lang="en-US" sz="2000" b="0" i="1" smtClean="0">
+                                <a:latin typeface="Cambria Math" panose="02040503050406030204" pitchFamily="18" charset="0"/>
+                                <a:cs typeface="Arial" panose="020B0604020202020204" pitchFamily="34" charset="0"/>
+                              </a:rPr>
+                              <m:t>1</m:t>
+                            </m:r>
+                          </m:sub>
+                        </m:sSub>
+                      </m:oMath>
+                    </m:oMathPara>
+                  </a14:m>
+                  <a:endParaRPr lang="en-US" sz="2000" dirty="0" smtClean="0">
+                    <a:latin typeface="Arial" panose="020B0604020202020204" pitchFamily="34" charset="0"/>
+                    <a:cs typeface="Arial" panose="020B0604020202020204" pitchFamily="34" charset="0"/>
+                  </a:endParaRPr>
+                </a:p>
+              </p:txBody>
+            </p:sp>
+          </mc:Choice>
+          <mc:Fallback>
+            <p:sp>
+              <p:nvSpPr>
+                <p:cNvPr id="117" name="TextBox 116"/>
+                <p:cNvSpPr txBox="1">
+                  <a:spLocks noRot="1" noChangeAspect="1" noMove="1" noResize="1" noEditPoints="1" noAdjustHandles="1" noChangeArrowheads="1" noChangeShapeType="1" noTextEdit="1"/>
+                </p:cNvSpPr>
+                <p:nvPr/>
+              </p:nvSpPr>
+              <p:spPr>
+                <a:xfrm>
+                  <a:off x="4772713" y="4581315"/>
+                  <a:ext cx="283859" cy="307777"/>
+                </a:xfrm>
+                <a:prstGeom prst="rect">
+                  <a:avLst/>
+                </a:prstGeom>
+                <a:blipFill>
+                  <a:blip r:embed="rId51"/>
+                  <a:stretch>
+                    <a:fillRect l="-21739" t="-36000" r="-67391" b="-20000"/>
+                  </a:stretch>
+                </a:blipFill>
+              </p:spPr>
+              <p:txBody>
+                <a:bodyPr/>
+                <a:lstStyle/>
+                <a:p>
+                  <a:r>
+                    <a:rPr lang="en-US">
                       <a:noFill/>
                     </a:rPr>
                     <a:t> </a:t>
@@ -24040,8 +24069,8 @@
             </a:fontRef>
           </p:style>
         </p:cxnSp>
-        <mc:AlternateContent xmlns:mc="http://schemas.openxmlformats.org/markup-compatibility/2006">
-          <mc:Choice xmlns:a14="http://schemas.microsoft.com/office/drawing/2010/main" Requires="a14">
+        <mc:AlternateContent xmlns:mc="http://schemas.openxmlformats.org/markup-compatibility/2006" xmlns:a14="http://schemas.microsoft.com/office/drawing/2010/main">
+          <mc:Choice Requires="a14">
             <p:sp>
               <p:nvSpPr>
                 <p:cNvPr id="15" name="Rectangle 14"/>
@@ -24098,7 +24127,7 @@
               </p:txBody>
             </p:sp>
           </mc:Choice>
-          <mc:Fallback>
+          <mc:Fallback xmlns="">
             <p:sp>
               <p:nvSpPr>
                 <p:cNvPr id="15" name="Rectangle 14"/>
@@ -24137,8 +24166,8 @@
             </p:sp>
           </mc:Fallback>
         </mc:AlternateContent>
-        <mc:AlternateContent xmlns:mc="http://schemas.openxmlformats.org/markup-compatibility/2006">
-          <mc:Choice xmlns:a14="http://schemas.microsoft.com/office/drawing/2010/main" Requires="a14">
+        <mc:AlternateContent xmlns:mc="http://schemas.openxmlformats.org/markup-compatibility/2006" xmlns:a14="http://schemas.microsoft.com/office/drawing/2010/main">
+          <mc:Choice Requires="a14">
             <p:sp>
               <p:nvSpPr>
                 <p:cNvPr id="25" name="Rectangle 24"/>
@@ -24195,7 +24224,7 @@
               </p:txBody>
             </p:sp>
           </mc:Choice>
-          <mc:Fallback>
+          <mc:Fallback xmlns="">
             <p:sp>
               <p:nvSpPr>
                 <p:cNvPr id="25" name="Rectangle 24"/>
@@ -24234,8 +24263,8 @@
             </p:sp>
           </mc:Fallback>
         </mc:AlternateContent>
-        <mc:AlternateContent xmlns:mc="http://schemas.openxmlformats.org/markup-compatibility/2006">
-          <mc:Choice xmlns:a14="http://schemas.microsoft.com/office/drawing/2010/main" Requires="a14">
+        <mc:AlternateContent xmlns:mc="http://schemas.openxmlformats.org/markup-compatibility/2006" xmlns:a14="http://schemas.microsoft.com/office/drawing/2010/main">
+          <mc:Choice Requires="a14">
             <p:sp>
               <p:nvSpPr>
                 <p:cNvPr id="26" name="TextBox 25"/>
@@ -24258,6 +24287,7 @@
                 </a:bodyPr>
                 <a:lstStyle/>
                 <a:p>
+                  <a:pPr/>
                   <a14:m>
                     <m:oMathPara xmlns:m="http://schemas.openxmlformats.org/officeDocument/2006/math">
                       <m:oMathParaPr>
@@ -24303,7 +24333,7 @@
               </p:txBody>
             </p:sp>
           </mc:Choice>
-          <mc:Fallback>
+          <mc:Fallback xmlns="">
             <p:sp>
               <p:nvSpPr>
                 <p:cNvPr id="26" name="TextBox 25"/>
@@ -24342,8 +24372,8 @@
             </p:sp>
           </mc:Fallback>
         </mc:AlternateContent>
-        <mc:AlternateContent xmlns:mc="http://schemas.openxmlformats.org/markup-compatibility/2006">
-          <mc:Choice xmlns:a14="http://schemas.microsoft.com/office/drawing/2010/main" Requires="a14">
+        <mc:AlternateContent xmlns:mc="http://schemas.openxmlformats.org/markup-compatibility/2006" xmlns:a14="http://schemas.microsoft.com/office/drawing/2010/main">
+          <mc:Choice Requires="a14">
             <p:sp>
               <p:nvSpPr>
                 <p:cNvPr id="27" name="TextBox 26"/>
@@ -24366,6 +24396,7 @@
                 </a:bodyPr>
                 <a:lstStyle/>
                 <a:p>
+                  <a:pPr/>
                   <a14:m>
                     <m:oMathPara xmlns:m="http://schemas.openxmlformats.org/officeDocument/2006/math">
                       <m:oMathParaPr>
@@ -24411,7 +24442,7 @@
               </p:txBody>
             </p:sp>
           </mc:Choice>
-          <mc:Fallback>
+          <mc:Fallback xmlns="">
             <p:sp>
               <p:nvSpPr>
                 <p:cNvPr id="27" name="TextBox 26"/>
@@ -24522,8 +24553,8 @@
             </a:fontRef>
           </p:style>
         </p:cxnSp>
-        <mc:AlternateContent xmlns:mc="http://schemas.openxmlformats.org/markup-compatibility/2006">
-          <mc:Choice xmlns:a14="http://schemas.microsoft.com/office/drawing/2010/main" Requires="a14">
+        <mc:AlternateContent xmlns:mc="http://schemas.openxmlformats.org/markup-compatibility/2006" xmlns:a14="http://schemas.microsoft.com/office/drawing/2010/main">
+          <mc:Choice Requires="a14">
             <p:sp>
               <p:nvSpPr>
                 <p:cNvPr id="36" name="TextBox 35"/>
@@ -24546,6 +24577,7 @@
                 </a:bodyPr>
                 <a:lstStyle/>
                 <a:p>
+                  <a:pPr/>
                   <a14:m>
                     <m:oMathPara xmlns:m="http://schemas.openxmlformats.org/officeDocument/2006/math">
                       <m:oMathParaPr>
@@ -24570,7 +24602,7 @@
               </p:txBody>
             </p:sp>
           </mc:Choice>
-          <mc:Fallback>
+          <mc:Fallback xmlns="">
             <p:sp>
               <p:nvSpPr>
                 <p:cNvPr id="36" name="TextBox 35"/>
@@ -25117,8 +25149,8 @@
             </a:fontRef>
           </p:style>
         </p:cxnSp>
-        <mc:AlternateContent xmlns:mc="http://schemas.openxmlformats.org/markup-compatibility/2006">
-          <mc:Choice xmlns:a14="http://schemas.microsoft.com/office/drawing/2010/main" Requires="a14">
+        <mc:AlternateContent xmlns:mc="http://schemas.openxmlformats.org/markup-compatibility/2006" xmlns:a14="http://schemas.microsoft.com/office/drawing/2010/main">
+          <mc:Choice Requires="a14">
             <p:sp>
               <p:nvSpPr>
                 <p:cNvPr id="44" name="Rectangle 43"/>
@@ -25175,7 +25207,7 @@
               </p:txBody>
             </p:sp>
           </mc:Choice>
-          <mc:Fallback>
+          <mc:Fallback xmlns="">
             <p:sp>
               <p:nvSpPr>
                 <p:cNvPr id="44" name="Rectangle 43"/>
@@ -25214,8 +25246,8 @@
             </p:sp>
           </mc:Fallback>
         </mc:AlternateContent>
-        <mc:AlternateContent xmlns:mc="http://schemas.openxmlformats.org/markup-compatibility/2006">
-          <mc:Choice xmlns:a14="http://schemas.microsoft.com/office/drawing/2010/main" Requires="a14">
+        <mc:AlternateContent xmlns:mc="http://schemas.openxmlformats.org/markup-compatibility/2006" xmlns:a14="http://schemas.microsoft.com/office/drawing/2010/main">
+          <mc:Choice Requires="a14">
             <p:sp>
               <p:nvSpPr>
                 <p:cNvPr id="45" name="Rectangle 44"/>
@@ -25272,7 +25304,7 @@
               </p:txBody>
             </p:sp>
           </mc:Choice>
-          <mc:Fallback>
+          <mc:Fallback xmlns="">
             <p:sp>
               <p:nvSpPr>
                 <p:cNvPr id="45" name="Rectangle 44"/>
@@ -25383,8 +25415,8 @@
             </a:fontRef>
           </p:style>
         </p:cxnSp>
-        <mc:AlternateContent xmlns:mc="http://schemas.openxmlformats.org/markup-compatibility/2006">
-          <mc:Choice xmlns:a14="http://schemas.microsoft.com/office/drawing/2010/main" Requires="a14">
+        <mc:AlternateContent xmlns:mc="http://schemas.openxmlformats.org/markup-compatibility/2006" xmlns:a14="http://schemas.microsoft.com/office/drawing/2010/main">
+          <mc:Choice Requires="a14">
             <p:sp>
               <p:nvSpPr>
                 <p:cNvPr id="66" name="Rectangle 65"/>
@@ -25441,7 +25473,7 @@
               </p:txBody>
             </p:sp>
           </mc:Choice>
-          <mc:Fallback>
+          <mc:Fallback xmlns="">
             <p:sp>
               <p:nvSpPr>
                 <p:cNvPr id="66" name="Rectangle 65"/>
@@ -25480,8 +25512,8 @@
             </p:sp>
           </mc:Fallback>
         </mc:AlternateContent>
-        <mc:AlternateContent xmlns:mc="http://schemas.openxmlformats.org/markup-compatibility/2006">
-          <mc:Choice xmlns:a14="http://schemas.microsoft.com/office/drawing/2010/main" Requires="a14">
+        <mc:AlternateContent xmlns:mc="http://schemas.openxmlformats.org/markup-compatibility/2006" xmlns:a14="http://schemas.microsoft.com/office/drawing/2010/main">
+          <mc:Choice Requires="a14">
             <p:sp>
               <p:nvSpPr>
                 <p:cNvPr id="75" name="Rectangle 74"/>
@@ -25503,6 +25535,7 @@
                 </a:bodyPr>
                 <a:lstStyle/>
                 <a:p>
+                  <a:pPr/>
                   <a14:m>
                     <m:oMathPara xmlns:m="http://schemas.openxmlformats.org/officeDocument/2006/math">
                       <m:oMathParaPr>
@@ -25545,7 +25578,7 @@
               </p:txBody>
             </p:sp>
           </mc:Choice>
-          <mc:Fallback>
+          <mc:Fallback xmlns="">
             <p:sp>
               <p:nvSpPr>
                 <p:cNvPr id="75" name="Rectangle 74"/>
@@ -25584,8 +25617,8 @@
             </p:sp>
           </mc:Fallback>
         </mc:AlternateContent>
-        <mc:AlternateContent xmlns:mc="http://schemas.openxmlformats.org/markup-compatibility/2006">
-          <mc:Choice xmlns:a14="http://schemas.microsoft.com/office/drawing/2010/main" Requires="a14">
+        <mc:AlternateContent xmlns:mc="http://schemas.openxmlformats.org/markup-compatibility/2006" xmlns:a14="http://schemas.microsoft.com/office/drawing/2010/main">
+          <mc:Choice Requires="a14">
             <p:sp>
               <p:nvSpPr>
                 <p:cNvPr id="76" name="Rectangle 75"/>
@@ -25607,6 +25640,7 @@
                 </a:bodyPr>
                 <a:lstStyle/>
                 <a:p>
+                  <a:pPr/>
                   <a14:m>
                     <m:oMathPara xmlns:m="http://schemas.openxmlformats.org/officeDocument/2006/math">
                       <m:oMathParaPr>
@@ -25649,7 +25683,7 @@
               </p:txBody>
             </p:sp>
           </mc:Choice>
-          <mc:Fallback>
+          <mc:Fallback xmlns="">
             <p:sp>
               <p:nvSpPr>
                 <p:cNvPr id="76" name="Rectangle 75"/>
@@ -25760,8 +25794,8 @@
             </a:fontRef>
           </p:style>
         </p:cxnSp>
-        <mc:AlternateContent xmlns:mc="http://schemas.openxmlformats.org/markup-compatibility/2006">
-          <mc:Choice xmlns:a14="http://schemas.microsoft.com/office/drawing/2010/main" Requires="a14">
+        <mc:AlternateContent xmlns:mc="http://schemas.openxmlformats.org/markup-compatibility/2006" xmlns:a14="http://schemas.microsoft.com/office/drawing/2010/main">
+          <mc:Choice Requires="a14">
             <p:sp>
               <p:nvSpPr>
                 <p:cNvPr id="81" name="Rectangle 80"/>
@@ -25783,6 +25817,7 @@
                 </a:bodyPr>
                 <a:lstStyle/>
                 <a:p>
+                  <a:pPr/>
                   <a14:m>
                     <m:oMathPara xmlns:m="http://schemas.openxmlformats.org/officeDocument/2006/math">
                       <m:oMathParaPr>
@@ -25825,7 +25860,7 @@
               </p:txBody>
             </p:sp>
           </mc:Choice>
-          <mc:Fallback>
+          <mc:Fallback xmlns="">
             <p:sp>
               <p:nvSpPr>
                 <p:cNvPr id="81" name="Rectangle 80"/>
@@ -25864,8 +25899,8 @@
             </p:sp>
           </mc:Fallback>
         </mc:AlternateContent>
-        <mc:AlternateContent xmlns:mc="http://schemas.openxmlformats.org/markup-compatibility/2006">
-          <mc:Choice xmlns:a14="http://schemas.microsoft.com/office/drawing/2010/main" Requires="a14">
+        <mc:AlternateContent xmlns:mc="http://schemas.openxmlformats.org/markup-compatibility/2006" xmlns:a14="http://schemas.microsoft.com/office/drawing/2010/main">
+          <mc:Choice Requires="a14">
             <p:sp>
               <p:nvSpPr>
                 <p:cNvPr id="82" name="Rectangle 81"/>
@@ -25887,6 +25922,7 @@
                 </a:bodyPr>
                 <a:lstStyle/>
                 <a:p>
+                  <a:pPr/>
                   <a14:m>
                     <m:oMathPara xmlns:m="http://schemas.openxmlformats.org/officeDocument/2006/math">
                       <m:oMathParaPr>
@@ -25929,7 +25965,7 @@
               </p:txBody>
             </p:sp>
           </mc:Choice>
-          <mc:Fallback>
+          <mc:Fallback xmlns="">
             <p:sp>
               <p:nvSpPr>
                 <p:cNvPr id="82" name="Rectangle 81"/>
@@ -25968,8 +26004,8 @@
             </p:sp>
           </mc:Fallback>
         </mc:AlternateContent>
-        <mc:AlternateContent xmlns:mc="http://schemas.openxmlformats.org/markup-compatibility/2006">
-          <mc:Choice xmlns:a14="http://schemas.microsoft.com/office/drawing/2010/main" Requires="a14">
+        <mc:AlternateContent xmlns:mc="http://schemas.openxmlformats.org/markup-compatibility/2006" xmlns:a14="http://schemas.microsoft.com/office/drawing/2010/main">
+          <mc:Choice Requires="a14">
             <p:sp>
               <p:nvSpPr>
                 <p:cNvPr id="91" name="Rectangle 90"/>
@@ -25991,6 +26027,7 @@
                 </a:bodyPr>
                 <a:lstStyle/>
                 <a:p>
+                  <a:pPr/>
                   <a14:m>
                     <m:oMathPara xmlns:m="http://schemas.openxmlformats.org/officeDocument/2006/math">
                       <m:oMathParaPr>
@@ -26103,7 +26140,7 @@
               </p:txBody>
             </p:sp>
           </mc:Choice>
-          <mc:Fallback>
+          <mc:Fallback xmlns="">
             <p:sp>
               <p:nvSpPr>
                 <p:cNvPr id="91" name="Rectangle 90"/>
@@ -26142,8 +26179,8 @@
             </p:sp>
           </mc:Fallback>
         </mc:AlternateContent>
-        <mc:AlternateContent xmlns:mc="http://schemas.openxmlformats.org/markup-compatibility/2006">
-          <mc:Choice xmlns:a14="http://schemas.microsoft.com/office/drawing/2010/main" Requires="a14">
+        <mc:AlternateContent xmlns:mc="http://schemas.openxmlformats.org/markup-compatibility/2006" xmlns:a14="http://schemas.microsoft.com/office/drawing/2010/main">
+          <mc:Choice Requires="a14">
             <p:sp>
               <p:nvSpPr>
                 <p:cNvPr id="92" name="Rectangle 91"/>
@@ -26165,6 +26202,7 @@
                 </a:bodyPr>
                 <a:lstStyle/>
                 <a:p>
+                  <a:pPr/>
                   <a14:m>
                     <m:oMathPara xmlns:m="http://schemas.openxmlformats.org/officeDocument/2006/math">
                       <m:oMathParaPr>
@@ -26277,7 +26315,7 @@
               </p:txBody>
             </p:sp>
           </mc:Choice>
-          <mc:Fallback>
+          <mc:Fallback xmlns="">
             <p:sp>
               <p:nvSpPr>
                 <p:cNvPr id="92" name="Rectangle 91"/>
@@ -26709,8 +26747,8 @@
             </p:txBody>
           </p:sp>
         </p:grpSp>
-        <mc:AlternateContent xmlns:mc="http://schemas.openxmlformats.org/markup-compatibility/2006">
-          <mc:Choice xmlns:a14="http://schemas.microsoft.com/office/drawing/2010/main" Requires="a14">
+        <mc:AlternateContent xmlns:mc="http://schemas.openxmlformats.org/markup-compatibility/2006" xmlns:a14="http://schemas.microsoft.com/office/drawing/2010/main">
+          <mc:Choice Requires="a14">
             <p:sp>
               <p:nvSpPr>
                 <p:cNvPr id="102" name="Rectangle 101"/>
@@ -26767,7 +26805,7 @@
               </p:txBody>
             </p:sp>
           </mc:Choice>
-          <mc:Fallback>
+          <mc:Fallback xmlns="">
             <p:sp>
               <p:nvSpPr>
                 <p:cNvPr id="102" name="Rectangle 101"/>
@@ -26990,8 +27028,8 @@
             </a:fontRef>
           </p:style>
         </p:cxnSp>
-        <mc:AlternateContent xmlns:mc="http://schemas.openxmlformats.org/markup-compatibility/2006">
-          <mc:Choice xmlns:a14="http://schemas.microsoft.com/office/drawing/2010/main" Requires="a14">
+        <mc:AlternateContent xmlns:mc="http://schemas.openxmlformats.org/markup-compatibility/2006" xmlns:a14="http://schemas.microsoft.com/office/drawing/2010/main">
+          <mc:Choice Requires="a14">
             <p:sp>
               <p:nvSpPr>
                 <p:cNvPr id="119" name="Rectangle 118"/>
@@ -27048,7 +27086,7 @@
               </p:txBody>
             </p:sp>
           </mc:Choice>
-          <mc:Fallback>
+          <mc:Fallback xmlns="">
             <p:sp>
               <p:nvSpPr>
                 <p:cNvPr id="119" name="Rectangle 118"/>
@@ -27087,8 +27125,8 @@
             </p:sp>
           </mc:Fallback>
         </mc:AlternateContent>
-        <mc:AlternateContent xmlns:mc="http://schemas.openxmlformats.org/markup-compatibility/2006">
-          <mc:Choice xmlns:a14="http://schemas.microsoft.com/office/drawing/2010/main" Requires="a14">
+        <mc:AlternateContent xmlns:mc="http://schemas.openxmlformats.org/markup-compatibility/2006" xmlns:a14="http://schemas.microsoft.com/office/drawing/2010/main">
+          <mc:Choice Requires="a14">
             <p:sp>
               <p:nvSpPr>
                 <p:cNvPr id="120" name="Rectangle 119"/>
@@ -27145,7 +27183,7 @@
               </p:txBody>
             </p:sp>
           </mc:Choice>
-          <mc:Fallback>
+          <mc:Fallback xmlns="">
             <p:sp>
               <p:nvSpPr>
                 <p:cNvPr id="120" name="Rectangle 119"/>
@@ -27184,8 +27222,8 @@
             </p:sp>
           </mc:Fallback>
         </mc:AlternateContent>
-        <mc:AlternateContent xmlns:mc="http://schemas.openxmlformats.org/markup-compatibility/2006">
-          <mc:Choice xmlns:a14="http://schemas.microsoft.com/office/drawing/2010/main" Requires="a14">
+        <mc:AlternateContent xmlns:mc="http://schemas.openxmlformats.org/markup-compatibility/2006" xmlns:a14="http://schemas.microsoft.com/office/drawing/2010/main">
+          <mc:Choice Requires="a14">
             <p:sp>
               <p:nvSpPr>
                 <p:cNvPr id="121" name="Rectangle 120"/>
@@ -27270,7 +27308,7 @@
               </p:txBody>
             </p:sp>
           </mc:Choice>
-          <mc:Fallback>
+          <mc:Fallback xmlns="">
             <p:sp>
               <p:nvSpPr>
                 <p:cNvPr id="121" name="Rectangle 120"/>
@@ -27309,8 +27347,8 @@
             </p:sp>
           </mc:Fallback>
         </mc:AlternateContent>
-        <mc:AlternateContent xmlns:mc="http://schemas.openxmlformats.org/markup-compatibility/2006">
-          <mc:Choice xmlns:a14="http://schemas.microsoft.com/office/drawing/2010/main" Requires="a14">
+        <mc:AlternateContent xmlns:mc="http://schemas.openxmlformats.org/markup-compatibility/2006" xmlns:a14="http://schemas.microsoft.com/office/drawing/2010/main">
+          <mc:Choice Requires="a14">
             <p:sp>
               <p:nvSpPr>
                 <p:cNvPr id="122" name="Rectangle 121"/>
@@ -27395,7 +27433,7 @@
               </p:txBody>
             </p:sp>
           </mc:Choice>
-          <mc:Fallback>
+          <mc:Fallback xmlns="">
             <p:sp>
               <p:nvSpPr>
                 <p:cNvPr id="122" name="Rectangle 121"/>
@@ -27946,8 +27984,8 @@
             </a:p>
           </p:txBody>
         </p:sp>
-        <mc:AlternateContent xmlns:mc="http://schemas.openxmlformats.org/markup-compatibility/2006">
-          <mc:Choice xmlns:a14="http://schemas.microsoft.com/office/drawing/2010/main" Requires="a14">
+        <mc:AlternateContent xmlns:mc="http://schemas.openxmlformats.org/markup-compatibility/2006" xmlns:a14="http://schemas.microsoft.com/office/drawing/2010/main">
+          <mc:Choice Requires="a14">
             <p:sp>
               <p:nvSpPr>
                 <p:cNvPr id="138" name="TextBox 137"/>
@@ -27970,6 +28008,7 @@
                 </a:bodyPr>
                 <a:lstStyle/>
                 <a:p>
+                  <a:pPr/>
                   <a14:m>
                     <m:oMathPara xmlns:m="http://schemas.openxmlformats.org/officeDocument/2006/math">
                       <m:oMathParaPr>
@@ -27994,7 +28033,7 @@
               </p:txBody>
             </p:sp>
           </mc:Choice>
-          <mc:Fallback>
+          <mc:Fallback xmlns="">
             <p:sp>
               <p:nvSpPr>
                 <p:cNvPr id="138" name="TextBox 137"/>
@@ -28033,8 +28072,8 @@
             </p:sp>
           </mc:Fallback>
         </mc:AlternateContent>
-        <mc:AlternateContent xmlns:mc="http://schemas.openxmlformats.org/markup-compatibility/2006">
-          <mc:Choice xmlns:a14="http://schemas.microsoft.com/office/drawing/2010/main" Requires="a14">
+        <mc:AlternateContent xmlns:mc="http://schemas.openxmlformats.org/markup-compatibility/2006" xmlns:a14="http://schemas.microsoft.com/office/drawing/2010/main">
+          <mc:Choice Requires="a14">
             <p:sp>
               <p:nvSpPr>
                 <p:cNvPr id="139" name="Rectangle 138"/>
@@ -28091,7 +28130,7 @@
               </p:txBody>
             </p:sp>
           </mc:Choice>
-          <mc:Fallback>
+          <mc:Fallback xmlns="">
             <p:sp>
               <p:nvSpPr>
                 <p:cNvPr id="139" name="Rectangle 138"/>
@@ -28130,8 +28169,8 @@
             </p:sp>
           </mc:Fallback>
         </mc:AlternateContent>
-        <mc:AlternateContent xmlns:mc="http://schemas.openxmlformats.org/markup-compatibility/2006">
-          <mc:Choice xmlns:a14="http://schemas.microsoft.com/office/drawing/2010/main" Requires="a14">
+        <mc:AlternateContent xmlns:mc="http://schemas.openxmlformats.org/markup-compatibility/2006" xmlns:a14="http://schemas.microsoft.com/office/drawing/2010/main">
+          <mc:Choice Requires="a14">
             <p:sp>
               <p:nvSpPr>
                 <p:cNvPr id="140" name="Rectangle 139"/>
@@ -28188,7 +28227,7 @@
               </p:txBody>
             </p:sp>
           </mc:Choice>
-          <mc:Fallback>
+          <mc:Fallback xmlns="">
             <p:sp>
               <p:nvSpPr>
                 <p:cNvPr id="140" name="Rectangle 139"/>
@@ -28209,6 +28248,529 @@
                   <a:blip r:embed="rId29"/>
                   <a:stretch>
                     <a:fillRect/>
+                  </a:stretch>
+                </a:blipFill>
+              </p:spPr>
+              <p:txBody>
+                <a:bodyPr/>
+                <a:lstStyle/>
+                <a:p>
+                  <a:r>
+                    <a:rPr lang="en-US">
+                      <a:noFill/>
+                    </a:rPr>
+                    <a:t> </a:t>
+                  </a:r>
+                </a:p>
+              </p:txBody>
+            </p:sp>
+          </mc:Fallback>
+        </mc:AlternateContent>
+      </p:grpSp>
+      <p:grpSp>
+        <p:nvGrpSpPr>
+          <p:cNvPr id="9" name="Group 8"/>
+          <p:cNvGrpSpPr/>
+          <p:nvPr/>
+        </p:nvGrpSpPr>
+        <p:grpSpPr>
+          <a:xfrm>
+            <a:off x="7664191" y="2946400"/>
+            <a:ext cx="1825013" cy="880700"/>
+            <a:chOff x="7664191" y="2946400"/>
+            <a:chExt cx="1825013" cy="880700"/>
+          </a:xfrm>
+        </p:grpSpPr>
+        <p:cxnSp>
+          <p:nvCxnSpPr>
+            <p:cNvPr id="78" name="Straight Arrow Connector 77"/>
+            <p:cNvCxnSpPr/>
+            <p:nvPr/>
+          </p:nvCxnSpPr>
+          <p:spPr>
+            <a:xfrm flipV="1">
+              <a:off x="7664191" y="2946400"/>
+              <a:ext cx="628799" cy="468687"/>
+            </a:xfrm>
+            <a:prstGeom prst="straightConnector1">
+              <a:avLst/>
+            </a:prstGeom>
+            <a:ln w="38100">
+              <a:solidFill>
+                <a:schemeClr val="tx1"/>
+              </a:solidFill>
+              <a:tailEnd type="triangle"/>
+            </a:ln>
+          </p:spPr>
+          <p:style>
+            <a:lnRef idx="1">
+              <a:schemeClr val="accent1"/>
+            </a:lnRef>
+            <a:fillRef idx="0">
+              <a:schemeClr val="accent1"/>
+            </a:fillRef>
+            <a:effectRef idx="0">
+              <a:schemeClr val="accent1"/>
+            </a:effectRef>
+            <a:fontRef idx="minor">
+              <a:schemeClr val="tx1"/>
+            </a:fontRef>
+          </p:style>
+        </p:cxnSp>
+        <p:grpSp>
+          <p:nvGrpSpPr>
+            <p:cNvPr id="5" name="Group 4"/>
+            <p:cNvGrpSpPr/>
+            <p:nvPr/>
+          </p:nvGrpSpPr>
+          <p:grpSpPr>
+            <a:xfrm>
+              <a:off x="8543735" y="3113349"/>
+              <a:ext cx="223520" cy="232598"/>
+              <a:chOff x="9003883" y="1951839"/>
+              <a:chExt cx="223520" cy="232598"/>
+            </a:xfrm>
+          </p:grpSpPr>
+          <p:sp>
+            <p:nvSpPr>
+              <p:cNvPr id="4" name="Oval 3"/>
+              <p:cNvSpPr/>
+              <p:nvPr/>
+            </p:nvSpPr>
+            <p:spPr>
+              <a:xfrm>
+                <a:off x="9003883" y="1951839"/>
+                <a:ext cx="223520" cy="232598"/>
+              </a:xfrm>
+              <a:prstGeom prst="ellipse">
+                <a:avLst/>
+              </a:prstGeom>
+              <a:noFill/>
+              <a:ln w="38100">
+                <a:solidFill>
+                  <a:schemeClr val="tx1"/>
+                </a:solidFill>
+              </a:ln>
+            </p:spPr>
+            <p:style>
+              <a:lnRef idx="2">
+                <a:schemeClr val="accent1">
+                  <a:shade val="50000"/>
+                </a:schemeClr>
+              </a:lnRef>
+              <a:fillRef idx="1">
+                <a:schemeClr val="accent1"/>
+              </a:fillRef>
+              <a:effectRef idx="0">
+                <a:schemeClr val="accent1"/>
+              </a:effectRef>
+              <a:fontRef idx="minor">
+                <a:schemeClr val="lt1"/>
+              </a:fontRef>
+            </p:style>
+            <p:txBody>
+              <a:bodyPr rot="0" spcFirstLastPara="0" vertOverflow="overflow" horzOverflow="overflow" vert="horz" wrap="square" lIns="91440" tIns="45720" rIns="91440" bIns="45720" numCol="1" spcCol="0" rtlCol="0" fromWordArt="0" anchor="ctr" anchorCtr="0" forceAA="0" compatLnSpc="1">
+                <a:prstTxWarp prst="textNoShape">
+                  <a:avLst/>
+                </a:prstTxWarp>
+                <a:noAutofit/>
+              </a:bodyPr>
+              <a:lstStyle/>
+              <a:p>
+                <a:pPr algn="ctr"/>
+                <a:endParaRPr lang="en-US"/>
+              </a:p>
+            </p:txBody>
+          </p:sp>
+          <p:sp>
+            <p:nvSpPr>
+              <p:cNvPr id="80" name="Oval 79"/>
+              <p:cNvSpPr/>
+              <p:nvPr/>
+            </p:nvSpPr>
+            <p:spPr>
+              <a:xfrm>
+                <a:off x="9088120" y="2044885"/>
+                <a:ext cx="45719" cy="45719"/>
+              </a:xfrm>
+              <a:prstGeom prst="ellipse">
+                <a:avLst/>
+              </a:prstGeom>
+              <a:solidFill>
+                <a:schemeClr val="tx1"/>
+              </a:solidFill>
+              <a:ln w="38100">
+                <a:solidFill>
+                  <a:schemeClr val="tx1"/>
+                </a:solidFill>
+              </a:ln>
+            </p:spPr>
+            <p:style>
+              <a:lnRef idx="2">
+                <a:schemeClr val="accent1">
+                  <a:shade val="50000"/>
+                </a:schemeClr>
+              </a:lnRef>
+              <a:fillRef idx="1">
+                <a:schemeClr val="accent1"/>
+              </a:fillRef>
+              <a:effectRef idx="0">
+                <a:schemeClr val="accent1"/>
+              </a:effectRef>
+              <a:fontRef idx="minor">
+                <a:schemeClr val="lt1"/>
+              </a:fontRef>
+            </p:style>
+            <p:txBody>
+              <a:bodyPr rot="0" spcFirstLastPara="0" vertOverflow="overflow" horzOverflow="overflow" vert="horz" wrap="square" lIns="91440" tIns="45720" rIns="91440" bIns="45720" numCol="1" spcCol="0" rtlCol="0" fromWordArt="0" anchor="ctr" anchorCtr="0" forceAA="0" compatLnSpc="1">
+                <a:prstTxWarp prst="textNoShape">
+                  <a:avLst/>
+                </a:prstTxWarp>
+                <a:noAutofit/>
+              </a:bodyPr>
+              <a:lstStyle/>
+              <a:p>
+                <a:pPr algn="ctr"/>
+                <a:endParaRPr lang="en-US"/>
+              </a:p>
+            </p:txBody>
+          </p:sp>
+        </p:grpSp>
+        <p:sp>
+          <p:nvSpPr>
+            <p:cNvPr id="6" name="Multiply 5"/>
+            <p:cNvSpPr/>
+            <p:nvPr/>
+          </p:nvSpPr>
+          <p:spPr>
+            <a:xfrm>
+              <a:off x="9171059" y="3089142"/>
+              <a:ext cx="318145" cy="325944"/>
+            </a:xfrm>
+            <a:prstGeom prst="mathMultiply">
+              <a:avLst>
+                <a:gd name="adj1" fmla="val 2001"/>
+              </a:avLst>
+            </a:prstGeom>
+            <a:noFill/>
+            <a:ln w="38100">
+              <a:solidFill>
+                <a:schemeClr val="tx1"/>
+              </a:solidFill>
+            </a:ln>
+          </p:spPr>
+          <p:style>
+            <a:lnRef idx="2">
+              <a:schemeClr val="accent1">
+                <a:shade val="50000"/>
+              </a:schemeClr>
+            </a:lnRef>
+            <a:fillRef idx="1">
+              <a:schemeClr val="accent1"/>
+            </a:fillRef>
+            <a:effectRef idx="0">
+              <a:schemeClr val="accent1"/>
+            </a:effectRef>
+            <a:fontRef idx="minor">
+              <a:schemeClr val="lt1"/>
+            </a:fontRef>
+          </p:style>
+          <p:txBody>
+            <a:bodyPr rot="0" spcFirstLastPara="0" vertOverflow="overflow" horzOverflow="overflow" vert="horz" wrap="square" lIns="91440" tIns="45720" rIns="91440" bIns="45720" numCol="1" spcCol="0" rtlCol="0" fromWordArt="0" anchor="ctr" anchorCtr="0" forceAA="0" compatLnSpc="1">
+              <a:prstTxWarp prst="textNoShape">
+                <a:avLst/>
+              </a:prstTxWarp>
+              <a:noAutofit/>
+            </a:bodyPr>
+            <a:lstStyle/>
+            <a:p>
+              <a:pPr algn="ctr"/>
+              <a:endParaRPr lang="en-US"/>
+            </a:p>
+          </p:txBody>
+        </p:sp>
+        <mc:AlternateContent xmlns:mc="http://schemas.openxmlformats.org/markup-compatibility/2006">
+          <mc:Choice xmlns:a14="http://schemas.microsoft.com/office/drawing/2010/main" Requires="a14">
+            <p:sp>
+              <p:nvSpPr>
+                <p:cNvPr id="7" name="TextBox 6"/>
+                <p:cNvSpPr txBox="1"/>
+                <p:nvPr/>
+              </p:nvSpPr>
+              <p:spPr>
+                <a:xfrm>
+                  <a:off x="7847314" y="3513144"/>
+                  <a:ext cx="219483" cy="307777"/>
+                </a:xfrm>
+                <a:prstGeom prst="rect">
+                  <a:avLst/>
+                </a:prstGeom>
+                <a:noFill/>
+              </p:spPr>
+              <p:txBody>
+                <a:bodyPr wrap="none" lIns="0" tIns="0" rIns="0" bIns="0" rtlCol="0">
+                  <a:spAutoFit/>
+                </a:bodyPr>
+                <a:lstStyle/>
+                <a:p>
+                  <a14:m>
+                    <m:oMathPara xmlns:m="http://schemas.openxmlformats.org/officeDocument/2006/math">
+                      <m:oMathParaPr>
+                        <m:jc m:val="centerGroup"/>
+                      </m:oMathParaPr>
+                      <m:oMath xmlns:m="http://schemas.openxmlformats.org/officeDocument/2006/math">
+                        <m:acc>
+                          <m:accPr>
+                            <m:chr m:val="⃗"/>
+                            <m:ctrlPr>
+                              <a:rPr lang="en-US" sz="2000" b="0" i="1" smtClean="0">
+                                <a:latin typeface="Cambria Math" panose="02040503050406030204" pitchFamily="18" charset="0"/>
+                                <a:cs typeface="Arial" panose="020B0604020202020204" pitchFamily="34" charset="0"/>
+                              </a:rPr>
+                            </m:ctrlPr>
+                          </m:accPr>
+                          <m:e>
+                            <m:r>
+                              <a:rPr lang="en-US" sz="2000" b="0" i="1" smtClean="0">
+                                <a:latin typeface="Cambria Math" panose="02040503050406030204" pitchFamily="18" charset="0"/>
+                                <a:cs typeface="Arial" panose="020B0604020202020204" pitchFamily="34" charset="0"/>
+                              </a:rPr>
+                              <m:t>𝑎</m:t>
+                            </m:r>
+                          </m:e>
+                        </m:acc>
+                      </m:oMath>
+                    </m:oMathPara>
+                  </a14:m>
+                  <a:endParaRPr lang="en-US" sz="2000" dirty="0" smtClean="0">
+                    <a:latin typeface="Arial" panose="020B0604020202020204" pitchFamily="34" charset="0"/>
+                    <a:cs typeface="Arial" panose="020B0604020202020204" pitchFamily="34" charset="0"/>
+                  </a:endParaRPr>
+                </a:p>
+              </p:txBody>
+            </p:sp>
+          </mc:Choice>
+          <mc:Fallback>
+            <p:sp>
+              <p:nvSpPr>
+                <p:cNvPr id="7" name="TextBox 6"/>
+                <p:cNvSpPr txBox="1">
+                  <a:spLocks noRot="1" noChangeAspect="1" noMove="1" noResize="1" noEditPoints="1" noAdjustHandles="1" noChangeArrowheads="1" noChangeShapeType="1" noTextEdit="1"/>
+                </p:cNvSpPr>
+                <p:nvPr/>
+              </p:nvSpPr>
+              <p:spPr>
+                <a:xfrm>
+                  <a:off x="7847314" y="3513144"/>
+                  <a:ext cx="219483" cy="307777"/>
+                </a:xfrm>
+                <a:prstGeom prst="rect">
+                  <a:avLst/>
+                </a:prstGeom>
+                <a:blipFill>
+                  <a:blip r:embed="rId30"/>
+                  <a:stretch>
+                    <a:fillRect l="-19444" t="-33333" r="-94444" b="-5882"/>
+                  </a:stretch>
+                </a:blipFill>
+              </p:spPr>
+              <p:txBody>
+                <a:bodyPr/>
+                <a:lstStyle/>
+                <a:p>
+                  <a:r>
+                    <a:rPr lang="en-US">
+                      <a:noFill/>
+                    </a:rPr>
+                    <a:t> </a:t>
+                  </a:r>
+                </a:p>
+              </p:txBody>
+            </p:sp>
+          </mc:Fallback>
+        </mc:AlternateContent>
+        <mc:AlternateContent xmlns:mc="http://schemas.openxmlformats.org/markup-compatibility/2006">
+          <mc:Choice xmlns:a14="http://schemas.microsoft.com/office/drawing/2010/main" Requires="a14">
+            <p:sp>
+              <p:nvSpPr>
+                <p:cNvPr id="84" name="TextBox 83"/>
+                <p:cNvSpPr txBox="1"/>
+                <p:nvPr/>
+              </p:nvSpPr>
+              <p:spPr>
+                <a:xfrm>
+                  <a:off x="8543735" y="3473798"/>
+                  <a:ext cx="214033" cy="353302"/>
+                </a:xfrm>
+                <a:prstGeom prst="rect">
+                  <a:avLst/>
+                </a:prstGeom>
+                <a:noFill/>
+              </p:spPr>
+              <p:txBody>
+                <a:bodyPr wrap="none" lIns="0" tIns="0" rIns="0" bIns="0" rtlCol="0">
+                  <a:spAutoFit/>
+                </a:bodyPr>
+                <a:lstStyle/>
+                <a:p>
+                  <a14:m>
+                    <m:oMathPara xmlns:m="http://schemas.openxmlformats.org/officeDocument/2006/math">
+                      <m:oMathParaPr>
+                        <m:jc m:val="centerGroup"/>
+                      </m:oMathParaPr>
+                      <m:oMath xmlns:m="http://schemas.openxmlformats.org/officeDocument/2006/math">
+                        <m:acc>
+                          <m:accPr>
+                            <m:chr m:val="⃗"/>
+                            <m:ctrlPr>
+                              <a:rPr lang="en-US" sz="2000" b="0" i="1" smtClean="0">
+                                <a:latin typeface="Cambria Math" panose="02040503050406030204" pitchFamily="18" charset="0"/>
+                                <a:cs typeface="Arial" panose="020B0604020202020204" pitchFamily="34" charset="0"/>
+                              </a:rPr>
+                            </m:ctrlPr>
+                          </m:accPr>
+                          <m:e>
+                            <m:r>
+                              <a:rPr lang="en-US" sz="2000" b="0" i="1" smtClean="0">
+                                <a:latin typeface="Cambria Math" panose="02040503050406030204" pitchFamily="18" charset="0"/>
+                                <a:cs typeface="Arial" panose="020B0604020202020204" pitchFamily="34" charset="0"/>
+                              </a:rPr>
+                              <m:t>𝑏</m:t>
+                            </m:r>
+                          </m:e>
+                        </m:acc>
+                      </m:oMath>
+                    </m:oMathPara>
+                  </a14:m>
+                  <a:endParaRPr lang="en-US" sz="2000" dirty="0" smtClean="0">
+                    <a:latin typeface="Arial" panose="020B0604020202020204" pitchFamily="34" charset="0"/>
+                    <a:cs typeface="Arial" panose="020B0604020202020204" pitchFamily="34" charset="0"/>
+                  </a:endParaRPr>
+                </a:p>
+              </p:txBody>
+            </p:sp>
+          </mc:Choice>
+          <mc:Fallback>
+            <p:sp>
+              <p:nvSpPr>
+                <p:cNvPr id="84" name="TextBox 83"/>
+                <p:cNvSpPr txBox="1">
+                  <a:spLocks noRot="1" noChangeAspect="1" noMove="1" noResize="1" noEditPoints="1" noAdjustHandles="1" noChangeArrowheads="1" noChangeShapeType="1" noTextEdit="1"/>
+                </p:cNvSpPr>
+                <p:nvPr/>
+              </p:nvSpPr>
+              <p:spPr>
+                <a:xfrm>
+                  <a:off x="8543735" y="3473798"/>
+                  <a:ext cx="214033" cy="353302"/>
+                </a:xfrm>
+                <a:prstGeom prst="rect">
+                  <a:avLst/>
+                </a:prstGeom>
+                <a:blipFill>
+                  <a:blip r:embed="rId31"/>
+                  <a:stretch>
+                    <a:fillRect l="-25714" r="-25714" b="-8621"/>
+                  </a:stretch>
+                </a:blipFill>
+              </p:spPr>
+              <p:txBody>
+                <a:bodyPr/>
+                <a:lstStyle/>
+                <a:p>
+                  <a:r>
+                    <a:rPr lang="en-US">
+                      <a:noFill/>
+                    </a:rPr>
+                    <a:t> </a:t>
+                  </a:r>
+                </a:p>
+              </p:txBody>
+            </p:sp>
+          </mc:Fallback>
+        </mc:AlternateContent>
+        <mc:AlternateContent xmlns:mc="http://schemas.openxmlformats.org/markup-compatibility/2006">
+          <mc:Choice xmlns:a14="http://schemas.microsoft.com/office/drawing/2010/main" Requires="a14">
+            <p:sp>
+              <p:nvSpPr>
+                <p:cNvPr id="85" name="TextBox 84"/>
+                <p:cNvSpPr txBox="1"/>
+                <p:nvPr/>
+              </p:nvSpPr>
+              <p:spPr>
+                <a:xfrm>
+                  <a:off x="9231483" y="3513143"/>
+                  <a:ext cx="197298" cy="307777"/>
+                </a:xfrm>
+                <a:prstGeom prst="rect">
+                  <a:avLst/>
+                </a:prstGeom>
+                <a:noFill/>
+              </p:spPr>
+              <p:txBody>
+                <a:bodyPr wrap="none" lIns="0" tIns="0" rIns="0" bIns="0" rtlCol="0">
+                  <a:spAutoFit/>
+                </a:bodyPr>
+                <a:lstStyle/>
+                <a:p>
+                  <a14:m>
+                    <m:oMathPara xmlns:m="http://schemas.openxmlformats.org/officeDocument/2006/math">
+                      <m:oMathParaPr>
+                        <m:jc m:val="centerGroup"/>
+                      </m:oMathParaPr>
+                      <m:oMath xmlns:m="http://schemas.openxmlformats.org/officeDocument/2006/math">
+                        <m:acc>
+                          <m:accPr>
+                            <m:chr m:val="⃗"/>
+                            <m:ctrlPr>
+                              <a:rPr lang="en-US" sz="2000" b="0" i="1" smtClean="0">
+                                <a:latin typeface="Cambria Math" panose="02040503050406030204" pitchFamily="18" charset="0"/>
+                                <a:cs typeface="Arial" panose="020B0604020202020204" pitchFamily="34" charset="0"/>
+                              </a:rPr>
+                            </m:ctrlPr>
+                          </m:accPr>
+                          <m:e>
+                            <m:r>
+                              <a:rPr lang="en-US" sz="2000" b="0" i="1" smtClean="0">
+                                <a:latin typeface="Cambria Math" panose="02040503050406030204" pitchFamily="18" charset="0"/>
+                                <a:cs typeface="Arial" panose="020B0604020202020204" pitchFamily="34" charset="0"/>
+                              </a:rPr>
+                              <m:t>𝑐</m:t>
+                            </m:r>
+                          </m:e>
+                        </m:acc>
+                      </m:oMath>
+                    </m:oMathPara>
+                  </a14:m>
+                  <a:endParaRPr lang="en-US" sz="2000" dirty="0" smtClean="0">
+                    <a:latin typeface="Arial" panose="020B0604020202020204" pitchFamily="34" charset="0"/>
+                    <a:cs typeface="Arial" panose="020B0604020202020204" pitchFamily="34" charset="0"/>
+                  </a:endParaRPr>
+                </a:p>
+              </p:txBody>
+            </p:sp>
+          </mc:Choice>
+          <mc:Fallback>
+            <p:sp>
+              <p:nvSpPr>
+                <p:cNvPr id="85" name="TextBox 84"/>
+                <p:cNvSpPr txBox="1">
+                  <a:spLocks noRot="1" noChangeAspect="1" noMove="1" noResize="1" noEditPoints="1" noAdjustHandles="1" noChangeArrowheads="1" noChangeShapeType="1" noTextEdit="1"/>
+                </p:cNvSpPr>
+                <p:nvPr/>
+              </p:nvSpPr>
+              <p:spPr>
+                <a:xfrm>
+                  <a:off x="9231483" y="3513143"/>
+                  <a:ext cx="197298" cy="307777"/>
+                </a:xfrm>
+                <a:prstGeom prst="rect">
+                  <a:avLst/>
+                </a:prstGeom>
+                <a:blipFill>
+                  <a:blip r:embed="rId32"/>
+                  <a:stretch>
+                    <a:fillRect l="-24242" t="-33333" r="-96970" b="-5882"/>
                   </a:stretch>
                 </a:blipFill>
               </p:spPr>
@@ -28265,6 +28827,725 @@
           <a:chExt cx="0" cy="0"/>
         </a:xfrm>
       </p:grpSpPr>
+      <p:grpSp>
+        <p:nvGrpSpPr>
+          <p:cNvPr id="18" name="Group 17"/>
+          <p:cNvGrpSpPr/>
+          <p:nvPr/>
+        </p:nvGrpSpPr>
+        <p:grpSpPr>
+          <a:xfrm>
+            <a:off x="370840" y="487680"/>
+            <a:ext cx="3225800" cy="1061719"/>
+            <a:chOff x="939800" y="1513840"/>
+            <a:chExt cx="3225800" cy="1061719"/>
+          </a:xfrm>
+        </p:grpSpPr>
+        <p:grpSp>
+          <p:nvGrpSpPr>
+            <p:cNvPr id="10" name="Group 9"/>
+            <p:cNvGrpSpPr/>
+            <p:nvPr/>
+          </p:nvGrpSpPr>
+          <p:grpSpPr>
+            <a:xfrm>
+              <a:off x="939800" y="1513840"/>
+              <a:ext cx="3225800" cy="1061719"/>
+              <a:chOff x="472440" y="762000"/>
+              <a:chExt cx="3225800" cy="1061719"/>
+            </a:xfrm>
+          </p:grpSpPr>
+          <p:sp>
+            <p:nvSpPr>
+              <p:cNvPr id="2" name="Rectangle 1"/>
+              <p:cNvSpPr/>
+              <p:nvPr/>
+            </p:nvSpPr>
+            <p:spPr>
+              <a:xfrm>
+                <a:off x="873760" y="1198880"/>
+                <a:ext cx="721360" cy="579120"/>
+              </a:xfrm>
+              <a:prstGeom prst="rect">
+                <a:avLst/>
+              </a:prstGeom>
+              <a:noFill/>
+              <a:ln w="38100">
+                <a:solidFill>
+                  <a:schemeClr val="tx1"/>
+                </a:solidFill>
+              </a:ln>
+            </p:spPr>
+            <p:style>
+              <a:lnRef idx="2">
+                <a:schemeClr val="accent1">
+                  <a:shade val="50000"/>
+                </a:schemeClr>
+              </a:lnRef>
+              <a:fillRef idx="1">
+                <a:schemeClr val="accent1"/>
+              </a:fillRef>
+              <a:effectRef idx="0">
+                <a:schemeClr val="accent1"/>
+              </a:effectRef>
+              <a:fontRef idx="minor">
+                <a:schemeClr val="lt1"/>
+              </a:fontRef>
+            </p:style>
+            <p:txBody>
+              <a:bodyPr rtlCol="0" anchor="ctr"/>
+              <a:lstStyle/>
+              <a:p>
+                <a:pPr algn="ctr"/>
+                <a:endParaRPr lang="en-US"/>
+              </a:p>
+            </p:txBody>
+          </p:sp>
+          <p:sp>
+            <p:nvSpPr>
+              <p:cNvPr id="3" name="Rectangle 2"/>
+              <p:cNvSpPr/>
+              <p:nvPr/>
+            </p:nvSpPr>
+            <p:spPr>
+              <a:xfrm>
+                <a:off x="472440" y="1778000"/>
+                <a:ext cx="3225800" cy="45719"/>
+              </a:xfrm>
+              <a:prstGeom prst="rect">
+                <a:avLst/>
+              </a:prstGeom>
+              <a:solidFill>
+                <a:schemeClr val="tx1"/>
+              </a:solidFill>
+              <a:ln w="38100">
+                <a:solidFill>
+                  <a:schemeClr val="tx1"/>
+                </a:solidFill>
+              </a:ln>
+            </p:spPr>
+            <p:style>
+              <a:lnRef idx="2">
+                <a:schemeClr val="accent1">
+                  <a:shade val="50000"/>
+                </a:schemeClr>
+              </a:lnRef>
+              <a:fillRef idx="1">
+                <a:schemeClr val="accent1"/>
+              </a:fillRef>
+              <a:effectRef idx="0">
+                <a:schemeClr val="accent1"/>
+              </a:effectRef>
+              <a:fontRef idx="minor">
+                <a:schemeClr val="lt1"/>
+              </a:fontRef>
+            </p:style>
+            <p:txBody>
+              <a:bodyPr rtlCol="0" anchor="ctr"/>
+              <a:lstStyle/>
+              <a:p>
+                <a:pPr algn="ctr"/>
+                <a:endParaRPr lang="en-US"/>
+              </a:p>
+            </p:txBody>
+          </p:sp>
+          <p:cxnSp>
+            <p:nvCxnSpPr>
+              <p:cNvPr id="5" name="Straight Arrow Connector 4"/>
+              <p:cNvCxnSpPr>
+                <a:stCxn id="2" idx="3"/>
+              </p:cNvCxnSpPr>
+              <p:nvPr/>
+            </p:nvCxnSpPr>
+            <p:spPr>
+              <a:xfrm flipV="1">
+                <a:off x="1595120" y="762000"/>
+                <a:ext cx="1016000" cy="726440"/>
+              </a:xfrm>
+              <a:prstGeom prst="straightConnector1">
+                <a:avLst/>
+              </a:prstGeom>
+              <a:ln w="38100">
+                <a:solidFill>
+                  <a:schemeClr val="tx1"/>
+                </a:solidFill>
+                <a:tailEnd type="triangle"/>
+              </a:ln>
+            </p:spPr>
+            <p:style>
+              <a:lnRef idx="1">
+                <a:schemeClr val="accent1"/>
+              </a:lnRef>
+              <a:fillRef idx="0">
+                <a:schemeClr val="accent1"/>
+              </a:fillRef>
+              <a:effectRef idx="0">
+                <a:schemeClr val="accent1"/>
+              </a:effectRef>
+              <a:fontRef idx="minor">
+                <a:schemeClr val="tx1"/>
+              </a:fontRef>
+            </p:style>
+          </p:cxnSp>
+          <p:cxnSp>
+            <p:nvCxnSpPr>
+              <p:cNvPr id="6" name="Straight Arrow Connector 5"/>
+              <p:cNvCxnSpPr/>
+              <p:nvPr/>
+            </p:nvCxnSpPr>
+            <p:spPr>
+              <a:xfrm flipV="1">
+                <a:off x="1595120" y="1470599"/>
+                <a:ext cx="1744938" cy="20382"/>
+              </a:xfrm>
+              <a:prstGeom prst="straightConnector1">
+                <a:avLst/>
+              </a:prstGeom>
+              <a:ln w="38100">
+                <a:solidFill>
+                  <a:schemeClr val="tx1"/>
+                </a:solidFill>
+                <a:tailEnd type="triangle"/>
+              </a:ln>
+            </p:spPr>
+            <p:style>
+              <a:lnRef idx="1">
+                <a:schemeClr val="accent1"/>
+              </a:lnRef>
+              <a:fillRef idx="0">
+                <a:schemeClr val="accent1"/>
+              </a:fillRef>
+              <a:effectRef idx="0">
+                <a:schemeClr val="accent1"/>
+              </a:effectRef>
+              <a:fontRef idx="minor">
+                <a:schemeClr val="tx1"/>
+              </a:fontRef>
+            </p:style>
+          </p:cxnSp>
+          <mc:AlternateContent xmlns:mc="http://schemas.openxmlformats.org/markup-compatibility/2006">
+            <mc:Choice xmlns:a14="http://schemas.microsoft.com/office/drawing/2010/main" Requires="a14">
+              <p:sp>
+                <p:nvSpPr>
+                  <p:cNvPr id="8" name="TextBox 7"/>
+                  <p:cNvSpPr txBox="1"/>
+                  <p:nvPr/>
+                </p:nvSpPr>
+                <p:spPr>
+                  <a:xfrm>
+                    <a:off x="2861711" y="1041691"/>
+                    <a:ext cx="227755" cy="353302"/>
+                  </a:xfrm>
+                  <a:prstGeom prst="rect">
+                    <a:avLst/>
+                  </a:prstGeom>
+                  <a:noFill/>
+                </p:spPr>
+                <p:txBody>
+                  <a:bodyPr wrap="none" lIns="0" tIns="0" rIns="0" bIns="0" rtlCol="0">
+                    <a:spAutoFit/>
+                  </a:bodyPr>
+                  <a:lstStyle/>
+                  <a:p>
+                    <a14:m>
+                      <m:oMathPara xmlns:m="http://schemas.openxmlformats.org/officeDocument/2006/math">
+                        <m:oMathParaPr>
+                          <m:jc m:val="centerGroup"/>
+                        </m:oMathParaPr>
+                        <m:oMath xmlns:m="http://schemas.openxmlformats.org/officeDocument/2006/math">
+                          <m:acc>
+                            <m:accPr>
+                              <m:chr m:val="⃗"/>
+                              <m:ctrlPr>
+                                <a:rPr lang="en-US" sz="2000" b="0" i="1" smtClean="0">
+                                  <a:latin typeface="Cambria Math" panose="02040503050406030204" pitchFamily="18" charset="0"/>
+                                  <a:cs typeface="Arial" panose="020B0604020202020204" pitchFamily="34" charset="0"/>
+                                </a:rPr>
+                              </m:ctrlPr>
+                            </m:accPr>
+                            <m:e>
+                              <m:r>
+                                <a:rPr lang="en-US" sz="2000" b="0" i="1" smtClean="0">
+                                  <a:latin typeface="Cambria Math" panose="02040503050406030204" pitchFamily="18" charset="0"/>
+                                  <a:cs typeface="Arial" panose="020B0604020202020204" pitchFamily="34" charset="0"/>
+                                </a:rPr>
+                                <m:t>𝑑</m:t>
+                              </m:r>
+                            </m:e>
+                          </m:acc>
+                        </m:oMath>
+                      </m:oMathPara>
+                    </a14:m>
+                    <a:endParaRPr lang="en-US" sz="2000" dirty="0" smtClean="0">
+                      <a:latin typeface="Arial" panose="020B0604020202020204" pitchFamily="34" charset="0"/>
+                      <a:cs typeface="Arial" panose="020B0604020202020204" pitchFamily="34" charset="0"/>
+                    </a:endParaRPr>
+                  </a:p>
+                </p:txBody>
+              </p:sp>
+            </mc:Choice>
+            <mc:Fallback>
+              <p:sp>
+                <p:nvSpPr>
+                  <p:cNvPr id="8" name="TextBox 7"/>
+                  <p:cNvSpPr txBox="1">
+                    <a:spLocks noRot="1" noChangeAspect="1" noMove="1" noResize="1" noEditPoints="1" noAdjustHandles="1" noChangeArrowheads="1" noChangeShapeType="1" noTextEdit="1"/>
+                  </p:cNvSpPr>
+                  <p:nvPr/>
+                </p:nvSpPr>
+                <p:spPr>
+                  <a:xfrm>
+                    <a:off x="2861711" y="1041691"/>
+                    <a:ext cx="227755" cy="353302"/>
+                  </a:xfrm>
+                  <a:prstGeom prst="rect">
+                    <a:avLst/>
+                  </a:prstGeom>
+                  <a:blipFill>
+                    <a:blip r:embed="rId2"/>
+                    <a:stretch>
+                      <a:fillRect l="-24324" t="-34483" r="-94595" b="-8621"/>
+                    </a:stretch>
+                  </a:blipFill>
+                </p:spPr>
+                <p:txBody>
+                  <a:bodyPr/>
+                  <a:lstStyle/>
+                  <a:p>
+                    <a:r>
+                      <a:rPr lang="en-US">
+                        <a:noFill/>
+                      </a:rPr>
+                      <a:t> </a:t>
+                    </a:r>
+                  </a:p>
+                </p:txBody>
+              </p:sp>
+            </mc:Fallback>
+          </mc:AlternateContent>
+          <mc:AlternateContent xmlns:mc="http://schemas.openxmlformats.org/markup-compatibility/2006">
+            <mc:Choice xmlns:a14="http://schemas.microsoft.com/office/drawing/2010/main" Requires="a14">
+              <p:sp>
+                <p:nvSpPr>
+                  <p:cNvPr id="9" name="TextBox 8"/>
+                  <p:cNvSpPr txBox="1"/>
+                  <p:nvPr/>
+                </p:nvSpPr>
+                <p:spPr>
+                  <a:xfrm>
+                    <a:off x="1837907" y="860910"/>
+                    <a:ext cx="208416" cy="345159"/>
+                  </a:xfrm>
+                  <a:prstGeom prst="rect">
+                    <a:avLst/>
+                  </a:prstGeom>
+                  <a:noFill/>
+                </p:spPr>
+                <p:txBody>
+                  <a:bodyPr wrap="square" lIns="0" tIns="0" rIns="0" bIns="0" rtlCol="0">
+                    <a:spAutoFit/>
+                  </a:bodyPr>
+                  <a:lstStyle/>
+                  <a:p>
+                    <a14:m>
+                      <m:oMathPara xmlns:m="http://schemas.openxmlformats.org/officeDocument/2006/math">
+                        <m:oMathParaPr>
+                          <m:jc m:val="centerGroup"/>
+                        </m:oMathParaPr>
+                        <m:oMath xmlns:m="http://schemas.openxmlformats.org/officeDocument/2006/math">
+                          <m:acc>
+                            <m:accPr>
+                              <m:chr m:val="⃗"/>
+                              <m:ctrlPr>
+                                <a:rPr lang="en-US" sz="2000" b="0" i="1" smtClean="0">
+                                  <a:latin typeface="Cambria Math" panose="02040503050406030204" pitchFamily="18" charset="0"/>
+                                  <a:cs typeface="Arial" panose="020B0604020202020204" pitchFamily="34" charset="0"/>
+                                </a:rPr>
+                              </m:ctrlPr>
+                            </m:accPr>
+                            <m:e>
+                              <m:r>
+                                <a:rPr lang="en-US" sz="2000" b="0" i="1" smtClean="0">
+                                  <a:latin typeface="Cambria Math" panose="02040503050406030204" pitchFamily="18" charset="0"/>
+                                  <a:cs typeface="Arial" panose="020B0604020202020204" pitchFamily="34" charset="0"/>
+                                </a:rPr>
+                                <m:t>𝐹</m:t>
+                              </m:r>
+                            </m:e>
+                          </m:acc>
+                        </m:oMath>
+                      </m:oMathPara>
+                    </a14:m>
+                    <a:endParaRPr lang="en-US" sz="2000" dirty="0" smtClean="0">
+                      <a:latin typeface="Arial" panose="020B0604020202020204" pitchFamily="34" charset="0"/>
+                      <a:cs typeface="Arial" panose="020B0604020202020204" pitchFamily="34" charset="0"/>
+                    </a:endParaRPr>
+                  </a:p>
+                </p:txBody>
+              </p:sp>
+            </mc:Choice>
+            <mc:Fallback>
+              <p:sp>
+                <p:nvSpPr>
+                  <p:cNvPr id="9" name="TextBox 8"/>
+                  <p:cNvSpPr txBox="1">
+                    <a:spLocks noRot="1" noChangeAspect="1" noMove="1" noResize="1" noEditPoints="1" noAdjustHandles="1" noChangeArrowheads="1" noChangeShapeType="1" noTextEdit="1"/>
+                  </p:cNvSpPr>
+                  <p:nvPr/>
+                </p:nvSpPr>
+                <p:spPr>
+                  <a:xfrm>
+                    <a:off x="1837907" y="860910"/>
+                    <a:ext cx="208416" cy="345159"/>
+                  </a:xfrm>
+                  <a:prstGeom prst="rect">
+                    <a:avLst/>
+                  </a:prstGeom>
+                  <a:blipFill>
+                    <a:blip r:embed="rId3"/>
+                    <a:stretch>
+                      <a:fillRect l="-35294" t="-33333" r="-94118" b="-8772"/>
+                    </a:stretch>
+                  </a:blipFill>
+                </p:spPr>
+                <p:txBody>
+                  <a:bodyPr/>
+                  <a:lstStyle/>
+                  <a:p>
+                    <a:r>
+                      <a:rPr lang="en-US">
+                        <a:noFill/>
+                      </a:rPr>
+                      <a:t> </a:t>
+                    </a:r>
+                  </a:p>
+                </p:txBody>
+              </p:sp>
+            </mc:Fallback>
+          </mc:AlternateContent>
+        </p:grpSp>
+        <mc:AlternateContent xmlns:mc="http://schemas.openxmlformats.org/markup-compatibility/2006">
+          <mc:Choice xmlns:a14="http://schemas.microsoft.com/office/drawing/2010/main" Requires="a14">
+            <p:sp>
+              <p:nvSpPr>
+                <p:cNvPr id="11" name="TextBox 10"/>
+                <p:cNvSpPr txBox="1"/>
+                <p:nvPr/>
+              </p:nvSpPr>
+              <p:spPr>
+                <a:xfrm>
+                  <a:off x="2459328" y="1914662"/>
+                  <a:ext cx="222304" cy="307777"/>
+                </a:xfrm>
+                <a:prstGeom prst="rect">
+                  <a:avLst/>
+                </a:prstGeom>
+                <a:noFill/>
+              </p:spPr>
+              <p:txBody>
+                <a:bodyPr wrap="none" lIns="0" tIns="0" rIns="0" bIns="0" rtlCol="0">
+                  <a:spAutoFit/>
+                </a:bodyPr>
+                <a:lstStyle/>
+                <a:p>
+                  <a14:m>
+                    <m:oMathPara xmlns:m="http://schemas.openxmlformats.org/officeDocument/2006/math">
+                      <m:oMathParaPr>
+                        <m:jc m:val="centerGroup"/>
+                      </m:oMathParaPr>
+                      <m:oMath xmlns:m="http://schemas.openxmlformats.org/officeDocument/2006/math">
+                        <m:r>
+                          <a:rPr lang="en-US" sz="2000" b="0" i="1" smtClean="0">
+                            <a:latin typeface="Cambria Math" panose="02040503050406030204" pitchFamily="18" charset="0"/>
+                            <a:cs typeface="Arial" panose="020B0604020202020204" pitchFamily="34" charset="0"/>
+                          </a:rPr>
+                          <m:t>𝜃</m:t>
+                        </m:r>
+                      </m:oMath>
+                    </m:oMathPara>
+                  </a14:m>
+                  <a:endParaRPr lang="en-US" sz="2000" dirty="0" smtClean="0">
+                    <a:latin typeface="Arial" panose="020B0604020202020204" pitchFamily="34" charset="0"/>
+                    <a:cs typeface="Arial" panose="020B0604020202020204" pitchFamily="34" charset="0"/>
+                  </a:endParaRPr>
+                </a:p>
+              </p:txBody>
+            </p:sp>
+          </mc:Choice>
+          <mc:Fallback>
+            <p:sp>
+              <p:nvSpPr>
+                <p:cNvPr id="11" name="TextBox 10"/>
+                <p:cNvSpPr txBox="1">
+                  <a:spLocks noRot="1" noChangeAspect="1" noMove="1" noResize="1" noEditPoints="1" noAdjustHandles="1" noChangeArrowheads="1" noChangeShapeType="1" noTextEdit="1"/>
+                </p:cNvSpPr>
+                <p:nvPr/>
+              </p:nvSpPr>
+              <p:spPr>
+                <a:xfrm>
+                  <a:off x="2459328" y="1914662"/>
+                  <a:ext cx="222304" cy="307777"/>
+                </a:xfrm>
+                <a:prstGeom prst="rect">
+                  <a:avLst/>
+                </a:prstGeom>
+                <a:blipFill>
+                  <a:blip r:embed="rId4"/>
+                  <a:stretch>
+                    <a:fillRect l="-24324" r="-21622" b="-12000"/>
+                  </a:stretch>
+                </a:blipFill>
+              </p:spPr>
+              <p:txBody>
+                <a:bodyPr/>
+                <a:lstStyle/>
+                <a:p>
+                  <a:r>
+                    <a:rPr lang="en-US">
+                      <a:noFill/>
+                    </a:rPr>
+                    <a:t> </a:t>
+                  </a:r>
+                </a:p>
+              </p:txBody>
+            </p:sp>
+          </mc:Fallback>
+        </mc:AlternateContent>
+        <p:sp>
+          <p:nvSpPr>
+            <p:cNvPr id="12" name="Arc 11"/>
+            <p:cNvSpPr/>
+            <p:nvPr/>
+          </p:nvSpPr>
+          <p:spPr>
+            <a:xfrm rot="811881">
+              <a:off x="2113763" y="2028320"/>
+              <a:ext cx="363438" cy="430210"/>
+            </a:xfrm>
+            <a:prstGeom prst="arc">
+              <a:avLst>
+                <a:gd name="adj1" fmla="val 16657186"/>
+                <a:gd name="adj2" fmla="val 20972173"/>
+              </a:avLst>
+            </a:prstGeom>
+            <a:ln w="19050">
+              <a:solidFill>
+                <a:schemeClr val="tx1"/>
+              </a:solidFill>
+              <a:prstDash val="sysDot"/>
+            </a:ln>
+          </p:spPr>
+          <p:style>
+            <a:lnRef idx="1">
+              <a:schemeClr val="accent1"/>
+            </a:lnRef>
+            <a:fillRef idx="0">
+              <a:schemeClr val="accent1"/>
+            </a:fillRef>
+            <a:effectRef idx="0">
+              <a:schemeClr val="accent1"/>
+            </a:effectRef>
+            <a:fontRef idx="minor">
+              <a:schemeClr val="tx1"/>
+            </a:fontRef>
+          </p:style>
+          <p:txBody>
+            <a:bodyPr rtlCol="0" anchor="ctr"/>
+            <a:lstStyle/>
+            <a:p>
+              <a:pPr algn="ctr"/>
+              <a:endParaRPr lang="en-US"/>
+            </a:p>
+          </p:txBody>
+        </p:sp>
+      </p:grpSp>
+      <p:sp>
+        <p:nvSpPr>
+          <p:cNvPr id="19" name="Oval 18"/>
+          <p:cNvSpPr/>
+          <p:nvPr/>
+        </p:nvSpPr>
+        <p:spPr>
+          <a:xfrm>
+            <a:off x="740389" y="3088640"/>
+            <a:ext cx="1596411" cy="1584960"/>
+          </a:xfrm>
+          <a:prstGeom prst="ellipse">
+            <a:avLst/>
+          </a:prstGeom>
+          <a:noFill/>
+          <a:ln w="38100">
+            <a:solidFill>
+              <a:schemeClr val="tx1"/>
+            </a:solidFill>
+          </a:ln>
+        </p:spPr>
+        <p:style>
+          <a:lnRef idx="2">
+            <a:schemeClr val="accent1">
+              <a:shade val="50000"/>
+            </a:schemeClr>
+          </a:lnRef>
+          <a:fillRef idx="1">
+            <a:schemeClr val="accent1"/>
+          </a:fillRef>
+          <a:effectRef idx="0">
+            <a:schemeClr val="accent1"/>
+          </a:effectRef>
+          <a:fontRef idx="minor">
+            <a:schemeClr val="lt1"/>
+          </a:fontRef>
+        </p:style>
+        <p:txBody>
+          <a:bodyPr rot="0" spcFirstLastPara="0" vertOverflow="overflow" horzOverflow="overflow" vert="horz" wrap="square" lIns="91440" tIns="45720" rIns="91440" bIns="45720" numCol="1" spcCol="0" rtlCol="0" fromWordArt="0" anchor="ctr" anchorCtr="0" forceAA="0" compatLnSpc="1">
+            <a:prstTxWarp prst="textNoShape">
+              <a:avLst/>
+            </a:prstTxWarp>
+            <a:noAutofit/>
+          </a:bodyPr>
+          <a:lstStyle/>
+          <a:p>
+            <a:pPr algn="ctr"/>
+            <a:endParaRPr lang="en-US"/>
+          </a:p>
+        </p:txBody>
+      </p:sp>
+      <p:cxnSp>
+        <p:nvCxnSpPr>
+          <p:cNvPr id="20" name="Straight Arrow Connector 19"/>
+          <p:cNvCxnSpPr/>
+          <p:nvPr/>
+        </p:nvCxnSpPr>
+        <p:spPr>
+          <a:xfrm flipH="1" flipV="1">
+            <a:off x="2112672" y="2605750"/>
+            <a:ext cx="109786" cy="846110"/>
+          </a:xfrm>
+          <a:prstGeom prst="straightConnector1">
+            <a:avLst/>
+          </a:prstGeom>
+          <a:ln w="38100">
+            <a:solidFill>
+              <a:schemeClr val="tx1"/>
+            </a:solidFill>
+            <a:tailEnd type="triangle"/>
+          </a:ln>
+        </p:spPr>
+        <p:style>
+          <a:lnRef idx="1">
+            <a:schemeClr val="accent1"/>
+          </a:lnRef>
+          <a:fillRef idx="0">
+            <a:schemeClr val="accent1"/>
+          </a:fillRef>
+          <a:effectRef idx="0">
+            <a:schemeClr val="accent1"/>
+          </a:effectRef>
+          <a:fontRef idx="minor">
+            <a:schemeClr val="tx1"/>
+          </a:fontRef>
+        </p:style>
+      </p:cxnSp>
+      <mc:AlternateContent xmlns:mc="http://schemas.openxmlformats.org/markup-compatibility/2006">
+        <mc:Choice xmlns:a14="http://schemas.microsoft.com/office/drawing/2010/main" Requires="a14">
+          <p:sp>
+            <p:nvSpPr>
+              <p:cNvPr id="21" name="TextBox 20"/>
+              <p:cNvSpPr txBox="1"/>
+              <p:nvPr/>
+            </p:nvSpPr>
+            <p:spPr>
+              <a:xfrm>
+                <a:off x="2301104" y="2743481"/>
+                <a:ext cx="208416" cy="345159"/>
+              </a:xfrm>
+              <a:prstGeom prst="rect">
+                <a:avLst/>
+              </a:prstGeom>
+              <a:noFill/>
+            </p:spPr>
+            <p:txBody>
+              <a:bodyPr wrap="square" lIns="0" tIns="0" rIns="0" bIns="0" rtlCol="0">
+                <a:spAutoFit/>
+              </a:bodyPr>
+              <a:lstStyle/>
+              <a:p>
+                <a14:m>
+                  <m:oMathPara xmlns:m="http://schemas.openxmlformats.org/officeDocument/2006/math">
+                    <m:oMathParaPr>
+                      <m:jc m:val="centerGroup"/>
+                    </m:oMathParaPr>
+                    <m:oMath xmlns:m="http://schemas.openxmlformats.org/officeDocument/2006/math">
+                      <m:acc>
+                        <m:accPr>
+                          <m:chr m:val="⃗"/>
+                          <m:ctrlPr>
+                            <a:rPr lang="en-US" sz="2000" b="0" i="1" smtClean="0">
+                              <a:latin typeface="Cambria Math" panose="02040503050406030204" pitchFamily="18" charset="0"/>
+                              <a:cs typeface="Arial" panose="020B0604020202020204" pitchFamily="34" charset="0"/>
+                            </a:rPr>
+                          </m:ctrlPr>
+                        </m:accPr>
+                        <m:e>
+                          <m:r>
+                            <a:rPr lang="en-US" sz="2000" b="0" i="1" smtClean="0">
+                              <a:latin typeface="Cambria Math" panose="02040503050406030204" pitchFamily="18" charset="0"/>
+                              <a:cs typeface="Arial" panose="020B0604020202020204" pitchFamily="34" charset="0"/>
+                            </a:rPr>
+                            <m:t>𝐹</m:t>
+                          </m:r>
+                        </m:e>
+                      </m:acc>
+                    </m:oMath>
+                  </m:oMathPara>
+                </a14:m>
+                <a:endParaRPr lang="en-US" sz="2000" dirty="0" smtClean="0">
+                  <a:latin typeface="Arial" panose="020B0604020202020204" pitchFamily="34" charset="0"/>
+                  <a:cs typeface="Arial" panose="020B0604020202020204" pitchFamily="34" charset="0"/>
+                </a:endParaRPr>
+              </a:p>
+            </p:txBody>
+          </p:sp>
+        </mc:Choice>
+        <mc:Fallback>
+          <p:sp>
+            <p:nvSpPr>
+              <p:cNvPr id="21" name="TextBox 20"/>
+              <p:cNvSpPr txBox="1">
+                <a:spLocks noRot="1" noChangeAspect="1" noMove="1" noResize="1" noEditPoints="1" noAdjustHandles="1" noChangeArrowheads="1" noChangeShapeType="1" noTextEdit="1"/>
+              </p:cNvSpPr>
+              <p:nvPr/>
+            </p:nvSpPr>
+            <p:spPr>
+              <a:xfrm>
+                <a:off x="2301104" y="2743481"/>
+                <a:ext cx="208416" cy="345159"/>
+              </a:xfrm>
+              <a:prstGeom prst="rect">
+                <a:avLst/>
+              </a:prstGeom>
+              <a:blipFill>
+                <a:blip r:embed="rId5"/>
+                <a:stretch>
+                  <a:fillRect l="-31429" t="-33333" r="-91429" b="-8772"/>
+                </a:stretch>
+              </a:blipFill>
+            </p:spPr>
+            <p:txBody>
+              <a:bodyPr/>
+              <a:lstStyle/>
+              <a:p>
+                <a:r>
+                  <a:rPr lang="en-US">
+                    <a:noFill/>
+                  </a:rPr>
+                  <a:t> </a:t>
+                </a:r>
+              </a:p>
+            </p:txBody>
+          </p:sp>
+        </mc:Fallback>
+      </mc:AlternateContent>
     </p:spTree>
     <p:extLst>
       <p:ext uri="{BB962C8B-B14F-4D97-AF65-F5344CB8AC3E}">
@@ -28567,6 +29848,38 @@
     </a:fmtScheme>
   </a:themeElements>
   <a:objectDefaults>
+    <a:spDef>
+      <a:spPr>
+        <a:noFill/>
+        <a:ln w="38100">
+          <a:solidFill>
+            <a:schemeClr val="tx1"/>
+          </a:solidFill>
+        </a:ln>
+      </a:spPr>
+      <a:bodyPr rtlCol="0" anchor="ctr"/>
+      <a:lstStyle>
+        <a:defPPr algn="ctr">
+          <a:defRPr/>
+        </a:defPPr>
+      </a:lstStyle>
+      <a:style>
+        <a:lnRef idx="2">
+          <a:schemeClr val="accent1">
+            <a:shade val="50000"/>
+          </a:schemeClr>
+        </a:lnRef>
+        <a:fillRef idx="1">
+          <a:schemeClr val="accent1"/>
+        </a:fillRef>
+        <a:effectRef idx="0">
+          <a:schemeClr val="accent1"/>
+        </a:effectRef>
+        <a:fontRef idx="minor">
+          <a:schemeClr val="lt1"/>
+        </a:fontRef>
+      </a:style>
+    </a:spDef>
     <a:lnDef>
       <a:spPr>
         <a:ln w="38100">

--- a/tex/figures/Figures.pptx
+++ b/tex/figures/Figures.pptx
@@ -29359,193 +29359,755 @@
           </p:txBody>
         </p:sp>
       </p:grpSp>
-      <p:sp>
-        <p:nvSpPr>
-          <p:cNvPr id="19" name="Oval 18"/>
-          <p:cNvSpPr/>
+      <p:grpSp>
+        <p:nvGrpSpPr>
+          <p:cNvPr id="42" name="Group 41"/>
+          <p:cNvGrpSpPr/>
           <p:nvPr/>
-        </p:nvSpPr>
-        <p:spPr>
+        </p:nvGrpSpPr>
+        <p:grpSpPr>
           <a:xfrm>
-            <a:off x="740389" y="3088640"/>
-            <a:ext cx="1596411" cy="1584960"/>
+            <a:off x="2189660" y="2683219"/>
+            <a:ext cx="3372973" cy="2081821"/>
+            <a:chOff x="2189660" y="2683219"/>
+            <a:chExt cx="3372973" cy="2081821"/>
           </a:xfrm>
-          <a:prstGeom prst="ellipse">
-            <a:avLst/>
-          </a:prstGeom>
-          <a:noFill/>
-          <a:ln w="38100">
+        </p:grpSpPr>
+        <p:sp>
+          <p:nvSpPr>
+            <p:cNvPr id="19" name="Oval 18"/>
+            <p:cNvSpPr/>
+            <p:nvPr/>
+          </p:nvSpPr>
+          <p:spPr>
+            <a:xfrm>
+              <a:off x="2189660" y="3180080"/>
+              <a:ext cx="1596411" cy="1584960"/>
+            </a:xfrm>
+            <a:prstGeom prst="ellipse">
+              <a:avLst/>
+            </a:prstGeom>
             <a:solidFill>
+              <a:schemeClr val="bg2">
+                <a:lumMod val="90000"/>
+              </a:schemeClr>
+            </a:solidFill>
+            <a:ln w="38100">
+              <a:solidFill>
+                <a:schemeClr val="tx1"/>
+              </a:solidFill>
+            </a:ln>
+          </p:spPr>
+          <p:style>
+            <a:lnRef idx="2">
+              <a:schemeClr val="accent1">
+                <a:shade val="50000"/>
+              </a:schemeClr>
+            </a:lnRef>
+            <a:fillRef idx="1">
+              <a:schemeClr val="accent1"/>
+            </a:fillRef>
+            <a:effectRef idx="0">
+              <a:schemeClr val="accent1"/>
+            </a:effectRef>
+            <a:fontRef idx="minor">
+              <a:schemeClr val="lt1"/>
+            </a:fontRef>
+          </p:style>
+          <p:txBody>
+            <a:bodyPr rot="0" spcFirstLastPara="0" vertOverflow="overflow" horzOverflow="overflow" vert="horz" wrap="square" lIns="91440" tIns="45720" rIns="91440" bIns="45720" numCol="1" spcCol="0" rtlCol="0" fromWordArt="0" anchor="ctr" anchorCtr="0" forceAA="0" compatLnSpc="1">
+              <a:prstTxWarp prst="textNoShape">
+                <a:avLst/>
+              </a:prstTxWarp>
+              <a:noAutofit/>
+            </a:bodyPr>
+            <a:lstStyle/>
+            <a:p>
+              <a:pPr algn="ctr"/>
+              <a:endParaRPr lang="en-US"/>
+            </a:p>
+          </p:txBody>
+        </p:sp>
+        <p:cxnSp>
+          <p:nvCxnSpPr>
+            <p:cNvPr id="20" name="Straight Arrow Connector 19"/>
+            <p:cNvCxnSpPr/>
+            <p:nvPr/>
+          </p:nvCxnSpPr>
+          <p:spPr>
+            <a:xfrm flipV="1">
+              <a:off x="3745431" y="2683219"/>
+              <a:ext cx="259458" cy="1007692"/>
+            </a:xfrm>
+            <a:prstGeom prst="straightConnector1">
+              <a:avLst/>
+            </a:prstGeom>
+            <a:ln w="38100">
+              <a:solidFill>
+                <a:schemeClr val="tx1"/>
+              </a:solidFill>
+              <a:tailEnd type="triangle"/>
+            </a:ln>
+          </p:spPr>
+          <p:style>
+            <a:lnRef idx="1">
+              <a:schemeClr val="accent1"/>
+            </a:lnRef>
+            <a:fillRef idx="0">
+              <a:schemeClr val="accent1"/>
+            </a:fillRef>
+            <a:effectRef idx="0">
+              <a:schemeClr val="accent1"/>
+            </a:effectRef>
+            <a:fontRef idx="minor">
               <a:schemeClr val="tx1"/>
-            </a:solidFill>
-          </a:ln>
-        </p:spPr>
-        <p:style>
-          <a:lnRef idx="2">
-            <a:schemeClr val="accent1">
-              <a:shade val="50000"/>
-            </a:schemeClr>
-          </a:lnRef>
-          <a:fillRef idx="1">
-            <a:schemeClr val="accent1"/>
-          </a:fillRef>
-          <a:effectRef idx="0">
-            <a:schemeClr val="accent1"/>
-          </a:effectRef>
-          <a:fontRef idx="minor">
-            <a:schemeClr val="lt1"/>
-          </a:fontRef>
-        </p:style>
-        <p:txBody>
-          <a:bodyPr rot="0" spcFirstLastPara="0" vertOverflow="overflow" horzOverflow="overflow" vert="horz" wrap="square" lIns="91440" tIns="45720" rIns="91440" bIns="45720" numCol="1" spcCol="0" rtlCol="0" fromWordArt="0" anchor="ctr" anchorCtr="0" forceAA="0" compatLnSpc="1">
-            <a:prstTxWarp prst="textNoShape">
+            </a:fontRef>
+          </p:style>
+        </p:cxnSp>
+        <mc:AlternateContent xmlns:mc="http://schemas.openxmlformats.org/markup-compatibility/2006">
+          <mc:Choice xmlns:a14="http://schemas.microsoft.com/office/drawing/2010/main" Requires="a14">
+            <p:sp>
+              <p:nvSpPr>
+                <p:cNvPr id="21" name="TextBox 20"/>
+                <p:cNvSpPr txBox="1"/>
+                <p:nvPr/>
+              </p:nvSpPr>
+              <p:spPr>
+                <a:xfrm>
+                  <a:off x="3596838" y="3007500"/>
+                  <a:ext cx="208416" cy="345159"/>
+                </a:xfrm>
+                <a:prstGeom prst="rect">
+                  <a:avLst/>
+                </a:prstGeom>
+                <a:noFill/>
+              </p:spPr>
+              <p:txBody>
+                <a:bodyPr wrap="square" lIns="0" tIns="0" rIns="0" bIns="0" rtlCol="0">
+                  <a:spAutoFit/>
+                </a:bodyPr>
+                <a:lstStyle/>
+                <a:p>
+                  <a14:m>
+                    <m:oMathPara xmlns:m="http://schemas.openxmlformats.org/officeDocument/2006/math">
+                      <m:oMathParaPr>
+                        <m:jc m:val="centerGroup"/>
+                      </m:oMathParaPr>
+                      <m:oMath xmlns:m="http://schemas.openxmlformats.org/officeDocument/2006/math">
+                        <m:acc>
+                          <m:accPr>
+                            <m:chr m:val="⃗"/>
+                            <m:ctrlPr>
+                              <a:rPr lang="en-US" sz="2000" b="0" i="1" smtClean="0">
+                                <a:latin typeface="Cambria Math" panose="02040503050406030204" pitchFamily="18" charset="0"/>
+                                <a:cs typeface="Arial" panose="020B0604020202020204" pitchFamily="34" charset="0"/>
+                              </a:rPr>
+                            </m:ctrlPr>
+                          </m:accPr>
+                          <m:e>
+                            <m:r>
+                              <a:rPr lang="en-US" sz="2000" b="0" i="1" smtClean="0">
+                                <a:latin typeface="Cambria Math" panose="02040503050406030204" pitchFamily="18" charset="0"/>
+                                <a:cs typeface="Arial" panose="020B0604020202020204" pitchFamily="34" charset="0"/>
+                              </a:rPr>
+                              <m:t>𝐹</m:t>
+                            </m:r>
+                          </m:e>
+                        </m:acc>
+                      </m:oMath>
+                    </m:oMathPara>
+                  </a14:m>
+                  <a:endParaRPr lang="en-US" sz="2000" dirty="0" smtClean="0">
+                    <a:latin typeface="Arial" panose="020B0604020202020204" pitchFamily="34" charset="0"/>
+                    <a:cs typeface="Arial" panose="020B0604020202020204" pitchFamily="34" charset="0"/>
+                  </a:endParaRPr>
+                </a:p>
+              </p:txBody>
+            </p:sp>
+          </mc:Choice>
+          <mc:Fallback>
+            <p:sp>
+              <p:nvSpPr>
+                <p:cNvPr id="21" name="TextBox 20"/>
+                <p:cNvSpPr txBox="1">
+                  <a:spLocks noRot="1" noChangeAspect="1" noMove="1" noResize="1" noEditPoints="1" noAdjustHandles="1" noChangeArrowheads="1" noChangeShapeType="1" noTextEdit="1"/>
+                </p:cNvSpPr>
+                <p:nvPr/>
+              </p:nvSpPr>
+              <p:spPr>
+                <a:xfrm>
+                  <a:off x="3596838" y="3007500"/>
+                  <a:ext cx="208416" cy="345159"/>
+                </a:xfrm>
+                <a:prstGeom prst="rect">
+                  <a:avLst/>
+                </a:prstGeom>
+                <a:blipFill>
+                  <a:blip r:embed="rId5"/>
+                  <a:stretch>
+                    <a:fillRect l="-32353" t="-33333" r="-97059" b="-8772"/>
+                  </a:stretch>
+                </a:blipFill>
+              </p:spPr>
+              <p:txBody>
+                <a:bodyPr/>
+                <a:lstStyle/>
+                <a:p>
+                  <a:r>
+                    <a:rPr lang="en-US">
+                      <a:noFill/>
+                    </a:rPr>
+                    <a:t> </a:t>
+                  </a:r>
+                </a:p>
+              </p:txBody>
+            </p:sp>
+          </mc:Fallback>
+        </mc:AlternateContent>
+        <p:cxnSp>
+          <p:nvCxnSpPr>
+            <p:cNvPr id="24" name="Straight Arrow Connector 23"/>
+            <p:cNvCxnSpPr/>
+            <p:nvPr/>
+          </p:nvCxnSpPr>
+          <p:spPr>
+            <a:xfrm flipV="1">
+              <a:off x="2942791" y="3690912"/>
+              <a:ext cx="802640" cy="310310"/>
+            </a:xfrm>
+            <a:prstGeom prst="straightConnector1">
               <a:avLst/>
-            </a:prstTxWarp>
-            <a:noAutofit/>
-          </a:bodyPr>
-          <a:lstStyle/>
-          <a:p>
-            <a:pPr algn="ctr"/>
-            <a:endParaRPr lang="en-US"/>
-          </a:p>
-        </p:txBody>
-      </p:sp>
-      <p:cxnSp>
-        <p:nvCxnSpPr>
-          <p:cNvPr id="20" name="Straight Arrow Connector 19"/>
-          <p:cNvCxnSpPr/>
-          <p:nvPr/>
-        </p:nvCxnSpPr>
-        <p:spPr>
-          <a:xfrm flipH="1" flipV="1">
-            <a:off x="2112672" y="2605750"/>
-            <a:ext cx="109786" cy="846110"/>
-          </a:xfrm>
-          <a:prstGeom prst="straightConnector1">
-            <a:avLst/>
-          </a:prstGeom>
-          <a:ln w="38100">
-            <a:solidFill>
+            </a:prstGeom>
+            <a:ln w="38100">
+              <a:solidFill>
+                <a:schemeClr val="tx1"/>
+              </a:solidFill>
+              <a:tailEnd type="triangle"/>
+            </a:ln>
+          </p:spPr>
+          <p:style>
+            <a:lnRef idx="1">
+              <a:schemeClr val="accent1"/>
+            </a:lnRef>
+            <a:fillRef idx="0">
+              <a:schemeClr val="accent1"/>
+            </a:fillRef>
+            <a:effectRef idx="0">
+              <a:schemeClr val="accent1"/>
+            </a:effectRef>
+            <a:fontRef idx="minor">
               <a:schemeClr val="tx1"/>
-            </a:solidFill>
-            <a:tailEnd type="triangle"/>
-          </a:ln>
-        </p:spPr>
-        <p:style>
-          <a:lnRef idx="1">
-            <a:schemeClr val="accent1"/>
-          </a:lnRef>
-          <a:fillRef idx="0">
-            <a:schemeClr val="accent1"/>
-          </a:fillRef>
-          <a:effectRef idx="0">
-            <a:schemeClr val="accent1"/>
-          </a:effectRef>
-          <a:fontRef idx="minor">
-            <a:schemeClr val="tx1"/>
-          </a:fontRef>
-        </p:style>
-      </p:cxnSp>
-      <mc:AlternateContent xmlns:mc="http://schemas.openxmlformats.org/markup-compatibility/2006">
-        <mc:Choice xmlns:a14="http://schemas.microsoft.com/office/drawing/2010/main" Requires="a14">
-          <p:sp>
-            <p:nvSpPr>
-              <p:cNvPr id="21" name="TextBox 20"/>
-              <p:cNvSpPr txBox="1"/>
-              <p:nvPr/>
-            </p:nvSpPr>
-            <p:spPr>
-              <a:xfrm>
-                <a:off x="2301104" y="2743481"/>
-                <a:ext cx="208416" cy="345159"/>
-              </a:xfrm>
-              <a:prstGeom prst="rect">
-                <a:avLst/>
-              </a:prstGeom>
-              <a:noFill/>
-            </p:spPr>
-            <p:txBody>
-              <a:bodyPr wrap="square" lIns="0" tIns="0" rIns="0" bIns="0" rtlCol="0">
-                <a:spAutoFit/>
-              </a:bodyPr>
-              <a:lstStyle/>
-              <a:p>
-                <a14:m>
-                  <m:oMathPara xmlns:m="http://schemas.openxmlformats.org/officeDocument/2006/math">
-                    <m:oMathParaPr>
-                      <m:jc m:val="centerGroup"/>
-                    </m:oMathParaPr>
-                    <m:oMath xmlns:m="http://schemas.openxmlformats.org/officeDocument/2006/math">
-                      <m:acc>
-                        <m:accPr>
-                          <m:chr m:val="⃗"/>
-                          <m:ctrlPr>
-                            <a:rPr lang="en-US" sz="2000" b="0" i="1" smtClean="0">
-                              <a:latin typeface="Cambria Math" panose="02040503050406030204" pitchFamily="18" charset="0"/>
-                              <a:cs typeface="Arial" panose="020B0604020202020204" pitchFamily="34" charset="0"/>
-                            </a:rPr>
-                          </m:ctrlPr>
-                        </m:accPr>
-                        <m:e>
-                          <m:r>
-                            <a:rPr lang="en-US" sz="2000" b="0" i="1" smtClean="0">
-                              <a:latin typeface="Cambria Math" panose="02040503050406030204" pitchFamily="18" charset="0"/>
-                              <a:cs typeface="Arial" panose="020B0604020202020204" pitchFamily="34" charset="0"/>
-                            </a:rPr>
-                            <m:t>𝐹</m:t>
-                          </m:r>
-                        </m:e>
-                      </m:acc>
-                    </m:oMath>
-                  </m:oMathPara>
-                </a14:m>
-                <a:endParaRPr lang="en-US" sz="2000" dirty="0" smtClean="0">
-                  <a:latin typeface="Arial" panose="020B0604020202020204" pitchFamily="34" charset="0"/>
-                  <a:cs typeface="Arial" panose="020B0604020202020204" pitchFamily="34" charset="0"/>
-                </a:endParaRPr>
-              </a:p>
-            </p:txBody>
-          </p:sp>
-        </mc:Choice>
-        <mc:Fallback>
-          <p:sp>
-            <p:nvSpPr>
-              <p:cNvPr id="21" name="TextBox 20"/>
-              <p:cNvSpPr txBox="1">
-                <a:spLocks noRot="1" noChangeAspect="1" noMove="1" noResize="1" noEditPoints="1" noAdjustHandles="1" noChangeArrowheads="1" noChangeShapeType="1" noTextEdit="1"/>
-              </p:cNvSpPr>
-              <p:nvPr/>
-            </p:nvSpPr>
-            <p:spPr>
-              <a:xfrm>
-                <a:off x="2301104" y="2743481"/>
-                <a:ext cx="208416" cy="345159"/>
-              </a:xfrm>
-              <a:prstGeom prst="rect">
-                <a:avLst/>
-              </a:prstGeom>
-              <a:blipFill>
-                <a:blip r:embed="rId5"/>
-                <a:stretch>
-                  <a:fillRect l="-31429" t="-33333" r="-91429" b="-8772"/>
-                </a:stretch>
-              </a:blipFill>
-            </p:spPr>
-            <p:txBody>
-              <a:bodyPr/>
-              <a:lstStyle/>
-              <a:p>
-                <a:r>
-                  <a:rPr lang="en-US">
-                    <a:noFill/>
-                  </a:rPr>
-                  <a:t> </a:t>
-                </a:r>
-              </a:p>
-            </p:txBody>
-          </p:sp>
-        </mc:Fallback>
-      </mc:AlternateContent>
+            </a:fontRef>
+          </p:style>
+        </p:cxnSp>
+        <mc:AlternateContent xmlns:mc="http://schemas.openxmlformats.org/markup-compatibility/2006">
+          <mc:Choice xmlns:a14="http://schemas.microsoft.com/office/drawing/2010/main" Requires="a14">
+            <p:sp>
+              <p:nvSpPr>
+                <p:cNvPr id="27" name="TextBox 26"/>
+                <p:cNvSpPr txBox="1"/>
+                <p:nvPr/>
+              </p:nvSpPr>
+              <p:spPr>
+                <a:xfrm>
+                  <a:off x="3344111" y="3866025"/>
+                  <a:ext cx="198003" cy="307777"/>
+                </a:xfrm>
+                <a:prstGeom prst="rect">
+                  <a:avLst/>
+                </a:prstGeom>
+                <a:noFill/>
+              </p:spPr>
+              <p:txBody>
+                <a:bodyPr wrap="none" lIns="0" tIns="0" rIns="0" bIns="0" rtlCol="0">
+                  <a:spAutoFit/>
+                </a:bodyPr>
+                <a:lstStyle/>
+                <a:p>
+                  <a14:m>
+                    <m:oMathPara xmlns:m="http://schemas.openxmlformats.org/officeDocument/2006/math">
+                      <m:oMathParaPr>
+                        <m:jc m:val="centerGroup"/>
+                      </m:oMathParaPr>
+                      <m:oMath xmlns:m="http://schemas.openxmlformats.org/officeDocument/2006/math">
+                        <m:acc>
+                          <m:accPr>
+                            <m:chr m:val="⃗"/>
+                            <m:ctrlPr>
+                              <a:rPr lang="en-US" sz="2000" b="0" i="1" smtClean="0">
+                                <a:latin typeface="Cambria Math" panose="02040503050406030204" pitchFamily="18" charset="0"/>
+                                <a:cs typeface="Arial" panose="020B0604020202020204" pitchFamily="34" charset="0"/>
+                              </a:rPr>
+                            </m:ctrlPr>
+                          </m:accPr>
+                          <m:e>
+                            <m:r>
+                              <a:rPr lang="en-US" sz="2000" b="0" i="1" smtClean="0">
+                                <a:latin typeface="Cambria Math" panose="02040503050406030204" pitchFamily="18" charset="0"/>
+                                <a:cs typeface="Arial" panose="020B0604020202020204" pitchFamily="34" charset="0"/>
+                              </a:rPr>
+                              <m:t>𝑟</m:t>
+                            </m:r>
+                          </m:e>
+                        </m:acc>
+                      </m:oMath>
+                    </m:oMathPara>
+                  </a14:m>
+                  <a:endParaRPr lang="en-US" sz="2000" dirty="0" smtClean="0">
+                    <a:latin typeface="Arial" panose="020B0604020202020204" pitchFamily="34" charset="0"/>
+                    <a:cs typeface="Arial" panose="020B0604020202020204" pitchFamily="34" charset="0"/>
+                  </a:endParaRPr>
+                </a:p>
+              </p:txBody>
+            </p:sp>
+          </mc:Choice>
+          <mc:Fallback>
+            <p:sp>
+              <p:nvSpPr>
+                <p:cNvPr id="27" name="TextBox 26"/>
+                <p:cNvSpPr txBox="1">
+                  <a:spLocks noRot="1" noChangeAspect="1" noMove="1" noResize="1" noEditPoints="1" noAdjustHandles="1" noChangeArrowheads="1" noChangeShapeType="1" noTextEdit="1"/>
+                </p:cNvSpPr>
+                <p:nvPr/>
+              </p:nvSpPr>
+              <p:spPr>
+                <a:xfrm>
+                  <a:off x="3344111" y="3866025"/>
+                  <a:ext cx="198003" cy="307777"/>
+                </a:xfrm>
+                <a:prstGeom prst="rect">
+                  <a:avLst/>
+                </a:prstGeom>
+                <a:blipFill>
+                  <a:blip r:embed="rId6"/>
+                  <a:stretch>
+                    <a:fillRect l="-31250" t="-33333" r="-96875" b="-5882"/>
+                  </a:stretch>
+                </a:blipFill>
+              </p:spPr>
+              <p:txBody>
+                <a:bodyPr/>
+                <a:lstStyle/>
+                <a:p>
+                  <a:r>
+                    <a:rPr lang="en-US">
+                      <a:noFill/>
+                    </a:rPr>
+                    <a:t> </a:t>
+                  </a:r>
+                </a:p>
+              </p:txBody>
+            </p:sp>
+          </mc:Fallback>
+        </mc:AlternateContent>
+        <p:cxnSp>
+          <p:nvCxnSpPr>
+            <p:cNvPr id="34" name="Straight Arrow Connector 33"/>
+            <p:cNvCxnSpPr/>
+            <p:nvPr/>
+          </p:nvCxnSpPr>
+          <p:spPr>
+            <a:xfrm flipV="1">
+              <a:off x="4770153" y="2848813"/>
+              <a:ext cx="259458" cy="1007692"/>
+            </a:xfrm>
+            <a:prstGeom prst="straightConnector1">
+              <a:avLst/>
+            </a:prstGeom>
+            <a:ln w="38100">
+              <a:solidFill>
+                <a:schemeClr val="tx1"/>
+              </a:solidFill>
+              <a:tailEnd type="triangle"/>
+            </a:ln>
+          </p:spPr>
+          <p:style>
+            <a:lnRef idx="1">
+              <a:schemeClr val="accent1"/>
+            </a:lnRef>
+            <a:fillRef idx="0">
+              <a:schemeClr val="accent1"/>
+            </a:fillRef>
+            <a:effectRef idx="0">
+              <a:schemeClr val="accent1"/>
+            </a:effectRef>
+            <a:fontRef idx="minor">
+              <a:schemeClr val="tx1"/>
+            </a:fontRef>
+          </p:style>
+        </p:cxnSp>
+        <mc:AlternateContent xmlns:mc="http://schemas.openxmlformats.org/markup-compatibility/2006">
+          <mc:Choice xmlns:a14="http://schemas.microsoft.com/office/drawing/2010/main" Requires="a14">
+            <p:sp>
+              <p:nvSpPr>
+                <p:cNvPr id="35" name="TextBox 34"/>
+                <p:cNvSpPr txBox="1"/>
+                <p:nvPr/>
+              </p:nvSpPr>
+              <p:spPr>
+                <a:xfrm>
+                  <a:off x="4611400" y="3162934"/>
+                  <a:ext cx="208416" cy="345159"/>
+                </a:xfrm>
+                <a:prstGeom prst="rect">
+                  <a:avLst/>
+                </a:prstGeom>
+                <a:noFill/>
+              </p:spPr>
+              <p:txBody>
+                <a:bodyPr wrap="square" lIns="0" tIns="0" rIns="0" bIns="0" rtlCol="0">
+                  <a:spAutoFit/>
+                </a:bodyPr>
+                <a:lstStyle/>
+                <a:p>
+                  <a14:m>
+                    <m:oMathPara xmlns:m="http://schemas.openxmlformats.org/officeDocument/2006/math">
+                      <m:oMathParaPr>
+                        <m:jc m:val="centerGroup"/>
+                      </m:oMathParaPr>
+                      <m:oMath xmlns:m="http://schemas.openxmlformats.org/officeDocument/2006/math">
+                        <m:acc>
+                          <m:accPr>
+                            <m:chr m:val="⃗"/>
+                            <m:ctrlPr>
+                              <a:rPr lang="en-US" sz="2000" b="0" i="1" smtClean="0">
+                                <a:latin typeface="Cambria Math" panose="02040503050406030204" pitchFamily="18" charset="0"/>
+                                <a:cs typeface="Arial" panose="020B0604020202020204" pitchFamily="34" charset="0"/>
+                              </a:rPr>
+                            </m:ctrlPr>
+                          </m:accPr>
+                          <m:e>
+                            <m:r>
+                              <a:rPr lang="en-US" sz="2000" b="0" i="1" smtClean="0">
+                                <a:latin typeface="Cambria Math" panose="02040503050406030204" pitchFamily="18" charset="0"/>
+                                <a:cs typeface="Arial" panose="020B0604020202020204" pitchFamily="34" charset="0"/>
+                              </a:rPr>
+                              <m:t>𝐹</m:t>
+                            </m:r>
+                          </m:e>
+                        </m:acc>
+                      </m:oMath>
+                    </m:oMathPara>
+                  </a14:m>
+                  <a:endParaRPr lang="en-US" sz="2000" dirty="0" smtClean="0">
+                    <a:latin typeface="Arial" panose="020B0604020202020204" pitchFamily="34" charset="0"/>
+                    <a:cs typeface="Arial" panose="020B0604020202020204" pitchFamily="34" charset="0"/>
+                  </a:endParaRPr>
+                </a:p>
+              </p:txBody>
+            </p:sp>
+          </mc:Choice>
+          <mc:Fallback>
+            <p:sp>
+              <p:nvSpPr>
+                <p:cNvPr id="35" name="TextBox 34"/>
+                <p:cNvSpPr txBox="1">
+                  <a:spLocks noRot="1" noChangeAspect="1" noMove="1" noResize="1" noEditPoints="1" noAdjustHandles="1" noChangeArrowheads="1" noChangeShapeType="1" noTextEdit="1"/>
+                </p:cNvSpPr>
+                <p:nvPr/>
+              </p:nvSpPr>
+              <p:spPr>
+                <a:xfrm>
+                  <a:off x="4611400" y="3162934"/>
+                  <a:ext cx="208416" cy="345159"/>
+                </a:xfrm>
+                <a:prstGeom prst="rect">
+                  <a:avLst/>
+                </a:prstGeom>
+                <a:blipFill>
+                  <a:blip r:embed="rId7"/>
+                  <a:stretch>
+                    <a:fillRect l="-31429" t="-35714" r="-91429" b="-8929"/>
+                  </a:stretch>
+                </a:blipFill>
+              </p:spPr>
+              <p:txBody>
+                <a:bodyPr/>
+                <a:lstStyle/>
+                <a:p>
+                  <a:r>
+                    <a:rPr lang="en-US">
+                      <a:noFill/>
+                    </a:rPr>
+                    <a:t> </a:t>
+                  </a:r>
+                </a:p>
+              </p:txBody>
+            </p:sp>
+          </mc:Fallback>
+        </mc:AlternateContent>
+        <mc:AlternateContent xmlns:mc="http://schemas.openxmlformats.org/markup-compatibility/2006">
+          <mc:Choice xmlns:a14="http://schemas.microsoft.com/office/drawing/2010/main" Requires="a14">
+            <p:sp>
+              <p:nvSpPr>
+                <p:cNvPr id="37" name="TextBox 36"/>
+                <p:cNvSpPr txBox="1"/>
+                <p:nvPr/>
+              </p:nvSpPr>
+              <p:spPr>
+                <a:xfrm>
+                  <a:off x="5201478" y="3722003"/>
+                  <a:ext cx="198003" cy="307777"/>
+                </a:xfrm>
+                <a:prstGeom prst="rect">
+                  <a:avLst/>
+                </a:prstGeom>
+                <a:noFill/>
+              </p:spPr>
+              <p:txBody>
+                <a:bodyPr wrap="none" lIns="0" tIns="0" rIns="0" bIns="0" rtlCol="0">
+                  <a:spAutoFit/>
+                </a:bodyPr>
+                <a:lstStyle/>
+                <a:p>
+                  <a14:m>
+                    <m:oMathPara xmlns:m="http://schemas.openxmlformats.org/officeDocument/2006/math">
+                      <m:oMathParaPr>
+                        <m:jc m:val="centerGroup"/>
+                      </m:oMathParaPr>
+                      <m:oMath xmlns:m="http://schemas.openxmlformats.org/officeDocument/2006/math">
+                        <m:acc>
+                          <m:accPr>
+                            <m:chr m:val="⃗"/>
+                            <m:ctrlPr>
+                              <a:rPr lang="en-US" sz="2000" b="0" i="1" smtClean="0">
+                                <a:latin typeface="Cambria Math" panose="02040503050406030204" pitchFamily="18" charset="0"/>
+                                <a:cs typeface="Arial" panose="020B0604020202020204" pitchFamily="34" charset="0"/>
+                              </a:rPr>
+                            </m:ctrlPr>
+                          </m:accPr>
+                          <m:e>
+                            <m:r>
+                              <a:rPr lang="en-US" sz="2000" b="0" i="1" smtClean="0">
+                                <a:latin typeface="Cambria Math" panose="02040503050406030204" pitchFamily="18" charset="0"/>
+                                <a:cs typeface="Arial" panose="020B0604020202020204" pitchFamily="34" charset="0"/>
+                              </a:rPr>
+                              <m:t>𝑟</m:t>
+                            </m:r>
+                          </m:e>
+                        </m:acc>
+                      </m:oMath>
+                    </m:oMathPara>
+                  </a14:m>
+                  <a:endParaRPr lang="en-US" sz="2000" dirty="0" smtClean="0">
+                    <a:latin typeface="Arial" panose="020B0604020202020204" pitchFamily="34" charset="0"/>
+                    <a:cs typeface="Arial" panose="020B0604020202020204" pitchFamily="34" charset="0"/>
+                  </a:endParaRPr>
+                </a:p>
+              </p:txBody>
+            </p:sp>
+          </mc:Choice>
+          <mc:Fallback>
+            <p:sp>
+              <p:nvSpPr>
+                <p:cNvPr id="37" name="TextBox 36"/>
+                <p:cNvSpPr txBox="1">
+                  <a:spLocks noRot="1" noChangeAspect="1" noMove="1" noResize="1" noEditPoints="1" noAdjustHandles="1" noChangeArrowheads="1" noChangeShapeType="1" noTextEdit="1"/>
+                </p:cNvSpPr>
+                <p:nvPr/>
+              </p:nvSpPr>
+              <p:spPr>
+                <a:xfrm>
+                  <a:off x="5201478" y="3722003"/>
+                  <a:ext cx="198003" cy="307777"/>
+                </a:xfrm>
+                <a:prstGeom prst="rect">
+                  <a:avLst/>
+                </a:prstGeom>
+                <a:blipFill>
+                  <a:blip r:embed="rId8"/>
+                  <a:stretch>
+                    <a:fillRect l="-27273" t="-36000" r="-93939" b="-6000"/>
+                  </a:stretch>
+                </a:blipFill>
+              </p:spPr>
+              <p:txBody>
+                <a:bodyPr/>
+                <a:lstStyle/>
+                <a:p>
+                  <a:r>
+                    <a:rPr lang="en-US">
+                      <a:noFill/>
+                    </a:rPr>
+                    <a:t> </a:t>
+                  </a:r>
+                </a:p>
+              </p:txBody>
+            </p:sp>
+          </mc:Fallback>
+        </mc:AlternateContent>
+        <p:cxnSp>
+          <p:nvCxnSpPr>
+            <p:cNvPr id="38" name="Straight Arrow Connector 37"/>
+            <p:cNvCxnSpPr/>
+            <p:nvPr/>
+          </p:nvCxnSpPr>
+          <p:spPr>
+            <a:xfrm flipV="1">
+              <a:off x="4759993" y="3541845"/>
+              <a:ext cx="802640" cy="310310"/>
+            </a:xfrm>
+            <a:prstGeom prst="straightConnector1">
+              <a:avLst/>
+            </a:prstGeom>
+            <a:ln w="38100">
+              <a:solidFill>
+                <a:schemeClr val="tx1"/>
+              </a:solidFill>
+              <a:prstDash val="solid"/>
+              <a:tailEnd type="triangle"/>
+            </a:ln>
+          </p:spPr>
+          <p:style>
+            <a:lnRef idx="1">
+              <a:schemeClr val="accent1"/>
+            </a:lnRef>
+            <a:fillRef idx="0">
+              <a:schemeClr val="accent1"/>
+            </a:fillRef>
+            <a:effectRef idx="0">
+              <a:schemeClr val="accent1"/>
+            </a:effectRef>
+            <a:fontRef idx="minor">
+              <a:schemeClr val="tx1"/>
+            </a:fontRef>
+          </p:style>
+        </p:cxnSp>
+        <p:sp>
+          <p:nvSpPr>
+            <p:cNvPr id="40" name="Arc 39"/>
+            <p:cNvSpPr/>
+            <p:nvPr/>
+          </p:nvSpPr>
+          <p:spPr>
+            <a:xfrm rot="21358464">
+              <a:off x="4674794" y="3544951"/>
+              <a:ext cx="363438" cy="430210"/>
+            </a:xfrm>
+            <a:prstGeom prst="arc">
+              <a:avLst>
+                <a:gd name="adj1" fmla="val 16657186"/>
+                <a:gd name="adj2" fmla="val 20972173"/>
+              </a:avLst>
+            </a:prstGeom>
+            <a:ln w="19050">
+              <a:solidFill>
+                <a:schemeClr val="tx1"/>
+              </a:solidFill>
+              <a:prstDash val="sysDot"/>
+            </a:ln>
+          </p:spPr>
+          <p:style>
+            <a:lnRef idx="1">
+              <a:schemeClr val="accent1"/>
+            </a:lnRef>
+            <a:fillRef idx="0">
+              <a:schemeClr val="accent1"/>
+            </a:fillRef>
+            <a:effectRef idx="0">
+              <a:schemeClr val="accent1"/>
+            </a:effectRef>
+            <a:fontRef idx="minor">
+              <a:schemeClr val="tx1"/>
+            </a:fontRef>
+          </p:style>
+          <p:txBody>
+            <a:bodyPr rtlCol="0" anchor="ctr"/>
+            <a:lstStyle/>
+            <a:p>
+              <a:pPr algn="ctr"/>
+              <a:endParaRPr lang="en-US"/>
+            </a:p>
+          </p:txBody>
+        </p:sp>
+        <mc:AlternateContent xmlns:mc="http://schemas.openxmlformats.org/markup-compatibility/2006">
+          <mc:Choice xmlns:a14="http://schemas.microsoft.com/office/drawing/2010/main" Requires="a14">
+            <p:sp>
+              <p:nvSpPr>
+                <p:cNvPr id="41" name="TextBox 40"/>
+                <p:cNvSpPr txBox="1"/>
+                <p:nvPr/>
+              </p:nvSpPr>
+              <p:spPr>
+                <a:xfrm>
+                  <a:off x="4956753" y="3340453"/>
+                  <a:ext cx="222304" cy="307777"/>
+                </a:xfrm>
+                <a:prstGeom prst="rect">
+                  <a:avLst/>
+                </a:prstGeom>
+                <a:noFill/>
+              </p:spPr>
+              <p:txBody>
+                <a:bodyPr wrap="none" lIns="0" tIns="0" rIns="0" bIns="0" rtlCol="0">
+                  <a:spAutoFit/>
+                </a:bodyPr>
+                <a:lstStyle/>
+                <a:p>
+                  <a14:m>
+                    <m:oMathPara xmlns:m="http://schemas.openxmlformats.org/officeDocument/2006/math">
+                      <m:oMathParaPr>
+                        <m:jc m:val="centerGroup"/>
+                      </m:oMathParaPr>
+                      <m:oMath xmlns:m="http://schemas.openxmlformats.org/officeDocument/2006/math">
+                        <m:r>
+                          <a:rPr lang="en-US" sz="2000" b="0" i="1" smtClean="0">
+                            <a:latin typeface="Cambria Math" panose="02040503050406030204" pitchFamily="18" charset="0"/>
+                            <a:cs typeface="Arial" panose="020B0604020202020204" pitchFamily="34" charset="0"/>
+                          </a:rPr>
+                          <m:t>𝜃</m:t>
+                        </m:r>
+                      </m:oMath>
+                    </m:oMathPara>
+                  </a14:m>
+                  <a:endParaRPr lang="en-US" sz="2000" dirty="0" smtClean="0">
+                    <a:latin typeface="Arial" panose="020B0604020202020204" pitchFamily="34" charset="0"/>
+                    <a:cs typeface="Arial" panose="020B0604020202020204" pitchFamily="34" charset="0"/>
+                  </a:endParaRPr>
+                </a:p>
+              </p:txBody>
+            </p:sp>
+          </mc:Choice>
+          <mc:Fallback>
+            <p:sp>
+              <p:nvSpPr>
+                <p:cNvPr id="41" name="TextBox 40"/>
+                <p:cNvSpPr txBox="1">
+                  <a:spLocks noRot="1" noChangeAspect="1" noMove="1" noResize="1" noEditPoints="1" noAdjustHandles="1" noChangeArrowheads="1" noChangeShapeType="1" noTextEdit="1"/>
+                </p:cNvSpPr>
+                <p:nvPr/>
+              </p:nvSpPr>
+              <p:spPr>
+                <a:xfrm>
+                  <a:off x="4956753" y="3340453"/>
+                  <a:ext cx="222304" cy="307777"/>
+                </a:xfrm>
+                <a:prstGeom prst="rect">
+                  <a:avLst/>
+                </a:prstGeom>
+                <a:blipFill>
+                  <a:blip r:embed="rId9"/>
+                  <a:stretch>
+                    <a:fillRect l="-24324" r="-21622" b="-12000"/>
+                  </a:stretch>
+                </a:blipFill>
+              </p:spPr>
+              <p:txBody>
+                <a:bodyPr/>
+                <a:lstStyle/>
+                <a:p>
+                  <a:r>
+                    <a:rPr lang="en-US">
+                      <a:noFill/>
+                    </a:rPr>
+                    <a:t> </a:t>
+                  </a:r>
+                </a:p>
+              </p:txBody>
+            </p:sp>
+          </mc:Fallback>
+        </mc:AlternateContent>
+      </p:grpSp>
     </p:spTree>
     <p:extLst>
       <p:ext uri="{BB962C8B-B14F-4D97-AF65-F5344CB8AC3E}">

--- a/tex/figures/Figures.pptx
+++ b/tex/figures/Figures.pptx
@@ -250,7 +250,7 @@
           <a:p>
             <a:fld id="{F7249F8D-641B-4CAF-BAE5-10524742F6F1}" type="datetimeFigureOut">
               <a:rPr lang="en-CA" smtClean="0"/>
-              <a:t>2018-05-07</a:t>
+              <a:t>2018-05-14</a:t>
             </a:fld>
             <a:endParaRPr lang="en-CA"/>
           </a:p>
@@ -420,7 +420,7 @@
           <a:p>
             <a:fld id="{F7249F8D-641B-4CAF-BAE5-10524742F6F1}" type="datetimeFigureOut">
               <a:rPr lang="en-CA" smtClean="0"/>
-              <a:t>2018-05-07</a:t>
+              <a:t>2018-05-14</a:t>
             </a:fld>
             <a:endParaRPr lang="en-CA"/>
           </a:p>
@@ -600,7 +600,7 @@
           <a:p>
             <a:fld id="{F7249F8D-641B-4CAF-BAE5-10524742F6F1}" type="datetimeFigureOut">
               <a:rPr lang="en-CA" smtClean="0"/>
-              <a:t>2018-05-07</a:t>
+              <a:t>2018-05-14</a:t>
             </a:fld>
             <a:endParaRPr lang="en-CA"/>
           </a:p>
@@ -770,7 +770,7 @@
           <a:p>
             <a:fld id="{F7249F8D-641B-4CAF-BAE5-10524742F6F1}" type="datetimeFigureOut">
               <a:rPr lang="en-CA" smtClean="0"/>
-              <a:t>2018-05-07</a:t>
+              <a:t>2018-05-14</a:t>
             </a:fld>
             <a:endParaRPr lang="en-CA"/>
           </a:p>
@@ -1016,7 +1016,7 @@
           <a:p>
             <a:fld id="{F7249F8D-641B-4CAF-BAE5-10524742F6F1}" type="datetimeFigureOut">
               <a:rPr lang="en-CA" smtClean="0"/>
-              <a:t>2018-05-07</a:t>
+              <a:t>2018-05-14</a:t>
             </a:fld>
             <a:endParaRPr lang="en-CA"/>
           </a:p>
@@ -1248,7 +1248,7 @@
           <a:p>
             <a:fld id="{F7249F8D-641B-4CAF-BAE5-10524742F6F1}" type="datetimeFigureOut">
               <a:rPr lang="en-CA" smtClean="0"/>
-              <a:t>2018-05-07</a:t>
+              <a:t>2018-05-14</a:t>
             </a:fld>
             <a:endParaRPr lang="en-CA"/>
           </a:p>
@@ -1615,7 +1615,7 @@
           <a:p>
             <a:fld id="{F7249F8D-641B-4CAF-BAE5-10524742F6F1}" type="datetimeFigureOut">
               <a:rPr lang="en-CA" smtClean="0"/>
-              <a:t>2018-05-07</a:t>
+              <a:t>2018-05-14</a:t>
             </a:fld>
             <a:endParaRPr lang="en-CA"/>
           </a:p>
@@ -1733,7 +1733,7 @@
           <a:p>
             <a:fld id="{F7249F8D-641B-4CAF-BAE5-10524742F6F1}" type="datetimeFigureOut">
               <a:rPr lang="en-CA" smtClean="0"/>
-              <a:t>2018-05-07</a:t>
+              <a:t>2018-05-14</a:t>
             </a:fld>
             <a:endParaRPr lang="en-CA"/>
           </a:p>
@@ -1828,7 +1828,7 @@
           <a:p>
             <a:fld id="{F7249F8D-641B-4CAF-BAE5-10524742F6F1}" type="datetimeFigureOut">
               <a:rPr lang="en-CA" smtClean="0"/>
-              <a:t>2018-05-07</a:t>
+              <a:t>2018-05-14</a:t>
             </a:fld>
             <a:endParaRPr lang="en-CA"/>
           </a:p>
@@ -2105,7 +2105,7 @@
           <a:p>
             <a:fld id="{F7249F8D-641B-4CAF-BAE5-10524742F6F1}" type="datetimeFigureOut">
               <a:rPr lang="en-CA" smtClean="0"/>
-              <a:t>2018-05-07</a:t>
+              <a:t>2018-05-14</a:t>
             </a:fld>
             <a:endParaRPr lang="en-CA"/>
           </a:p>
@@ -2358,7 +2358,7 @@
           <a:p>
             <a:fld id="{F7249F8D-641B-4CAF-BAE5-10524742F6F1}" type="datetimeFigureOut">
               <a:rPr lang="en-CA" smtClean="0"/>
-              <a:t>2018-05-07</a:t>
+              <a:t>2018-05-14</a:t>
             </a:fld>
             <a:endParaRPr lang="en-CA"/>
           </a:p>
@@ -2571,7 +2571,7 @@
           <a:p>
             <a:fld id="{F7249F8D-641B-4CAF-BAE5-10524742F6F1}" type="datetimeFigureOut">
               <a:rPr lang="en-CA" smtClean="0"/>
-              <a:t>2018-05-07</a:t>
+              <a:t>2018-05-14</a:t>
             </a:fld>
             <a:endParaRPr lang="en-CA"/>
           </a:p>
@@ -12070,7 +12070,7 @@
         </p:nvGrpSpPr>
         <p:grpSpPr>
           <a:xfrm>
-            <a:off x="7592733" y="3554814"/>
+            <a:off x="9618029" y="3423967"/>
             <a:ext cx="2182785" cy="2930250"/>
             <a:chOff x="7592733" y="3554814"/>
             <a:chExt cx="2182785" cy="2930250"/>
@@ -13728,8 +13728,8 @@
               </mc:Fallback>
             </mc:AlternateContent>
           </p:grpSp>
-          <mc:AlternateContent xmlns:mc="http://schemas.openxmlformats.org/markup-compatibility/2006">
-            <mc:Choice xmlns:a14="http://schemas.microsoft.com/office/drawing/2010/main" Requires="a14">
+          <mc:AlternateContent xmlns:mc="http://schemas.openxmlformats.org/markup-compatibility/2006" xmlns:a14="http://schemas.microsoft.com/office/drawing/2010/main">
+            <mc:Choice Requires="a14">
               <p:sp>
                 <p:nvSpPr>
                   <p:cNvPr id="92" name="Rectangle 91"/>
@@ -13794,7 +13794,7 @@
                 </p:txBody>
               </p:sp>
             </mc:Choice>
-            <mc:Fallback>
+            <mc:Fallback xmlns="">
               <p:sp>
                 <p:nvSpPr>
                   <p:cNvPr id="92" name="Rectangle 91"/>
@@ -13833,8 +13833,8 @@
               </p:sp>
             </mc:Fallback>
           </mc:AlternateContent>
-          <mc:AlternateContent xmlns:mc="http://schemas.openxmlformats.org/markup-compatibility/2006">
-            <mc:Choice xmlns:a14="http://schemas.microsoft.com/office/drawing/2010/main" Requires="a14">
+          <mc:AlternateContent xmlns:mc="http://schemas.openxmlformats.org/markup-compatibility/2006" xmlns:a14="http://schemas.microsoft.com/office/drawing/2010/main">
+            <mc:Choice Requires="a14">
               <p:sp>
                 <p:nvSpPr>
                   <p:cNvPr id="93" name="Rectangle 92"/>
@@ -13899,7 +13899,7 @@
                 </p:txBody>
               </p:sp>
             </mc:Choice>
-            <mc:Fallback>
+            <mc:Fallback xmlns="">
               <p:sp>
                 <p:nvSpPr>
                   <p:cNvPr id="93" name="Rectangle 92"/>
@@ -14043,8 +14043,8 @@
               </p:sp>
             </mc:Fallback>
           </mc:AlternateContent>
-          <mc:AlternateContent xmlns:mc="http://schemas.openxmlformats.org/markup-compatibility/2006">
-            <mc:Choice xmlns:a14="http://schemas.microsoft.com/office/drawing/2010/main" Requires="a14">
+          <mc:AlternateContent xmlns:mc="http://schemas.openxmlformats.org/markup-compatibility/2006" xmlns:a14="http://schemas.microsoft.com/office/drawing/2010/main">
+            <mc:Choice Requires="a14">
               <p:sp>
                 <p:nvSpPr>
                   <p:cNvPr id="96" name="Rectangle 95"/>
@@ -14109,7 +14109,7 @@
                 </p:txBody>
               </p:sp>
             </mc:Choice>
-            <mc:Fallback>
+            <mc:Fallback xmlns="">
               <p:sp>
                 <p:nvSpPr>
                   <p:cNvPr id="96" name="Rectangle 95"/>
@@ -14220,8 +14220,8 @@
               </a:fontRef>
             </p:style>
           </p:cxnSp>
-          <mc:AlternateContent xmlns:mc="http://schemas.openxmlformats.org/markup-compatibility/2006">
-            <mc:Choice xmlns:a14="http://schemas.microsoft.com/office/drawing/2010/main" Requires="a14">
+          <mc:AlternateContent xmlns:mc="http://schemas.openxmlformats.org/markup-compatibility/2006" xmlns:a14="http://schemas.microsoft.com/office/drawing/2010/main">
+            <mc:Choice Requires="a14">
               <p:sp>
                 <p:nvSpPr>
                   <p:cNvPr id="109" name="Rectangle 108"/>
@@ -14275,7 +14275,7 @@
                 </p:txBody>
               </p:sp>
             </mc:Choice>
-            <mc:Fallback>
+            <mc:Fallback xmlns="">
               <p:sp>
                 <p:nvSpPr>
                   <p:cNvPr id="109" name="Rectangle 108"/>
@@ -14314,8 +14314,8 @@
               </p:sp>
             </mc:Fallback>
           </mc:AlternateContent>
-          <mc:AlternateContent xmlns:mc="http://schemas.openxmlformats.org/markup-compatibility/2006">
-            <mc:Choice xmlns:a14="http://schemas.microsoft.com/office/drawing/2010/main" Requires="a14">
+          <mc:AlternateContent xmlns:mc="http://schemas.openxmlformats.org/markup-compatibility/2006" xmlns:a14="http://schemas.microsoft.com/office/drawing/2010/main">
+            <mc:Choice Requires="a14">
               <p:sp>
                 <p:nvSpPr>
                   <p:cNvPr id="110" name="Rectangle 109"/>
@@ -14372,7 +14372,7 @@
                 </p:txBody>
               </p:sp>
             </mc:Choice>
-            <mc:Fallback>
+            <mc:Fallback xmlns="">
               <p:sp>
                 <p:nvSpPr>
                   <p:cNvPr id="110" name="Rectangle 109"/>
@@ -14447,8 +14447,8 @@
               </a:fontRef>
             </p:style>
           </p:cxnSp>
-          <mc:AlternateContent xmlns:mc="http://schemas.openxmlformats.org/markup-compatibility/2006">
-            <mc:Choice xmlns:a14="http://schemas.microsoft.com/office/drawing/2010/main" Requires="a14">
+          <mc:AlternateContent xmlns:mc="http://schemas.openxmlformats.org/markup-compatibility/2006" xmlns:a14="http://schemas.microsoft.com/office/drawing/2010/main">
+            <mc:Choice Requires="a14">
               <p:sp>
                 <p:nvSpPr>
                   <p:cNvPr id="121" name="Rectangle 120"/>
@@ -14515,7 +14515,7 @@
                 </p:txBody>
               </p:sp>
             </mc:Choice>
-            <mc:Fallback>
+            <mc:Fallback xmlns="">
               <p:sp>
                 <p:nvSpPr>
                   <p:cNvPr id="121" name="Rectangle 120"/>
@@ -14627,8 +14627,8 @@
             </a:fontRef>
           </p:style>
         </p:cxnSp>
-        <mc:AlternateContent xmlns:mc="http://schemas.openxmlformats.org/markup-compatibility/2006">
-          <mc:Choice xmlns:a14="http://schemas.microsoft.com/office/drawing/2010/main" Requires="a14">
+        <mc:AlternateContent xmlns:mc="http://schemas.openxmlformats.org/markup-compatibility/2006" xmlns:a14="http://schemas.microsoft.com/office/drawing/2010/main">
+          <mc:Choice Requires="a14">
             <p:sp>
               <p:nvSpPr>
                 <p:cNvPr id="42" name="TextBox 41"/>
@@ -14651,6 +14651,7 @@
                 </a:bodyPr>
                 <a:lstStyle/>
                 <a:p>
+                  <a:pPr/>
                   <a14:m>
                     <m:oMathPara xmlns:m="http://schemas.openxmlformats.org/officeDocument/2006/math">
                       <m:oMathParaPr>
@@ -14709,7 +14710,7 @@
               </p:txBody>
             </p:sp>
           </mc:Choice>
-          <mc:Fallback>
+          <mc:Fallback xmlns="">
             <p:sp>
               <p:nvSpPr>
                 <p:cNvPr id="42" name="TextBox 41"/>
@@ -14748,8 +14749,8 @@
             </p:sp>
           </mc:Fallback>
         </mc:AlternateContent>
-        <mc:AlternateContent xmlns:mc="http://schemas.openxmlformats.org/markup-compatibility/2006">
-          <mc:Choice xmlns:a14="http://schemas.microsoft.com/office/drawing/2010/main" Requires="a14">
+        <mc:AlternateContent xmlns:mc="http://schemas.openxmlformats.org/markup-compatibility/2006" xmlns:a14="http://schemas.microsoft.com/office/drawing/2010/main">
+          <mc:Choice Requires="a14">
             <p:sp>
               <p:nvSpPr>
                 <p:cNvPr id="117" name="TextBox 116"/>
@@ -14772,6 +14773,7 @@
                 </a:bodyPr>
                 <a:lstStyle/>
                 <a:p>
+                  <a:pPr/>
                   <a14:m>
                     <m:oMathPara xmlns:m="http://schemas.openxmlformats.org/officeDocument/2006/math">
                       <m:oMathParaPr>
@@ -14830,7 +14832,1530 @@
               </p:txBody>
             </p:sp>
           </mc:Choice>
-          <mc:Fallback>
+          <mc:Fallback xmlns="">
+            <p:sp>
+              <p:nvSpPr>
+                <p:cNvPr id="117" name="TextBox 116"/>
+                <p:cNvSpPr txBox="1">
+                  <a:spLocks noRot="1" noChangeAspect="1" noMove="1" noResize="1" noEditPoints="1" noAdjustHandles="1" noChangeArrowheads="1" noChangeShapeType="1" noTextEdit="1"/>
+                </p:cNvSpPr>
+                <p:nvPr/>
+              </p:nvSpPr>
+              <p:spPr>
+                <a:xfrm>
+                  <a:off x="4772713" y="4581315"/>
+                  <a:ext cx="283859" cy="307777"/>
+                </a:xfrm>
+                <a:prstGeom prst="rect">
+                  <a:avLst/>
+                </a:prstGeom>
+                <a:blipFill>
+                  <a:blip r:embed="rId51"/>
+                  <a:stretch>
+                    <a:fillRect l="-21739" t="-36000" r="-67391" b="-20000"/>
+                  </a:stretch>
+                </a:blipFill>
+              </p:spPr>
+              <p:txBody>
+                <a:bodyPr/>
+                <a:lstStyle/>
+                <a:p>
+                  <a:r>
+                    <a:rPr lang="en-US">
+                      <a:noFill/>
+                    </a:rPr>
+                    <a:t> </a:t>
+                  </a:r>
+                </a:p>
+              </p:txBody>
+            </p:sp>
+          </mc:Fallback>
+        </mc:AlternateContent>
+      </p:grpSp>
+      <p:grpSp>
+        <p:nvGrpSpPr>
+          <p:cNvPr id="103" name="Group 102"/>
+          <p:cNvGrpSpPr/>
+          <p:nvPr/>
+        </p:nvGrpSpPr>
+        <p:grpSpPr>
+          <a:xfrm>
+            <a:off x="6685294" y="3444473"/>
+            <a:ext cx="2288525" cy="2157589"/>
+            <a:chOff x="4015695" y="3504021"/>
+            <a:chExt cx="2288525" cy="2157589"/>
+          </a:xfrm>
+        </p:grpSpPr>
+        <p:grpSp>
+          <p:nvGrpSpPr>
+            <p:cNvPr id="104" name="Group 103"/>
+            <p:cNvGrpSpPr/>
+            <p:nvPr/>
+          </p:nvGrpSpPr>
+          <p:grpSpPr>
+            <a:xfrm>
+              <a:off x="4015695" y="3504021"/>
+              <a:ext cx="2288525" cy="2157589"/>
+              <a:chOff x="5383513" y="3341100"/>
+              <a:chExt cx="2288525" cy="2157589"/>
+            </a:xfrm>
+          </p:grpSpPr>
+          <p:grpSp>
+            <p:nvGrpSpPr>
+              <p:cNvPr id="114" name="Group 113"/>
+              <p:cNvGrpSpPr/>
+              <p:nvPr/>
+            </p:nvGrpSpPr>
+            <p:grpSpPr>
+              <a:xfrm>
+                <a:off x="5489253" y="3341100"/>
+                <a:ext cx="2182785" cy="2146316"/>
+                <a:chOff x="1190506" y="680744"/>
+                <a:chExt cx="2182785" cy="2146316"/>
+              </a:xfrm>
+            </p:grpSpPr>
+            <p:cxnSp>
+              <p:nvCxnSpPr>
+                <p:cNvPr id="131" name="Straight Arrow Connector 130"/>
+                <p:cNvCxnSpPr/>
+                <p:nvPr/>
+              </p:nvCxnSpPr>
+              <p:spPr>
+                <a:xfrm flipV="1">
+                  <a:off x="1516583" y="680744"/>
+                  <a:ext cx="7684" cy="1859536"/>
+                </a:xfrm>
+                <a:prstGeom prst="straightConnector1">
+                  <a:avLst/>
+                </a:prstGeom>
+                <a:ln w="38100">
+                  <a:solidFill>
+                    <a:schemeClr val="tx1"/>
+                  </a:solidFill>
+                  <a:tailEnd type="triangle"/>
+                </a:ln>
+              </p:spPr>
+              <p:style>
+                <a:lnRef idx="1">
+                  <a:schemeClr val="accent1"/>
+                </a:lnRef>
+                <a:fillRef idx="0">
+                  <a:schemeClr val="accent1"/>
+                </a:fillRef>
+                <a:effectRef idx="0">
+                  <a:schemeClr val="accent1"/>
+                </a:effectRef>
+                <a:fontRef idx="minor">
+                  <a:schemeClr val="tx1"/>
+                </a:fontRef>
+              </p:style>
+            </p:cxnSp>
+            <p:cxnSp>
+              <p:nvCxnSpPr>
+                <p:cNvPr id="138" name="Straight Arrow Connector 137"/>
+                <p:cNvCxnSpPr/>
+                <p:nvPr/>
+              </p:nvCxnSpPr>
+              <p:spPr>
+                <a:xfrm flipV="1">
+                  <a:off x="1498387" y="2526633"/>
+                  <a:ext cx="1874904" cy="1"/>
+                </a:xfrm>
+                <a:prstGeom prst="straightConnector1">
+                  <a:avLst/>
+                </a:prstGeom>
+                <a:ln w="38100">
+                  <a:solidFill>
+                    <a:schemeClr val="tx1"/>
+                  </a:solidFill>
+                  <a:tailEnd type="triangle"/>
+                </a:ln>
+              </p:spPr>
+              <p:style>
+                <a:lnRef idx="1">
+                  <a:schemeClr val="accent1"/>
+                </a:lnRef>
+                <a:fillRef idx="0">
+                  <a:schemeClr val="accent1"/>
+                </a:fillRef>
+                <a:effectRef idx="0">
+                  <a:schemeClr val="accent1"/>
+                </a:effectRef>
+                <a:fontRef idx="minor">
+                  <a:schemeClr val="tx1"/>
+                </a:fontRef>
+              </p:style>
+            </p:cxnSp>
+            <mc:AlternateContent xmlns:mc="http://schemas.openxmlformats.org/markup-compatibility/2006" xmlns:a14="http://schemas.microsoft.com/office/drawing/2010/main">
+              <mc:Choice Requires="a14">
+                <p:sp>
+                  <p:nvSpPr>
+                    <p:cNvPr id="141" name="Rectangle 140"/>
+                    <p:cNvSpPr/>
+                    <p:nvPr/>
+                  </p:nvSpPr>
+                  <p:spPr>
+                    <a:xfrm>
+                      <a:off x="2897675" y="2457728"/>
+                      <a:ext cx="367985" cy="369332"/>
+                    </a:xfrm>
+                    <a:prstGeom prst="rect">
+                      <a:avLst/>
+                    </a:prstGeom>
+                  </p:spPr>
+                  <p:txBody>
+                    <a:bodyPr wrap="none">
+                      <a:spAutoFit/>
+                    </a:bodyPr>
+                    <a:lstStyle/>
+                    <a:p>
+                      <a:pPr/>
+                      <a14:m>
+                        <m:oMathPara xmlns:m="http://schemas.openxmlformats.org/officeDocument/2006/math">
+                          <m:oMathParaPr>
+                            <m:jc m:val="centerGroup"/>
+                          </m:oMathParaPr>
+                          <m:oMath xmlns:m="http://schemas.openxmlformats.org/officeDocument/2006/math">
+                            <m:r>
+                              <a:rPr lang="en-US" i="1">
+                                <a:latin typeface="Cambria Math" panose="02040503050406030204" pitchFamily="18" charset="0"/>
+                                <a:cs typeface="Arial" panose="020B0604020202020204" pitchFamily="34" charset="0"/>
+                              </a:rPr>
+                              <m:t>𝑥</m:t>
+                            </m:r>
+                          </m:oMath>
+                        </m:oMathPara>
+                      </a14:m>
+                      <a:endParaRPr lang="en-CA" dirty="0"/>
+                    </a:p>
+                  </p:txBody>
+                </p:sp>
+              </mc:Choice>
+              <mc:Fallback xmlns="">
+                <p:sp>
+                  <p:nvSpPr>
+                    <p:cNvPr id="12" name="Rectangle 11"/>
+                    <p:cNvSpPr>
+                      <a:spLocks noRot="1" noChangeAspect="1" noMove="1" noResize="1" noEditPoints="1" noAdjustHandles="1" noChangeArrowheads="1" noChangeShapeType="1" noTextEdit="1"/>
+                    </p:cNvSpPr>
+                    <p:nvPr/>
+                  </p:nvSpPr>
+                  <p:spPr>
+                    <a:xfrm>
+                      <a:off x="2897675" y="2457728"/>
+                      <a:ext cx="367985" cy="369332"/>
+                    </a:xfrm>
+                    <a:prstGeom prst="rect">
+                      <a:avLst/>
+                    </a:prstGeom>
+                    <a:blipFill rotWithShape="0">
+                      <a:blip r:embed="rId2"/>
+                      <a:stretch>
+                        <a:fillRect/>
+                      </a:stretch>
+                    </a:blipFill>
+                  </p:spPr>
+                  <p:txBody>
+                    <a:bodyPr/>
+                    <a:lstStyle/>
+                    <a:p>
+                      <a:r>
+                        <a:rPr lang="en-CA">
+                          <a:noFill/>
+                        </a:rPr>
+                        <a:t> </a:t>
+                      </a:r>
+                    </a:p>
+                  </p:txBody>
+                </p:sp>
+              </mc:Fallback>
+            </mc:AlternateContent>
+            <mc:AlternateContent xmlns:mc="http://schemas.openxmlformats.org/markup-compatibility/2006" xmlns:a14="http://schemas.microsoft.com/office/drawing/2010/main">
+              <mc:Choice Requires="a14">
+                <p:sp>
+                  <p:nvSpPr>
+                    <p:cNvPr id="143" name="Rectangle 142"/>
+                    <p:cNvSpPr/>
+                    <p:nvPr/>
+                  </p:nvSpPr>
+                  <p:spPr>
+                    <a:xfrm>
+                      <a:off x="1190506" y="790545"/>
+                      <a:ext cx="371384" cy="369332"/>
+                    </a:xfrm>
+                    <a:prstGeom prst="rect">
+                      <a:avLst/>
+                    </a:prstGeom>
+                  </p:spPr>
+                  <p:txBody>
+                    <a:bodyPr wrap="none">
+                      <a:spAutoFit/>
+                    </a:bodyPr>
+                    <a:lstStyle/>
+                    <a:p>
+                      <a:pPr/>
+                      <a14:m>
+                        <m:oMathPara xmlns:m="http://schemas.openxmlformats.org/officeDocument/2006/math">
+                          <m:oMathParaPr>
+                            <m:jc m:val="centerGroup"/>
+                          </m:oMathParaPr>
+                          <m:oMath xmlns:m="http://schemas.openxmlformats.org/officeDocument/2006/math">
+                            <m:r>
+                              <a:rPr lang="en-US" b="0" i="1" smtClean="0">
+                                <a:latin typeface="Cambria Math" panose="02040503050406030204" pitchFamily="18" charset="0"/>
+                              </a:rPr>
+                              <m:t>𝑦</m:t>
+                            </m:r>
+                          </m:oMath>
+                        </m:oMathPara>
+                      </a14:m>
+                      <a:endParaRPr lang="en-CA" dirty="0"/>
+                    </a:p>
+                  </p:txBody>
+                </p:sp>
+              </mc:Choice>
+              <mc:Fallback xmlns="">
+                <p:sp>
+                  <p:nvSpPr>
+                    <p:cNvPr id="13" name="Rectangle 12"/>
+                    <p:cNvSpPr>
+                      <a:spLocks noRot="1" noChangeAspect="1" noMove="1" noResize="1" noEditPoints="1" noAdjustHandles="1" noChangeArrowheads="1" noChangeShapeType="1" noTextEdit="1"/>
+                    </p:cNvSpPr>
+                    <p:nvPr/>
+                  </p:nvSpPr>
+                  <p:spPr>
+                    <a:xfrm>
+                      <a:off x="1190506" y="790545"/>
+                      <a:ext cx="371384" cy="369332"/>
+                    </a:xfrm>
+                    <a:prstGeom prst="rect">
+                      <a:avLst/>
+                    </a:prstGeom>
+                    <a:blipFill rotWithShape="0">
+                      <a:blip r:embed="rId3"/>
+                      <a:stretch>
+                        <a:fillRect b="-6557"/>
+                      </a:stretch>
+                    </a:blipFill>
+                  </p:spPr>
+                  <p:txBody>
+                    <a:bodyPr/>
+                    <a:lstStyle/>
+                    <a:p>
+                      <a:r>
+                        <a:rPr lang="en-CA">
+                          <a:noFill/>
+                        </a:rPr>
+                        <a:t> </a:t>
+                      </a:r>
+                    </a:p>
+                  </p:txBody>
+                </p:sp>
+              </mc:Fallback>
+            </mc:AlternateContent>
+            <mc:AlternateContent xmlns:mc="http://schemas.openxmlformats.org/markup-compatibility/2006" xmlns:a14="http://schemas.microsoft.com/office/drawing/2010/main">
+              <mc:Choice Requires="a14">
+                <p:sp>
+                  <p:nvSpPr>
+                    <p:cNvPr id="144" name="Rectangle 143"/>
+                    <p:cNvSpPr/>
+                    <p:nvPr/>
+                  </p:nvSpPr>
+                  <p:spPr>
+                    <a:xfrm>
+                      <a:off x="1205483" y="2447020"/>
+                      <a:ext cx="367985" cy="369332"/>
+                    </a:xfrm>
+                    <a:prstGeom prst="rect">
+                      <a:avLst/>
+                    </a:prstGeom>
+                  </p:spPr>
+                  <p:txBody>
+                    <a:bodyPr wrap="none">
+                      <a:spAutoFit/>
+                    </a:bodyPr>
+                    <a:lstStyle/>
+                    <a:p>
+                      <a:pPr/>
+                      <a14:m>
+                        <m:oMathPara xmlns:m="http://schemas.openxmlformats.org/officeDocument/2006/math">
+                          <m:oMathParaPr>
+                            <m:jc m:val="centerGroup"/>
+                          </m:oMathParaPr>
+                          <m:oMath xmlns:m="http://schemas.openxmlformats.org/officeDocument/2006/math">
+                            <m:r>
+                              <a:rPr lang="en-US" b="0" i="1" smtClean="0">
+                                <a:latin typeface="Cambria Math" panose="02040503050406030204" pitchFamily="18" charset="0"/>
+                                <a:cs typeface="Arial" panose="020B0604020202020204" pitchFamily="34" charset="0"/>
+                              </a:rPr>
+                              <m:t>0</m:t>
+                            </m:r>
+                          </m:oMath>
+                        </m:oMathPara>
+                      </a14:m>
+                      <a:endParaRPr lang="en-CA" dirty="0"/>
+                    </a:p>
+                  </p:txBody>
+                </p:sp>
+              </mc:Choice>
+              <mc:Fallback xmlns="">
+                <p:sp>
+                  <p:nvSpPr>
+                    <p:cNvPr id="14" name="Rectangle 13"/>
+                    <p:cNvSpPr>
+                      <a:spLocks noRot="1" noChangeAspect="1" noMove="1" noResize="1" noEditPoints="1" noAdjustHandles="1" noChangeArrowheads="1" noChangeShapeType="1" noTextEdit="1"/>
+                    </p:cNvSpPr>
+                    <p:nvPr/>
+                  </p:nvSpPr>
+                  <p:spPr>
+                    <a:xfrm>
+                      <a:off x="1205483" y="2447020"/>
+                      <a:ext cx="367985" cy="369332"/>
+                    </a:xfrm>
+                    <a:prstGeom prst="rect">
+                      <a:avLst/>
+                    </a:prstGeom>
+                    <a:blipFill rotWithShape="0">
+                      <a:blip r:embed="rId4"/>
+                      <a:stretch>
+                        <a:fillRect/>
+                      </a:stretch>
+                    </a:blipFill>
+                  </p:spPr>
+                  <p:txBody>
+                    <a:bodyPr/>
+                    <a:lstStyle/>
+                    <a:p>
+                      <a:r>
+                        <a:rPr lang="en-CA">
+                          <a:noFill/>
+                        </a:rPr>
+                        <a:t> </a:t>
+                      </a:r>
+                    </a:p>
+                  </p:txBody>
+                </p:sp>
+              </mc:Fallback>
+            </mc:AlternateContent>
+          </p:grpSp>
+          <mc:AlternateContent xmlns:mc="http://schemas.openxmlformats.org/markup-compatibility/2006" xmlns:a14="http://schemas.microsoft.com/office/drawing/2010/main">
+            <mc:Choice Requires="a14">
+              <p:sp>
+                <p:nvSpPr>
+                  <p:cNvPr id="115" name="Rectangle 114"/>
+                  <p:cNvSpPr/>
+                  <p:nvPr/>
+                </p:nvSpPr>
+                <p:spPr>
+                  <a:xfrm>
+                    <a:off x="5383513" y="3938063"/>
+                    <a:ext cx="462434" cy="369332"/>
+                  </a:xfrm>
+                  <a:prstGeom prst="rect">
+                    <a:avLst/>
+                  </a:prstGeom>
+                </p:spPr>
+                <p:txBody>
+                  <a:bodyPr wrap="none">
+                    <a:spAutoFit/>
+                  </a:bodyPr>
+                  <a:lstStyle/>
+                  <a:p>
+                    <a:pPr/>
+                    <a14:m>
+                      <m:oMathPara xmlns:m="http://schemas.openxmlformats.org/officeDocument/2006/math">
+                        <m:oMathParaPr>
+                          <m:jc m:val="centerGroup"/>
+                        </m:oMathParaPr>
+                        <m:oMath xmlns:m="http://schemas.openxmlformats.org/officeDocument/2006/math">
+                          <m:sSub>
+                            <m:sSubPr>
+                              <m:ctrlPr>
+                                <a:rPr lang="en-US" i="1" smtClean="0">
+                                  <a:latin typeface="Cambria Math" panose="02040503050406030204" pitchFamily="18" charset="0"/>
+                                  <a:cs typeface="Arial" panose="020B0604020202020204" pitchFamily="34" charset="0"/>
+                                </a:rPr>
+                              </m:ctrlPr>
+                            </m:sSubPr>
+                            <m:e>
+                              <m:r>
+                                <a:rPr lang="en-US" i="1">
+                                  <a:latin typeface="Cambria Math" panose="02040503050406030204" pitchFamily="18" charset="0"/>
+                                  <a:cs typeface="Arial" panose="020B0604020202020204" pitchFamily="34" charset="0"/>
+                                </a:rPr>
+                                <m:t>𝑦</m:t>
+                              </m:r>
+                            </m:e>
+                            <m:sub>
+                              <m:r>
+                                <a:rPr lang="en-US" b="0" i="1" smtClean="0">
+                                  <a:latin typeface="Cambria Math" panose="02040503050406030204" pitchFamily="18" charset="0"/>
+                                  <a:cs typeface="Arial" panose="020B0604020202020204" pitchFamily="34" charset="0"/>
+                                </a:rPr>
+                                <m:t>1</m:t>
+                              </m:r>
+                            </m:sub>
+                          </m:sSub>
+                        </m:oMath>
+                      </m:oMathPara>
+                    </a14:m>
+                    <a:endParaRPr lang="en-CA" dirty="0"/>
+                  </a:p>
+                </p:txBody>
+              </p:sp>
+            </mc:Choice>
+            <mc:Fallback xmlns="">
+              <p:sp>
+                <p:nvSpPr>
+                  <p:cNvPr id="92" name="Rectangle 91"/>
+                  <p:cNvSpPr>
+                    <a:spLocks noRot="1" noChangeAspect="1" noMove="1" noResize="1" noEditPoints="1" noAdjustHandles="1" noChangeArrowheads="1" noChangeShapeType="1" noTextEdit="1"/>
+                  </p:cNvSpPr>
+                  <p:nvPr/>
+                </p:nvSpPr>
+                <p:spPr>
+                  <a:xfrm>
+                    <a:off x="5383513" y="3938063"/>
+                    <a:ext cx="462434" cy="369332"/>
+                  </a:xfrm>
+                  <a:prstGeom prst="rect">
+                    <a:avLst/>
+                  </a:prstGeom>
+                  <a:blipFill>
+                    <a:blip r:embed="rId44"/>
+                    <a:stretch>
+                      <a:fillRect b="-6667"/>
+                    </a:stretch>
+                  </a:blipFill>
+                </p:spPr>
+                <p:txBody>
+                  <a:bodyPr/>
+                  <a:lstStyle/>
+                  <a:p>
+                    <a:r>
+                      <a:rPr lang="en-US">
+                        <a:noFill/>
+                      </a:rPr>
+                      <a:t> </a:t>
+                    </a:r>
+                  </a:p>
+                </p:txBody>
+              </p:sp>
+            </mc:Fallback>
+          </mc:AlternateContent>
+          <mc:AlternateContent xmlns:mc="http://schemas.openxmlformats.org/markup-compatibility/2006" xmlns:a14="http://schemas.microsoft.com/office/drawing/2010/main">
+            <mc:Choice Requires="a14">
+              <p:sp>
+                <p:nvSpPr>
+                  <p:cNvPr id="116" name="Rectangle 115"/>
+                  <p:cNvSpPr/>
+                  <p:nvPr/>
+                </p:nvSpPr>
+                <p:spPr>
+                  <a:xfrm>
+                    <a:off x="5389303" y="4424608"/>
+                    <a:ext cx="467756" cy="369332"/>
+                  </a:xfrm>
+                  <a:prstGeom prst="rect">
+                    <a:avLst/>
+                  </a:prstGeom>
+                </p:spPr>
+                <p:txBody>
+                  <a:bodyPr wrap="none">
+                    <a:spAutoFit/>
+                  </a:bodyPr>
+                  <a:lstStyle/>
+                  <a:p>
+                    <a:pPr/>
+                    <a14:m>
+                      <m:oMathPara xmlns:m="http://schemas.openxmlformats.org/officeDocument/2006/math">
+                        <m:oMathParaPr>
+                          <m:jc m:val="centerGroup"/>
+                        </m:oMathParaPr>
+                        <m:oMath xmlns:m="http://schemas.openxmlformats.org/officeDocument/2006/math">
+                          <m:sSub>
+                            <m:sSubPr>
+                              <m:ctrlPr>
+                                <a:rPr lang="en-US" i="1" smtClean="0">
+                                  <a:latin typeface="Cambria Math" panose="02040503050406030204" pitchFamily="18" charset="0"/>
+                                  <a:cs typeface="Arial" panose="020B0604020202020204" pitchFamily="34" charset="0"/>
+                                </a:rPr>
+                              </m:ctrlPr>
+                            </m:sSubPr>
+                            <m:e>
+                              <m:r>
+                                <a:rPr lang="en-US" i="1">
+                                  <a:latin typeface="Cambria Math" panose="02040503050406030204" pitchFamily="18" charset="0"/>
+                                  <a:cs typeface="Arial" panose="020B0604020202020204" pitchFamily="34" charset="0"/>
+                                </a:rPr>
+                                <m:t>𝑦</m:t>
+                              </m:r>
+                            </m:e>
+                            <m:sub>
+                              <m:r>
+                                <a:rPr lang="en-US" b="0" i="1" smtClean="0">
+                                  <a:latin typeface="Cambria Math" panose="02040503050406030204" pitchFamily="18" charset="0"/>
+                                  <a:cs typeface="Arial" panose="020B0604020202020204" pitchFamily="34" charset="0"/>
+                                </a:rPr>
+                                <m:t>2</m:t>
+                              </m:r>
+                            </m:sub>
+                          </m:sSub>
+                        </m:oMath>
+                      </m:oMathPara>
+                    </a14:m>
+                    <a:endParaRPr lang="en-CA" dirty="0"/>
+                  </a:p>
+                </p:txBody>
+              </p:sp>
+            </mc:Choice>
+            <mc:Fallback xmlns="">
+              <p:sp>
+                <p:nvSpPr>
+                  <p:cNvPr id="93" name="Rectangle 92"/>
+                  <p:cNvSpPr>
+                    <a:spLocks noRot="1" noChangeAspect="1" noMove="1" noResize="1" noEditPoints="1" noAdjustHandles="1" noChangeArrowheads="1" noChangeShapeType="1" noTextEdit="1"/>
+                  </p:cNvSpPr>
+                  <p:nvPr/>
+                </p:nvSpPr>
+                <p:spPr>
+                  <a:xfrm>
+                    <a:off x="5389303" y="4424608"/>
+                    <a:ext cx="467756" cy="369332"/>
+                  </a:xfrm>
+                  <a:prstGeom prst="rect">
+                    <a:avLst/>
+                  </a:prstGeom>
+                  <a:blipFill>
+                    <a:blip r:embed="rId45"/>
+                    <a:stretch>
+                      <a:fillRect b="-6667"/>
+                    </a:stretch>
+                  </a:blipFill>
+                </p:spPr>
+                <p:txBody>
+                  <a:bodyPr/>
+                  <a:lstStyle/>
+                  <a:p>
+                    <a:r>
+                      <a:rPr lang="en-US">
+                        <a:noFill/>
+                      </a:rPr>
+                      <a:t> </a:t>
+                    </a:r>
+                  </a:p>
+                </p:txBody>
+              </p:sp>
+            </mc:Fallback>
+          </mc:AlternateContent>
+          <mc:AlternateContent xmlns:mc="http://schemas.openxmlformats.org/markup-compatibility/2006" xmlns:a14="http://schemas.microsoft.com/office/drawing/2010/main">
+            <mc:Choice Requires="a14">
+              <p:sp>
+                <p:nvSpPr>
+                  <p:cNvPr id="118" name="Rectangle 117"/>
+                  <p:cNvSpPr/>
+                  <p:nvPr/>
+                </p:nvSpPr>
+                <p:spPr>
+                  <a:xfrm>
+                    <a:off x="6763352" y="5129357"/>
+                    <a:ext cx="466090" cy="369332"/>
+                  </a:xfrm>
+                  <a:prstGeom prst="rect">
+                    <a:avLst/>
+                  </a:prstGeom>
+                </p:spPr>
+                <p:txBody>
+                  <a:bodyPr wrap="none">
+                    <a:spAutoFit/>
+                  </a:bodyPr>
+                  <a:lstStyle/>
+                  <a:p>
+                    <a:pPr/>
+                    <a14:m>
+                      <m:oMathPara xmlns:m="http://schemas.openxmlformats.org/officeDocument/2006/math">
+                        <m:oMathParaPr>
+                          <m:jc m:val="centerGroup"/>
+                        </m:oMathParaPr>
+                        <m:oMath xmlns:m="http://schemas.openxmlformats.org/officeDocument/2006/math">
+                          <m:sSub>
+                            <m:sSubPr>
+                              <m:ctrlPr>
+                                <a:rPr lang="en-US" i="1" smtClean="0">
+                                  <a:latin typeface="Cambria Math" panose="02040503050406030204" pitchFamily="18" charset="0"/>
+                                  <a:cs typeface="Arial" panose="020B0604020202020204" pitchFamily="34" charset="0"/>
+                                </a:rPr>
+                              </m:ctrlPr>
+                            </m:sSubPr>
+                            <m:e>
+                              <m:r>
+                                <a:rPr lang="en-US" b="0" i="1" smtClean="0">
+                                  <a:latin typeface="Cambria Math" panose="02040503050406030204" pitchFamily="18" charset="0"/>
+                                  <a:cs typeface="Arial" panose="020B0604020202020204" pitchFamily="34" charset="0"/>
+                                </a:rPr>
+                                <m:t>𝑥</m:t>
+                              </m:r>
+                            </m:e>
+                            <m:sub>
+                              <m:r>
+                                <a:rPr lang="en-US" b="0" i="1" smtClean="0">
+                                  <a:latin typeface="Cambria Math" panose="02040503050406030204" pitchFamily="18" charset="0"/>
+                                  <a:cs typeface="Arial" panose="020B0604020202020204" pitchFamily="34" charset="0"/>
+                                </a:rPr>
+                                <m:t>2</m:t>
+                              </m:r>
+                            </m:sub>
+                          </m:sSub>
+                        </m:oMath>
+                      </m:oMathPara>
+                    </a14:m>
+                    <a:endParaRPr lang="en-CA" dirty="0"/>
+                  </a:p>
+                </p:txBody>
+              </p:sp>
+            </mc:Choice>
+            <mc:Fallback xmlns="">
+              <p:sp>
+                <p:nvSpPr>
+                  <p:cNvPr id="95" name="Rectangle 94"/>
+                  <p:cNvSpPr>
+                    <a:spLocks noRot="1" noChangeAspect="1" noMove="1" noResize="1" noEditPoints="1" noAdjustHandles="1" noChangeArrowheads="1" noChangeShapeType="1" noTextEdit="1"/>
+                  </p:cNvSpPr>
+                  <p:nvPr/>
+                </p:nvSpPr>
+                <p:spPr>
+                  <a:xfrm>
+                    <a:off x="6763352" y="5129357"/>
+                    <a:ext cx="466090" cy="369332"/>
+                  </a:xfrm>
+                  <a:prstGeom prst="rect">
+                    <a:avLst/>
+                  </a:prstGeom>
+                  <a:blipFill rotWithShape="0">
+                    <a:blip r:embed="rId19"/>
+                    <a:stretch>
+                      <a:fillRect/>
+                    </a:stretch>
+                  </a:blipFill>
+                </p:spPr>
+                <p:txBody>
+                  <a:bodyPr/>
+                  <a:lstStyle/>
+                  <a:p>
+                    <a:r>
+                      <a:rPr lang="en-CA">
+                        <a:noFill/>
+                      </a:rPr>
+                      <a:t> </a:t>
+                    </a:r>
+                  </a:p>
+                </p:txBody>
+              </p:sp>
+            </mc:Fallback>
+          </mc:AlternateContent>
+          <mc:AlternateContent xmlns:mc="http://schemas.openxmlformats.org/markup-compatibility/2006" xmlns:a14="http://schemas.microsoft.com/office/drawing/2010/main">
+            <mc:Choice Requires="a14">
+              <p:sp>
+                <p:nvSpPr>
+                  <p:cNvPr id="119" name="Rectangle 118"/>
+                  <p:cNvSpPr/>
+                  <p:nvPr/>
+                </p:nvSpPr>
+                <p:spPr>
+                  <a:xfrm>
+                    <a:off x="6057870" y="5122995"/>
+                    <a:ext cx="466090" cy="369332"/>
+                  </a:xfrm>
+                  <a:prstGeom prst="rect">
+                    <a:avLst/>
+                  </a:prstGeom>
+                </p:spPr>
+                <p:txBody>
+                  <a:bodyPr wrap="none">
+                    <a:spAutoFit/>
+                  </a:bodyPr>
+                  <a:lstStyle/>
+                  <a:p>
+                    <a:pPr/>
+                    <a14:m>
+                      <m:oMathPara xmlns:m="http://schemas.openxmlformats.org/officeDocument/2006/math">
+                        <m:oMathParaPr>
+                          <m:jc m:val="centerGroup"/>
+                        </m:oMathParaPr>
+                        <m:oMath xmlns:m="http://schemas.openxmlformats.org/officeDocument/2006/math">
+                          <m:sSub>
+                            <m:sSubPr>
+                              <m:ctrlPr>
+                                <a:rPr lang="en-US" i="1" smtClean="0">
+                                  <a:latin typeface="Cambria Math" panose="02040503050406030204" pitchFamily="18" charset="0"/>
+                                  <a:cs typeface="Arial" panose="020B0604020202020204" pitchFamily="34" charset="0"/>
+                                </a:rPr>
+                              </m:ctrlPr>
+                            </m:sSubPr>
+                            <m:e>
+                              <m:r>
+                                <a:rPr lang="en-US" b="0" i="1" smtClean="0">
+                                  <a:latin typeface="Cambria Math" panose="02040503050406030204" pitchFamily="18" charset="0"/>
+                                  <a:cs typeface="Arial" panose="020B0604020202020204" pitchFamily="34" charset="0"/>
+                                </a:rPr>
+                                <m:t>𝑥</m:t>
+                              </m:r>
+                            </m:e>
+                            <m:sub>
+                              <m:r>
+                                <a:rPr lang="en-US" b="0" i="1" smtClean="0">
+                                  <a:latin typeface="Cambria Math" panose="02040503050406030204" pitchFamily="18" charset="0"/>
+                                  <a:cs typeface="Arial" panose="020B0604020202020204" pitchFamily="34" charset="0"/>
+                                </a:rPr>
+                                <m:t>1</m:t>
+                              </m:r>
+                            </m:sub>
+                          </m:sSub>
+                        </m:oMath>
+                      </m:oMathPara>
+                    </a14:m>
+                    <a:endParaRPr lang="en-CA" dirty="0"/>
+                  </a:p>
+                </p:txBody>
+              </p:sp>
+            </mc:Choice>
+            <mc:Fallback xmlns="">
+              <p:sp>
+                <p:nvSpPr>
+                  <p:cNvPr id="96" name="Rectangle 95"/>
+                  <p:cNvSpPr>
+                    <a:spLocks noRot="1" noChangeAspect="1" noMove="1" noResize="1" noEditPoints="1" noAdjustHandles="1" noChangeArrowheads="1" noChangeShapeType="1" noTextEdit="1"/>
+                  </p:cNvSpPr>
+                  <p:nvPr/>
+                </p:nvSpPr>
+                <p:spPr>
+                  <a:xfrm>
+                    <a:off x="6057870" y="5122995"/>
+                    <a:ext cx="466090" cy="369332"/>
+                  </a:xfrm>
+                  <a:prstGeom prst="rect">
+                    <a:avLst/>
+                  </a:prstGeom>
+                  <a:blipFill>
+                    <a:blip r:embed="rId46"/>
+                    <a:stretch>
+                      <a:fillRect/>
+                    </a:stretch>
+                  </a:blipFill>
+                </p:spPr>
+                <p:txBody>
+                  <a:bodyPr/>
+                  <a:lstStyle/>
+                  <a:p>
+                    <a:r>
+                      <a:rPr lang="en-US">
+                        <a:noFill/>
+                      </a:rPr>
+                      <a:t> </a:t>
+                    </a:r>
+                  </a:p>
+                </p:txBody>
+              </p:sp>
+            </mc:Fallback>
+          </mc:AlternateContent>
+          <p:cxnSp>
+            <p:nvCxnSpPr>
+              <p:cNvPr id="120" name="Straight Connector 119"/>
+              <p:cNvCxnSpPr/>
+              <p:nvPr/>
+            </p:nvCxnSpPr>
+            <p:spPr>
+              <a:xfrm>
+                <a:off x="6331463" y="4120802"/>
+                <a:ext cx="750595" cy="9736"/>
+              </a:xfrm>
+              <a:prstGeom prst="line">
+                <a:avLst/>
+              </a:prstGeom>
+              <a:ln w="19050">
+                <a:solidFill>
+                  <a:schemeClr val="tx1"/>
+                </a:solidFill>
+                <a:prstDash val="sysDot"/>
+              </a:ln>
+            </p:spPr>
+            <p:style>
+              <a:lnRef idx="1">
+                <a:schemeClr val="accent1"/>
+              </a:lnRef>
+              <a:fillRef idx="0">
+                <a:schemeClr val="accent1"/>
+              </a:fillRef>
+              <a:effectRef idx="0">
+                <a:schemeClr val="accent1"/>
+              </a:effectRef>
+              <a:fontRef idx="minor">
+                <a:schemeClr val="tx1"/>
+              </a:fontRef>
+            </p:style>
+          </p:cxnSp>
+          <p:cxnSp>
+            <p:nvCxnSpPr>
+              <p:cNvPr id="123" name="Straight Connector 122"/>
+              <p:cNvCxnSpPr/>
+              <p:nvPr/>
+            </p:nvCxnSpPr>
+            <p:spPr>
+              <a:xfrm>
+                <a:off x="7081425" y="4130538"/>
+                <a:ext cx="2458" cy="563781"/>
+              </a:xfrm>
+              <a:prstGeom prst="line">
+                <a:avLst/>
+              </a:prstGeom>
+              <a:ln w="19050">
+                <a:solidFill>
+                  <a:schemeClr val="tx1"/>
+                </a:solidFill>
+                <a:prstDash val="sysDot"/>
+              </a:ln>
+            </p:spPr>
+            <p:style>
+              <a:lnRef idx="1">
+                <a:schemeClr val="accent1"/>
+              </a:lnRef>
+              <a:fillRef idx="0">
+                <a:schemeClr val="accent1"/>
+              </a:fillRef>
+              <a:effectRef idx="0">
+                <a:schemeClr val="accent1"/>
+              </a:effectRef>
+              <a:fontRef idx="minor">
+                <a:schemeClr val="tx1"/>
+              </a:fontRef>
+            </p:style>
+          </p:cxnSp>
+          <mc:AlternateContent xmlns:mc="http://schemas.openxmlformats.org/markup-compatibility/2006" xmlns:a14="http://schemas.microsoft.com/office/drawing/2010/main">
+            <mc:Choice Requires="a14">
+              <p:sp>
+                <p:nvSpPr>
+                  <p:cNvPr id="126" name="Rectangle 125"/>
+                  <p:cNvSpPr/>
+                  <p:nvPr/>
+                </p:nvSpPr>
+                <p:spPr>
+                  <a:xfrm>
+                    <a:off x="6560254" y="3730815"/>
+                    <a:ext cx="505843" cy="369332"/>
+                  </a:xfrm>
+                  <a:prstGeom prst="rect">
+                    <a:avLst/>
+                  </a:prstGeom>
+                </p:spPr>
+                <p:txBody>
+                  <a:bodyPr wrap="none">
+                    <a:spAutoFit/>
+                  </a:bodyPr>
+                  <a:lstStyle/>
+                  <a:p>
+                    <a:pPr/>
+                    <a14:m>
+                      <m:oMathPara xmlns:m="http://schemas.openxmlformats.org/officeDocument/2006/math">
+                        <m:oMathParaPr>
+                          <m:jc m:val="centerGroup"/>
+                        </m:oMathParaPr>
+                        <m:oMath xmlns:m="http://schemas.openxmlformats.org/officeDocument/2006/math">
+                          <m:r>
+                            <m:rPr>
+                              <m:sty m:val="p"/>
+                            </m:rPr>
+                            <a:rPr lang="en-US" b="0" i="0" smtClean="0">
+                              <a:latin typeface="Cambria Math" panose="02040503050406030204" pitchFamily="18" charset="0"/>
+                              <a:cs typeface="Arial" panose="020B0604020202020204" pitchFamily="34" charset="0"/>
+                            </a:rPr>
+                            <m:t>Δ</m:t>
+                          </m:r>
+                          <m:r>
+                            <a:rPr lang="en-US" i="1">
+                              <a:latin typeface="Cambria Math" panose="02040503050406030204" pitchFamily="18" charset="0"/>
+                              <a:cs typeface="Arial" panose="020B0604020202020204" pitchFamily="34" charset="0"/>
+                            </a:rPr>
+                            <m:t>𝑥</m:t>
+                          </m:r>
+                        </m:oMath>
+                      </m:oMathPara>
+                    </a14:m>
+                    <a:endParaRPr lang="en-CA" dirty="0"/>
+                  </a:p>
+                </p:txBody>
+              </p:sp>
+            </mc:Choice>
+            <mc:Fallback xmlns="">
+              <p:sp>
+                <p:nvSpPr>
+                  <p:cNvPr id="109" name="Rectangle 108"/>
+                  <p:cNvSpPr>
+                    <a:spLocks noRot="1" noChangeAspect="1" noMove="1" noResize="1" noEditPoints="1" noAdjustHandles="1" noChangeArrowheads="1" noChangeShapeType="1" noTextEdit="1"/>
+                  </p:cNvSpPr>
+                  <p:nvPr/>
+                </p:nvSpPr>
+                <p:spPr>
+                  <a:xfrm>
+                    <a:off x="6560254" y="3730815"/>
+                    <a:ext cx="505843" cy="369332"/>
+                  </a:xfrm>
+                  <a:prstGeom prst="rect">
+                    <a:avLst/>
+                  </a:prstGeom>
+                  <a:blipFill>
+                    <a:blip r:embed="rId47"/>
+                    <a:stretch>
+                      <a:fillRect/>
+                    </a:stretch>
+                  </a:blipFill>
+                </p:spPr>
+                <p:txBody>
+                  <a:bodyPr/>
+                  <a:lstStyle/>
+                  <a:p>
+                    <a:r>
+                      <a:rPr lang="en-US">
+                        <a:noFill/>
+                      </a:rPr>
+                      <a:t> </a:t>
+                    </a:r>
+                  </a:p>
+                </p:txBody>
+              </p:sp>
+            </mc:Fallback>
+          </mc:AlternateContent>
+          <mc:AlternateContent xmlns:mc="http://schemas.openxmlformats.org/markup-compatibility/2006" xmlns:a14="http://schemas.microsoft.com/office/drawing/2010/main">
+            <mc:Choice Requires="a14">
+              <p:sp>
+                <p:nvSpPr>
+                  <p:cNvPr id="127" name="Rectangle 126"/>
+                  <p:cNvSpPr/>
+                  <p:nvPr/>
+                </p:nvSpPr>
+                <p:spPr>
+                  <a:xfrm>
+                    <a:off x="7005269" y="4175681"/>
+                    <a:ext cx="492443" cy="369332"/>
+                  </a:xfrm>
+                  <a:prstGeom prst="rect">
+                    <a:avLst/>
+                  </a:prstGeom>
+                </p:spPr>
+                <p:txBody>
+                  <a:bodyPr wrap="none">
+                    <a:spAutoFit/>
+                  </a:bodyPr>
+                  <a:lstStyle/>
+                  <a:p>
+                    <a:pPr/>
+                    <a14:m>
+                      <m:oMathPara xmlns:m="http://schemas.openxmlformats.org/officeDocument/2006/math">
+                        <m:oMathParaPr>
+                          <m:jc m:val="centerGroup"/>
+                        </m:oMathParaPr>
+                        <m:oMath xmlns:m="http://schemas.openxmlformats.org/officeDocument/2006/math">
+                          <m:r>
+                            <m:rPr>
+                              <m:sty m:val="p"/>
+                            </m:rPr>
+                            <a:rPr lang="en-US" smtClean="0">
+                              <a:latin typeface="Cambria Math" panose="02040503050406030204" pitchFamily="18" charset="0"/>
+                              <a:cs typeface="Arial" panose="020B0604020202020204" pitchFamily="34" charset="0"/>
+                            </a:rPr>
+                            <m:t>Δ</m:t>
+                          </m:r>
+                          <m:r>
+                            <m:rPr>
+                              <m:sty m:val="p"/>
+                            </m:rPr>
+                            <a:rPr lang="en-US">
+                              <a:latin typeface="Cambria Math" panose="02040503050406030204" pitchFamily="18" charset="0"/>
+                              <a:cs typeface="Arial" panose="020B0604020202020204" pitchFamily="34" charset="0"/>
+                            </a:rPr>
+                            <m:t>y</m:t>
+                          </m:r>
+                        </m:oMath>
+                      </m:oMathPara>
+                    </a14:m>
+                    <a:endParaRPr lang="en-CA" dirty="0"/>
+                  </a:p>
+                </p:txBody>
+              </p:sp>
+            </mc:Choice>
+            <mc:Fallback xmlns="">
+              <p:sp>
+                <p:nvSpPr>
+                  <p:cNvPr id="110" name="Rectangle 109"/>
+                  <p:cNvSpPr>
+                    <a:spLocks noRot="1" noChangeAspect="1" noMove="1" noResize="1" noEditPoints="1" noAdjustHandles="1" noChangeArrowheads="1" noChangeShapeType="1" noTextEdit="1"/>
+                  </p:cNvSpPr>
+                  <p:nvPr/>
+                </p:nvSpPr>
+                <p:spPr>
+                  <a:xfrm>
+                    <a:off x="7005269" y="4175681"/>
+                    <a:ext cx="492443" cy="369332"/>
+                  </a:xfrm>
+                  <a:prstGeom prst="rect">
+                    <a:avLst/>
+                  </a:prstGeom>
+                  <a:blipFill>
+                    <a:blip r:embed="rId48"/>
+                    <a:stretch>
+                      <a:fillRect b="-6667"/>
+                    </a:stretch>
+                  </a:blipFill>
+                </p:spPr>
+                <p:txBody>
+                  <a:bodyPr/>
+                  <a:lstStyle/>
+                  <a:p>
+                    <a:r>
+                      <a:rPr lang="en-US">
+                        <a:noFill/>
+                      </a:rPr>
+                      <a:t> </a:t>
+                    </a:r>
+                  </a:p>
+                </p:txBody>
+              </p:sp>
+            </mc:Fallback>
+          </mc:AlternateContent>
+          <p:cxnSp>
+            <p:nvCxnSpPr>
+              <p:cNvPr id="129" name="Straight Arrow Connector 128"/>
+              <p:cNvCxnSpPr/>
+              <p:nvPr/>
+            </p:nvCxnSpPr>
+            <p:spPr>
+              <a:xfrm>
+                <a:off x="6313267" y="4136202"/>
+                <a:ext cx="768791" cy="563905"/>
+              </a:xfrm>
+              <a:prstGeom prst="straightConnector1">
+                <a:avLst/>
+              </a:prstGeom>
+              <a:ln w="38100">
+                <a:solidFill>
+                  <a:srgbClr val="FF0000"/>
+                </a:solidFill>
+                <a:tailEnd type="triangle"/>
+              </a:ln>
+            </p:spPr>
+            <p:style>
+              <a:lnRef idx="1">
+                <a:schemeClr val="accent1"/>
+              </a:lnRef>
+              <a:fillRef idx="0">
+                <a:schemeClr val="accent1"/>
+              </a:fillRef>
+              <a:effectRef idx="0">
+                <a:schemeClr val="accent1"/>
+              </a:effectRef>
+              <a:fontRef idx="minor">
+                <a:schemeClr val="tx1"/>
+              </a:fontRef>
+            </p:style>
+          </p:cxnSp>
+          <mc:AlternateContent xmlns:mc="http://schemas.openxmlformats.org/markup-compatibility/2006">
+            <mc:Choice xmlns:a14="http://schemas.microsoft.com/office/drawing/2010/main" Requires="a14">
+              <p:sp>
+                <p:nvSpPr>
+                  <p:cNvPr id="130" name="Rectangle 129"/>
+                  <p:cNvSpPr/>
+                  <p:nvPr/>
+                </p:nvSpPr>
+                <p:spPr>
+                  <a:xfrm>
+                    <a:off x="6624105" y="4121549"/>
+                    <a:ext cx="489493" cy="369332"/>
+                  </a:xfrm>
+                  <a:prstGeom prst="rect">
+                    <a:avLst/>
+                  </a:prstGeom>
+                </p:spPr>
+                <p:txBody>
+                  <a:bodyPr wrap="none">
+                    <a:spAutoFit/>
+                  </a:bodyPr>
+                  <a:lstStyle/>
+                  <a:p>
+                    <a:pPr/>
+                    <a14:m>
+                      <m:oMathPara xmlns:m="http://schemas.openxmlformats.org/officeDocument/2006/math">
+                        <m:oMathParaPr>
+                          <m:jc m:val="centerGroup"/>
+                        </m:oMathParaPr>
+                        <m:oMath xmlns:m="http://schemas.openxmlformats.org/officeDocument/2006/math">
+                          <m:r>
+                            <m:rPr>
+                              <m:sty m:val="p"/>
+                            </m:rPr>
+                            <a:rPr lang="en-US" b="0" i="0" smtClean="0">
+                              <a:solidFill>
+                                <a:srgbClr val="FF0000"/>
+                              </a:solidFill>
+                              <a:latin typeface="Cambria Math" panose="02040503050406030204" pitchFamily="18" charset="0"/>
+                              <a:cs typeface="Arial" panose="020B0604020202020204" pitchFamily="34" charset="0"/>
+                            </a:rPr>
+                            <m:t>Δ</m:t>
+                          </m:r>
+                          <m:acc>
+                            <m:accPr>
+                              <m:chr m:val="⃗"/>
+                              <m:ctrlPr>
+                                <a:rPr lang="en-US" b="0" i="1" smtClean="0">
+                                  <a:solidFill>
+                                    <a:srgbClr val="FF0000"/>
+                                  </a:solidFill>
+                                  <a:latin typeface="Cambria Math" panose="02040503050406030204" pitchFamily="18" charset="0"/>
+                                  <a:cs typeface="Arial" panose="020B0604020202020204" pitchFamily="34" charset="0"/>
+                                </a:rPr>
+                              </m:ctrlPr>
+                            </m:accPr>
+                            <m:e>
+                              <m:r>
+                                <a:rPr lang="en-US" b="0" i="1" smtClean="0">
+                                  <a:solidFill>
+                                    <a:srgbClr val="FF0000"/>
+                                  </a:solidFill>
+                                  <a:latin typeface="Cambria Math" panose="02040503050406030204" pitchFamily="18" charset="0"/>
+                                  <a:cs typeface="Arial" panose="020B0604020202020204" pitchFamily="34" charset="0"/>
+                                </a:rPr>
+                                <m:t>𝑟</m:t>
+                              </m:r>
+                            </m:e>
+                          </m:acc>
+                        </m:oMath>
+                      </m:oMathPara>
+                    </a14:m>
+                    <a:endParaRPr lang="en-CA" dirty="0">
+                      <a:solidFill>
+                        <a:srgbClr val="FF0000"/>
+                      </a:solidFill>
+                    </a:endParaRPr>
+                  </a:p>
+                </p:txBody>
+              </p:sp>
+            </mc:Choice>
+            <mc:Fallback>
+              <p:sp>
+                <p:nvSpPr>
+                  <p:cNvPr id="130" name="Rectangle 129"/>
+                  <p:cNvSpPr>
+                    <a:spLocks noRot="1" noChangeAspect="1" noMove="1" noResize="1" noEditPoints="1" noAdjustHandles="1" noChangeArrowheads="1" noChangeShapeType="1" noTextEdit="1"/>
+                  </p:cNvSpPr>
+                  <p:nvPr/>
+                </p:nvSpPr>
+                <p:spPr>
+                  <a:xfrm>
+                    <a:off x="6624105" y="4121549"/>
+                    <a:ext cx="489493" cy="369332"/>
+                  </a:xfrm>
+                  <a:prstGeom prst="rect">
+                    <a:avLst/>
+                  </a:prstGeom>
+                  <a:blipFill>
+                    <a:blip r:embed="rId52"/>
+                    <a:stretch>
+                      <a:fillRect t="-22951" r="-47500"/>
+                    </a:stretch>
+                  </a:blipFill>
+                </p:spPr>
+                <p:txBody>
+                  <a:bodyPr/>
+                  <a:lstStyle/>
+                  <a:p>
+                    <a:r>
+                      <a:rPr lang="en-US">
+                        <a:noFill/>
+                      </a:rPr>
+                      <a:t> </a:t>
+                    </a:r>
+                  </a:p>
+                </p:txBody>
+              </p:sp>
+            </mc:Fallback>
+          </mc:AlternateContent>
+        </p:grpSp>
+        <p:cxnSp>
+          <p:nvCxnSpPr>
+            <p:cNvPr id="105" name="Straight Arrow Connector 104"/>
+            <p:cNvCxnSpPr/>
+            <p:nvPr/>
+          </p:nvCxnSpPr>
+          <p:spPr>
+            <a:xfrm flipV="1">
+              <a:off x="4447512" y="4277709"/>
+              <a:ext cx="497937" cy="1071216"/>
+            </a:xfrm>
+            <a:prstGeom prst="straightConnector1">
+              <a:avLst/>
+            </a:prstGeom>
+            <a:ln w="38100">
+              <a:solidFill>
+                <a:schemeClr val="tx1"/>
+              </a:solidFill>
+              <a:tailEnd type="triangle"/>
+            </a:ln>
+          </p:spPr>
+          <p:style>
+            <a:lnRef idx="1">
+              <a:schemeClr val="accent1"/>
+            </a:lnRef>
+            <a:fillRef idx="0">
+              <a:schemeClr val="accent1"/>
+            </a:fillRef>
+            <a:effectRef idx="0">
+              <a:schemeClr val="accent1"/>
+            </a:effectRef>
+            <a:fontRef idx="minor">
+              <a:schemeClr val="tx1"/>
+            </a:fontRef>
+          </p:style>
+        </p:cxnSp>
+        <p:cxnSp>
+          <p:nvCxnSpPr>
+            <p:cNvPr id="107" name="Straight Arrow Connector 106"/>
+            <p:cNvCxnSpPr/>
+            <p:nvPr/>
+          </p:nvCxnSpPr>
+          <p:spPr>
+            <a:xfrm flipV="1">
+              <a:off x="4472721" y="4840522"/>
+              <a:ext cx="1248252" cy="509779"/>
+            </a:xfrm>
+            <a:prstGeom prst="straightConnector1">
+              <a:avLst/>
+            </a:prstGeom>
+            <a:ln w="38100">
+              <a:solidFill>
+                <a:schemeClr val="tx1"/>
+              </a:solidFill>
+              <a:tailEnd type="triangle"/>
+            </a:ln>
+          </p:spPr>
+          <p:style>
+            <a:lnRef idx="1">
+              <a:schemeClr val="accent1"/>
+            </a:lnRef>
+            <a:fillRef idx="0">
+              <a:schemeClr val="accent1"/>
+            </a:fillRef>
+            <a:effectRef idx="0">
+              <a:schemeClr val="accent1"/>
+            </a:effectRef>
+            <a:fontRef idx="minor">
+              <a:schemeClr val="tx1"/>
+            </a:fontRef>
+          </p:style>
+        </p:cxnSp>
+        <mc:AlternateContent xmlns:mc="http://schemas.openxmlformats.org/markup-compatibility/2006" xmlns:a14="http://schemas.microsoft.com/office/drawing/2010/main">
+          <mc:Choice Requires="a14">
+            <p:sp>
+              <p:nvSpPr>
+                <p:cNvPr id="111" name="TextBox 110"/>
+                <p:cNvSpPr txBox="1"/>
+                <p:nvPr/>
+              </p:nvSpPr>
+              <p:spPr>
+                <a:xfrm>
+                  <a:off x="5295185" y="5002326"/>
+                  <a:ext cx="283859" cy="307777"/>
+                </a:xfrm>
+                <a:prstGeom prst="rect">
+                  <a:avLst/>
+                </a:prstGeom>
+                <a:noFill/>
+              </p:spPr>
+              <p:txBody>
+                <a:bodyPr wrap="none" lIns="0" tIns="0" rIns="0" bIns="0" rtlCol="0">
+                  <a:spAutoFit/>
+                </a:bodyPr>
+                <a:lstStyle/>
+                <a:p>
+                  <a:pPr/>
+                  <a14:m>
+                    <m:oMathPara xmlns:m="http://schemas.openxmlformats.org/officeDocument/2006/math">
+                      <m:oMathParaPr>
+                        <m:jc m:val="centerGroup"/>
+                      </m:oMathParaPr>
+                      <m:oMath xmlns:m="http://schemas.openxmlformats.org/officeDocument/2006/math">
+                        <m:sSub>
+                          <m:sSubPr>
+                            <m:ctrlPr>
+                              <a:rPr lang="en-US" sz="2000" b="0" i="1" smtClean="0">
+                                <a:latin typeface="Cambria Math" panose="02040503050406030204" pitchFamily="18" charset="0"/>
+                                <a:cs typeface="Arial" panose="020B0604020202020204" pitchFamily="34" charset="0"/>
+                              </a:rPr>
+                            </m:ctrlPr>
+                          </m:sSubPr>
+                          <m:e>
+                            <m:acc>
+                              <m:accPr>
+                                <m:chr m:val="⃗"/>
+                                <m:ctrlPr>
+                                  <a:rPr lang="en-US" sz="2000" b="0" i="1" smtClean="0">
+                                    <a:latin typeface="Cambria Math" panose="02040503050406030204" pitchFamily="18" charset="0"/>
+                                    <a:cs typeface="Arial" panose="020B0604020202020204" pitchFamily="34" charset="0"/>
+                                  </a:rPr>
+                                </m:ctrlPr>
+                              </m:accPr>
+                              <m:e>
+                                <m:r>
+                                  <a:rPr lang="en-US" sz="2000" b="0" i="1" smtClean="0">
+                                    <a:latin typeface="Cambria Math" panose="02040503050406030204" pitchFamily="18" charset="0"/>
+                                    <a:cs typeface="Arial" panose="020B0604020202020204" pitchFamily="34" charset="0"/>
+                                  </a:rPr>
+                                  <m:t>𝑟</m:t>
+                                </m:r>
+                              </m:e>
+                            </m:acc>
+                          </m:e>
+                          <m:sub>
+                            <m:r>
+                              <a:rPr lang="en-US" sz="2000" b="0" i="1" smtClean="0">
+                                <a:latin typeface="Cambria Math" panose="02040503050406030204" pitchFamily="18" charset="0"/>
+                                <a:cs typeface="Arial" panose="020B0604020202020204" pitchFamily="34" charset="0"/>
+                              </a:rPr>
+                              <m:t>2</m:t>
+                            </m:r>
+                          </m:sub>
+                        </m:sSub>
+                      </m:oMath>
+                    </m:oMathPara>
+                  </a14:m>
+                  <a:endParaRPr lang="en-US" sz="2000" dirty="0" smtClean="0">
+                    <a:latin typeface="Arial" panose="020B0604020202020204" pitchFamily="34" charset="0"/>
+                    <a:cs typeface="Arial" panose="020B0604020202020204" pitchFamily="34" charset="0"/>
+                  </a:endParaRPr>
+                </a:p>
+              </p:txBody>
+            </p:sp>
+          </mc:Choice>
+          <mc:Fallback xmlns="">
+            <p:sp>
+              <p:nvSpPr>
+                <p:cNvPr id="42" name="TextBox 41"/>
+                <p:cNvSpPr txBox="1">
+                  <a:spLocks noRot="1" noChangeAspect="1" noMove="1" noResize="1" noEditPoints="1" noAdjustHandles="1" noChangeArrowheads="1" noChangeShapeType="1" noTextEdit="1"/>
+                </p:cNvSpPr>
+                <p:nvPr/>
+              </p:nvSpPr>
+              <p:spPr>
+                <a:xfrm>
+                  <a:off x="5295185" y="5002326"/>
+                  <a:ext cx="283859" cy="307777"/>
+                </a:xfrm>
+                <a:prstGeom prst="rect">
+                  <a:avLst/>
+                </a:prstGeom>
+                <a:blipFill>
+                  <a:blip r:embed="rId50"/>
+                  <a:stretch>
+                    <a:fillRect l="-21739" t="-36000" r="-67391" b="-20000"/>
+                  </a:stretch>
+                </a:blipFill>
+              </p:spPr>
+              <p:txBody>
+                <a:bodyPr/>
+                <a:lstStyle/>
+                <a:p>
+                  <a:r>
+                    <a:rPr lang="en-US">
+                      <a:noFill/>
+                    </a:rPr>
+                    <a:t> </a:t>
+                  </a:r>
+                </a:p>
+              </p:txBody>
+            </p:sp>
+          </mc:Fallback>
+        </mc:AlternateContent>
+        <mc:AlternateContent xmlns:mc="http://schemas.openxmlformats.org/markup-compatibility/2006" xmlns:a14="http://schemas.microsoft.com/office/drawing/2010/main">
+          <mc:Choice Requires="a14">
+            <p:sp>
+              <p:nvSpPr>
+                <p:cNvPr id="113" name="TextBox 112"/>
+                <p:cNvSpPr txBox="1"/>
+                <p:nvPr/>
+              </p:nvSpPr>
+              <p:spPr>
+                <a:xfrm>
+                  <a:off x="4772713" y="4581315"/>
+                  <a:ext cx="283859" cy="307777"/>
+                </a:xfrm>
+                <a:prstGeom prst="rect">
+                  <a:avLst/>
+                </a:prstGeom>
+                <a:noFill/>
+              </p:spPr>
+              <p:txBody>
+                <a:bodyPr wrap="none" lIns="0" tIns="0" rIns="0" bIns="0" rtlCol="0">
+                  <a:spAutoFit/>
+                </a:bodyPr>
+                <a:lstStyle/>
+                <a:p>
+                  <a:pPr/>
+                  <a14:m>
+                    <m:oMathPara xmlns:m="http://schemas.openxmlformats.org/officeDocument/2006/math">
+                      <m:oMathParaPr>
+                        <m:jc m:val="centerGroup"/>
+                      </m:oMathParaPr>
+                      <m:oMath xmlns:m="http://schemas.openxmlformats.org/officeDocument/2006/math">
+                        <m:sSub>
+                          <m:sSubPr>
+                            <m:ctrlPr>
+                              <a:rPr lang="en-US" sz="2000" b="0" i="1" smtClean="0">
+                                <a:latin typeface="Cambria Math" panose="02040503050406030204" pitchFamily="18" charset="0"/>
+                                <a:cs typeface="Arial" panose="020B0604020202020204" pitchFamily="34" charset="0"/>
+                              </a:rPr>
+                            </m:ctrlPr>
+                          </m:sSubPr>
+                          <m:e>
+                            <m:acc>
+                              <m:accPr>
+                                <m:chr m:val="⃗"/>
+                                <m:ctrlPr>
+                                  <a:rPr lang="en-US" sz="2000" b="0" i="1" smtClean="0">
+                                    <a:latin typeface="Cambria Math" panose="02040503050406030204" pitchFamily="18" charset="0"/>
+                                    <a:cs typeface="Arial" panose="020B0604020202020204" pitchFamily="34" charset="0"/>
+                                  </a:rPr>
+                                </m:ctrlPr>
+                              </m:accPr>
+                              <m:e>
+                                <m:r>
+                                  <a:rPr lang="en-US" sz="2000" b="0" i="1" smtClean="0">
+                                    <a:latin typeface="Cambria Math" panose="02040503050406030204" pitchFamily="18" charset="0"/>
+                                    <a:cs typeface="Arial" panose="020B0604020202020204" pitchFamily="34" charset="0"/>
+                                  </a:rPr>
+                                  <m:t>𝑟</m:t>
+                                </m:r>
+                              </m:e>
+                            </m:acc>
+                          </m:e>
+                          <m:sub>
+                            <m:r>
+                              <a:rPr lang="en-US" sz="2000" b="0" i="1" smtClean="0">
+                                <a:latin typeface="Cambria Math" panose="02040503050406030204" pitchFamily="18" charset="0"/>
+                                <a:cs typeface="Arial" panose="020B0604020202020204" pitchFamily="34" charset="0"/>
+                              </a:rPr>
+                              <m:t>1</m:t>
+                            </m:r>
+                          </m:sub>
+                        </m:sSub>
+                      </m:oMath>
+                    </m:oMathPara>
+                  </a14:m>
+                  <a:endParaRPr lang="en-US" sz="2000" dirty="0" smtClean="0">
+                    <a:latin typeface="Arial" panose="020B0604020202020204" pitchFamily="34" charset="0"/>
+                    <a:cs typeface="Arial" panose="020B0604020202020204" pitchFamily="34" charset="0"/>
+                  </a:endParaRPr>
+                </a:p>
+              </p:txBody>
+            </p:sp>
+          </mc:Choice>
+          <mc:Fallback xmlns="">
             <p:sp>
               <p:nvSpPr>
                 <p:cNvPr id="117" name="TextBox 116"/>
@@ -28489,8 +30014,8 @@
             </a:p>
           </p:txBody>
         </p:sp>
-        <mc:AlternateContent xmlns:mc="http://schemas.openxmlformats.org/markup-compatibility/2006">
-          <mc:Choice xmlns:a14="http://schemas.microsoft.com/office/drawing/2010/main" Requires="a14">
+        <mc:AlternateContent xmlns:mc="http://schemas.openxmlformats.org/markup-compatibility/2006" xmlns:a14="http://schemas.microsoft.com/office/drawing/2010/main">
+          <mc:Choice Requires="a14">
             <p:sp>
               <p:nvSpPr>
                 <p:cNvPr id="7" name="TextBox 6"/>
@@ -28513,6 +30038,7 @@
                 </a:bodyPr>
                 <a:lstStyle/>
                 <a:p>
+                  <a:pPr/>
                   <a14:m>
                     <m:oMathPara xmlns:m="http://schemas.openxmlformats.org/officeDocument/2006/math">
                       <m:oMathParaPr>
@@ -28550,7 +30076,7 @@
               </p:txBody>
             </p:sp>
           </mc:Choice>
-          <mc:Fallback>
+          <mc:Fallback xmlns="">
             <p:sp>
               <p:nvSpPr>
                 <p:cNvPr id="7" name="TextBox 6"/>
@@ -28589,8 +30115,8 @@
             </p:sp>
           </mc:Fallback>
         </mc:AlternateContent>
-        <mc:AlternateContent xmlns:mc="http://schemas.openxmlformats.org/markup-compatibility/2006">
-          <mc:Choice xmlns:a14="http://schemas.microsoft.com/office/drawing/2010/main" Requires="a14">
+        <mc:AlternateContent xmlns:mc="http://schemas.openxmlformats.org/markup-compatibility/2006" xmlns:a14="http://schemas.microsoft.com/office/drawing/2010/main">
+          <mc:Choice Requires="a14">
             <p:sp>
               <p:nvSpPr>
                 <p:cNvPr id="84" name="TextBox 83"/>
@@ -28613,6 +30139,7 @@
                 </a:bodyPr>
                 <a:lstStyle/>
                 <a:p>
+                  <a:pPr/>
                   <a14:m>
                     <m:oMathPara xmlns:m="http://schemas.openxmlformats.org/officeDocument/2006/math">
                       <m:oMathParaPr>
@@ -28650,7 +30177,7 @@
               </p:txBody>
             </p:sp>
           </mc:Choice>
-          <mc:Fallback>
+          <mc:Fallback xmlns="">
             <p:sp>
               <p:nvSpPr>
                 <p:cNvPr id="84" name="TextBox 83"/>
@@ -28689,8 +30216,8 @@
             </p:sp>
           </mc:Fallback>
         </mc:AlternateContent>
-        <mc:AlternateContent xmlns:mc="http://schemas.openxmlformats.org/markup-compatibility/2006">
-          <mc:Choice xmlns:a14="http://schemas.microsoft.com/office/drawing/2010/main" Requires="a14">
+        <mc:AlternateContent xmlns:mc="http://schemas.openxmlformats.org/markup-compatibility/2006" xmlns:a14="http://schemas.microsoft.com/office/drawing/2010/main">
+          <mc:Choice Requires="a14">
             <p:sp>
               <p:nvSpPr>
                 <p:cNvPr id="85" name="TextBox 84"/>
@@ -28713,6 +30240,7 @@
                 </a:bodyPr>
                 <a:lstStyle/>
                 <a:p>
+                  <a:pPr/>
                   <a14:m>
                     <m:oMathPara xmlns:m="http://schemas.openxmlformats.org/officeDocument/2006/math">
                       <m:oMathParaPr>
@@ -28750,7 +30278,7 @@
               </p:txBody>
             </p:sp>
           </mc:Choice>
-          <mc:Fallback>
+          <mc:Fallback xmlns="">
             <p:sp>
               <p:nvSpPr>
                 <p:cNvPr id="85" name="TextBox 84"/>
@@ -29023,8 +30551,8 @@
               </a:fontRef>
             </p:style>
           </p:cxnSp>
-          <mc:AlternateContent xmlns:mc="http://schemas.openxmlformats.org/markup-compatibility/2006">
-            <mc:Choice xmlns:a14="http://schemas.microsoft.com/office/drawing/2010/main" Requires="a14">
+          <mc:AlternateContent xmlns:mc="http://schemas.openxmlformats.org/markup-compatibility/2006" xmlns:a14="http://schemas.microsoft.com/office/drawing/2010/main">
+            <mc:Choice Requires="a14">
               <p:sp>
                 <p:nvSpPr>
                   <p:cNvPr id="8" name="TextBox 7"/>
@@ -29047,6 +30575,7 @@
                   </a:bodyPr>
                   <a:lstStyle/>
                   <a:p>
+                    <a:pPr/>
                     <a14:m>
                       <m:oMathPara xmlns:m="http://schemas.openxmlformats.org/officeDocument/2006/math">
                         <m:oMathParaPr>
@@ -29084,7 +30613,7 @@
                 </p:txBody>
               </p:sp>
             </mc:Choice>
-            <mc:Fallback>
+            <mc:Fallback xmlns="">
               <p:sp>
                 <p:nvSpPr>
                   <p:cNvPr id="8" name="TextBox 7"/>
@@ -29123,8 +30652,8 @@
               </p:sp>
             </mc:Fallback>
           </mc:AlternateContent>
-          <mc:AlternateContent xmlns:mc="http://schemas.openxmlformats.org/markup-compatibility/2006">
-            <mc:Choice xmlns:a14="http://schemas.microsoft.com/office/drawing/2010/main" Requires="a14">
+          <mc:AlternateContent xmlns:mc="http://schemas.openxmlformats.org/markup-compatibility/2006" xmlns:a14="http://schemas.microsoft.com/office/drawing/2010/main">
+            <mc:Choice Requires="a14">
               <p:sp>
                 <p:nvSpPr>
                   <p:cNvPr id="9" name="TextBox 8"/>
@@ -29147,6 +30676,7 @@
                   </a:bodyPr>
                   <a:lstStyle/>
                   <a:p>
+                    <a:pPr/>
                     <a14:m>
                       <m:oMathPara xmlns:m="http://schemas.openxmlformats.org/officeDocument/2006/math">
                         <m:oMathParaPr>
@@ -29184,7 +30714,7 @@
                 </p:txBody>
               </p:sp>
             </mc:Choice>
-            <mc:Fallback>
+            <mc:Fallback xmlns="">
               <p:sp>
                 <p:nvSpPr>
                   <p:cNvPr id="9" name="TextBox 8"/>
@@ -29224,8 +30754,8 @@
             </mc:Fallback>
           </mc:AlternateContent>
         </p:grpSp>
-        <mc:AlternateContent xmlns:mc="http://schemas.openxmlformats.org/markup-compatibility/2006">
-          <mc:Choice xmlns:a14="http://schemas.microsoft.com/office/drawing/2010/main" Requires="a14">
+        <mc:AlternateContent xmlns:mc="http://schemas.openxmlformats.org/markup-compatibility/2006" xmlns:a14="http://schemas.microsoft.com/office/drawing/2010/main">
+          <mc:Choice Requires="a14">
             <p:sp>
               <p:nvSpPr>
                 <p:cNvPr id="11" name="TextBox 10"/>
@@ -29248,6 +30778,7 @@
                 </a:bodyPr>
                 <a:lstStyle/>
                 <a:p>
+                  <a:pPr/>
                   <a14:m>
                     <m:oMathPara xmlns:m="http://schemas.openxmlformats.org/officeDocument/2006/math">
                       <m:oMathParaPr>
@@ -29272,7 +30803,7 @@
               </p:txBody>
             </p:sp>
           </mc:Choice>
-          <mc:Fallback>
+          <mc:Fallback xmlns="">
             <p:sp>
               <p:nvSpPr>
                 <p:cNvPr id="11" name="TextBox 10"/>
@@ -29464,8 +30995,8 @@
             </a:fontRef>
           </p:style>
         </p:cxnSp>
-        <mc:AlternateContent xmlns:mc="http://schemas.openxmlformats.org/markup-compatibility/2006">
-          <mc:Choice xmlns:a14="http://schemas.microsoft.com/office/drawing/2010/main" Requires="a14">
+        <mc:AlternateContent xmlns:mc="http://schemas.openxmlformats.org/markup-compatibility/2006" xmlns:a14="http://schemas.microsoft.com/office/drawing/2010/main">
+          <mc:Choice Requires="a14">
             <p:sp>
               <p:nvSpPr>
                 <p:cNvPr id="21" name="TextBox 20"/>
@@ -29488,6 +31019,7 @@
                 </a:bodyPr>
                 <a:lstStyle/>
                 <a:p>
+                  <a:pPr/>
                   <a14:m>
                     <m:oMathPara xmlns:m="http://schemas.openxmlformats.org/officeDocument/2006/math">
                       <m:oMathParaPr>
@@ -29525,7 +31057,7 @@
               </p:txBody>
             </p:sp>
           </mc:Choice>
-          <mc:Fallback>
+          <mc:Fallback xmlns="">
             <p:sp>
               <p:nvSpPr>
                 <p:cNvPr id="21" name="TextBox 20"/>
@@ -29600,8 +31132,8 @@
             </a:fontRef>
           </p:style>
         </p:cxnSp>
-        <mc:AlternateContent xmlns:mc="http://schemas.openxmlformats.org/markup-compatibility/2006">
-          <mc:Choice xmlns:a14="http://schemas.microsoft.com/office/drawing/2010/main" Requires="a14">
+        <mc:AlternateContent xmlns:mc="http://schemas.openxmlformats.org/markup-compatibility/2006" xmlns:a14="http://schemas.microsoft.com/office/drawing/2010/main">
+          <mc:Choice Requires="a14">
             <p:sp>
               <p:nvSpPr>
                 <p:cNvPr id="27" name="TextBox 26"/>
@@ -29624,6 +31156,7 @@
                 </a:bodyPr>
                 <a:lstStyle/>
                 <a:p>
+                  <a:pPr/>
                   <a14:m>
                     <m:oMathPara xmlns:m="http://schemas.openxmlformats.org/officeDocument/2006/math">
                       <m:oMathParaPr>
@@ -29661,7 +31194,7 @@
               </p:txBody>
             </p:sp>
           </mc:Choice>
-          <mc:Fallback>
+          <mc:Fallback xmlns="">
             <p:sp>
               <p:nvSpPr>
                 <p:cNvPr id="27" name="TextBox 26"/>
@@ -29736,8 +31269,8 @@
             </a:fontRef>
           </p:style>
         </p:cxnSp>
-        <mc:AlternateContent xmlns:mc="http://schemas.openxmlformats.org/markup-compatibility/2006">
-          <mc:Choice xmlns:a14="http://schemas.microsoft.com/office/drawing/2010/main" Requires="a14">
+        <mc:AlternateContent xmlns:mc="http://schemas.openxmlformats.org/markup-compatibility/2006" xmlns:a14="http://schemas.microsoft.com/office/drawing/2010/main">
+          <mc:Choice Requires="a14">
             <p:sp>
               <p:nvSpPr>
                 <p:cNvPr id="35" name="TextBox 34"/>
@@ -29760,6 +31293,7 @@
                 </a:bodyPr>
                 <a:lstStyle/>
                 <a:p>
+                  <a:pPr/>
                   <a14:m>
                     <m:oMathPara xmlns:m="http://schemas.openxmlformats.org/officeDocument/2006/math">
                       <m:oMathParaPr>
@@ -29797,7 +31331,7 @@
               </p:txBody>
             </p:sp>
           </mc:Choice>
-          <mc:Fallback>
+          <mc:Fallback xmlns="">
             <p:sp>
               <p:nvSpPr>
                 <p:cNvPr id="35" name="TextBox 34"/>
@@ -29836,8 +31370,8 @@
             </p:sp>
           </mc:Fallback>
         </mc:AlternateContent>
-        <mc:AlternateContent xmlns:mc="http://schemas.openxmlformats.org/markup-compatibility/2006">
-          <mc:Choice xmlns:a14="http://schemas.microsoft.com/office/drawing/2010/main" Requires="a14">
+        <mc:AlternateContent xmlns:mc="http://schemas.openxmlformats.org/markup-compatibility/2006" xmlns:a14="http://schemas.microsoft.com/office/drawing/2010/main">
+          <mc:Choice Requires="a14">
             <p:sp>
               <p:nvSpPr>
                 <p:cNvPr id="37" name="TextBox 36"/>
@@ -29860,6 +31394,7 @@
                 </a:bodyPr>
                 <a:lstStyle/>
                 <a:p>
+                  <a:pPr/>
                   <a14:m>
                     <m:oMathPara xmlns:m="http://schemas.openxmlformats.org/officeDocument/2006/math">
                       <m:oMathParaPr>
@@ -29897,7 +31432,7 @@
               </p:txBody>
             </p:sp>
           </mc:Choice>
-          <mc:Fallback>
+          <mc:Fallback xmlns="">
             <p:sp>
               <p:nvSpPr>
                 <p:cNvPr id="37" name="TextBox 36"/>
@@ -30020,8 +31555,8 @@
             </a:p>
           </p:txBody>
         </p:sp>
-        <mc:AlternateContent xmlns:mc="http://schemas.openxmlformats.org/markup-compatibility/2006">
-          <mc:Choice xmlns:a14="http://schemas.microsoft.com/office/drawing/2010/main" Requires="a14">
+        <mc:AlternateContent xmlns:mc="http://schemas.openxmlformats.org/markup-compatibility/2006" xmlns:a14="http://schemas.microsoft.com/office/drawing/2010/main">
+          <mc:Choice Requires="a14">
             <p:sp>
               <p:nvSpPr>
                 <p:cNvPr id="41" name="TextBox 40"/>
@@ -30044,6 +31579,7 @@
                 </a:bodyPr>
                 <a:lstStyle/>
                 <a:p>
+                  <a:pPr/>
                   <a14:m>
                     <m:oMathPara xmlns:m="http://schemas.openxmlformats.org/officeDocument/2006/math">
                       <m:oMathParaPr>
@@ -30068,7 +31604,7 @@
               </p:txBody>
             </p:sp>
           </mc:Choice>
-          <mc:Fallback>
+          <mc:Fallback xmlns="">
             <p:sp>
               <p:nvSpPr>
                 <p:cNvPr id="41" name="TextBox 40"/>

--- a/tex/figures/Figures.pptx
+++ b/tex/figures/Figures.pptx
@@ -250,7 +250,7 @@
           <a:p>
             <a:fld id="{F7249F8D-641B-4CAF-BAE5-10524742F6F1}" type="datetimeFigureOut">
               <a:rPr lang="en-CA" smtClean="0"/>
-              <a:t>2018-05-14</a:t>
+              <a:t>2018-05-15</a:t>
             </a:fld>
             <a:endParaRPr lang="en-CA"/>
           </a:p>
@@ -420,7 +420,7 @@
           <a:p>
             <a:fld id="{F7249F8D-641B-4CAF-BAE5-10524742F6F1}" type="datetimeFigureOut">
               <a:rPr lang="en-CA" smtClean="0"/>
-              <a:t>2018-05-14</a:t>
+              <a:t>2018-05-15</a:t>
             </a:fld>
             <a:endParaRPr lang="en-CA"/>
           </a:p>
@@ -600,7 +600,7 @@
           <a:p>
             <a:fld id="{F7249F8D-641B-4CAF-BAE5-10524742F6F1}" type="datetimeFigureOut">
               <a:rPr lang="en-CA" smtClean="0"/>
-              <a:t>2018-05-14</a:t>
+              <a:t>2018-05-15</a:t>
             </a:fld>
             <a:endParaRPr lang="en-CA"/>
           </a:p>
@@ -770,7 +770,7 @@
           <a:p>
             <a:fld id="{F7249F8D-641B-4CAF-BAE5-10524742F6F1}" type="datetimeFigureOut">
               <a:rPr lang="en-CA" smtClean="0"/>
-              <a:t>2018-05-14</a:t>
+              <a:t>2018-05-15</a:t>
             </a:fld>
             <a:endParaRPr lang="en-CA"/>
           </a:p>
@@ -1016,7 +1016,7 @@
           <a:p>
             <a:fld id="{F7249F8D-641B-4CAF-BAE5-10524742F6F1}" type="datetimeFigureOut">
               <a:rPr lang="en-CA" smtClean="0"/>
-              <a:t>2018-05-14</a:t>
+              <a:t>2018-05-15</a:t>
             </a:fld>
             <a:endParaRPr lang="en-CA"/>
           </a:p>
@@ -1248,7 +1248,7 @@
           <a:p>
             <a:fld id="{F7249F8D-641B-4CAF-BAE5-10524742F6F1}" type="datetimeFigureOut">
               <a:rPr lang="en-CA" smtClean="0"/>
-              <a:t>2018-05-14</a:t>
+              <a:t>2018-05-15</a:t>
             </a:fld>
             <a:endParaRPr lang="en-CA"/>
           </a:p>
@@ -1615,7 +1615,7 @@
           <a:p>
             <a:fld id="{F7249F8D-641B-4CAF-BAE5-10524742F6F1}" type="datetimeFigureOut">
               <a:rPr lang="en-CA" smtClean="0"/>
-              <a:t>2018-05-14</a:t>
+              <a:t>2018-05-15</a:t>
             </a:fld>
             <a:endParaRPr lang="en-CA"/>
           </a:p>
@@ -1733,7 +1733,7 @@
           <a:p>
             <a:fld id="{F7249F8D-641B-4CAF-BAE5-10524742F6F1}" type="datetimeFigureOut">
               <a:rPr lang="en-CA" smtClean="0"/>
-              <a:t>2018-05-14</a:t>
+              <a:t>2018-05-15</a:t>
             </a:fld>
             <a:endParaRPr lang="en-CA"/>
           </a:p>
@@ -1828,7 +1828,7 @@
           <a:p>
             <a:fld id="{F7249F8D-641B-4CAF-BAE5-10524742F6F1}" type="datetimeFigureOut">
               <a:rPr lang="en-CA" smtClean="0"/>
-              <a:t>2018-05-14</a:t>
+              <a:t>2018-05-15</a:t>
             </a:fld>
             <a:endParaRPr lang="en-CA"/>
           </a:p>
@@ -2105,7 +2105,7 @@
           <a:p>
             <a:fld id="{F7249F8D-641B-4CAF-BAE5-10524742F6F1}" type="datetimeFigureOut">
               <a:rPr lang="en-CA" smtClean="0"/>
-              <a:t>2018-05-14</a:t>
+              <a:t>2018-05-15</a:t>
             </a:fld>
             <a:endParaRPr lang="en-CA"/>
           </a:p>
@@ -2358,7 +2358,7 @@
           <a:p>
             <a:fld id="{F7249F8D-641B-4CAF-BAE5-10524742F6F1}" type="datetimeFigureOut">
               <a:rPr lang="en-CA" smtClean="0"/>
-              <a:t>2018-05-14</a:t>
+              <a:t>2018-05-15</a:t>
             </a:fld>
             <a:endParaRPr lang="en-CA"/>
           </a:p>
@@ -2571,7 +2571,7 @@
           <a:p>
             <a:fld id="{F7249F8D-641B-4CAF-BAE5-10524742F6F1}" type="datetimeFigureOut">
               <a:rPr lang="en-CA" smtClean="0"/>
-              <a:t>2018-05-14</a:t>
+              <a:t>2018-05-15</a:t>
             </a:fld>
             <a:endParaRPr lang="en-CA"/>
           </a:p>
@@ -15957,8 +15957,8 @@
               </a:fontRef>
             </p:style>
           </p:cxnSp>
-          <mc:AlternateContent xmlns:mc="http://schemas.openxmlformats.org/markup-compatibility/2006">
-            <mc:Choice xmlns:a14="http://schemas.microsoft.com/office/drawing/2010/main" Requires="a14">
+          <mc:AlternateContent xmlns:mc="http://schemas.openxmlformats.org/markup-compatibility/2006" xmlns:a14="http://schemas.microsoft.com/office/drawing/2010/main">
+            <mc:Choice Requires="a14">
               <p:sp>
                 <p:nvSpPr>
                   <p:cNvPr id="130" name="Rectangle 129"/>
@@ -16038,7 +16038,7 @@
                 </p:txBody>
               </p:sp>
             </mc:Choice>
-            <mc:Fallback>
+            <mc:Fallback xmlns="">
               <p:sp>
                 <p:nvSpPr>
                   <p:cNvPr id="130" name="Rectangle 129"/>
@@ -20354,8 +20354,8 @@
             </a:fontRef>
           </p:style>
         </p:cxnSp>
-        <mc:AlternateContent xmlns:mc="http://schemas.openxmlformats.org/markup-compatibility/2006" xmlns:a14="http://schemas.microsoft.com/office/drawing/2010/main">
-          <mc:Choice Requires="a14">
+        <mc:AlternateContent xmlns:mc="http://schemas.openxmlformats.org/markup-compatibility/2006">
+          <mc:Choice xmlns:a14="http://schemas.microsoft.com/office/drawing/2010/main" Requires="a14">
             <p:sp>
               <p:nvSpPr>
                 <p:cNvPr id="98" name="Rectangle 97"/>
@@ -20365,7 +20365,7 @@
               <p:spPr>
                 <a:xfrm>
                   <a:off x="7065079" y="3466664"/>
-                  <a:ext cx="377924" cy="369332"/>
+                  <a:ext cx="349711" cy="369332"/>
                 </a:xfrm>
                 <a:prstGeom prst="rect">
                   <a:avLst/>
@@ -20385,10 +20385,10 @@
                       </m:oMathParaPr>
                       <m:oMath xmlns:m="http://schemas.openxmlformats.org/officeDocument/2006/math">
                         <m:r>
-                          <a:rPr lang="en-US" i="1">
+                          <a:rPr lang="en-US" b="0" i="1" smtClean="0">
                             <a:latin typeface="Cambria Math" panose="02040503050406030204" pitchFamily="18" charset="0"/>
                           </a:rPr>
-                          <m:t>𝑑</m:t>
+                          <m:t>𝑠</m:t>
                         </m:r>
                       </m:oMath>
                     </m:oMathPara>
@@ -20398,7 +20398,7 @@
               </p:txBody>
             </p:sp>
           </mc:Choice>
-          <mc:Fallback xmlns="">
+          <mc:Fallback>
             <p:sp>
               <p:nvSpPr>
                 <p:cNvPr id="98" name="Rectangle 97"/>
@@ -20410,12 +20410,12 @@
               <p:spPr>
                 <a:xfrm>
                   <a:off x="7065079" y="3466664"/>
-                  <a:ext cx="377924" cy="369332"/>
+                  <a:ext cx="349711" cy="369332"/>
                 </a:xfrm>
                 <a:prstGeom prst="rect">
                   <a:avLst/>
                 </a:prstGeom>
-                <a:blipFill rotWithShape="0">
+                <a:blipFill>
                   <a:blip r:embed="rId29"/>
                   <a:stretch>
                     <a:fillRect/>
@@ -20427,7 +20427,7 @@
                 <a:lstStyle/>
                 <a:p>
                   <a:r>
-                    <a:rPr lang="en-CA">
+                    <a:rPr lang="en-US">
                       <a:noFill/>
                     </a:rPr>
                     <a:t> </a:t>
@@ -20437,8 +20437,8 @@
             </p:sp>
           </mc:Fallback>
         </mc:AlternateContent>
-        <mc:AlternateContent xmlns:mc="http://schemas.openxmlformats.org/markup-compatibility/2006" xmlns:a14="http://schemas.microsoft.com/office/drawing/2010/main">
-          <mc:Choice Requires="a14">
+        <mc:AlternateContent xmlns:mc="http://schemas.openxmlformats.org/markup-compatibility/2006">
+          <mc:Choice xmlns:a14="http://schemas.microsoft.com/office/drawing/2010/main" Requires="a14">
             <p:sp>
               <p:nvSpPr>
                 <p:cNvPr id="100" name="Rectangle 99"/>
@@ -20448,7 +20448,7 @@
               <p:spPr>
                 <a:xfrm>
                   <a:off x="7545280" y="3620206"/>
-                  <a:ext cx="477951" cy="369332"/>
+                  <a:ext cx="446661" cy="369332"/>
                 </a:xfrm>
                 <a:prstGeom prst="rect">
                   <a:avLst/>
@@ -20477,10 +20477,10 @@
                           </m:sSubPr>
                           <m:e>
                             <m:r>
-                              <a:rPr lang="en-US" i="1" smtClean="0">
+                              <a:rPr lang="en-US" b="0" i="1" smtClean="0">
                                 <a:latin typeface="Cambria Math" panose="02040503050406030204" pitchFamily="18" charset="0"/>
                               </a:rPr>
-                              <m:t>𝑑</m:t>
+                              <m:t>𝑠</m:t>
                             </m:r>
                           </m:e>
                           <m:sub>
@@ -20500,7 +20500,7 @@
               </p:txBody>
             </p:sp>
           </mc:Choice>
-          <mc:Fallback xmlns="">
+          <mc:Fallback>
             <p:sp>
               <p:nvSpPr>
                 <p:cNvPr id="100" name="Rectangle 99"/>
@@ -20512,12 +20512,12 @@
               <p:spPr>
                 <a:xfrm>
                   <a:off x="7545280" y="3620206"/>
-                  <a:ext cx="477951" cy="369332"/>
+                  <a:ext cx="446661" cy="369332"/>
                 </a:xfrm>
                 <a:prstGeom prst="rect">
                   <a:avLst/>
                 </a:prstGeom>
-                <a:blipFill rotWithShape="0">
+                <a:blipFill>
                   <a:blip r:embed="rId30"/>
                   <a:stretch>
                     <a:fillRect/>
@@ -20529,7 +20529,7 @@
                 <a:lstStyle/>
                 <a:p>
                   <a:r>
-                    <a:rPr lang="en-CA">
+                    <a:rPr lang="en-US">
                       <a:noFill/>
                     </a:rPr>
                     <a:t> </a:t>
@@ -20539,8 +20539,8 @@
             </p:sp>
           </mc:Fallback>
         </mc:AlternateContent>
-        <mc:AlternateContent xmlns:mc="http://schemas.openxmlformats.org/markup-compatibility/2006" xmlns:a14="http://schemas.microsoft.com/office/drawing/2010/main">
-          <mc:Choice Requires="a14">
+        <mc:AlternateContent xmlns:mc="http://schemas.openxmlformats.org/markup-compatibility/2006">
+          <mc:Choice xmlns:a14="http://schemas.microsoft.com/office/drawing/2010/main" Requires="a14">
             <p:sp>
               <p:nvSpPr>
                 <p:cNvPr id="101" name="Rectangle 100"/>
@@ -20550,7 +20550,7 @@
               <p:spPr>
                 <a:xfrm>
                   <a:off x="8083038" y="4291772"/>
-                  <a:ext cx="472629" cy="369332"/>
+                  <a:ext cx="441339" cy="369332"/>
                 </a:xfrm>
                 <a:prstGeom prst="rect">
                   <a:avLst/>
@@ -20579,10 +20579,10 @@
                           </m:sSubPr>
                           <m:e>
                             <m:r>
-                              <a:rPr lang="en-US" i="1" smtClean="0">
+                              <a:rPr lang="en-US" b="0" i="1" smtClean="0">
                                 <a:latin typeface="Cambria Math" panose="02040503050406030204" pitchFamily="18" charset="0"/>
                               </a:rPr>
-                              <m:t>𝑑</m:t>
+                              <m:t>𝑠</m:t>
                             </m:r>
                           </m:e>
                           <m:sub>
@@ -20602,7 +20602,7 @@
               </p:txBody>
             </p:sp>
           </mc:Choice>
-          <mc:Fallback xmlns="">
+          <mc:Fallback>
             <p:sp>
               <p:nvSpPr>
                 <p:cNvPr id="101" name="Rectangle 100"/>
@@ -20614,12 +20614,12 @@
               <p:spPr>
                 <a:xfrm>
                   <a:off x="8083038" y="4291772"/>
-                  <a:ext cx="472629" cy="369332"/>
+                  <a:ext cx="441339" cy="369332"/>
                 </a:xfrm>
                 <a:prstGeom prst="rect">
                   <a:avLst/>
                 </a:prstGeom>
-                <a:blipFill rotWithShape="0">
+                <a:blipFill>
                   <a:blip r:embed="rId31"/>
                   <a:stretch>
                     <a:fillRect/>
@@ -20631,7 +20631,7 @@
                 <a:lstStyle/>
                 <a:p>
                   <a:r>
-                    <a:rPr lang="en-CA">
+                    <a:rPr lang="en-US">
                       <a:noFill/>
                     </a:rPr>
                     <a:t> </a:t>

--- a/tex/figures/Figures.pptx
+++ b/tex/figures/Figures.pptx
@@ -30898,7 +30898,7 @@
         </p:nvGrpSpPr>
         <p:grpSpPr>
           <a:xfrm>
-            <a:off x="2189660" y="2683219"/>
+            <a:off x="370840" y="2440028"/>
             <a:ext cx="3372973" cy="2081821"/>
             <a:chOff x="2189660" y="2683219"/>
             <a:chExt cx="3372973" cy="2081821"/>

--- a/tex/figures/Figures.pptx
+++ b/tex/figures/Figures.pptx
@@ -250,7 +250,7 @@
           <a:p>
             <a:fld id="{F7249F8D-641B-4CAF-BAE5-10524742F6F1}" type="datetimeFigureOut">
               <a:rPr lang="en-CA" smtClean="0"/>
-              <a:t>2018-05-15</a:t>
+              <a:t>2018-05-16</a:t>
             </a:fld>
             <a:endParaRPr lang="en-CA"/>
           </a:p>
@@ -420,7 +420,7 @@
           <a:p>
             <a:fld id="{F7249F8D-641B-4CAF-BAE5-10524742F6F1}" type="datetimeFigureOut">
               <a:rPr lang="en-CA" smtClean="0"/>
-              <a:t>2018-05-15</a:t>
+              <a:t>2018-05-16</a:t>
             </a:fld>
             <a:endParaRPr lang="en-CA"/>
           </a:p>
@@ -600,7 +600,7 @@
           <a:p>
             <a:fld id="{F7249F8D-641B-4CAF-BAE5-10524742F6F1}" type="datetimeFigureOut">
               <a:rPr lang="en-CA" smtClean="0"/>
-              <a:t>2018-05-15</a:t>
+              <a:t>2018-05-16</a:t>
             </a:fld>
             <a:endParaRPr lang="en-CA"/>
           </a:p>
@@ -770,7 +770,7 @@
           <a:p>
             <a:fld id="{F7249F8D-641B-4CAF-BAE5-10524742F6F1}" type="datetimeFigureOut">
               <a:rPr lang="en-CA" smtClean="0"/>
-              <a:t>2018-05-15</a:t>
+              <a:t>2018-05-16</a:t>
             </a:fld>
             <a:endParaRPr lang="en-CA"/>
           </a:p>
@@ -1016,7 +1016,7 @@
           <a:p>
             <a:fld id="{F7249F8D-641B-4CAF-BAE5-10524742F6F1}" type="datetimeFigureOut">
               <a:rPr lang="en-CA" smtClean="0"/>
-              <a:t>2018-05-15</a:t>
+              <a:t>2018-05-16</a:t>
             </a:fld>
             <a:endParaRPr lang="en-CA"/>
           </a:p>
@@ -1248,7 +1248,7 @@
           <a:p>
             <a:fld id="{F7249F8D-641B-4CAF-BAE5-10524742F6F1}" type="datetimeFigureOut">
               <a:rPr lang="en-CA" smtClean="0"/>
-              <a:t>2018-05-15</a:t>
+              <a:t>2018-05-16</a:t>
             </a:fld>
             <a:endParaRPr lang="en-CA"/>
           </a:p>
@@ -1615,7 +1615,7 @@
           <a:p>
             <a:fld id="{F7249F8D-641B-4CAF-BAE5-10524742F6F1}" type="datetimeFigureOut">
               <a:rPr lang="en-CA" smtClean="0"/>
-              <a:t>2018-05-15</a:t>
+              <a:t>2018-05-16</a:t>
             </a:fld>
             <a:endParaRPr lang="en-CA"/>
           </a:p>
@@ -1733,7 +1733,7 @@
           <a:p>
             <a:fld id="{F7249F8D-641B-4CAF-BAE5-10524742F6F1}" type="datetimeFigureOut">
               <a:rPr lang="en-CA" smtClean="0"/>
-              <a:t>2018-05-15</a:t>
+              <a:t>2018-05-16</a:t>
             </a:fld>
             <a:endParaRPr lang="en-CA"/>
           </a:p>
@@ -1828,7 +1828,7 @@
           <a:p>
             <a:fld id="{F7249F8D-641B-4CAF-BAE5-10524742F6F1}" type="datetimeFigureOut">
               <a:rPr lang="en-CA" smtClean="0"/>
-              <a:t>2018-05-15</a:t>
+              <a:t>2018-05-16</a:t>
             </a:fld>
             <a:endParaRPr lang="en-CA"/>
           </a:p>
@@ -2105,7 +2105,7 @@
           <a:p>
             <a:fld id="{F7249F8D-641B-4CAF-BAE5-10524742F6F1}" type="datetimeFigureOut">
               <a:rPr lang="en-CA" smtClean="0"/>
-              <a:t>2018-05-15</a:t>
+              <a:t>2018-05-16</a:t>
             </a:fld>
             <a:endParaRPr lang="en-CA"/>
           </a:p>
@@ -2358,7 +2358,7 @@
           <a:p>
             <a:fld id="{F7249F8D-641B-4CAF-BAE5-10524742F6F1}" type="datetimeFigureOut">
               <a:rPr lang="en-CA" smtClean="0"/>
-              <a:t>2018-05-15</a:t>
+              <a:t>2018-05-16</a:t>
             </a:fld>
             <a:endParaRPr lang="en-CA"/>
           </a:p>
@@ -2571,7 +2571,7 @@
           <a:p>
             <a:fld id="{F7249F8D-641B-4CAF-BAE5-10524742F6F1}" type="datetimeFigureOut">
               <a:rPr lang="en-CA" smtClean="0"/>
-              <a:t>2018-05-15</a:t>
+              <a:t>2018-05-16</a:t>
             </a:fld>
             <a:endParaRPr lang="en-CA"/>
           </a:p>
@@ -20354,8 +20354,8 @@
             </a:fontRef>
           </p:style>
         </p:cxnSp>
-        <mc:AlternateContent xmlns:mc="http://schemas.openxmlformats.org/markup-compatibility/2006">
-          <mc:Choice xmlns:a14="http://schemas.microsoft.com/office/drawing/2010/main" Requires="a14">
+        <mc:AlternateContent xmlns:mc="http://schemas.openxmlformats.org/markup-compatibility/2006" xmlns:a14="http://schemas.microsoft.com/office/drawing/2010/main">
+          <mc:Choice Requires="a14">
             <p:sp>
               <p:nvSpPr>
                 <p:cNvPr id="98" name="Rectangle 97"/>
@@ -20398,7 +20398,7 @@
               </p:txBody>
             </p:sp>
           </mc:Choice>
-          <mc:Fallback>
+          <mc:Fallback xmlns="">
             <p:sp>
               <p:nvSpPr>
                 <p:cNvPr id="98" name="Rectangle 97"/>
@@ -20437,8 +20437,8 @@
             </p:sp>
           </mc:Fallback>
         </mc:AlternateContent>
-        <mc:AlternateContent xmlns:mc="http://schemas.openxmlformats.org/markup-compatibility/2006">
-          <mc:Choice xmlns:a14="http://schemas.microsoft.com/office/drawing/2010/main" Requires="a14">
+        <mc:AlternateContent xmlns:mc="http://schemas.openxmlformats.org/markup-compatibility/2006" xmlns:a14="http://schemas.microsoft.com/office/drawing/2010/main">
+          <mc:Choice Requires="a14">
             <p:sp>
               <p:nvSpPr>
                 <p:cNvPr id="100" name="Rectangle 99"/>
@@ -20500,7 +20500,7 @@
               </p:txBody>
             </p:sp>
           </mc:Choice>
-          <mc:Fallback>
+          <mc:Fallback xmlns="">
             <p:sp>
               <p:nvSpPr>
                 <p:cNvPr id="100" name="Rectangle 99"/>
@@ -20539,8 +20539,8 @@
             </p:sp>
           </mc:Fallback>
         </mc:AlternateContent>
-        <mc:AlternateContent xmlns:mc="http://schemas.openxmlformats.org/markup-compatibility/2006">
-          <mc:Choice xmlns:a14="http://schemas.microsoft.com/office/drawing/2010/main" Requires="a14">
+        <mc:AlternateContent xmlns:mc="http://schemas.openxmlformats.org/markup-compatibility/2006" xmlns:a14="http://schemas.microsoft.com/office/drawing/2010/main">
+          <mc:Choice Requires="a14">
             <p:sp>
               <p:nvSpPr>
                 <p:cNvPr id="101" name="Rectangle 100"/>
@@ -20602,7 +20602,7 @@
               </p:txBody>
             </p:sp>
           </mc:Choice>
-          <mc:Fallback>
+          <mc:Fallback xmlns="">
             <p:sp>
               <p:nvSpPr>
                 <p:cNvPr id="101" name="Rectangle 100"/>
@@ -30363,7 +30363,7 @@
         </p:nvGrpSpPr>
         <p:grpSpPr>
           <a:xfrm>
-            <a:off x="370840" y="487680"/>
+            <a:off x="1032065" y="441961"/>
             <a:ext cx="3225800" cy="1061719"/>
             <a:chOff x="939800" y="1513840"/>
             <a:chExt cx="3225800" cy="1061719"/>
@@ -31644,6 +31644,743 @@
           </mc:Fallback>
         </mc:AlternateContent>
       </p:grpSp>
+      <p:grpSp>
+        <p:nvGrpSpPr>
+          <p:cNvPr id="15" name="Group 14"/>
+          <p:cNvGrpSpPr/>
+          <p:nvPr/>
+        </p:nvGrpSpPr>
+        <p:grpSpPr>
+          <a:xfrm>
+            <a:off x="6116128" y="1503680"/>
+            <a:ext cx="712649" cy="1177207"/>
+            <a:chOff x="7004649" y="1742536"/>
+            <a:chExt cx="712649" cy="1177207"/>
+          </a:xfrm>
+        </p:grpSpPr>
+        <p:sp>
+          <p:nvSpPr>
+            <p:cNvPr id="4" name="Rectangle 3"/>
+            <p:cNvSpPr/>
+            <p:nvPr/>
+          </p:nvSpPr>
+          <p:spPr>
+            <a:xfrm>
+              <a:off x="7004649" y="1742536"/>
+              <a:ext cx="569343" cy="629728"/>
+            </a:xfrm>
+            <a:prstGeom prst="rect">
+              <a:avLst/>
+            </a:prstGeom>
+            <a:solidFill>
+              <a:schemeClr val="bg2">
+                <a:lumMod val="90000"/>
+              </a:schemeClr>
+            </a:solidFill>
+            <a:ln w="38100">
+              <a:solidFill>
+                <a:schemeClr val="tx1"/>
+              </a:solidFill>
+            </a:ln>
+          </p:spPr>
+          <p:style>
+            <a:lnRef idx="2">
+              <a:schemeClr val="accent1">
+                <a:shade val="50000"/>
+              </a:schemeClr>
+            </a:lnRef>
+            <a:fillRef idx="1">
+              <a:schemeClr val="accent1"/>
+            </a:fillRef>
+            <a:effectRef idx="0">
+              <a:schemeClr val="accent1"/>
+            </a:effectRef>
+            <a:fontRef idx="minor">
+              <a:schemeClr val="lt1"/>
+            </a:fontRef>
+          </p:style>
+          <p:txBody>
+            <a:bodyPr rtlCol="0" anchor="ctr"/>
+            <a:lstStyle/>
+            <a:p>
+              <a:pPr algn="ctr"/>
+              <a:endParaRPr lang="en-US"/>
+            </a:p>
+          </p:txBody>
+        </p:sp>
+        <p:cxnSp>
+          <p:nvCxnSpPr>
+            <p:cNvPr id="13" name="Straight Arrow Connector 12"/>
+            <p:cNvCxnSpPr/>
+            <p:nvPr/>
+          </p:nvCxnSpPr>
+          <p:spPr>
+            <a:xfrm>
+              <a:off x="7280694" y="2053087"/>
+              <a:ext cx="8627" cy="866656"/>
+            </a:xfrm>
+            <a:prstGeom prst="straightConnector1">
+              <a:avLst/>
+            </a:prstGeom>
+            <a:ln w="38100">
+              <a:solidFill>
+                <a:schemeClr val="tx1"/>
+              </a:solidFill>
+              <a:tailEnd type="triangle"/>
+            </a:ln>
+          </p:spPr>
+          <p:style>
+            <a:lnRef idx="1">
+              <a:schemeClr val="accent1"/>
+            </a:lnRef>
+            <a:fillRef idx="0">
+              <a:schemeClr val="accent1"/>
+            </a:fillRef>
+            <a:effectRef idx="0">
+              <a:schemeClr val="accent1"/>
+            </a:effectRef>
+            <a:fontRef idx="minor">
+              <a:schemeClr val="tx1"/>
+            </a:fontRef>
+          </p:style>
+        </p:cxnSp>
+        <mc:AlternateContent xmlns:mc="http://schemas.openxmlformats.org/markup-compatibility/2006">
+          <mc:Choice xmlns:a14="http://schemas.microsoft.com/office/drawing/2010/main" Requires="a14">
+            <p:sp>
+              <p:nvSpPr>
+                <p:cNvPr id="14" name="TextBox 13"/>
+                <p:cNvSpPr txBox="1"/>
+                <p:nvPr/>
+              </p:nvSpPr>
+              <p:spPr>
+                <a:xfrm>
+                  <a:off x="7413433" y="2440028"/>
+                  <a:ext cx="303865" cy="377219"/>
+                </a:xfrm>
+                <a:prstGeom prst="rect">
+                  <a:avLst/>
+                </a:prstGeom>
+                <a:noFill/>
+              </p:spPr>
+              <p:txBody>
+                <a:bodyPr wrap="none" lIns="0" tIns="0" rIns="0" bIns="0" rtlCol="0">
+                  <a:spAutoFit/>
+                </a:bodyPr>
+                <a:lstStyle/>
+                <a:p>
+                  <a14:m>
+                    <m:oMathPara xmlns:m="http://schemas.openxmlformats.org/officeDocument/2006/math">
+                      <m:oMathParaPr>
+                        <m:jc m:val="centerGroup"/>
+                      </m:oMathParaPr>
+                      <m:oMath xmlns:m="http://schemas.openxmlformats.org/officeDocument/2006/math">
+                        <m:sSub>
+                          <m:sSubPr>
+                            <m:ctrlPr>
+                              <a:rPr lang="en-US" sz="2000" b="0" i="1" smtClean="0">
+                                <a:latin typeface="Cambria Math" panose="02040503050406030204" pitchFamily="18" charset="0"/>
+                                <a:cs typeface="Arial" panose="020B0604020202020204" pitchFamily="34" charset="0"/>
+                              </a:rPr>
+                            </m:ctrlPr>
+                          </m:sSubPr>
+                          <m:e>
+                            <m:acc>
+                              <m:accPr>
+                                <m:chr m:val="⃗"/>
+                                <m:ctrlPr>
+                                  <a:rPr lang="en-US" sz="2000" b="0" i="1" smtClean="0">
+                                    <a:latin typeface="Cambria Math" panose="02040503050406030204" pitchFamily="18" charset="0"/>
+                                    <a:cs typeface="Arial" panose="020B0604020202020204" pitchFamily="34" charset="0"/>
+                                  </a:rPr>
+                                </m:ctrlPr>
+                              </m:accPr>
+                              <m:e>
+                                <m:r>
+                                  <a:rPr lang="en-US" sz="2000" b="0" i="1" smtClean="0">
+                                    <a:latin typeface="Cambria Math" panose="02040503050406030204" pitchFamily="18" charset="0"/>
+                                    <a:cs typeface="Arial" panose="020B0604020202020204" pitchFamily="34" charset="0"/>
+                                  </a:rPr>
+                                  <m:t>𝐹</m:t>
+                                </m:r>
+                              </m:e>
+                            </m:acc>
+                          </m:e>
+                          <m:sub>
+                            <m:r>
+                              <a:rPr lang="en-US" sz="2000" b="0" i="1" smtClean="0">
+                                <a:latin typeface="Cambria Math" panose="02040503050406030204" pitchFamily="18" charset="0"/>
+                                <a:cs typeface="Arial" panose="020B0604020202020204" pitchFamily="34" charset="0"/>
+                              </a:rPr>
+                              <m:t>𝑔</m:t>
+                            </m:r>
+                          </m:sub>
+                        </m:sSub>
+                      </m:oMath>
+                    </m:oMathPara>
+                  </a14:m>
+                  <a:endParaRPr lang="en-US" sz="2000" dirty="0" smtClean="0">
+                    <a:latin typeface="Arial" panose="020B0604020202020204" pitchFamily="34" charset="0"/>
+                    <a:cs typeface="Arial" panose="020B0604020202020204" pitchFamily="34" charset="0"/>
+                  </a:endParaRPr>
+                </a:p>
+              </p:txBody>
+            </p:sp>
+          </mc:Choice>
+          <mc:Fallback>
+            <p:sp>
+              <p:nvSpPr>
+                <p:cNvPr id="14" name="TextBox 13"/>
+                <p:cNvSpPr txBox="1">
+                  <a:spLocks noRot="1" noChangeAspect="1" noMove="1" noResize="1" noEditPoints="1" noAdjustHandles="1" noChangeArrowheads="1" noChangeShapeType="1" noTextEdit="1"/>
+                </p:cNvSpPr>
+                <p:nvPr/>
+              </p:nvSpPr>
+              <p:spPr>
+                <a:xfrm>
+                  <a:off x="7413433" y="2440028"/>
+                  <a:ext cx="303865" cy="377219"/>
+                </a:xfrm>
+                <a:prstGeom prst="rect">
+                  <a:avLst/>
+                </a:prstGeom>
+                <a:blipFill>
+                  <a:blip r:embed="rId10"/>
+                  <a:stretch>
+                    <a:fillRect l="-16000" t="-30645" r="-72000" b="-17742"/>
+                  </a:stretch>
+                </a:blipFill>
+              </p:spPr>
+              <p:txBody>
+                <a:bodyPr/>
+                <a:lstStyle/>
+                <a:p>
+                  <a:r>
+                    <a:rPr lang="en-US">
+                      <a:noFill/>
+                    </a:rPr>
+                    <a:t> </a:t>
+                  </a:r>
+                </a:p>
+              </p:txBody>
+            </p:sp>
+          </mc:Fallback>
+        </mc:AlternateContent>
+      </p:grpSp>
+      <p:grpSp>
+        <p:nvGrpSpPr>
+          <p:cNvPr id="47" name="Group 46"/>
+          <p:cNvGrpSpPr/>
+          <p:nvPr/>
+        </p:nvGrpSpPr>
+        <p:grpSpPr>
+          <a:xfrm>
+            <a:off x="4996068" y="2924481"/>
+            <a:ext cx="4726276" cy="1616666"/>
+            <a:chOff x="4996068" y="2924481"/>
+            <a:chExt cx="4726276" cy="1616666"/>
+          </a:xfrm>
+        </p:grpSpPr>
+        <p:grpSp>
+          <p:nvGrpSpPr>
+            <p:cNvPr id="46" name="Group 45"/>
+            <p:cNvGrpSpPr/>
+            <p:nvPr/>
+          </p:nvGrpSpPr>
+          <p:grpSpPr>
+            <a:xfrm>
+              <a:off x="4996068" y="3201951"/>
+              <a:ext cx="1934955" cy="1339196"/>
+              <a:chOff x="4996068" y="3201951"/>
+              <a:chExt cx="1934955" cy="1339196"/>
+            </a:xfrm>
+          </p:grpSpPr>
+          <p:sp>
+            <p:nvSpPr>
+              <p:cNvPr id="31" name="Rectangle 30"/>
+              <p:cNvSpPr/>
+              <p:nvPr/>
+            </p:nvSpPr>
+            <p:spPr>
+              <a:xfrm>
+                <a:off x="5678875" y="3671801"/>
+                <a:ext cx="569343" cy="629728"/>
+              </a:xfrm>
+              <a:prstGeom prst="rect">
+                <a:avLst/>
+              </a:prstGeom>
+              <a:solidFill>
+                <a:schemeClr val="bg2">
+                  <a:lumMod val="90000"/>
+                </a:schemeClr>
+              </a:solidFill>
+              <a:ln w="38100">
+                <a:solidFill>
+                  <a:schemeClr val="tx1"/>
+                </a:solidFill>
+              </a:ln>
+            </p:spPr>
+            <p:style>
+              <a:lnRef idx="2">
+                <a:schemeClr val="accent1">
+                  <a:shade val="50000"/>
+                </a:schemeClr>
+              </a:lnRef>
+              <a:fillRef idx="1">
+                <a:schemeClr val="accent1"/>
+              </a:fillRef>
+              <a:effectRef idx="0">
+                <a:schemeClr val="accent1"/>
+              </a:effectRef>
+              <a:fontRef idx="minor">
+                <a:schemeClr val="lt1"/>
+              </a:fontRef>
+            </p:style>
+            <p:txBody>
+              <a:bodyPr rtlCol="0" anchor="ctr"/>
+              <a:lstStyle/>
+              <a:p>
+                <a:pPr algn="ctr"/>
+                <a:endParaRPr lang="en-US"/>
+              </a:p>
+            </p:txBody>
+          </p:sp>
+          <p:cxnSp>
+            <p:nvCxnSpPr>
+              <p:cNvPr id="32" name="Straight Arrow Connector 31"/>
+              <p:cNvCxnSpPr/>
+              <p:nvPr/>
+            </p:nvCxnSpPr>
+            <p:spPr>
+              <a:xfrm flipV="1">
+                <a:off x="5963546" y="3201951"/>
+                <a:ext cx="0" cy="1108967"/>
+              </a:xfrm>
+              <a:prstGeom prst="straightConnector1">
+                <a:avLst/>
+              </a:prstGeom>
+              <a:ln w="38100">
+                <a:solidFill>
+                  <a:schemeClr val="tx1"/>
+                </a:solidFill>
+                <a:tailEnd type="triangle"/>
+              </a:ln>
+            </p:spPr>
+            <p:style>
+              <a:lnRef idx="1">
+                <a:schemeClr val="accent1"/>
+              </a:lnRef>
+              <a:fillRef idx="0">
+                <a:schemeClr val="accent1"/>
+              </a:fillRef>
+              <a:effectRef idx="0">
+                <a:schemeClr val="accent1"/>
+              </a:effectRef>
+              <a:fontRef idx="minor">
+                <a:schemeClr val="tx1"/>
+              </a:fontRef>
+            </p:style>
+          </p:cxnSp>
+          <mc:AlternateContent xmlns:mc="http://schemas.openxmlformats.org/markup-compatibility/2006">
+            <mc:Choice xmlns:a14="http://schemas.microsoft.com/office/drawing/2010/main" Requires="a14">
+              <p:sp>
+                <p:nvSpPr>
+                  <p:cNvPr id="33" name="TextBox 32"/>
+                  <p:cNvSpPr txBox="1"/>
+                  <p:nvPr/>
+                </p:nvSpPr>
+                <p:spPr>
+                  <a:xfrm>
+                    <a:off x="6081954" y="3289533"/>
+                    <a:ext cx="264367" cy="345159"/>
+                  </a:xfrm>
+                  <a:prstGeom prst="rect">
+                    <a:avLst/>
+                  </a:prstGeom>
+                  <a:noFill/>
+                </p:spPr>
+                <p:txBody>
+                  <a:bodyPr wrap="none" lIns="0" tIns="0" rIns="0" bIns="0" rtlCol="0">
+                    <a:spAutoFit/>
+                  </a:bodyPr>
+                  <a:lstStyle/>
+                  <a:p>
+                    <a14:m>
+                      <m:oMathPara xmlns:m="http://schemas.openxmlformats.org/officeDocument/2006/math">
+                        <m:oMathParaPr>
+                          <m:jc m:val="centerGroup"/>
+                        </m:oMathParaPr>
+                        <m:oMath xmlns:m="http://schemas.openxmlformats.org/officeDocument/2006/math">
+                          <m:acc>
+                            <m:accPr>
+                              <m:chr m:val="⃗"/>
+                              <m:ctrlPr>
+                                <a:rPr lang="en-US" sz="2000" b="0" i="1" smtClean="0">
+                                  <a:latin typeface="Cambria Math" panose="02040503050406030204" pitchFamily="18" charset="0"/>
+                                  <a:cs typeface="Arial" panose="020B0604020202020204" pitchFamily="34" charset="0"/>
+                                </a:rPr>
+                              </m:ctrlPr>
+                            </m:accPr>
+                            <m:e>
+                              <m:r>
+                                <a:rPr lang="en-US" sz="2000" b="0" i="1" smtClean="0">
+                                  <a:latin typeface="Cambria Math" panose="02040503050406030204" pitchFamily="18" charset="0"/>
+                                  <a:cs typeface="Arial" panose="020B0604020202020204" pitchFamily="34" charset="0"/>
+                                </a:rPr>
+                                <m:t>𝑁</m:t>
+                              </m:r>
+                            </m:e>
+                          </m:acc>
+                        </m:oMath>
+                      </m:oMathPara>
+                    </a14:m>
+                    <a:endParaRPr lang="en-US" sz="2000" dirty="0" smtClean="0">
+                      <a:latin typeface="Arial" panose="020B0604020202020204" pitchFamily="34" charset="0"/>
+                      <a:cs typeface="Arial" panose="020B0604020202020204" pitchFamily="34" charset="0"/>
+                    </a:endParaRPr>
+                  </a:p>
+                </p:txBody>
+              </p:sp>
+            </mc:Choice>
+            <mc:Fallback>
+              <p:sp>
+                <p:nvSpPr>
+                  <p:cNvPr id="33" name="TextBox 32"/>
+                  <p:cNvSpPr txBox="1">
+                    <a:spLocks noRot="1" noChangeAspect="1" noMove="1" noResize="1" noEditPoints="1" noAdjustHandles="1" noChangeArrowheads="1" noChangeShapeType="1" noTextEdit="1"/>
+                  </p:cNvSpPr>
+                  <p:nvPr/>
+                </p:nvSpPr>
+                <p:spPr>
+                  <a:xfrm>
+                    <a:off x="6081954" y="3289533"/>
+                    <a:ext cx="264367" cy="345159"/>
+                  </a:xfrm>
+                  <a:prstGeom prst="rect">
+                    <a:avLst/>
+                  </a:prstGeom>
+                  <a:blipFill>
+                    <a:blip r:embed="rId11"/>
+                    <a:stretch>
+                      <a:fillRect l="-20930" r="-18605" b="-8929"/>
+                    </a:stretch>
+                  </a:blipFill>
+                </p:spPr>
+                <p:txBody>
+                  <a:bodyPr/>
+                  <a:lstStyle/>
+                  <a:p>
+                    <a:r>
+                      <a:rPr lang="en-US">
+                        <a:noFill/>
+                      </a:rPr>
+                      <a:t> </a:t>
+                    </a:r>
+                  </a:p>
+                </p:txBody>
+              </p:sp>
+            </mc:Fallback>
+          </mc:AlternateContent>
+          <p:sp>
+            <p:nvSpPr>
+              <p:cNvPr id="36" name="Rectangle 35"/>
+              <p:cNvSpPr/>
+              <p:nvPr/>
+            </p:nvSpPr>
+            <p:spPr>
+              <a:xfrm>
+                <a:off x="4996068" y="4302291"/>
+                <a:ext cx="1934955" cy="238856"/>
+              </a:xfrm>
+              <a:prstGeom prst="rect">
+                <a:avLst/>
+              </a:prstGeom>
+              <a:solidFill>
+                <a:schemeClr val="tx1"/>
+              </a:solidFill>
+              <a:ln w="38100">
+                <a:solidFill>
+                  <a:schemeClr val="tx1"/>
+                </a:solidFill>
+              </a:ln>
+            </p:spPr>
+            <p:style>
+              <a:lnRef idx="2">
+                <a:schemeClr val="accent1">
+                  <a:shade val="50000"/>
+                </a:schemeClr>
+              </a:lnRef>
+              <a:fillRef idx="1">
+                <a:schemeClr val="accent1"/>
+              </a:fillRef>
+              <a:effectRef idx="0">
+                <a:schemeClr val="accent1"/>
+              </a:effectRef>
+              <a:fontRef idx="minor">
+                <a:schemeClr val="lt1"/>
+              </a:fontRef>
+            </p:style>
+            <p:txBody>
+              <a:bodyPr rtlCol="0" anchor="ctr"/>
+              <a:lstStyle/>
+              <a:p>
+                <a:pPr algn="ctr"/>
+                <a:endParaRPr lang="en-US"/>
+              </a:p>
+            </p:txBody>
+          </p:sp>
+        </p:grpSp>
+        <p:grpSp>
+          <p:nvGrpSpPr>
+            <p:cNvPr id="28" name="Group 27"/>
+            <p:cNvGrpSpPr/>
+            <p:nvPr/>
+          </p:nvGrpSpPr>
+          <p:grpSpPr>
+            <a:xfrm>
+              <a:off x="7539861" y="2924481"/>
+              <a:ext cx="2182483" cy="1609775"/>
+              <a:chOff x="7576956" y="2931372"/>
+              <a:chExt cx="2182483" cy="1609775"/>
+            </a:xfrm>
+          </p:grpSpPr>
+          <p:sp>
+            <p:nvSpPr>
+              <p:cNvPr id="39" name="Rectangle 38"/>
+              <p:cNvSpPr/>
+              <p:nvPr/>
+            </p:nvSpPr>
+            <p:spPr>
+              <a:xfrm rot="1669539">
+                <a:off x="8315159" y="3265489"/>
+                <a:ext cx="569343" cy="629728"/>
+              </a:xfrm>
+              <a:prstGeom prst="rect">
+                <a:avLst/>
+              </a:prstGeom>
+              <a:solidFill>
+                <a:schemeClr val="bg2">
+                  <a:lumMod val="90000"/>
+                </a:schemeClr>
+              </a:solidFill>
+              <a:ln w="38100">
+                <a:solidFill>
+                  <a:schemeClr val="tx1"/>
+                </a:solidFill>
+              </a:ln>
+            </p:spPr>
+            <p:style>
+              <a:lnRef idx="2">
+                <a:schemeClr val="accent1">
+                  <a:shade val="50000"/>
+                </a:schemeClr>
+              </a:lnRef>
+              <a:fillRef idx="1">
+                <a:schemeClr val="accent1"/>
+              </a:fillRef>
+              <a:effectRef idx="0">
+                <a:schemeClr val="accent1"/>
+              </a:effectRef>
+              <a:fontRef idx="minor">
+                <a:schemeClr val="lt1"/>
+              </a:fontRef>
+            </p:style>
+            <p:txBody>
+              <a:bodyPr rtlCol="0" anchor="ctr"/>
+              <a:lstStyle/>
+              <a:p>
+                <a:pPr algn="ctr"/>
+                <a:endParaRPr lang="en-US"/>
+              </a:p>
+            </p:txBody>
+          </p:sp>
+          <p:cxnSp>
+            <p:nvCxnSpPr>
+              <p:cNvPr id="43" name="Straight Arrow Connector 42"/>
+              <p:cNvCxnSpPr>
+                <a:stCxn id="39" idx="2"/>
+              </p:cNvCxnSpPr>
+              <p:nvPr/>
+            </p:nvCxnSpPr>
+            <p:spPr>
+              <a:xfrm flipV="1">
+                <a:off x="8452858" y="2931372"/>
+                <a:ext cx="469818" cy="927438"/>
+              </a:xfrm>
+              <a:prstGeom prst="straightConnector1">
+                <a:avLst/>
+              </a:prstGeom>
+              <a:ln w="38100">
+                <a:solidFill>
+                  <a:schemeClr val="tx1"/>
+                </a:solidFill>
+                <a:tailEnd type="triangle"/>
+              </a:ln>
+            </p:spPr>
+            <p:style>
+              <a:lnRef idx="1">
+                <a:schemeClr val="accent1"/>
+              </a:lnRef>
+              <a:fillRef idx="0">
+                <a:schemeClr val="accent1"/>
+              </a:fillRef>
+              <a:effectRef idx="0">
+                <a:schemeClr val="accent1"/>
+              </a:effectRef>
+              <a:fontRef idx="minor">
+                <a:schemeClr val="tx1"/>
+              </a:fontRef>
+            </p:style>
+          </p:cxnSp>
+          <mc:AlternateContent xmlns:mc="http://schemas.openxmlformats.org/markup-compatibility/2006">
+            <mc:Choice xmlns:a14="http://schemas.microsoft.com/office/drawing/2010/main" Requires="a14">
+              <p:sp>
+                <p:nvSpPr>
+                  <p:cNvPr id="44" name="TextBox 43"/>
+                  <p:cNvSpPr txBox="1"/>
+                  <p:nvPr/>
+                </p:nvSpPr>
+                <p:spPr>
+                  <a:xfrm>
+                    <a:off x="8982449" y="2959359"/>
+                    <a:ext cx="264367" cy="345159"/>
+                  </a:xfrm>
+                  <a:prstGeom prst="rect">
+                    <a:avLst/>
+                  </a:prstGeom>
+                  <a:noFill/>
+                </p:spPr>
+                <p:txBody>
+                  <a:bodyPr wrap="none" lIns="0" tIns="0" rIns="0" bIns="0" rtlCol="0">
+                    <a:spAutoFit/>
+                  </a:bodyPr>
+                  <a:lstStyle/>
+                  <a:p>
+                    <a14:m>
+                      <m:oMathPara xmlns:m="http://schemas.openxmlformats.org/officeDocument/2006/math">
+                        <m:oMathParaPr>
+                          <m:jc m:val="centerGroup"/>
+                        </m:oMathParaPr>
+                        <m:oMath xmlns:m="http://schemas.openxmlformats.org/officeDocument/2006/math">
+                          <m:acc>
+                            <m:accPr>
+                              <m:chr m:val="⃗"/>
+                              <m:ctrlPr>
+                                <a:rPr lang="en-US" sz="2000" b="0" i="1" smtClean="0">
+                                  <a:latin typeface="Cambria Math" panose="02040503050406030204" pitchFamily="18" charset="0"/>
+                                  <a:cs typeface="Arial" panose="020B0604020202020204" pitchFamily="34" charset="0"/>
+                                </a:rPr>
+                              </m:ctrlPr>
+                            </m:accPr>
+                            <m:e>
+                              <m:r>
+                                <a:rPr lang="en-US" sz="2000" b="0" i="1" smtClean="0">
+                                  <a:latin typeface="Cambria Math" panose="02040503050406030204" pitchFamily="18" charset="0"/>
+                                  <a:cs typeface="Arial" panose="020B0604020202020204" pitchFamily="34" charset="0"/>
+                                </a:rPr>
+                                <m:t>𝑁</m:t>
+                              </m:r>
+                            </m:e>
+                          </m:acc>
+                        </m:oMath>
+                      </m:oMathPara>
+                    </a14:m>
+                    <a:endParaRPr lang="en-US" sz="2000" dirty="0" smtClean="0">
+                      <a:latin typeface="Arial" panose="020B0604020202020204" pitchFamily="34" charset="0"/>
+                      <a:cs typeface="Arial" panose="020B0604020202020204" pitchFamily="34" charset="0"/>
+                    </a:endParaRPr>
+                  </a:p>
+                </p:txBody>
+              </p:sp>
+            </mc:Choice>
+            <mc:Fallback>
+              <p:sp>
+                <p:nvSpPr>
+                  <p:cNvPr id="44" name="TextBox 43"/>
+                  <p:cNvSpPr txBox="1">
+                    <a:spLocks noRot="1" noChangeAspect="1" noMove="1" noResize="1" noEditPoints="1" noAdjustHandles="1" noChangeArrowheads="1" noChangeShapeType="1" noTextEdit="1"/>
+                  </p:cNvSpPr>
+                  <p:nvPr/>
+                </p:nvSpPr>
+                <p:spPr>
+                  <a:xfrm>
+                    <a:off x="8982449" y="2959359"/>
+                    <a:ext cx="264367" cy="345159"/>
+                  </a:xfrm>
+                  <a:prstGeom prst="rect">
+                    <a:avLst/>
+                  </a:prstGeom>
+                  <a:blipFill>
+                    <a:blip r:embed="rId12"/>
+                    <a:stretch>
+                      <a:fillRect l="-18182" r="-18182" b="-8772"/>
+                    </a:stretch>
+                  </a:blipFill>
+                </p:spPr>
+                <p:txBody>
+                  <a:bodyPr/>
+                  <a:lstStyle/>
+                  <a:p>
+                    <a:r>
+                      <a:rPr lang="en-US">
+                        <a:noFill/>
+                      </a:rPr>
+                      <a:t> </a:t>
+                    </a:r>
+                  </a:p>
+                </p:txBody>
+              </p:sp>
+            </mc:Fallback>
+          </mc:AlternateContent>
+          <p:sp>
+            <p:nvSpPr>
+              <p:cNvPr id="23" name="Right Triangle 22"/>
+              <p:cNvSpPr/>
+              <p:nvPr/>
+            </p:nvSpPr>
+            <p:spPr>
+              <a:xfrm>
+                <a:off x="7576956" y="3419306"/>
+                <a:ext cx="2182483" cy="1121841"/>
+              </a:xfrm>
+              <a:prstGeom prst="rtTriangle">
+                <a:avLst/>
+              </a:prstGeom>
+              <a:solidFill>
+                <a:schemeClr val="tx1"/>
+              </a:solidFill>
+              <a:ln w="38100">
+                <a:solidFill>
+                  <a:schemeClr val="tx1"/>
+                </a:solidFill>
+              </a:ln>
+            </p:spPr>
+            <p:style>
+              <a:lnRef idx="2">
+                <a:schemeClr val="accent1">
+                  <a:shade val="50000"/>
+                </a:schemeClr>
+              </a:lnRef>
+              <a:fillRef idx="1">
+                <a:schemeClr val="accent1"/>
+              </a:fillRef>
+              <a:effectRef idx="0">
+                <a:schemeClr val="accent1"/>
+              </a:effectRef>
+              <a:fontRef idx="minor">
+                <a:schemeClr val="lt1"/>
+              </a:fontRef>
+            </p:style>
+            <p:txBody>
+              <a:bodyPr rtlCol="0" anchor="ctr"/>
+              <a:lstStyle/>
+              <a:p>
+                <a:pPr algn="ctr"/>
+                <a:endParaRPr lang="en-US"/>
+              </a:p>
+            </p:txBody>
+          </p:sp>
+        </p:grpSp>
+      </p:grpSp>
     </p:spTree>
     <p:extLst>
       <p:ext uri="{BB962C8B-B14F-4D97-AF65-F5344CB8AC3E}">

--- a/tex/figures/Figures.pptx
+++ b/tex/figures/Figures.pptx
@@ -250,7 +250,7 @@
           <a:p>
             <a:fld id="{F7249F8D-641B-4CAF-BAE5-10524742F6F1}" type="datetimeFigureOut">
               <a:rPr lang="en-CA" smtClean="0"/>
-              <a:t>2018-05-16</a:t>
+              <a:t>2018-05-17</a:t>
             </a:fld>
             <a:endParaRPr lang="en-CA"/>
           </a:p>
@@ -420,7 +420,7 @@
           <a:p>
             <a:fld id="{F7249F8D-641B-4CAF-BAE5-10524742F6F1}" type="datetimeFigureOut">
               <a:rPr lang="en-CA" smtClean="0"/>
-              <a:t>2018-05-16</a:t>
+              <a:t>2018-05-17</a:t>
             </a:fld>
             <a:endParaRPr lang="en-CA"/>
           </a:p>
@@ -600,7 +600,7 @@
           <a:p>
             <a:fld id="{F7249F8D-641B-4CAF-BAE5-10524742F6F1}" type="datetimeFigureOut">
               <a:rPr lang="en-CA" smtClean="0"/>
-              <a:t>2018-05-16</a:t>
+              <a:t>2018-05-17</a:t>
             </a:fld>
             <a:endParaRPr lang="en-CA"/>
           </a:p>
@@ -770,7 +770,7 @@
           <a:p>
             <a:fld id="{F7249F8D-641B-4CAF-BAE5-10524742F6F1}" type="datetimeFigureOut">
               <a:rPr lang="en-CA" smtClean="0"/>
-              <a:t>2018-05-16</a:t>
+              <a:t>2018-05-17</a:t>
             </a:fld>
             <a:endParaRPr lang="en-CA"/>
           </a:p>
@@ -1016,7 +1016,7 @@
           <a:p>
             <a:fld id="{F7249F8D-641B-4CAF-BAE5-10524742F6F1}" type="datetimeFigureOut">
               <a:rPr lang="en-CA" smtClean="0"/>
-              <a:t>2018-05-16</a:t>
+              <a:t>2018-05-17</a:t>
             </a:fld>
             <a:endParaRPr lang="en-CA"/>
           </a:p>
@@ -1248,7 +1248,7 @@
           <a:p>
             <a:fld id="{F7249F8D-641B-4CAF-BAE5-10524742F6F1}" type="datetimeFigureOut">
               <a:rPr lang="en-CA" smtClean="0"/>
-              <a:t>2018-05-16</a:t>
+              <a:t>2018-05-17</a:t>
             </a:fld>
             <a:endParaRPr lang="en-CA"/>
           </a:p>
@@ -1615,7 +1615,7 @@
           <a:p>
             <a:fld id="{F7249F8D-641B-4CAF-BAE5-10524742F6F1}" type="datetimeFigureOut">
               <a:rPr lang="en-CA" smtClean="0"/>
-              <a:t>2018-05-16</a:t>
+              <a:t>2018-05-17</a:t>
             </a:fld>
             <a:endParaRPr lang="en-CA"/>
           </a:p>
@@ -1733,7 +1733,7 @@
           <a:p>
             <a:fld id="{F7249F8D-641B-4CAF-BAE5-10524742F6F1}" type="datetimeFigureOut">
               <a:rPr lang="en-CA" smtClean="0"/>
-              <a:t>2018-05-16</a:t>
+              <a:t>2018-05-17</a:t>
             </a:fld>
             <a:endParaRPr lang="en-CA"/>
           </a:p>
@@ -1828,7 +1828,7 @@
           <a:p>
             <a:fld id="{F7249F8D-641B-4CAF-BAE5-10524742F6F1}" type="datetimeFigureOut">
               <a:rPr lang="en-CA" smtClean="0"/>
-              <a:t>2018-05-16</a:t>
+              <a:t>2018-05-17</a:t>
             </a:fld>
             <a:endParaRPr lang="en-CA"/>
           </a:p>
@@ -2105,7 +2105,7 @@
           <a:p>
             <a:fld id="{F7249F8D-641B-4CAF-BAE5-10524742F6F1}" type="datetimeFigureOut">
               <a:rPr lang="en-CA" smtClean="0"/>
-              <a:t>2018-05-16</a:t>
+              <a:t>2018-05-17</a:t>
             </a:fld>
             <a:endParaRPr lang="en-CA"/>
           </a:p>
@@ -2358,7 +2358,7 @@
           <a:p>
             <a:fld id="{F7249F8D-641B-4CAF-BAE5-10524742F6F1}" type="datetimeFigureOut">
               <a:rPr lang="en-CA" smtClean="0"/>
-              <a:t>2018-05-16</a:t>
+              <a:t>2018-05-17</a:t>
             </a:fld>
             <a:endParaRPr lang="en-CA"/>
           </a:p>
@@ -2571,7 +2571,7 @@
           <a:p>
             <a:fld id="{F7249F8D-641B-4CAF-BAE5-10524742F6F1}" type="datetimeFigureOut">
               <a:rPr lang="en-CA" smtClean="0"/>
-              <a:t>2018-05-16</a:t>
+              <a:t>2018-05-17</a:t>
             </a:fld>
             <a:endParaRPr lang="en-CA"/>
           </a:p>
@@ -3819,9 +3819,9 @@
         <p:grpSpPr>
           <a:xfrm>
             <a:off x="1482851" y="3593039"/>
-            <a:ext cx="2216092" cy="2146316"/>
+            <a:ext cx="2224718" cy="2146316"/>
             <a:chOff x="1129904" y="708040"/>
-            <a:chExt cx="2216092" cy="2146316"/>
+            <a:chExt cx="2224718" cy="2146316"/>
           </a:xfrm>
         </p:grpSpPr>
         <p:grpSp>
@@ -3833,9 +3833,9 @@
           <p:grpSpPr>
             <a:xfrm>
               <a:off x="1163211" y="708040"/>
-              <a:ext cx="2182785" cy="2146316"/>
+              <a:ext cx="2191411" cy="2146316"/>
               <a:chOff x="1190506" y="680744"/>
-              <a:chExt cx="2182785" cy="2146316"/>
+              <a:chExt cx="2191411" cy="2146316"/>
             </a:xfrm>
           </p:grpSpPr>
           <p:cxnSp>
@@ -3882,7 +3882,7 @@
             </p:nvCxnSpPr>
             <p:spPr>
               <a:xfrm flipV="1">
-                <a:off x="1498387" y="2526633"/>
+                <a:off x="1507013" y="2535259"/>
                 <a:ext cx="1874904" cy="1"/>
               </a:xfrm>
               <a:prstGeom prst="straightConnector1">
@@ -31744,8 +31744,8 @@
             </a:fontRef>
           </p:style>
         </p:cxnSp>
-        <mc:AlternateContent xmlns:mc="http://schemas.openxmlformats.org/markup-compatibility/2006">
-          <mc:Choice xmlns:a14="http://schemas.microsoft.com/office/drawing/2010/main" Requires="a14">
+        <mc:AlternateContent xmlns:mc="http://schemas.openxmlformats.org/markup-compatibility/2006" xmlns:a14="http://schemas.microsoft.com/office/drawing/2010/main">
+          <mc:Choice Requires="a14">
             <p:sp>
               <p:nvSpPr>
                 <p:cNvPr id="14" name="TextBox 13"/>
@@ -31768,6 +31768,7 @@
                 </a:bodyPr>
                 <a:lstStyle/>
                 <a:p>
+                  <a:pPr/>
                   <a14:m>
                     <m:oMathPara xmlns:m="http://schemas.openxmlformats.org/officeDocument/2006/math">
                       <m:oMathParaPr>
@@ -31826,7 +31827,7 @@
               </p:txBody>
             </p:sp>
           </mc:Choice>
-          <mc:Fallback>
+          <mc:Fallback xmlns="">
             <p:sp>
               <p:nvSpPr>
                 <p:cNvPr id="14" name="TextBox 13"/>
@@ -31980,8 +31981,8 @@
               </a:fontRef>
             </p:style>
           </p:cxnSp>
-          <mc:AlternateContent xmlns:mc="http://schemas.openxmlformats.org/markup-compatibility/2006">
-            <mc:Choice xmlns:a14="http://schemas.microsoft.com/office/drawing/2010/main" Requires="a14">
+          <mc:AlternateContent xmlns:mc="http://schemas.openxmlformats.org/markup-compatibility/2006" xmlns:a14="http://schemas.microsoft.com/office/drawing/2010/main">
+            <mc:Choice Requires="a14">
               <p:sp>
                 <p:nvSpPr>
                   <p:cNvPr id="33" name="TextBox 32"/>
@@ -32004,6 +32005,7 @@
                   </a:bodyPr>
                   <a:lstStyle/>
                   <a:p>
+                    <a:pPr/>
                     <a14:m>
                       <m:oMathPara xmlns:m="http://schemas.openxmlformats.org/officeDocument/2006/math">
                         <m:oMathParaPr>
@@ -32041,7 +32043,7 @@
                 </p:txBody>
               </p:sp>
             </mc:Choice>
-            <mc:Fallback>
+            <mc:Fallback xmlns="">
               <p:sp>
                 <p:nvSpPr>
                   <p:cNvPr id="33" name="TextBox 32"/>
@@ -32231,8 +32233,8 @@
               </a:fontRef>
             </p:style>
           </p:cxnSp>
-          <mc:AlternateContent xmlns:mc="http://schemas.openxmlformats.org/markup-compatibility/2006">
-            <mc:Choice xmlns:a14="http://schemas.microsoft.com/office/drawing/2010/main" Requires="a14">
+          <mc:AlternateContent xmlns:mc="http://schemas.openxmlformats.org/markup-compatibility/2006" xmlns:a14="http://schemas.microsoft.com/office/drawing/2010/main">
+            <mc:Choice Requires="a14">
               <p:sp>
                 <p:nvSpPr>
                   <p:cNvPr id="44" name="TextBox 43"/>
@@ -32255,6 +32257,7 @@
                   </a:bodyPr>
                   <a:lstStyle/>
                   <a:p>
+                    <a:pPr/>
                     <a14:m>
                       <m:oMathPara xmlns:m="http://schemas.openxmlformats.org/officeDocument/2006/math">
                         <m:oMathParaPr>
@@ -32292,7 +32295,7 @@
                 </p:txBody>
               </p:sp>
             </mc:Choice>
-            <mc:Fallback>
+            <mc:Fallback xmlns="">
               <p:sp>
                 <p:nvSpPr>
                   <p:cNvPr id="44" name="TextBox 43"/>

--- a/tex/figures/Figures.pptx
+++ b/tex/figures/Figures.pptx
@@ -13,6 +13,8 @@
     <p:sldId id="261" r:id="rId7"/>
     <p:sldId id="262" r:id="rId8"/>
     <p:sldId id="263" r:id="rId9"/>
+    <p:sldId id="264" r:id="rId10"/>
+    <p:sldId id="265" r:id="rId11"/>
   </p:sldIdLst>
   <p:sldSz cx="12192000" cy="6858000"/>
   <p:notesSz cx="6858000" cy="9144000"/>
@@ -113,7 +115,7 @@
   </p:defaultTextStyle>
   <p:extLst>
     <p:ext uri="{EFAFB233-063F-42B5-8137-9DF3F51BA10A}">
-      <p15:sldGuideLst xmlns:p15="http://schemas.microsoft.com/office/powerpoint/2012/main"/>
+      <p15:sldGuideLst xmlns:p15="http://schemas.microsoft.com/office/powerpoint/2012/main" xmlns=""/>
     </p:ext>
   </p:extLst>
 </p:presentation>
@@ -250,7 +252,7 @@
           <a:p>
             <a:fld id="{F7249F8D-641B-4CAF-BAE5-10524742F6F1}" type="datetimeFigureOut">
               <a:rPr lang="en-CA" smtClean="0"/>
-              <a:t>2018-05-17</a:t>
+              <a:t>18-05-24</a:t>
             </a:fld>
             <a:endParaRPr lang="en-CA"/>
           </a:p>
@@ -420,7 +422,7 @@
           <a:p>
             <a:fld id="{F7249F8D-641B-4CAF-BAE5-10524742F6F1}" type="datetimeFigureOut">
               <a:rPr lang="en-CA" smtClean="0"/>
-              <a:t>2018-05-17</a:t>
+              <a:t>18-05-24</a:t>
             </a:fld>
             <a:endParaRPr lang="en-CA"/>
           </a:p>
@@ -600,7 +602,7 @@
           <a:p>
             <a:fld id="{F7249F8D-641B-4CAF-BAE5-10524742F6F1}" type="datetimeFigureOut">
               <a:rPr lang="en-CA" smtClean="0"/>
-              <a:t>2018-05-17</a:t>
+              <a:t>18-05-24</a:t>
             </a:fld>
             <a:endParaRPr lang="en-CA"/>
           </a:p>
@@ -770,7 +772,7 @@
           <a:p>
             <a:fld id="{F7249F8D-641B-4CAF-BAE5-10524742F6F1}" type="datetimeFigureOut">
               <a:rPr lang="en-CA" smtClean="0"/>
-              <a:t>2018-05-17</a:t>
+              <a:t>18-05-24</a:t>
             </a:fld>
             <a:endParaRPr lang="en-CA"/>
           </a:p>
@@ -1016,7 +1018,7 @@
           <a:p>
             <a:fld id="{F7249F8D-641B-4CAF-BAE5-10524742F6F1}" type="datetimeFigureOut">
               <a:rPr lang="en-CA" smtClean="0"/>
-              <a:t>2018-05-17</a:t>
+              <a:t>18-05-24</a:t>
             </a:fld>
             <a:endParaRPr lang="en-CA"/>
           </a:p>
@@ -1248,7 +1250,7 @@
           <a:p>
             <a:fld id="{F7249F8D-641B-4CAF-BAE5-10524742F6F1}" type="datetimeFigureOut">
               <a:rPr lang="en-CA" smtClean="0"/>
-              <a:t>2018-05-17</a:t>
+              <a:t>18-05-24</a:t>
             </a:fld>
             <a:endParaRPr lang="en-CA"/>
           </a:p>
@@ -1615,7 +1617,7 @@
           <a:p>
             <a:fld id="{F7249F8D-641B-4CAF-BAE5-10524742F6F1}" type="datetimeFigureOut">
               <a:rPr lang="en-CA" smtClean="0"/>
-              <a:t>2018-05-17</a:t>
+              <a:t>18-05-24</a:t>
             </a:fld>
             <a:endParaRPr lang="en-CA"/>
           </a:p>
@@ -1733,7 +1735,7 @@
           <a:p>
             <a:fld id="{F7249F8D-641B-4CAF-BAE5-10524742F6F1}" type="datetimeFigureOut">
               <a:rPr lang="en-CA" smtClean="0"/>
-              <a:t>2018-05-17</a:t>
+              <a:t>18-05-24</a:t>
             </a:fld>
             <a:endParaRPr lang="en-CA"/>
           </a:p>
@@ -1828,7 +1830,7 @@
           <a:p>
             <a:fld id="{F7249F8D-641B-4CAF-BAE5-10524742F6F1}" type="datetimeFigureOut">
               <a:rPr lang="en-CA" smtClean="0"/>
-              <a:t>2018-05-17</a:t>
+              <a:t>18-05-24</a:t>
             </a:fld>
             <a:endParaRPr lang="en-CA"/>
           </a:p>
@@ -2105,7 +2107,7 @@
           <a:p>
             <a:fld id="{F7249F8D-641B-4CAF-BAE5-10524742F6F1}" type="datetimeFigureOut">
               <a:rPr lang="en-CA" smtClean="0"/>
-              <a:t>2018-05-17</a:t>
+              <a:t>18-05-24</a:t>
             </a:fld>
             <a:endParaRPr lang="en-CA"/>
           </a:p>
@@ -2358,7 +2360,7 @@
           <a:p>
             <a:fld id="{F7249F8D-641B-4CAF-BAE5-10524742F6F1}" type="datetimeFigureOut">
               <a:rPr lang="en-CA" smtClean="0"/>
-              <a:t>2018-05-17</a:t>
+              <a:t>18-05-24</a:t>
             </a:fld>
             <a:endParaRPr lang="en-CA"/>
           </a:p>
@@ -2571,7 +2573,7 @@
           <a:p>
             <a:fld id="{F7249F8D-641B-4CAF-BAE5-10524742F6F1}" type="datetimeFigureOut">
               <a:rPr lang="en-CA" smtClean="0"/>
-              <a:t>2018-05-17</a:t>
+              <a:t>18-05-24</a:t>
             </a:fld>
             <a:endParaRPr lang="en-CA"/>
           </a:p>
@@ -3933,9 +3935,8 @@
                   </a:bodyPr>
                   <a:lstStyle/>
                   <a:p>
-                    <a:pPr/>
                     <a14:m>
-                      <m:oMathPara xmlns:m="http://schemas.openxmlformats.org/officeDocument/2006/math">
+                      <m:oMathPara xmlns:m="http://schemas.openxmlformats.org/officeDocument/2006/math" xmlns="">
                         <m:oMathParaPr>
                           <m:jc m:val="centerGroup"/>
                         </m:oMathParaPr>
@@ -4017,9 +4018,8 @@
                   </a:bodyPr>
                   <a:lstStyle/>
                   <a:p>
-                    <a:pPr/>
                     <a14:m>
-                      <m:oMathPara xmlns:m="http://schemas.openxmlformats.org/officeDocument/2006/math">
+                      <m:oMathPara xmlns:m="http://schemas.openxmlformats.org/officeDocument/2006/math" xmlns="">
                         <m:oMathParaPr>
                           <m:jc m:val="centerGroup"/>
                         </m:oMathParaPr>
@@ -4100,9 +4100,8 @@
                   </a:bodyPr>
                   <a:lstStyle/>
                   <a:p>
-                    <a:pPr/>
                     <a14:m>
-                      <m:oMathPara xmlns:m="http://schemas.openxmlformats.org/officeDocument/2006/math">
+                      <m:oMathPara xmlns:m="http://schemas.openxmlformats.org/officeDocument/2006/math" xmlns="">
                         <m:oMathParaPr>
                           <m:jc m:val="centerGroup"/>
                         </m:oMathParaPr>
@@ -4201,10 +4200,758 @@
   <p:timing>
     <p:tnLst>
       <p:par>
-        <p:cTn id="1" dur="indefinite" restart="never" nodeType="tmRoot"/>
+        <p:cTn xmlns:p14="http://schemas.microsoft.com/office/powerpoint/2010/main" id="1" dur="indefinite" restart="never" nodeType="tmRoot"/>
       </p:par>
     </p:tnLst>
   </p:timing>
+</p:sld>
+</file>
+
+<file path=ppt/slides/slide10.xml><?xml version="1.0" encoding="utf-8"?>
+<p:sld xmlns:a="http://schemas.openxmlformats.org/drawingml/2006/main" xmlns:r="http://schemas.openxmlformats.org/officeDocument/2006/relationships" xmlns:p="http://schemas.openxmlformats.org/presentationml/2006/main">
+  <p:cSld>
+    <p:spTree>
+      <p:nvGrpSpPr>
+        <p:cNvPr id="1" name=""/>
+        <p:cNvGrpSpPr/>
+        <p:nvPr/>
+      </p:nvGrpSpPr>
+      <p:grpSpPr>
+        <a:xfrm>
+          <a:off x="0" y="0"/>
+          <a:ext cx="0" cy="0"/>
+          <a:chOff x="0" y="0"/>
+          <a:chExt cx="0" cy="0"/>
+        </a:xfrm>
+      </p:grpSpPr>
+      <p:grpSp>
+        <p:nvGrpSpPr>
+          <p:cNvPr id="29" name="Group 28"/>
+          <p:cNvGrpSpPr/>
+          <p:nvPr/>
+        </p:nvGrpSpPr>
+        <p:grpSpPr>
+          <a:xfrm>
+            <a:off x="1280938" y="2465515"/>
+            <a:ext cx="9829436" cy="2427743"/>
+            <a:chOff x="749583" y="3165245"/>
+            <a:chExt cx="9829436" cy="2427743"/>
+          </a:xfrm>
+        </p:grpSpPr>
+        <p:cxnSp>
+          <p:nvCxnSpPr>
+            <p:cNvPr id="5" name="Straight Arrow Connector 4"/>
+            <p:cNvCxnSpPr/>
+            <p:nvPr/>
+          </p:nvCxnSpPr>
+          <p:spPr>
+            <a:xfrm flipV="1">
+              <a:off x="2087821" y="5166331"/>
+              <a:ext cx="8212093" cy="17395"/>
+            </a:xfrm>
+            <a:prstGeom prst="straightConnector1">
+              <a:avLst/>
+            </a:prstGeom>
+            <a:ln w="38100">
+              <a:solidFill>
+                <a:schemeClr val="tx1"/>
+              </a:solidFill>
+              <a:tailEnd type="arrow"/>
+            </a:ln>
+          </p:spPr>
+          <p:style>
+            <a:lnRef idx="1">
+              <a:schemeClr val="accent1"/>
+            </a:lnRef>
+            <a:fillRef idx="0">
+              <a:schemeClr val="accent1"/>
+            </a:fillRef>
+            <a:effectRef idx="0">
+              <a:schemeClr val="accent1"/>
+            </a:effectRef>
+            <a:fontRef idx="minor">
+              <a:schemeClr val="tx1"/>
+            </a:fontRef>
+          </p:style>
+        </p:cxnSp>
+        <p:cxnSp>
+          <p:nvCxnSpPr>
+            <p:cNvPr id="7" name="Straight Connector 6"/>
+            <p:cNvCxnSpPr/>
+            <p:nvPr/>
+          </p:nvCxnSpPr>
+          <p:spPr>
+            <a:xfrm>
+              <a:off x="2070422" y="5061961"/>
+              <a:ext cx="0" cy="226135"/>
+            </a:xfrm>
+            <a:prstGeom prst="line">
+              <a:avLst/>
+            </a:prstGeom>
+            <a:ln w="38100">
+              <a:solidFill>
+                <a:schemeClr val="tx1"/>
+              </a:solidFill>
+            </a:ln>
+          </p:spPr>
+          <p:style>
+            <a:lnRef idx="1">
+              <a:schemeClr val="accent1"/>
+            </a:lnRef>
+            <a:fillRef idx="0">
+              <a:schemeClr val="accent1"/>
+            </a:fillRef>
+            <a:effectRef idx="0">
+              <a:schemeClr val="accent1"/>
+            </a:effectRef>
+            <a:fontRef idx="minor">
+              <a:schemeClr val="tx1"/>
+            </a:fontRef>
+          </p:style>
+        </p:cxnSp>
+        <p:cxnSp>
+          <p:nvCxnSpPr>
+            <p:cNvPr id="8" name="Straight Connector 7"/>
+            <p:cNvCxnSpPr/>
+            <p:nvPr/>
+          </p:nvCxnSpPr>
+          <p:spPr>
+            <a:xfrm>
+              <a:off x="3284135" y="5075200"/>
+              <a:ext cx="0" cy="226135"/>
+            </a:xfrm>
+            <a:prstGeom prst="line">
+              <a:avLst/>
+            </a:prstGeom>
+            <a:ln w="38100">
+              <a:solidFill>
+                <a:schemeClr val="tx1"/>
+              </a:solidFill>
+            </a:ln>
+          </p:spPr>
+          <p:style>
+            <a:lnRef idx="1">
+              <a:schemeClr val="accent1"/>
+            </a:lnRef>
+            <a:fillRef idx="0">
+              <a:schemeClr val="accent1"/>
+            </a:fillRef>
+            <a:effectRef idx="0">
+              <a:schemeClr val="accent1"/>
+            </a:effectRef>
+            <a:fontRef idx="minor">
+              <a:schemeClr val="tx1"/>
+            </a:fontRef>
+          </p:style>
+        </p:cxnSp>
+        <p:cxnSp>
+          <p:nvCxnSpPr>
+            <p:cNvPr id="9" name="Straight Connector 8"/>
+            <p:cNvCxnSpPr/>
+            <p:nvPr/>
+          </p:nvCxnSpPr>
+          <p:spPr>
+            <a:xfrm>
+              <a:off x="4497844" y="5071045"/>
+              <a:ext cx="0" cy="226135"/>
+            </a:xfrm>
+            <a:prstGeom prst="line">
+              <a:avLst/>
+            </a:prstGeom>
+            <a:ln w="38100">
+              <a:solidFill>
+                <a:schemeClr val="tx1"/>
+              </a:solidFill>
+            </a:ln>
+          </p:spPr>
+          <p:style>
+            <a:lnRef idx="1">
+              <a:schemeClr val="accent1"/>
+            </a:lnRef>
+            <a:fillRef idx="0">
+              <a:schemeClr val="accent1"/>
+            </a:fillRef>
+            <a:effectRef idx="0">
+              <a:schemeClr val="accent1"/>
+            </a:effectRef>
+            <a:fontRef idx="minor">
+              <a:schemeClr val="tx1"/>
+            </a:fontRef>
+          </p:style>
+        </p:cxnSp>
+        <p:cxnSp>
+          <p:nvCxnSpPr>
+            <p:cNvPr id="10" name="Straight Connector 9"/>
+            <p:cNvCxnSpPr/>
+            <p:nvPr/>
+          </p:nvCxnSpPr>
+          <p:spPr>
+            <a:xfrm>
+              <a:off x="5433176" y="5084284"/>
+              <a:ext cx="0" cy="226135"/>
+            </a:xfrm>
+            <a:prstGeom prst="line">
+              <a:avLst/>
+            </a:prstGeom>
+            <a:ln w="38100">
+              <a:solidFill>
+                <a:schemeClr val="tx1"/>
+              </a:solidFill>
+            </a:ln>
+          </p:spPr>
+          <p:style>
+            <a:lnRef idx="1">
+              <a:schemeClr val="accent1"/>
+            </a:lnRef>
+            <a:fillRef idx="0">
+              <a:schemeClr val="accent1"/>
+            </a:fillRef>
+            <a:effectRef idx="0">
+              <a:schemeClr val="accent1"/>
+            </a:effectRef>
+            <a:fontRef idx="minor">
+              <a:schemeClr val="tx1"/>
+            </a:fontRef>
+          </p:style>
+        </p:cxnSp>
+        <p:cxnSp>
+          <p:nvCxnSpPr>
+            <p:cNvPr id="11" name="Straight Connector 10"/>
+            <p:cNvCxnSpPr/>
+            <p:nvPr/>
+          </p:nvCxnSpPr>
+          <p:spPr>
+            <a:xfrm>
+              <a:off x="9865609" y="5062734"/>
+              <a:ext cx="0" cy="226135"/>
+            </a:xfrm>
+            <a:prstGeom prst="line">
+              <a:avLst/>
+            </a:prstGeom>
+            <a:ln w="38100">
+              <a:solidFill>
+                <a:schemeClr val="tx1"/>
+              </a:solidFill>
+            </a:ln>
+          </p:spPr>
+          <p:style>
+            <a:lnRef idx="1">
+              <a:schemeClr val="accent1"/>
+            </a:lnRef>
+            <a:fillRef idx="0">
+              <a:schemeClr val="accent1"/>
+            </a:fillRef>
+            <a:effectRef idx="0">
+              <a:schemeClr val="accent1"/>
+            </a:effectRef>
+            <a:fontRef idx="minor">
+              <a:schemeClr val="tx1"/>
+            </a:fontRef>
+          </p:style>
+        </p:cxnSp>
+        <p:sp>
+          <p:nvSpPr>
+            <p:cNvPr id="12" name="TextBox 11"/>
+            <p:cNvSpPr txBox="1"/>
+            <p:nvPr/>
+          </p:nvSpPr>
+          <p:spPr>
+            <a:xfrm>
+              <a:off x="1722452" y="4992379"/>
+              <a:ext cx="295774" cy="400110"/>
+            </a:xfrm>
+            <a:prstGeom prst="rect">
+              <a:avLst/>
+            </a:prstGeom>
+            <a:noFill/>
+          </p:spPr>
+          <p:txBody>
+            <a:bodyPr wrap="square" rtlCol="0">
+              <a:spAutoFit/>
+            </a:bodyPr>
+            <a:lstStyle/>
+            <a:p>
+              <a:r>
+                <a:rPr lang="en-US" sz="2000" dirty="0" smtClean="0">
+                  <a:latin typeface="Arial" panose="020B0604020202020204" pitchFamily="34" charset="0"/>
+                  <a:cs typeface="Arial" panose="020B0604020202020204" pitchFamily="34" charset="0"/>
+                </a:rPr>
+                <a:t>0</a:t>
+              </a:r>
+              <a:endParaRPr lang="en-US" sz="2000" dirty="0" smtClean="0">
+                <a:latin typeface="Arial" panose="020B0604020202020204" pitchFamily="34" charset="0"/>
+                <a:cs typeface="Arial" panose="020B0604020202020204" pitchFamily="34" charset="0"/>
+              </a:endParaRPr>
+            </a:p>
+          </p:txBody>
+        </p:sp>
+        <p:sp>
+          <p:nvSpPr>
+            <p:cNvPr id="13" name="TextBox 12"/>
+            <p:cNvSpPr txBox="1"/>
+            <p:nvPr/>
+          </p:nvSpPr>
+          <p:spPr>
+            <a:xfrm>
+              <a:off x="1887812" y="5192878"/>
+              <a:ext cx="578337" cy="400110"/>
+            </a:xfrm>
+            <a:prstGeom prst="rect">
+              <a:avLst/>
+            </a:prstGeom>
+            <a:noFill/>
+          </p:spPr>
+          <p:txBody>
+            <a:bodyPr wrap="square" rtlCol="0">
+              <a:spAutoFit/>
+            </a:bodyPr>
+            <a:lstStyle/>
+            <a:p>
+              <a:r>
+                <a:rPr lang="en-US" sz="2000" i="1" dirty="0">
+                  <a:latin typeface="Cambria Math"/>
+                  <a:cs typeface="Cambria Math"/>
+                </a:rPr>
+                <a:t>x</a:t>
+              </a:r>
+              <a:r>
+                <a:rPr lang="en-US" sz="2000" i="1" baseline="-25000" dirty="0" smtClean="0">
+                  <a:latin typeface="Cambria Math"/>
+                  <a:cs typeface="Cambria Math"/>
+                </a:rPr>
+                <a:t>0V</a:t>
+              </a:r>
+              <a:endParaRPr lang="en-US" sz="2000" i="1" dirty="0" smtClean="0">
+                <a:latin typeface="Cambria Math"/>
+                <a:cs typeface="Cambria Math"/>
+              </a:endParaRPr>
+            </a:p>
+          </p:txBody>
+        </p:sp>
+        <p:sp>
+          <p:nvSpPr>
+            <p:cNvPr id="14" name="TextBox 13"/>
+            <p:cNvSpPr txBox="1"/>
+            <p:nvPr/>
+          </p:nvSpPr>
+          <p:spPr>
+            <a:xfrm>
+              <a:off x="3064042" y="5189783"/>
+              <a:ext cx="578337" cy="400110"/>
+            </a:xfrm>
+            <a:prstGeom prst="rect">
+              <a:avLst/>
+            </a:prstGeom>
+            <a:noFill/>
+          </p:spPr>
+          <p:txBody>
+            <a:bodyPr wrap="square" rtlCol="0">
+              <a:spAutoFit/>
+            </a:bodyPr>
+            <a:lstStyle/>
+            <a:p>
+              <a:r>
+                <a:rPr lang="en-US" sz="2000" i="1" dirty="0" err="1" smtClean="0">
+                  <a:latin typeface="Cambria Math"/>
+                  <a:cs typeface="Cambria Math"/>
+                </a:rPr>
+                <a:t>x</a:t>
+              </a:r>
+              <a:r>
+                <a:rPr lang="en-US" sz="2000" i="1" baseline="-25000" dirty="0" err="1" smtClean="0">
+                  <a:latin typeface="Cambria Math"/>
+                  <a:cs typeface="Cambria Math"/>
+                </a:rPr>
+                <a:t>V</a:t>
+              </a:r>
+              <a:endParaRPr lang="en-US" sz="2000" i="1" dirty="0" smtClean="0">
+                <a:latin typeface="Cambria Math"/>
+                <a:cs typeface="Cambria Math"/>
+              </a:endParaRPr>
+            </a:p>
+          </p:txBody>
+        </p:sp>
+        <p:sp>
+          <p:nvSpPr>
+            <p:cNvPr id="15" name="TextBox 14"/>
+            <p:cNvSpPr txBox="1"/>
+            <p:nvPr/>
+          </p:nvSpPr>
+          <p:spPr>
+            <a:xfrm>
+              <a:off x="4240271" y="5186688"/>
+              <a:ext cx="578337" cy="400110"/>
+            </a:xfrm>
+            <a:prstGeom prst="rect">
+              <a:avLst/>
+            </a:prstGeom>
+            <a:noFill/>
+          </p:spPr>
+          <p:txBody>
+            <a:bodyPr wrap="square" rtlCol="0">
+              <a:spAutoFit/>
+            </a:bodyPr>
+            <a:lstStyle/>
+            <a:p>
+              <a:r>
+                <a:rPr lang="en-US" sz="2000" i="1" dirty="0" smtClean="0">
+                  <a:latin typeface="Cambria Math"/>
+                  <a:cs typeface="Cambria Math"/>
+                </a:rPr>
+                <a:t>x</a:t>
+              </a:r>
+              <a:r>
+                <a:rPr lang="en-US" sz="2000" i="1" baseline="-25000" dirty="0" smtClean="0">
+                  <a:latin typeface="Cambria Math"/>
+                  <a:cs typeface="Cambria Math"/>
+                </a:rPr>
+                <a:t>0R</a:t>
+              </a:r>
+              <a:endParaRPr lang="en-US" sz="2000" i="1" dirty="0" smtClean="0">
+                <a:latin typeface="Cambria Math"/>
+                <a:cs typeface="Cambria Math"/>
+              </a:endParaRPr>
+            </a:p>
+          </p:txBody>
+        </p:sp>
+        <p:sp>
+          <p:nvSpPr>
+            <p:cNvPr id="16" name="TextBox 15"/>
+            <p:cNvSpPr txBox="1"/>
+            <p:nvPr/>
+          </p:nvSpPr>
+          <p:spPr>
+            <a:xfrm>
+              <a:off x="5144343" y="5183593"/>
+              <a:ext cx="578337" cy="400110"/>
+            </a:xfrm>
+            <a:prstGeom prst="rect">
+              <a:avLst/>
+            </a:prstGeom>
+            <a:noFill/>
+          </p:spPr>
+          <p:txBody>
+            <a:bodyPr wrap="square" rtlCol="0">
+              <a:spAutoFit/>
+            </a:bodyPr>
+            <a:lstStyle/>
+            <a:p>
+              <a:r>
+                <a:rPr lang="en-US" sz="2000" i="1" dirty="0" err="1" smtClean="0">
+                  <a:latin typeface="Cambria Math"/>
+                  <a:cs typeface="Cambria Math"/>
+                </a:rPr>
+                <a:t>x</a:t>
+              </a:r>
+              <a:r>
+                <a:rPr lang="en-US" sz="2000" i="1" baseline="-25000" dirty="0" err="1">
+                  <a:latin typeface="Cambria Math"/>
+                  <a:cs typeface="Cambria Math"/>
+                </a:rPr>
+                <a:t>R</a:t>
+              </a:r>
+              <a:endParaRPr lang="en-US" sz="2000" i="1" dirty="0" smtClean="0">
+                <a:latin typeface="Cambria Math"/>
+                <a:cs typeface="Cambria Math"/>
+              </a:endParaRPr>
+            </a:p>
+          </p:txBody>
+        </p:sp>
+        <p:sp>
+          <p:nvSpPr>
+            <p:cNvPr id="17" name="TextBox 16"/>
+            <p:cNvSpPr txBox="1"/>
+            <p:nvPr/>
+          </p:nvSpPr>
+          <p:spPr>
+            <a:xfrm>
+              <a:off x="9534621" y="5219372"/>
+              <a:ext cx="755517" cy="369332"/>
+            </a:xfrm>
+            <a:prstGeom prst="rect">
+              <a:avLst/>
+            </a:prstGeom>
+            <a:noFill/>
+          </p:spPr>
+          <p:txBody>
+            <a:bodyPr wrap="square" rtlCol="0">
+              <a:spAutoFit/>
+            </a:bodyPr>
+            <a:lstStyle/>
+            <a:p>
+              <a:r>
+                <a:rPr lang="en-US" dirty="0" smtClean="0">
+                  <a:latin typeface="Cambria Math"/>
+                  <a:cs typeface="Cambria Math"/>
+                </a:rPr>
+                <a:t>70 m</a:t>
+              </a:r>
+              <a:endParaRPr lang="en-US" dirty="0" smtClean="0">
+                <a:latin typeface="Cambria Math"/>
+                <a:cs typeface="Cambria Math"/>
+              </a:endParaRPr>
+            </a:p>
+          </p:txBody>
+        </p:sp>
+        <p:pic>
+          <p:nvPicPr>
+            <p:cNvPr id="19" name="Picture 18" descr="Velociraptor Clipart.png"/>
+            <p:cNvPicPr>
+              <a:picLocks noChangeAspect="1"/>
+            </p:cNvPicPr>
+            <p:nvPr/>
+          </p:nvPicPr>
+          <p:blipFill>
+            <a:blip r:embed="rId2" cstate="print">
+              <a:extLst>
+                <a:ext uri="{28A0092B-C50C-407E-A947-70E740481C1C}">
+                  <a14:useLocalDpi xmlns:a14="http://schemas.microsoft.com/office/drawing/2010/main" val="0"/>
+                </a:ext>
+              </a:extLst>
+            </a:blip>
+            <a:stretch>
+              <a:fillRect/>
+            </a:stretch>
+          </p:blipFill>
+          <p:spPr>
+            <a:xfrm>
+              <a:off x="749583" y="3887911"/>
+              <a:ext cx="2062709" cy="1065733"/>
+            </a:xfrm>
+            <a:prstGeom prst="rect">
+              <a:avLst/>
+            </a:prstGeom>
+          </p:spPr>
+        </p:pic>
+        <p:pic>
+          <p:nvPicPr>
+            <p:cNvPr id="20" name="Picture 19" descr="Man on Bike Clipart.png"/>
+            <p:cNvPicPr>
+              <a:picLocks noChangeAspect="1"/>
+            </p:cNvPicPr>
+            <p:nvPr/>
+          </p:nvPicPr>
+          <p:blipFill>
+            <a:blip r:embed="rId3" cstate="print">
+              <a:extLst>
+                <a:ext uri="{28A0092B-C50C-407E-A947-70E740481C1C}">
+                  <a14:useLocalDpi xmlns:a14="http://schemas.microsoft.com/office/drawing/2010/main" val="0"/>
+                </a:ext>
+              </a:extLst>
+            </a:blip>
+            <a:stretch>
+              <a:fillRect/>
+            </a:stretch>
+          </p:blipFill>
+          <p:spPr>
+            <a:xfrm flipH="1">
+              <a:off x="4110186" y="4001282"/>
+              <a:ext cx="905283" cy="1029645"/>
+            </a:xfrm>
+            <a:prstGeom prst="rect">
+              <a:avLst/>
+            </a:prstGeom>
+          </p:spPr>
+        </p:pic>
+        <p:cxnSp>
+          <p:nvCxnSpPr>
+            <p:cNvPr id="21" name="Straight Arrow Connector 20"/>
+            <p:cNvCxnSpPr/>
+            <p:nvPr/>
+          </p:nvCxnSpPr>
+          <p:spPr>
+            <a:xfrm flipV="1">
+              <a:off x="2112458" y="3615271"/>
+              <a:ext cx="1179349" cy="0"/>
+            </a:xfrm>
+            <a:prstGeom prst="straightConnector1">
+              <a:avLst/>
+            </a:prstGeom>
+            <a:ln w="38100">
+              <a:solidFill>
+                <a:schemeClr val="tx1"/>
+              </a:solidFill>
+              <a:tailEnd type="arrow"/>
+            </a:ln>
+          </p:spPr>
+          <p:style>
+            <a:lnRef idx="1">
+              <a:schemeClr val="accent1"/>
+            </a:lnRef>
+            <a:fillRef idx="0">
+              <a:schemeClr val="accent1"/>
+            </a:fillRef>
+            <a:effectRef idx="0">
+              <a:schemeClr val="accent1"/>
+            </a:effectRef>
+            <a:fontRef idx="minor">
+              <a:schemeClr val="tx1"/>
+            </a:fontRef>
+          </p:style>
+        </p:cxnSp>
+        <p:cxnSp>
+          <p:nvCxnSpPr>
+            <p:cNvPr id="24" name="Straight Arrow Connector 23"/>
+            <p:cNvCxnSpPr/>
+            <p:nvPr/>
+          </p:nvCxnSpPr>
+          <p:spPr>
+            <a:xfrm>
+              <a:off x="4597636" y="3599218"/>
+              <a:ext cx="767751" cy="3095"/>
+            </a:xfrm>
+            <a:prstGeom prst="straightConnector1">
+              <a:avLst/>
+            </a:prstGeom>
+            <a:ln w="38100">
+              <a:solidFill>
+                <a:schemeClr val="tx1"/>
+              </a:solidFill>
+              <a:tailEnd type="arrow"/>
+            </a:ln>
+          </p:spPr>
+          <p:style>
+            <a:lnRef idx="1">
+              <a:schemeClr val="accent1"/>
+            </a:lnRef>
+            <a:fillRef idx="0">
+              <a:schemeClr val="accent1"/>
+            </a:fillRef>
+            <a:effectRef idx="0">
+              <a:schemeClr val="accent1"/>
+            </a:effectRef>
+            <a:fontRef idx="minor">
+              <a:schemeClr val="tx1"/>
+            </a:fontRef>
+          </p:style>
+        </p:cxnSp>
+        <p:sp>
+          <p:nvSpPr>
+            <p:cNvPr id="26" name="TextBox 25"/>
+            <p:cNvSpPr txBox="1"/>
+            <p:nvPr/>
+          </p:nvSpPr>
+          <p:spPr>
+            <a:xfrm>
+              <a:off x="2416048" y="3168341"/>
+              <a:ext cx="578337" cy="400110"/>
+            </a:xfrm>
+            <a:prstGeom prst="rect">
+              <a:avLst/>
+            </a:prstGeom>
+            <a:noFill/>
+          </p:spPr>
+          <p:txBody>
+            <a:bodyPr wrap="square" rtlCol="0">
+              <a:spAutoFit/>
+            </a:bodyPr>
+            <a:lstStyle/>
+            <a:p>
+              <a:r>
+                <a:rPr lang="en-US" sz="2000" i="1" dirty="0" err="1" smtClean="0">
+                  <a:latin typeface="Cambria Math"/>
+                  <a:cs typeface="Cambria Math"/>
+                </a:rPr>
+                <a:t>v</a:t>
+              </a:r>
+              <a:r>
+                <a:rPr lang="en-US" sz="2000" i="1" baseline="-25000" dirty="0" err="1">
+                  <a:latin typeface="Cambria Math"/>
+                  <a:cs typeface="Cambria Math"/>
+                </a:rPr>
+                <a:t>v</a:t>
+              </a:r>
+              <a:endParaRPr lang="en-US" sz="2000" i="1" dirty="0" smtClean="0">
+                <a:latin typeface="Cambria Math"/>
+                <a:cs typeface="Cambria Math"/>
+              </a:endParaRPr>
+            </a:p>
+          </p:txBody>
+        </p:sp>
+        <p:sp>
+          <p:nvSpPr>
+            <p:cNvPr id="27" name="TextBox 26"/>
+            <p:cNvSpPr txBox="1"/>
+            <p:nvPr/>
+          </p:nvSpPr>
+          <p:spPr>
+            <a:xfrm>
+              <a:off x="4642028" y="3165245"/>
+              <a:ext cx="578337" cy="400110"/>
+            </a:xfrm>
+            <a:prstGeom prst="rect">
+              <a:avLst/>
+            </a:prstGeom>
+            <a:noFill/>
+          </p:spPr>
+          <p:txBody>
+            <a:bodyPr wrap="square" rtlCol="0">
+              <a:spAutoFit/>
+            </a:bodyPr>
+            <a:lstStyle/>
+            <a:p>
+              <a:r>
+                <a:rPr lang="en-US" sz="2000" i="1" dirty="0" err="1" smtClean="0">
+                  <a:latin typeface="Cambria Math"/>
+                  <a:cs typeface="Cambria Math"/>
+                </a:rPr>
+                <a:t>v</a:t>
+              </a:r>
+              <a:r>
+                <a:rPr lang="en-US" sz="2000" i="1" baseline="-25000" dirty="0" err="1" smtClean="0">
+                  <a:latin typeface="Cambria Math"/>
+                  <a:cs typeface="Cambria Math"/>
+                </a:rPr>
+                <a:t>R</a:t>
+              </a:r>
+              <a:endParaRPr lang="en-US" sz="2000" i="1" dirty="0" smtClean="0">
+                <a:latin typeface="Cambria Math"/>
+                <a:cs typeface="Cambria Math"/>
+              </a:endParaRPr>
+            </a:p>
+          </p:txBody>
+        </p:sp>
+        <p:pic>
+          <p:nvPicPr>
+            <p:cNvPr id="28" name="Picture 27" descr="House Clipart.png"/>
+            <p:cNvPicPr>
+              <a:picLocks noChangeAspect="1"/>
+            </p:cNvPicPr>
+            <p:nvPr/>
+          </p:nvPicPr>
+          <p:blipFill>
+            <a:blip r:embed="rId4" cstate="print">
+              <a:extLst>
+                <a:ext uri="{28A0092B-C50C-407E-A947-70E740481C1C}">
+                  <a14:useLocalDpi xmlns:a14="http://schemas.microsoft.com/office/drawing/2010/main" val="0"/>
+                </a:ext>
+              </a:extLst>
+            </a:blip>
+            <a:stretch>
+              <a:fillRect/>
+            </a:stretch>
+          </p:blipFill>
+          <p:spPr>
+            <a:xfrm>
+              <a:off x="9096431" y="3809640"/>
+              <a:ext cx="1482588" cy="1234246"/>
+            </a:xfrm>
+            <a:prstGeom prst="rect">
+              <a:avLst/>
+            </a:prstGeom>
+          </p:spPr>
+        </p:pic>
+      </p:grpSp>
+    </p:spTree>
+    <p:extLst>
+      <p:ext uri="{BB962C8B-B14F-4D97-AF65-F5344CB8AC3E}">
+        <p14:creationId xmlns:p14="http://schemas.microsoft.com/office/powerpoint/2010/main" val="680633822"/>
+      </p:ext>
+    </p:extLst>
+  </p:cSld>
+  <p:clrMapOvr>
+    <a:masterClrMapping/>
+  </p:clrMapOvr>
 </p:sld>
 </file>
 
@@ -4361,9 +5108,8 @@
                 </a:bodyPr>
                 <a:lstStyle/>
                 <a:p>
-                  <a:pPr/>
                   <a14:m>
-                    <m:oMathPara xmlns:m="http://schemas.openxmlformats.org/officeDocument/2006/math">
+                    <m:oMathPara xmlns:m="http://schemas.openxmlformats.org/officeDocument/2006/math" xmlns="">
                       <m:oMathParaPr>
                         <m:jc m:val="centerGroup"/>
                       </m:oMathParaPr>
@@ -4496,9 +5242,8 @@
                 </a:bodyPr>
                 <a:lstStyle/>
                 <a:p>
-                  <a:pPr/>
                   <a14:m>
-                    <m:oMathPara xmlns:m="http://schemas.openxmlformats.org/officeDocument/2006/math">
+                    <m:oMathPara xmlns:m="http://schemas.openxmlformats.org/officeDocument/2006/math" xmlns="">
                       <m:oMathParaPr>
                         <m:jc m:val="centerGroup"/>
                       </m:oMathParaPr>
@@ -4724,9 +5469,8 @@
                 </a:bodyPr>
                 <a:lstStyle/>
                 <a:p>
-                  <a:pPr/>
                   <a14:m>
-                    <m:oMathPara xmlns:m="http://schemas.openxmlformats.org/officeDocument/2006/math">
+                    <m:oMathPara xmlns:m="http://schemas.openxmlformats.org/officeDocument/2006/math" xmlns="">
                       <m:oMathParaPr>
                         <m:jc m:val="centerGroup"/>
                       </m:oMathParaPr>
@@ -4833,9 +5577,8 @@
                 </a:bodyPr>
                 <a:lstStyle/>
                 <a:p>
-                  <a:pPr/>
                   <a14:m>
-                    <m:oMathPara xmlns:m="http://schemas.openxmlformats.org/officeDocument/2006/math">
+                    <m:oMathPara xmlns:m="http://schemas.openxmlformats.org/officeDocument/2006/math" xmlns="">
                       <m:oMathParaPr>
                         <m:jc m:val="centerGroup"/>
                       </m:oMathParaPr>
@@ -4921,9 +5664,8 @@
                 </a:bodyPr>
                 <a:lstStyle/>
                 <a:p>
-                  <a:pPr/>
                   <a14:m>
-                    <m:oMathPara xmlns:m="http://schemas.openxmlformats.org/officeDocument/2006/math">
+                    <m:oMathPara xmlns:m="http://schemas.openxmlformats.org/officeDocument/2006/math" xmlns="">
                       <m:oMathParaPr>
                         <m:jc m:val="centerGroup"/>
                       </m:oMathParaPr>
@@ -5214,9 +5956,8 @@
                   </a:bodyPr>
                   <a:lstStyle/>
                   <a:p>
-                    <a:pPr/>
                     <a14:m>
-                      <m:oMathPara xmlns:m="http://schemas.openxmlformats.org/officeDocument/2006/math">
+                      <m:oMathPara xmlns:m="http://schemas.openxmlformats.org/officeDocument/2006/math" xmlns="">
                         <m:oMathParaPr>
                           <m:jc m:val="centerGroup"/>
                         </m:oMathParaPr>
@@ -5298,9 +6039,8 @@
                   </a:bodyPr>
                   <a:lstStyle/>
                   <a:p>
-                    <a:pPr/>
                     <a14:m>
-                      <m:oMathPara xmlns:m="http://schemas.openxmlformats.org/officeDocument/2006/math">
+                      <m:oMathPara xmlns:m="http://schemas.openxmlformats.org/officeDocument/2006/math" xmlns="">
                         <m:oMathParaPr>
                           <m:jc m:val="centerGroup"/>
                         </m:oMathParaPr>
@@ -5381,9 +6121,8 @@
                   </a:bodyPr>
                   <a:lstStyle/>
                   <a:p>
-                    <a:pPr/>
                     <a14:m>
-                      <m:oMathPara xmlns:m="http://schemas.openxmlformats.org/officeDocument/2006/math">
+                      <m:oMathPara xmlns:m="http://schemas.openxmlformats.org/officeDocument/2006/math" xmlns="">
                         <m:oMathParaPr>
                           <m:jc m:val="centerGroup"/>
                         </m:oMathParaPr>
@@ -5786,7 +6525,7 @@
                         <a:lstStyle/>
                         <a:p>
                           <a14:m>
-                            <m:oMath xmlns:m="http://schemas.openxmlformats.org/officeDocument/2006/math">
+                            <m:oMath xmlns:m="http://schemas.openxmlformats.org/officeDocument/2006/math" xmlns="">
                               <m:sSup>
                                 <m:sSupPr>
                                   <m:ctrlPr>
@@ -5891,9 +6630,8 @@
                         </a:bodyPr>
                         <a:lstStyle/>
                         <a:p>
-                          <a:pPr/>
                           <a14:m>
-                            <m:oMathPara xmlns:m="http://schemas.openxmlformats.org/officeDocument/2006/math">
+                            <m:oMathPara xmlns:m="http://schemas.openxmlformats.org/officeDocument/2006/math" xmlns="">
                               <m:oMathParaPr>
                                 <m:jc m:val="centerGroup"/>
                               </m:oMathParaPr>
@@ -6189,9 +6927,8 @@
                       </a:bodyPr>
                       <a:lstStyle/>
                       <a:p>
-                        <a:pPr/>
                         <a14:m>
-                          <m:oMathPara xmlns:m="http://schemas.openxmlformats.org/officeDocument/2006/math">
+                          <m:oMathPara xmlns:m="http://schemas.openxmlformats.org/officeDocument/2006/math" xmlns="">
                             <m:oMathParaPr>
                               <m:jc m:val="centerGroup"/>
                             </m:oMathParaPr>
@@ -6427,7 +7164,7 @@
                   </a:prstGeom>
                   <a:noFill/>
                   <a:extLst>
-                    <a:ext uri="{909E8E84-426E-40DD-AFC4-6F175D3DCCD1}">
+                    <a:ext uri="{909E8E84-426E-40dd-AFC4-6F175D3DCCD1}">
                       <a14:hiddenFill xmlns:a14="http://schemas.microsoft.com/office/drawing/2010/main">
                         <a:solidFill>
                           <a:srgbClr val="FFFFFF"/>
@@ -6587,9 +7324,8 @@
                         </a:bodyPr>
                         <a:lstStyle/>
                         <a:p>
-                          <a:pPr/>
                           <a14:m>
-                            <m:oMathPara xmlns:m="http://schemas.openxmlformats.org/officeDocument/2006/math">
+                            <m:oMathPara xmlns:m="http://schemas.openxmlformats.org/officeDocument/2006/math" xmlns="">
                               <m:oMathParaPr>
                                 <m:jc m:val="centerGroup"/>
                               </m:oMathParaPr>
@@ -6746,9 +7482,8 @@
                     </a:bodyPr>
                     <a:lstStyle/>
                     <a:p>
-                      <a:pPr/>
                       <a14:m>
-                        <m:oMathPara xmlns:m="http://schemas.openxmlformats.org/officeDocument/2006/math">
+                        <m:oMathPara xmlns:m="http://schemas.openxmlformats.org/officeDocument/2006/math" xmlns="">
                           <m:oMathParaPr>
                             <m:jc m:val="centerGroup"/>
                           </m:oMathParaPr>
@@ -6830,9 +7565,8 @@
                     </a:bodyPr>
                     <a:lstStyle/>
                     <a:p>
-                      <a:pPr/>
                       <a14:m>
-                        <m:oMathPara xmlns:m="http://schemas.openxmlformats.org/officeDocument/2006/math">
+                        <m:oMathPara xmlns:m="http://schemas.openxmlformats.org/officeDocument/2006/math" xmlns="">
                           <m:oMathParaPr>
                             <m:jc m:val="centerGroup"/>
                           </m:oMathParaPr>
@@ -6923,9 +7657,8 @@
                   </a:bodyPr>
                   <a:lstStyle/>
                   <a:p>
-                    <a:pPr/>
                     <a14:m>
-                      <m:oMathPara xmlns:m="http://schemas.openxmlformats.org/officeDocument/2006/math">
+                      <m:oMathPara xmlns:m="http://schemas.openxmlformats.org/officeDocument/2006/math" xmlns="">
                         <m:oMathParaPr>
                           <m:jc m:val="centerGroup"/>
                         </m:oMathParaPr>
@@ -7109,9 +7842,8 @@
                   </a:bodyPr>
                   <a:lstStyle/>
                   <a:p>
-                    <a:pPr/>
                     <a14:m>
-                      <m:oMathPara xmlns:m="http://schemas.openxmlformats.org/officeDocument/2006/math">
+                      <m:oMathPara xmlns:m="http://schemas.openxmlformats.org/officeDocument/2006/math" xmlns="">
                         <m:oMathParaPr>
                           <m:jc m:val="centerGroup"/>
                         </m:oMathParaPr>
@@ -7296,9 +8028,8 @@
                 </a:bodyPr>
                 <a:lstStyle/>
                 <a:p>
-                  <a:pPr/>
                   <a14:m>
-                    <m:oMathPara xmlns:m="http://schemas.openxmlformats.org/officeDocument/2006/math">
+                    <m:oMathPara xmlns:m="http://schemas.openxmlformats.org/officeDocument/2006/math" xmlns="">
                       <m:oMathParaPr>
                         <m:jc m:val="centerGroup"/>
                       </m:oMathParaPr>
@@ -7512,9 +8243,8 @@
                 </a:bodyPr>
                 <a:lstStyle/>
                 <a:p>
-                  <a:pPr/>
                   <a14:m>
-                    <m:oMathPara xmlns:m="http://schemas.openxmlformats.org/officeDocument/2006/math">
+                    <m:oMathPara xmlns:m="http://schemas.openxmlformats.org/officeDocument/2006/math" xmlns="">
                       <m:oMathParaPr>
                         <m:jc m:val="centerGroup"/>
                       </m:oMathParaPr>
@@ -7647,9 +8377,8 @@
                 </a:bodyPr>
                 <a:lstStyle/>
                 <a:p>
-                  <a:pPr/>
                   <a14:m>
-                    <m:oMathPara xmlns:m="http://schemas.openxmlformats.org/officeDocument/2006/math">
+                    <m:oMathPara xmlns:m="http://schemas.openxmlformats.org/officeDocument/2006/math" xmlns="">
                       <m:oMathParaPr>
                         <m:jc m:val="centerGroup"/>
                       </m:oMathParaPr>
@@ -7833,9 +8562,8 @@
                 </a:bodyPr>
                 <a:lstStyle/>
                 <a:p>
-                  <a:pPr/>
                   <a14:m>
-                    <m:oMathPara xmlns:m="http://schemas.openxmlformats.org/officeDocument/2006/math">
+                    <m:oMathPara xmlns:m="http://schemas.openxmlformats.org/officeDocument/2006/math" xmlns="">
                       <m:oMathParaPr>
                         <m:jc m:val="centerGroup"/>
                       </m:oMathParaPr>
@@ -7942,9 +8670,8 @@
                 </a:bodyPr>
                 <a:lstStyle/>
                 <a:p>
-                  <a:pPr/>
                   <a14:m>
-                    <m:oMathPara xmlns:m="http://schemas.openxmlformats.org/officeDocument/2006/math">
+                    <m:oMathPara xmlns:m="http://schemas.openxmlformats.org/officeDocument/2006/math" xmlns="">
                       <m:oMathParaPr>
                         <m:jc m:val="centerGroup"/>
                       </m:oMathParaPr>
@@ -8030,9 +8757,8 @@
                 </a:bodyPr>
                 <a:lstStyle/>
                 <a:p>
-                  <a:pPr/>
                   <a14:m>
-                    <m:oMathPara xmlns:m="http://schemas.openxmlformats.org/officeDocument/2006/math">
+                    <m:oMathPara xmlns:m="http://schemas.openxmlformats.org/officeDocument/2006/math" xmlns="">
                       <m:oMathParaPr>
                         <m:jc m:val="centerGroup"/>
                       </m:oMathParaPr>
@@ -8213,7 +8939,7 @@
   <p:timing>
     <p:tnLst>
       <p:par>
-        <p:cTn id="1" dur="indefinite" restart="never" nodeType="tmRoot"/>
+        <p:cTn xmlns:p14="http://schemas.microsoft.com/office/powerpoint/2010/main" id="1" dur="indefinite" restart="never" nodeType="tmRoot"/>
       </p:par>
     </p:tnLst>
   </p:timing>
@@ -8360,9 +9086,8 @@
                   </a:bodyPr>
                   <a:lstStyle/>
                   <a:p>
-                    <a:pPr/>
                     <a14:m>
-                      <m:oMathPara xmlns:m="http://schemas.openxmlformats.org/officeDocument/2006/math">
+                      <m:oMathPara xmlns:m="http://schemas.openxmlformats.org/officeDocument/2006/math" xmlns="">
                         <m:oMathParaPr>
                           <m:jc m:val="centerGroup"/>
                         </m:oMathParaPr>
@@ -8444,9 +9169,8 @@
                   </a:bodyPr>
                   <a:lstStyle/>
                   <a:p>
-                    <a:pPr/>
                     <a14:m>
-                      <m:oMathPara xmlns:m="http://schemas.openxmlformats.org/officeDocument/2006/math">
+                      <m:oMathPara xmlns:m="http://schemas.openxmlformats.org/officeDocument/2006/math" xmlns="">
                         <m:oMathParaPr>
                           <m:jc m:val="centerGroup"/>
                         </m:oMathParaPr>
@@ -8527,9 +9251,8 @@
                   </a:bodyPr>
                   <a:lstStyle/>
                   <a:p>
-                    <a:pPr/>
                     <a14:m>
-                      <m:oMathPara xmlns:m="http://schemas.openxmlformats.org/officeDocument/2006/math">
+                      <m:oMathPara xmlns:m="http://schemas.openxmlformats.org/officeDocument/2006/math" xmlns="">
                         <m:oMathParaPr>
                           <m:jc m:val="centerGroup"/>
                         </m:oMathParaPr>
@@ -8611,9 +9334,8 @@
                   </a:bodyPr>
                   <a:lstStyle/>
                   <a:p>
-                    <a:pPr/>
                     <a14:m>
-                      <m:oMathPara xmlns:m="http://schemas.openxmlformats.org/officeDocument/2006/math">
+                      <m:oMathPara xmlns:m="http://schemas.openxmlformats.org/officeDocument/2006/math" xmlns="">
                         <m:oMathParaPr>
                           <m:jc m:val="centerGroup"/>
                         </m:oMathParaPr>
@@ -8818,9 +9540,8 @@
                 </a:bodyPr>
                 <a:lstStyle/>
                 <a:p>
-                  <a:pPr/>
                   <a14:m>
-                    <m:oMathPara xmlns:m="http://schemas.openxmlformats.org/officeDocument/2006/math">
+                    <m:oMathPara xmlns:m="http://schemas.openxmlformats.org/officeDocument/2006/math" xmlns="">
                       <m:oMathParaPr>
                         <m:jc m:val="centerGroup"/>
                       </m:oMathParaPr>
@@ -8923,9 +9644,8 @@
                 </a:bodyPr>
                 <a:lstStyle/>
                 <a:p>
-                  <a:pPr/>
                   <a14:m>
-                    <m:oMathPara xmlns:m="http://schemas.openxmlformats.org/officeDocument/2006/math">
+                    <m:oMathPara xmlns:m="http://schemas.openxmlformats.org/officeDocument/2006/math" xmlns="">
                       <m:oMathParaPr>
                         <m:jc m:val="centerGroup"/>
                       </m:oMathParaPr>
@@ -9129,9 +9849,8 @@
                   </a:bodyPr>
                   <a:lstStyle/>
                   <a:p>
-                    <a:pPr/>
                     <a14:m>
-                      <m:oMathPara xmlns:m="http://schemas.openxmlformats.org/officeDocument/2006/math">
+                      <m:oMathPara xmlns:m="http://schemas.openxmlformats.org/officeDocument/2006/math" xmlns="">
                         <m:oMathParaPr>
                           <m:jc m:val="centerGroup"/>
                         </m:oMathParaPr>
@@ -9213,9 +9932,8 @@
                   </a:bodyPr>
                   <a:lstStyle/>
                   <a:p>
-                    <a:pPr/>
                     <a14:m>
-                      <m:oMathPara xmlns:m="http://schemas.openxmlformats.org/officeDocument/2006/math">
+                      <m:oMathPara xmlns:m="http://schemas.openxmlformats.org/officeDocument/2006/math" xmlns="">
                         <m:oMathParaPr>
                           <m:jc m:val="centerGroup"/>
                         </m:oMathParaPr>
@@ -9296,9 +10014,8 @@
                   </a:bodyPr>
                   <a:lstStyle/>
                   <a:p>
-                    <a:pPr/>
                     <a14:m>
-                      <m:oMathPara xmlns:m="http://schemas.openxmlformats.org/officeDocument/2006/math">
+                      <m:oMathPara xmlns:m="http://schemas.openxmlformats.org/officeDocument/2006/math" xmlns="">
                         <m:oMathParaPr>
                           <m:jc m:val="centerGroup"/>
                         </m:oMathParaPr>
@@ -9380,9 +10097,8 @@
                   </a:bodyPr>
                   <a:lstStyle/>
                   <a:p>
-                    <a:pPr/>
                     <a14:m>
-                      <m:oMathPara xmlns:m="http://schemas.openxmlformats.org/officeDocument/2006/math">
+                      <m:oMathPara xmlns:m="http://schemas.openxmlformats.org/officeDocument/2006/math" xmlns="">
                         <m:oMathParaPr>
                           <m:jc m:val="centerGroup"/>
                         </m:oMathParaPr>
@@ -9515,9 +10231,8 @@
                 </a:bodyPr>
                 <a:lstStyle/>
                 <a:p>
-                  <a:pPr/>
                   <a14:m>
-                    <m:oMathPara xmlns:m="http://schemas.openxmlformats.org/officeDocument/2006/math">
+                    <m:oMathPara xmlns:m="http://schemas.openxmlformats.org/officeDocument/2006/math" xmlns="">
                       <m:oMathParaPr>
                         <m:jc m:val="centerGroup"/>
                       </m:oMathParaPr>
@@ -9728,9 +10443,8 @@
                 </a:bodyPr>
                 <a:lstStyle/>
                 <a:p>
-                  <a:pPr/>
                   <a14:m>
-                    <m:oMathPara xmlns:m="http://schemas.openxmlformats.org/officeDocument/2006/math">
+                    <m:oMathPara xmlns:m="http://schemas.openxmlformats.org/officeDocument/2006/math" xmlns="">
                       <m:oMathParaPr>
                         <m:jc m:val="centerGroup"/>
                       </m:oMathParaPr>
@@ -9833,9 +10547,8 @@
                 </a:bodyPr>
                 <a:lstStyle/>
                 <a:p>
-                  <a:pPr/>
                   <a14:m>
-                    <m:oMathPara xmlns:m="http://schemas.openxmlformats.org/officeDocument/2006/math">
+                    <m:oMathPara xmlns:m="http://schemas.openxmlformats.org/officeDocument/2006/math" xmlns="">
                       <m:oMathParaPr>
                         <m:jc m:val="centerGroup"/>
                       </m:oMathParaPr>
@@ -10039,9 +10752,8 @@
                   </a:bodyPr>
                   <a:lstStyle/>
                   <a:p>
-                    <a:pPr/>
                     <a14:m>
-                      <m:oMathPara xmlns:m="http://schemas.openxmlformats.org/officeDocument/2006/math">
+                      <m:oMathPara xmlns:m="http://schemas.openxmlformats.org/officeDocument/2006/math" xmlns="">
                         <m:oMathParaPr>
                           <m:jc m:val="centerGroup"/>
                         </m:oMathParaPr>
@@ -10123,9 +10835,8 @@
                   </a:bodyPr>
                   <a:lstStyle/>
                   <a:p>
-                    <a:pPr/>
                     <a14:m>
-                      <m:oMathPara xmlns:m="http://schemas.openxmlformats.org/officeDocument/2006/math">
+                      <m:oMathPara xmlns:m="http://schemas.openxmlformats.org/officeDocument/2006/math" xmlns="">
                         <m:oMathParaPr>
                           <m:jc m:val="centerGroup"/>
                         </m:oMathParaPr>
@@ -10206,9 +10917,8 @@
                   </a:bodyPr>
                   <a:lstStyle/>
                   <a:p>
-                    <a:pPr/>
                     <a14:m>
-                      <m:oMathPara xmlns:m="http://schemas.openxmlformats.org/officeDocument/2006/math">
+                      <m:oMathPara xmlns:m="http://schemas.openxmlformats.org/officeDocument/2006/math" xmlns="">
                         <m:oMathParaPr>
                           <m:jc m:val="centerGroup"/>
                         </m:oMathParaPr>
@@ -10290,9 +11000,8 @@
                   </a:bodyPr>
                   <a:lstStyle/>
                   <a:p>
-                    <a:pPr/>
                     <a14:m>
-                      <m:oMathPara xmlns:m="http://schemas.openxmlformats.org/officeDocument/2006/math">
+                      <m:oMathPara xmlns:m="http://schemas.openxmlformats.org/officeDocument/2006/math" xmlns="">
                         <m:oMathParaPr>
                           <m:jc m:val="centerGroup"/>
                         </m:oMathParaPr>
@@ -10460,9 +11169,8 @@
                 </a:bodyPr>
                 <a:lstStyle/>
                 <a:p>
-                  <a:pPr/>
                   <a14:m>
-                    <m:oMathPara xmlns:m="http://schemas.openxmlformats.org/officeDocument/2006/math">
+                    <m:oMathPara xmlns:m="http://schemas.openxmlformats.org/officeDocument/2006/math" xmlns="">
                       <m:oMathParaPr>
                         <m:jc m:val="centerGroup"/>
                       </m:oMathParaPr>
@@ -10545,7 +11253,7 @@
                 <a:lstStyle/>
                 <a:p>
                   <a14:m>
-                    <m:oMath xmlns:m="http://schemas.openxmlformats.org/officeDocument/2006/math">
+                    <m:oMath xmlns:m="http://schemas.openxmlformats.org/officeDocument/2006/math" xmlns="">
                       <m:r>
                         <a:rPr lang="en-US" b="0" i="1" smtClean="0">
                           <a:latin typeface="Cambria Math" panose="02040503050406030204" pitchFamily="18" charset="0"/>
@@ -10810,9 +11518,8 @@
                   </a:bodyPr>
                   <a:lstStyle/>
                   <a:p>
-                    <a:pPr/>
                     <a14:m>
-                      <m:oMathPara xmlns:m="http://schemas.openxmlformats.org/officeDocument/2006/math">
+                      <m:oMathPara xmlns:m="http://schemas.openxmlformats.org/officeDocument/2006/math" xmlns="">
                         <m:oMathParaPr>
                           <m:jc m:val="centerGroup"/>
                         </m:oMathParaPr>
@@ -10907,9 +11614,8 @@
                   </a:bodyPr>
                   <a:lstStyle/>
                   <a:p>
-                    <a:pPr/>
                     <a14:m>
-                      <m:oMathPara xmlns:m="http://schemas.openxmlformats.org/officeDocument/2006/math">
+                      <m:oMathPara xmlns:m="http://schemas.openxmlformats.org/officeDocument/2006/math" xmlns="">
                         <m:oMathParaPr>
                           <m:jc m:val="centerGroup"/>
                         </m:oMathParaPr>
@@ -11025,9 +11731,8 @@
                   </a:bodyPr>
                   <a:lstStyle/>
                   <a:p>
-                    <a:pPr/>
                     <a14:m>
-                      <m:oMathPara xmlns:m="http://schemas.openxmlformats.org/officeDocument/2006/math">
+                      <m:oMathPara xmlns:m="http://schemas.openxmlformats.org/officeDocument/2006/math" xmlns="">
                         <m:oMathParaPr>
                           <m:jc m:val="centerGroup"/>
                         </m:oMathParaPr>
@@ -11144,9 +11849,8 @@
                 </a:bodyPr>
                 <a:lstStyle/>
                 <a:p>
-                  <a:pPr/>
                   <a14:m>
-                    <m:oMathPara xmlns:m="http://schemas.openxmlformats.org/officeDocument/2006/math">
+                    <m:oMathPara xmlns:m="http://schemas.openxmlformats.org/officeDocument/2006/math" xmlns="">
                       <m:oMathParaPr>
                         <m:jc m:val="centerGroup"/>
                       </m:oMathParaPr>
@@ -11249,9 +11953,8 @@
                 </a:bodyPr>
                 <a:lstStyle/>
                 <a:p>
-                  <a:pPr/>
                   <a14:m>
-                    <m:oMathPara xmlns:m="http://schemas.openxmlformats.org/officeDocument/2006/math">
+                    <m:oMathPara xmlns:m="http://schemas.openxmlformats.org/officeDocument/2006/math" xmlns="">
                       <m:oMathParaPr>
                         <m:jc m:val="centerGroup"/>
                       </m:oMathParaPr>
@@ -11484,9 +12187,8 @@
                 </a:bodyPr>
                 <a:lstStyle/>
                 <a:p>
-                  <a:pPr/>
                   <a14:m>
-                    <m:oMathPara xmlns:m="http://schemas.openxmlformats.org/officeDocument/2006/math">
+                    <m:oMathPara xmlns:m="http://schemas.openxmlformats.org/officeDocument/2006/math" xmlns="">
                       <m:oMathParaPr>
                         <m:jc m:val="centerGroup"/>
                       </m:oMathParaPr>
@@ -11602,9 +12304,8 @@
                 </a:bodyPr>
                 <a:lstStyle/>
                 <a:p>
-                  <a:pPr/>
                   <a14:m>
-                    <m:oMathPara xmlns:m="http://schemas.openxmlformats.org/officeDocument/2006/math">
+                    <m:oMathPara xmlns:m="http://schemas.openxmlformats.org/officeDocument/2006/math" xmlns="">
                       <m:oMathParaPr>
                         <m:jc m:val="centerGroup"/>
                       </m:oMathParaPr>
@@ -11727,9 +12428,8 @@
                 </a:bodyPr>
                 <a:lstStyle/>
                 <a:p>
-                  <a:pPr/>
                   <a14:m>
-                    <m:oMathPara xmlns:m="http://schemas.openxmlformats.org/officeDocument/2006/math">
+                    <m:oMathPara xmlns:m="http://schemas.openxmlformats.org/officeDocument/2006/math" xmlns="">
                       <m:oMathParaPr>
                         <m:jc m:val="centerGroup"/>
                       </m:oMathParaPr>
@@ -11881,9 +12581,8 @@
                 </a:bodyPr>
                 <a:lstStyle/>
                 <a:p>
-                  <a:pPr/>
                   <a14:m>
-                    <m:oMathPara xmlns:m="http://schemas.openxmlformats.org/officeDocument/2006/math">
+                    <m:oMathPara xmlns:m="http://schemas.openxmlformats.org/officeDocument/2006/math" xmlns="">
                       <m:oMathParaPr>
                         <m:jc m:val="centerGroup"/>
                       </m:oMathParaPr>
@@ -12185,9 +12884,8 @@
                   </a:bodyPr>
                   <a:lstStyle/>
                   <a:p>
-                    <a:pPr/>
                     <a14:m>
-                      <m:oMathPara xmlns:m="http://schemas.openxmlformats.org/officeDocument/2006/math">
+                      <m:oMathPara xmlns:m="http://schemas.openxmlformats.org/officeDocument/2006/math" xmlns="">
                         <m:oMathParaPr>
                           <m:jc m:val="centerGroup"/>
                         </m:oMathParaPr>
@@ -12269,9 +12967,8 @@
                   </a:bodyPr>
                   <a:lstStyle/>
                   <a:p>
-                    <a:pPr/>
                     <a14:m>
-                      <m:oMathPara xmlns:m="http://schemas.openxmlformats.org/officeDocument/2006/math">
+                      <m:oMathPara xmlns:m="http://schemas.openxmlformats.org/officeDocument/2006/math" xmlns="">
                         <m:oMathParaPr>
                           <m:jc m:val="centerGroup"/>
                         </m:oMathParaPr>
@@ -12352,9 +13049,8 @@
                   </a:bodyPr>
                   <a:lstStyle/>
                   <a:p>
-                    <a:pPr/>
                     <a14:m>
-                      <m:oMathPara xmlns:m="http://schemas.openxmlformats.org/officeDocument/2006/math">
+                      <m:oMathPara xmlns:m="http://schemas.openxmlformats.org/officeDocument/2006/math" xmlns="">
                         <m:oMathParaPr>
                           <m:jc m:val="centerGroup"/>
                         </m:oMathParaPr>
@@ -12472,9 +13168,8 @@
                   </a:bodyPr>
                   <a:lstStyle/>
                   <a:p>
-                    <a:pPr/>
                     <a14:m>
-                      <m:oMathPara xmlns:m="http://schemas.openxmlformats.org/officeDocument/2006/math">
+                      <m:oMathPara xmlns:m="http://schemas.openxmlformats.org/officeDocument/2006/math" xmlns="">
                         <m:oMathParaPr>
                           <m:jc m:val="centerGroup"/>
                         </m:oMathParaPr>
@@ -12569,9 +13264,8 @@
                   </a:bodyPr>
                   <a:lstStyle/>
                   <a:p>
-                    <a:pPr/>
                     <a14:m>
-                      <m:oMathPara xmlns:m="http://schemas.openxmlformats.org/officeDocument/2006/math">
+                      <m:oMathPara xmlns:m="http://schemas.openxmlformats.org/officeDocument/2006/math" xmlns="">
                         <m:oMathParaPr>
                           <m:jc m:val="centerGroup"/>
                         </m:oMathParaPr>
@@ -12674,9 +13368,8 @@
                   </a:bodyPr>
                   <a:lstStyle/>
                   <a:p>
-                    <a:pPr/>
                     <a14:m>
-                      <m:oMathPara xmlns:m="http://schemas.openxmlformats.org/officeDocument/2006/math">
+                      <m:oMathPara xmlns:m="http://schemas.openxmlformats.org/officeDocument/2006/math" xmlns="">
                         <m:oMathParaPr>
                           <m:jc m:val="centerGroup"/>
                         </m:oMathParaPr>
@@ -12887,9 +13580,8 @@
                   </a:bodyPr>
                   <a:lstStyle/>
                   <a:p>
-                    <a:pPr/>
                     <a14:m>
-                      <m:oMathPara xmlns:m="http://schemas.openxmlformats.org/officeDocument/2006/math">
+                      <m:oMathPara xmlns:m="http://schemas.openxmlformats.org/officeDocument/2006/math" xmlns="">
                         <m:oMathParaPr>
                           <m:jc m:val="centerGroup"/>
                         </m:oMathParaPr>
@@ -13034,9 +13726,8 @@
                   </a:bodyPr>
                   <a:lstStyle/>
                   <a:p>
-                    <a:pPr/>
                     <a14:m>
-                      <m:oMathPara xmlns:m="http://schemas.openxmlformats.org/officeDocument/2006/math">
+                      <m:oMathPara xmlns:m="http://schemas.openxmlformats.org/officeDocument/2006/math" xmlns="">
                         <m:oMathParaPr>
                           <m:jc m:val="centerGroup"/>
                         </m:oMathParaPr>
@@ -13118,9 +13809,8 @@
                   </a:bodyPr>
                   <a:lstStyle/>
                   <a:p>
-                    <a:pPr/>
                     <a14:m>
-                      <m:oMathPara xmlns:m="http://schemas.openxmlformats.org/officeDocument/2006/math">
+                      <m:oMathPara xmlns:m="http://schemas.openxmlformats.org/officeDocument/2006/math" xmlns="">
                         <m:oMathParaPr>
                           <m:jc m:val="centerGroup"/>
                         </m:oMathParaPr>
@@ -13202,9 +13892,8 @@
                   </a:bodyPr>
                   <a:lstStyle/>
                   <a:p>
-                    <a:pPr/>
                     <a14:m>
-                      <m:oMathPara xmlns:m="http://schemas.openxmlformats.org/officeDocument/2006/math">
+                      <m:oMathPara xmlns:m="http://schemas.openxmlformats.org/officeDocument/2006/math" xmlns="">
                         <m:oMathParaPr>
                           <m:jc m:val="centerGroup"/>
                         </m:oMathParaPr>
@@ -13287,9 +13976,8 @@
                 </a:bodyPr>
                 <a:lstStyle/>
                 <a:p>
-                  <a:pPr/>
                   <a14:m>
-                    <m:oMathPara xmlns:m="http://schemas.openxmlformats.org/officeDocument/2006/math">
+                    <m:oMathPara xmlns:m="http://schemas.openxmlformats.org/officeDocument/2006/math" xmlns="">
                       <m:oMathParaPr>
                         <m:jc m:val="centerGroup"/>
                       </m:oMathParaPr>
@@ -13499,9 +14187,8 @@
                     </a:bodyPr>
                     <a:lstStyle/>
                     <a:p>
-                      <a:pPr/>
                       <a14:m>
-                        <m:oMathPara xmlns:m="http://schemas.openxmlformats.org/officeDocument/2006/math">
+                        <m:oMathPara xmlns:m="http://schemas.openxmlformats.org/officeDocument/2006/math" xmlns="">
                           <m:oMathParaPr>
                             <m:jc m:val="centerGroup"/>
                           </m:oMathParaPr>
@@ -13583,9 +14270,8 @@
                     </a:bodyPr>
                     <a:lstStyle/>
                     <a:p>
-                      <a:pPr/>
                       <a14:m>
-                        <m:oMathPara xmlns:m="http://schemas.openxmlformats.org/officeDocument/2006/math">
+                        <m:oMathPara xmlns:m="http://schemas.openxmlformats.org/officeDocument/2006/math" xmlns="">
                           <m:oMathParaPr>
                             <m:jc m:val="centerGroup"/>
                           </m:oMathParaPr>
@@ -13666,9 +14352,8 @@
                     </a:bodyPr>
                     <a:lstStyle/>
                     <a:p>
-                      <a:pPr/>
                       <a14:m>
-                        <m:oMathPara xmlns:m="http://schemas.openxmlformats.org/officeDocument/2006/math">
+                        <m:oMathPara xmlns:m="http://schemas.openxmlformats.org/officeDocument/2006/math" xmlns="">
                           <m:oMathParaPr>
                             <m:jc m:val="centerGroup"/>
                           </m:oMathParaPr>
@@ -13751,9 +14436,8 @@
                   </a:bodyPr>
                   <a:lstStyle/>
                   <a:p>
-                    <a:pPr/>
                     <a14:m>
-                      <m:oMathPara xmlns:m="http://schemas.openxmlformats.org/officeDocument/2006/math">
+                      <m:oMathPara xmlns:m="http://schemas.openxmlformats.org/officeDocument/2006/math" xmlns="">
                         <m:oMathParaPr>
                           <m:jc m:val="centerGroup"/>
                         </m:oMathParaPr>
@@ -13856,9 +14540,8 @@
                   </a:bodyPr>
                   <a:lstStyle/>
                   <a:p>
-                    <a:pPr/>
                     <a14:m>
-                      <m:oMathPara xmlns:m="http://schemas.openxmlformats.org/officeDocument/2006/math">
+                      <m:oMathPara xmlns:m="http://schemas.openxmlformats.org/officeDocument/2006/math" xmlns="">
                         <m:oMathParaPr>
                           <m:jc m:val="centerGroup"/>
                         </m:oMathParaPr>
@@ -13961,9 +14644,8 @@
                   </a:bodyPr>
                   <a:lstStyle/>
                   <a:p>
-                    <a:pPr/>
                     <a14:m>
-                      <m:oMathPara xmlns:m="http://schemas.openxmlformats.org/officeDocument/2006/math">
+                      <m:oMathPara xmlns:m="http://schemas.openxmlformats.org/officeDocument/2006/math" xmlns="">
                         <m:oMathParaPr>
                           <m:jc m:val="centerGroup"/>
                         </m:oMathParaPr>
@@ -14066,9 +14748,8 @@
                   </a:bodyPr>
                   <a:lstStyle/>
                   <a:p>
-                    <a:pPr/>
                     <a14:m>
-                      <m:oMathPara xmlns:m="http://schemas.openxmlformats.org/officeDocument/2006/math">
+                      <m:oMathPara xmlns:m="http://schemas.openxmlformats.org/officeDocument/2006/math" xmlns="">
                         <m:oMathParaPr>
                           <m:jc m:val="centerGroup"/>
                         </m:oMathParaPr>
@@ -14243,9 +14924,8 @@
                   </a:bodyPr>
                   <a:lstStyle/>
                   <a:p>
-                    <a:pPr/>
                     <a14:m>
-                      <m:oMathPara xmlns:m="http://schemas.openxmlformats.org/officeDocument/2006/math">
+                      <m:oMathPara xmlns:m="http://schemas.openxmlformats.org/officeDocument/2006/math" xmlns="">
                         <m:oMathParaPr>
                           <m:jc m:val="centerGroup"/>
                         </m:oMathParaPr>
@@ -14337,9 +15017,8 @@
                   </a:bodyPr>
                   <a:lstStyle/>
                   <a:p>
-                    <a:pPr/>
                     <a14:m>
-                      <m:oMathPara xmlns:m="http://schemas.openxmlformats.org/officeDocument/2006/math">
+                      <m:oMathPara xmlns:m="http://schemas.openxmlformats.org/officeDocument/2006/math" xmlns="">
                         <m:oMathParaPr>
                           <m:jc m:val="centerGroup"/>
                         </m:oMathParaPr>
@@ -14470,9 +15149,8 @@
                   </a:bodyPr>
                   <a:lstStyle/>
                   <a:p>
-                    <a:pPr/>
                     <a14:m>
-                      <m:oMathPara xmlns:m="http://schemas.openxmlformats.org/officeDocument/2006/math">
+                      <m:oMathPara xmlns:m="http://schemas.openxmlformats.org/officeDocument/2006/math" xmlns="">
                         <m:oMathParaPr>
                           <m:jc m:val="centerGroup"/>
                         </m:oMathParaPr>
@@ -14651,9 +15329,8 @@
                 </a:bodyPr>
                 <a:lstStyle/>
                 <a:p>
-                  <a:pPr/>
                   <a14:m>
-                    <m:oMathPara xmlns:m="http://schemas.openxmlformats.org/officeDocument/2006/math">
+                    <m:oMathPara xmlns:m="http://schemas.openxmlformats.org/officeDocument/2006/math" xmlns="">
                       <m:oMathParaPr>
                         <m:jc m:val="centerGroup"/>
                       </m:oMathParaPr>
@@ -14773,9 +15450,8 @@
                 </a:bodyPr>
                 <a:lstStyle/>
                 <a:p>
-                  <a:pPr/>
                   <a14:m>
-                    <m:oMathPara xmlns:m="http://schemas.openxmlformats.org/officeDocument/2006/math">
+                    <m:oMathPara xmlns:m="http://schemas.openxmlformats.org/officeDocument/2006/math" xmlns="">
                       <m:oMathParaPr>
                         <m:jc m:val="centerGroup"/>
                       </m:oMathParaPr>
@@ -15009,9 +15685,8 @@
                     </a:bodyPr>
                     <a:lstStyle/>
                     <a:p>
-                      <a:pPr/>
                       <a14:m>
-                        <m:oMathPara xmlns:m="http://schemas.openxmlformats.org/officeDocument/2006/math">
+                        <m:oMathPara xmlns:m="http://schemas.openxmlformats.org/officeDocument/2006/math" xmlns="">
                           <m:oMathParaPr>
                             <m:jc m:val="centerGroup"/>
                           </m:oMathParaPr>
@@ -15093,9 +15768,8 @@
                     </a:bodyPr>
                     <a:lstStyle/>
                     <a:p>
-                      <a:pPr/>
                       <a14:m>
-                        <m:oMathPara xmlns:m="http://schemas.openxmlformats.org/officeDocument/2006/math">
+                        <m:oMathPara xmlns:m="http://schemas.openxmlformats.org/officeDocument/2006/math" xmlns="">
                           <m:oMathParaPr>
                             <m:jc m:val="centerGroup"/>
                           </m:oMathParaPr>
@@ -15176,9 +15850,8 @@
                     </a:bodyPr>
                     <a:lstStyle/>
                     <a:p>
-                      <a:pPr/>
                       <a14:m>
-                        <m:oMathPara xmlns:m="http://schemas.openxmlformats.org/officeDocument/2006/math">
+                        <m:oMathPara xmlns:m="http://schemas.openxmlformats.org/officeDocument/2006/math" xmlns="">
                           <m:oMathParaPr>
                             <m:jc m:val="centerGroup"/>
                           </m:oMathParaPr>
@@ -15261,9 +15934,8 @@
                   </a:bodyPr>
                   <a:lstStyle/>
                   <a:p>
-                    <a:pPr/>
                     <a14:m>
-                      <m:oMathPara xmlns:m="http://schemas.openxmlformats.org/officeDocument/2006/math">
+                      <m:oMathPara xmlns:m="http://schemas.openxmlformats.org/officeDocument/2006/math" xmlns="">
                         <m:oMathParaPr>
                           <m:jc m:val="centerGroup"/>
                         </m:oMathParaPr>
@@ -15366,9 +16038,8 @@
                   </a:bodyPr>
                   <a:lstStyle/>
                   <a:p>
-                    <a:pPr/>
                     <a14:m>
-                      <m:oMathPara xmlns:m="http://schemas.openxmlformats.org/officeDocument/2006/math">
+                      <m:oMathPara xmlns:m="http://schemas.openxmlformats.org/officeDocument/2006/math" xmlns="">
                         <m:oMathParaPr>
                           <m:jc m:val="centerGroup"/>
                         </m:oMathParaPr>
@@ -15471,9 +16142,8 @@
                   </a:bodyPr>
                   <a:lstStyle/>
                   <a:p>
-                    <a:pPr/>
                     <a14:m>
-                      <m:oMathPara xmlns:m="http://schemas.openxmlformats.org/officeDocument/2006/math">
+                      <m:oMathPara xmlns:m="http://schemas.openxmlformats.org/officeDocument/2006/math" xmlns="">
                         <m:oMathParaPr>
                           <m:jc m:val="centerGroup"/>
                         </m:oMathParaPr>
@@ -15576,9 +16246,8 @@
                   </a:bodyPr>
                   <a:lstStyle/>
                   <a:p>
-                    <a:pPr/>
                     <a14:m>
-                      <m:oMathPara xmlns:m="http://schemas.openxmlformats.org/officeDocument/2006/math">
+                      <m:oMathPara xmlns:m="http://schemas.openxmlformats.org/officeDocument/2006/math" xmlns="">
                         <m:oMathParaPr>
                           <m:jc m:val="centerGroup"/>
                         </m:oMathParaPr>
@@ -15753,9 +16422,8 @@
                   </a:bodyPr>
                   <a:lstStyle/>
                   <a:p>
-                    <a:pPr/>
                     <a14:m>
-                      <m:oMathPara xmlns:m="http://schemas.openxmlformats.org/officeDocument/2006/math">
+                      <m:oMathPara xmlns:m="http://schemas.openxmlformats.org/officeDocument/2006/math" xmlns="">
                         <m:oMathParaPr>
                           <m:jc m:val="centerGroup"/>
                         </m:oMathParaPr>
@@ -15847,9 +16515,8 @@
                   </a:bodyPr>
                   <a:lstStyle/>
                   <a:p>
-                    <a:pPr/>
                     <a14:m>
-                      <m:oMathPara xmlns:m="http://schemas.openxmlformats.org/officeDocument/2006/math">
+                      <m:oMathPara xmlns:m="http://schemas.openxmlformats.org/officeDocument/2006/math" xmlns="">
                         <m:oMathParaPr>
                           <m:jc m:val="centerGroup"/>
                         </m:oMathParaPr>
@@ -15980,9 +16647,8 @@
                   </a:bodyPr>
                   <a:lstStyle/>
                   <a:p>
-                    <a:pPr/>
                     <a14:m>
-                      <m:oMathPara xmlns:m="http://schemas.openxmlformats.org/officeDocument/2006/math">
+                      <m:oMathPara xmlns:m="http://schemas.openxmlformats.org/officeDocument/2006/math" xmlns="">
                         <m:oMathParaPr>
                           <m:jc m:val="centerGroup"/>
                         </m:oMathParaPr>
@@ -16174,9 +16840,8 @@
                 </a:bodyPr>
                 <a:lstStyle/>
                 <a:p>
-                  <a:pPr/>
                   <a14:m>
-                    <m:oMathPara xmlns:m="http://schemas.openxmlformats.org/officeDocument/2006/math">
+                    <m:oMathPara xmlns:m="http://schemas.openxmlformats.org/officeDocument/2006/math" xmlns="">
                       <m:oMathParaPr>
                         <m:jc m:val="centerGroup"/>
                       </m:oMathParaPr>
@@ -16296,9 +16961,8 @@
                 </a:bodyPr>
                 <a:lstStyle/>
                 <a:p>
-                  <a:pPr/>
                   <a14:m>
-                    <m:oMathPara xmlns:m="http://schemas.openxmlformats.org/officeDocument/2006/math">
+                    <m:oMathPara xmlns:m="http://schemas.openxmlformats.org/officeDocument/2006/math" xmlns="">
                       <m:oMathParaPr>
                         <m:jc m:val="centerGroup"/>
                       </m:oMathParaPr>
@@ -16408,7 +17072,7 @@
   <p:timing>
     <p:tnLst>
       <p:par>
-        <p:cTn id="1" dur="indefinite" restart="never" nodeType="tmRoot"/>
+        <p:cTn xmlns:p14="http://schemas.microsoft.com/office/powerpoint/2010/main" id="1" dur="indefinite" restart="never" nodeType="tmRoot"/>
       </p:par>
     </p:tnLst>
   </p:timing>
@@ -16555,9 +17219,8 @@
                   </a:bodyPr>
                   <a:lstStyle/>
                   <a:p>
-                    <a:pPr/>
                     <a14:m>
-                      <m:oMathPara xmlns:m="http://schemas.openxmlformats.org/officeDocument/2006/math">
+                      <m:oMathPara xmlns:m="http://schemas.openxmlformats.org/officeDocument/2006/math" xmlns="">
                         <m:oMathParaPr>
                           <m:jc m:val="centerGroup"/>
                         </m:oMathParaPr>
@@ -16639,9 +17302,8 @@
                   </a:bodyPr>
                   <a:lstStyle/>
                   <a:p>
-                    <a:pPr/>
                     <a14:m>
-                      <m:oMathPara xmlns:m="http://schemas.openxmlformats.org/officeDocument/2006/math">
+                      <m:oMathPara xmlns:m="http://schemas.openxmlformats.org/officeDocument/2006/math" xmlns="">
                         <m:oMathParaPr>
                           <m:jc m:val="centerGroup"/>
                         </m:oMathParaPr>
@@ -16722,9 +17384,8 @@
                   </a:bodyPr>
                   <a:lstStyle/>
                   <a:p>
-                    <a:pPr/>
                     <a14:m>
-                      <m:oMathPara xmlns:m="http://schemas.openxmlformats.org/officeDocument/2006/math">
+                      <m:oMathPara xmlns:m="http://schemas.openxmlformats.org/officeDocument/2006/math" xmlns="">
                         <m:oMathParaPr>
                           <m:jc m:val="centerGroup"/>
                         </m:oMathParaPr>
@@ -16842,9 +17503,8 @@
                   </a:bodyPr>
                   <a:lstStyle/>
                   <a:p>
-                    <a:pPr/>
                     <a14:m>
-                      <m:oMathPara xmlns:m="http://schemas.openxmlformats.org/officeDocument/2006/math">
+                      <m:oMathPara xmlns:m="http://schemas.openxmlformats.org/officeDocument/2006/math" xmlns="">
                         <m:oMathParaPr>
                           <m:jc m:val="centerGroup"/>
                         </m:oMathParaPr>
@@ -17084,9 +17744,8 @@
                   </a:bodyPr>
                   <a:lstStyle/>
                   <a:p>
-                    <a:pPr/>
                     <a14:m>
-                      <m:oMathPara xmlns:m="http://schemas.openxmlformats.org/officeDocument/2006/math">
+                      <m:oMathPara xmlns:m="http://schemas.openxmlformats.org/officeDocument/2006/math" xmlns="">
                         <m:oMathParaPr>
                           <m:jc m:val="centerGroup"/>
                         </m:oMathParaPr>
@@ -17167,9 +17826,8 @@
                   </a:bodyPr>
                   <a:lstStyle/>
                   <a:p>
-                    <a:pPr/>
                     <a14:m>
-                      <m:oMathPara xmlns:m="http://schemas.openxmlformats.org/officeDocument/2006/math">
+                      <m:oMathPara xmlns:m="http://schemas.openxmlformats.org/officeDocument/2006/math" xmlns="">
                         <m:oMathParaPr>
                           <m:jc m:val="centerGroup"/>
                         </m:oMathParaPr>
@@ -17269,9 +17927,8 @@
                   </a:bodyPr>
                   <a:lstStyle/>
                   <a:p>
-                    <a:pPr/>
                     <a14:m>
-                      <m:oMathPara xmlns:m="http://schemas.openxmlformats.org/officeDocument/2006/math">
+                      <m:oMathPara xmlns:m="http://schemas.openxmlformats.org/officeDocument/2006/math" xmlns="">
                         <m:oMathParaPr>
                           <m:jc m:val="centerGroup"/>
                         </m:oMathParaPr>
@@ -17371,9 +18028,8 @@
                   </a:bodyPr>
                   <a:lstStyle/>
                   <a:p>
-                    <a:pPr/>
                     <a14:m>
-                      <m:oMathPara xmlns:m="http://schemas.openxmlformats.org/officeDocument/2006/math">
+                      <m:oMathPara xmlns:m="http://schemas.openxmlformats.org/officeDocument/2006/math" xmlns="">
                         <m:oMathParaPr>
                           <m:jc m:val="centerGroup"/>
                         </m:oMathParaPr>
@@ -17574,9 +18230,8 @@
                     </a:bodyPr>
                     <a:lstStyle/>
                     <a:p>
-                      <a:pPr/>
                       <a14:m>
-                        <m:oMathPara xmlns:m="http://schemas.openxmlformats.org/officeDocument/2006/math">
+                        <m:oMathPara xmlns:m="http://schemas.openxmlformats.org/officeDocument/2006/math" xmlns="">
                           <m:oMathParaPr>
                             <m:jc m:val="centerGroup"/>
                           </m:oMathParaPr>
@@ -17658,9 +18313,8 @@
                     </a:bodyPr>
                     <a:lstStyle/>
                     <a:p>
-                      <a:pPr/>
                       <a14:m>
-                        <m:oMathPara xmlns:m="http://schemas.openxmlformats.org/officeDocument/2006/math">
+                        <m:oMathPara xmlns:m="http://schemas.openxmlformats.org/officeDocument/2006/math" xmlns="">
                           <m:oMathParaPr>
                             <m:jc m:val="centerGroup"/>
                           </m:oMathParaPr>
@@ -17741,9 +18395,8 @@
                     </a:bodyPr>
                     <a:lstStyle/>
                     <a:p>
-                      <a:pPr/>
                       <a14:m>
-                        <m:oMathPara xmlns:m="http://schemas.openxmlformats.org/officeDocument/2006/math">
+                        <m:oMathPara xmlns:m="http://schemas.openxmlformats.org/officeDocument/2006/math" xmlns="">
                           <m:oMathParaPr>
                             <m:jc m:val="centerGroup"/>
                           </m:oMathParaPr>
@@ -17861,9 +18514,8 @@
                     </a:bodyPr>
                     <a:lstStyle/>
                     <a:p>
-                      <a:pPr/>
                       <a14:m>
-                        <m:oMathPara xmlns:m="http://schemas.openxmlformats.org/officeDocument/2006/math">
+                        <m:oMathPara xmlns:m="http://schemas.openxmlformats.org/officeDocument/2006/math" xmlns="">
                           <m:oMathParaPr>
                             <m:jc m:val="centerGroup"/>
                           </m:oMathParaPr>
@@ -18103,9 +18755,8 @@
                     </a:bodyPr>
                     <a:lstStyle/>
                     <a:p>
-                      <a:pPr/>
                       <a14:m>
-                        <m:oMathPara xmlns:m="http://schemas.openxmlformats.org/officeDocument/2006/math">
+                        <m:oMathPara xmlns:m="http://schemas.openxmlformats.org/officeDocument/2006/math" xmlns="">
                           <m:oMathParaPr>
                             <m:jc m:val="centerGroup"/>
                           </m:oMathParaPr>
@@ -18186,9 +18837,8 @@
                     </a:bodyPr>
                     <a:lstStyle/>
                     <a:p>
-                      <a:pPr/>
                       <a14:m>
-                        <m:oMathPara xmlns:m="http://schemas.openxmlformats.org/officeDocument/2006/math">
+                        <m:oMathPara xmlns:m="http://schemas.openxmlformats.org/officeDocument/2006/math" xmlns="">
                           <m:oMathParaPr>
                             <m:jc m:val="centerGroup"/>
                           </m:oMathParaPr>
@@ -18372,9 +19022,8 @@
                   </a:bodyPr>
                   <a:lstStyle/>
                   <a:p>
-                    <a:pPr/>
                     <a14:m>
-                      <m:oMathPara xmlns:m="http://schemas.openxmlformats.org/officeDocument/2006/math">
+                      <m:oMathPara xmlns:m="http://schemas.openxmlformats.org/officeDocument/2006/math" xmlns="">
                         <m:oMathParaPr>
                           <m:jc m:val="centerGroup"/>
                         </m:oMathParaPr>
@@ -18474,9 +19123,8 @@
                   </a:bodyPr>
                   <a:lstStyle/>
                   <a:p>
-                    <a:pPr/>
                     <a14:m>
-                      <m:oMathPara xmlns:m="http://schemas.openxmlformats.org/officeDocument/2006/math">
+                      <m:oMathPara xmlns:m="http://schemas.openxmlformats.org/officeDocument/2006/math" xmlns="">
                         <m:oMathParaPr>
                           <m:jc m:val="centerGroup"/>
                         </m:oMathParaPr>
@@ -18694,9 +19342,8 @@
                       </a:bodyPr>
                       <a:lstStyle/>
                       <a:p>
-                        <a:pPr/>
                         <a14:m>
-                          <m:oMathPara xmlns:m="http://schemas.openxmlformats.org/officeDocument/2006/math">
+                          <m:oMathPara xmlns:m="http://schemas.openxmlformats.org/officeDocument/2006/math" xmlns="">
                             <m:oMathParaPr>
                               <m:jc m:val="centerGroup"/>
                             </m:oMathParaPr>
@@ -18778,9 +19425,8 @@
                       </a:bodyPr>
                       <a:lstStyle/>
                       <a:p>
-                        <a:pPr/>
                         <a14:m>
-                          <m:oMathPara xmlns:m="http://schemas.openxmlformats.org/officeDocument/2006/math">
+                          <m:oMathPara xmlns:m="http://schemas.openxmlformats.org/officeDocument/2006/math" xmlns="">
                             <m:oMathParaPr>
                               <m:jc m:val="centerGroup"/>
                             </m:oMathParaPr>
@@ -18861,9 +19507,8 @@
                       </a:bodyPr>
                       <a:lstStyle/>
                       <a:p>
-                        <a:pPr/>
                         <a14:m>
-                          <m:oMathPara xmlns:m="http://schemas.openxmlformats.org/officeDocument/2006/math">
+                          <m:oMathPara xmlns:m="http://schemas.openxmlformats.org/officeDocument/2006/math" xmlns="">
                             <m:oMathParaPr>
                               <m:jc m:val="centerGroup"/>
                             </m:oMathParaPr>
@@ -18981,9 +19626,8 @@
                       </a:bodyPr>
                       <a:lstStyle/>
                       <a:p>
-                        <a:pPr/>
                         <a14:m>
-                          <m:oMathPara xmlns:m="http://schemas.openxmlformats.org/officeDocument/2006/math">
+                          <m:oMathPara xmlns:m="http://schemas.openxmlformats.org/officeDocument/2006/math" xmlns="">
                             <m:oMathParaPr>
                               <m:jc m:val="centerGroup"/>
                             </m:oMathParaPr>
@@ -19223,9 +19867,8 @@
                       </a:bodyPr>
                       <a:lstStyle/>
                       <a:p>
-                        <a:pPr/>
                         <a14:m>
-                          <m:oMathPara xmlns:m="http://schemas.openxmlformats.org/officeDocument/2006/math">
+                          <m:oMathPara xmlns:m="http://schemas.openxmlformats.org/officeDocument/2006/math" xmlns="">
                             <m:oMathParaPr>
                               <m:jc m:val="centerGroup"/>
                             </m:oMathParaPr>
@@ -19390,9 +20033,8 @@
                     </a:bodyPr>
                     <a:lstStyle/>
                     <a:p>
-                      <a:pPr/>
                       <a14:m>
-                        <m:oMathPara xmlns:m="http://schemas.openxmlformats.org/officeDocument/2006/math">
+                        <m:oMathPara xmlns:m="http://schemas.openxmlformats.org/officeDocument/2006/math" xmlns="">
                           <m:oMathParaPr>
                             <m:jc m:val="centerGroup"/>
                           </m:oMathParaPr>
@@ -19612,9 +20254,8 @@
                   </a:bodyPr>
                   <a:lstStyle/>
                   <a:p>
-                    <a:pPr/>
                     <a14:m>
-                      <m:oMathPara xmlns:m="http://schemas.openxmlformats.org/officeDocument/2006/math">
+                      <m:oMathPara xmlns:m="http://schemas.openxmlformats.org/officeDocument/2006/math" xmlns="">
                         <m:oMathParaPr>
                           <m:jc m:val="centerGroup"/>
                         </m:oMathParaPr>
@@ -19714,9 +20355,8 @@
                   </a:bodyPr>
                   <a:lstStyle/>
                   <a:p>
-                    <a:pPr/>
                     <a14:m>
-                      <m:oMathPara xmlns:m="http://schemas.openxmlformats.org/officeDocument/2006/math">
+                      <m:oMathPara xmlns:m="http://schemas.openxmlformats.org/officeDocument/2006/math" xmlns="">
                         <m:oMathParaPr>
                           <m:jc m:val="centerGroup"/>
                         </m:oMathParaPr>
@@ -19932,9 +20572,8 @@
                     </a:bodyPr>
                     <a:lstStyle/>
                     <a:p>
-                      <a:pPr/>
                       <a14:m>
-                        <m:oMathPara xmlns:m="http://schemas.openxmlformats.org/officeDocument/2006/math">
+                        <m:oMathPara xmlns:m="http://schemas.openxmlformats.org/officeDocument/2006/math" xmlns="">
                           <m:oMathParaPr>
                             <m:jc m:val="centerGroup"/>
                           </m:oMathParaPr>
@@ -20016,9 +20655,8 @@
                     </a:bodyPr>
                     <a:lstStyle/>
                     <a:p>
-                      <a:pPr/>
                       <a14:m>
-                        <m:oMathPara xmlns:m="http://schemas.openxmlformats.org/officeDocument/2006/math">
+                        <m:oMathPara xmlns:m="http://schemas.openxmlformats.org/officeDocument/2006/math" xmlns="">
                           <m:oMathParaPr>
                             <m:jc m:val="centerGroup"/>
                           </m:oMathParaPr>
@@ -20099,9 +20737,8 @@
                     </a:bodyPr>
                     <a:lstStyle/>
                     <a:p>
-                      <a:pPr/>
                       <a14:m>
-                        <m:oMathPara xmlns:m="http://schemas.openxmlformats.org/officeDocument/2006/math">
+                        <m:oMathPara xmlns:m="http://schemas.openxmlformats.org/officeDocument/2006/math" xmlns="">
                           <m:oMathParaPr>
                             <m:jc m:val="centerGroup"/>
                           </m:oMathParaPr>
@@ -20377,9 +21014,8 @@
                 </a:bodyPr>
                 <a:lstStyle/>
                 <a:p>
-                  <a:pPr/>
                   <a14:m>
-                    <m:oMathPara xmlns:m="http://schemas.openxmlformats.org/officeDocument/2006/math">
+                    <m:oMathPara xmlns:m="http://schemas.openxmlformats.org/officeDocument/2006/math" xmlns="">
                       <m:oMathParaPr>
                         <m:jc m:val="centerGroup"/>
                       </m:oMathParaPr>
@@ -20460,9 +21096,8 @@
                 </a:bodyPr>
                 <a:lstStyle/>
                 <a:p>
-                  <a:pPr/>
                   <a14:m>
-                    <m:oMathPara xmlns:m="http://schemas.openxmlformats.org/officeDocument/2006/math">
+                    <m:oMathPara xmlns:m="http://schemas.openxmlformats.org/officeDocument/2006/math" xmlns="">
                       <m:oMathParaPr>
                         <m:jc m:val="centerGroup"/>
                       </m:oMathParaPr>
@@ -20562,9 +21197,8 @@
                 </a:bodyPr>
                 <a:lstStyle/>
                 <a:p>
-                  <a:pPr/>
                   <a14:m>
-                    <m:oMathPara xmlns:m="http://schemas.openxmlformats.org/officeDocument/2006/math">
+                    <m:oMathPara xmlns:m="http://schemas.openxmlformats.org/officeDocument/2006/math" xmlns="">
                       <m:oMathParaPr>
                         <m:jc m:val="centerGroup"/>
                       </m:oMathParaPr>
@@ -20664,9 +21298,8 @@
                 </a:bodyPr>
                 <a:lstStyle/>
                 <a:p>
-                  <a:pPr/>
                   <a14:m>
-                    <m:oMathPara xmlns:m="http://schemas.openxmlformats.org/officeDocument/2006/math">
+                    <m:oMathPara xmlns:m="http://schemas.openxmlformats.org/officeDocument/2006/math" xmlns="">
                       <m:oMathParaPr>
                         <m:jc m:val="centerGroup"/>
                       </m:oMathParaPr>
@@ -20766,9 +21399,8 @@
                 </a:bodyPr>
                 <a:lstStyle/>
                 <a:p>
-                  <a:pPr/>
                   <a14:m>
-                    <m:oMathPara xmlns:m="http://schemas.openxmlformats.org/officeDocument/2006/math">
+                    <m:oMathPara xmlns:m="http://schemas.openxmlformats.org/officeDocument/2006/math" xmlns="">
                       <m:oMathParaPr>
                         <m:jc m:val="centerGroup"/>
                       </m:oMathParaPr>
@@ -20905,9 +21537,8 @@
                 </a:bodyPr>
                 <a:lstStyle/>
                 <a:p>
-                  <a:pPr/>
                   <a14:m>
-                    <m:oMathPara xmlns:m="http://schemas.openxmlformats.org/officeDocument/2006/math">
+                    <m:oMathPara xmlns:m="http://schemas.openxmlformats.org/officeDocument/2006/math" xmlns="">
                       <m:oMathParaPr>
                         <m:jc m:val="centerGroup"/>
                       </m:oMathParaPr>
@@ -21217,9 +21848,8 @@
                       </a:bodyPr>
                       <a:lstStyle/>
                       <a:p>
-                        <a:pPr/>
                         <a14:m>
-                          <m:oMathPara xmlns:m="http://schemas.openxmlformats.org/officeDocument/2006/math">
+                          <m:oMathPara xmlns:m="http://schemas.openxmlformats.org/officeDocument/2006/math" xmlns="">
                             <m:oMathParaPr>
                               <m:jc m:val="centerGroup"/>
                             </m:oMathParaPr>
@@ -21301,9 +21931,8 @@
                       </a:bodyPr>
                       <a:lstStyle/>
                       <a:p>
-                        <a:pPr/>
                         <a14:m>
-                          <m:oMathPara xmlns:m="http://schemas.openxmlformats.org/officeDocument/2006/math">
+                          <m:oMathPara xmlns:m="http://schemas.openxmlformats.org/officeDocument/2006/math" xmlns="">
                             <m:oMathParaPr>
                               <m:jc m:val="centerGroup"/>
                             </m:oMathParaPr>
@@ -21384,9 +22013,8 @@
                       </a:bodyPr>
                       <a:lstStyle/>
                       <a:p>
-                        <a:pPr/>
                         <a14:m>
-                          <m:oMathPara xmlns:m="http://schemas.openxmlformats.org/officeDocument/2006/math">
+                          <m:oMathPara xmlns:m="http://schemas.openxmlformats.org/officeDocument/2006/math" xmlns="">
                             <m:oMathParaPr>
                               <m:jc m:val="centerGroup"/>
                             </m:oMathParaPr>
@@ -21577,9 +22205,8 @@
                   </a:bodyPr>
                   <a:lstStyle/>
                   <a:p>
-                    <a:pPr/>
                     <a14:m>
-                      <m:oMathPara xmlns:m="http://schemas.openxmlformats.org/officeDocument/2006/math">
+                      <m:oMathPara xmlns:m="http://schemas.openxmlformats.org/officeDocument/2006/math" xmlns="">
                         <m:oMathParaPr>
                           <m:jc m:val="centerGroup"/>
                         </m:oMathParaPr>
@@ -21697,9 +22324,8 @@
                   </a:bodyPr>
                   <a:lstStyle/>
                   <a:p>
-                    <a:pPr/>
                     <a14:m>
-                      <m:oMathPara xmlns:m="http://schemas.openxmlformats.org/officeDocument/2006/math">
+                      <m:oMathPara xmlns:m="http://schemas.openxmlformats.org/officeDocument/2006/math" xmlns="">
                         <m:oMathParaPr>
                           <m:jc m:val="centerGroup"/>
                         </m:oMathParaPr>
@@ -21889,9 +22515,8 @@
                 </a:bodyPr>
                 <a:lstStyle/>
                 <a:p>
-                  <a:pPr/>
                   <a14:m>
-                    <m:oMathPara xmlns:m="http://schemas.openxmlformats.org/officeDocument/2006/math">
+                    <m:oMathPara xmlns:m="http://schemas.openxmlformats.org/officeDocument/2006/math" xmlns="">
                       <m:oMathParaPr>
                         <m:jc m:val="centerGroup"/>
                       </m:oMathParaPr>
@@ -21984,9 +22609,8 @@
                 </a:bodyPr>
                 <a:lstStyle/>
                 <a:p>
-                  <a:pPr/>
                   <a14:m>
-                    <m:oMathPara xmlns:m="http://schemas.openxmlformats.org/officeDocument/2006/math">
+                    <m:oMathPara xmlns:m="http://schemas.openxmlformats.org/officeDocument/2006/math" xmlns="">
                       <m:oMathParaPr>
                         <m:jc m:val="centerGroup"/>
                       </m:oMathParaPr>
@@ -22079,9 +22703,8 @@
                 </a:bodyPr>
                 <a:lstStyle/>
                 <a:p>
-                  <a:pPr/>
                   <a14:m>
-                    <m:oMathPara xmlns:m="http://schemas.openxmlformats.org/officeDocument/2006/math">
+                    <m:oMathPara xmlns:m="http://schemas.openxmlformats.org/officeDocument/2006/math" xmlns="">
                       <m:oMathParaPr>
                         <m:jc m:val="centerGroup"/>
                       </m:oMathParaPr>
@@ -22162,9 +22785,8 @@
                 </a:bodyPr>
                 <a:lstStyle/>
                 <a:p>
-                  <a:pPr/>
                   <a14:m>
-                    <m:oMathPara xmlns:m="http://schemas.openxmlformats.org/officeDocument/2006/math">
+                    <m:oMathPara xmlns:m="http://schemas.openxmlformats.org/officeDocument/2006/math" xmlns="">
                       <m:oMathParaPr>
                         <m:jc m:val="centerGroup"/>
                       </m:oMathParaPr>
@@ -22264,9 +22886,8 @@
                 </a:bodyPr>
                 <a:lstStyle/>
                 <a:p>
-                  <a:pPr/>
                   <a14:m>
-                    <m:oMathPara xmlns:m="http://schemas.openxmlformats.org/officeDocument/2006/math">
+                    <m:oMathPara xmlns:m="http://schemas.openxmlformats.org/officeDocument/2006/math" xmlns="">
                       <m:oMathParaPr>
                         <m:jc m:val="centerGroup"/>
                       </m:oMathParaPr>
@@ -22481,9 +23102,8 @@
                     </a:bodyPr>
                     <a:lstStyle/>
                     <a:p>
-                      <a:pPr/>
                       <a14:m>
-                        <m:oMathPara xmlns:m="http://schemas.openxmlformats.org/officeDocument/2006/math">
+                        <m:oMathPara xmlns:m="http://schemas.openxmlformats.org/officeDocument/2006/math" xmlns="">
                           <m:oMathParaPr>
                             <m:jc m:val="centerGroup"/>
                           </m:oMathParaPr>
@@ -22565,9 +23185,8 @@
                     </a:bodyPr>
                     <a:lstStyle/>
                     <a:p>
-                      <a:pPr/>
                       <a14:m>
-                        <m:oMathPara xmlns:m="http://schemas.openxmlformats.org/officeDocument/2006/math">
+                        <m:oMathPara xmlns:m="http://schemas.openxmlformats.org/officeDocument/2006/math" xmlns="">
                           <m:oMathParaPr>
                             <m:jc m:val="centerGroup"/>
                           </m:oMathParaPr>
@@ -22648,9 +23267,8 @@
                     </a:bodyPr>
                     <a:lstStyle/>
                     <a:p>
-                      <a:pPr/>
                       <a14:m>
-                        <m:oMathPara xmlns:m="http://schemas.openxmlformats.org/officeDocument/2006/math">
+                        <m:oMathPara xmlns:m="http://schemas.openxmlformats.org/officeDocument/2006/math" xmlns="">
                           <m:oMathParaPr>
                             <m:jc m:val="centerGroup"/>
                           </m:oMathParaPr>
@@ -22843,9 +23461,8 @@
                 </a:bodyPr>
                 <a:lstStyle/>
                 <a:p>
-                  <a:pPr/>
                   <a14:m>
-                    <m:oMathPara xmlns:m="http://schemas.openxmlformats.org/officeDocument/2006/math">
+                    <m:oMathPara xmlns:m="http://schemas.openxmlformats.org/officeDocument/2006/math" xmlns="">
                       <m:oMathParaPr>
                         <m:jc m:val="centerGroup"/>
                       </m:oMathParaPr>
@@ -23027,9 +23644,8 @@
                 </a:bodyPr>
                 <a:lstStyle/>
                 <a:p>
-                  <a:pPr/>
                   <a14:m>
-                    <m:oMathPara xmlns:m="http://schemas.openxmlformats.org/officeDocument/2006/math">
+                    <m:oMathPara xmlns:m="http://schemas.openxmlformats.org/officeDocument/2006/math" xmlns="">
                       <m:oMathParaPr>
                         <m:jc m:val="centerGroup"/>
                       </m:oMathParaPr>
@@ -23201,9 +23817,8 @@
                 </a:bodyPr>
                 <a:lstStyle/>
                 <a:p>
-                  <a:pPr/>
                   <a14:m>
-                    <m:oMathPara xmlns:m="http://schemas.openxmlformats.org/officeDocument/2006/math">
+                    <m:oMathPara xmlns:m="http://schemas.openxmlformats.org/officeDocument/2006/math" xmlns="">
                       <m:oMathParaPr>
                         <m:jc m:val="centerGroup"/>
                       </m:oMathParaPr>
@@ -23315,9 +23930,8 @@
                 </a:bodyPr>
                 <a:lstStyle/>
                 <a:p>
-                  <a:pPr/>
                   <a14:m>
-                    <m:oMathPara xmlns:m="http://schemas.openxmlformats.org/officeDocument/2006/math">
+                    <m:oMathPara xmlns:m="http://schemas.openxmlformats.org/officeDocument/2006/math" xmlns="">
                       <m:oMathParaPr>
                         <m:jc m:val="centerGroup"/>
                       </m:oMathParaPr>
@@ -23420,7 +24034,7 @@
   <p:timing>
     <p:tnLst>
       <p:par>
-        <p:cTn id="1" dur="indefinite" restart="never" nodeType="tmRoot"/>
+        <p:cTn xmlns:p14="http://schemas.microsoft.com/office/powerpoint/2010/main" id="1" dur="indefinite" restart="never" nodeType="tmRoot"/>
       </p:par>
     </p:tnLst>
   </p:timing>
@@ -23647,9 +24261,8 @@
                       </a:bodyPr>
                       <a:lstStyle/>
                       <a:p>
-                        <a:pPr/>
                         <a14:m>
-                          <m:oMathPara xmlns:m="http://schemas.openxmlformats.org/officeDocument/2006/math">
+                          <m:oMathPara xmlns:m="http://schemas.openxmlformats.org/officeDocument/2006/math" xmlns="">
                             <m:oMathParaPr>
                               <m:jc m:val="centerGroup"/>
                             </m:oMathParaPr>
@@ -23731,9 +24344,8 @@
                       </a:bodyPr>
                       <a:lstStyle/>
                       <a:p>
-                        <a:pPr/>
                         <a14:m>
-                          <m:oMathPara xmlns:m="http://schemas.openxmlformats.org/officeDocument/2006/math">
+                          <m:oMathPara xmlns:m="http://schemas.openxmlformats.org/officeDocument/2006/math" xmlns="">
                             <m:oMathParaPr>
                               <m:jc m:val="centerGroup"/>
                             </m:oMathParaPr>
@@ -23814,9 +24426,8 @@
                       </a:bodyPr>
                       <a:lstStyle/>
                       <a:p>
-                        <a:pPr/>
                         <a14:m>
-                          <m:oMathPara xmlns:m="http://schemas.openxmlformats.org/officeDocument/2006/math">
+                          <m:oMathPara xmlns:m="http://schemas.openxmlformats.org/officeDocument/2006/math" xmlns="">
                             <m:oMathParaPr>
                               <m:jc m:val="centerGroup"/>
                             </m:oMathParaPr>
@@ -24077,9 +24688,8 @@
                       </a:bodyPr>
                       <a:lstStyle/>
                       <a:p>
-                        <a:pPr/>
                         <a14:m>
-                          <m:oMathPara xmlns:m="http://schemas.openxmlformats.org/officeDocument/2006/math">
+                          <m:oMathPara xmlns:m="http://schemas.openxmlformats.org/officeDocument/2006/math" xmlns="">
                             <m:oMathParaPr>
                               <m:jc m:val="centerGroup"/>
                             </m:oMathParaPr>
@@ -24169,7 +24779,7 @@
                       <a:lstStyle/>
                       <a:p>
                         <a14:m>
-                          <m:oMath xmlns:m="http://schemas.openxmlformats.org/officeDocument/2006/math">
+                          <m:oMath xmlns:m="http://schemas.openxmlformats.org/officeDocument/2006/math" xmlns="">
                             <m:r>
                               <a:rPr lang="en-US" b="0" i="1" smtClean="0">
                                 <a:latin typeface="Cambria Math" panose="02040503050406030204" pitchFamily="18" charset="0"/>
@@ -24249,9 +24859,8 @@
                       </a:bodyPr>
                       <a:lstStyle/>
                       <a:p>
-                        <a:pPr/>
                         <a14:m>
-                          <m:oMathPara xmlns:m="http://schemas.openxmlformats.org/officeDocument/2006/math">
+                          <m:oMathPara xmlns:m="http://schemas.openxmlformats.org/officeDocument/2006/math" xmlns="">
                             <m:oMathParaPr>
                               <m:jc m:val="centerGroup"/>
                             </m:oMathParaPr>
@@ -24572,9 +25181,8 @@
                   </a:bodyPr>
                   <a:lstStyle/>
                   <a:p>
-                    <a:pPr/>
                     <a14:m>
-                      <m:oMathPara xmlns:m="http://schemas.openxmlformats.org/officeDocument/2006/math">
+                      <m:oMathPara xmlns:m="http://schemas.openxmlformats.org/officeDocument/2006/math" xmlns="">
                         <m:oMathParaPr>
                           <m:jc m:val="centerGroup"/>
                         </m:oMathParaPr>
@@ -24698,9 +25306,8 @@
                   </a:bodyPr>
                   <a:lstStyle/>
                   <a:p>
-                    <a:pPr/>
                     <a14:m>
-                      <m:oMathPara xmlns:m="http://schemas.openxmlformats.org/officeDocument/2006/math">
+                      <m:oMathPara xmlns:m="http://schemas.openxmlformats.org/officeDocument/2006/math" xmlns="">
                         <m:oMathParaPr>
                           <m:jc m:val="centerGroup"/>
                         </m:oMathParaPr>
@@ -24836,9 +25443,8 @@
                   </a:bodyPr>
                   <a:lstStyle/>
                   <a:p>
-                    <a:pPr/>
                     <a14:m>
-                      <m:oMathPara xmlns:m="http://schemas.openxmlformats.org/officeDocument/2006/math">
+                      <m:oMathPara xmlns:m="http://schemas.openxmlformats.org/officeDocument/2006/math" xmlns="">
                         <m:oMathParaPr>
                           <m:jc m:val="centerGroup"/>
                         </m:oMathParaPr>
@@ -25005,9 +25611,8 @@
                 </a:bodyPr>
                 <a:lstStyle/>
                 <a:p>
-                  <a:pPr/>
                   <a14:m>
-                    <m:oMathPara xmlns:m="http://schemas.openxmlformats.org/officeDocument/2006/math">
+                    <m:oMathPara xmlns:m="http://schemas.openxmlformats.org/officeDocument/2006/math" xmlns="">
                       <m:oMathParaPr>
                         <m:jc m:val="centerGroup"/>
                       </m:oMathParaPr>
@@ -25110,7 +25715,7 @@
   <p:timing>
     <p:tnLst>
       <p:par>
-        <p:cTn id="1" dur="indefinite" restart="never" nodeType="tmRoot"/>
+        <p:cTn xmlns:p14="http://schemas.microsoft.com/office/powerpoint/2010/main" id="1" dur="indefinite" restart="never" nodeType="tmRoot"/>
       </p:par>
     </p:tnLst>
   </p:timing>
@@ -25257,9 +25862,8 @@
                   </a:bodyPr>
                   <a:lstStyle/>
                   <a:p>
-                    <a:pPr/>
                     <a14:m>
-                      <m:oMathPara xmlns:m="http://schemas.openxmlformats.org/officeDocument/2006/math">
+                      <m:oMathPara xmlns:m="http://schemas.openxmlformats.org/officeDocument/2006/math" xmlns="">
                         <m:oMathParaPr>
                           <m:jc m:val="centerGroup"/>
                         </m:oMathParaPr>
@@ -25341,9 +25945,8 @@
                   </a:bodyPr>
                   <a:lstStyle/>
                   <a:p>
-                    <a:pPr/>
                     <a14:m>
-                      <m:oMathPara xmlns:m="http://schemas.openxmlformats.org/officeDocument/2006/math">
+                      <m:oMathPara xmlns:m="http://schemas.openxmlformats.org/officeDocument/2006/math" xmlns="">
                         <m:oMathParaPr>
                           <m:jc m:val="centerGroup"/>
                         </m:oMathParaPr>
@@ -25424,9 +26027,8 @@
                   </a:bodyPr>
                   <a:lstStyle/>
                   <a:p>
-                    <a:pPr/>
                     <a14:m>
-                      <m:oMathPara xmlns:m="http://schemas.openxmlformats.org/officeDocument/2006/math">
+                      <m:oMathPara xmlns:m="http://schemas.openxmlformats.org/officeDocument/2006/math" xmlns="">
                         <m:oMathParaPr>
                           <m:jc m:val="centerGroup"/>
                         </m:oMathParaPr>
@@ -25617,9 +26219,8 @@
                 </a:bodyPr>
                 <a:lstStyle/>
                 <a:p>
-                  <a:pPr/>
                   <a14:m>
-                    <m:oMathPara xmlns:m="http://schemas.openxmlformats.org/officeDocument/2006/math">
+                    <m:oMathPara xmlns:m="http://schemas.openxmlformats.org/officeDocument/2006/math" xmlns="">
                       <m:oMathParaPr>
                         <m:jc m:val="centerGroup"/>
                       </m:oMathParaPr>
@@ -25714,9 +26315,8 @@
                 </a:bodyPr>
                 <a:lstStyle/>
                 <a:p>
-                  <a:pPr/>
                   <a14:m>
-                    <m:oMathPara xmlns:m="http://schemas.openxmlformats.org/officeDocument/2006/math">
+                    <m:oMathPara xmlns:m="http://schemas.openxmlformats.org/officeDocument/2006/math" xmlns="">
                       <m:oMathParaPr>
                         <m:jc m:val="centerGroup"/>
                       </m:oMathParaPr>
@@ -25812,9 +26412,8 @@
                 </a:bodyPr>
                 <a:lstStyle/>
                 <a:p>
-                  <a:pPr/>
                   <a14:m>
-                    <m:oMathPara xmlns:m="http://schemas.openxmlformats.org/officeDocument/2006/math">
+                    <m:oMathPara xmlns:m="http://schemas.openxmlformats.org/officeDocument/2006/math" xmlns="">
                       <m:oMathParaPr>
                         <m:jc m:val="centerGroup"/>
                       </m:oMathParaPr>
@@ -25921,9 +26520,8 @@
                 </a:bodyPr>
                 <a:lstStyle/>
                 <a:p>
-                  <a:pPr/>
                   <a14:m>
-                    <m:oMathPara xmlns:m="http://schemas.openxmlformats.org/officeDocument/2006/math">
+                    <m:oMathPara xmlns:m="http://schemas.openxmlformats.org/officeDocument/2006/math" xmlns="">
                       <m:oMathParaPr>
                         <m:jc m:val="centerGroup"/>
                       </m:oMathParaPr>
@@ -26102,9 +26700,8 @@
                 </a:bodyPr>
                 <a:lstStyle/>
                 <a:p>
-                  <a:pPr/>
                   <a14:m>
-                    <m:oMathPara xmlns:m="http://schemas.openxmlformats.org/officeDocument/2006/math">
+                    <m:oMathPara xmlns:m="http://schemas.openxmlformats.org/officeDocument/2006/math" xmlns="">
                       <m:oMathParaPr>
                         <m:jc m:val="centerGroup"/>
                       </m:oMathParaPr>
@@ -26337,9 +26934,8 @@
                   </a:bodyPr>
                   <a:lstStyle/>
                   <a:p>
-                    <a:pPr/>
                     <a14:m>
-                      <m:oMathPara xmlns:m="http://schemas.openxmlformats.org/officeDocument/2006/math">
+                      <m:oMathPara xmlns:m="http://schemas.openxmlformats.org/officeDocument/2006/math" xmlns="">
                         <m:oMathParaPr>
                           <m:jc m:val="centerGroup"/>
                         </m:oMathParaPr>
@@ -26421,9 +27017,8 @@
                   </a:bodyPr>
                   <a:lstStyle/>
                   <a:p>
-                    <a:pPr/>
                     <a14:m>
-                      <m:oMathPara xmlns:m="http://schemas.openxmlformats.org/officeDocument/2006/math">
+                      <m:oMathPara xmlns:m="http://schemas.openxmlformats.org/officeDocument/2006/math" xmlns="">
                         <m:oMathParaPr>
                           <m:jc m:val="centerGroup"/>
                         </m:oMathParaPr>
@@ -26504,9 +27099,8 @@
                   </a:bodyPr>
                   <a:lstStyle/>
                   <a:p>
-                    <a:pPr/>
                     <a14:m>
-                      <m:oMathPara xmlns:m="http://schemas.openxmlformats.org/officeDocument/2006/math">
+                      <m:oMathPara xmlns:m="http://schemas.openxmlformats.org/officeDocument/2006/math" xmlns="">
                         <m:oMathParaPr>
                           <m:jc m:val="centerGroup"/>
                         </m:oMathParaPr>
@@ -26697,9 +27291,8 @@
                 </a:bodyPr>
                 <a:lstStyle/>
                 <a:p>
-                  <a:pPr/>
                   <a14:m>
-                    <m:oMathPara xmlns:m="http://schemas.openxmlformats.org/officeDocument/2006/math">
+                    <m:oMathPara xmlns:m="http://schemas.openxmlformats.org/officeDocument/2006/math" xmlns="">
                       <m:oMathParaPr>
                         <m:jc m:val="centerGroup"/>
                       </m:oMathParaPr>
@@ -26794,9 +27387,8 @@
                 </a:bodyPr>
                 <a:lstStyle/>
                 <a:p>
-                  <a:pPr/>
                   <a14:m>
-                    <m:oMathPara xmlns:m="http://schemas.openxmlformats.org/officeDocument/2006/math">
+                    <m:oMathPara xmlns:m="http://schemas.openxmlformats.org/officeDocument/2006/math" xmlns="">
                       <m:oMathParaPr>
                         <m:jc m:val="centerGroup"/>
                       </m:oMathParaPr>
@@ -26963,9 +27555,8 @@
                 </a:bodyPr>
                 <a:lstStyle/>
                 <a:p>
-                  <a:pPr/>
                   <a14:m>
-                    <m:oMathPara xmlns:m="http://schemas.openxmlformats.org/officeDocument/2006/math">
+                    <m:oMathPara xmlns:m="http://schemas.openxmlformats.org/officeDocument/2006/math" xmlns="">
                       <m:oMathParaPr>
                         <m:jc m:val="centerGroup"/>
                       </m:oMathParaPr>
@@ -27060,9 +27651,8 @@
                 </a:bodyPr>
                 <a:lstStyle/>
                 <a:p>
-                  <a:pPr/>
                   <a14:m>
-                    <m:oMathPara xmlns:m="http://schemas.openxmlformats.org/officeDocument/2006/math">
+                    <m:oMathPara xmlns:m="http://schemas.openxmlformats.org/officeDocument/2006/math" xmlns="">
                       <m:oMathParaPr>
                         <m:jc m:val="centerGroup"/>
                       </m:oMathParaPr>
@@ -27165,9 +27755,8 @@
                 </a:bodyPr>
                 <a:lstStyle/>
                 <a:p>
-                  <a:pPr/>
                   <a14:m>
-                    <m:oMathPara xmlns:m="http://schemas.openxmlformats.org/officeDocument/2006/math">
+                    <m:oMathPara xmlns:m="http://schemas.openxmlformats.org/officeDocument/2006/math" xmlns="">
                       <m:oMathParaPr>
                         <m:jc m:val="centerGroup"/>
                       </m:oMathParaPr>
@@ -27342,9 +27931,8 @@
                 </a:bodyPr>
                 <a:lstStyle/>
                 <a:p>
-                  <a:pPr/>
                   <a14:m>
-                    <m:oMathPara xmlns:m="http://schemas.openxmlformats.org/officeDocument/2006/math">
+                    <m:oMathPara xmlns:m="http://schemas.openxmlformats.org/officeDocument/2006/math" xmlns="">
                       <m:oMathParaPr>
                         <m:jc m:val="centerGroup"/>
                       </m:oMathParaPr>
@@ -27447,9 +28035,8 @@
                 </a:bodyPr>
                 <a:lstStyle/>
                 <a:p>
-                  <a:pPr/>
                   <a14:m>
-                    <m:oMathPara xmlns:m="http://schemas.openxmlformats.org/officeDocument/2006/math">
+                    <m:oMathPara xmlns:m="http://schemas.openxmlformats.org/officeDocument/2006/math" xmlns="">
                       <m:oMathParaPr>
                         <m:jc m:val="centerGroup"/>
                       </m:oMathParaPr>
@@ -27552,9 +28139,8 @@
                 </a:bodyPr>
                 <a:lstStyle/>
                 <a:p>
-                  <a:pPr/>
                   <a14:m>
-                    <m:oMathPara xmlns:m="http://schemas.openxmlformats.org/officeDocument/2006/math">
+                    <m:oMathPara xmlns:m="http://schemas.openxmlformats.org/officeDocument/2006/math" xmlns="">
                       <m:oMathParaPr>
                         <m:jc m:val="centerGroup"/>
                       </m:oMathParaPr>
@@ -27727,9 +28313,8 @@
                 </a:bodyPr>
                 <a:lstStyle/>
                 <a:p>
-                  <a:pPr/>
                   <a14:m>
-                    <m:oMathPara xmlns:m="http://schemas.openxmlformats.org/officeDocument/2006/math">
+                    <m:oMathPara xmlns:m="http://schemas.openxmlformats.org/officeDocument/2006/math" xmlns="">
                       <m:oMathParaPr>
                         <m:jc m:val="centerGroup"/>
                       </m:oMathParaPr>
@@ -28017,9 +28602,8 @@
                     </a:bodyPr>
                     <a:lstStyle/>
                     <a:p>
-                      <a:pPr/>
                       <a14:m>
-                        <m:oMathPara xmlns:m="http://schemas.openxmlformats.org/officeDocument/2006/math">
+                        <m:oMathPara xmlns:m="http://schemas.openxmlformats.org/officeDocument/2006/math" xmlns="">
                           <m:oMathParaPr>
                             <m:jc m:val="centerGroup"/>
                           </m:oMathParaPr>
@@ -28101,9 +28685,8 @@
                     </a:bodyPr>
                     <a:lstStyle/>
                     <a:p>
-                      <a:pPr/>
                       <a14:m>
-                        <m:oMathPara xmlns:m="http://schemas.openxmlformats.org/officeDocument/2006/math">
+                        <m:oMathPara xmlns:m="http://schemas.openxmlformats.org/officeDocument/2006/math" xmlns="">
                           <m:oMathParaPr>
                             <m:jc m:val="centerGroup"/>
                           </m:oMathParaPr>
@@ -28184,9 +28767,8 @@
                     </a:bodyPr>
                     <a:lstStyle/>
                     <a:p>
-                      <a:pPr/>
                       <a14:m>
-                        <m:oMathPara xmlns:m="http://schemas.openxmlformats.org/officeDocument/2006/math">
+                        <m:oMathPara xmlns:m="http://schemas.openxmlformats.org/officeDocument/2006/math" xmlns="">
                           <m:oMathParaPr>
                             <m:jc m:val="centerGroup"/>
                           </m:oMathParaPr>
@@ -28295,9 +28877,8 @@
                 </a:bodyPr>
                 <a:lstStyle/>
                 <a:p>
-                  <a:pPr/>
                   <a14:m>
-                    <m:oMathPara xmlns:m="http://schemas.openxmlformats.org/officeDocument/2006/math">
+                    <m:oMathPara xmlns:m="http://schemas.openxmlformats.org/officeDocument/2006/math" xmlns="">
                       <m:oMathParaPr>
                         <m:jc m:val="centerGroup"/>
                       </m:oMathParaPr>
@@ -28576,9 +29157,8 @@
                 </a:bodyPr>
                 <a:lstStyle/>
                 <a:p>
-                  <a:pPr/>
                   <a14:m>
-                    <m:oMathPara xmlns:m="http://schemas.openxmlformats.org/officeDocument/2006/math">
+                    <m:oMathPara xmlns:m="http://schemas.openxmlformats.org/officeDocument/2006/math" xmlns="">
                       <m:oMathParaPr>
                         <m:jc m:val="centerGroup"/>
                       </m:oMathParaPr>
@@ -28673,9 +29253,8 @@
                 </a:bodyPr>
                 <a:lstStyle/>
                 <a:p>
-                  <a:pPr/>
                   <a14:m>
-                    <m:oMathPara xmlns:m="http://schemas.openxmlformats.org/officeDocument/2006/math">
+                    <m:oMathPara xmlns:m="http://schemas.openxmlformats.org/officeDocument/2006/math" xmlns="">
                       <m:oMathParaPr>
                         <m:jc m:val="centerGroup"/>
                       </m:oMathParaPr>
@@ -28770,9 +29349,8 @@
                 </a:bodyPr>
                 <a:lstStyle/>
                 <a:p>
-                  <a:pPr/>
                   <a14:m>
-                    <m:oMathPara xmlns:m="http://schemas.openxmlformats.org/officeDocument/2006/math">
+                    <m:oMathPara xmlns:m="http://schemas.openxmlformats.org/officeDocument/2006/math" xmlns="">
                       <m:oMathParaPr>
                         <m:jc m:val="centerGroup"/>
                       </m:oMathParaPr>
@@ -28895,9 +29473,8 @@
                 </a:bodyPr>
                 <a:lstStyle/>
                 <a:p>
-                  <a:pPr/>
                   <a14:m>
-                    <m:oMathPara xmlns:m="http://schemas.openxmlformats.org/officeDocument/2006/math">
+                    <m:oMathPara xmlns:m="http://schemas.openxmlformats.org/officeDocument/2006/math" xmlns="">
                       <m:oMathParaPr>
                         <m:jc m:val="centerGroup"/>
                       </m:oMathParaPr>
@@ -29135,9 +29712,8 @@
                     </a:bodyPr>
                     <a:lstStyle/>
                     <a:p>
-                      <a:pPr/>
                       <a14:m>
-                        <m:oMathPara xmlns:m="http://schemas.openxmlformats.org/officeDocument/2006/math">
+                        <m:oMathPara xmlns:m="http://schemas.openxmlformats.org/officeDocument/2006/math" xmlns="">
                           <m:oMathParaPr>
                             <m:jc m:val="centerGroup"/>
                           </m:oMathParaPr>
@@ -29219,9 +29795,8 @@
                     </a:bodyPr>
                     <a:lstStyle/>
                     <a:p>
-                      <a:pPr/>
                       <a14:m>
-                        <m:oMathPara xmlns:m="http://schemas.openxmlformats.org/officeDocument/2006/math">
+                        <m:oMathPara xmlns:m="http://schemas.openxmlformats.org/officeDocument/2006/math" xmlns="">
                           <m:oMathParaPr>
                             <m:jc m:val="centerGroup"/>
                           </m:oMathParaPr>
@@ -29302,9 +29877,8 @@
                     </a:bodyPr>
                     <a:lstStyle/>
                     <a:p>
-                      <a:pPr/>
                       <a14:m>
-                        <m:oMathPara xmlns:m="http://schemas.openxmlformats.org/officeDocument/2006/math">
+                        <m:oMathPara xmlns:m="http://schemas.openxmlformats.org/officeDocument/2006/math" xmlns="">
                           <m:oMathParaPr>
                             <m:jc m:val="centerGroup"/>
                           </m:oMathParaPr>
@@ -29533,9 +30107,8 @@
                 </a:bodyPr>
                 <a:lstStyle/>
                 <a:p>
-                  <a:pPr/>
                   <a14:m>
-                    <m:oMathPara xmlns:m="http://schemas.openxmlformats.org/officeDocument/2006/math">
+                    <m:oMathPara xmlns:m="http://schemas.openxmlformats.org/officeDocument/2006/math" xmlns="">
                       <m:oMathParaPr>
                         <m:jc m:val="centerGroup"/>
                       </m:oMathParaPr>
@@ -29620,9 +30193,8 @@
                 </a:bodyPr>
                 <a:lstStyle/>
                 <a:p>
-                  <a:pPr/>
                   <a14:m>
-                    <m:oMathPara xmlns:m="http://schemas.openxmlformats.org/officeDocument/2006/math">
+                    <m:oMathPara xmlns:m="http://schemas.openxmlformats.org/officeDocument/2006/math" xmlns="">
                       <m:oMathParaPr>
                         <m:jc m:val="centerGroup"/>
                       </m:oMathParaPr>
@@ -29717,9 +30289,8 @@
                 </a:bodyPr>
                 <a:lstStyle/>
                 <a:p>
-                  <a:pPr/>
                   <a14:m>
-                    <m:oMathPara xmlns:m="http://schemas.openxmlformats.org/officeDocument/2006/math">
+                    <m:oMathPara xmlns:m="http://schemas.openxmlformats.org/officeDocument/2006/math" xmlns="">
                       <m:oMathParaPr>
                         <m:jc m:val="centerGroup"/>
                       </m:oMathParaPr>
@@ -30038,9 +30609,8 @@
                 </a:bodyPr>
                 <a:lstStyle/>
                 <a:p>
-                  <a:pPr/>
                   <a14:m>
-                    <m:oMathPara xmlns:m="http://schemas.openxmlformats.org/officeDocument/2006/math">
+                    <m:oMathPara xmlns:m="http://schemas.openxmlformats.org/officeDocument/2006/math" xmlns="">
                       <m:oMathParaPr>
                         <m:jc m:val="centerGroup"/>
                       </m:oMathParaPr>
@@ -30139,9 +30709,8 @@
                 </a:bodyPr>
                 <a:lstStyle/>
                 <a:p>
-                  <a:pPr/>
                   <a14:m>
-                    <m:oMathPara xmlns:m="http://schemas.openxmlformats.org/officeDocument/2006/math">
+                    <m:oMathPara xmlns:m="http://schemas.openxmlformats.org/officeDocument/2006/math" xmlns="">
                       <m:oMathParaPr>
                         <m:jc m:val="centerGroup"/>
                       </m:oMathParaPr>
@@ -30240,9 +30809,8 @@
                 </a:bodyPr>
                 <a:lstStyle/>
                 <a:p>
-                  <a:pPr/>
                   <a14:m>
-                    <m:oMathPara xmlns:m="http://schemas.openxmlformats.org/officeDocument/2006/math">
+                    <m:oMathPara xmlns:m="http://schemas.openxmlformats.org/officeDocument/2006/math" xmlns="">
                       <m:oMathParaPr>
                         <m:jc m:val="centerGroup"/>
                       </m:oMathParaPr>
@@ -30331,7 +30899,7 @@
   <p:timing>
     <p:tnLst>
       <p:par>
-        <p:cTn id="1" dur="indefinite" restart="never" nodeType="tmRoot"/>
+        <p:cTn xmlns:p14="http://schemas.microsoft.com/office/powerpoint/2010/main" id="1" dur="indefinite" restart="never" nodeType="tmRoot"/>
       </p:par>
     </p:tnLst>
   </p:timing>
@@ -30575,9 +31143,8 @@
                   </a:bodyPr>
                   <a:lstStyle/>
                   <a:p>
-                    <a:pPr/>
                     <a14:m>
-                      <m:oMathPara xmlns:m="http://schemas.openxmlformats.org/officeDocument/2006/math">
+                      <m:oMathPara xmlns:m="http://schemas.openxmlformats.org/officeDocument/2006/math" xmlns="">
                         <m:oMathParaPr>
                           <m:jc m:val="centerGroup"/>
                         </m:oMathParaPr>
@@ -30676,9 +31243,8 @@
                   </a:bodyPr>
                   <a:lstStyle/>
                   <a:p>
-                    <a:pPr/>
                     <a14:m>
-                      <m:oMathPara xmlns:m="http://schemas.openxmlformats.org/officeDocument/2006/math">
+                      <m:oMathPara xmlns:m="http://schemas.openxmlformats.org/officeDocument/2006/math" xmlns="">
                         <m:oMathParaPr>
                           <m:jc m:val="centerGroup"/>
                         </m:oMathParaPr>
@@ -30778,9 +31344,8 @@
                 </a:bodyPr>
                 <a:lstStyle/>
                 <a:p>
-                  <a:pPr/>
                   <a14:m>
-                    <m:oMathPara xmlns:m="http://schemas.openxmlformats.org/officeDocument/2006/math">
+                    <m:oMathPara xmlns:m="http://schemas.openxmlformats.org/officeDocument/2006/math" xmlns="">
                       <m:oMathParaPr>
                         <m:jc m:val="centerGroup"/>
                       </m:oMathParaPr>
@@ -31019,9 +31584,8 @@
                 </a:bodyPr>
                 <a:lstStyle/>
                 <a:p>
-                  <a:pPr/>
                   <a14:m>
-                    <m:oMathPara xmlns:m="http://schemas.openxmlformats.org/officeDocument/2006/math">
+                    <m:oMathPara xmlns:m="http://schemas.openxmlformats.org/officeDocument/2006/math" xmlns="">
                       <m:oMathParaPr>
                         <m:jc m:val="centerGroup"/>
                       </m:oMathParaPr>
@@ -31156,9 +31720,8 @@
                 </a:bodyPr>
                 <a:lstStyle/>
                 <a:p>
-                  <a:pPr/>
                   <a14:m>
-                    <m:oMathPara xmlns:m="http://schemas.openxmlformats.org/officeDocument/2006/math">
+                    <m:oMathPara xmlns:m="http://schemas.openxmlformats.org/officeDocument/2006/math" xmlns="">
                       <m:oMathParaPr>
                         <m:jc m:val="centerGroup"/>
                       </m:oMathParaPr>
@@ -31293,9 +31856,8 @@
                 </a:bodyPr>
                 <a:lstStyle/>
                 <a:p>
-                  <a:pPr/>
                   <a14:m>
-                    <m:oMathPara xmlns:m="http://schemas.openxmlformats.org/officeDocument/2006/math">
+                    <m:oMathPara xmlns:m="http://schemas.openxmlformats.org/officeDocument/2006/math" xmlns="">
                       <m:oMathParaPr>
                         <m:jc m:val="centerGroup"/>
                       </m:oMathParaPr>
@@ -31394,9 +31956,8 @@
                 </a:bodyPr>
                 <a:lstStyle/>
                 <a:p>
-                  <a:pPr/>
                   <a14:m>
-                    <m:oMathPara xmlns:m="http://schemas.openxmlformats.org/officeDocument/2006/math">
+                    <m:oMathPara xmlns:m="http://schemas.openxmlformats.org/officeDocument/2006/math" xmlns="">
                       <m:oMathParaPr>
                         <m:jc m:val="centerGroup"/>
                       </m:oMathParaPr>
@@ -31579,9 +32140,8 @@
                 </a:bodyPr>
                 <a:lstStyle/>
                 <a:p>
-                  <a:pPr/>
                   <a14:m>
-                    <m:oMathPara xmlns:m="http://schemas.openxmlformats.org/officeDocument/2006/math">
+                    <m:oMathPara xmlns:m="http://schemas.openxmlformats.org/officeDocument/2006/math" xmlns="">
                       <m:oMathParaPr>
                         <m:jc m:val="centerGroup"/>
                       </m:oMathParaPr>
@@ -31768,9 +32328,8 @@
                 </a:bodyPr>
                 <a:lstStyle/>
                 <a:p>
-                  <a:pPr/>
                   <a14:m>
-                    <m:oMathPara xmlns:m="http://schemas.openxmlformats.org/officeDocument/2006/math">
+                    <m:oMathPara xmlns:m="http://schemas.openxmlformats.org/officeDocument/2006/math" xmlns="">
                       <m:oMathParaPr>
                         <m:jc m:val="centerGroup"/>
                       </m:oMathParaPr>
@@ -32005,9 +32564,8 @@
                   </a:bodyPr>
                   <a:lstStyle/>
                   <a:p>
-                    <a:pPr/>
                     <a14:m>
-                      <m:oMathPara xmlns:m="http://schemas.openxmlformats.org/officeDocument/2006/math">
+                      <m:oMathPara xmlns:m="http://schemas.openxmlformats.org/officeDocument/2006/math" xmlns="">
                         <m:oMathParaPr>
                           <m:jc m:val="centerGroup"/>
                         </m:oMathParaPr>
@@ -32257,9 +32815,8 @@
                   </a:bodyPr>
                   <a:lstStyle/>
                   <a:p>
-                    <a:pPr/>
                     <a14:m>
-                      <m:oMathPara xmlns:m="http://schemas.openxmlformats.org/officeDocument/2006/math">
+                      <m:oMathPara xmlns:m="http://schemas.openxmlformats.org/officeDocument/2006/math" xmlns="">
                         <m:oMathParaPr>
                           <m:jc m:val="centerGroup"/>
                         </m:oMathParaPr>
@@ -32397,7 +32954,7 @@
   <p:timing>
     <p:tnLst>
       <p:par>
-        <p:cTn id="1" dur="indefinite" restart="never" nodeType="tmRoot"/>
+        <p:cTn xmlns:p14="http://schemas.microsoft.com/office/powerpoint/2010/main" id="1" dur="indefinite" restart="never" nodeType="tmRoot"/>
       </p:par>
     </p:tnLst>
   </p:timing>
@@ -32421,10 +32978,2214 @@
           <a:chExt cx="0" cy="0"/>
         </a:xfrm>
       </p:grpSpPr>
+      <p:grpSp>
+        <p:nvGrpSpPr>
+          <p:cNvPr id="65" name="Group 64"/>
+          <p:cNvGrpSpPr/>
+          <p:nvPr/>
+        </p:nvGrpSpPr>
+        <p:grpSpPr>
+          <a:xfrm>
+            <a:off x="451724" y="0"/>
+            <a:ext cx="9072083" cy="7379999"/>
+            <a:chOff x="788680" y="0"/>
+            <a:chExt cx="9072083" cy="7379999"/>
+          </a:xfrm>
+        </p:grpSpPr>
+        <p:cxnSp>
+          <p:nvCxnSpPr>
+            <p:cNvPr id="8" name="Straight Arrow Connector 7"/>
+            <p:cNvCxnSpPr/>
+            <p:nvPr/>
+          </p:nvCxnSpPr>
+          <p:spPr>
+            <a:xfrm flipV="1">
+              <a:off x="2435790" y="2124689"/>
+              <a:ext cx="0" cy="2647152"/>
+            </a:xfrm>
+            <a:prstGeom prst="straightConnector1">
+              <a:avLst/>
+            </a:prstGeom>
+            <a:ln w="28575" cmpd="sng">
+              <a:solidFill>
+                <a:schemeClr val="tx1"/>
+              </a:solidFill>
+              <a:tailEnd type="arrow"/>
+            </a:ln>
+          </p:spPr>
+          <p:style>
+            <a:lnRef idx="1">
+              <a:schemeClr val="accent1"/>
+            </a:lnRef>
+            <a:fillRef idx="0">
+              <a:schemeClr val="accent1"/>
+            </a:fillRef>
+            <a:effectRef idx="0">
+              <a:schemeClr val="accent1"/>
+            </a:effectRef>
+            <a:fontRef idx="minor">
+              <a:schemeClr val="tx1"/>
+            </a:fontRef>
+          </p:style>
+        </p:cxnSp>
+        <p:cxnSp>
+          <p:nvCxnSpPr>
+            <p:cNvPr id="11" name="Straight Arrow Connector 10"/>
+            <p:cNvCxnSpPr/>
+            <p:nvPr/>
+          </p:nvCxnSpPr>
+          <p:spPr>
+            <a:xfrm>
+              <a:off x="2431605" y="4750266"/>
+              <a:ext cx="2892338" cy="0"/>
+            </a:xfrm>
+            <a:prstGeom prst="straightConnector1">
+              <a:avLst/>
+            </a:prstGeom>
+            <a:ln w="28575" cmpd="sng">
+              <a:solidFill>
+                <a:schemeClr val="tx1"/>
+              </a:solidFill>
+              <a:tailEnd type="arrow"/>
+            </a:ln>
+          </p:spPr>
+          <p:style>
+            <a:lnRef idx="1">
+              <a:schemeClr val="accent1"/>
+            </a:lnRef>
+            <a:fillRef idx="0">
+              <a:schemeClr val="accent1"/>
+            </a:fillRef>
+            <a:effectRef idx="0">
+              <a:schemeClr val="accent1"/>
+            </a:effectRef>
+            <a:fontRef idx="minor">
+              <a:schemeClr val="tx1"/>
+            </a:fontRef>
+          </p:style>
+        </p:cxnSp>
+        <p:cxnSp>
+          <p:nvCxnSpPr>
+            <p:cNvPr id="13" name="Straight Arrow Connector 12"/>
+            <p:cNvCxnSpPr/>
+            <p:nvPr/>
+          </p:nvCxnSpPr>
+          <p:spPr>
+            <a:xfrm flipH="1" flipV="1">
+              <a:off x="5845897" y="2176935"/>
+              <a:ext cx="0" cy="2573331"/>
+            </a:xfrm>
+            <a:prstGeom prst="straightConnector1">
+              <a:avLst/>
+            </a:prstGeom>
+            <a:ln w="28575" cmpd="sng">
+              <a:solidFill>
+                <a:schemeClr val="tx1"/>
+              </a:solidFill>
+              <a:tailEnd type="arrow"/>
+            </a:ln>
+          </p:spPr>
+          <p:style>
+            <a:lnRef idx="1">
+              <a:schemeClr val="accent1"/>
+            </a:lnRef>
+            <a:fillRef idx="0">
+              <a:schemeClr val="accent1"/>
+            </a:fillRef>
+            <a:effectRef idx="0">
+              <a:schemeClr val="accent1"/>
+            </a:effectRef>
+            <a:fontRef idx="minor">
+              <a:schemeClr val="tx1"/>
+            </a:fontRef>
+          </p:style>
+        </p:cxnSp>
+        <p:cxnSp>
+          <p:nvCxnSpPr>
+            <p:cNvPr id="14" name="Straight Arrow Connector 13"/>
+            <p:cNvCxnSpPr/>
+            <p:nvPr/>
+          </p:nvCxnSpPr>
+          <p:spPr>
+            <a:xfrm>
+              <a:off x="5854923" y="4728691"/>
+              <a:ext cx="2892338" cy="0"/>
+            </a:xfrm>
+            <a:prstGeom prst="straightConnector1">
+              <a:avLst/>
+            </a:prstGeom>
+            <a:ln w="28575" cmpd="sng">
+              <a:solidFill>
+                <a:schemeClr val="tx1"/>
+              </a:solidFill>
+              <a:tailEnd type="arrow"/>
+            </a:ln>
+          </p:spPr>
+          <p:style>
+            <a:lnRef idx="1">
+              <a:schemeClr val="accent1"/>
+            </a:lnRef>
+            <a:fillRef idx="0">
+              <a:schemeClr val="accent1"/>
+            </a:fillRef>
+            <a:effectRef idx="0">
+              <a:schemeClr val="accent1"/>
+            </a:effectRef>
+            <a:fontRef idx="minor">
+              <a:schemeClr val="tx1"/>
+            </a:fontRef>
+          </p:style>
+        </p:cxnSp>
+        <p:sp>
+          <p:nvSpPr>
+            <p:cNvPr id="17" name="Arc 16"/>
+            <p:cNvSpPr/>
+            <p:nvPr/>
+          </p:nvSpPr>
+          <p:spPr>
+            <a:xfrm rot="10800000" flipV="1">
+              <a:off x="5859108" y="2625576"/>
+              <a:ext cx="4001655" cy="4754423"/>
+            </a:xfrm>
+            <a:prstGeom prst="arc">
+              <a:avLst>
+                <a:gd name="adj1" fmla="val 16200000"/>
+                <a:gd name="adj2" fmla="val 21147724"/>
+              </a:avLst>
+            </a:prstGeom>
+            <a:ln w="28575" cmpd="sng">
+              <a:solidFill>
+                <a:schemeClr val="tx1"/>
+              </a:solidFill>
+            </a:ln>
+          </p:spPr>
+          <p:style>
+            <a:lnRef idx="1">
+              <a:schemeClr val="accent1"/>
+            </a:lnRef>
+            <a:fillRef idx="0">
+              <a:schemeClr val="accent1"/>
+            </a:fillRef>
+            <a:effectRef idx="0">
+              <a:schemeClr val="accent1"/>
+            </a:effectRef>
+            <a:fontRef idx="minor">
+              <a:schemeClr val="tx1"/>
+            </a:fontRef>
+          </p:style>
+          <p:txBody>
+            <a:bodyPr rtlCol="0" anchor="ctr"/>
+            <a:lstStyle/>
+            <a:p>
+              <a:pPr algn="ctr"/>
+              <a:endParaRPr lang="en-US"/>
+            </a:p>
+          </p:txBody>
+        </p:sp>
+        <p:cxnSp>
+          <p:nvCxnSpPr>
+            <p:cNvPr id="32" name="Straight Connector 31"/>
+            <p:cNvCxnSpPr/>
+            <p:nvPr/>
+          </p:nvCxnSpPr>
+          <p:spPr>
+            <a:xfrm flipV="1">
+              <a:off x="3927875" y="3657250"/>
+              <a:ext cx="665329" cy="762120"/>
+            </a:xfrm>
+            <a:prstGeom prst="line">
+              <a:avLst/>
+            </a:prstGeom>
+            <a:ln w="57150" cmpd="sng">
+              <a:solidFill>
+                <a:srgbClr val="FF0000"/>
+              </a:solidFill>
+              <a:prstDash val="solid"/>
+            </a:ln>
+          </p:spPr>
+          <p:style>
+            <a:lnRef idx="1">
+              <a:schemeClr val="accent1"/>
+            </a:lnRef>
+            <a:fillRef idx="0">
+              <a:schemeClr val="accent1"/>
+            </a:fillRef>
+            <a:effectRef idx="0">
+              <a:schemeClr val="accent1"/>
+            </a:effectRef>
+            <a:fontRef idx="minor">
+              <a:schemeClr val="tx1"/>
+            </a:fontRef>
+          </p:style>
+        </p:cxnSp>
+        <p:sp>
+          <p:nvSpPr>
+            <p:cNvPr id="34" name="Oval 33"/>
+            <p:cNvSpPr/>
+            <p:nvPr/>
+          </p:nvSpPr>
+          <p:spPr>
+            <a:xfrm>
+              <a:off x="4158242" y="3935896"/>
+              <a:ext cx="156586" cy="156740"/>
+            </a:xfrm>
+            <a:prstGeom prst="ellipse">
+              <a:avLst/>
+            </a:prstGeom>
+            <a:solidFill>
+              <a:schemeClr val="tx1"/>
+            </a:solidFill>
+            <a:ln w="38100">
+              <a:noFill/>
+            </a:ln>
+          </p:spPr>
+          <p:style>
+            <a:lnRef idx="2">
+              <a:schemeClr val="accent1">
+                <a:shade val="50000"/>
+              </a:schemeClr>
+            </a:lnRef>
+            <a:fillRef idx="1">
+              <a:schemeClr val="accent1"/>
+            </a:fillRef>
+            <a:effectRef idx="0">
+              <a:schemeClr val="accent1"/>
+            </a:effectRef>
+            <a:fontRef idx="minor">
+              <a:schemeClr val="lt1"/>
+            </a:fontRef>
+          </p:style>
+          <p:txBody>
+            <a:bodyPr rtlCol="0" anchor="ctr"/>
+            <a:lstStyle/>
+            <a:p>
+              <a:pPr algn="ctr"/>
+              <a:endParaRPr lang="en-US">
+                <a:solidFill>
+                  <a:schemeClr val="tx1"/>
+                </a:solidFill>
+              </a:endParaRPr>
+            </a:p>
+          </p:txBody>
+        </p:sp>
+        <p:cxnSp>
+          <p:nvCxnSpPr>
+            <p:cNvPr id="38" name="Straight Connector 37"/>
+            <p:cNvCxnSpPr/>
+            <p:nvPr/>
+          </p:nvCxnSpPr>
+          <p:spPr>
+            <a:xfrm flipV="1">
+              <a:off x="4680197" y="2525245"/>
+              <a:ext cx="173985" cy="888188"/>
+            </a:xfrm>
+            <a:prstGeom prst="line">
+              <a:avLst/>
+            </a:prstGeom>
+            <a:ln w="57150" cmpd="sng">
+              <a:solidFill>
+                <a:srgbClr val="FF0000"/>
+              </a:solidFill>
+              <a:prstDash val="solid"/>
+            </a:ln>
+          </p:spPr>
+          <p:style>
+            <a:lnRef idx="1">
+              <a:schemeClr val="accent1"/>
+            </a:lnRef>
+            <a:fillRef idx="0">
+              <a:schemeClr val="accent1"/>
+            </a:fillRef>
+            <a:effectRef idx="0">
+              <a:schemeClr val="accent1"/>
+            </a:effectRef>
+            <a:fontRef idx="minor">
+              <a:schemeClr val="tx1"/>
+            </a:fontRef>
+          </p:style>
+        </p:cxnSp>
+        <p:cxnSp>
+          <p:nvCxnSpPr>
+            <p:cNvPr id="43" name="Straight Connector 42"/>
+            <p:cNvCxnSpPr/>
+            <p:nvPr/>
+          </p:nvCxnSpPr>
+          <p:spPr>
+            <a:xfrm flipV="1">
+              <a:off x="2853356" y="4528025"/>
+              <a:ext cx="939518" cy="330892"/>
+            </a:xfrm>
+            <a:prstGeom prst="line">
+              <a:avLst/>
+            </a:prstGeom>
+            <a:ln w="57150" cmpd="sng">
+              <a:solidFill>
+                <a:srgbClr val="FF0000"/>
+              </a:solidFill>
+              <a:prstDash val="solid"/>
+            </a:ln>
+          </p:spPr>
+          <p:style>
+            <a:lnRef idx="1">
+              <a:schemeClr val="accent1"/>
+            </a:lnRef>
+            <a:fillRef idx="0">
+              <a:schemeClr val="accent1"/>
+            </a:fillRef>
+            <a:effectRef idx="0">
+              <a:schemeClr val="accent1"/>
+            </a:effectRef>
+            <a:fontRef idx="minor">
+              <a:schemeClr val="tx1"/>
+            </a:fontRef>
+          </p:style>
+        </p:cxnSp>
+        <p:sp>
+          <p:nvSpPr>
+            <p:cNvPr id="21" name="Oval 20"/>
+            <p:cNvSpPr/>
+            <p:nvPr/>
+          </p:nvSpPr>
+          <p:spPr>
+            <a:xfrm>
+              <a:off x="3245147" y="4554532"/>
+              <a:ext cx="156586" cy="156740"/>
+            </a:xfrm>
+            <a:prstGeom prst="ellipse">
+              <a:avLst/>
+            </a:prstGeom>
+            <a:solidFill>
+              <a:schemeClr val="tx1"/>
+            </a:solidFill>
+            <a:ln w="38100">
+              <a:noFill/>
+            </a:ln>
+          </p:spPr>
+          <p:style>
+            <a:lnRef idx="2">
+              <a:schemeClr val="accent1">
+                <a:shade val="50000"/>
+              </a:schemeClr>
+            </a:lnRef>
+            <a:fillRef idx="1">
+              <a:schemeClr val="accent1"/>
+            </a:fillRef>
+            <a:effectRef idx="0">
+              <a:schemeClr val="accent1"/>
+            </a:effectRef>
+            <a:fontRef idx="minor">
+              <a:schemeClr val="lt1"/>
+            </a:fontRef>
+          </p:style>
+          <p:txBody>
+            <a:bodyPr rtlCol="0" anchor="ctr"/>
+            <a:lstStyle/>
+            <a:p>
+              <a:pPr algn="ctr"/>
+              <a:endParaRPr lang="en-US">
+                <a:solidFill>
+                  <a:schemeClr val="tx1"/>
+                </a:solidFill>
+              </a:endParaRPr>
+            </a:p>
+          </p:txBody>
+        </p:sp>
+        <p:sp>
+          <p:nvSpPr>
+            <p:cNvPr id="20" name="Oval 19"/>
+            <p:cNvSpPr/>
+            <p:nvPr/>
+          </p:nvSpPr>
+          <p:spPr>
+            <a:xfrm>
+              <a:off x="4658612" y="2869392"/>
+              <a:ext cx="156586" cy="156740"/>
+            </a:xfrm>
+            <a:prstGeom prst="ellipse">
+              <a:avLst/>
+            </a:prstGeom>
+            <a:solidFill>
+              <a:schemeClr val="tx1"/>
+            </a:solidFill>
+            <a:ln w="38100">
+              <a:noFill/>
+            </a:ln>
+          </p:spPr>
+          <p:style>
+            <a:lnRef idx="2">
+              <a:schemeClr val="accent1">
+                <a:shade val="50000"/>
+              </a:schemeClr>
+            </a:lnRef>
+            <a:fillRef idx="1">
+              <a:schemeClr val="accent1"/>
+            </a:fillRef>
+            <a:effectRef idx="0">
+              <a:schemeClr val="accent1"/>
+            </a:effectRef>
+            <a:fontRef idx="minor">
+              <a:schemeClr val="lt1"/>
+            </a:fontRef>
+          </p:style>
+          <p:txBody>
+            <a:bodyPr rtlCol="0" anchor="ctr"/>
+            <a:lstStyle/>
+            <a:p>
+              <a:pPr algn="ctr"/>
+              <a:endParaRPr lang="en-US">
+                <a:solidFill>
+                  <a:schemeClr val="tx1"/>
+                </a:solidFill>
+              </a:endParaRPr>
+            </a:p>
+          </p:txBody>
+        </p:sp>
+        <p:cxnSp>
+          <p:nvCxnSpPr>
+            <p:cNvPr id="47" name="Straight Connector 46"/>
+            <p:cNvCxnSpPr/>
+            <p:nvPr/>
+          </p:nvCxnSpPr>
+          <p:spPr>
+            <a:xfrm flipV="1">
+              <a:off x="5806913" y="3692080"/>
+              <a:ext cx="282562" cy="918862"/>
+            </a:xfrm>
+            <a:prstGeom prst="line">
+              <a:avLst/>
+            </a:prstGeom>
+            <a:ln w="57150" cmpd="sng">
+              <a:solidFill>
+                <a:srgbClr val="FF0000"/>
+              </a:solidFill>
+              <a:prstDash val="solid"/>
+            </a:ln>
+          </p:spPr>
+          <p:style>
+            <a:lnRef idx="1">
+              <a:schemeClr val="accent1"/>
+            </a:lnRef>
+            <a:fillRef idx="0">
+              <a:schemeClr val="accent1"/>
+            </a:fillRef>
+            <a:effectRef idx="0">
+              <a:schemeClr val="accent1"/>
+            </a:effectRef>
+            <a:fontRef idx="minor">
+              <a:schemeClr val="tx1"/>
+            </a:fontRef>
+          </p:style>
+        </p:cxnSp>
+        <p:cxnSp>
+          <p:nvCxnSpPr>
+            <p:cNvPr id="49" name="Straight Connector 48"/>
+            <p:cNvCxnSpPr/>
+            <p:nvPr/>
+          </p:nvCxnSpPr>
+          <p:spPr>
+            <a:xfrm flipV="1">
+              <a:off x="6133297" y="2925800"/>
+              <a:ext cx="599923" cy="688302"/>
+            </a:xfrm>
+            <a:prstGeom prst="line">
+              <a:avLst/>
+            </a:prstGeom>
+            <a:ln w="57150" cmpd="sng">
+              <a:solidFill>
+                <a:srgbClr val="FF0000"/>
+              </a:solidFill>
+              <a:prstDash val="solid"/>
+            </a:ln>
+          </p:spPr>
+          <p:style>
+            <a:lnRef idx="1">
+              <a:schemeClr val="accent1"/>
+            </a:lnRef>
+            <a:fillRef idx="0">
+              <a:schemeClr val="accent1"/>
+            </a:fillRef>
+            <a:effectRef idx="0">
+              <a:schemeClr val="accent1"/>
+            </a:effectRef>
+            <a:fontRef idx="minor">
+              <a:schemeClr val="tx1"/>
+            </a:fontRef>
+          </p:style>
+        </p:cxnSp>
+        <p:cxnSp>
+          <p:nvCxnSpPr>
+            <p:cNvPr id="52" name="Straight Connector 51"/>
+            <p:cNvCxnSpPr/>
+            <p:nvPr/>
+          </p:nvCxnSpPr>
+          <p:spPr>
+            <a:xfrm flipV="1">
+              <a:off x="6964238" y="2577491"/>
+              <a:ext cx="760696" cy="213925"/>
+            </a:xfrm>
+            <a:prstGeom prst="line">
+              <a:avLst/>
+            </a:prstGeom>
+            <a:ln w="57150" cmpd="sng">
+              <a:solidFill>
+                <a:srgbClr val="FF0000"/>
+              </a:solidFill>
+              <a:prstDash val="solid"/>
+            </a:ln>
+          </p:spPr>
+          <p:style>
+            <a:lnRef idx="1">
+              <a:schemeClr val="accent1"/>
+            </a:lnRef>
+            <a:fillRef idx="0">
+              <a:schemeClr val="accent1"/>
+            </a:fillRef>
+            <a:effectRef idx="0">
+              <a:schemeClr val="accent1"/>
+            </a:effectRef>
+            <a:fontRef idx="minor">
+              <a:schemeClr val="tx1"/>
+            </a:fontRef>
+          </p:style>
+        </p:cxnSp>
+        <p:sp>
+          <p:nvSpPr>
+            <p:cNvPr id="22" name="Oval 21"/>
+            <p:cNvSpPr/>
+            <p:nvPr/>
+          </p:nvSpPr>
+          <p:spPr>
+            <a:xfrm>
+              <a:off x="5902931" y="4097569"/>
+              <a:ext cx="156586" cy="156740"/>
+            </a:xfrm>
+            <a:prstGeom prst="ellipse">
+              <a:avLst/>
+            </a:prstGeom>
+            <a:solidFill>
+              <a:schemeClr val="tx1"/>
+            </a:solidFill>
+            <a:ln w="38100">
+              <a:noFill/>
+            </a:ln>
+          </p:spPr>
+          <p:style>
+            <a:lnRef idx="2">
+              <a:schemeClr val="accent1">
+                <a:shade val="50000"/>
+              </a:schemeClr>
+            </a:lnRef>
+            <a:fillRef idx="1">
+              <a:schemeClr val="accent1"/>
+            </a:fillRef>
+            <a:effectRef idx="0">
+              <a:schemeClr val="accent1"/>
+            </a:effectRef>
+            <a:fontRef idx="minor">
+              <a:schemeClr val="lt1"/>
+            </a:fontRef>
+          </p:style>
+          <p:txBody>
+            <a:bodyPr rtlCol="0" anchor="ctr"/>
+            <a:lstStyle/>
+            <a:p>
+              <a:pPr algn="ctr"/>
+              <a:endParaRPr lang="en-US">
+                <a:solidFill>
+                  <a:schemeClr val="tx1"/>
+                </a:solidFill>
+              </a:endParaRPr>
+            </a:p>
+          </p:txBody>
+        </p:sp>
+        <p:sp>
+          <p:nvSpPr>
+            <p:cNvPr id="23" name="Oval 22"/>
+            <p:cNvSpPr/>
+            <p:nvPr/>
+          </p:nvSpPr>
+          <p:spPr>
+            <a:xfrm>
+              <a:off x="6351105" y="3222635"/>
+              <a:ext cx="156586" cy="156740"/>
+            </a:xfrm>
+            <a:prstGeom prst="ellipse">
+              <a:avLst/>
+            </a:prstGeom>
+            <a:solidFill>
+              <a:schemeClr val="tx1"/>
+            </a:solidFill>
+            <a:ln w="38100">
+              <a:noFill/>
+            </a:ln>
+          </p:spPr>
+          <p:style>
+            <a:lnRef idx="2">
+              <a:schemeClr val="accent1">
+                <a:shade val="50000"/>
+              </a:schemeClr>
+            </a:lnRef>
+            <a:fillRef idx="1">
+              <a:schemeClr val="accent1"/>
+            </a:fillRef>
+            <a:effectRef idx="0">
+              <a:schemeClr val="accent1"/>
+            </a:effectRef>
+            <a:fontRef idx="minor">
+              <a:schemeClr val="lt1"/>
+            </a:fontRef>
+          </p:style>
+          <p:txBody>
+            <a:bodyPr rtlCol="0" anchor="ctr"/>
+            <a:lstStyle/>
+            <a:p>
+              <a:pPr algn="ctr"/>
+              <a:endParaRPr lang="en-US">
+                <a:solidFill>
+                  <a:schemeClr val="tx1"/>
+                </a:solidFill>
+              </a:endParaRPr>
+            </a:p>
+          </p:txBody>
+        </p:sp>
+        <p:sp>
+          <p:nvSpPr>
+            <p:cNvPr id="24" name="Oval 23"/>
+            <p:cNvSpPr/>
+            <p:nvPr/>
+          </p:nvSpPr>
+          <p:spPr>
+            <a:xfrm>
+              <a:off x="7286438" y="2626348"/>
+              <a:ext cx="156586" cy="156740"/>
+            </a:xfrm>
+            <a:prstGeom prst="ellipse">
+              <a:avLst/>
+            </a:prstGeom>
+            <a:solidFill>
+              <a:schemeClr val="tx1"/>
+            </a:solidFill>
+            <a:ln w="38100">
+              <a:noFill/>
+            </a:ln>
+          </p:spPr>
+          <p:style>
+            <a:lnRef idx="2">
+              <a:schemeClr val="accent1">
+                <a:shade val="50000"/>
+              </a:schemeClr>
+            </a:lnRef>
+            <a:fillRef idx="1">
+              <a:schemeClr val="accent1"/>
+            </a:fillRef>
+            <a:effectRef idx="0">
+              <a:schemeClr val="accent1"/>
+            </a:effectRef>
+            <a:fontRef idx="minor">
+              <a:schemeClr val="lt1"/>
+            </a:fontRef>
+          </p:style>
+          <p:txBody>
+            <a:bodyPr rtlCol="0" anchor="ctr"/>
+            <a:lstStyle/>
+            <a:p>
+              <a:pPr algn="ctr"/>
+              <a:endParaRPr lang="en-US">
+                <a:solidFill>
+                  <a:schemeClr val="tx1"/>
+                </a:solidFill>
+              </a:endParaRPr>
+            </a:p>
+          </p:txBody>
+        </p:sp>
+        <p:sp>
+          <p:nvSpPr>
+            <p:cNvPr id="54" name="TextBox 53"/>
+            <p:cNvSpPr txBox="1"/>
+            <p:nvPr/>
+          </p:nvSpPr>
+          <p:spPr>
+            <a:xfrm>
+              <a:off x="2140016" y="5085319"/>
+              <a:ext cx="3270918" cy="1016855"/>
+            </a:xfrm>
+            <a:prstGeom prst="rect">
+              <a:avLst/>
+            </a:prstGeom>
+            <a:noFill/>
+          </p:spPr>
+          <p:txBody>
+            <a:bodyPr wrap="square" rtlCol="0">
+              <a:spAutoFit/>
+            </a:bodyPr>
+            <a:lstStyle/>
+            <a:p>
+              <a:pPr algn="ctr"/>
+              <a:r>
+                <a:rPr lang="en-US" sz="2000" dirty="0" smtClean="0">
+                  <a:latin typeface="Arial" panose="020B0604020202020204" pitchFamily="34" charset="0"/>
+                  <a:cs typeface="Arial" panose="020B0604020202020204" pitchFamily="34" charset="0"/>
+                </a:rPr>
+                <a:t>Speeding up</a:t>
+              </a:r>
+            </a:p>
+            <a:p>
+              <a:pPr algn="ctr"/>
+              <a:r>
+                <a:rPr lang="en-US" sz="2000" dirty="0" smtClean="0">
+                  <a:latin typeface="Arial" panose="020B0604020202020204" pitchFamily="34" charset="0"/>
+                  <a:cs typeface="Arial" panose="020B0604020202020204" pitchFamily="34" charset="0"/>
+                </a:rPr>
+                <a:t>(positive velocity, </a:t>
+              </a:r>
+            </a:p>
+            <a:p>
+              <a:pPr algn="ctr"/>
+              <a:r>
+                <a:rPr lang="en-US" sz="2000" dirty="0" smtClean="0">
+                  <a:latin typeface="Arial" panose="020B0604020202020204" pitchFamily="34" charset="0"/>
+                  <a:cs typeface="Arial" panose="020B0604020202020204" pitchFamily="34" charset="0"/>
+                </a:rPr>
+                <a:t>positive acceleration)</a:t>
+              </a:r>
+            </a:p>
+          </p:txBody>
+        </p:sp>
+        <p:sp>
+          <p:nvSpPr>
+            <p:cNvPr id="55" name="TextBox 54"/>
+            <p:cNvSpPr txBox="1"/>
+            <p:nvPr/>
+          </p:nvSpPr>
+          <p:spPr>
+            <a:xfrm>
+              <a:off x="5667726" y="5098574"/>
+              <a:ext cx="3270918" cy="1016855"/>
+            </a:xfrm>
+            <a:prstGeom prst="rect">
+              <a:avLst/>
+            </a:prstGeom>
+            <a:noFill/>
+          </p:spPr>
+          <p:txBody>
+            <a:bodyPr wrap="square" rtlCol="0">
+              <a:spAutoFit/>
+            </a:bodyPr>
+            <a:lstStyle/>
+            <a:p>
+              <a:pPr algn="ctr"/>
+              <a:r>
+                <a:rPr lang="en-US" sz="2000" dirty="0" smtClean="0">
+                  <a:latin typeface="Arial" panose="020B0604020202020204" pitchFamily="34" charset="0"/>
+                  <a:cs typeface="Arial" panose="020B0604020202020204" pitchFamily="34" charset="0"/>
+                </a:rPr>
+                <a:t>Slowing down</a:t>
+              </a:r>
+            </a:p>
+            <a:p>
+              <a:pPr algn="ctr"/>
+              <a:r>
+                <a:rPr lang="en-US" sz="2000" dirty="0" smtClean="0">
+                  <a:latin typeface="Arial" panose="020B0604020202020204" pitchFamily="34" charset="0"/>
+                  <a:cs typeface="Arial" panose="020B0604020202020204" pitchFamily="34" charset="0"/>
+                </a:rPr>
+                <a:t>(positive velocity, </a:t>
+              </a:r>
+            </a:p>
+            <a:p>
+              <a:pPr algn="ctr"/>
+              <a:r>
+                <a:rPr lang="en-US" sz="2000" dirty="0" smtClean="0">
+                  <a:latin typeface="Arial" panose="020B0604020202020204" pitchFamily="34" charset="0"/>
+                  <a:cs typeface="Arial" panose="020B0604020202020204" pitchFamily="34" charset="0"/>
+                </a:rPr>
+                <a:t>negative acceleration)</a:t>
+              </a:r>
+            </a:p>
+          </p:txBody>
+        </p:sp>
+        <p:sp>
+          <p:nvSpPr>
+            <p:cNvPr id="60" name="Arc 59"/>
+            <p:cNvSpPr/>
+            <p:nvPr/>
+          </p:nvSpPr>
+          <p:spPr>
+            <a:xfrm flipV="1">
+              <a:off x="788680" y="0"/>
+              <a:ext cx="4001655" cy="4754423"/>
+            </a:xfrm>
+            <a:prstGeom prst="arc">
+              <a:avLst>
+                <a:gd name="adj1" fmla="val 16200000"/>
+                <a:gd name="adj2" fmla="val 21147724"/>
+              </a:avLst>
+            </a:prstGeom>
+            <a:ln w="28575" cmpd="sng">
+              <a:solidFill>
+                <a:schemeClr val="tx1"/>
+              </a:solidFill>
+            </a:ln>
+          </p:spPr>
+          <p:style>
+            <a:lnRef idx="1">
+              <a:schemeClr val="accent1"/>
+            </a:lnRef>
+            <a:fillRef idx="0">
+              <a:schemeClr val="accent1"/>
+            </a:fillRef>
+            <a:effectRef idx="0">
+              <a:schemeClr val="accent1"/>
+            </a:effectRef>
+            <a:fontRef idx="minor">
+              <a:schemeClr val="tx1"/>
+            </a:fontRef>
+          </p:style>
+          <p:txBody>
+            <a:bodyPr rtlCol="0" anchor="ctr"/>
+            <a:lstStyle/>
+            <a:p>
+              <a:pPr algn="ctr"/>
+              <a:endParaRPr lang="en-US"/>
+            </a:p>
+          </p:txBody>
+        </p:sp>
+        <p:sp>
+          <p:nvSpPr>
+            <p:cNvPr id="61" name="TextBox 60"/>
+            <p:cNvSpPr txBox="1"/>
+            <p:nvPr/>
+          </p:nvSpPr>
+          <p:spPr>
+            <a:xfrm>
+              <a:off x="2836730" y="4732358"/>
+              <a:ext cx="2023222" cy="338554"/>
+            </a:xfrm>
+            <a:prstGeom prst="rect">
+              <a:avLst/>
+            </a:prstGeom>
+            <a:noFill/>
+          </p:spPr>
+          <p:txBody>
+            <a:bodyPr wrap="square" rtlCol="0">
+              <a:spAutoFit/>
+            </a:bodyPr>
+            <a:lstStyle/>
+            <a:p>
+              <a:pPr algn="ctr"/>
+              <a:r>
+                <a:rPr lang="en-US" sz="1600" dirty="0" smtClean="0">
+                  <a:latin typeface="Arial" panose="020B0604020202020204" pitchFamily="34" charset="0"/>
+                  <a:cs typeface="Arial" panose="020B0604020202020204" pitchFamily="34" charset="0"/>
+                </a:rPr>
+                <a:t>Time (s)</a:t>
+              </a:r>
+            </a:p>
+          </p:txBody>
+        </p:sp>
+        <p:sp>
+          <p:nvSpPr>
+            <p:cNvPr id="62" name="TextBox 61"/>
+            <p:cNvSpPr txBox="1"/>
+            <p:nvPr/>
+          </p:nvSpPr>
+          <p:spPr>
+            <a:xfrm>
+              <a:off x="6319817" y="4716304"/>
+              <a:ext cx="2023222" cy="338554"/>
+            </a:xfrm>
+            <a:prstGeom prst="rect">
+              <a:avLst/>
+            </a:prstGeom>
+            <a:noFill/>
+          </p:spPr>
+          <p:txBody>
+            <a:bodyPr wrap="square" rtlCol="0">
+              <a:spAutoFit/>
+            </a:bodyPr>
+            <a:lstStyle/>
+            <a:p>
+              <a:pPr algn="ctr"/>
+              <a:r>
+                <a:rPr lang="en-US" sz="1600" dirty="0" smtClean="0">
+                  <a:latin typeface="Arial" panose="020B0604020202020204" pitchFamily="34" charset="0"/>
+                  <a:cs typeface="Arial" panose="020B0604020202020204" pitchFamily="34" charset="0"/>
+                </a:rPr>
+                <a:t>Time (s)</a:t>
+              </a:r>
+            </a:p>
+          </p:txBody>
+        </p:sp>
+        <p:sp>
+          <p:nvSpPr>
+            <p:cNvPr id="63" name="TextBox 62"/>
+            <p:cNvSpPr txBox="1"/>
+            <p:nvPr/>
+          </p:nvSpPr>
+          <p:spPr>
+            <a:xfrm rot="16200000">
+              <a:off x="5011089" y="3129144"/>
+              <a:ext cx="1309995" cy="338554"/>
+            </a:xfrm>
+            <a:prstGeom prst="rect">
+              <a:avLst/>
+            </a:prstGeom>
+            <a:noFill/>
+          </p:spPr>
+          <p:txBody>
+            <a:bodyPr wrap="square" rtlCol="0">
+              <a:spAutoFit/>
+            </a:bodyPr>
+            <a:lstStyle/>
+            <a:p>
+              <a:pPr algn="ctr"/>
+              <a:r>
+                <a:rPr lang="en-US" sz="1600" dirty="0" smtClean="0">
+                  <a:latin typeface="Arial" panose="020B0604020202020204" pitchFamily="34" charset="0"/>
+                  <a:cs typeface="Arial" panose="020B0604020202020204" pitchFamily="34" charset="0"/>
+                </a:rPr>
+                <a:t>Position (m)</a:t>
+              </a:r>
+            </a:p>
+          </p:txBody>
+        </p:sp>
+        <p:sp>
+          <p:nvSpPr>
+            <p:cNvPr id="64" name="TextBox 63"/>
+            <p:cNvSpPr txBox="1"/>
+            <p:nvPr/>
+          </p:nvSpPr>
+          <p:spPr>
+            <a:xfrm rot="16200000">
+              <a:off x="1581631" y="3095201"/>
+              <a:ext cx="1293942" cy="338554"/>
+            </a:xfrm>
+            <a:prstGeom prst="rect">
+              <a:avLst/>
+            </a:prstGeom>
+            <a:noFill/>
+          </p:spPr>
+          <p:txBody>
+            <a:bodyPr wrap="square" rtlCol="0">
+              <a:spAutoFit/>
+            </a:bodyPr>
+            <a:lstStyle/>
+            <a:p>
+              <a:pPr algn="ctr"/>
+              <a:r>
+                <a:rPr lang="en-US" sz="1600" dirty="0" smtClean="0">
+                  <a:latin typeface="Arial" panose="020B0604020202020204" pitchFamily="34" charset="0"/>
+                  <a:cs typeface="Arial" panose="020B0604020202020204" pitchFamily="34" charset="0"/>
+                </a:rPr>
+                <a:t>Position (m)</a:t>
+              </a:r>
+            </a:p>
+          </p:txBody>
+        </p:sp>
+      </p:grpSp>
     </p:spTree>
     <p:extLst>
       <p:ext uri="{BB962C8B-B14F-4D97-AF65-F5344CB8AC3E}">
         <p14:creationId xmlns:p14="http://schemas.microsoft.com/office/powerpoint/2010/main" val="3030840156"/>
+      </p:ext>
+    </p:extLst>
+  </p:cSld>
+  <p:clrMapOvr>
+    <a:masterClrMapping/>
+  </p:clrMapOvr>
+</p:sld>
+</file>
+
+<file path=ppt/slides/slide9.xml><?xml version="1.0" encoding="utf-8"?>
+<p:sld xmlns:a="http://schemas.openxmlformats.org/drawingml/2006/main" xmlns:r="http://schemas.openxmlformats.org/officeDocument/2006/relationships" xmlns:p="http://schemas.openxmlformats.org/presentationml/2006/main">
+  <p:cSld>
+    <p:spTree>
+      <p:nvGrpSpPr>
+        <p:cNvPr id="1" name=""/>
+        <p:cNvGrpSpPr/>
+        <p:nvPr/>
+      </p:nvGrpSpPr>
+      <p:grpSpPr>
+        <a:xfrm>
+          <a:off x="0" y="0"/>
+          <a:ext cx="0" cy="0"/>
+          <a:chOff x="0" y="0"/>
+          <a:chExt cx="0" cy="0"/>
+        </a:xfrm>
+      </p:grpSpPr>
+      <p:grpSp>
+        <p:nvGrpSpPr>
+          <p:cNvPr id="35" name="Group 34"/>
+          <p:cNvGrpSpPr/>
+          <p:nvPr/>
+        </p:nvGrpSpPr>
+        <p:grpSpPr>
+          <a:xfrm>
+            <a:off x="260978" y="382691"/>
+            <a:ext cx="5497927" cy="2748419"/>
+            <a:chOff x="742510" y="991518"/>
+            <a:chExt cx="9679191" cy="4679270"/>
+          </a:xfrm>
+        </p:grpSpPr>
+        <p:cxnSp>
+          <p:nvCxnSpPr>
+            <p:cNvPr id="5" name="Straight Arrow Connector 4"/>
+            <p:cNvCxnSpPr/>
+            <p:nvPr/>
+          </p:nvCxnSpPr>
+          <p:spPr>
+            <a:xfrm flipV="1">
+              <a:off x="2105219" y="991518"/>
+              <a:ext cx="0" cy="4679270"/>
+            </a:xfrm>
+            <a:prstGeom prst="straightConnector1">
+              <a:avLst/>
+            </a:prstGeom>
+            <a:ln w="19050" cmpd="sng">
+              <a:solidFill>
+                <a:schemeClr val="tx1"/>
+              </a:solidFill>
+              <a:tailEnd type="arrow"/>
+            </a:ln>
+          </p:spPr>
+          <p:style>
+            <a:lnRef idx="1">
+              <a:schemeClr val="accent1"/>
+            </a:lnRef>
+            <a:fillRef idx="0">
+              <a:schemeClr val="accent1"/>
+            </a:fillRef>
+            <a:effectRef idx="0">
+              <a:schemeClr val="accent1"/>
+            </a:effectRef>
+            <a:fontRef idx="minor">
+              <a:schemeClr val="tx1"/>
+            </a:fontRef>
+          </p:style>
+        </p:cxnSp>
+        <p:cxnSp>
+          <p:nvCxnSpPr>
+            <p:cNvPr id="8" name="Straight Arrow Connector 7"/>
+            <p:cNvCxnSpPr>
+              <a:stCxn id="33" idx="3"/>
+            </p:cNvCxnSpPr>
+            <p:nvPr/>
+          </p:nvCxnSpPr>
+          <p:spPr>
+            <a:xfrm flipV="1">
+              <a:off x="2053026" y="3332082"/>
+              <a:ext cx="7603142" cy="13899"/>
+            </a:xfrm>
+            <a:prstGeom prst="straightConnector1">
+              <a:avLst/>
+            </a:prstGeom>
+            <a:ln w="19050" cmpd="sng">
+              <a:solidFill>
+                <a:schemeClr val="tx1"/>
+              </a:solidFill>
+              <a:tailEnd type="arrow"/>
+            </a:ln>
+          </p:spPr>
+          <p:style>
+            <a:lnRef idx="1">
+              <a:schemeClr val="accent1"/>
+            </a:lnRef>
+            <a:fillRef idx="0">
+              <a:schemeClr val="accent1"/>
+            </a:fillRef>
+            <a:effectRef idx="0">
+              <a:schemeClr val="accent1"/>
+            </a:effectRef>
+            <a:fontRef idx="minor">
+              <a:schemeClr val="tx1"/>
+            </a:fontRef>
+          </p:style>
+        </p:cxnSp>
+        <p:cxnSp>
+          <p:nvCxnSpPr>
+            <p:cNvPr id="12" name="Straight Connector 11"/>
+            <p:cNvCxnSpPr/>
+            <p:nvPr/>
+          </p:nvCxnSpPr>
+          <p:spPr>
+            <a:xfrm>
+              <a:off x="2087820" y="4035653"/>
+              <a:ext cx="1792046" cy="0"/>
+            </a:xfrm>
+            <a:prstGeom prst="line">
+              <a:avLst/>
+            </a:prstGeom>
+            <a:ln w="38100" cmpd="sng">
+              <a:solidFill>
+                <a:srgbClr val="000000"/>
+              </a:solidFill>
+            </a:ln>
+          </p:spPr>
+          <p:style>
+            <a:lnRef idx="1">
+              <a:schemeClr val="accent1"/>
+            </a:lnRef>
+            <a:fillRef idx="0">
+              <a:schemeClr val="accent1"/>
+            </a:fillRef>
+            <a:effectRef idx="0">
+              <a:schemeClr val="accent1"/>
+            </a:effectRef>
+            <a:fontRef idx="minor">
+              <a:schemeClr val="tx1"/>
+            </a:fontRef>
+          </p:style>
+        </p:cxnSp>
+        <p:cxnSp>
+          <p:nvCxnSpPr>
+            <p:cNvPr id="13" name="Straight Connector 12"/>
+            <p:cNvCxnSpPr/>
+            <p:nvPr/>
+          </p:nvCxnSpPr>
+          <p:spPr>
+            <a:xfrm flipV="1">
+              <a:off x="3897264" y="3353090"/>
+              <a:ext cx="1892251" cy="4155"/>
+            </a:xfrm>
+            <a:prstGeom prst="line">
+              <a:avLst/>
+            </a:prstGeom>
+            <a:ln w="38100" cmpd="sng">
+              <a:solidFill>
+                <a:srgbClr val="000000"/>
+              </a:solidFill>
+            </a:ln>
+          </p:spPr>
+          <p:style>
+            <a:lnRef idx="1">
+              <a:schemeClr val="accent1"/>
+            </a:lnRef>
+            <a:fillRef idx="0">
+              <a:schemeClr val="accent1"/>
+            </a:fillRef>
+            <a:effectRef idx="0">
+              <a:schemeClr val="accent1"/>
+            </a:effectRef>
+            <a:fontRef idx="minor">
+              <a:schemeClr val="tx1"/>
+            </a:fontRef>
+          </p:style>
+        </p:cxnSp>
+        <p:cxnSp>
+          <p:nvCxnSpPr>
+            <p:cNvPr id="14" name="Straight Connector 13"/>
+            <p:cNvCxnSpPr/>
+            <p:nvPr/>
+          </p:nvCxnSpPr>
+          <p:spPr>
+            <a:xfrm flipV="1">
+              <a:off x="5776303" y="2113885"/>
+              <a:ext cx="1888064" cy="0"/>
+            </a:xfrm>
+            <a:prstGeom prst="line">
+              <a:avLst/>
+            </a:prstGeom>
+            <a:ln w="38100" cmpd="sng">
+              <a:solidFill>
+                <a:srgbClr val="000000"/>
+              </a:solidFill>
+            </a:ln>
+          </p:spPr>
+          <p:style>
+            <a:lnRef idx="1">
+              <a:schemeClr val="accent1"/>
+            </a:lnRef>
+            <a:fillRef idx="0">
+              <a:schemeClr val="accent1"/>
+            </a:fillRef>
+            <a:effectRef idx="0">
+              <a:schemeClr val="accent1"/>
+            </a:effectRef>
+            <a:fontRef idx="minor">
+              <a:schemeClr val="tx1"/>
+            </a:fontRef>
+          </p:style>
+        </p:cxnSp>
+        <p:cxnSp>
+          <p:nvCxnSpPr>
+            <p:cNvPr id="15" name="Straight Connector 14"/>
+            <p:cNvCxnSpPr/>
+            <p:nvPr/>
+          </p:nvCxnSpPr>
+          <p:spPr>
+            <a:xfrm>
+              <a:off x="7660179" y="4075371"/>
+              <a:ext cx="1792046" cy="0"/>
+            </a:xfrm>
+            <a:prstGeom prst="line">
+              <a:avLst/>
+            </a:prstGeom>
+            <a:ln w="38100" cmpd="sng">
+              <a:solidFill>
+                <a:srgbClr val="000000"/>
+              </a:solidFill>
+            </a:ln>
+          </p:spPr>
+          <p:style>
+            <a:lnRef idx="1">
+              <a:schemeClr val="accent1"/>
+            </a:lnRef>
+            <a:fillRef idx="0">
+              <a:schemeClr val="accent1"/>
+            </a:fillRef>
+            <a:effectRef idx="0">
+              <a:schemeClr val="accent1"/>
+            </a:effectRef>
+            <a:fontRef idx="minor">
+              <a:schemeClr val="tx1"/>
+            </a:fontRef>
+          </p:style>
+        </p:cxnSp>
+        <p:cxnSp>
+          <p:nvCxnSpPr>
+            <p:cNvPr id="16" name="Straight Connector 15"/>
+            <p:cNvCxnSpPr/>
+            <p:nvPr/>
+          </p:nvCxnSpPr>
+          <p:spPr>
+            <a:xfrm flipV="1">
+              <a:off x="3914660" y="3322456"/>
+              <a:ext cx="3" cy="747988"/>
+            </a:xfrm>
+            <a:prstGeom prst="line">
+              <a:avLst/>
+            </a:prstGeom>
+            <a:ln w="38100" cmpd="sng">
+              <a:solidFill>
+                <a:srgbClr val="000000"/>
+              </a:solidFill>
+              <a:prstDash val="sysDash"/>
+            </a:ln>
+          </p:spPr>
+          <p:style>
+            <a:lnRef idx="1">
+              <a:schemeClr val="accent1"/>
+            </a:lnRef>
+            <a:fillRef idx="0">
+              <a:schemeClr val="accent1"/>
+            </a:fillRef>
+            <a:effectRef idx="0">
+              <a:schemeClr val="accent1"/>
+            </a:effectRef>
+            <a:fontRef idx="minor">
+              <a:schemeClr val="tx1"/>
+            </a:fontRef>
+          </p:style>
+        </p:cxnSp>
+        <p:cxnSp>
+          <p:nvCxnSpPr>
+            <p:cNvPr id="22" name="Straight Connector 21"/>
+            <p:cNvCxnSpPr/>
+            <p:nvPr/>
+          </p:nvCxnSpPr>
+          <p:spPr>
+            <a:xfrm>
+              <a:off x="5806911" y="2083252"/>
+              <a:ext cx="0" cy="1308784"/>
+            </a:xfrm>
+            <a:prstGeom prst="line">
+              <a:avLst/>
+            </a:prstGeom>
+            <a:ln w="38100" cmpd="sng">
+              <a:solidFill>
+                <a:srgbClr val="000000"/>
+              </a:solidFill>
+              <a:prstDash val="sysDash"/>
+            </a:ln>
+          </p:spPr>
+          <p:style>
+            <a:lnRef idx="1">
+              <a:schemeClr val="accent1"/>
+            </a:lnRef>
+            <a:fillRef idx="0">
+              <a:schemeClr val="accent1"/>
+            </a:fillRef>
+            <a:effectRef idx="0">
+              <a:schemeClr val="accent1"/>
+            </a:effectRef>
+            <a:fontRef idx="minor">
+              <a:schemeClr val="tx1"/>
+            </a:fontRef>
+          </p:style>
+        </p:cxnSp>
+        <p:cxnSp>
+          <p:nvCxnSpPr>
+            <p:cNvPr id="25" name="Straight Connector 24"/>
+            <p:cNvCxnSpPr/>
+            <p:nvPr/>
+          </p:nvCxnSpPr>
+          <p:spPr>
+            <a:xfrm>
+              <a:off x="7637942" y="2096492"/>
+              <a:ext cx="0" cy="2008741"/>
+            </a:xfrm>
+            <a:prstGeom prst="line">
+              <a:avLst/>
+            </a:prstGeom>
+            <a:ln w="38100" cmpd="sng">
+              <a:solidFill>
+                <a:srgbClr val="000000"/>
+              </a:solidFill>
+              <a:prstDash val="sysDash"/>
+            </a:ln>
+          </p:spPr>
+          <p:style>
+            <a:lnRef idx="1">
+              <a:schemeClr val="accent1"/>
+            </a:lnRef>
+            <a:fillRef idx="0">
+              <a:schemeClr val="accent1"/>
+            </a:fillRef>
+            <a:effectRef idx="0">
+              <a:schemeClr val="accent1"/>
+            </a:effectRef>
+            <a:fontRef idx="minor">
+              <a:schemeClr val="tx1"/>
+            </a:fontRef>
+          </p:style>
+        </p:cxnSp>
+        <p:sp>
+          <p:nvSpPr>
+            <p:cNvPr id="29" name="TextBox 28"/>
+            <p:cNvSpPr txBox="1"/>
+            <p:nvPr/>
+          </p:nvSpPr>
+          <p:spPr>
+            <a:xfrm>
+              <a:off x="9760558" y="3089273"/>
+              <a:ext cx="661143" cy="681200"/>
+            </a:xfrm>
+            <a:prstGeom prst="rect">
+              <a:avLst/>
+            </a:prstGeom>
+            <a:noFill/>
+          </p:spPr>
+          <p:txBody>
+            <a:bodyPr wrap="square" rtlCol="0">
+              <a:spAutoFit/>
+            </a:bodyPr>
+            <a:lstStyle/>
+            <a:p>
+              <a:r>
+                <a:rPr lang="en-US" sz="2000" dirty="0" smtClean="0">
+                  <a:latin typeface="Arial" panose="020B0604020202020204" pitchFamily="34" charset="0"/>
+                  <a:cs typeface="Arial" panose="020B0604020202020204" pitchFamily="34" charset="0"/>
+                </a:rPr>
+                <a:t>t</a:t>
+              </a:r>
+            </a:p>
+          </p:txBody>
+        </p:sp>
+        <p:sp>
+          <p:nvSpPr>
+            <p:cNvPr id="32" name="TextBox 31"/>
+            <p:cNvSpPr txBox="1"/>
+            <p:nvPr/>
+          </p:nvSpPr>
+          <p:spPr>
+            <a:xfrm>
+              <a:off x="742510" y="1157157"/>
+              <a:ext cx="1197748" cy="681200"/>
+            </a:xfrm>
+            <a:prstGeom prst="rect">
+              <a:avLst/>
+            </a:prstGeom>
+            <a:noFill/>
+          </p:spPr>
+          <p:txBody>
+            <a:bodyPr wrap="square" rtlCol="0">
+              <a:spAutoFit/>
+            </a:bodyPr>
+            <a:lstStyle/>
+            <a:p>
+              <a:r>
+                <a:rPr lang="en-US" sz="2000" dirty="0">
+                  <a:latin typeface="Arial" panose="020B0604020202020204" pitchFamily="34" charset="0"/>
+                  <a:cs typeface="Arial" panose="020B0604020202020204" pitchFamily="34" charset="0"/>
+                </a:rPr>
+                <a:t>a</a:t>
+              </a:r>
+              <a:r>
+                <a:rPr lang="en-US" sz="2000" dirty="0" smtClean="0">
+                  <a:latin typeface="Arial" panose="020B0604020202020204" pitchFamily="34" charset="0"/>
+                  <a:cs typeface="Arial" panose="020B0604020202020204" pitchFamily="34" charset="0"/>
+                </a:rPr>
+                <a:t>(t)</a:t>
+              </a:r>
+            </a:p>
+          </p:txBody>
+        </p:sp>
+        <p:sp>
+          <p:nvSpPr>
+            <p:cNvPr id="33" name="TextBox 32"/>
+            <p:cNvSpPr txBox="1"/>
+            <p:nvPr/>
+          </p:nvSpPr>
+          <p:spPr>
+            <a:xfrm>
+              <a:off x="1600161" y="3005381"/>
+              <a:ext cx="452865" cy="681200"/>
+            </a:xfrm>
+            <a:prstGeom prst="rect">
+              <a:avLst/>
+            </a:prstGeom>
+            <a:noFill/>
+          </p:spPr>
+          <p:txBody>
+            <a:bodyPr wrap="square" rtlCol="0">
+              <a:spAutoFit/>
+            </a:bodyPr>
+            <a:lstStyle/>
+            <a:p>
+              <a:r>
+                <a:rPr lang="en-US" sz="2000" dirty="0" smtClean="0">
+                  <a:latin typeface="Arial" panose="020B0604020202020204" pitchFamily="34" charset="0"/>
+                  <a:cs typeface="Arial" panose="020B0604020202020204" pitchFamily="34" charset="0"/>
+                </a:rPr>
+                <a:t>0</a:t>
+              </a:r>
+            </a:p>
+          </p:txBody>
+        </p:sp>
+      </p:grpSp>
+      <p:grpSp>
+        <p:nvGrpSpPr>
+          <p:cNvPr id="62" name="Group 61"/>
+          <p:cNvGrpSpPr/>
+          <p:nvPr/>
+        </p:nvGrpSpPr>
+        <p:grpSpPr>
+          <a:xfrm>
+            <a:off x="5737319" y="343746"/>
+            <a:ext cx="5497927" cy="2748419"/>
+            <a:chOff x="5737319" y="343746"/>
+            <a:chExt cx="5497927" cy="2748419"/>
+          </a:xfrm>
+        </p:grpSpPr>
+        <p:grpSp>
+          <p:nvGrpSpPr>
+            <p:cNvPr id="37" name="Group 36"/>
+            <p:cNvGrpSpPr/>
+            <p:nvPr/>
+          </p:nvGrpSpPr>
+          <p:grpSpPr>
+            <a:xfrm>
+              <a:off x="5737319" y="343746"/>
+              <a:ext cx="5497927" cy="2748419"/>
+              <a:chOff x="742510" y="991518"/>
+              <a:chExt cx="9679191" cy="4679270"/>
+            </a:xfrm>
+          </p:grpSpPr>
+          <p:cxnSp>
+            <p:nvCxnSpPr>
+              <p:cNvPr id="38" name="Straight Arrow Connector 37"/>
+              <p:cNvCxnSpPr/>
+              <p:nvPr/>
+            </p:nvCxnSpPr>
+            <p:spPr>
+              <a:xfrm flipV="1">
+                <a:off x="2105219" y="991518"/>
+                <a:ext cx="0" cy="4679270"/>
+              </a:xfrm>
+              <a:prstGeom prst="straightConnector1">
+                <a:avLst/>
+              </a:prstGeom>
+              <a:ln w="19050" cmpd="sng">
+                <a:solidFill>
+                  <a:schemeClr val="tx1"/>
+                </a:solidFill>
+                <a:tailEnd type="arrow"/>
+              </a:ln>
+            </p:spPr>
+            <p:style>
+              <a:lnRef idx="1">
+                <a:schemeClr val="accent1"/>
+              </a:lnRef>
+              <a:fillRef idx="0">
+                <a:schemeClr val="accent1"/>
+              </a:fillRef>
+              <a:effectRef idx="0">
+                <a:schemeClr val="accent1"/>
+              </a:effectRef>
+              <a:fontRef idx="minor">
+                <a:schemeClr val="tx1"/>
+              </a:fontRef>
+            </p:style>
+          </p:cxnSp>
+          <p:cxnSp>
+            <p:nvCxnSpPr>
+              <p:cNvPr id="39" name="Straight Arrow Connector 38"/>
+              <p:cNvCxnSpPr>
+                <a:stCxn id="49" idx="3"/>
+              </p:cNvCxnSpPr>
+              <p:nvPr/>
+            </p:nvCxnSpPr>
+            <p:spPr>
+              <a:xfrm flipV="1">
+                <a:off x="2053026" y="3332082"/>
+                <a:ext cx="7603142" cy="13899"/>
+              </a:xfrm>
+              <a:prstGeom prst="straightConnector1">
+                <a:avLst/>
+              </a:prstGeom>
+              <a:ln w="19050" cmpd="sng">
+                <a:solidFill>
+                  <a:schemeClr val="tx1"/>
+                </a:solidFill>
+                <a:tailEnd type="arrow"/>
+              </a:ln>
+            </p:spPr>
+            <p:style>
+              <a:lnRef idx="1">
+                <a:schemeClr val="accent1"/>
+              </a:lnRef>
+              <a:fillRef idx="0">
+                <a:schemeClr val="accent1"/>
+              </a:fillRef>
+              <a:effectRef idx="0">
+                <a:schemeClr val="accent1"/>
+              </a:effectRef>
+              <a:fontRef idx="minor">
+                <a:schemeClr val="tx1"/>
+              </a:fontRef>
+            </p:style>
+          </p:cxnSp>
+          <p:cxnSp>
+            <p:nvCxnSpPr>
+              <p:cNvPr id="40" name="Straight Connector 39"/>
+              <p:cNvCxnSpPr/>
+              <p:nvPr/>
+            </p:nvCxnSpPr>
+            <p:spPr>
+              <a:xfrm>
+                <a:off x="2144920" y="3405212"/>
+                <a:ext cx="1826839" cy="689672"/>
+              </a:xfrm>
+              <a:prstGeom prst="line">
+                <a:avLst/>
+              </a:prstGeom>
+              <a:ln w="38100" cmpd="sng">
+                <a:solidFill>
+                  <a:srgbClr val="000000"/>
+                </a:solidFill>
+              </a:ln>
+            </p:spPr>
+            <p:style>
+              <a:lnRef idx="1">
+                <a:schemeClr val="accent1"/>
+              </a:lnRef>
+              <a:fillRef idx="0">
+                <a:schemeClr val="accent1"/>
+              </a:fillRef>
+              <a:effectRef idx="0">
+                <a:schemeClr val="accent1"/>
+              </a:effectRef>
+              <a:fontRef idx="minor">
+                <a:schemeClr val="tx1"/>
+              </a:fontRef>
+            </p:style>
+          </p:cxnSp>
+          <p:cxnSp>
+            <p:nvCxnSpPr>
+              <p:cNvPr id="41" name="Straight Connector 40"/>
+              <p:cNvCxnSpPr/>
+              <p:nvPr/>
+            </p:nvCxnSpPr>
+            <p:spPr>
+              <a:xfrm flipV="1">
+                <a:off x="3927895" y="4093478"/>
+                <a:ext cx="1892251" cy="4154"/>
+              </a:xfrm>
+              <a:prstGeom prst="line">
+                <a:avLst/>
+              </a:prstGeom>
+              <a:ln w="38100" cmpd="sng">
+                <a:solidFill>
+                  <a:srgbClr val="000000"/>
+                </a:solidFill>
+              </a:ln>
+            </p:spPr>
+            <p:style>
+              <a:lnRef idx="1">
+                <a:schemeClr val="accent1"/>
+              </a:lnRef>
+              <a:fillRef idx="0">
+                <a:schemeClr val="accent1"/>
+              </a:fillRef>
+              <a:effectRef idx="0">
+                <a:schemeClr val="accent1"/>
+              </a:effectRef>
+              <a:fontRef idx="minor">
+                <a:schemeClr val="tx1"/>
+              </a:fontRef>
+            </p:style>
+          </p:cxnSp>
+          <p:cxnSp>
+            <p:nvCxnSpPr>
+              <p:cNvPr id="42" name="Straight Connector 41"/>
+              <p:cNvCxnSpPr/>
+              <p:nvPr/>
+            </p:nvCxnSpPr>
+            <p:spPr>
+              <a:xfrm flipV="1">
+                <a:off x="5773260" y="2113885"/>
+                <a:ext cx="1952371" cy="1994349"/>
+              </a:xfrm>
+              <a:prstGeom prst="line">
+                <a:avLst/>
+              </a:prstGeom>
+              <a:ln w="38100" cmpd="sng">
+                <a:solidFill>
+                  <a:srgbClr val="000000"/>
+                </a:solidFill>
+              </a:ln>
+            </p:spPr>
+            <p:style>
+              <a:lnRef idx="1">
+                <a:schemeClr val="accent1"/>
+              </a:lnRef>
+              <a:fillRef idx="0">
+                <a:schemeClr val="accent1"/>
+              </a:fillRef>
+              <a:effectRef idx="0">
+                <a:schemeClr val="accent1"/>
+              </a:effectRef>
+              <a:fontRef idx="minor">
+                <a:schemeClr val="tx1"/>
+              </a:fontRef>
+            </p:style>
+          </p:cxnSp>
+          <p:sp>
+            <p:nvSpPr>
+              <p:cNvPr id="47" name="TextBox 46"/>
+              <p:cNvSpPr txBox="1"/>
+              <p:nvPr/>
+            </p:nvSpPr>
+            <p:spPr>
+              <a:xfrm>
+                <a:off x="9760558" y="3089273"/>
+                <a:ext cx="661143" cy="681200"/>
+              </a:xfrm>
+              <a:prstGeom prst="rect">
+                <a:avLst/>
+              </a:prstGeom>
+              <a:noFill/>
+            </p:spPr>
+            <p:txBody>
+              <a:bodyPr wrap="square" rtlCol="0">
+                <a:spAutoFit/>
+              </a:bodyPr>
+              <a:lstStyle/>
+              <a:p>
+                <a:r>
+                  <a:rPr lang="en-US" sz="2000" dirty="0" smtClean="0">
+                    <a:latin typeface="Arial" panose="020B0604020202020204" pitchFamily="34" charset="0"/>
+                    <a:cs typeface="Arial" panose="020B0604020202020204" pitchFamily="34" charset="0"/>
+                  </a:rPr>
+                  <a:t>t</a:t>
+                </a:r>
+              </a:p>
+            </p:txBody>
+          </p:sp>
+          <p:sp>
+            <p:nvSpPr>
+              <p:cNvPr id="48" name="TextBox 47"/>
+              <p:cNvSpPr txBox="1"/>
+              <p:nvPr/>
+            </p:nvSpPr>
+            <p:spPr>
+              <a:xfrm>
+                <a:off x="742510" y="1157157"/>
+                <a:ext cx="1197748" cy="681200"/>
+              </a:xfrm>
+              <a:prstGeom prst="rect">
+                <a:avLst/>
+              </a:prstGeom>
+              <a:noFill/>
+            </p:spPr>
+            <p:txBody>
+              <a:bodyPr wrap="square" rtlCol="0">
+                <a:spAutoFit/>
+              </a:bodyPr>
+              <a:lstStyle/>
+              <a:p>
+                <a:r>
+                  <a:rPr lang="en-US" sz="2000" dirty="0" smtClean="0">
+                    <a:latin typeface="Arial" panose="020B0604020202020204" pitchFamily="34" charset="0"/>
+                    <a:cs typeface="Arial" panose="020B0604020202020204" pitchFamily="34" charset="0"/>
+                  </a:rPr>
+                  <a:t>v(t)</a:t>
+                </a:r>
+              </a:p>
+            </p:txBody>
+          </p:sp>
+          <p:sp>
+            <p:nvSpPr>
+              <p:cNvPr id="49" name="TextBox 48"/>
+              <p:cNvSpPr txBox="1"/>
+              <p:nvPr/>
+            </p:nvSpPr>
+            <p:spPr>
+              <a:xfrm>
+                <a:off x="1600161" y="3005381"/>
+                <a:ext cx="452865" cy="681200"/>
+              </a:xfrm>
+              <a:prstGeom prst="rect">
+                <a:avLst/>
+              </a:prstGeom>
+              <a:noFill/>
+            </p:spPr>
+            <p:txBody>
+              <a:bodyPr wrap="square" rtlCol="0">
+                <a:spAutoFit/>
+              </a:bodyPr>
+              <a:lstStyle/>
+              <a:p>
+                <a:r>
+                  <a:rPr lang="en-US" sz="2000" dirty="0" smtClean="0">
+                    <a:latin typeface="Arial" panose="020B0604020202020204" pitchFamily="34" charset="0"/>
+                    <a:cs typeface="Arial" panose="020B0604020202020204" pitchFamily="34" charset="0"/>
+                  </a:rPr>
+                  <a:t>0</a:t>
+                </a:r>
+              </a:p>
+            </p:txBody>
+          </p:sp>
+        </p:grpSp>
+        <p:cxnSp>
+          <p:nvCxnSpPr>
+            <p:cNvPr id="52" name="Straight Connector 51"/>
+            <p:cNvCxnSpPr/>
+            <p:nvPr/>
+          </p:nvCxnSpPr>
+          <p:spPr>
+            <a:xfrm>
+              <a:off x="9678851" y="1009312"/>
+              <a:ext cx="1037672" cy="405086"/>
+            </a:xfrm>
+            <a:prstGeom prst="line">
+              <a:avLst/>
+            </a:prstGeom>
+            <a:ln w="38100" cmpd="sng">
+              <a:solidFill>
+                <a:srgbClr val="000000"/>
+              </a:solidFill>
+            </a:ln>
+          </p:spPr>
+          <p:style>
+            <a:lnRef idx="1">
+              <a:schemeClr val="accent1"/>
+            </a:lnRef>
+            <a:fillRef idx="0">
+              <a:schemeClr val="accent1"/>
+            </a:fillRef>
+            <a:effectRef idx="0">
+              <a:schemeClr val="accent1"/>
+            </a:effectRef>
+            <a:fontRef idx="minor">
+              <a:schemeClr val="tx1"/>
+            </a:fontRef>
+          </p:style>
+        </p:cxnSp>
+      </p:grpSp>
+      <p:grpSp>
+        <p:nvGrpSpPr>
+          <p:cNvPr id="88" name="Group 87"/>
+          <p:cNvGrpSpPr/>
+          <p:nvPr/>
+        </p:nvGrpSpPr>
+        <p:grpSpPr>
+          <a:xfrm>
+            <a:off x="2870758" y="3157589"/>
+            <a:ext cx="6955210" cy="3987623"/>
+            <a:chOff x="2870758" y="3157589"/>
+            <a:chExt cx="6955210" cy="3987623"/>
+          </a:xfrm>
+        </p:grpSpPr>
+        <p:grpSp>
+          <p:nvGrpSpPr>
+            <p:cNvPr id="64" name="Group 63"/>
+            <p:cNvGrpSpPr/>
+            <p:nvPr/>
+          </p:nvGrpSpPr>
+          <p:grpSpPr>
+            <a:xfrm>
+              <a:off x="3297343" y="3157589"/>
+              <a:ext cx="5497927" cy="2813318"/>
+              <a:chOff x="742510" y="991518"/>
+              <a:chExt cx="9679191" cy="4789763"/>
+            </a:xfrm>
+          </p:grpSpPr>
+          <p:cxnSp>
+            <p:nvCxnSpPr>
+              <p:cNvPr id="66" name="Straight Arrow Connector 65"/>
+              <p:cNvCxnSpPr/>
+              <p:nvPr/>
+            </p:nvCxnSpPr>
+            <p:spPr>
+              <a:xfrm flipV="1">
+                <a:off x="2105219" y="991518"/>
+                <a:ext cx="0" cy="4679270"/>
+              </a:xfrm>
+              <a:prstGeom prst="straightConnector1">
+                <a:avLst/>
+              </a:prstGeom>
+              <a:ln w="19050" cmpd="sng">
+                <a:solidFill>
+                  <a:schemeClr val="tx1"/>
+                </a:solidFill>
+                <a:tailEnd type="arrow"/>
+              </a:ln>
+            </p:spPr>
+            <p:style>
+              <a:lnRef idx="1">
+                <a:schemeClr val="accent1"/>
+              </a:lnRef>
+              <a:fillRef idx="0">
+                <a:schemeClr val="accent1"/>
+              </a:fillRef>
+              <a:effectRef idx="0">
+                <a:schemeClr val="accent1"/>
+              </a:effectRef>
+              <a:fontRef idx="minor">
+                <a:schemeClr val="tx1"/>
+              </a:fontRef>
+            </p:style>
+          </p:cxnSp>
+          <p:cxnSp>
+            <p:nvCxnSpPr>
+              <p:cNvPr id="67" name="Straight Arrow Connector 66"/>
+              <p:cNvCxnSpPr>
+                <a:stCxn id="73" idx="3"/>
+              </p:cNvCxnSpPr>
+              <p:nvPr/>
+            </p:nvCxnSpPr>
+            <p:spPr>
+              <a:xfrm flipV="1">
+                <a:off x="2053026" y="3332082"/>
+                <a:ext cx="7603142" cy="13899"/>
+              </a:xfrm>
+              <a:prstGeom prst="straightConnector1">
+                <a:avLst/>
+              </a:prstGeom>
+              <a:ln w="19050" cmpd="sng">
+                <a:solidFill>
+                  <a:schemeClr val="tx1"/>
+                </a:solidFill>
+                <a:tailEnd type="arrow"/>
+              </a:ln>
+            </p:spPr>
+            <p:style>
+              <a:lnRef idx="1">
+                <a:schemeClr val="accent1"/>
+              </a:lnRef>
+              <a:fillRef idx="0">
+                <a:schemeClr val="accent1"/>
+              </a:fillRef>
+              <a:effectRef idx="0">
+                <a:schemeClr val="accent1"/>
+              </a:effectRef>
+              <a:fontRef idx="minor">
+                <a:schemeClr val="tx1"/>
+              </a:fontRef>
+            </p:style>
+          </p:cxnSp>
+          <p:cxnSp>
+            <p:nvCxnSpPr>
+              <p:cNvPr id="69" name="Straight Connector 68"/>
+              <p:cNvCxnSpPr>
+                <a:endCxn id="81" idx="0"/>
+              </p:cNvCxnSpPr>
+              <p:nvPr/>
+            </p:nvCxnSpPr>
+            <p:spPr>
+              <a:xfrm>
+                <a:off x="3989158" y="3979170"/>
+                <a:ext cx="1483716" cy="1802111"/>
+              </a:xfrm>
+              <a:prstGeom prst="line">
+                <a:avLst/>
+              </a:prstGeom>
+              <a:ln w="38100" cmpd="sng">
+                <a:solidFill>
+                  <a:srgbClr val="000000"/>
+                </a:solidFill>
+              </a:ln>
+            </p:spPr>
+            <p:style>
+              <a:lnRef idx="1">
+                <a:schemeClr val="accent1"/>
+              </a:lnRef>
+              <a:fillRef idx="0">
+                <a:schemeClr val="accent1"/>
+              </a:fillRef>
+              <a:effectRef idx="0">
+                <a:schemeClr val="accent1"/>
+              </a:effectRef>
+              <a:fontRef idx="minor">
+                <a:schemeClr val="tx1"/>
+              </a:fontRef>
+            </p:style>
+          </p:cxnSp>
+          <p:sp>
+            <p:nvSpPr>
+              <p:cNvPr id="71" name="TextBox 70"/>
+              <p:cNvSpPr txBox="1"/>
+              <p:nvPr/>
+            </p:nvSpPr>
+            <p:spPr>
+              <a:xfrm>
+                <a:off x="9760558" y="3089273"/>
+                <a:ext cx="661143" cy="681200"/>
+              </a:xfrm>
+              <a:prstGeom prst="rect">
+                <a:avLst/>
+              </a:prstGeom>
+              <a:noFill/>
+            </p:spPr>
+            <p:txBody>
+              <a:bodyPr wrap="square" rtlCol="0">
+                <a:spAutoFit/>
+              </a:bodyPr>
+              <a:lstStyle/>
+              <a:p>
+                <a:r>
+                  <a:rPr lang="en-US" sz="2000" dirty="0" smtClean="0">
+                    <a:latin typeface="Arial" panose="020B0604020202020204" pitchFamily="34" charset="0"/>
+                    <a:cs typeface="Arial" panose="020B0604020202020204" pitchFamily="34" charset="0"/>
+                  </a:rPr>
+                  <a:t>t</a:t>
+                </a:r>
+              </a:p>
+            </p:txBody>
+          </p:sp>
+          <p:sp>
+            <p:nvSpPr>
+              <p:cNvPr id="72" name="TextBox 71"/>
+              <p:cNvSpPr txBox="1"/>
+              <p:nvPr/>
+            </p:nvSpPr>
+            <p:spPr>
+              <a:xfrm>
+                <a:off x="742510" y="1157157"/>
+                <a:ext cx="1197748" cy="681200"/>
+              </a:xfrm>
+              <a:prstGeom prst="rect">
+                <a:avLst/>
+              </a:prstGeom>
+              <a:noFill/>
+            </p:spPr>
+            <p:txBody>
+              <a:bodyPr wrap="square" rtlCol="0">
+                <a:spAutoFit/>
+              </a:bodyPr>
+              <a:lstStyle/>
+              <a:p>
+                <a:r>
+                  <a:rPr lang="en-US" sz="2000" dirty="0">
+                    <a:latin typeface="Arial" panose="020B0604020202020204" pitchFamily="34" charset="0"/>
+                    <a:cs typeface="Arial" panose="020B0604020202020204" pitchFamily="34" charset="0"/>
+                  </a:rPr>
+                  <a:t>x</a:t>
+                </a:r>
+                <a:r>
+                  <a:rPr lang="en-US" sz="2000" smtClean="0">
+                    <a:latin typeface="Arial" panose="020B0604020202020204" pitchFamily="34" charset="0"/>
+                    <a:cs typeface="Arial" panose="020B0604020202020204" pitchFamily="34" charset="0"/>
+                  </a:rPr>
+                  <a:t>(</a:t>
+                </a:r>
+                <a:r>
+                  <a:rPr lang="en-US" sz="2000" dirty="0" smtClean="0">
+                    <a:latin typeface="Arial" panose="020B0604020202020204" pitchFamily="34" charset="0"/>
+                    <a:cs typeface="Arial" panose="020B0604020202020204" pitchFamily="34" charset="0"/>
+                  </a:rPr>
+                  <a:t>t)</a:t>
+                </a:r>
+              </a:p>
+            </p:txBody>
+          </p:sp>
+          <p:sp>
+            <p:nvSpPr>
+              <p:cNvPr id="73" name="TextBox 72"/>
+              <p:cNvSpPr txBox="1"/>
+              <p:nvPr/>
+            </p:nvSpPr>
+            <p:spPr>
+              <a:xfrm>
+                <a:off x="1600161" y="3005381"/>
+                <a:ext cx="452865" cy="681200"/>
+              </a:xfrm>
+              <a:prstGeom prst="rect">
+                <a:avLst/>
+              </a:prstGeom>
+              <a:noFill/>
+            </p:spPr>
+            <p:txBody>
+              <a:bodyPr wrap="square" rtlCol="0">
+                <a:spAutoFit/>
+              </a:bodyPr>
+              <a:lstStyle/>
+              <a:p>
+                <a:r>
+                  <a:rPr lang="en-US" sz="2000" dirty="0" smtClean="0">
+                    <a:latin typeface="Arial" panose="020B0604020202020204" pitchFamily="34" charset="0"/>
+                    <a:cs typeface="Arial" panose="020B0604020202020204" pitchFamily="34" charset="0"/>
+                  </a:rPr>
+                  <a:t>0</a:t>
+                </a:r>
+              </a:p>
+            </p:txBody>
+          </p:sp>
+        </p:grpSp>
+        <p:sp>
+          <p:nvSpPr>
+            <p:cNvPr id="77" name="Arc 76"/>
+            <p:cNvSpPr/>
+            <p:nvPr/>
+          </p:nvSpPr>
+          <p:spPr>
+            <a:xfrm>
+              <a:off x="2870758" y="4540109"/>
+              <a:ext cx="2470582" cy="1617740"/>
+            </a:xfrm>
+            <a:prstGeom prst="arc">
+              <a:avLst>
+                <a:gd name="adj1" fmla="val 16200000"/>
+                <a:gd name="adj2" fmla="val 20285326"/>
+              </a:avLst>
+            </a:prstGeom>
+            <a:ln w="38100">
+              <a:solidFill>
+                <a:schemeClr val="tx1"/>
+              </a:solidFill>
+            </a:ln>
+          </p:spPr>
+          <p:style>
+            <a:lnRef idx="1">
+              <a:schemeClr val="accent1"/>
+            </a:lnRef>
+            <a:fillRef idx="0">
+              <a:schemeClr val="accent1"/>
+            </a:fillRef>
+            <a:effectRef idx="0">
+              <a:schemeClr val="accent1"/>
+            </a:effectRef>
+            <a:fontRef idx="minor">
+              <a:schemeClr val="tx1"/>
+            </a:fontRef>
+          </p:style>
+          <p:txBody>
+            <a:bodyPr rtlCol="0" anchor="ctr"/>
+            <a:lstStyle/>
+            <a:p>
+              <a:pPr algn="ctr"/>
+              <a:endParaRPr lang="en-US"/>
+            </a:p>
+          </p:txBody>
+        </p:sp>
+        <p:sp>
+          <p:nvSpPr>
+            <p:cNvPr id="81" name="Arc 80"/>
+            <p:cNvSpPr/>
+            <p:nvPr/>
+          </p:nvSpPr>
+          <p:spPr>
+            <a:xfrm rot="10800000" flipH="1">
+              <a:off x="5854928" y="4740538"/>
+              <a:ext cx="1765616" cy="1617740"/>
+            </a:xfrm>
+            <a:prstGeom prst="arc">
+              <a:avLst>
+                <a:gd name="adj1" fmla="val 12553375"/>
+                <a:gd name="adj2" fmla="val 20002008"/>
+              </a:avLst>
+            </a:prstGeom>
+            <a:ln w="38100">
+              <a:solidFill>
+                <a:schemeClr val="tx1"/>
+              </a:solidFill>
+            </a:ln>
+          </p:spPr>
+          <p:style>
+            <a:lnRef idx="1">
+              <a:schemeClr val="accent1"/>
+            </a:lnRef>
+            <a:fillRef idx="0">
+              <a:schemeClr val="accent1"/>
+            </a:fillRef>
+            <a:effectRef idx="0">
+              <a:schemeClr val="accent1"/>
+            </a:effectRef>
+            <a:fontRef idx="minor">
+              <a:schemeClr val="tx1"/>
+            </a:fontRef>
+          </p:style>
+          <p:txBody>
+            <a:bodyPr rtlCol="0" anchor="ctr"/>
+            <a:lstStyle/>
+            <a:p>
+              <a:pPr algn="ctr"/>
+              <a:endParaRPr lang="en-US"/>
+            </a:p>
+          </p:txBody>
+        </p:sp>
+        <p:sp>
+          <p:nvSpPr>
+            <p:cNvPr id="87" name="Arc 86"/>
+            <p:cNvSpPr/>
+            <p:nvPr/>
+          </p:nvSpPr>
+          <p:spPr>
+            <a:xfrm flipH="1">
+              <a:off x="7355386" y="5527472"/>
+              <a:ext cx="2470582" cy="1617740"/>
+            </a:xfrm>
+            <a:prstGeom prst="arc">
+              <a:avLst>
+                <a:gd name="adj1" fmla="val 16200000"/>
+                <a:gd name="adj2" fmla="val 20598762"/>
+              </a:avLst>
+            </a:prstGeom>
+            <a:ln w="38100">
+              <a:solidFill>
+                <a:schemeClr val="tx1"/>
+              </a:solidFill>
+            </a:ln>
+          </p:spPr>
+          <p:style>
+            <a:lnRef idx="1">
+              <a:schemeClr val="accent1"/>
+            </a:lnRef>
+            <a:fillRef idx="0">
+              <a:schemeClr val="accent1"/>
+            </a:fillRef>
+            <a:effectRef idx="0">
+              <a:schemeClr val="accent1"/>
+            </a:effectRef>
+            <a:fontRef idx="minor">
+              <a:schemeClr val="tx1"/>
+            </a:fontRef>
+          </p:style>
+          <p:txBody>
+            <a:bodyPr rtlCol="0" anchor="ctr"/>
+            <a:lstStyle/>
+            <a:p>
+              <a:pPr algn="ctr"/>
+              <a:endParaRPr lang="en-US"/>
+            </a:p>
+          </p:txBody>
+        </p:sp>
+      </p:grpSp>
+    </p:spTree>
+    <p:extLst>
+      <p:ext uri="{BB962C8B-B14F-4D97-AF65-F5344CB8AC3E}">
+        <p14:creationId xmlns:p14="http://schemas.microsoft.com/office/powerpoint/2010/main" val="1130145497"/>
       </p:ext>
     </p:extLst>
   </p:cSld>
@@ -32477,7 +35238,7 @@
     </a:clrScheme>
     <a:fontScheme name="Office">
       <a:majorFont>
-        <a:latin typeface="Calibri Light" panose="020F0302020204030204"/>
+        <a:latin typeface="Calibri Light"/>
         <a:ea typeface=""/>
         <a:cs typeface=""/>
         <a:font script="Jpan" typeface="ＭＳ Ｐゴシック"/>
@@ -32512,7 +35273,7 @@
         <a:font script="Geor" typeface="Sylfaen"/>
       </a:majorFont>
       <a:minorFont>
-        <a:latin typeface="Calibri" panose="020F0502020204030204"/>
+        <a:latin typeface="Calibri"/>
         <a:ea typeface=""/>
         <a:cs typeface=""/>
         <a:font script="Jpan" typeface="ＭＳ Ｐゴシック"/>
@@ -32763,7 +35524,7 @@
   <a:extraClrSchemeLst/>
   <a:extLst>
     <a:ext uri="{05A4C25C-085E-4340-85A3-A5531E510DB2}">
-      <thm15:themeFamily xmlns:thm15="http://schemas.microsoft.com/office/thememl/2012/main" name="Office Theme" id="{62F939B6-93AF-4DB8-9C6B-D6C7DFDC589F}" vid="{4A3C46E8-61CC-4603-A589-7422A47A8E4A}"/>
+      <thm15:themeFamily xmlns:thm15="http://schemas.microsoft.com/office/thememl/2012/main" xmlns="" name="Office Theme" id="{62F939B6-93AF-4DB8-9C6B-D6C7DFDC589F}" vid="{4A3C46E8-61CC-4603-A589-7422A47A8E4A}"/>
     </a:ext>
   </a:extLst>
 </a:theme>

--- a/tex/figures/Figures.pptx
+++ b/tex/figures/Figures.pptx
@@ -161,7 +161,7 @@
           </a:lstStyle>
           <a:p>
             <a:r>
-              <a:rPr lang="en-US" smtClean="0"/>
+              <a:rPr lang="en-US"/>
               <a:t>Click to edit Master title style</a:t>
             </a:r>
             <a:endParaRPr lang="en-CA"/>
@@ -226,7 +226,7 @@
           </a:lstStyle>
           <a:p>
             <a:r>
-              <a:rPr lang="en-US" smtClean="0"/>
+              <a:rPr lang="en-US"/>
               <a:t>Click to edit Master subtitle style</a:t>
             </a:r>
             <a:endParaRPr lang="en-CA"/>
@@ -250,7 +250,7 @@
           <a:p>
             <a:fld id="{F7249F8D-641B-4CAF-BAE5-10524742F6F1}" type="datetimeFigureOut">
               <a:rPr lang="en-CA" smtClean="0"/>
-              <a:t>2018-05-17</a:t>
+              <a:t>2018-05-28</a:t>
             </a:fld>
             <a:endParaRPr lang="en-CA"/>
           </a:p>
@@ -344,7 +344,7 @@
           <a:lstStyle/>
           <a:p>
             <a:r>
-              <a:rPr lang="en-US" smtClean="0"/>
+              <a:rPr lang="en-US"/>
               <a:t>Click to edit Master title style</a:t>
             </a:r>
             <a:endParaRPr lang="en-CA"/>
@@ -368,35 +368,35 @@
           <a:p>
             <a:pPr lvl="0"/>
             <a:r>
-              <a:rPr lang="en-US" smtClean="0"/>
+              <a:rPr lang="en-US"/>
               <a:t>Click to edit Master text styles</a:t>
             </a:r>
           </a:p>
           <a:p>
             <a:pPr lvl="1"/>
             <a:r>
-              <a:rPr lang="en-US" smtClean="0"/>
+              <a:rPr lang="en-US"/>
               <a:t>Second level</a:t>
             </a:r>
           </a:p>
           <a:p>
             <a:pPr lvl="2"/>
             <a:r>
-              <a:rPr lang="en-US" smtClean="0"/>
+              <a:rPr lang="en-US"/>
               <a:t>Third level</a:t>
             </a:r>
           </a:p>
           <a:p>
             <a:pPr lvl="3"/>
             <a:r>
-              <a:rPr lang="en-US" smtClean="0"/>
+              <a:rPr lang="en-US"/>
               <a:t>Fourth level</a:t>
             </a:r>
           </a:p>
           <a:p>
             <a:pPr lvl="4"/>
             <a:r>
-              <a:rPr lang="en-US" smtClean="0"/>
+              <a:rPr lang="en-US"/>
               <a:t>Fifth level</a:t>
             </a:r>
             <a:endParaRPr lang="en-CA"/>
@@ -420,7 +420,7 @@
           <a:p>
             <a:fld id="{F7249F8D-641B-4CAF-BAE5-10524742F6F1}" type="datetimeFigureOut">
               <a:rPr lang="en-CA" smtClean="0"/>
-              <a:t>2018-05-17</a:t>
+              <a:t>2018-05-28</a:t>
             </a:fld>
             <a:endParaRPr lang="en-CA"/>
           </a:p>
@@ -519,7 +519,7 @@
           <a:lstStyle/>
           <a:p>
             <a:r>
-              <a:rPr lang="en-US" smtClean="0"/>
+              <a:rPr lang="en-US"/>
               <a:t>Click to edit Master title style</a:t>
             </a:r>
             <a:endParaRPr lang="en-CA"/>
@@ -548,35 +548,35 @@
           <a:p>
             <a:pPr lvl="0"/>
             <a:r>
-              <a:rPr lang="en-US" smtClean="0"/>
+              <a:rPr lang="en-US"/>
               <a:t>Click to edit Master text styles</a:t>
             </a:r>
           </a:p>
           <a:p>
             <a:pPr lvl="1"/>
             <a:r>
-              <a:rPr lang="en-US" smtClean="0"/>
+              <a:rPr lang="en-US"/>
               <a:t>Second level</a:t>
             </a:r>
           </a:p>
           <a:p>
             <a:pPr lvl="2"/>
             <a:r>
-              <a:rPr lang="en-US" smtClean="0"/>
+              <a:rPr lang="en-US"/>
               <a:t>Third level</a:t>
             </a:r>
           </a:p>
           <a:p>
             <a:pPr lvl="3"/>
             <a:r>
-              <a:rPr lang="en-US" smtClean="0"/>
+              <a:rPr lang="en-US"/>
               <a:t>Fourth level</a:t>
             </a:r>
           </a:p>
           <a:p>
             <a:pPr lvl="4"/>
             <a:r>
-              <a:rPr lang="en-US" smtClean="0"/>
+              <a:rPr lang="en-US"/>
               <a:t>Fifth level</a:t>
             </a:r>
             <a:endParaRPr lang="en-CA"/>
@@ -600,7 +600,7 @@
           <a:p>
             <a:fld id="{F7249F8D-641B-4CAF-BAE5-10524742F6F1}" type="datetimeFigureOut">
               <a:rPr lang="en-CA" smtClean="0"/>
-              <a:t>2018-05-17</a:t>
+              <a:t>2018-05-28</a:t>
             </a:fld>
             <a:endParaRPr lang="en-CA"/>
           </a:p>
@@ -694,7 +694,7 @@
           <a:lstStyle/>
           <a:p>
             <a:r>
-              <a:rPr lang="en-US" smtClean="0"/>
+              <a:rPr lang="en-US"/>
               <a:t>Click to edit Master title style</a:t>
             </a:r>
             <a:endParaRPr lang="en-CA"/>
@@ -718,35 +718,35 @@
           <a:p>
             <a:pPr lvl="0"/>
             <a:r>
-              <a:rPr lang="en-US" smtClean="0"/>
+              <a:rPr lang="en-US"/>
               <a:t>Click to edit Master text styles</a:t>
             </a:r>
           </a:p>
           <a:p>
             <a:pPr lvl="1"/>
             <a:r>
-              <a:rPr lang="en-US" smtClean="0"/>
+              <a:rPr lang="en-US"/>
               <a:t>Second level</a:t>
             </a:r>
           </a:p>
           <a:p>
             <a:pPr lvl="2"/>
             <a:r>
-              <a:rPr lang="en-US" smtClean="0"/>
+              <a:rPr lang="en-US"/>
               <a:t>Third level</a:t>
             </a:r>
           </a:p>
           <a:p>
             <a:pPr lvl="3"/>
             <a:r>
-              <a:rPr lang="en-US" smtClean="0"/>
+              <a:rPr lang="en-US"/>
               <a:t>Fourth level</a:t>
             </a:r>
           </a:p>
           <a:p>
             <a:pPr lvl="4"/>
             <a:r>
-              <a:rPr lang="en-US" smtClean="0"/>
+              <a:rPr lang="en-US"/>
               <a:t>Fifth level</a:t>
             </a:r>
             <a:endParaRPr lang="en-CA"/>
@@ -770,7 +770,7 @@
           <a:p>
             <a:fld id="{F7249F8D-641B-4CAF-BAE5-10524742F6F1}" type="datetimeFigureOut">
               <a:rPr lang="en-CA" smtClean="0"/>
-              <a:t>2018-05-17</a:t>
+              <a:t>2018-05-28</a:t>
             </a:fld>
             <a:endParaRPr lang="en-CA"/>
           </a:p>
@@ -873,7 +873,7 @@
           </a:lstStyle>
           <a:p>
             <a:r>
-              <a:rPr lang="en-US" smtClean="0"/>
+              <a:rPr lang="en-US"/>
               <a:t>Click to edit Master title style</a:t>
             </a:r>
             <a:endParaRPr lang="en-CA"/>
@@ -993,7 +993,7 @@
           <a:p>
             <a:pPr lvl="0"/>
             <a:r>
-              <a:rPr lang="en-US" smtClean="0"/>
+              <a:rPr lang="en-US"/>
               <a:t>Click to edit Master text styles</a:t>
             </a:r>
           </a:p>
@@ -1016,7 +1016,7 @@
           <a:p>
             <a:fld id="{F7249F8D-641B-4CAF-BAE5-10524742F6F1}" type="datetimeFigureOut">
               <a:rPr lang="en-CA" smtClean="0"/>
-              <a:t>2018-05-17</a:t>
+              <a:t>2018-05-28</a:t>
             </a:fld>
             <a:endParaRPr lang="en-CA"/>
           </a:p>
@@ -1110,7 +1110,7 @@
           <a:lstStyle/>
           <a:p>
             <a:r>
-              <a:rPr lang="en-US" smtClean="0"/>
+              <a:rPr lang="en-US"/>
               <a:t>Click to edit Master title style</a:t>
             </a:r>
             <a:endParaRPr lang="en-CA"/>
@@ -1139,35 +1139,35 @@
           <a:p>
             <a:pPr lvl="0"/>
             <a:r>
-              <a:rPr lang="en-US" smtClean="0"/>
+              <a:rPr lang="en-US"/>
               <a:t>Click to edit Master text styles</a:t>
             </a:r>
           </a:p>
           <a:p>
             <a:pPr lvl="1"/>
             <a:r>
-              <a:rPr lang="en-US" smtClean="0"/>
+              <a:rPr lang="en-US"/>
               <a:t>Second level</a:t>
             </a:r>
           </a:p>
           <a:p>
             <a:pPr lvl="2"/>
             <a:r>
-              <a:rPr lang="en-US" smtClean="0"/>
+              <a:rPr lang="en-US"/>
               <a:t>Third level</a:t>
             </a:r>
           </a:p>
           <a:p>
             <a:pPr lvl="3"/>
             <a:r>
-              <a:rPr lang="en-US" smtClean="0"/>
+              <a:rPr lang="en-US"/>
               <a:t>Fourth level</a:t>
             </a:r>
           </a:p>
           <a:p>
             <a:pPr lvl="4"/>
             <a:r>
-              <a:rPr lang="en-US" smtClean="0"/>
+              <a:rPr lang="en-US"/>
               <a:t>Fifth level</a:t>
             </a:r>
             <a:endParaRPr lang="en-CA"/>
@@ -1196,35 +1196,35 @@
           <a:p>
             <a:pPr lvl="0"/>
             <a:r>
-              <a:rPr lang="en-US" smtClean="0"/>
+              <a:rPr lang="en-US"/>
               <a:t>Click to edit Master text styles</a:t>
             </a:r>
           </a:p>
           <a:p>
             <a:pPr lvl="1"/>
             <a:r>
-              <a:rPr lang="en-US" smtClean="0"/>
+              <a:rPr lang="en-US"/>
               <a:t>Second level</a:t>
             </a:r>
           </a:p>
           <a:p>
             <a:pPr lvl="2"/>
             <a:r>
-              <a:rPr lang="en-US" smtClean="0"/>
+              <a:rPr lang="en-US"/>
               <a:t>Third level</a:t>
             </a:r>
           </a:p>
           <a:p>
             <a:pPr lvl="3"/>
             <a:r>
-              <a:rPr lang="en-US" smtClean="0"/>
+              <a:rPr lang="en-US"/>
               <a:t>Fourth level</a:t>
             </a:r>
           </a:p>
           <a:p>
             <a:pPr lvl="4"/>
             <a:r>
-              <a:rPr lang="en-US" smtClean="0"/>
+              <a:rPr lang="en-US"/>
               <a:t>Fifth level</a:t>
             </a:r>
             <a:endParaRPr lang="en-CA"/>
@@ -1248,7 +1248,7 @@
           <a:p>
             <a:fld id="{F7249F8D-641B-4CAF-BAE5-10524742F6F1}" type="datetimeFigureOut">
               <a:rPr lang="en-CA" smtClean="0"/>
-              <a:t>2018-05-17</a:t>
+              <a:t>2018-05-28</a:t>
             </a:fld>
             <a:endParaRPr lang="en-CA"/>
           </a:p>
@@ -1347,7 +1347,7 @@
           <a:lstStyle/>
           <a:p>
             <a:r>
-              <a:rPr lang="en-US" smtClean="0"/>
+              <a:rPr lang="en-US"/>
               <a:t>Click to edit Master title style</a:t>
             </a:r>
             <a:endParaRPr lang="en-CA"/>
@@ -1413,7 +1413,7 @@
           <a:p>
             <a:pPr lvl="0"/>
             <a:r>
-              <a:rPr lang="en-US" smtClean="0"/>
+              <a:rPr lang="en-US"/>
               <a:t>Click to edit Master text styles</a:t>
             </a:r>
           </a:p>
@@ -1441,35 +1441,35 @@
           <a:p>
             <a:pPr lvl="0"/>
             <a:r>
-              <a:rPr lang="en-US" smtClean="0"/>
+              <a:rPr lang="en-US"/>
               <a:t>Click to edit Master text styles</a:t>
             </a:r>
           </a:p>
           <a:p>
             <a:pPr lvl="1"/>
             <a:r>
-              <a:rPr lang="en-US" smtClean="0"/>
+              <a:rPr lang="en-US"/>
               <a:t>Second level</a:t>
             </a:r>
           </a:p>
           <a:p>
             <a:pPr lvl="2"/>
             <a:r>
-              <a:rPr lang="en-US" smtClean="0"/>
+              <a:rPr lang="en-US"/>
               <a:t>Third level</a:t>
             </a:r>
           </a:p>
           <a:p>
             <a:pPr lvl="3"/>
             <a:r>
-              <a:rPr lang="en-US" smtClean="0"/>
+              <a:rPr lang="en-US"/>
               <a:t>Fourth level</a:t>
             </a:r>
           </a:p>
           <a:p>
             <a:pPr lvl="4"/>
             <a:r>
-              <a:rPr lang="en-US" smtClean="0"/>
+              <a:rPr lang="en-US"/>
               <a:t>Fifth level</a:t>
             </a:r>
             <a:endParaRPr lang="en-CA"/>
@@ -1535,7 +1535,7 @@
           <a:p>
             <a:pPr lvl="0"/>
             <a:r>
-              <a:rPr lang="en-US" smtClean="0"/>
+              <a:rPr lang="en-US"/>
               <a:t>Click to edit Master text styles</a:t>
             </a:r>
           </a:p>
@@ -1563,35 +1563,35 @@
           <a:p>
             <a:pPr lvl="0"/>
             <a:r>
-              <a:rPr lang="en-US" smtClean="0"/>
+              <a:rPr lang="en-US"/>
               <a:t>Click to edit Master text styles</a:t>
             </a:r>
           </a:p>
           <a:p>
             <a:pPr lvl="1"/>
             <a:r>
-              <a:rPr lang="en-US" smtClean="0"/>
+              <a:rPr lang="en-US"/>
               <a:t>Second level</a:t>
             </a:r>
           </a:p>
           <a:p>
             <a:pPr lvl="2"/>
             <a:r>
-              <a:rPr lang="en-US" smtClean="0"/>
+              <a:rPr lang="en-US"/>
               <a:t>Third level</a:t>
             </a:r>
           </a:p>
           <a:p>
             <a:pPr lvl="3"/>
             <a:r>
-              <a:rPr lang="en-US" smtClean="0"/>
+              <a:rPr lang="en-US"/>
               <a:t>Fourth level</a:t>
             </a:r>
           </a:p>
           <a:p>
             <a:pPr lvl="4"/>
             <a:r>
-              <a:rPr lang="en-US" smtClean="0"/>
+              <a:rPr lang="en-US"/>
               <a:t>Fifth level</a:t>
             </a:r>
             <a:endParaRPr lang="en-CA"/>
@@ -1615,7 +1615,7 @@
           <a:p>
             <a:fld id="{F7249F8D-641B-4CAF-BAE5-10524742F6F1}" type="datetimeFigureOut">
               <a:rPr lang="en-CA" smtClean="0"/>
-              <a:t>2018-05-17</a:t>
+              <a:t>2018-05-28</a:t>
             </a:fld>
             <a:endParaRPr lang="en-CA"/>
           </a:p>
@@ -1709,7 +1709,7 @@
           <a:lstStyle/>
           <a:p>
             <a:r>
-              <a:rPr lang="en-US" smtClean="0"/>
+              <a:rPr lang="en-US"/>
               <a:t>Click to edit Master title style</a:t>
             </a:r>
             <a:endParaRPr lang="en-CA"/>
@@ -1733,7 +1733,7 @@
           <a:p>
             <a:fld id="{F7249F8D-641B-4CAF-BAE5-10524742F6F1}" type="datetimeFigureOut">
               <a:rPr lang="en-CA" smtClean="0"/>
-              <a:t>2018-05-17</a:t>
+              <a:t>2018-05-28</a:t>
             </a:fld>
             <a:endParaRPr lang="en-CA"/>
           </a:p>
@@ -1828,7 +1828,7 @@
           <a:p>
             <a:fld id="{F7249F8D-641B-4CAF-BAE5-10524742F6F1}" type="datetimeFigureOut">
               <a:rPr lang="en-CA" smtClean="0"/>
-              <a:t>2018-05-17</a:t>
+              <a:t>2018-05-28</a:t>
             </a:fld>
             <a:endParaRPr lang="en-CA"/>
           </a:p>
@@ -1931,7 +1931,7 @@
           </a:lstStyle>
           <a:p>
             <a:r>
-              <a:rPr lang="en-US" smtClean="0"/>
+              <a:rPr lang="en-US"/>
               <a:t>Click to edit Master title style</a:t>
             </a:r>
             <a:endParaRPr lang="en-CA"/>
@@ -1988,35 +1988,35 @@
           <a:p>
             <a:pPr lvl="0"/>
             <a:r>
-              <a:rPr lang="en-US" smtClean="0"/>
+              <a:rPr lang="en-US"/>
               <a:t>Click to edit Master text styles</a:t>
             </a:r>
           </a:p>
           <a:p>
             <a:pPr lvl="1"/>
             <a:r>
-              <a:rPr lang="en-US" smtClean="0"/>
+              <a:rPr lang="en-US"/>
               <a:t>Second level</a:t>
             </a:r>
           </a:p>
           <a:p>
             <a:pPr lvl="2"/>
             <a:r>
-              <a:rPr lang="en-US" smtClean="0"/>
+              <a:rPr lang="en-US"/>
               <a:t>Third level</a:t>
             </a:r>
           </a:p>
           <a:p>
             <a:pPr lvl="3"/>
             <a:r>
-              <a:rPr lang="en-US" smtClean="0"/>
+              <a:rPr lang="en-US"/>
               <a:t>Fourth level</a:t>
             </a:r>
           </a:p>
           <a:p>
             <a:pPr lvl="4"/>
             <a:r>
-              <a:rPr lang="en-US" smtClean="0"/>
+              <a:rPr lang="en-US"/>
               <a:t>Fifth level</a:t>
             </a:r>
             <a:endParaRPr lang="en-CA"/>
@@ -2082,7 +2082,7 @@
           <a:p>
             <a:pPr lvl="0"/>
             <a:r>
-              <a:rPr lang="en-US" smtClean="0"/>
+              <a:rPr lang="en-US"/>
               <a:t>Click to edit Master text styles</a:t>
             </a:r>
           </a:p>
@@ -2105,7 +2105,7 @@
           <a:p>
             <a:fld id="{F7249F8D-641B-4CAF-BAE5-10524742F6F1}" type="datetimeFigureOut">
               <a:rPr lang="en-CA" smtClean="0"/>
-              <a:t>2018-05-17</a:t>
+              <a:t>2018-05-28</a:t>
             </a:fld>
             <a:endParaRPr lang="en-CA"/>
           </a:p>
@@ -2208,7 +2208,7 @@
           </a:lstStyle>
           <a:p>
             <a:r>
-              <a:rPr lang="en-US" smtClean="0"/>
+              <a:rPr lang="en-US"/>
               <a:t>Click to edit Master title style</a:t>
             </a:r>
             <a:endParaRPr lang="en-CA"/>
@@ -2335,7 +2335,7 @@
           <a:p>
             <a:pPr lvl="0"/>
             <a:r>
-              <a:rPr lang="en-US" smtClean="0"/>
+              <a:rPr lang="en-US"/>
               <a:t>Click to edit Master text styles</a:t>
             </a:r>
           </a:p>
@@ -2358,7 +2358,7 @@
           <a:p>
             <a:fld id="{F7249F8D-641B-4CAF-BAE5-10524742F6F1}" type="datetimeFigureOut">
               <a:rPr lang="en-CA" smtClean="0"/>
-              <a:t>2018-05-17</a:t>
+              <a:t>2018-05-28</a:t>
             </a:fld>
             <a:endParaRPr lang="en-CA"/>
           </a:p>
@@ -2467,7 +2467,7 @@
           <a:lstStyle/>
           <a:p>
             <a:r>
-              <a:rPr lang="en-US" smtClean="0"/>
+              <a:rPr lang="en-US"/>
               <a:t>Click to edit Master title style</a:t>
             </a:r>
             <a:endParaRPr lang="en-CA"/>
@@ -2501,35 +2501,35 @@
           <a:p>
             <a:pPr lvl="0"/>
             <a:r>
-              <a:rPr lang="en-US" smtClean="0"/>
+              <a:rPr lang="en-US"/>
               <a:t>Click to edit Master text styles</a:t>
             </a:r>
           </a:p>
           <a:p>
             <a:pPr lvl="1"/>
             <a:r>
-              <a:rPr lang="en-US" smtClean="0"/>
+              <a:rPr lang="en-US"/>
               <a:t>Second level</a:t>
             </a:r>
           </a:p>
           <a:p>
             <a:pPr lvl="2"/>
             <a:r>
-              <a:rPr lang="en-US" smtClean="0"/>
+              <a:rPr lang="en-US"/>
               <a:t>Third level</a:t>
             </a:r>
           </a:p>
           <a:p>
             <a:pPr lvl="3"/>
             <a:r>
-              <a:rPr lang="en-US" smtClean="0"/>
+              <a:rPr lang="en-US"/>
               <a:t>Fourth level</a:t>
             </a:r>
           </a:p>
           <a:p>
             <a:pPr lvl="4"/>
             <a:r>
-              <a:rPr lang="en-US" smtClean="0"/>
+              <a:rPr lang="en-US"/>
               <a:t>Fifth level</a:t>
             </a:r>
             <a:endParaRPr lang="en-CA"/>
@@ -2571,7 +2571,7 @@
           <a:p>
             <a:fld id="{F7249F8D-641B-4CAF-BAE5-10524742F6F1}" type="datetimeFigureOut">
               <a:rPr lang="en-CA" smtClean="0"/>
-              <a:t>2018-05-17</a:t>
+              <a:t>2018-05-28</a:t>
             </a:fld>
             <a:endParaRPr lang="en-CA"/>
           </a:p>
@@ -3150,16 +3150,12 @@
               <a:lstStyle/>
               <a:p>
                 <a:r>
-                  <a:rPr lang="en-CA" sz="2000" dirty="0" smtClean="0">
+                  <a:rPr lang="en-CA" sz="2000" dirty="0">
                     <a:latin typeface="Arial" panose="020B0604020202020204" pitchFamily="34" charset="0"/>
                     <a:cs typeface="Arial" panose="020B0604020202020204" pitchFamily="34" charset="0"/>
                   </a:rPr>
                   <a:t>x</a:t>
                 </a:r>
-                <a:endParaRPr lang="en-CA" sz="2000" dirty="0">
-                  <a:latin typeface="Arial" panose="020B0604020202020204" pitchFamily="34" charset="0"/>
-                  <a:cs typeface="Arial" panose="020B0604020202020204" pitchFamily="34" charset="0"/>
-                </a:endParaRPr>
               </a:p>
             </p:txBody>
           </p:sp>
@@ -3186,16 +3182,12 @@
               <a:lstStyle/>
               <a:p>
                 <a:r>
-                  <a:rPr lang="en-CA" sz="2000" dirty="0" smtClean="0">
+                  <a:rPr lang="en-CA" sz="2000" dirty="0">
                     <a:latin typeface="Arial" panose="020B0604020202020204" pitchFamily="34" charset="0"/>
                     <a:cs typeface="Arial" panose="020B0604020202020204" pitchFamily="34" charset="0"/>
                   </a:rPr>
                   <a:t>0m</a:t>
                 </a:r>
-                <a:endParaRPr lang="en-CA" sz="2000" dirty="0">
-                  <a:latin typeface="Arial" panose="020B0604020202020204" pitchFamily="34" charset="0"/>
-                  <a:cs typeface="Arial" panose="020B0604020202020204" pitchFamily="34" charset="0"/>
-                </a:endParaRPr>
               </a:p>
             </p:txBody>
           </p:sp>
@@ -3295,16 +3287,12 @@
               <a:lstStyle/>
               <a:p>
                 <a:r>
-                  <a:rPr lang="en-CA" sz="2000" dirty="0" smtClean="0">
+                  <a:rPr lang="en-CA" sz="2000" dirty="0">
                     <a:latin typeface="Arial" panose="020B0604020202020204" pitchFamily="34" charset="0"/>
                     <a:cs typeface="Arial" panose="020B0604020202020204" pitchFamily="34" charset="0"/>
                   </a:rPr>
                   <a:t>x = 0.5 m</a:t>
                 </a:r>
-                <a:endParaRPr lang="en-CA" sz="2000" dirty="0">
-                  <a:latin typeface="Arial" panose="020B0604020202020204" pitchFamily="34" charset="0"/>
-                  <a:cs typeface="Arial" panose="020B0604020202020204" pitchFamily="34" charset="0"/>
-                </a:endParaRPr>
               </a:p>
             </p:txBody>
           </p:sp>
@@ -3401,7 +3389,7 @@
             <a:lstStyle/>
             <a:p>
               <a:r>
-                <a:rPr lang="en-CA" dirty="0" smtClean="0">
+                <a:rPr lang="en-CA" dirty="0">
                   <a:latin typeface="Arial" panose="020B0604020202020204" pitchFamily="34" charset="0"/>
                   <a:cs typeface="Arial" panose="020B0604020202020204" pitchFamily="34" charset="0"/>
                 </a:rPr>
@@ -3433,7 +3421,7 @@
             <a:lstStyle/>
             <a:p>
               <a:r>
-                <a:rPr lang="en-CA" dirty="0" smtClean="0">
+                <a:rPr lang="en-CA" dirty="0">
                   <a:latin typeface="Arial" panose="020B0604020202020204" pitchFamily="34" charset="0"/>
                   <a:cs typeface="Arial" panose="020B0604020202020204" pitchFamily="34" charset="0"/>
                 </a:rPr>
@@ -3583,16 +3571,12 @@
               <a:lstStyle/>
               <a:p>
                 <a:r>
-                  <a:rPr lang="en-CA" sz="2000" dirty="0" smtClean="0">
+                  <a:rPr lang="en-CA" sz="2000" dirty="0">
                     <a:latin typeface="Arial" panose="020B0604020202020204" pitchFamily="34" charset="0"/>
                     <a:cs typeface="Arial" panose="020B0604020202020204" pitchFamily="34" charset="0"/>
                   </a:rPr>
                   <a:t>x</a:t>
                 </a:r>
-                <a:endParaRPr lang="en-CA" sz="2000" dirty="0">
-                  <a:latin typeface="Arial" panose="020B0604020202020204" pitchFamily="34" charset="0"/>
-                  <a:cs typeface="Arial" panose="020B0604020202020204" pitchFamily="34" charset="0"/>
-                </a:endParaRPr>
               </a:p>
             </p:txBody>
           </p:sp>
@@ -3619,16 +3603,12 @@
               <a:lstStyle/>
               <a:p>
                 <a:r>
-                  <a:rPr lang="en-CA" sz="2000" dirty="0" smtClean="0">
+                  <a:rPr lang="en-CA" sz="2000" dirty="0">
                     <a:latin typeface="Arial" panose="020B0604020202020204" pitchFamily="34" charset="0"/>
                     <a:cs typeface="Arial" panose="020B0604020202020204" pitchFamily="34" charset="0"/>
                   </a:rPr>
                   <a:t>x = 0</a:t>
                 </a:r>
-                <a:endParaRPr lang="en-CA" sz="2000" dirty="0">
-                  <a:latin typeface="Arial" panose="020B0604020202020204" pitchFamily="34" charset="0"/>
-                  <a:cs typeface="Arial" panose="020B0604020202020204" pitchFamily="34" charset="0"/>
-                </a:endParaRPr>
               </a:p>
             </p:txBody>
           </p:sp>
@@ -3764,14 +3744,7 @@
                   <a:latin typeface="Arial" panose="020B0604020202020204" pitchFamily="34" charset="0"/>
                   <a:cs typeface="Arial" panose="020B0604020202020204" pitchFamily="34" charset="0"/>
                 </a:rPr>
-                <a:t>1</a:t>
-              </a:r>
-              <a:r>
-                <a:rPr lang="en-CA" dirty="0" smtClean="0">
-                  <a:latin typeface="Arial" panose="020B0604020202020204" pitchFamily="34" charset="0"/>
-                  <a:cs typeface="Arial" panose="020B0604020202020204" pitchFamily="34" charset="0"/>
-                </a:rPr>
-                <a:t>m</a:t>
+                <a:t>1m</a:t>
               </a:r>
               <a:endParaRPr lang="en-CA" dirty="0"/>
             </a:p>
@@ -3799,7 +3772,7 @@
             <a:lstStyle/>
             <a:p>
               <a:r>
-                <a:rPr lang="en-CA" dirty="0" smtClean="0">
+                <a:rPr lang="en-CA" dirty="0">
                   <a:latin typeface="Arial" panose="020B0604020202020204" pitchFamily="34" charset="0"/>
                   <a:cs typeface="Arial" panose="020B0604020202020204" pitchFamily="34" charset="0"/>
                 </a:rPr>
@@ -4198,13 +4171,6 @@
   <p:clrMapOvr>
     <a:masterClrMapping/>
   </p:clrMapOvr>
-  <p:timing>
-    <p:tnLst>
-      <p:par>
-        <p:cTn id="1" dur="indefinite" restart="never" nodeType="tmRoot"/>
-      </p:par>
-    </p:tnLst>
-  </p:timing>
 </p:sld>
 </file>
 
@@ -4388,7 +4354,7 @@
                       </m:oMath>
                     </m:oMathPara>
                   </a14:m>
-                  <a:endParaRPr lang="en-CA" sz="2000" dirty="0" smtClean="0">
+                  <a:endParaRPr lang="en-CA" sz="2000" dirty="0">
                     <a:latin typeface="Arial" panose="020B0604020202020204" pitchFamily="34" charset="0"/>
                     <a:cs typeface="Arial" panose="020B0604020202020204" pitchFamily="34" charset="0"/>
                   </a:endParaRPr>
@@ -4617,7 +4583,7 @@
                       </m:oMath>
                     </m:oMathPara>
                   </a14:m>
-                  <a:endParaRPr lang="en-CA" sz="2000" dirty="0" smtClean="0">
+                  <a:endParaRPr lang="en-CA" sz="2000" dirty="0">
                     <a:latin typeface="Arial" panose="020B0604020202020204" pitchFamily="34" charset="0"/>
                     <a:cs typeface="Arial" panose="020B0604020202020204" pitchFamily="34" charset="0"/>
                   </a:endParaRPr>
@@ -4762,7 +4728,7 @@
                       </m:oMath>
                     </m:oMathPara>
                   </a14:m>
-                  <a:endParaRPr lang="en-CA" sz="2000" dirty="0" smtClean="0">
+                  <a:endParaRPr lang="en-CA" sz="2000" dirty="0">
                     <a:latin typeface="Arial" panose="020B0604020202020204" pitchFamily="34" charset="0"/>
                     <a:cs typeface="Arial" panose="020B0604020202020204" pitchFamily="34" charset="0"/>
                   </a:endParaRPr>
@@ -4850,7 +4816,7 @@
                       </m:oMath>
                     </m:oMathPara>
                   </a14:m>
-                  <a:endParaRPr lang="en-CA" sz="2000" dirty="0" smtClean="0">
+                  <a:endParaRPr lang="en-CA" sz="2000" dirty="0">
                     <a:latin typeface="Arial" panose="020B0604020202020204" pitchFamily="34" charset="0"/>
                     <a:cs typeface="Arial" panose="020B0604020202020204" pitchFamily="34" charset="0"/>
                   </a:endParaRPr>
@@ -4938,7 +4904,7 @@
                       </m:oMath>
                     </m:oMathPara>
                   </a14:m>
-                  <a:endParaRPr lang="en-CA" sz="2000" dirty="0" smtClean="0">
+                  <a:endParaRPr lang="en-CA" sz="2000" dirty="0">
                     <a:latin typeface="Arial" panose="020B0604020202020204" pitchFamily="34" charset="0"/>
                     <a:cs typeface="Arial" panose="020B0604020202020204" pitchFamily="34" charset="0"/>
                   </a:endParaRPr>
@@ -5818,7 +5784,7 @@
                             </m:oMath>
                           </a14:m>
                           <a:r>
-                            <a:rPr lang="en-CA" sz="2000" dirty="0" smtClean="0">
+                            <a:rPr lang="en-CA" sz="2000" dirty="0">
                               <a:latin typeface="Arial" panose="020B0604020202020204" pitchFamily="34" charset="0"/>
                               <a:cs typeface="Arial" panose="020B0604020202020204" pitchFamily="34" charset="0"/>
                             </a:rPr>
@@ -5908,7 +5874,7 @@
                               </m:oMath>
                             </m:oMathPara>
                           </a14:m>
-                          <a:endParaRPr lang="en-CA" sz="2000" dirty="0" smtClean="0">
+                          <a:endParaRPr lang="en-CA" sz="2000" dirty="0">
                             <a:latin typeface="Arial" panose="020B0604020202020204" pitchFamily="34" charset="0"/>
                             <a:cs typeface="Arial" panose="020B0604020202020204" pitchFamily="34" charset="0"/>
                           </a:endParaRPr>
@@ -6604,7 +6570,7 @@
                               </m:oMath>
                             </m:oMathPara>
                           </a14:m>
-                          <a:endParaRPr lang="en-CA" sz="2000" dirty="0" smtClean="0">
+                          <a:endParaRPr lang="en-CA" sz="2000" dirty="0">
                             <a:latin typeface="Arial" panose="020B0604020202020204" pitchFamily="34" charset="0"/>
                             <a:cs typeface="Arial" panose="020B0604020202020204" pitchFamily="34" charset="0"/>
                           </a:endParaRPr>
@@ -7003,7 +6969,7 @@
                         </m:oMath>
                       </m:oMathPara>
                     </a14:m>
-                    <a:endParaRPr lang="en-CA" sz="2000" dirty="0" smtClean="0">
+                    <a:endParaRPr lang="en-CA" sz="2000" dirty="0">
                       <a:latin typeface="Arial" panose="020B0604020202020204" pitchFamily="34" charset="0"/>
                       <a:cs typeface="Arial" panose="020B0604020202020204" pitchFamily="34" charset="0"/>
                     </a:endParaRPr>
@@ -7189,7 +7155,7 @@
                         </m:oMath>
                       </m:oMathPara>
                     </a14:m>
-                    <a:endParaRPr lang="en-CA" sz="2000" dirty="0" smtClean="0">
+                    <a:endParaRPr lang="en-CA" sz="2000" dirty="0">
                       <a:latin typeface="Arial" panose="020B0604020202020204" pitchFamily="34" charset="0"/>
                       <a:cs typeface="Arial" panose="020B0604020202020204" pitchFamily="34" charset="0"/>
                     </a:endParaRPr>
@@ -7539,7 +7505,7 @@
                       </m:oMath>
                     </m:oMathPara>
                   </a14:m>
-                  <a:endParaRPr lang="en-CA" sz="2000" dirty="0" smtClean="0">
+                  <a:endParaRPr lang="en-CA" sz="2000" dirty="0">
                     <a:latin typeface="Arial" panose="020B0604020202020204" pitchFamily="34" charset="0"/>
                     <a:cs typeface="Arial" panose="020B0604020202020204" pitchFamily="34" charset="0"/>
                   </a:endParaRPr>
@@ -7726,7 +7692,7 @@
                       </m:oMath>
                     </m:oMathPara>
                   </a14:m>
-                  <a:endParaRPr lang="en-CA" sz="2000" dirty="0" smtClean="0">
+                  <a:endParaRPr lang="en-CA" sz="2000" dirty="0">
                     <a:latin typeface="Arial" panose="020B0604020202020204" pitchFamily="34" charset="0"/>
                     <a:cs typeface="Arial" panose="020B0604020202020204" pitchFamily="34" charset="0"/>
                   </a:endParaRPr>
@@ -7871,7 +7837,7 @@
                       </m:oMath>
                     </m:oMathPara>
                   </a14:m>
-                  <a:endParaRPr lang="en-CA" sz="2000" dirty="0" smtClean="0">
+                  <a:endParaRPr lang="en-CA" sz="2000" dirty="0">
                     <a:latin typeface="Arial" panose="020B0604020202020204" pitchFamily="34" charset="0"/>
                     <a:cs typeface="Arial" panose="020B0604020202020204" pitchFamily="34" charset="0"/>
                   </a:endParaRPr>
@@ -7959,7 +7925,7 @@
                       </m:oMath>
                     </m:oMathPara>
                   </a14:m>
-                  <a:endParaRPr lang="en-CA" sz="2000" dirty="0" smtClean="0">
+                  <a:endParaRPr lang="en-CA" sz="2000" dirty="0">
                     <a:latin typeface="Arial" panose="020B0604020202020204" pitchFamily="34" charset="0"/>
                     <a:cs typeface="Arial" panose="020B0604020202020204" pitchFamily="34" charset="0"/>
                   </a:endParaRPr>
@@ -8047,7 +8013,7 @@
                       </m:oMath>
                     </m:oMathPara>
                   </a14:m>
-                  <a:endParaRPr lang="en-CA" sz="2000" dirty="0" smtClean="0">
+                  <a:endParaRPr lang="en-CA" sz="2000" dirty="0">
                     <a:latin typeface="Arial" panose="020B0604020202020204" pitchFamily="34" charset="0"/>
                     <a:cs typeface="Arial" panose="020B0604020202020204" pitchFamily="34" charset="0"/>
                   </a:endParaRPr>
@@ -8210,13 +8176,6 @@
   <p:clrMapOvr>
     <a:masterClrMapping/>
   </p:clrMapOvr>
-  <p:timing>
-    <p:tnLst>
-      <p:par>
-        <p:cTn id="1" dur="indefinite" restart="never" nodeType="tmRoot"/>
-      </p:par>
-    </p:tnLst>
-  </p:timing>
 </p:sld>
 </file>
 
@@ -10556,10 +10515,9 @@
                     </m:oMath>
                   </a14:m>
                   <a:r>
-                    <a:rPr lang="en-CA" dirty="0" smtClean="0"/>
+                    <a:rPr lang="en-CA" dirty="0"/>
                     <a:t> </a:t>
                   </a:r>
-                  <a:endParaRPr lang="en-CA" dirty="0"/>
                 </a:p>
               </p:txBody>
             </p:sp>
@@ -14702,7 +14660,7 @@
                       </m:oMath>
                     </m:oMathPara>
                   </a14:m>
-                  <a:endParaRPr lang="en-US" sz="2000" dirty="0" smtClean="0">
+                  <a:endParaRPr lang="en-US" sz="2000" dirty="0">
                     <a:latin typeface="Arial" panose="020B0604020202020204" pitchFamily="34" charset="0"/>
                     <a:cs typeface="Arial" panose="020B0604020202020204" pitchFamily="34" charset="0"/>
                   </a:endParaRPr>
@@ -14824,7 +14782,7 @@
                       </m:oMath>
                     </m:oMathPara>
                   </a14:m>
-                  <a:endParaRPr lang="en-US" sz="2000" dirty="0" smtClean="0">
+                  <a:endParaRPr lang="en-US" sz="2000" dirty="0">
                     <a:latin typeface="Arial" panose="020B0604020202020204" pitchFamily="34" charset="0"/>
                     <a:cs typeface="Arial" panose="020B0604020202020204" pitchFamily="34" charset="0"/>
                   </a:endParaRPr>
@@ -16225,7 +16183,7 @@
                       </m:oMath>
                     </m:oMathPara>
                   </a14:m>
-                  <a:endParaRPr lang="en-US" sz="2000" dirty="0" smtClean="0">
+                  <a:endParaRPr lang="en-US" sz="2000" dirty="0">
                     <a:latin typeface="Arial" panose="020B0604020202020204" pitchFamily="34" charset="0"/>
                     <a:cs typeface="Arial" panose="020B0604020202020204" pitchFamily="34" charset="0"/>
                   </a:endParaRPr>
@@ -16347,7 +16305,7 @@
                       </m:oMath>
                     </m:oMathPara>
                   </a14:m>
-                  <a:endParaRPr lang="en-US" sz="2000" dirty="0" smtClean="0">
+                  <a:endParaRPr lang="en-US" sz="2000" dirty="0">
                     <a:latin typeface="Arial" panose="020B0604020202020204" pitchFamily="34" charset="0"/>
                     <a:cs typeface="Arial" panose="020B0604020202020204" pitchFamily="34" charset="0"/>
                   </a:endParaRPr>
@@ -16405,13 +16363,6 @@
   <p:clrMapOvr>
     <a:masterClrMapping/>
   </p:clrMapOvr>
-  <p:timing>
-    <p:tnLst>
-      <p:par>
-        <p:cTn id="1" dur="indefinite" restart="never" nodeType="tmRoot"/>
-      </p:par>
-    </p:tnLst>
-  </p:timing>
 </p:sld>
 </file>
 
@@ -18512,7 +18463,7 @@
                         </m:oMath>
                       </m:oMathPara>
                     </a14:m>
-                    <a:endParaRPr lang="en-US" b="0" dirty="0" smtClean="0"/>
+                    <a:endParaRPr lang="en-US" b="0" dirty="0"/>
                   </a:p>
                 </p:txBody>
               </p:sp>
@@ -23417,13 +23368,6 @@
   <p:clrMapOvr>
     <a:masterClrMapping/>
   </p:clrMapOvr>
-  <p:timing>
-    <p:tnLst>
-      <p:par>
-        <p:cTn id="1" dur="indefinite" restart="never" nodeType="tmRoot"/>
-      </p:par>
-    </p:tnLst>
-  </p:timing>
 </p:sld>
 </file>
 
@@ -23517,10 +23461,9 @@
               <a:p>
                 <a:pPr algn="ctr"/>
                 <a:r>
-                  <a:rPr lang="en-CA" dirty="0" smtClean="0"/>
+                  <a:rPr lang="en-CA" dirty="0"/>
                   <a:t>B</a:t>
                 </a:r>
-                <a:endParaRPr lang="en-CA" dirty="0"/>
               </a:p>
             </p:txBody>
           </p:sp>
@@ -23947,10 +23890,9 @@
               <a:p>
                 <a:pPr algn="ctr"/>
                 <a:r>
-                  <a:rPr lang="en-CA" dirty="0" smtClean="0"/>
+                  <a:rPr lang="en-CA" dirty="0"/>
                   <a:t>A</a:t>
                 </a:r>
-                <a:endParaRPr lang="en-CA" dirty="0"/>
               </a:p>
             </p:txBody>
           </p:sp>
@@ -24179,10 +24121,9 @@
                           </m:oMath>
                         </a14:m>
                         <a:r>
-                          <a:rPr lang="en-CA" dirty="0" smtClean="0"/>
+                          <a:rPr lang="en-CA" dirty="0"/>
                           <a:t>’</a:t>
                         </a:r>
-                        <a:endParaRPr lang="en-CA" dirty="0"/>
                       </a:p>
                     </p:txBody>
                   </p:sp>
@@ -24396,7 +24337,7 @@
               <a:lstStyle/>
               <a:p>
                 <a:r>
-                  <a:rPr lang="en-CA" sz="2000" dirty="0" smtClean="0">
+                  <a:rPr lang="en-CA" sz="2000" dirty="0">
                     <a:latin typeface="Arial" panose="020B0604020202020204" pitchFamily="34" charset="0"/>
                     <a:cs typeface="Arial" panose="020B0604020202020204" pitchFamily="34" charset="0"/>
                   </a:rPr>
@@ -24428,7 +24369,7 @@
               <a:lstStyle/>
               <a:p>
                 <a:r>
-                  <a:rPr lang="en-CA" sz="2000" dirty="0" smtClean="0">
+                  <a:rPr lang="en-CA" sz="2000" dirty="0">
                     <a:latin typeface="Arial" panose="020B0604020202020204" pitchFamily="34" charset="0"/>
                     <a:cs typeface="Arial" panose="020B0604020202020204" pitchFamily="34" charset="0"/>
                   </a:rPr>
@@ -25107,13 +25048,6 @@
   <p:clrMapOvr>
     <a:masterClrMapping/>
   </p:clrMapOvr>
-  <p:timing>
-    <p:tnLst>
-      <p:par>
-        <p:cTn id="1" dur="indefinite" restart="never" nodeType="tmRoot"/>
-      </p:par>
-    </p:tnLst>
-  </p:timing>
 </p:sld>
 </file>
 
@@ -25850,7 +25784,7 @@
                       </m:oMath>
                     </m:oMathPara>
                   </a14:m>
-                  <a:endParaRPr lang="en-US" sz="2000" dirty="0" smtClean="0">
+                  <a:endParaRPr lang="en-US" sz="2000" dirty="0">
                     <a:latin typeface="Arial" panose="020B0604020202020204" pitchFamily="34" charset="0"/>
                     <a:cs typeface="Arial" panose="020B0604020202020204" pitchFamily="34" charset="0"/>
                   </a:endParaRPr>
@@ -25959,7 +25893,7 @@
                       </m:oMath>
                     </m:oMathPara>
                   </a14:m>
-                  <a:endParaRPr lang="en-US" sz="2000" dirty="0" smtClean="0">
+                  <a:endParaRPr lang="en-US" sz="2000" dirty="0">
                     <a:latin typeface="Arial" panose="020B0604020202020204" pitchFamily="34" charset="0"/>
                     <a:cs typeface="Arial" panose="020B0604020202020204" pitchFamily="34" charset="0"/>
                   </a:endParaRPr>
@@ -26119,7 +26053,7 @@
                       </m:oMath>
                     </m:oMathPara>
                   </a14:m>
-                  <a:endParaRPr lang="en-US" sz="2000" dirty="0" smtClean="0">
+                  <a:endParaRPr lang="en-US" sz="2000" dirty="0">
                     <a:latin typeface="Arial" panose="020B0604020202020204" pitchFamily="34" charset="0"/>
                     <a:cs typeface="Arial" panose="020B0604020202020204" pitchFamily="34" charset="0"/>
                   </a:endParaRPr>
@@ -29550,7 +29484,7 @@
                       </m:oMath>
                     </m:oMathPara>
                   </a14:m>
-                  <a:endParaRPr lang="en-US" sz="2000" dirty="0" smtClean="0">
+                  <a:endParaRPr lang="en-US" sz="2000" dirty="0">
                     <a:latin typeface="Arial" panose="020B0604020202020204" pitchFamily="34" charset="0"/>
                     <a:cs typeface="Arial" panose="020B0604020202020204" pitchFamily="34" charset="0"/>
                   </a:endParaRPr>
@@ -30068,7 +30002,7 @@
                       </m:oMath>
                     </m:oMathPara>
                   </a14:m>
-                  <a:endParaRPr lang="en-US" sz="2000" dirty="0" smtClean="0">
+                  <a:endParaRPr lang="en-US" sz="2000" dirty="0">
                     <a:latin typeface="Arial" panose="020B0604020202020204" pitchFamily="34" charset="0"/>
                     <a:cs typeface="Arial" panose="020B0604020202020204" pitchFamily="34" charset="0"/>
                   </a:endParaRPr>
@@ -30169,7 +30103,7 @@
                       </m:oMath>
                     </m:oMathPara>
                   </a14:m>
-                  <a:endParaRPr lang="en-US" sz="2000" dirty="0" smtClean="0">
+                  <a:endParaRPr lang="en-US" sz="2000" dirty="0">
                     <a:latin typeface="Arial" panose="020B0604020202020204" pitchFamily="34" charset="0"/>
                     <a:cs typeface="Arial" panose="020B0604020202020204" pitchFamily="34" charset="0"/>
                   </a:endParaRPr>
@@ -30270,7 +30204,7 @@
                       </m:oMath>
                     </m:oMathPara>
                   </a14:m>
-                  <a:endParaRPr lang="en-US" sz="2000" dirty="0" smtClean="0">
+                  <a:endParaRPr lang="en-US" sz="2000" dirty="0">
                     <a:latin typeface="Arial" panose="020B0604020202020204" pitchFamily="34" charset="0"/>
                     <a:cs typeface="Arial" panose="020B0604020202020204" pitchFamily="34" charset="0"/>
                   </a:endParaRPr>
@@ -30328,13 +30262,6 @@
   <p:clrMapOvr>
     <a:masterClrMapping/>
   </p:clrMapOvr>
-  <p:timing>
-    <p:tnLst>
-      <p:par>
-        <p:cTn id="1" dur="indefinite" restart="never" nodeType="tmRoot"/>
-      </p:par>
-    </p:tnLst>
-  </p:timing>
 </p:sld>
 </file>
 
@@ -30605,7 +30532,7 @@
                         </m:oMath>
                       </m:oMathPara>
                     </a14:m>
-                    <a:endParaRPr lang="en-US" sz="2000" dirty="0" smtClean="0">
+                    <a:endParaRPr lang="en-US" sz="2000" dirty="0">
                       <a:latin typeface="Arial" panose="020B0604020202020204" pitchFamily="34" charset="0"/>
                       <a:cs typeface="Arial" panose="020B0604020202020204" pitchFamily="34" charset="0"/>
                     </a:endParaRPr>
@@ -30706,7 +30633,7 @@
                         </m:oMath>
                       </m:oMathPara>
                     </a14:m>
-                    <a:endParaRPr lang="en-US" sz="2000" dirty="0" smtClean="0">
+                    <a:endParaRPr lang="en-US" sz="2000" dirty="0">
                       <a:latin typeface="Arial" panose="020B0604020202020204" pitchFamily="34" charset="0"/>
                       <a:cs typeface="Arial" panose="020B0604020202020204" pitchFamily="34" charset="0"/>
                     </a:endParaRPr>
@@ -30795,7 +30722,7 @@
                       </m:oMath>
                     </m:oMathPara>
                   </a14:m>
-                  <a:endParaRPr lang="en-US" sz="2000" dirty="0" smtClean="0">
+                  <a:endParaRPr lang="en-US" sz="2000" dirty="0">
                     <a:latin typeface="Arial" panose="020B0604020202020204" pitchFamily="34" charset="0"/>
                     <a:cs typeface="Arial" panose="020B0604020202020204" pitchFamily="34" charset="0"/>
                   </a:endParaRPr>
@@ -31049,7 +30976,7 @@
                       </m:oMath>
                     </m:oMathPara>
                   </a14:m>
-                  <a:endParaRPr lang="en-US" sz="2000" dirty="0" smtClean="0">
+                  <a:endParaRPr lang="en-US" sz="2000" dirty="0">
                     <a:latin typeface="Arial" panose="020B0604020202020204" pitchFamily="34" charset="0"/>
                     <a:cs typeface="Arial" panose="020B0604020202020204" pitchFamily="34" charset="0"/>
                   </a:endParaRPr>
@@ -31186,7 +31113,7 @@
                       </m:oMath>
                     </m:oMathPara>
                   </a14:m>
-                  <a:endParaRPr lang="en-US" sz="2000" dirty="0" smtClean="0">
+                  <a:endParaRPr lang="en-US" sz="2000" dirty="0">
                     <a:latin typeface="Arial" panose="020B0604020202020204" pitchFamily="34" charset="0"/>
                     <a:cs typeface="Arial" panose="020B0604020202020204" pitchFamily="34" charset="0"/>
                   </a:endParaRPr>
@@ -31323,7 +31250,7 @@
                       </m:oMath>
                     </m:oMathPara>
                   </a14:m>
-                  <a:endParaRPr lang="en-US" sz="2000" dirty="0" smtClean="0">
+                  <a:endParaRPr lang="en-US" sz="2000" dirty="0">
                     <a:latin typeface="Arial" panose="020B0604020202020204" pitchFamily="34" charset="0"/>
                     <a:cs typeface="Arial" panose="020B0604020202020204" pitchFamily="34" charset="0"/>
                   </a:endParaRPr>
@@ -31424,7 +31351,7 @@
                       </m:oMath>
                     </m:oMathPara>
                   </a14:m>
-                  <a:endParaRPr lang="en-US" sz="2000" dirty="0" smtClean="0">
+                  <a:endParaRPr lang="en-US" sz="2000" dirty="0">
                     <a:latin typeface="Arial" panose="020B0604020202020204" pitchFamily="34" charset="0"/>
                     <a:cs typeface="Arial" panose="020B0604020202020204" pitchFamily="34" charset="0"/>
                   </a:endParaRPr>
@@ -31596,7 +31523,7 @@
                       </m:oMath>
                     </m:oMathPara>
                   </a14:m>
-                  <a:endParaRPr lang="en-US" sz="2000" dirty="0" smtClean="0">
+                  <a:endParaRPr lang="en-US" sz="2000" dirty="0">
                     <a:latin typeface="Arial" panose="020B0604020202020204" pitchFamily="34" charset="0"/>
                     <a:cs typeface="Arial" panose="020B0604020202020204" pitchFamily="34" charset="0"/>
                   </a:endParaRPr>
@@ -31819,7 +31746,7 @@
                       </m:oMath>
                     </m:oMathPara>
                   </a14:m>
-                  <a:endParaRPr lang="en-US" sz="2000" dirty="0" smtClean="0">
+                  <a:endParaRPr lang="en-US" sz="2000" dirty="0">
                     <a:latin typeface="Arial" panose="020B0604020202020204" pitchFamily="34" charset="0"/>
                     <a:cs typeface="Arial" panose="020B0604020202020204" pitchFamily="34" charset="0"/>
                   </a:endParaRPr>
@@ -32035,7 +31962,7 @@
                         </m:oMath>
                       </m:oMathPara>
                     </a14:m>
-                    <a:endParaRPr lang="en-US" sz="2000" dirty="0" smtClean="0">
+                    <a:endParaRPr lang="en-US" sz="2000" dirty="0">
                       <a:latin typeface="Arial" panose="020B0604020202020204" pitchFamily="34" charset="0"/>
                       <a:cs typeface="Arial" panose="020B0604020202020204" pitchFamily="34" charset="0"/>
                     </a:endParaRPr>
@@ -32287,7 +32214,7 @@
                         </m:oMath>
                       </m:oMathPara>
                     </a14:m>
-                    <a:endParaRPr lang="en-US" sz="2000" dirty="0" smtClean="0">
+                    <a:endParaRPr lang="en-US" sz="2000" dirty="0">
                       <a:latin typeface="Arial" panose="020B0604020202020204" pitchFamily="34" charset="0"/>
                       <a:cs typeface="Arial" panose="020B0604020202020204" pitchFamily="34" charset="0"/>
                     </a:endParaRPr>
@@ -32394,13 +32321,6 @@
   <p:clrMapOvr>
     <a:masterClrMapping/>
   </p:clrMapOvr>
-  <p:timing>
-    <p:tnLst>
-      <p:par>
-        <p:cTn id="1" dur="indefinite" restart="never" nodeType="tmRoot"/>
-      </p:par>
-    </p:tnLst>
-  </p:timing>
 </p:sld>
 </file>
 
@@ -32421,6 +32341,1138 @@
           <a:chExt cx="0" cy="0"/>
         </a:xfrm>
       </p:grpSpPr>
+      <p:grpSp>
+        <p:nvGrpSpPr>
+          <p:cNvPr id="44" name="Group 43">
+            <a:extLst>
+              <a:ext uri="{FF2B5EF4-FFF2-40B4-BE49-F238E27FC236}">
+                <a16:creationId xmlns:a16="http://schemas.microsoft.com/office/drawing/2014/main" id="{8EAE65FF-F414-D844-9101-81534457BB78}"/>
+              </a:ext>
+            </a:extLst>
+          </p:cNvPr>
+          <p:cNvGrpSpPr/>
+          <p:nvPr/>
+        </p:nvGrpSpPr>
+        <p:grpSpPr>
+          <a:xfrm>
+            <a:off x="814544" y="1337655"/>
+            <a:ext cx="4732816" cy="3651245"/>
+            <a:chOff x="814544" y="1337655"/>
+            <a:chExt cx="4732816" cy="3651245"/>
+          </a:xfrm>
+        </p:grpSpPr>
+        <p:sp>
+          <p:nvSpPr>
+            <p:cNvPr id="2" name="Rectangle 1">
+              <a:extLst>
+                <a:ext uri="{FF2B5EF4-FFF2-40B4-BE49-F238E27FC236}">
+                  <a16:creationId xmlns:a16="http://schemas.microsoft.com/office/drawing/2014/main" id="{A317D95F-AD9F-354A-84CF-AB37E58FD834}"/>
+                </a:ext>
+              </a:extLst>
+            </p:cNvPr>
+            <p:cNvSpPr/>
+            <p:nvPr/>
+          </p:nvSpPr>
+          <p:spPr>
+            <a:xfrm>
+              <a:off x="1622072" y="2604655"/>
+              <a:ext cx="1101997" cy="1725814"/>
+            </a:xfrm>
+            <a:prstGeom prst="rect">
+              <a:avLst/>
+            </a:prstGeom>
+            <a:noFill/>
+            <a:ln w="38100">
+              <a:solidFill>
+                <a:schemeClr val="tx1"/>
+              </a:solidFill>
+            </a:ln>
+          </p:spPr>
+          <p:style>
+            <a:lnRef idx="2">
+              <a:schemeClr val="accent1">
+                <a:shade val="50000"/>
+              </a:schemeClr>
+            </a:lnRef>
+            <a:fillRef idx="1">
+              <a:schemeClr val="accent1"/>
+            </a:fillRef>
+            <a:effectRef idx="0">
+              <a:schemeClr val="accent1"/>
+            </a:effectRef>
+            <a:fontRef idx="minor">
+              <a:schemeClr val="lt1"/>
+            </a:fontRef>
+          </p:style>
+          <p:txBody>
+            <a:bodyPr rtlCol="0" anchor="ctr"/>
+            <a:lstStyle/>
+            <a:p>
+              <a:pPr algn="ctr"/>
+              <a:endParaRPr lang="en-US"/>
+            </a:p>
+          </p:txBody>
+        </p:sp>
+        <p:sp>
+          <p:nvSpPr>
+            <p:cNvPr id="3" name="Rectangle 2">
+              <a:extLst>
+                <a:ext uri="{FF2B5EF4-FFF2-40B4-BE49-F238E27FC236}">
+                  <a16:creationId xmlns:a16="http://schemas.microsoft.com/office/drawing/2014/main" id="{6F8E2D6F-F584-5A44-A64A-632FB5C60417}"/>
+                </a:ext>
+              </a:extLst>
+            </p:cNvPr>
+            <p:cNvSpPr/>
+            <p:nvPr/>
+          </p:nvSpPr>
+          <p:spPr>
+            <a:xfrm>
+              <a:off x="2773056" y="2604655"/>
+              <a:ext cx="1101997" cy="1725814"/>
+            </a:xfrm>
+            <a:prstGeom prst="rect">
+              <a:avLst/>
+            </a:prstGeom>
+            <a:noFill/>
+            <a:ln w="38100">
+              <a:solidFill>
+                <a:schemeClr val="tx1"/>
+              </a:solidFill>
+            </a:ln>
+          </p:spPr>
+          <p:style>
+            <a:lnRef idx="2">
+              <a:schemeClr val="accent1">
+                <a:shade val="50000"/>
+              </a:schemeClr>
+            </a:lnRef>
+            <a:fillRef idx="1">
+              <a:schemeClr val="accent1"/>
+            </a:fillRef>
+            <a:effectRef idx="0">
+              <a:schemeClr val="accent1"/>
+            </a:effectRef>
+            <a:fontRef idx="minor">
+              <a:schemeClr val="lt1"/>
+            </a:fontRef>
+          </p:style>
+          <p:txBody>
+            <a:bodyPr rtlCol="0" anchor="ctr"/>
+            <a:lstStyle/>
+            <a:p>
+              <a:pPr algn="ctr"/>
+              <a:endParaRPr lang="en-US"/>
+            </a:p>
+          </p:txBody>
+        </p:sp>
+        <p:sp>
+          <p:nvSpPr>
+            <p:cNvPr id="4" name="Rectangle 3">
+              <a:extLst>
+                <a:ext uri="{FF2B5EF4-FFF2-40B4-BE49-F238E27FC236}">
+                  <a16:creationId xmlns:a16="http://schemas.microsoft.com/office/drawing/2014/main" id="{7B4E2826-C9FC-D141-9FBD-2505BE8992D6}"/>
+                </a:ext>
+              </a:extLst>
+            </p:cNvPr>
+            <p:cNvSpPr/>
+            <p:nvPr/>
+          </p:nvSpPr>
+          <p:spPr>
+            <a:xfrm>
+              <a:off x="1807515" y="2825288"/>
+              <a:ext cx="731110" cy="1284548"/>
+            </a:xfrm>
+            <a:prstGeom prst="rect">
+              <a:avLst/>
+            </a:prstGeom>
+            <a:noFill/>
+            <a:ln w="38100">
+              <a:solidFill>
+                <a:schemeClr val="tx1"/>
+              </a:solidFill>
+            </a:ln>
+          </p:spPr>
+          <p:style>
+            <a:lnRef idx="2">
+              <a:schemeClr val="accent1">
+                <a:shade val="50000"/>
+              </a:schemeClr>
+            </a:lnRef>
+            <a:fillRef idx="1">
+              <a:schemeClr val="accent1"/>
+            </a:fillRef>
+            <a:effectRef idx="0">
+              <a:schemeClr val="accent1"/>
+            </a:effectRef>
+            <a:fontRef idx="minor">
+              <a:schemeClr val="lt1"/>
+            </a:fontRef>
+          </p:style>
+          <p:txBody>
+            <a:bodyPr rtlCol="0" anchor="ctr"/>
+            <a:lstStyle/>
+            <a:p>
+              <a:pPr algn="ctr"/>
+              <a:endParaRPr lang="en-US"/>
+            </a:p>
+          </p:txBody>
+        </p:sp>
+        <p:sp>
+          <p:nvSpPr>
+            <p:cNvPr id="5" name="Rectangle 4">
+              <a:extLst>
+                <a:ext uri="{FF2B5EF4-FFF2-40B4-BE49-F238E27FC236}">
+                  <a16:creationId xmlns:a16="http://schemas.microsoft.com/office/drawing/2014/main" id="{6BAED393-2D0A-EA4D-AD3E-99F44392EF3E}"/>
+                </a:ext>
+              </a:extLst>
+            </p:cNvPr>
+            <p:cNvSpPr/>
+            <p:nvPr/>
+          </p:nvSpPr>
+          <p:spPr>
+            <a:xfrm>
+              <a:off x="2958499" y="2825288"/>
+              <a:ext cx="731110" cy="1284548"/>
+            </a:xfrm>
+            <a:prstGeom prst="rect">
+              <a:avLst/>
+            </a:prstGeom>
+            <a:noFill/>
+            <a:ln w="38100">
+              <a:solidFill>
+                <a:schemeClr val="tx1"/>
+              </a:solidFill>
+            </a:ln>
+          </p:spPr>
+          <p:style>
+            <a:lnRef idx="2">
+              <a:schemeClr val="accent1">
+                <a:shade val="50000"/>
+              </a:schemeClr>
+            </a:lnRef>
+            <a:fillRef idx="1">
+              <a:schemeClr val="accent1"/>
+            </a:fillRef>
+            <a:effectRef idx="0">
+              <a:schemeClr val="accent1"/>
+            </a:effectRef>
+            <a:fontRef idx="minor">
+              <a:schemeClr val="lt1"/>
+            </a:fontRef>
+          </p:style>
+          <p:txBody>
+            <a:bodyPr rtlCol="0" anchor="ctr"/>
+            <a:lstStyle/>
+            <a:p>
+              <a:pPr algn="ctr"/>
+              <a:endParaRPr lang="en-US"/>
+            </a:p>
+          </p:txBody>
+        </p:sp>
+        <p:cxnSp>
+          <p:nvCxnSpPr>
+            <p:cNvPr id="6" name="Straight Connector 5">
+              <a:extLst>
+                <a:ext uri="{FF2B5EF4-FFF2-40B4-BE49-F238E27FC236}">
+                  <a16:creationId xmlns:a16="http://schemas.microsoft.com/office/drawing/2014/main" id="{D883AFDE-A82E-6844-B11A-5FAE70FF6D70}"/>
+                </a:ext>
+              </a:extLst>
+            </p:cNvPr>
+            <p:cNvCxnSpPr>
+              <a:cxnSpLocks/>
+            </p:cNvCxnSpPr>
+            <p:nvPr/>
+          </p:nvCxnSpPr>
+          <p:spPr>
+            <a:xfrm flipV="1">
+              <a:off x="3892175" y="3079119"/>
+              <a:ext cx="1507934" cy="1251351"/>
+            </a:xfrm>
+            <a:prstGeom prst="line">
+              <a:avLst/>
+            </a:prstGeom>
+            <a:ln w="38100">
+              <a:solidFill>
+                <a:schemeClr val="tx1"/>
+              </a:solidFill>
+            </a:ln>
+          </p:spPr>
+          <p:style>
+            <a:lnRef idx="1">
+              <a:schemeClr val="accent1"/>
+            </a:lnRef>
+            <a:fillRef idx="0">
+              <a:schemeClr val="accent1"/>
+            </a:fillRef>
+            <a:effectRef idx="0">
+              <a:schemeClr val="accent1"/>
+            </a:effectRef>
+            <a:fontRef idx="minor">
+              <a:schemeClr val="tx1"/>
+            </a:fontRef>
+          </p:style>
+        </p:cxnSp>
+        <p:cxnSp>
+          <p:nvCxnSpPr>
+            <p:cNvPr id="8" name="Straight Connector 7">
+              <a:extLst>
+                <a:ext uri="{FF2B5EF4-FFF2-40B4-BE49-F238E27FC236}">
+                  <a16:creationId xmlns:a16="http://schemas.microsoft.com/office/drawing/2014/main" id="{E4E7C3DF-5D90-1C4E-9A12-BE9F492B95B8}"/>
+                </a:ext>
+              </a:extLst>
+            </p:cNvPr>
+            <p:cNvCxnSpPr>
+              <a:cxnSpLocks/>
+            </p:cNvCxnSpPr>
+            <p:nvPr/>
+          </p:nvCxnSpPr>
+          <p:spPr>
+            <a:xfrm flipV="1">
+              <a:off x="3875053" y="1367849"/>
+              <a:ext cx="1525056" cy="1236808"/>
+            </a:xfrm>
+            <a:prstGeom prst="line">
+              <a:avLst/>
+            </a:prstGeom>
+            <a:ln w="38100">
+              <a:solidFill>
+                <a:schemeClr val="tx1"/>
+              </a:solidFill>
+            </a:ln>
+          </p:spPr>
+          <p:style>
+            <a:lnRef idx="1">
+              <a:schemeClr val="accent1"/>
+            </a:lnRef>
+            <a:fillRef idx="0">
+              <a:schemeClr val="accent1"/>
+            </a:fillRef>
+            <a:effectRef idx="0">
+              <a:schemeClr val="accent1"/>
+            </a:effectRef>
+            <a:fontRef idx="minor">
+              <a:schemeClr val="tx1"/>
+            </a:fontRef>
+          </p:style>
+        </p:cxnSp>
+        <p:cxnSp>
+          <p:nvCxnSpPr>
+            <p:cNvPr id="9" name="Straight Connector 8">
+              <a:extLst>
+                <a:ext uri="{FF2B5EF4-FFF2-40B4-BE49-F238E27FC236}">
+                  <a16:creationId xmlns:a16="http://schemas.microsoft.com/office/drawing/2014/main" id="{6712C078-390D-0F40-8DF8-5830C7DB4A6F}"/>
+                </a:ext>
+              </a:extLst>
+            </p:cNvPr>
+            <p:cNvCxnSpPr>
+              <a:cxnSpLocks/>
+            </p:cNvCxnSpPr>
+            <p:nvPr/>
+          </p:nvCxnSpPr>
+          <p:spPr>
+            <a:xfrm flipV="1">
+              <a:off x="1622072" y="1337655"/>
+              <a:ext cx="2067537" cy="1267001"/>
+            </a:xfrm>
+            <a:prstGeom prst="line">
+              <a:avLst/>
+            </a:prstGeom>
+            <a:ln w="38100">
+              <a:solidFill>
+                <a:schemeClr val="tx1"/>
+              </a:solidFill>
+            </a:ln>
+          </p:spPr>
+          <p:style>
+            <a:lnRef idx="1">
+              <a:schemeClr val="accent1"/>
+            </a:lnRef>
+            <a:fillRef idx="0">
+              <a:schemeClr val="accent1"/>
+            </a:fillRef>
+            <a:effectRef idx="0">
+              <a:schemeClr val="accent1"/>
+            </a:effectRef>
+            <a:fontRef idx="minor">
+              <a:schemeClr val="tx1"/>
+            </a:fontRef>
+          </p:style>
+        </p:cxnSp>
+        <p:cxnSp>
+          <p:nvCxnSpPr>
+            <p:cNvPr id="10" name="Straight Connector 9">
+              <a:extLst>
+                <a:ext uri="{FF2B5EF4-FFF2-40B4-BE49-F238E27FC236}">
+                  <a16:creationId xmlns:a16="http://schemas.microsoft.com/office/drawing/2014/main" id="{DC525EBA-7839-0D42-99E0-B7A8CF118A93}"/>
+                </a:ext>
+              </a:extLst>
+            </p:cNvPr>
+            <p:cNvCxnSpPr>
+              <a:cxnSpLocks/>
+            </p:cNvCxnSpPr>
+            <p:nvPr/>
+          </p:nvCxnSpPr>
+          <p:spPr>
+            <a:xfrm>
+              <a:off x="3689609" y="1355200"/>
+              <a:ext cx="1710500" cy="0"/>
+            </a:xfrm>
+            <a:prstGeom prst="line">
+              <a:avLst/>
+            </a:prstGeom>
+            <a:ln w="38100">
+              <a:solidFill>
+                <a:schemeClr val="tx1"/>
+              </a:solidFill>
+            </a:ln>
+          </p:spPr>
+          <p:style>
+            <a:lnRef idx="1">
+              <a:schemeClr val="accent1"/>
+            </a:lnRef>
+            <a:fillRef idx="0">
+              <a:schemeClr val="accent1"/>
+            </a:fillRef>
+            <a:effectRef idx="0">
+              <a:schemeClr val="accent1"/>
+            </a:effectRef>
+            <a:fontRef idx="minor">
+              <a:schemeClr val="tx1"/>
+            </a:fontRef>
+          </p:style>
+        </p:cxnSp>
+        <p:cxnSp>
+          <p:nvCxnSpPr>
+            <p:cNvPr id="14" name="Straight Connector 13">
+              <a:extLst>
+                <a:ext uri="{FF2B5EF4-FFF2-40B4-BE49-F238E27FC236}">
+                  <a16:creationId xmlns:a16="http://schemas.microsoft.com/office/drawing/2014/main" id="{A9451062-38DF-E440-B5A3-F6BD3995FA4D}"/>
+                </a:ext>
+              </a:extLst>
+            </p:cNvPr>
+            <p:cNvCxnSpPr>
+              <a:cxnSpLocks/>
+            </p:cNvCxnSpPr>
+            <p:nvPr/>
+          </p:nvCxnSpPr>
+          <p:spPr>
+            <a:xfrm>
+              <a:off x="5400109" y="1337655"/>
+              <a:ext cx="0" cy="1728816"/>
+            </a:xfrm>
+            <a:prstGeom prst="line">
+              <a:avLst/>
+            </a:prstGeom>
+            <a:ln w="38100">
+              <a:solidFill>
+                <a:schemeClr val="tx1"/>
+              </a:solidFill>
+            </a:ln>
+          </p:spPr>
+          <p:style>
+            <a:lnRef idx="1">
+              <a:schemeClr val="accent1"/>
+            </a:lnRef>
+            <a:fillRef idx="0">
+              <a:schemeClr val="accent1"/>
+            </a:fillRef>
+            <a:effectRef idx="0">
+              <a:schemeClr val="accent1"/>
+            </a:effectRef>
+            <a:fontRef idx="minor">
+              <a:schemeClr val="tx1"/>
+            </a:fontRef>
+          </p:style>
+        </p:cxnSp>
+        <p:cxnSp>
+          <p:nvCxnSpPr>
+            <p:cNvPr id="19" name="Straight Arrow Connector 18">
+              <a:extLst>
+                <a:ext uri="{FF2B5EF4-FFF2-40B4-BE49-F238E27FC236}">
+                  <a16:creationId xmlns:a16="http://schemas.microsoft.com/office/drawing/2014/main" id="{4DA83C37-902C-144F-A897-EB614AF34AB2}"/>
+                </a:ext>
+              </a:extLst>
+            </p:cNvPr>
+            <p:cNvCxnSpPr>
+              <a:cxnSpLocks/>
+            </p:cNvCxnSpPr>
+            <p:nvPr/>
+          </p:nvCxnSpPr>
+          <p:spPr>
+            <a:xfrm>
+              <a:off x="1510145" y="4449733"/>
+              <a:ext cx="1262911" cy="0"/>
+            </a:xfrm>
+            <a:prstGeom prst="straightConnector1">
+              <a:avLst/>
+            </a:prstGeom>
+            <a:ln w="38100">
+              <a:solidFill>
+                <a:schemeClr val="tx1"/>
+              </a:solidFill>
+              <a:headEnd type="triangle"/>
+              <a:tailEnd type="triangle"/>
+            </a:ln>
+          </p:spPr>
+          <p:style>
+            <a:lnRef idx="1">
+              <a:schemeClr val="accent1"/>
+            </a:lnRef>
+            <a:fillRef idx="0">
+              <a:schemeClr val="accent1"/>
+            </a:fillRef>
+            <a:effectRef idx="0">
+              <a:schemeClr val="accent1"/>
+            </a:effectRef>
+            <a:fontRef idx="minor">
+              <a:schemeClr val="tx1"/>
+            </a:fontRef>
+          </p:style>
+        </p:cxnSp>
+        <p:cxnSp>
+          <p:nvCxnSpPr>
+            <p:cNvPr id="24" name="Straight Arrow Connector 23">
+              <a:extLst>
+                <a:ext uri="{FF2B5EF4-FFF2-40B4-BE49-F238E27FC236}">
+                  <a16:creationId xmlns:a16="http://schemas.microsoft.com/office/drawing/2014/main" id="{2BFA5B68-70A8-4841-84A3-F1604E7BB737}"/>
+                </a:ext>
+              </a:extLst>
+            </p:cNvPr>
+            <p:cNvCxnSpPr>
+              <a:cxnSpLocks/>
+            </p:cNvCxnSpPr>
+            <p:nvPr/>
+          </p:nvCxnSpPr>
+          <p:spPr>
+            <a:xfrm>
+              <a:off x="2724069" y="4449733"/>
+              <a:ext cx="1252186" cy="0"/>
+            </a:xfrm>
+            <a:prstGeom prst="straightConnector1">
+              <a:avLst/>
+            </a:prstGeom>
+            <a:ln w="38100">
+              <a:solidFill>
+                <a:schemeClr val="tx1"/>
+              </a:solidFill>
+              <a:headEnd type="triangle"/>
+              <a:tailEnd type="triangle"/>
+            </a:ln>
+          </p:spPr>
+          <p:style>
+            <a:lnRef idx="1">
+              <a:schemeClr val="accent1"/>
+            </a:lnRef>
+            <a:fillRef idx="0">
+              <a:schemeClr val="accent1"/>
+            </a:fillRef>
+            <a:effectRef idx="0">
+              <a:schemeClr val="accent1"/>
+            </a:effectRef>
+            <a:fontRef idx="minor">
+              <a:schemeClr val="tx1"/>
+            </a:fontRef>
+          </p:style>
+        </p:cxnSp>
+        <mc:AlternateContent xmlns:mc="http://schemas.openxmlformats.org/markup-compatibility/2006">
+          <mc:Choice xmlns:a14="http://schemas.microsoft.com/office/drawing/2010/main" Requires="a14">
+            <p:sp>
+              <p:nvSpPr>
+                <p:cNvPr id="26" name="Rectangle 25">
+                  <a:extLst>
+                    <a:ext uri="{FF2B5EF4-FFF2-40B4-BE49-F238E27FC236}">
+                      <a16:creationId xmlns:a16="http://schemas.microsoft.com/office/drawing/2014/main" id="{805B46A8-56BC-784D-A2C4-65AB8ECFAF52}"/>
+                    </a:ext>
+                  </a:extLst>
+                </p:cNvPr>
+                <p:cNvSpPr/>
+                <p:nvPr/>
+              </p:nvSpPr>
+              <p:spPr>
+                <a:xfrm>
+                  <a:off x="1852693" y="4619568"/>
+                  <a:ext cx="563744" cy="369332"/>
+                </a:xfrm>
+                <a:prstGeom prst="rect">
+                  <a:avLst/>
+                </a:prstGeom>
+              </p:spPr>
+              <p:txBody>
+                <a:bodyPr wrap="none">
+                  <a:spAutoFit/>
+                </a:bodyPr>
+                <a:lstStyle/>
+                <a:p>
+                  <a:pPr/>
+                  <a14:m>
+                    <m:oMathPara xmlns:m="http://schemas.openxmlformats.org/officeDocument/2006/math">
+                      <m:oMathParaPr>
+                        <m:jc m:val="centerGroup"/>
+                      </m:oMathParaPr>
+                      <m:oMath xmlns:m="http://schemas.openxmlformats.org/officeDocument/2006/math">
+                        <m:r>
+                          <a:rPr lang="en-CA" b="0" i="1" smtClean="0">
+                            <a:latin typeface="Cambria Math" panose="02040503050406030204" pitchFamily="18" charset="0"/>
+                          </a:rPr>
+                          <m:t>2</m:t>
+                        </m:r>
+                        <m:r>
+                          <a:rPr lang="en-CA" b="0" i="1" smtClean="0">
+                            <a:latin typeface="Cambria Math" panose="02040503050406030204" pitchFamily="18" charset="0"/>
+                          </a:rPr>
+                          <m:t>𝑚</m:t>
+                        </m:r>
+                      </m:oMath>
+                    </m:oMathPara>
+                  </a14:m>
+                  <a:endParaRPr lang="en-CA" dirty="0"/>
+                </a:p>
+              </p:txBody>
+            </p:sp>
+          </mc:Choice>
+          <mc:Fallback>
+            <p:sp>
+              <p:nvSpPr>
+                <p:cNvPr id="26" name="Rectangle 25">
+                  <a:extLst>
+                    <a:ext uri="{FF2B5EF4-FFF2-40B4-BE49-F238E27FC236}">
+                      <a16:creationId xmlns:a16="http://schemas.microsoft.com/office/drawing/2014/main" id="{805B46A8-56BC-784D-A2C4-65AB8ECFAF52}"/>
+                    </a:ext>
+                  </a:extLst>
+                </p:cNvPr>
+                <p:cNvSpPr>
+                  <a:spLocks noRot="1" noChangeAspect="1" noMove="1" noResize="1" noEditPoints="1" noAdjustHandles="1" noChangeArrowheads="1" noChangeShapeType="1" noTextEdit="1"/>
+                </p:cNvSpPr>
+                <p:nvPr/>
+              </p:nvSpPr>
+              <p:spPr>
+                <a:xfrm>
+                  <a:off x="1852693" y="4619568"/>
+                  <a:ext cx="563744" cy="369332"/>
+                </a:xfrm>
+                <a:prstGeom prst="rect">
+                  <a:avLst/>
+                </a:prstGeom>
+                <a:blipFill>
+                  <a:blip r:embed="rId2"/>
+                  <a:stretch>
+                    <a:fillRect/>
+                  </a:stretch>
+                </a:blipFill>
+              </p:spPr>
+              <p:txBody>
+                <a:bodyPr/>
+                <a:lstStyle/>
+                <a:p>
+                  <a:r>
+                    <a:rPr lang="en-US">
+                      <a:noFill/>
+                    </a:rPr>
+                    <a:t> </a:t>
+                  </a:r>
+                </a:p>
+              </p:txBody>
+            </p:sp>
+          </mc:Fallback>
+        </mc:AlternateContent>
+        <mc:AlternateContent xmlns:mc="http://schemas.openxmlformats.org/markup-compatibility/2006">
+          <mc:Choice xmlns:a14="http://schemas.microsoft.com/office/drawing/2010/main" Requires="a14">
+            <p:sp>
+              <p:nvSpPr>
+                <p:cNvPr id="28" name="Rectangle 27">
+                  <a:extLst>
+                    <a:ext uri="{FF2B5EF4-FFF2-40B4-BE49-F238E27FC236}">
+                      <a16:creationId xmlns:a16="http://schemas.microsoft.com/office/drawing/2014/main" id="{5D366EF5-E10F-9C48-8364-5662D196B25C}"/>
+                    </a:ext>
+                  </a:extLst>
+                </p:cNvPr>
+                <p:cNvSpPr/>
+                <p:nvPr/>
+              </p:nvSpPr>
+              <p:spPr>
+                <a:xfrm>
+                  <a:off x="3029785" y="4619567"/>
+                  <a:ext cx="563744" cy="369332"/>
+                </a:xfrm>
+                <a:prstGeom prst="rect">
+                  <a:avLst/>
+                </a:prstGeom>
+              </p:spPr>
+              <p:txBody>
+                <a:bodyPr wrap="none">
+                  <a:spAutoFit/>
+                </a:bodyPr>
+                <a:lstStyle/>
+                <a:p>
+                  <a:pPr/>
+                  <a14:m>
+                    <m:oMathPara xmlns:m="http://schemas.openxmlformats.org/officeDocument/2006/math">
+                      <m:oMathParaPr>
+                        <m:jc m:val="centerGroup"/>
+                      </m:oMathParaPr>
+                      <m:oMath xmlns:m="http://schemas.openxmlformats.org/officeDocument/2006/math">
+                        <m:r>
+                          <a:rPr lang="en-CA" b="0" i="1" smtClean="0">
+                            <a:latin typeface="Cambria Math" panose="02040503050406030204" pitchFamily="18" charset="0"/>
+                          </a:rPr>
+                          <m:t>2</m:t>
+                        </m:r>
+                        <m:r>
+                          <a:rPr lang="en-CA" b="0" i="1" smtClean="0">
+                            <a:latin typeface="Cambria Math" panose="02040503050406030204" pitchFamily="18" charset="0"/>
+                          </a:rPr>
+                          <m:t>𝑚</m:t>
+                        </m:r>
+                      </m:oMath>
+                    </m:oMathPara>
+                  </a14:m>
+                  <a:endParaRPr lang="en-CA" dirty="0"/>
+                </a:p>
+              </p:txBody>
+            </p:sp>
+          </mc:Choice>
+          <mc:Fallback>
+            <p:sp>
+              <p:nvSpPr>
+                <p:cNvPr id="28" name="Rectangle 27">
+                  <a:extLst>
+                    <a:ext uri="{FF2B5EF4-FFF2-40B4-BE49-F238E27FC236}">
+                      <a16:creationId xmlns:a16="http://schemas.microsoft.com/office/drawing/2014/main" id="{5D366EF5-E10F-9C48-8364-5662D196B25C}"/>
+                    </a:ext>
+                  </a:extLst>
+                </p:cNvPr>
+                <p:cNvSpPr>
+                  <a:spLocks noRot="1" noChangeAspect="1" noMove="1" noResize="1" noEditPoints="1" noAdjustHandles="1" noChangeArrowheads="1" noChangeShapeType="1" noTextEdit="1"/>
+                </p:cNvSpPr>
+                <p:nvPr/>
+              </p:nvSpPr>
+              <p:spPr>
+                <a:xfrm>
+                  <a:off x="3029785" y="4619567"/>
+                  <a:ext cx="563744" cy="369332"/>
+                </a:xfrm>
+                <a:prstGeom prst="rect">
+                  <a:avLst/>
+                </a:prstGeom>
+                <a:blipFill>
+                  <a:blip r:embed="rId3"/>
+                  <a:stretch>
+                    <a:fillRect/>
+                  </a:stretch>
+                </a:blipFill>
+              </p:spPr>
+              <p:txBody>
+                <a:bodyPr/>
+                <a:lstStyle/>
+                <a:p>
+                  <a:r>
+                    <a:rPr lang="en-US">
+                      <a:noFill/>
+                    </a:rPr>
+                    <a:t> </a:t>
+                  </a:r>
+                </a:p>
+              </p:txBody>
+            </p:sp>
+          </mc:Fallback>
+        </mc:AlternateContent>
+        <p:cxnSp>
+          <p:nvCxnSpPr>
+            <p:cNvPr id="29" name="Straight Arrow Connector 28">
+              <a:extLst>
+                <a:ext uri="{FF2B5EF4-FFF2-40B4-BE49-F238E27FC236}">
+                  <a16:creationId xmlns:a16="http://schemas.microsoft.com/office/drawing/2014/main" id="{208EA2CA-EAE1-A341-8A0F-59DA08DD26F6}"/>
+                </a:ext>
+              </a:extLst>
+            </p:cNvPr>
+            <p:cNvCxnSpPr>
+              <a:cxnSpLocks/>
+            </p:cNvCxnSpPr>
+            <p:nvPr/>
+          </p:nvCxnSpPr>
+          <p:spPr>
+            <a:xfrm flipV="1">
+              <a:off x="3976255" y="3095741"/>
+              <a:ext cx="1571105" cy="1319646"/>
+            </a:xfrm>
+            <a:prstGeom prst="straightConnector1">
+              <a:avLst/>
+            </a:prstGeom>
+            <a:ln w="38100">
+              <a:solidFill>
+                <a:schemeClr val="tx1"/>
+              </a:solidFill>
+              <a:headEnd type="triangle"/>
+              <a:tailEnd type="triangle"/>
+            </a:ln>
+          </p:spPr>
+          <p:style>
+            <a:lnRef idx="1">
+              <a:schemeClr val="accent1"/>
+            </a:lnRef>
+            <a:fillRef idx="0">
+              <a:schemeClr val="accent1"/>
+            </a:fillRef>
+            <a:effectRef idx="0">
+              <a:schemeClr val="accent1"/>
+            </a:effectRef>
+            <a:fontRef idx="minor">
+              <a:schemeClr val="tx1"/>
+            </a:fontRef>
+          </p:style>
+        </p:cxnSp>
+        <mc:AlternateContent xmlns:mc="http://schemas.openxmlformats.org/markup-compatibility/2006">
+          <mc:Choice xmlns:a14="http://schemas.microsoft.com/office/drawing/2010/main" Requires="a14">
+            <p:sp>
+              <p:nvSpPr>
+                <p:cNvPr id="31" name="Rectangle 30">
+                  <a:extLst>
+                    <a:ext uri="{FF2B5EF4-FFF2-40B4-BE49-F238E27FC236}">
+                      <a16:creationId xmlns:a16="http://schemas.microsoft.com/office/drawing/2014/main" id="{4C3269AC-A6D4-C443-BD63-90532BD67AB2}"/>
+                    </a:ext>
+                  </a:extLst>
+                </p:cNvPr>
+                <p:cNvSpPr/>
+                <p:nvPr/>
+              </p:nvSpPr>
+              <p:spPr>
+                <a:xfrm>
+                  <a:off x="4737926" y="3836104"/>
+                  <a:ext cx="563744" cy="369332"/>
+                </a:xfrm>
+                <a:prstGeom prst="rect">
+                  <a:avLst/>
+                </a:prstGeom>
+              </p:spPr>
+              <p:txBody>
+                <a:bodyPr wrap="none">
+                  <a:spAutoFit/>
+                </a:bodyPr>
+                <a:lstStyle/>
+                <a:p>
+                  <a:pPr/>
+                  <a14:m>
+                    <m:oMathPara xmlns:m="http://schemas.openxmlformats.org/officeDocument/2006/math">
+                      <m:oMathParaPr>
+                        <m:jc m:val="centerGroup"/>
+                      </m:oMathParaPr>
+                      <m:oMath xmlns:m="http://schemas.openxmlformats.org/officeDocument/2006/math">
+                        <m:r>
+                          <a:rPr lang="en-CA" i="1">
+                            <a:latin typeface="Cambria Math" panose="02040503050406030204" pitchFamily="18" charset="0"/>
+                          </a:rPr>
+                          <m:t>5</m:t>
+                        </m:r>
+                        <m:r>
+                          <a:rPr lang="en-CA" b="0" i="1" smtClean="0">
+                            <a:latin typeface="Cambria Math" panose="02040503050406030204" pitchFamily="18" charset="0"/>
+                          </a:rPr>
+                          <m:t>𝑚</m:t>
+                        </m:r>
+                      </m:oMath>
+                    </m:oMathPara>
+                  </a14:m>
+                  <a:endParaRPr lang="en-CA" dirty="0"/>
+                </a:p>
+              </p:txBody>
+            </p:sp>
+          </mc:Choice>
+          <mc:Fallback>
+            <p:sp>
+              <p:nvSpPr>
+                <p:cNvPr id="31" name="Rectangle 30">
+                  <a:extLst>
+                    <a:ext uri="{FF2B5EF4-FFF2-40B4-BE49-F238E27FC236}">
+                      <a16:creationId xmlns:a16="http://schemas.microsoft.com/office/drawing/2014/main" id="{4C3269AC-A6D4-C443-BD63-90532BD67AB2}"/>
+                    </a:ext>
+                  </a:extLst>
+                </p:cNvPr>
+                <p:cNvSpPr>
+                  <a:spLocks noRot="1" noChangeAspect="1" noMove="1" noResize="1" noEditPoints="1" noAdjustHandles="1" noChangeArrowheads="1" noChangeShapeType="1" noTextEdit="1"/>
+                </p:cNvSpPr>
+                <p:nvPr/>
+              </p:nvSpPr>
+              <p:spPr>
+                <a:xfrm>
+                  <a:off x="4737926" y="3836104"/>
+                  <a:ext cx="563744" cy="369332"/>
+                </a:xfrm>
+                <a:prstGeom prst="rect">
+                  <a:avLst/>
+                </a:prstGeom>
+                <a:blipFill>
+                  <a:blip r:embed="rId4"/>
+                  <a:stretch>
+                    <a:fillRect/>
+                  </a:stretch>
+                </a:blipFill>
+              </p:spPr>
+              <p:txBody>
+                <a:bodyPr/>
+                <a:lstStyle/>
+                <a:p>
+                  <a:r>
+                    <a:rPr lang="en-US">
+                      <a:noFill/>
+                    </a:rPr>
+                    <a:t> </a:t>
+                  </a:r>
+                </a:p>
+              </p:txBody>
+            </p:sp>
+          </mc:Fallback>
+        </mc:AlternateContent>
+        <p:cxnSp>
+          <p:nvCxnSpPr>
+            <p:cNvPr id="32" name="Straight Arrow Connector 31">
+              <a:extLst>
+                <a:ext uri="{FF2B5EF4-FFF2-40B4-BE49-F238E27FC236}">
+                  <a16:creationId xmlns:a16="http://schemas.microsoft.com/office/drawing/2014/main" id="{665B5D76-21CD-A944-A0FF-8F9569A985C2}"/>
+                </a:ext>
+              </a:extLst>
+            </p:cNvPr>
+            <p:cNvCxnSpPr>
+              <a:cxnSpLocks/>
+            </p:cNvCxnSpPr>
+            <p:nvPr/>
+          </p:nvCxnSpPr>
+          <p:spPr>
+            <a:xfrm flipV="1">
+              <a:off x="1510145" y="2601653"/>
+              <a:ext cx="0" cy="1801090"/>
+            </a:xfrm>
+            <a:prstGeom prst="straightConnector1">
+              <a:avLst/>
+            </a:prstGeom>
+            <a:ln w="38100">
+              <a:solidFill>
+                <a:schemeClr val="tx1"/>
+              </a:solidFill>
+              <a:headEnd type="triangle"/>
+              <a:tailEnd type="triangle"/>
+            </a:ln>
+          </p:spPr>
+          <p:style>
+            <a:lnRef idx="1">
+              <a:schemeClr val="accent1"/>
+            </a:lnRef>
+            <a:fillRef idx="0">
+              <a:schemeClr val="accent1"/>
+            </a:fillRef>
+            <a:effectRef idx="0">
+              <a:schemeClr val="accent1"/>
+            </a:effectRef>
+            <a:fontRef idx="minor">
+              <a:schemeClr val="tx1"/>
+            </a:fontRef>
+          </p:style>
+        </p:cxnSp>
+        <mc:AlternateContent xmlns:mc="http://schemas.openxmlformats.org/markup-compatibility/2006">
+          <mc:Choice xmlns:a14="http://schemas.microsoft.com/office/drawing/2010/main" Requires="a14">
+            <p:sp>
+              <p:nvSpPr>
+                <p:cNvPr id="36" name="Rectangle 35">
+                  <a:extLst>
+                    <a:ext uri="{FF2B5EF4-FFF2-40B4-BE49-F238E27FC236}">
+                      <a16:creationId xmlns:a16="http://schemas.microsoft.com/office/drawing/2014/main" id="{26C80C5A-5AE1-AD4C-9B5B-6737DAF96CAC}"/>
+                    </a:ext>
+                  </a:extLst>
+                </p:cNvPr>
+                <p:cNvSpPr/>
+                <p:nvPr/>
+              </p:nvSpPr>
+              <p:spPr>
+                <a:xfrm>
+                  <a:off x="814544" y="3282896"/>
+                  <a:ext cx="563744" cy="369332"/>
+                </a:xfrm>
+                <a:prstGeom prst="rect">
+                  <a:avLst/>
+                </a:prstGeom>
+              </p:spPr>
+              <p:txBody>
+                <a:bodyPr wrap="none">
+                  <a:spAutoFit/>
+                </a:bodyPr>
+                <a:lstStyle/>
+                <a:p>
+                  <a:pPr/>
+                  <a14:m>
+                    <m:oMathPara xmlns:m="http://schemas.openxmlformats.org/officeDocument/2006/math">
+                      <m:oMathParaPr>
+                        <m:jc m:val="centerGroup"/>
+                      </m:oMathParaPr>
+                      <m:oMath xmlns:m="http://schemas.openxmlformats.org/officeDocument/2006/math">
+                        <m:r>
+                          <a:rPr lang="en-CA" i="1" smtClean="0">
+                            <a:latin typeface="Cambria Math" panose="02040503050406030204" pitchFamily="18" charset="0"/>
+                          </a:rPr>
+                          <m:t>3</m:t>
+                        </m:r>
+                        <m:r>
+                          <a:rPr lang="en-CA" b="0" i="1" smtClean="0">
+                            <a:latin typeface="Cambria Math" panose="02040503050406030204" pitchFamily="18" charset="0"/>
+                          </a:rPr>
+                          <m:t>𝑚</m:t>
+                        </m:r>
+                      </m:oMath>
+                    </m:oMathPara>
+                  </a14:m>
+                  <a:endParaRPr lang="en-CA" dirty="0"/>
+                </a:p>
+              </p:txBody>
+            </p:sp>
+          </mc:Choice>
+          <mc:Fallback>
+            <p:sp>
+              <p:nvSpPr>
+                <p:cNvPr id="36" name="Rectangle 35">
+                  <a:extLst>
+                    <a:ext uri="{FF2B5EF4-FFF2-40B4-BE49-F238E27FC236}">
+                      <a16:creationId xmlns:a16="http://schemas.microsoft.com/office/drawing/2014/main" id="{26C80C5A-5AE1-AD4C-9B5B-6737DAF96CAC}"/>
+                    </a:ext>
+                  </a:extLst>
+                </p:cNvPr>
+                <p:cNvSpPr>
+                  <a:spLocks noRot="1" noChangeAspect="1" noMove="1" noResize="1" noEditPoints="1" noAdjustHandles="1" noChangeArrowheads="1" noChangeShapeType="1" noTextEdit="1"/>
+                </p:cNvSpPr>
+                <p:nvPr/>
+              </p:nvSpPr>
+              <p:spPr>
+                <a:xfrm>
+                  <a:off x="814544" y="3282896"/>
+                  <a:ext cx="563744" cy="369332"/>
+                </a:xfrm>
+                <a:prstGeom prst="rect">
+                  <a:avLst/>
+                </a:prstGeom>
+                <a:blipFill>
+                  <a:blip r:embed="rId5"/>
+                  <a:stretch>
+                    <a:fillRect/>
+                  </a:stretch>
+                </a:blipFill>
+              </p:spPr>
+              <p:txBody>
+                <a:bodyPr/>
+                <a:lstStyle/>
+                <a:p>
+                  <a:r>
+                    <a:rPr lang="en-US">
+                      <a:noFill/>
+                    </a:rPr>
+                    <a:t> </a:t>
+                  </a:r>
+                </a:p>
+              </p:txBody>
+            </p:sp>
+          </mc:Fallback>
+        </mc:AlternateContent>
+        <p:sp>
+          <p:nvSpPr>
+            <p:cNvPr id="42" name="Oval 41">
+              <a:extLst>
+                <a:ext uri="{FF2B5EF4-FFF2-40B4-BE49-F238E27FC236}">
+                  <a16:creationId xmlns:a16="http://schemas.microsoft.com/office/drawing/2014/main" id="{337E6CEC-93A0-264A-8B60-85302E2FC825}"/>
+                </a:ext>
+              </a:extLst>
+            </p:cNvPr>
+            <p:cNvSpPr/>
+            <p:nvPr/>
+          </p:nvSpPr>
+          <p:spPr>
+            <a:xfrm flipH="1">
+              <a:off x="2416437" y="3423832"/>
+              <a:ext cx="45719" cy="87460"/>
+            </a:xfrm>
+            <a:prstGeom prst="ellipse">
+              <a:avLst/>
+            </a:prstGeom>
+            <a:noFill/>
+            <a:ln w="38100">
+              <a:solidFill>
+                <a:schemeClr val="tx1"/>
+              </a:solidFill>
+            </a:ln>
+          </p:spPr>
+          <p:style>
+            <a:lnRef idx="2">
+              <a:schemeClr val="accent1">
+                <a:shade val="50000"/>
+              </a:schemeClr>
+            </a:lnRef>
+            <a:fillRef idx="1">
+              <a:schemeClr val="accent1"/>
+            </a:fillRef>
+            <a:effectRef idx="0">
+              <a:schemeClr val="accent1"/>
+            </a:effectRef>
+            <a:fontRef idx="minor">
+              <a:schemeClr val="lt1"/>
+            </a:fontRef>
+          </p:style>
+          <p:txBody>
+            <a:bodyPr rtlCol="0" anchor="ctr"/>
+            <a:lstStyle/>
+            <a:p>
+              <a:pPr algn="ctr"/>
+              <a:endParaRPr lang="en-US"/>
+            </a:p>
+          </p:txBody>
+        </p:sp>
+        <p:sp>
+          <p:nvSpPr>
+            <p:cNvPr id="43" name="Oval 42">
+              <a:extLst>
+                <a:ext uri="{FF2B5EF4-FFF2-40B4-BE49-F238E27FC236}">
+                  <a16:creationId xmlns:a16="http://schemas.microsoft.com/office/drawing/2014/main" id="{35583F40-ECA8-2F41-8B4E-B945EFD5BA88}"/>
+                </a:ext>
+              </a:extLst>
+            </p:cNvPr>
+            <p:cNvSpPr/>
+            <p:nvPr/>
+          </p:nvSpPr>
+          <p:spPr>
+            <a:xfrm flipH="1">
+              <a:off x="3029785" y="3423832"/>
+              <a:ext cx="45719" cy="87460"/>
+            </a:xfrm>
+            <a:prstGeom prst="ellipse">
+              <a:avLst/>
+            </a:prstGeom>
+            <a:noFill/>
+            <a:ln w="38100">
+              <a:solidFill>
+                <a:schemeClr val="tx1"/>
+              </a:solidFill>
+            </a:ln>
+          </p:spPr>
+          <p:style>
+            <a:lnRef idx="2">
+              <a:schemeClr val="accent1">
+                <a:shade val="50000"/>
+              </a:schemeClr>
+            </a:lnRef>
+            <a:fillRef idx="1">
+              <a:schemeClr val="accent1"/>
+            </a:fillRef>
+            <a:effectRef idx="0">
+              <a:schemeClr val="accent1"/>
+            </a:effectRef>
+            <a:fontRef idx="minor">
+              <a:schemeClr val="lt1"/>
+            </a:fontRef>
+          </p:style>
+          <p:txBody>
+            <a:bodyPr rtlCol="0" anchor="ctr"/>
+            <a:lstStyle/>
+            <a:p>
+              <a:pPr algn="ctr"/>
+              <a:endParaRPr lang="en-US"/>
+            </a:p>
+          </p:txBody>
+        </p:sp>
+      </p:grpSp>
     </p:spTree>
     <p:extLst>
       <p:ext uri="{BB962C8B-B14F-4D97-AF65-F5344CB8AC3E}">

--- a/tex/figures/Figures.pptx
+++ b/tex/figures/Figures.pptx
@@ -250,7 +250,7 @@
           <a:p>
             <a:fld id="{F7249F8D-641B-4CAF-BAE5-10524742F6F1}" type="datetimeFigureOut">
               <a:rPr lang="en-CA" smtClean="0"/>
-              <a:t>2018-05-28</a:t>
+              <a:t>2018-06-01</a:t>
             </a:fld>
             <a:endParaRPr lang="en-CA"/>
           </a:p>
@@ -420,7 +420,7 @@
           <a:p>
             <a:fld id="{F7249F8D-641B-4CAF-BAE5-10524742F6F1}" type="datetimeFigureOut">
               <a:rPr lang="en-CA" smtClean="0"/>
-              <a:t>2018-05-28</a:t>
+              <a:t>2018-06-01</a:t>
             </a:fld>
             <a:endParaRPr lang="en-CA"/>
           </a:p>
@@ -600,7 +600,7 @@
           <a:p>
             <a:fld id="{F7249F8D-641B-4CAF-BAE5-10524742F6F1}" type="datetimeFigureOut">
               <a:rPr lang="en-CA" smtClean="0"/>
-              <a:t>2018-05-28</a:t>
+              <a:t>2018-06-01</a:t>
             </a:fld>
             <a:endParaRPr lang="en-CA"/>
           </a:p>
@@ -770,7 +770,7 @@
           <a:p>
             <a:fld id="{F7249F8D-641B-4CAF-BAE5-10524742F6F1}" type="datetimeFigureOut">
               <a:rPr lang="en-CA" smtClean="0"/>
-              <a:t>2018-05-28</a:t>
+              <a:t>2018-06-01</a:t>
             </a:fld>
             <a:endParaRPr lang="en-CA"/>
           </a:p>
@@ -1016,7 +1016,7 @@
           <a:p>
             <a:fld id="{F7249F8D-641B-4CAF-BAE5-10524742F6F1}" type="datetimeFigureOut">
               <a:rPr lang="en-CA" smtClean="0"/>
-              <a:t>2018-05-28</a:t>
+              <a:t>2018-06-01</a:t>
             </a:fld>
             <a:endParaRPr lang="en-CA"/>
           </a:p>
@@ -1248,7 +1248,7 @@
           <a:p>
             <a:fld id="{F7249F8D-641B-4CAF-BAE5-10524742F6F1}" type="datetimeFigureOut">
               <a:rPr lang="en-CA" smtClean="0"/>
-              <a:t>2018-05-28</a:t>
+              <a:t>2018-06-01</a:t>
             </a:fld>
             <a:endParaRPr lang="en-CA"/>
           </a:p>
@@ -1615,7 +1615,7 @@
           <a:p>
             <a:fld id="{F7249F8D-641B-4CAF-BAE5-10524742F6F1}" type="datetimeFigureOut">
               <a:rPr lang="en-CA" smtClean="0"/>
-              <a:t>2018-05-28</a:t>
+              <a:t>2018-06-01</a:t>
             </a:fld>
             <a:endParaRPr lang="en-CA"/>
           </a:p>
@@ -1733,7 +1733,7 @@
           <a:p>
             <a:fld id="{F7249F8D-641B-4CAF-BAE5-10524742F6F1}" type="datetimeFigureOut">
               <a:rPr lang="en-CA" smtClean="0"/>
-              <a:t>2018-05-28</a:t>
+              <a:t>2018-06-01</a:t>
             </a:fld>
             <a:endParaRPr lang="en-CA"/>
           </a:p>
@@ -1828,7 +1828,7 @@
           <a:p>
             <a:fld id="{F7249F8D-641B-4CAF-BAE5-10524742F6F1}" type="datetimeFigureOut">
               <a:rPr lang="en-CA" smtClean="0"/>
-              <a:t>2018-05-28</a:t>
+              <a:t>2018-06-01</a:t>
             </a:fld>
             <a:endParaRPr lang="en-CA"/>
           </a:p>
@@ -2105,7 +2105,7 @@
           <a:p>
             <a:fld id="{F7249F8D-641B-4CAF-BAE5-10524742F6F1}" type="datetimeFigureOut">
               <a:rPr lang="en-CA" smtClean="0"/>
-              <a:t>2018-05-28</a:t>
+              <a:t>2018-06-01</a:t>
             </a:fld>
             <a:endParaRPr lang="en-CA"/>
           </a:p>
@@ -2358,7 +2358,7 @@
           <a:p>
             <a:fld id="{F7249F8D-641B-4CAF-BAE5-10524742F6F1}" type="datetimeFigureOut">
               <a:rPr lang="en-CA" smtClean="0"/>
-              <a:t>2018-05-28</a:t>
+              <a:t>2018-06-01</a:t>
             </a:fld>
             <a:endParaRPr lang="en-CA"/>
           </a:p>
@@ -2571,7 +2571,7 @@
           <a:p>
             <a:fld id="{F7249F8D-641B-4CAF-BAE5-10524742F6F1}" type="datetimeFigureOut">
               <a:rPr lang="en-CA" smtClean="0"/>
-              <a:t>2018-05-28</a:t>
+              <a:t>2018-06-01</a:t>
             </a:fld>
             <a:endParaRPr lang="en-CA"/>
           </a:p>
@@ -29784,9 +29784,9 @@
           </p:nvGrpSpPr>
           <p:grpSpPr>
             <a:xfrm>
-              <a:off x="8543735" y="3113349"/>
+              <a:off x="8533102" y="3113349"/>
               <a:ext cx="223520" cy="232598"/>
-              <a:chOff x="9003883" y="1951839"/>
+              <a:chOff x="8993250" y="1951839"/>
               <a:chExt cx="223520" cy="232598"/>
             </a:xfrm>
           </p:grpSpPr>
@@ -29798,7 +29798,7 @@
             </p:nvSpPr>
             <p:spPr>
               <a:xfrm>
-                <a:off x="9003883" y="1951839"/>
+                <a:off x="8993250" y="1951839"/>
                 <a:ext cx="223520" cy="232598"/>
               </a:xfrm>
               <a:prstGeom prst="ellipse">
@@ -32874,8 +32874,8 @@
             </a:fontRef>
           </p:style>
         </p:cxnSp>
-        <mc:AlternateContent xmlns:mc="http://schemas.openxmlformats.org/markup-compatibility/2006">
-          <mc:Choice xmlns:a14="http://schemas.microsoft.com/office/drawing/2010/main" Requires="a14">
+        <mc:AlternateContent xmlns:mc="http://schemas.openxmlformats.org/markup-compatibility/2006" xmlns:a14="http://schemas.microsoft.com/office/drawing/2010/main">
+          <mc:Choice Requires="a14">
             <p:sp>
               <p:nvSpPr>
                 <p:cNvPr id="26" name="Rectangle 25">
@@ -32930,7 +32930,7 @@
               </p:txBody>
             </p:sp>
           </mc:Choice>
-          <mc:Fallback>
+          <mc:Fallback xmlns="">
             <p:sp>
               <p:nvSpPr>
                 <p:cNvPr id="26" name="Rectangle 25">
@@ -32975,8 +32975,8 @@
             </p:sp>
           </mc:Fallback>
         </mc:AlternateContent>
-        <mc:AlternateContent xmlns:mc="http://schemas.openxmlformats.org/markup-compatibility/2006">
-          <mc:Choice xmlns:a14="http://schemas.microsoft.com/office/drawing/2010/main" Requires="a14">
+        <mc:AlternateContent xmlns:mc="http://schemas.openxmlformats.org/markup-compatibility/2006" xmlns:a14="http://schemas.microsoft.com/office/drawing/2010/main">
+          <mc:Choice Requires="a14">
             <p:sp>
               <p:nvSpPr>
                 <p:cNvPr id="28" name="Rectangle 27">
@@ -33031,7 +33031,7 @@
               </p:txBody>
             </p:sp>
           </mc:Choice>
-          <mc:Fallback>
+          <mc:Fallback xmlns="">
             <p:sp>
               <p:nvSpPr>
                 <p:cNvPr id="28" name="Rectangle 27">
@@ -33121,8 +33121,8 @@
             </a:fontRef>
           </p:style>
         </p:cxnSp>
-        <mc:AlternateContent xmlns:mc="http://schemas.openxmlformats.org/markup-compatibility/2006">
-          <mc:Choice xmlns:a14="http://schemas.microsoft.com/office/drawing/2010/main" Requires="a14">
+        <mc:AlternateContent xmlns:mc="http://schemas.openxmlformats.org/markup-compatibility/2006" xmlns:a14="http://schemas.microsoft.com/office/drawing/2010/main">
+          <mc:Choice Requires="a14">
             <p:sp>
               <p:nvSpPr>
                 <p:cNvPr id="31" name="Rectangle 30">
@@ -33177,7 +33177,7 @@
               </p:txBody>
             </p:sp>
           </mc:Choice>
-          <mc:Fallback>
+          <mc:Fallback xmlns="">
             <p:sp>
               <p:nvSpPr>
                 <p:cNvPr id="31" name="Rectangle 30">
@@ -33267,8 +33267,8 @@
             </a:fontRef>
           </p:style>
         </p:cxnSp>
-        <mc:AlternateContent xmlns:mc="http://schemas.openxmlformats.org/markup-compatibility/2006">
-          <mc:Choice xmlns:a14="http://schemas.microsoft.com/office/drawing/2010/main" Requires="a14">
+        <mc:AlternateContent xmlns:mc="http://schemas.openxmlformats.org/markup-compatibility/2006" xmlns:a14="http://schemas.microsoft.com/office/drawing/2010/main">
+          <mc:Choice Requires="a14">
             <p:sp>
               <p:nvSpPr>
                 <p:cNvPr id="36" name="Rectangle 35">
@@ -33323,7 +33323,7 @@
               </p:txBody>
             </p:sp>
           </mc:Choice>
-          <mc:Fallback>
+          <mc:Fallback xmlns="">
             <p:sp>
               <p:nvSpPr>
                 <p:cNvPr id="36" name="Rectangle 35">

--- a/tex/figures/Figures.pptx
+++ b/tex/figures/Figures.pptx
@@ -13,6 +13,10 @@
     <p:sldId id="261" r:id="rId7"/>
     <p:sldId id="262" r:id="rId8"/>
     <p:sldId id="263" r:id="rId9"/>
+    <p:sldId id="264" r:id="rId10"/>
+    <p:sldId id="265" r:id="rId11"/>
+    <p:sldId id="266" r:id="rId12"/>
+    <p:sldId id="267" r:id="rId13"/>
   </p:sldIdLst>
   <p:sldSz cx="12192000" cy="6858000"/>
   <p:notesSz cx="6858000" cy="9144000"/>
@@ -250,7 +254,7 @@
           <a:p>
             <a:fld id="{F7249F8D-641B-4CAF-BAE5-10524742F6F1}" type="datetimeFigureOut">
               <a:rPr lang="en-CA" smtClean="0"/>
-              <a:t>2018-05-28</a:t>
+              <a:t>2018-06-04</a:t>
             </a:fld>
             <a:endParaRPr lang="en-CA"/>
           </a:p>
@@ -420,7 +424,7 @@
           <a:p>
             <a:fld id="{F7249F8D-641B-4CAF-BAE5-10524742F6F1}" type="datetimeFigureOut">
               <a:rPr lang="en-CA" smtClean="0"/>
-              <a:t>2018-05-28</a:t>
+              <a:t>2018-06-04</a:t>
             </a:fld>
             <a:endParaRPr lang="en-CA"/>
           </a:p>
@@ -600,7 +604,7 @@
           <a:p>
             <a:fld id="{F7249F8D-641B-4CAF-BAE5-10524742F6F1}" type="datetimeFigureOut">
               <a:rPr lang="en-CA" smtClean="0"/>
-              <a:t>2018-05-28</a:t>
+              <a:t>2018-06-04</a:t>
             </a:fld>
             <a:endParaRPr lang="en-CA"/>
           </a:p>
@@ -770,7 +774,7 @@
           <a:p>
             <a:fld id="{F7249F8D-641B-4CAF-BAE5-10524742F6F1}" type="datetimeFigureOut">
               <a:rPr lang="en-CA" smtClean="0"/>
-              <a:t>2018-05-28</a:t>
+              <a:t>2018-06-04</a:t>
             </a:fld>
             <a:endParaRPr lang="en-CA"/>
           </a:p>
@@ -1016,7 +1020,7 @@
           <a:p>
             <a:fld id="{F7249F8D-641B-4CAF-BAE5-10524742F6F1}" type="datetimeFigureOut">
               <a:rPr lang="en-CA" smtClean="0"/>
-              <a:t>2018-05-28</a:t>
+              <a:t>2018-06-04</a:t>
             </a:fld>
             <a:endParaRPr lang="en-CA"/>
           </a:p>
@@ -1248,7 +1252,7 @@
           <a:p>
             <a:fld id="{F7249F8D-641B-4CAF-BAE5-10524742F6F1}" type="datetimeFigureOut">
               <a:rPr lang="en-CA" smtClean="0"/>
-              <a:t>2018-05-28</a:t>
+              <a:t>2018-06-04</a:t>
             </a:fld>
             <a:endParaRPr lang="en-CA"/>
           </a:p>
@@ -1615,7 +1619,7 @@
           <a:p>
             <a:fld id="{F7249F8D-641B-4CAF-BAE5-10524742F6F1}" type="datetimeFigureOut">
               <a:rPr lang="en-CA" smtClean="0"/>
-              <a:t>2018-05-28</a:t>
+              <a:t>2018-06-04</a:t>
             </a:fld>
             <a:endParaRPr lang="en-CA"/>
           </a:p>
@@ -1733,7 +1737,7 @@
           <a:p>
             <a:fld id="{F7249F8D-641B-4CAF-BAE5-10524742F6F1}" type="datetimeFigureOut">
               <a:rPr lang="en-CA" smtClean="0"/>
-              <a:t>2018-05-28</a:t>
+              <a:t>2018-06-04</a:t>
             </a:fld>
             <a:endParaRPr lang="en-CA"/>
           </a:p>
@@ -1828,7 +1832,7 @@
           <a:p>
             <a:fld id="{F7249F8D-641B-4CAF-BAE5-10524742F6F1}" type="datetimeFigureOut">
               <a:rPr lang="en-CA" smtClean="0"/>
-              <a:t>2018-05-28</a:t>
+              <a:t>2018-06-04</a:t>
             </a:fld>
             <a:endParaRPr lang="en-CA"/>
           </a:p>
@@ -2105,7 +2109,7 @@
           <a:p>
             <a:fld id="{F7249F8D-641B-4CAF-BAE5-10524742F6F1}" type="datetimeFigureOut">
               <a:rPr lang="en-CA" smtClean="0"/>
-              <a:t>2018-05-28</a:t>
+              <a:t>2018-06-04</a:t>
             </a:fld>
             <a:endParaRPr lang="en-CA"/>
           </a:p>
@@ -2358,7 +2362,7 @@
           <a:p>
             <a:fld id="{F7249F8D-641B-4CAF-BAE5-10524742F6F1}" type="datetimeFigureOut">
               <a:rPr lang="en-CA" smtClean="0"/>
-              <a:t>2018-05-28</a:t>
+              <a:t>2018-06-04</a:t>
             </a:fld>
             <a:endParaRPr lang="en-CA"/>
           </a:p>
@@ -2571,7 +2575,7 @@
           <a:p>
             <a:fld id="{F7249F8D-641B-4CAF-BAE5-10524742F6F1}" type="datetimeFigureOut">
               <a:rPr lang="en-CA" smtClean="0"/>
-              <a:t>2018-05-28</a:t>
+              <a:t>2018-06-04</a:t>
             </a:fld>
             <a:endParaRPr lang="en-CA"/>
           </a:p>
@@ -4165,6 +4169,2199 @@
     <p:extLst>
       <p:ext uri="{BB962C8B-B14F-4D97-AF65-F5344CB8AC3E}">
         <p14:creationId xmlns:p14="http://schemas.microsoft.com/office/powerpoint/2010/main" val="2171436321"/>
+      </p:ext>
+    </p:extLst>
+  </p:cSld>
+  <p:clrMapOvr>
+    <a:masterClrMapping/>
+  </p:clrMapOvr>
+</p:sld>
+</file>
+
+<file path=ppt/slides/slide10.xml><?xml version="1.0" encoding="utf-8"?>
+<p:sld xmlns:a="http://schemas.openxmlformats.org/drawingml/2006/main" xmlns:r="http://schemas.openxmlformats.org/officeDocument/2006/relationships" xmlns:p="http://schemas.openxmlformats.org/presentationml/2006/main">
+  <p:cSld>
+    <p:spTree>
+      <p:nvGrpSpPr>
+        <p:cNvPr id="1" name=""/>
+        <p:cNvGrpSpPr/>
+        <p:nvPr/>
+      </p:nvGrpSpPr>
+      <p:grpSpPr>
+        <a:xfrm>
+          <a:off x="0" y="0"/>
+          <a:ext cx="0" cy="0"/>
+          <a:chOff x="0" y="0"/>
+          <a:chExt cx="0" cy="0"/>
+        </a:xfrm>
+      </p:grpSpPr>
+      <p:pic>
+        <p:nvPicPr>
+          <p:cNvPr id="19" name="Picture 18">
+            <a:extLst>
+              <a:ext uri="{FF2B5EF4-FFF2-40B4-BE49-F238E27FC236}">
+                <a16:creationId xmlns:a16="http://schemas.microsoft.com/office/drawing/2014/main" id="{CEA7C585-4AC1-C345-9A08-739DBF8DED93}"/>
+              </a:ext>
+            </a:extLst>
+          </p:cNvPr>
+          <p:cNvPicPr>
+            <a:picLocks noChangeAspect="1"/>
+          </p:cNvPicPr>
+          <p:nvPr/>
+        </p:nvPicPr>
+        <p:blipFill>
+          <a:blip r:embed="rId2">
+            <a:extLst>
+              <a:ext uri="{28A0092B-C50C-407E-A947-70E740481C1C}">
+                <a14:useLocalDpi xmlns:a14="http://schemas.microsoft.com/office/drawing/2010/main" val="0"/>
+              </a:ext>
+            </a:extLst>
+          </a:blip>
+          <a:stretch>
+            <a:fillRect/>
+          </a:stretch>
+        </p:blipFill>
+        <p:spPr>
+          <a:xfrm rot="19694025">
+            <a:off x="311003" y="1265948"/>
+            <a:ext cx="1489188" cy="882682"/>
+          </a:xfrm>
+          <a:prstGeom prst="rect">
+            <a:avLst/>
+          </a:prstGeom>
+        </p:spPr>
+      </p:pic>
+      <p:pic>
+        <p:nvPicPr>
+          <p:cNvPr id="17" name="Picture 16">
+            <a:extLst>
+              <a:ext uri="{FF2B5EF4-FFF2-40B4-BE49-F238E27FC236}">
+                <a16:creationId xmlns:a16="http://schemas.microsoft.com/office/drawing/2014/main" id="{EEF707B4-8939-CA48-A54F-4E1C6EB4CCA5}"/>
+              </a:ext>
+            </a:extLst>
+          </p:cNvPr>
+          <p:cNvPicPr>
+            <a:picLocks noChangeAspect="1"/>
+          </p:cNvPicPr>
+          <p:nvPr/>
+        </p:nvPicPr>
+        <p:blipFill>
+          <a:blip r:embed="rId3">
+            <a:extLst>
+              <a:ext uri="{28A0092B-C50C-407E-A947-70E740481C1C}">
+                <a14:useLocalDpi xmlns:a14="http://schemas.microsoft.com/office/drawing/2010/main" val="0"/>
+              </a:ext>
+            </a:extLst>
+          </a:blip>
+          <a:stretch>
+            <a:fillRect/>
+          </a:stretch>
+        </p:blipFill>
+        <p:spPr>
+          <a:xfrm>
+            <a:off x="311782" y="4256594"/>
+            <a:ext cx="1670050" cy="1538471"/>
+          </a:xfrm>
+          <a:prstGeom prst="rect">
+            <a:avLst/>
+          </a:prstGeom>
+        </p:spPr>
+      </p:pic>
+      <p:grpSp>
+        <p:nvGrpSpPr>
+          <p:cNvPr id="73" name="Group 72">
+            <a:extLst>
+              <a:ext uri="{FF2B5EF4-FFF2-40B4-BE49-F238E27FC236}">
+                <a16:creationId xmlns:a16="http://schemas.microsoft.com/office/drawing/2014/main" id="{E341D7A9-8730-824D-9FA7-722A3869558A}"/>
+              </a:ext>
+            </a:extLst>
+          </p:cNvPr>
+          <p:cNvGrpSpPr/>
+          <p:nvPr/>
+        </p:nvGrpSpPr>
+        <p:grpSpPr>
+          <a:xfrm>
+            <a:off x="3902404" y="674069"/>
+            <a:ext cx="3424148" cy="4250525"/>
+            <a:chOff x="3902404" y="674069"/>
+            <a:chExt cx="3424148" cy="4250525"/>
+          </a:xfrm>
+        </p:grpSpPr>
+        <p:pic>
+          <p:nvPicPr>
+            <p:cNvPr id="5" name="Picture 4">
+              <a:extLst>
+                <a:ext uri="{FF2B5EF4-FFF2-40B4-BE49-F238E27FC236}">
+                  <a16:creationId xmlns:a16="http://schemas.microsoft.com/office/drawing/2014/main" id="{84320F98-3341-BA42-B376-E667EA284AB9}"/>
+                </a:ext>
+              </a:extLst>
+            </p:cNvPr>
+            <p:cNvPicPr>
+              <a:picLocks noChangeAspect="1"/>
+            </p:cNvPicPr>
+            <p:nvPr/>
+          </p:nvPicPr>
+          <p:blipFill>
+            <a:blip r:embed="rId4">
+              <a:extLst>
+                <a:ext uri="{28A0092B-C50C-407E-A947-70E740481C1C}">
+                  <a14:useLocalDpi xmlns:a14="http://schemas.microsoft.com/office/drawing/2010/main" val="0"/>
+                </a:ext>
+              </a:extLst>
+            </a:blip>
+            <a:stretch>
+              <a:fillRect/>
+            </a:stretch>
+          </p:blipFill>
+          <p:spPr>
+            <a:xfrm rot="18150655">
+              <a:off x="5143067" y="2058992"/>
+              <a:ext cx="2570419" cy="1753776"/>
+            </a:xfrm>
+            <a:prstGeom prst="rect">
+              <a:avLst/>
+            </a:prstGeom>
+          </p:spPr>
+        </p:pic>
+        <p:cxnSp>
+          <p:nvCxnSpPr>
+            <p:cNvPr id="22" name="Straight Arrow Connector 21">
+              <a:extLst>
+                <a:ext uri="{FF2B5EF4-FFF2-40B4-BE49-F238E27FC236}">
+                  <a16:creationId xmlns:a16="http://schemas.microsoft.com/office/drawing/2014/main" id="{83825F84-64F0-7A4B-9473-6B21120226B9}"/>
+                </a:ext>
+              </a:extLst>
+            </p:cNvPr>
+            <p:cNvCxnSpPr>
+              <a:cxnSpLocks/>
+            </p:cNvCxnSpPr>
+            <p:nvPr/>
+          </p:nvCxnSpPr>
+          <p:spPr>
+            <a:xfrm flipH="1" flipV="1">
+              <a:off x="5650694" y="1380784"/>
+              <a:ext cx="563579" cy="970839"/>
+            </a:xfrm>
+            <a:prstGeom prst="straightConnector1">
+              <a:avLst/>
+            </a:prstGeom>
+            <a:ln w="38100">
+              <a:solidFill>
+                <a:schemeClr val="tx1"/>
+              </a:solidFill>
+              <a:tailEnd type="triangle"/>
+            </a:ln>
+          </p:spPr>
+          <p:style>
+            <a:lnRef idx="1">
+              <a:schemeClr val="accent1"/>
+            </a:lnRef>
+            <a:fillRef idx="0">
+              <a:schemeClr val="accent1"/>
+            </a:fillRef>
+            <a:effectRef idx="0">
+              <a:schemeClr val="accent1"/>
+            </a:effectRef>
+            <a:fontRef idx="minor">
+              <a:schemeClr val="tx1"/>
+            </a:fontRef>
+          </p:style>
+        </p:cxnSp>
+        <p:cxnSp>
+          <p:nvCxnSpPr>
+            <p:cNvPr id="25" name="Straight Arrow Connector 24">
+              <a:extLst>
+                <a:ext uri="{FF2B5EF4-FFF2-40B4-BE49-F238E27FC236}">
+                  <a16:creationId xmlns:a16="http://schemas.microsoft.com/office/drawing/2014/main" id="{C7E30327-D32A-7A48-B1D7-63BCB6D1C079}"/>
+                </a:ext>
+              </a:extLst>
+            </p:cNvPr>
+            <p:cNvCxnSpPr>
+              <a:cxnSpLocks/>
+            </p:cNvCxnSpPr>
+            <p:nvPr/>
+          </p:nvCxnSpPr>
+          <p:spPr>
+            <a:xfrm flipV="1">
+              <a:off x="6428276" y="2198809"/>
+              <a:ext cx="555362" cy="356697"/>
+            </a:xfrm>
+            <a:prstGeom prst="straightConnector1">
+              <a:avLst/>
+            </a:prstGeom>
+            <a:ln w="38100">
+              <a:solidFill>
+                <a:schemeClr val="tx1"/>
+              </a:solidFill>
+              <a:tailEnd type="triangle"/>
+            </a:ln>
+          </p:spPr>
+          <p:style>
+            <a:lnRef idx="1">
+              <a:schemeClr val="accent1"/>
+            </a:lnRef>
+            <a:fillRef idx="0">
+              <a:schemeClr val="accent1"/>
+            </a:fillRef>
+            <a:effectRef idx="0">
+              <a:schemeClr val="accent1"/>
+            </a:effectRef>
+            <a:fontRef idx="minor">
+              <a:schemeClr val="tx1"/>
+            </a:fontRef>
+          </p:style>
+        </p:cxnSp>
+        <p:cxnSp>
+          <p:nvCxnSpPr>
+            <p:cNvPr id="27" name="Straight Arrow Connector 26">
+              <a:extLst>
+                <a:ext uri="{FF2B5EF4-FFF2-40B4-BE49-F238E27FC236}">
+                  <a16:creationId xmlns:a16="http://schemas.microsoft.com/office/drawing/2014/main" id="{AE80DFD5-4A51-FE47-A98C-467D6E5A58D8}"/>
+                </a:ext>
+              </a:extLst>
+            </p:cNvPr>
+            <p:cNvCxnSpPr>
+              <a:cxnSpLocks/>
+            </p:cNvCxnSpPr>
+            <p:nvPr/>
+          </p:nvCxnSpPr>
+          <p:spPr>
+            <a:xfrm>
+              <a:off x="6541798" y="3419314"/>
+              <a:ext cx="0" cy="1505280"/>
+            </a:xfrm>
+            <a:prstGeom prst="straightConnector1">
+              <a:avLst/>
+            </a:prstGeom>
+            <a:ln w="38100">
+              <a:solidFill>
+                <a:schemeClr val="tx1"/>
+              </a:solidFill>
+              <a:tailEnd type="triangle"/>
+            </a:ln>
+          </p:spPr>
+          <p:style>
+            <a:lnRef idx="1">
+              <a:schemeClr val="accent1"/>
+            </a:lnRef>
+            <a:fillRef idx="0">
+              <a:schemeClr val="accent1"/>
+            </a:fillRef>
+            <a:effectRef idx="0">
+              <a:schemeClr val="accent1"/>
+            </a:effectRef>
+            <a:fontRef idx="minor">
+              <a:schemeClr val="tx1"/>
+            </a:fontRef>
+          </p:style>
+        </p:cxnSp>
+        <mc:AlternateContent xmlns:mc="http://schemas.openxmlformats.org/markup-compatibility/2006">
+          <mc:Choice xmlns:a14="http://schemas.microsoft.com/office/drawing/2010/main" Requires="a14">
+            <p:sp>
+              <p:nvSpPr>
+                <p:cNvPr id="38" name="Rectangle 37">
+                  <a:extLst>
+                    <a:ext uri="{FF2B5EF4-FFF2-40B4-BE49-F238E27FC236}">
+                      <a16:creationId xmlns:a16="http://schemas.microsoft.com/office/drawing/2014/main" id="{B4A04741-0A13-E741-BCC1-DF73A2C5ACE3}"/>
+                    </a:ext>
+                  </a:extLst>
+                </p:cNvPr>
+                <p:cNvSpPr/>
+                <p:nvPr/>
+              </p:nvSpPr>
+              <p:spPr>
+                <a:xfrm>
+                  <a:off x="6064224" y="3968508"/>
+                  <a:ext cx="600984" cy="453137"/>
+                </a:xfrm>
+                <a:prstGeom prst="rect">
+                  <a:avLst/>
+                </a:prstGeom>
+              </p:spPr>
+              <p:txBody>
+                <a:bodyPr wrap="square">
+                  <a:spAutoFit/>
+                </a:bodyPr>
+                <a:lstStyle/>
+                <a:p>
+                  <a14:m>
+                    <m:oMath xmlns:m="http://schemas.openxmlformats.org/officeDocument/2006/math">
+                      <m:r>
+                        <a:rPr lang="en-US" sz="2400" b="0" i="1" smtClean="0">
+                          <a:latin typeface="Cambria Math" panose="02040503050406030204" pitchFamily="18" charset="0"/>
+                          <a:cs typeface="Arial" panose="020B0604020202020204" pitchFamily="34" charset="0"/>
+                        </a:rPr>
+                        <m:t>𝜃</m:t>
+                      </m:r>
+                    </m:oMath>
+                  </a14:m>
+                  <a:r>
+                    <a:rPr lang="en-CA" dirty="0"/>
+                    <a:t> </a:t>
+                  </a:r>
+                </a:p>
+              </p:txBody>
+            </p:sp>
+          </mc:Choice>
+          <mc:Fallback>
+            <p:sp>
+              <p:nvSpPr>
+                <p:cNvPr id="38" name="Rectangle 37">
+                  <a:extLst>
+                    <a:ext uri="{FF2B5EF4-FFF2-40B4-BE49-F238E27FC236}">
+                      <a16:creationId xmlns:a16="http://schemas.microsoft.com/office/drawing/2014/main" id="{B4A04741-0A13-E741-BCC1-DF73A2C5ACE3}"/>
+                    </a:ext>
+                  </a:extLst>
+                </p:cNvPr>
+                <p:cNvSpPr>
+                  <a:spLocks noRot="1" noChangeAspect="1" noMove="1" noResize="1" noEditPoints="1" noAdjustHandles="1" noChangeArrowheads="1" noChangeShapeType="1" noTextEdit="1"/>
+                </p:cNvSpPr>
+                <p:nvPr/>
+              </p:nvSpPr>
+              <p:spPr>
+                <a:xfrm>
+                  <a:off x="6064224" y="3968508"/>
+                  <a:ext cx="600984" cy="453137"/>
+                </a:xfrm>
+                <a:prstGeom prst="rect">
+                  <a:avLst/>
+                </a:prstGeom>
+                <a:blipFill>
+                  <a:blip r:embed="rId5"/>
+                  <a:stretch>
+                    <a:fillRect/>
+                  </a:stretch>
+                </a:blipFill>
+              </p:spPr>
+              <p:txBody>
+                <a:bodyPr/>
+                <a:lstStyle/>
+                <a:p>
+                  <a:r>
+                    <a:rPr lang="en-US">
+                      <a:noFill/>
+                    </a:rPr>
+                    <a:t> </a:t>
+                  </a:r>
+                </a:p>
+              </p:txBody>
+            </p:sp>
+          </mc:Fallback>
+        </mc:AlternateContent>
+        <p:sp>
+          <p:nvSpPr>
+            <p:cNvPr id="39" name="Arc 38">
+              <a:extLst>
+                <a:ext uri="{FF2B5EF4-FFF2-40B4-BE49-F238E27FC236}">
+                  <a16:creationId xmlns:a16="http://schemas.microsoft.com/office/drawing/2014/main" id="{98A52D6D-B964-AD43-BCBA-962B6A16D7BE}"/>
+                </a:ext>
+              </a:extLst>
+            </p:cNvPr>
+            <p:cNvSpPr/>
+            <p:nvPr/>
+          </p:nvSpPr>
+          <p:spPr>
+            <a:xfrm rot="10286470">
+              <a:off x="6219642" y="3448852"/>
+              <a:ext cx="437446" cy="541157"/>
+            </a:xfrm>
+            <a:prstGeom prst="arc">
+              <a:avLst>
+                <a:gd name="adj1" fmla="val 15281352"/>
+                <a:gd name="adj2" fmla="val 660529"/>
+              </a:avLst>
+            </a:prstGeom>
+            <a:ln w="38100">
+              <a:solidFill>
+                <a:schemeClr val="tx1"/>
+              </a:solidFill>
+              <a:prstDash val="sysDot"/>
+            </a:ln>
+          </p:spPr>
+          <p:style>
+            <a:lnRef idx="1">
+              <a:schemeClr val="accent1"/>
+            </a:lnRef>
+            <a:fillRef idx="0">
+              <a:schemeClr val="accent1"/>
+            </a:fillRef>
+            <a:effectRef idx="0">
+              <a:schemeClr val="accent1"/>
+            </a:effectRef>
+            <a:fontRef idx="minor">
+              <a:schemeClr val="tx1"/>
+            </a:fontRef>
+          </p:style>
+          <p:txBody>
+            <a:bodyPr rtlCol="0" anchor="ctr"/>
+            <a:lstStyle/>
+            <a:p>
+              <a:pPr algn="ctr"/>
+              <a:endParaRPr lang="en-CA"/>
+            </a:p>
+          </p:txBody>
+        </p:sp>
+        <p:grpSp>
+          <p:nvGrpSpPr>
+            <p:cNvPr id="67" name="Group 66">
+              <a:extLst>
+                <a:ext uri="{FF2B5EF4-FFF2-40B4-BE49-F238E27FC236}">
+                  <a16:creationId xmlns:a16="http://schemas.microsoft.com/office/drawing/2014/main" id="{DA028E65-79F9-4A47-84BC-CCEF3479D1DA}"/>
+                </a:ext>
+              </a:extLst>
+            </p:cNvPr>
+            <p:cNvGrpSpPr/>
+            <p:nvPr/>
+          </p:nvGrpSpPr>
+          <p:grpSpPr>
+            <a:xfrm rot="19864406">
+              <a:off x="3902404" y="3257160"/>
+              <a:ext cx="1462052" cy="1540672"/>
+              <a:chOff x="1781272" y="2983877"/>
+              <a:chExt cx="1146864" cy="1198871"/>
+            </a:xfrm>
+          </p:grpSpPr>
+          <p:cxnSp>
+            <p:nvCxnSpPr>
+              <p:cNvPr id="61" name="Straight Arrow Connector 60">
+                <a:extLst>
+                  <a:ext uri="{FF2B5EF4-FFF2-40B4-BE49-F238E27FC236}">
+                    <a16:creationId xmlns:a16="http://schemas.microsoft.com/office/drawing/2014/main" id="{8A63031D-CAA9-3045-AA66-AF4CA2688C19}"/>
+                  </a:ext>
+                </a:extLst>
+              </p:cNvPr>
+              <p:cNvCxnSpPr/>
+              <p:nvPr/>
+            </p:nvCxnSpPr>
+            <p:spPr>
+              <a:xfrm flipV="1">
+                <a:off x="2133600" y="3124664"/>
+                <a:ext cx="0" cy="687726"/>
+              </a:xfrm>
+              <a:prstGeom prst="straightConnector1">
+                <a:avLst/>
+              </a:prstGeom>
+              <a:ln w="38100">
+                <a:solidFill>
+                  <a:schemeClr val="tx1"/>
+                </a:solidFill>
+                <a:tailEnd type="triangle"/>
+              </a:ln>
+            </p:spPr>
+            <p:style>
+              <a:lnRef idx="1">
+                <a:schemeClr val="accent1"/>
+              </a:lnRef>
+              <a:fillRef idx="0">
+                <a:schemeClr val="accent1"/>
+              </a:fillRef>
+              <a:effectRef idx="0">
+                <a:schemeClr val="accent1"/>
+              </a:effectRef>
+              <a:fontRef idx="minor">
+                <a:schemeClr val="tx1"/>
+              </a:fontRef>
+            </p:style>
+          </p:cxnSp>
+          <p:cxnSp>
+            <p:nvCxnSpPr>
+              <p:cNvPr id="62" name="Straight Arrow Connector 61">
+                <a:extLst>
+                  <a:ext uri="{FF2B5EF4-FFF2-40B4-BE49-F238E27FC236}">
+                    <a16:creationId xmlns:a16="http://schemas.microsoft.com/office/drawing/2014/main" id="{9068D077-B250-6344-9DB8-EE8E96E33196}"/>
+                  </a:ext>
+                </a:extLst>
+              </p:cNvPr>
+              <p:cNvCxnSpPr>
+                <a:cxnSpLocks/>
+              </p:cNvCxnSpPr>
+              <p:nvPr/>
+            </p:nvCxnSpPr>
+            <p:spPr>
+              <a:xfrm rot="5400000" flipH="1" flipV="1">
+                <a:off x="2466782" y="3474875"/>
+                <a:ext cx="0" cy="687726"/>
+              </a:xfrm>
+              <a:prstGeom prst="straightConnector1">
+                <a:avLst/>
+              </a:prstGeom>
+              <a:ln w="38100">
+                <a:solidFill>
+                  <a:schemeClr val="tx1"/>
+                </a:solidFill>
+                <a:tailEnd type="triangle"/>
+              </a:ln>
+            </p:spPr>
+            <p:style>
+              <a:lnRef idx="1">
+                <a:schemeClr val="accent1"/>
+              </a:lnRef>
+              <a:fillRef idx="0">
+                <a:schemeClr val="accent1"/>
+              </a:fillRef>
+              <a:effectRef idx="0">
+                <a:schemeClr val="accent1"/>
+              </a:effectRef>
+              <a:fontRef idx="minor">
+                <a:schemeClr val="tx1"/>
+              </a:fontRef>
+            </p:style>
+          </p:cxnSp>
+          <p:sp>
+            <p:nvSpPr>
+              <p:cNvPr id="63" name="Rectangle 62">
+                <a:extLst>
+                  <a:ext uri="{FF2B5EF4-FFF2-40B4-BE49-F238E27FC236}">
+                    <a16:creationId xmlns:a16="http://schemas.microsoft.com/office/drawing/2014/main" id="{BF4A76EB-7607-AD41-8F3D-59893DC96394}"/>
+                  </a:ext>
+                </a:extLst>
+              </p:cNvPr>
+              <p:cNvSpPr/>
+              <p:nvPr/>
+            </p:nvSpPr>
+            <p:spPr>
+              <a:xfrm>
+                <a:off x="1860655" y="3747997"/>
+                <a:ext cx="401120" cy="400110"/>
+              </a:xfrm>
+              <a:prstGeom prst="rect">
+                <a:avLst/>
+              </a:prstGeom>
+            </p:spPr>
+            <p:txBody>
+              <a:bodyPr wrap="square">
+                <a:spAutoFit/>
+              </a:bodyPr>
+              <a:lstStyle/>
+              <a:p>
+                <a:r>
+                  <a:rPr lang="en-CA" sz="2000" dirty="0">
+                    <a:latin typeface="Cambria Math" panose="02040503050406030204" pitchFamily="18" charset="0"/>
+                    <a:ea typeface="Cambria Math" panose="02040503050406030204" pitchFamily="18" charset="0"/>
+                  </a:rPr>
+                  <a:t>0</a:t>
+                </a:r>
+                <a:r>
+                  <a:rPr lang="en-CA" sz="2000" dirty="0"/>
+                  <a:t> </a:t>
+                </a:r>
+              </a:p>
+            </p:txBody>
+          </p:sp>
+          <mc:AlternateContent xmlns:mc="http://schemas.openxmlformats.org/markup-compatibility/2006">
+            <mc:Choice xmlns:a14="http://schemas.microsoft.com/office/drawing/2010/main" Requires="a14">
+              <p:sp>
+                <p:nvSpPr>
+                  <p:cNvPr id="65" name="Rectangle 64">
+                    <a:extLst>
+                      <a:ext uri="{FF2B5EF4-FFF2-40B4-BE49-F238E27FC236}">
+                        <a16:creationId xmlns:a16="http://schemas.microsoft.com/office/drawing/2014/main" id="{18D3870A-EAC4-6848-9CD3-D35EC430F1FC}"/>
+                      </a:ext>
+                    </a:extLst>
+                  </p:cNvPr>
+                  <p:cNvSpPr/>
+                  <p:nvPr/>
+                </p:nvSpPr>
+                <p:spPr>
+                  <a:xfrm>
+                    <a:off x="1781272" y="2983877"/>
+                    <a:ext cx="401120" cy="400110"/>
+                  </a:xfrm>
+                  <a:prstGeom prst="rect">
+                    <a:avLst/>
+                  </a:prstGeom>
+                </p:spPr>
+                <p:txBody>
+                  <a:bodyPr wrap="square">
+                    <a:spAutoFit/>
+                  </a:bodyPr>
+                  <a:lstStyle/>
+                  <a:p>
+                    <a14:m>
+                      <m:oMath xmlns:m="http://schemas.openxmlformats.org/officeDocument/2006/math">
+                        <m:r>
+                          <a:rPr lang="en-US" sz="2000" i="1">
+                            <a:latin typeface="Cambria Math" panose="02040503050406030204" pitchFamily="18" charset="0"/>
+                          </a:rPr>
+                          <m:t>𝑦</m:t>
+                        </m:r>
+                      </m:oMath>
+                    </a14:m>
+                    <a:r>
+                      <a:rPr lang="en-CA" sz="2000" dirty="0"/>
+                      <a:t> </a:t>
+                    </a:r>
+                  </a:p>
+                </p:txBody>
+              </p:sp>
+            </mc:Choice>
+            <mc:Fallback>
+              <p:sp>
+                <p:nvSpPr>
+                  <p:cNvPr id="65" name="Rectangle 64">
+                    <a:extLst>
+                      <a:ext uri="{FF2B5EF4-FFF2-40B4-BE49-F238E27FC236}">
+                        <a16:creationId xmlns:a16="http://schemas.microsoft.com/office/drawing/2014/main" id="{18D3870A-EAC4-6848-9CD3-D35EC430F1FC}"/>
+                      </a:ext>
+                    </a:extLst>
+                  </p:cNvPr>
+                  <p:cNvSpPr>
+                    <a:spLocks noRot="1" noChangeAspect="1" noMove="1" noResize="1" noEditPoints="1" noAdjustHandles="1" noChangeArrowheads="1" noChangeShapeType="1" noTextEdit="1"/>
+                  </p:cNvSpPr>
+                  <p:nvPr/>
+                </p:nvSpPr>
+                <p:spPr>
+                  <a:xfrm>
+                    <a:off x="1781272" y="2983877"/>
+                    <a:ext cx="401120" cy="400110"/>
+                  </a:xfrm>
+                  <a:prstGeom prst="rect">
+                    <a:avLst/>
+                  </a:prstGeom>
+                  <a:blipFill>
+                    <a:blip r:embed="rId6"/>
+                    <a:stretch>
+                      <a:fillRect/>
+                    </a:stretch>
+                  </a:blipFill>
+                </p:spPr>
+                <p:txBody>
+                  <a:bodyPr/>
+                  <a:lstStyle/>
+                  <a:p>
+                    <a:r>
+                      <a:rPr lang="en-US">
+                        <a:noFill/>
+                      </a:rPr>
+                      <a:t> </a:t>
+                    </a:r>
+                  </a:p>
+                </p:txBody>
+              </p:sp>
+            </mc:Fallback>
+          </mc:AlternateContent>
+          <mc:AlternateContent xmlns:mc="http://schemas.openxmlformats.org/markup-compatibility/2006">
+            <mc:Choice xmlns:a14="http://schemas.microsoft.com/office/drawing/2010/main" Requires="a14">
+              <p:sp>
+                <p:nvSpPr>
+                  <p:cNvPr id="66" name="Rectangle 65">
+                    <a:extLst>
+                      <a:ext uri="{FF2B5EF4-FFF2-40B4-BE49-F238E27FC236}">
+                        <a16:creationId xmlns:a16="http://schemas.microsoft.com/office/drawing/2014/main" id="{DB675D4B-26F0-DE47-B99B-69C8B788B8EB}"/>
+                      </a:ext>
+                    </a:extLst>
+                  </p:cNvPr>
+                  <p:cNvSpPr/>
+                  <p:nvPr/>
+                </p:nvSpPr>
+                <p:spPr>
+                  <a:xfrm>
+                    <a:off x="2591389" y="3782638"/>
+                    <a:ext cx="336747" cy="400110"/>
+                  </a:xfrm>
+                  <a:prstGeom prst="rect">
+                    <a:avLst/>
+                  </a:prstGeom>
+                </p:spPr>
+                <p:txBody>
+                  <a:bodyPr wrap="square">
+                    <a:spAutoFit/>
+                  </a:bodyPr>
+                  <a:lstStyle/>
+                  <a:p>
+                    <a14:m>
+                      <m:oMath xmlns:m="http://schemas.openxmlformats.org/officeDocument/2006/math">
+                        <m:r>
+                          <a:rPr lang="en-US" sz="2000" i="1">
+                            <a:latin typeface="Cambria Math" panose="02040503050406030204" pitchFamily="18" charset="0"/>
+                            <a:cs typeface="Arial" panose="020B0604020202020204" pitchFamily="34" charset="0"/>
+                          </a:rPr>
+                          <m:t>𝑥</m:t>
+                        </m:r>
+                      </m:oMath>
+                    </a14:m>
+                    <a:r>
+                      <a:rPr lang="en-CA" sz="2000" i="1" dirty="0"/>
+                      <a:t> </a:t>
+                    </a:r>
+                  </a:p>
+                </p:txBody>
+              </p:sp>
+            </mc:Choice>
+            <mc:Fallback>
+              <p:sp>
+                <p:nvSpPr>
+                  <p:cNvPr id="66" name="Rectangle 65">
+                    <a:extLst>
+                      <a:ext uri="{FF2B5EF4-FFF2-40B4-BE49-F238E27FC236}">
+                        <a16:creationId xmlns:a16="http://schemas.microsoft.com/office/drawing/2014/main" id="{DB675D4B-26F0-DE47-B99B-69C8B788B8EB}"/>
+                      </a:ext>
+                    </a:extLst>
+                  </p:cNvPr>
+                  <p:cNvSpPr>
+                    <a:spLocks noRot="1" noChangeAspect="1" noMove="1" noResize="1" noEditPoints="1" noAdjustHandles="1" noChangeArrowheads="1" noChangeShapeType="1" noTextEdit="1"/>
+                  </p:cNvSpPr>
+                  <p:nvPr/>
+                </p:nvSpPr>
+                <p:spPr>
+                  <a:xfrm>
+                    <a:off x="2591389" y="3782638"/>
+                    <a:ext cx="336747" cy="400110"/>
+                  </a:xfrm>
+                  <a:prstGeom prst="rect">
+                    <a:avLst/>
+                  </a:prstGeom>
+                  <a:blipFill>
+                    <a:blip r:embed="rId7"/>
+                    <a:stretch>
+                      <a:fillRect/>
+                    </a:stretch>
+                  </a:blipFill>
+                </p:spPr>
+                <p:txBody>
+                  <a:bodyPr/>
+                  <a:lstStyle/>
+                  <a:p>
+                    <a:r>
+                      <a:rPr lang="en-US">
+                        <a:noFill/>
+                      </a:rPr>
+                      <a:t> </a:t>
+                    </a:r>
+                  </a:p>
+                </p:txBody>
+              </p:sp>
+            </mc:Fallback>
+          </mc:AlternateContent>
+        </p:grpSp>
+        <mc:AlternateContent xmlns:mc="http://schemas.openxmlformats.org/markup-compatibility/2006">
+          <mc:Choice xmlns:a14="http://schemas.microsoft.com/office/drawing/2010/main" Requires="a14">
+            <p:sp>
+              <p:nvSpPr>
+                <p:cNvPr id="68" name="Rectangle 67">
+                  <a:extLst>
+                    <a:ext uri="{FF2B5EF4-FFF2-40B4-BE49-F238E27FC236}">
+                      <a16:creationId xmlns:a16="http://schemas.microsoft.com/office/drawing/2014/main" id="{C4CE5173-E54E-1D41-A24C-A87E1617927D}"/>
+                    </a:ext>
+                  </a:extLst>
+                </p:cNvPr>
+                <p:cNvSpPr/>
+                <p:nvPr/>
+              </p:nvSpPr>
+              <p:spPr>
+                <a:xfrm rot="19787746">
+                  <a:off x="5867124" y="1386339"/>
+                  <a:ext cx="415768" cy="437492"/>
+                </a:xfrm>
+                <a:prstGeom prst="rect">
+                  <a:avLst/>
+                </a:prstGeom>
+              </p:spPr>
+              <p:txBody>
+                <a:bodyPr wrap="square">
+                  <a:spAutoFit/>
+                </a:bodyPr>
+                <a:lstStyle/>
+                <a:p>
+                  <a14:m>
+                    <m:oMathPara xmlns:m="http://schemas.openxmlformats.org/officeDocument/2006/math">
+                      <m:oMathParaPr>
+                        <m:jc m:val="centerGroup"/>
+                      </m:oMathParaPr>
+                      <m:oMath xmlns:m="http://schemas.openxmlformats.org/officeDocument/2006/math">
+                        <m:acc>
+                          <m:accPr>
+                            <m:chr m:val="⃗"/>
+                            <m:ctrlPr>
+                              <a:rPr lang="en-US" sz="2000" i="1">
+                                <a:latin typeface="Cambria Math" panose="02040503050406030204" pitchFamily="18" charset="0"/>
+                                <a:cs typeface="Arial" panose="020B0604020202020204" pitchFamily="34" charset="0"/>
+                              </a:rPr>
+                            </m:ctrlPr>
+                          </m:accPr>
+                          <m:e>
+                            <m:r>
+                              <a:rPr lang="en-CA" sz="2000" b="0" i="1" smtClean="0">
+                                <a:latin typeface="Cambria Math" panose="02040503050406030204" pitchFamily="18" charset="0"/>
+                                <a:cs typeface="Arial" panose="020B0604020202020204" pitchFamily="34" charset="0"/>
+                              </a:rPr>
+                              <m:t>𝑁</m:t>
+                            </m:r>
+                          </m:e>
+                        </m:acc>
+                      </m:oMath>
+                    </m:oMathPara>
+                  </a14:m>
+                  <a:endParaRPr lang="en-CA" sz="2000" i="1" dirty="0">
+                    <a:latin typeface="Cambria Math" panose="02040503050406030204" pitchFamily="18" charset="0"/>
+                    <a:ea typeface="Cambria Math" panose="02040503050406030204" pitchFamily="18" charset="0"/>
+                  </a:endParaRPr>
+                </a:p>
+              </p:txBody>
+            </p:sp>
+          </mc:Choice>
+          <mc:Fallback>
+            <p:sp>
+              <p:nvSpPr>
+                <p:cNvPr id="68" name="Rectangle 67">
+                  <a:extLst>
+                    <a:ext uri="{FF2B5EF4-FFF2-40B4-BE49-F238E27FC236}">
+                      <a16:creationId xmlns:a16="http://schemas.microsoft.com/office/drawing/2014/main" id="{C4CE5173-E54E-1D41-A24C-A87E1617927D}"/>
+                    </a:ext>
+                  </a:extLst>
+                </p:cNvPr>
+                <p:cNvSpPr>
+                  <a:spLocks noRot="1" noChangeAspect="1" noMove="1" noResize="1" noEditPoints="1" noAdjustHandles="1" noChangeArrowheads="1" noChangeShapeType="1" noTextEdit="1"/>
+                </p:cNvSpPr>
+                <p:nvPr/>
+              </p:nvSpPr>
+              <p:spPr>
+                <a:xfrm rot="19787746">
+                  <a:off x="5867124" y="1386339"/>
+                  <a:ext cx="415768" cy="437492"/>
+                </a:xfrm>
+                <a:prstGeom prst="rect">
+                  <a:avLst/>
+                </a:prstGeom>
+                <a:blipFill>
+                  <a:blip r:embed="rId8"/>
+                  <a:stretch>
+                    <a:fillRect/>
+                  </a:stretch>
+                </a:blipFill>
+              </p:spPr>
+              <p:txBody>
+                <a:bodyPr/>
+                <a:lstStyle/>
+                <a:p>
+                  <a:r>
+                    <a:rPr lang="en-US">
+                      <a:noFill/>
+                    </a:rPr>
+                    <a:t> </a:t>
+                  </a:r>
+                </a:p>
+              </p:txBody>
+            </p:sp>
+          </mc:Fallback>
+        </mc:AlternateContent>
+        <mc:AlternateContent xmlns:mc="http://schemas.openxmlformats.org/markup-compatibility/2006">
+          <mc:Choice xmlns:a14="http://schemas.microsoft.com/office/drawing/2010/main" Requires="a14">
+            <p:sp>
+              <p:nvSpPr>
+                <p:cNvPr id="69" name="Rectangle 68">
+                  <a:extLst>
+                    <a:ext uri="{FF2B5EF4-FFF2-40B4-BE49-F238E27FC236}">
+                      <a16:creationId xmlns:a16="http://schemas.microsoft.com/office/drawing/2014/main" id="{4126345B-83F8-464F-86C8-88C8DDB4C2A9}"/>
+                    </a:ext>
+                  </a:extLst>
+                </p:cNvPr>
+                <p:cNvSpPr/>
+                <p:nvPr/>
+              </p:nvSpPr>
+              <p:spPr>
+                <a:xfrm rot="19621119">
+                  <a:off x="6852768" y="2251311"/>
+                  <a:ext cx="473784" cy="446404"/>
+                </a:xfrm>
+                <a:prstGeom prst="rect">
+                  <a:avLst/>
+                </a:prstGeom>
+              </p:spPr>
+              <p:txBody>
+                <a:bodyPr wrap="none">
+                  <a:spAutoFit/>
+                </a:bodyPr>
+                <a:lstStyle/>
+                <a:p>
+                  <a14:m>
+                    <m:oMathPara xmlns:m="http://schemas.openxmlformats.org/officeDocument/2006/math">
+                      <m:oMathParaPr>
+                        <m:jc m:val="centerGroup"/>
+                      </m:oMathParaPr>
+                      <m:oMath xmlns:m="http://schemas.openxmlformats.org/officeDocument/2006/math">
+                        <m:acc>
+                          <m:accPr>
+                            <m:chr m:val="⃗"/>
+                            <m:ctrlPr>
+                              <a:rPr lang="en-US" sz="2000" i="1" smtClean="0">
+                                <a:latin typeface="Cambria Math" panose="02040503050406030204" pitchFamily="18" charset="0"/>
+                                <a:cs typeface="Arial" panose="020B0604020202020204" pitchFamily="34" charset="0"/>
+                              </a:rPr>
+                            </m:ctrlPr>
+                          </m:accPr>
+                          <m:e>
+                            <m:r>
+                              <a:rPr lang="en-CA" sz="2000" b="0" i="1" smtClean="0">
+                                <a:latin typeface="Cambria Math" panose="02040503050406030204" pitchFamily="18" charset="0"/>
+                                <a:cs typeface="Arial" panose="020B0604020202020204" pitchFamily="34" charset="0"/>
+                              </a:rPr>
+                              <m:t>𝑓</m:t>
+                            </m:r>
+                          </m:e>
+                        </m:acc>
+                        <m:r>
+                          <a:rPr lang="en-CA" sz="2000" b="0" i="1" baseline="-25000" smtClean="0">
+                            <a:latin typeface="Cambria Math" panose="02040503050406030204" pitchFamily="18" charset="0"/>
+                            <a:cs typeface="Arial" panose="020B0604020202020204" pitchFamily="34" charset="0"/>
+                          </a:rPr>
+                          <m:t>𝑘</m:t>
+                        </m:r>
+                      </m:oMath>
+                    </m:oMathPara>
+                  </a14:m>
+                  <a:endParaRPr lang="en-US" sz="2000" baseline="-25000" dirty="0"/>
+                </a:p>
+              </p:txBody>
+            </p:sp>
+          </mc:Choice>
+          <mc:Fallback>
+            <p:sp>
+              <p:nvSpPr>
+                <p:cNvPr id="69" name="Rectangle 68">
+                  <a:extLst>
+                    <a:ext uri="{FF2B5EF4-FFF2-40B4-BE49-F238E27FC236}">
+                      <a16:creationId xmlns:a16="http://schemas.microsoft.com/office/drawing/2014/main" id="{4126345B-83F8-464F-86C8-88C8DDB4C2A9}"/>
+                    </a:ext>
+                  </a:extLst>
+                </p:cNvPr>
+                <p:cNvSpPr>
+                  <a:spLocks noRot="1" noChangeAspect="1" noMove="1" noResize="1" noEditPoints="1" noAdjustHandles="1" noChangeArrowheads="1" noChangeShapeType="1" noTextEdit="1"/>
+                </p:cNvSpPr>
+                <p:nvPr/>
+              </p:nvSpPr>
+              <p:spPr>
+                <a:xfrm rot="19621119">
+                  <a:off x="6852768" y="2251311"/>
+                  <a:ext cx="473784" cy="446404"/>
+                </a:xfrm>
+                <a:prstGeom prst="rect">
+                  <a:avLst/>
+                </a:prstGeom>
+                <a:blipFill>
+                  <a:blip r:embed="rId9"/>
+                  <a:stretch>
+                    <a:fillRect b="-8000"/>
+                  </a:stretch>
+                </a:blipFill>
+              </p:spPr>
+              <p:txBody>
+                <a:bodyPr/>
+                <a:lstStyle/>
+                <a:p>
+                  <a:r>
+                    <a:rPr lang="en-US">
+                      <a:noFill/>
+                    </a:rPr>
+                    <a:t> </a:t>
+                  </a:r>
+                </a:p>
+              </p:txBody>
+            </p:sp>
+          </mc:Fallback>
+        </mc:AlternateContent>
+        <mc:AlternateContent xmlns:mc="http://schemas.openxmlformats.org/markup-compatibility/2006">
+          <mc:Choice xmlns:a14="http://schemas.microsoft.com/office/drawing/2010/main" Requires="a14">
+            <p:sp>
+              <p:nvSpPr>
+                <p:cNvPr id="70" name="Rectangle 69">
+                  <a:extLst>
+                    <a:ext uri="{FF2B5EF4-FFF2-40B4-BE49-F238E27FC236}">
+                      <a16:creationId xmlns:a16="http://schemas.microsoft.com/office/drawing/2014/main" id="{1379BC8A-2F8E-EA44-BC7E-68FF4FD2E41F}"/>
+                    </a:ext>
+                  </a:extLst>
+                </p:cNvPr>
+                <p:cNvSpPr/>
+                <p:nvPr/>
+              </p:nvSpPr>
+              <p:spPr>
+                <a:xfrm>
+                  <a:off x="6609792" y="3821371"/>
+                  <a:ext cx="498791" cy="437492"/>
+                </a:xfrm>
+                <a:prstGeom prst="rect">
+                  <a:avLst/>
+                </a:prstGeom>
+              </p:spPr>
+              <p:txBody>
+                <a:bodyPr wrap="none">
+                  <a:spAutoFit/>
+                </a:bodyPr>
+                <a:lstStyle/>
+                <a:p>
+                  <a14:m>
+                    <m:oMathPara xmlns:m="http://schemas.openxmlformats.org/officeDocument/2006/math">
+                      <m:oMathParaPr>
+                        <m:jc m:val="centerGroup"/>
+                      </m:oMathParaPr>
+                      <m:oMath xmlns:m="http://schemas.openxmlformats.org/officeDocument/2006/math">
+                        <m:acc>
+                          <m:accPr>
+                            <m:chr m:val="⃗"/>
+                            <m:ctrlPr>
+                              <a:rPr lang="en-US" sz="2000" i="1" smtClean="0">
+                                <a:latin typeface="Cambria Math" panose="02040503050406030204" pitchFamily="18" charset="0"/>
+                                <a:cs typeface="Arial" panose="020B0604020202020204" pitchFamily="34" charset="0"/>
+                              </a:rPr>
+                            </m:ctrlPr>
+                          </m:accPr>
+                          <m:e>
+                            <m:r>
+                              <a:rPr lang="en-CA" sz="2000" b="0" i="1" smtClean="0">
+                                <a:latin typeface="Cambria Math" panose="02040503050406030204" pitchFamily="18" charset="0"/>
+                                <a:cs typeface="Arial" panose="020B0604020202020204" pitchFamily="34" charset="0"/>
+                              </a:rPr>
+                              <m:t>𝐹</m:t>
+                            </m:r>
+                          </m:e>
+                        </m:acc>
+                        <m:r>
+                          <a:rPr lang="en-CA" sz="2000" b="0" i="1" baseline="-25000" smtClean="0">
+                            <a:latin typeface="Cambria Math" panose="02040503050406030204" pitchFamily="18" charset="0"/>
+                            <a:cs typeface="Arial" panose="020B0604020202020204" pitchFamily="34" charset="0"/>
+                          </a:rPr>
+                          <m:t>𝑔</m:t>
+                        </m:r>
+                      </m:oMath>
+                    </m:oMathPara>
+                  </a14:m>
+                  <a:endParaRPr lang="en-US" sz="2000" baseline="-25000" dirty="0"/>
+                </a:p>
+              </p:txBody>
+            </p:sp>
+          </mc:Choice>
+          <mc:Fallback>
+            <p:sp>
+              <p:nvSpPr>
+                <p:cNvPr id="70" name="Rectangle 69">
+                  <a:extLst>
+                    <a:ext uri="{FF2B5EF4-FFF2-40B4-BE49-F238E27FC236}">
+                      <a16:creationId xmlns:a16="http://schemas.microsoft.com/office/drawing/2014/main" id="{1379BC8A-2F8E-EA44-BC7E-68FF4FD2E41F}"/>
+                    </a:ext>
+                  </a:extLst>
+                </p:cNvPr>
+                <p:cNvSpPr>
+                  <a:spLocks noRot="1" noChangeAspect="1" noMove="1" noResize="1" noEditPoints="1" noAdjustHandles="1" noChangeArrowheads="1" noChangeShapeType="1" noTextEdit="1"/>
+                </p:cNvSpPr>
+                <p:nvPr/>
+              </p:nvSpPr>
+              <p:spPr>
+                <a:xfrm>
+                  <a:off x="6609792" y="3821371"/>
+                  <a:ext cx="498791" cy="437492"/>
+                </a:xfrm>
+                <a:prstGeom prst="rect">
+                  <a:avLst/>
+                </a:prstGeom>
+                <a:blipFill>
+                  <a:blip r:embed="rId10"/>
+                  <a:stretch>
+                    <a:fillRect t="-17143" b="-8571"/>
+                  </a:stretch>
+                </a:blipFill>
+              </p:spPr>
+              <p:txBody>
+                <a:bodyPr/>
+                <a:lstStyle/>
+                <a:p>
+                  <a:r>
+                    <a:rPr lang="en-US">
+                      <a:noFill/>
+                    </a:rPr>
+                    <a:t> </a:t>
+                  </a:r>
+                </a:p>
+              </p:txBody>
+            </p:sp>
+          </mc:Fallback>
+        </mc:AlternateContent>
+        <p:sp>
+          <p:nvSpPr>
+            <p:cNvPr id="71" name="Right Arrow 70">
+              <a:extLst>
+                <a:ext uri="{FF2B5EF4-FFF2-40B4-BE49-F238E27FC236}">
+                  <a16:creationId xmlns:a16="http://schemas.microsoft.com/office/drawing/2014/main" id="{6B6E1C74-3787-964F-83B0-923A4C9A0AB9}"/>
+                </a:ext>
+              </a:extLst>
+            </p:cNvPr>
+            <p:cNvSpPr/>
+            <p:nvPr/>
+          </p:nvSpPr>
+          <p:spPr>
+            <a:xfrm rot="9139418">
+              <a:off x="5021812" y="1044516"/>
+              <a:ext cx="1166480" cy="259420"/>
+            </a:xfrm>
+            <a:prstGeom prst="rightArrow">
+              <a:avLst/>
+            </a:prstGeom>
+            <a:solidFill>
+              <a:schemeClr val="tx1"/>
+            </a:solidFill>
+            <a:ln w="38100">
+              <a:solidFill>
+                <a:schemeClr val="tx1"/>
+              </a:solidFill>
+            </a:ln>
+          </p:spPr>
+          <p:style>
+            <a:lnRef idx="2">
+              <a:schemeClr val="accent1">
+                <a:shade val="50000"/>
+              </a:schemeClr>
+            </a:lnRef>
+            <a:fillRef idx="1">
+              <a:schemeClr val="accent1"/>
+            </a:fillRef>
+            <a:effectRef idx="0">
+              <a:schemeClr val="accent1"/>
+            </a:effectRef>
+            <a:fontRef idx="minor">
+              <a:schemeClr val="lt1"/>
+            </a:fontRef>
+          </p:style>
+          <p:txBody>
+            <a:bodyPr rtlCol="0" anchor="ctr"/>
+            <a:lstStyle/>
+            <a:p>
+              <a:pPr algn="ctr"/>
+              <a:endParaRPr lang="en-US"/>
+            </a:p>
+          </p:txBody>
+        </p:sp>
+        <mc:AlternateContent xmlns:mc="http://schemas.openxmlformats.org/markup-compatibility/2006">
+          <mc:Choice xmlns:a14="http://schemas.microsoft.com/office/drawing/2010/main" Requires="a14">
+            <p:sp>
+              <p:nvSpPr>
+                <p:cNvPr id="72" name="Rectangle 71">
+                  <a:extLst>
+                    <a:ext uri="{FF2B5EF4-FFF2-40B4-BE49-F238E27FC236}">
+                      <a16:creationId xmlns:a16="http://schemas.microsoft.com/office/drawing/2014/main" id="{9E0FC6A1-9C8A-8146-A6D0-F9E3266A95EC}"/>
+                    </a:ext>
+                  </a:extLst>
+                </p:cNvPr>
+                <p:cNvSpPr/>
+                <p:nvPr/>
+              </p:nvSpPr>
+              <p:spPr>
+                <a:xfrm rot="19621119">
+                  <a:off x="5221001" y="674069"/>
+                  <a:ext cx="479604" cy="453137"/>
+                </a:xfrm>
+                <a:prstGeom prst="rect">
+                  <a:avLst/>
+                </a:prstGeom>
+              </p:spPr>
+              <p:txBody>
+                <a:bodyPr wrap="square">
+                  <a:spAutoFit/>
+                </a:bodyPr>
+                <a:lstStyle/>
+                <a:p>
+                  <a14:m>
+                    <m:oMathPara xmlns:m="http://schemas.openxmlformats.org/officeDocument/2006/math">
+                      <m:oMathParaPr>
+                        <m:jc m:val="centerGroup"/>
+                      </m:oMathParaPr>
+                      <m:oMath xmlns:m="http://schemas.openxmlformats.org/officeDocument/2006/math">
+                        <m:acc>
+                          <m:accPr>
+                            <m:chr m:val="⃗"/>
+                            <m:ctrlPr>
+                              <a:rPr lang="en-US" sz="2400" i="1" smtClean="0">
+                                <a:latin typeface="Cambria Math" panose="02040503050406030204" pitchFamily="18" charset="0"/>
+                                <a:cs typeface="Arial" panose="020B0604020202020204" pitchFamily="34" charset="0"/>
+                              </a:rPr>
+                            </m:ctrlPr>
+                          </m:accPr>
+                          <m:e>
+                            <m:r>
+                              <a:rPr lang="en-CA" sz="2400" b="0" i="1" smtClean="0">
+                                <a:latin typeface="Cambria Math" panose="02040503050406030204" pitchFamily="18" charset="0"/>
+                                <a:cs typeface="Arial" panose="020B0604020202020204" pitchFamily="34" charset="0"/>
+                              </a:rPr>
+                              <m:t>𝑎</m:t>
+                            </m:r>
+                          </m:e>
+                        </m:acc>
+                      </m:oMath>
+                    </m:oMathPara>
+                  </a14:m>
+                  <a:endParaRPr lang="en-US" sz="2400" baseline="-25000" dirty="0"/>
+                </a:p>
+              </p:txBody>
+            </p:sp>
+          </mc:Choice>
+          <mc:Fallback>
+            <p:sp>
+              <p:nvSpPr>
+                <p:cNvPr id="72" name="Rectangle 71">
+                  <a:extLst>
+                    <a:ext uri="{FF2B5EF4-FFF2-40B4-BE49-F238E27FC236}">
+                      <a16:creationId xmlns:a16="http://schemas.microsoft.com/office/drawing/2014/main" id="{9E0FC6A1-9C8A-8146-A6D0-F9E3266A95EC}"/>
+                    </a:ext>
+                  </a:extLst>
+                </p:cNvPr>
+                <p:cNvSpPr>
+                  <a:spLocks noRot="1" noChangeAspect="1" noMove="1" noResize="1" noEditPoints="1" noAdjustHandles="1" noChangeArrowheads="1" noChangeShapeType="1" noTextEdit="1"/>
+                </p:cNvSpPr>
+                <p:nvPr/>
+              </p:nvSpPr>
+              <p:spPr>
+                <a:xfrm rot="19621119">
+                  <a:off x="5221001" y="674069"/>
+                  <a:ext cx="479604" cy="453137"/>
+                </a:xfrm>
+                <a:prstGeom prst="rect">
+                  <a:avLst/>
+                </a:prstGeom>
+                <a:blipFill>
+                  <a:blip r:embed="rId11"/>
+                  <a:stretch>
+                    <a:fillRect l="-1923" t="-1961"/>
+                  </a:stretch>
+                </a:blipFill>
+              </p:spPr>
+              <p:txBody>
+                <a:bodyPr/>
+                <a:lstStyle/>
+                <a:p>
+                  <a:r>
+                    <a:rPr lang="en-US">
+                      <a:noFill/>
+                    </a:rPr>
+                    <a:t> </a:t>
+                  </a:r>
+                </a:p>
+              </p:txBody>
+            </p:sp>
+          </mc:Fallback>
+        </mc:AlternateContent>
+      </p:grpSp>
+    </p:spTree>
+    <p:extLst>
+      <p:ext uri="{BB962C8B-B14F-4D97-AF65-F5344CB8AC3E}">
+        <p14:creationId xmlns:p14="http://schemas.microsoft.com/office/powerpoint/2010/main" val="2061317929"/>
+      </p:ext>
+    </p:extLst>
+  </p:cSld>
+  <p:clrMapOvr>
+    <a:masterClrMapping/>
+  </p:clrMapOvr>
+</p:sld>
+</file>
+
+<file path=ppt/slides/slide11.xml><?xml version="1.0" encoding="utf-8"?>
+<p:sld xmlns:a="http://schemas.openxmlformats.org/drawingml/2006/main" xmlns:r="http://schemas.openxmlformats.org/officeDocument/2006/relationships" xmlns:p="http://schemas.openxmlformats.org/presentationml/2006/main">
+  <p:cSld>
+    <p:spTree>
+      <p:nvGrpSpPr>
+        <p:cNvPr id="1" name=""/>
+        <p:cNvGrpSpPr/>
+        <p:nvPr/>
+      </p:nvGrpSpPr>
+      <p:grpSpPr>
+        <a:xfrm>
+          <a:off x="0" y="0"/>
+          <a:ext cx="0" cy="0"/>
+          <a:chOff x="0" y="0"/>
+          <a:chExt cx="0" cy="0"/>
+        </a:xfrm>
+      </p:grpSpPr>
+      <p:grpSp>
+        <p:nvGrpSpPr>
+          <p:cNvPr id="34" name="Group 33">
+            <a:extLst>
+              <a:ext uri="{FF2B5EF4-FFF2-40B4-BE49-F238E27FC236}">
+                <a16:creationId xmlns:a16="http://schemas.microsoft.com/office/drawing/2014/main" id="{2968E25A-E0F0-4743-BCF9-DB80B3BE4E10}"/>
+              </a:ext>
+            </a:extLst>
+          </p:cNvPr>
+          <p:cNvGrpSpPr/>
+          <p:nvPr/>
+        </p:nvGrpSpPr>
+        <p:grpSpPr>
+          <a:xfrm>
+            <a:off x="2074574" y="383060"/>
+            <a:ext cx="2829935" cy="6454589"/>
+            <a:chOff x="2074574" y="383060"/>
+            <a:chExt cx="2829935" cy="6454589"/>
+          </a:xfrm>
+        </p:grpSpPr>
+        <p:pic>
+          <p:nvPicPr>
+            <p:cNvPr id="5" name="Picture 4">
+              <a:extLst>
+                <a:ext uri="{FF2B5EF4-FFF2-40B4-BE49-F238E27FC236}">
+                  <a16:creationId xmlns:a16="http://schemas.microsoft.com/office/drawing/2014/main" id="{862DDED0-28CD-A849-A46D-972FB68D3F7F}"/>
+                </a:ext>
+              </a:extLst>
+            </p:cNvPr>
+            <p:cNvPicPr>
+              <a:picLocks noChangeAspect="1"/>
+            </p:cNvPicPr>
+            <p:nvPr/>
+          </p:nvPicPr>
+          <p:blipFill>
+            <a:blip r:embed="rId2">
+              <a:extLst>
+                <a:ext uri="{28A0092B-C50C-407E-A947-70E740481C1C}">
+                  <a14:useLocalDpi xmlns:a14="http://schemas.microsoft.com/office/drawing/2010/main" val="0"/>
+                </a:ext>
+              </a:extLst>
+            </a:blip>
+            <a:stretch>
+              <a:fillRect/>
+            </a:stretch>
+          </p:blipFill>
+          <p:spPr>
+            <a:xfrm>
+              <a:off x="2074574" y="383060"/>
+              <a:ext cx="2581836" cy="6454589"/>
+            </a:xfrm>
+            <a:prstGeom prst="rect">
+              <a:avLst/>
+            </a:prstGeom>
+          </p:spPr>
+        </p:pic>
+        <p:grpSp>
+          <p:nvGrpSpPr>
+            <p:cNvPr id="32" name="Group 31">
+              <a:extLst>
+                <a:ext uri="{FF2B5EF4-FFF2-40B4-BE49-F238E27FC236}">
+                  <a16:creationId xmlns:a16="http://schemas.microsoft.com/office/drawing/2014/main" id="{849CEAB8-A185-2C46-A5AD-4DE470B95610}"/>
+                </a:ext>
+              </a:extLst>
+            </p:cNvPr>
+            <p:cNvGrpSpPr/>
+            <p:nvPr/>
+          </p:nvGrpSpPr>
+          <p:grpSpPr>
+            <a:xfrm>
+              <a:off x="2175140" y="1604355"/>
+              <a:ext cx="2729369" cy="4245692"/>
+              <a:chOff x="2175140" y="1604355"/>
+              <a:chExt cx="2729369" cy="4245692"/>
+            </a:xfrm>
+          </p:grpSpPr>
+          <p:pic>
+            <p:nvPicPr>
+              <p:cNvPr id="11" name="Picture 10">
+                <a:extLst>
+                  <a:ext uri="{FF2B5EF4-FFF2-40B4-BE49-F238E27FC236}">
+                    <a16:creationId xmlns:a16="http://schemas.microsoft.com/office/drawing/2014/main" id="{33777C93-2AC5-2B45-8F96-3D25FB0CDBA2}"/>
+                  </a:ext>
+                </a:extLst>
+              </p:cNvPr>
+              <p:cNvPicPr>
+                <a:picLocks noChangeAspect="1"/>
+              </p:cNvPicPr>
+              <p:nvPr/>
+            </p:nvPicPr>
+            <p:blipFill>
+              <a:blip r:embed="rId3">
+                <a:extLst>
+                  <a:ext uri="{28A0092B-C50C-407E-A947-70E740481C1C}">
+                    <a14:useLocalDpi xmlns:a14="http://schemas.microsoft.com/office/drawing/2010/main" val="0"/>
+                  </a:ext>
+                </a:extLst>
+              </a:blip>
+              <a:stretch>
+                <a:fillRect/>
+              </a:stretch>
+            </p:blipFill>
+            <p:spPr>
+              <a:xfrm>
+                <a:off x="2373769" y="5346470"/>
+                <a:ext cx="498639" cy="503577"/>
+              </a:xfrm>
+              <a:prstGeom prst="rect">
+                <a:avLst/>
+              </a:prstGeom>
+            </p:spPr>
+          </p:pic>
+          <p:pic>
+            <p:nvPicPr>
+              <p:cNvPr id="9" name="Picture 8">
+                <a:extLst>
+                  <a:ext uri="{FF2B5EF4-FFF2-40B4-BE49-F238E27FC236}">
+                    <a16:creationId xmlns:a16="http://schemas.microsoft.com/office/drawing/2014/main" id="{F3225B15-42E0-D54E-AACA-7467F5F93D3E}"/>
+                  </a:ext>
+                </a:extLst>
+              </p:cNvPr>
+              <p:cNvPicPr>
+                <a:picLocks noChangeAspect="1"/>
+              </p:cNvPicPr>
+              <p:nvPr/>
+            </p:nvPicPr>
+            <p:blipFill>
+              <a:blip r:embed="rId4">
+                <a:extLst>
+                  <a:ext uri="{28A0092B-C50C-407E-A947-70E740481C1C}">
+                    <a14:useLocalDpi xmlns:a14="http://schemas.microsoft.com/office/drawing/2010/main" val="0"/>
+                  </a:ext>
+                </a:extLst>
+              </a:blip>
+              <a:stretch>
+                <a:fillRect/>
+              </a:stretch>
+            </p:blipFill>
+            <p:spPr>
+              <a:xfrm rot="693913">
+                <a:off x="2304365" y="2022327"/>
+                <a:ext cx="637447" cy="555164"/>
+              </a:xfrm>
+              <a:prstGeom prst="rect">
+                <a:avLst/>
+              </a:prstGeom>
+            </p:spPr>
+          </p:pic>
+          <p:pic>
+            <p:nvPicPr>
+              <p:cNvPr id="13" name="Picture 12">
+                <a:extLst>
+                  <a:ext uri="{FF2B5EF4-FFF2-40B4-BE49-F238E27FC236}">
+                    <a16:creationId xmlns:a16="http://schemas.microsoft.com/office/drawing/2014/main" id="{CA298BF4-876F-AE42-B5DE-72E28566250D}"/>
+                  </a:ext>
+                </a:extLst>
+              </p:cNvPr>
+              <p:cNvPicPr>
+                <a:picLocks noChangeAspect="1"/>
+              </p:cNvPicPr>
+              <p:nvPr/>
+            </p:nvPicPr>
+            <p:blipFill>
+              <a:blip r:embed="rId5">
+                <a:extLst>
+                  <a:ext uri="{28A0092B-C50C-407E-A947-70E740481C1C}">
+                    <a14:useLocalDpi xmlns:a14="http://schemas.microsoft.com/office/drawing/2010/main" val="0"/>
+                  </a:ext>
+                </a:extLst>
+              </a:blip>
+              <a:stretch>
+                <a:fillRect/>
+              </a:stretch>
+            </p:blipFill>
+            <p:spPr>
+              <a:xfrm rot="20927288">
+                <a:off x="3629106" y="2589218"/>
+                <a:ext cx="821520" cy="689521"/>
+              </a:xfrm>
+              <a:prstGeom prst="rect">
+                <a:avLst/>
+              </a:prstGeom>
+            </p:spPr>
+          </p:pic>
+          <p:pic>
+            <p:nvPicPr>
+              <p:cNvPr id="15" name="Picture 14">
+                <a:extLst>
+                  <a:ext uri="{FF2B5EF4-FFF2-40B4-BE49-F238E27FC236}">
+                    <a16:creationId xmlns:a16="http://schemas.microsoft.com/office/drawing/2014/main" id="{3E620177-C4F7-9448-9E58-F1F617DB2327}"/>
+                  </a:ext>
+                </a:extLst>
+              </p:cNvPr>
+              <p:cNvPicPr>
+                <a:picLocks noChangeAspect="1"/>
+              </p:cNvPicPr>
+              <p:nvPr/>
+            </p:nvPicPr>
+            <p:blipFill>
+              <a:blip r:embed="rId6">
+                <a:extLst>
+                  <a:ext uri="{28A0092B-C50C-407E-A947-70E740481C1C}">
+                    <a14:useLocalDpi xmlns:a14="http://schemas.microsoft.com/office/drawing/2010/main" val="0"/>
+                  </a:ext>
+                </a:extLst>
+              </a:blip>
+              <a:stretch>
+                <a:fillRect/>
+              </a:stretch>
+            </p:blipFill>
+            <p:spPr>
+              <a:xfrm>
+                <a:off x="3510293" y="3398613"/>
+                <a:ext cx="1059146" cy="459469"/>
+              </a:xfrm>
+              <a:prstGeom prst="rect">
+                <a:avLst/>
+              </a:prstGeom>
+            </p:spPr>
+          </p:pic>
+          <p:pic>
+            <p:nvPicPr>
+              <p:cNvPr id="17" name="Picture 16">
+                <a:extLst>
+                  <a:ext uri="{FF2B5EF4-FFF2-40B4-BE49-F238E27FC236}">
+                    <a16:creationId xmlns:a16="http://schemas.microsoft.com/office/drawing/2014/main" id="{A18192C4-71FC-2541-8334-92AFCC8114BB}"/>
+                  </a:ext>
+                </a:extLst>
+              </p:cNvPr>
+              <p:cNvPicPr>
+                <a:picLocks noChangeAspect="1"/>
+              </p:cNvPicPr>
+              <p:nvPr/>
+            </p:nvPicPr>
+            <p:blipFill>
+              <a:blip r:embed="rId7">
+                <a:extLst>
+                  <a:ext uri="{28A0092B-C50C-407E-A947-70E740481C1C}">
+                    <a14:useLocalDpi xmlns:a14="http://schemas.microsoft.com/office/drawing/2010/main" val="0"/>
+                  </a:ext>
+                </a:extLst>
+              </a:blip>
+              <a:stretch>
+                <a:fillRect/>
+              </a:stretch>
+            </p:blipFill>
+            <p:spPr>
+              <a:xfrm>
+                <a:off x="2175140" y="3904436"/>
+                <a:ext cx="784414" cy="666117"/>
+              </a:xfrm>
+              <a:prstGeom prst="rect">
+                <a:avLst/>
+              </a:prstGeom>
+              <a:effectLst>
+                <a:softEdge rad="38100"/>
+              </a:effectLst>
+            </p:spPr>
+          </p:pic>
+          <p:pic>
+            <p:nvPicPr>
+              <p:cNvPr id="20" name="Picture 19">
+                <a:extLst>
+                  <a:ext uri="{FF2B5EF4-FFF2-40B4-BE49-F238E27FC236}">
+                    <a16:creationId xmlns:a16="http://schemas.microsoft.com/office/drawing/2014/main" id="{D19E6756-109C-D44C-A9C0-1E2F5A74207B}"/>
+                  </a:ext>
+                </a:extLst>
+              </p:cNvPr>
+              <p:cNvPicPr>
+                <a:picLocks noChangeAspect="1"/>
+              </p:cNvPicPr>
+              <p:nvPr/>
+            </p:nvPicPr>
+            <p:blipFill>
+              <a:blip r:embed="rId8">
+                <a:extLst>
+                  <a:ext uri="{28A0092B-C50C-407E-A947-70E740481C1C}">
+                    <a14:useLocalDpi xmlns:a14="http://schemas.microsoft.com/office/drawing/2010/main" val="0"/>
+                  </a:ext>
+                </a:extLst>
+              </a:blip>
+              <a:stretch>
+                <a:fillRect/>
+              </a:stretch>
+            </p:blipFill>
+            <p:spPr>
+              <a:xfrm>
+                <a:off x="3404133" y="1604356"/>
+                <a:ext cx="540490" cy="192056"/>
+              </a:xfrm>
+              <a:prstGeom prst="rect">
+                <a:avLst/>
+              </a:prstGeom>
+            </p:spPr>
+          </p:pic>
+          <p:pic>
+            <p:nvPicPr>
+              <p:cNvPr id="22" name="Picture 21">
+                <a:extLst>
+                  <a:ext uri="{FF2B5EF4-FFF2-40B4-BE49-F238E27FC236}">
+                    <a16:creationId xmlns:a16="http://schemas.microsoft.com/office/drawing/2014/main" id="{19E743AB-A6EB-AC46-9701-519DD44AB637}"/>
+                  </a:ext>
+                </a:extLst>
+              </p:cNvPr>
+              <p:cNvPicPr>
+                <a:picLocks noChangeAspect="1"/>
+              </p:cNvPicPr>
+              <p:nvPr/>
+            </p:nvPicPr>
+            <p:blipFill>
+              <a:blip r:embed="rId9">
+                <a:extLst>
+                  <a:ext uri="{28A0092B-C50C-407E-A947-70E740481C1C}">
+                    <a14:useLocalDpi xmlns:a14="http://schemas.microsoft.com/office/drawing/2010/main" val="0"/>
+                  </a:ext>
+                </a:extLst>
+              </a:blip>
+              <a:stretch>
+                <a:fillRect/>
+              </a:stretch>
+            </p:blipFill>
+            <p:spPr>
+              <a:xfrm>
+                <a:off x="3404133" y="1811112"/>
+                <a:ext cx="432961" cy="160394"/>
+              </a:xfrm>
+              <a:prstGeom prst="rect">
+                <a:avLst/>
+              </a:prstGeom>
+            </p:spPr>
+          </p:pic>
+          <p:pic>
+            <p:nvPicPr>
+              <p:cNvPr id="24" name="Picture 23">
+                <a:extLst>
+                  <a:ext uri="{FF2B5EF4-FFF2-40B4-BE49-F238E27FC236}">
+                    <a16:creationId xmlns:a16="http://schemas.microsoft.com/office/drawing/2014/main" id="{3C9795DD-A882-E944-B3C8-C21954748ED0}"/>
+                  </a:ext>
+                </a:extLst>
+              </p:cNvPr>
+              <p:cNvPicPr>
+                <a:picLocks noChangeAspect="1"/>
+              </p:cNvPicPr>
+              <p:nvPr/>
+            </p:nvPicPr>
+            <p:blipFill>
+              <a:blip r:embed="rId10">
+                <a:extLst>
+                  <a:ext uri="{28A0092B-C50C-407E-A947-70E740481C1C}">
+                    <a14:useLocalDpi xmlns:a14="http://schemas.microsoft.com/office/drawing/2010/main" val="0"/>
+                  </a:ext>
+                </a:extLst>
+              </a:blip>
+              <a:stretch>
+                <a:fillRect/>
+              </a:stretch>
+            </p:blipFill>
+            <p:spPr>
+              <a:xfrm>
+                <a:off x="3944623" y="1604355"/>
+                <a:ext cx="653598" cy="192056"/>
+              </a:xfrm>
+              <a:prstGeom prst="rect">
+                <a:avLst/>
+              </a:prstGeom>
+            </p:spPr>
+          </p:pic>
+          <p:pic>
+            <p:nvPicPr>
+              <p:cNvPr id="26" name="Picture 25">
+                <a:extLst>
+                  <a:ext uri="{FF2B5EF4-FFF2-40B4-BE49-F238E27FC236}">
+                    <a16:creationId xmlns:a16="http://schemas.microsoft.com/office/drawing/2014/main" id="{2CA0F1BF-AF47-FE49-BD94-CD19BD4458D9}"/>
+                  </a:ext>
+                </a:extLst>
+              </p:cNvPr>
+              <p:cNvPicPr>
+                <a:picLocks noChangeAspect="1"/>
+              </p:cNvPicPr>
+              <p:nvPr/>
+            </p:nvPicPr>
+            <p:blipFill>
+              <a:blip r:embed="rId11">
+                <a:extLst>
+                  <a:ext uri="{28A0092B-C50C-407E-A947-70E740481C1C}">
+                    <a14:useLocalDpi xmlns:a14="http://schemas.microsoft.com/office/drawing/2010/main" val="0"/>
+                  </a:ext>
+                </a:extLst>
+              </a:blip>
+              <a:stretch>
+                <a:fillRect/>
+              </a:stretch>
+            </p:blipFill>
+            <p:spPr>
+              <a:xfrm>
+                <a:off x="3835442" y="1811111"/>
+                <a:ext cx="1069067" cy="176224"/>
+              </a:xfrm>
+              <a:prstGeom prst="rect">
+                <a:avLst/>
+              </a:prstGeom>
+            </p:spPr>
+          </p:pic>
+          <p:pic>
+            <p:nvPicPr>
+              <p:cNvPr id="28" name="Picture 27">
+                <a:extLst>
+                  <a:ext uri="{FF2B5EF4-FFF2-40B4-BE49-F238E27FC236}">
+                    <a16:creationId xmlns:a16="http://schemas.microsoft.com/office/drawing/2014/main" id="{E797D9A0-6C8F-9941-ABB6-35AA6AB6D08C}"/>
+                  </a:ext>
+                </a:extLst>
+              </p:cNvPr>
+              <p:cNvPicPr>
+                <a:picLocks noChangeAspect="1"/>
+              </p:cNvPicPr>
+              <p:nvPr/>
+            </p:nvPicPr>
+            <p:blipFill>
+              <a:blip r:embed="rId12">
+                <a:extLst>
+                  <a:ext uri="{28A0092B-C50C-407E-A947-70E740481C1C}">
+                    <a14:useLocalDpi xmlns:a14="http://schemas.microsoft.com/office/drawing/2010/main" val="0"/>
+                  </a:ext>
+                </a:extLst>
+              </a:blip>
+              <a:stretch>
+                <a:fillRect/>
+              </a:stretch>
+            </p:blipFill>
+            <p:spPr>
+              <a:xfrm>
+                <a:off x="3404133" y="4570554"/>
+                <a:ext cx="1084633" cy="468801"/>
+              </a:xfrm>
+              <a:prstGeom prst="rect">
+                <a:avLst/>
+              </a:prstGeom>
+            </p:spPr>
+          </p:pic>
+        </p:grpSp>
+      </p:grpSp>
+    </p:spTree>
+    <p:extLst>
+      <p:ext uri="{BB962C8B-B14F-4D97-AF65-F5344CB8AC3E}">
+        <p14:creationId xmlns:p14="http://schemas.microsoft.com/office/powerpoint/2010/main" val="4148510281"/>
+      </p:ext>
+    </p:extLst>
+  </p:cSld>
+  <p:clrMapOvr>
+    <a:masterClrMapping/>
+  </p:clrMapOvr>
+</p:sld>
+</file>
+
+<file path=ppt/slides/slide12.xml><?xml version="1.0" encoding="utf-8"?>
+<p:sld xmlns:a="http://schemas.openxmlformats.org/drawingml/2006/main" xmlns:r="http://schemas.openxmlformats.org/officeDocument/2006/relationships" xmlns:p="http://schemas.openxmlformats.org/presentationml/2006/main">
+  <p:cSld>
+    <p:spTree>
+      <p:nvGrpSpPr>
+        <p:cNvPr id="1" name=""/>
+        <p:cNvGrpSpPr/>
+        <p:nvPr/>
+      </p:nvGrpSpPr>
+      <p:grpSpPr>
+        <a:xfrm>
+          <a:off x="0" y="0"/>
+          <a:ext cx="0" cy="0"/>
+          <a:chOff x="0" y="0"/>
+          <a:chExt cx="0" cy="0"/>
+        </a:xfrm>
+      </p:grpSpPr>
+      <p:pic>
+        <p:nvPicPr>
+          <p:cNvPr id="5" name="Content Placeholder 4">
+            <a:extLst>
+              <a:ext uri="{FF2B5EF4-FFF2-40B4-BE49-F238E27FC236}">
+                <a16:creationId xmlns:a16="http://schemas.microsoft.com/office/drawing/2014/main" id="{952598BC-B983-D442-AB43-1DA9E3EA04F3}"/>
+              </a:ext>
+            </a:extLst>
+          </p:cNvPr>
+          <p:cNvPicPr>
+            <a:picLocks noGrp="1" noChangeAspect="1"/>
+          </p:cNvPicPr>
+          <p:nvPr>
+            <p:ph idx="1"/>
+          </p:nvPr>
+        </p:nvPicPr>
+        <p:blipFill>
+          <a:blip r:embed="rId2">
+            <a:extLst>
+              <a:ext uri="{28A0092B-C50C-407E-A947-70E740481C1C}">
+                <a14:useLocalDpi xmlns:a14="http://schemas.microsoft.com/office/drawing/2010/main" val="0"/>
+              </a:ext>
+            </a:extLst>
+          </a:blip>
+          <a:stretch>
+            <a:fillRect/>
+          </a:stretch>
+        </p:blipFill>
+        <p:spPr>
+          <a:xfrm>
+            <a:off x="4605252" y="408534"/>
+            <a:ext cx="2361016" cy="6276007"/>
+          </a:xfrm>
+        </p:spPr>
+      </p:pic>
+      <p:grpSp>
+        <p:nvGrpSpPr>
+          <p:cNvPr id="6" name="Group 5">
+            <a:extLst>
+              <a:ext uri="{FF2B5EF4-FFF2-40B4-BE49-F238E27FC236}">
+                <a16:creationId xmlns:a16="http://schemas.microsoft.com/office/drawing/2014/main" id="{C68C002A-4070-BB41-A157-2EE6021AD65D}"/>
+              </a:ext>
+            </a:extLst>
+          </p:cNvPr>
+          <p:cNvGrpSpPr/>
+          <p:nvPr/>
+        </p:nvGrpSpPr>
+        <p:grpSpPr>
+          <a:xfrm>
+            <a:off x="4605252" y="1559858"/>
+            <a:ext cx="2729369" cy="4181893"/>
+            <a:chOff x="2175140" y="1604355"/>
+            <a:chExt cx="2729369" cy="4245692"/>
+          </a:xfrm>
+        </p:grpSpPr>
+        <p:pic>
+          <p:nvPicPr>
+            <p:cNvPr id="7" name="Picture 6">
+              <a:extLst>
+                <a:ext uri="{FF2B5EF4-FFF2-40B4-BE49-F238E27FC236}">
+                  <a16:creationId xmlns:a16="http://schemas.microsoft.com/office/drawing/2014/main" id="{4701B07A-9F93-2D47-B6F0-A8E18740DCC6}"/>
+                </a:ext>
+              </a:extLst>
+            </p:cNvPr>
+            <p:cNvPicPr>
+              <a:picLocks noChangeAspect="1"/>
+            </p:cNvPicPr>
+            <p:nvPr/>
+          </p:nvPicPr>
+          <p:blipFill>
+            <a:blip r:embed="rId3">
+              <a:extLst>
+                <a:ext uri="{28A0092B-C50C-407E-A947-70E740481C1C}">
+                  <a14:useLocalDpi xmlns:a14="http://schemas.microsoft.com/office/drawing/2010/main" val="0"/>
+                </a:ext>
+              </a:extLst>
+            </a:blip>
+            <a:stretch>
+              <a:fillRect/>
+            </a:stretch>
+          </p:blipFill>
+          <p:spPr>
+            <a:xfrm>
+              <a:off x="2373769" y="5346470"/>
+              <a:ext cx="498639" cy="503577"/>
+            </a:xfrm>
+            <a:prstGeom prst="rect">
+              <a:avLst/>
+            </a:prstGeom>
+          </p:spPr>
+        </p:pic>
+        <p:pic>
+          <p:nvPicPr>
+            <p:cNvPr id="8" name="Picture 7">
+              <a:extLst>
+                <a:ext uri="{FF2B5EF4-FFF2-40B4-BE49-F238E27FC236}">
+                  <a16:creationId xmlns:a16="http://schemas.microsoft.com/office/drawing/2014/main" id="{661F01C5-D41E-D348-8B8F-B22507334DB9}"/>
+                </a:ext>
+              </a:extLst>
+            </p:cNvPr>
+            <p:cNvPicPr>
+              <a:picLocks noChangeAspect="1"/>
+            </p:cNvPicPr>
+            <p:nvPr/>
+          </p:nvPicPr>
+          <p:blipFill>
+            <a:blip r:embed="rId4">
+              <a:extLst>
+                <a:ext uri="{28A0092B-C50C-407E-A947-70E740481C1C}">
+                  <a14:useLocalDpi xmlns:a14="http://schemas.microsoft.com/office/drawing/2010/main" val="0"/>
+                </a:ext>
+              </a:extLst>
+            </a:blip>
+            <a:stretch>
+              <a:fillRect/>
+            </a:stretch>
+          </p:blipFill>
+          <p:spPr>
+            <a:xfrm rot="693913">
+              <a:off x="2304365" y="2022327"/>
+              <a:ext cx="637447" cy="555164"/>
+            </a:xfrm>
+            <a:prstGeom prst="rect">
+              <a:avLst/>
+            </a:prstGeom>
+          </p:spPr>
+        </p:pic>
+        <p:pic>
+          <p:nvPicPr>
+            <p:cNvPr id="9" name="Picture 8">
+              <a:extLst>
+                <a:ext uri="{FF2B5EF4-FFF2-40B4-BE49-F238E27FC236}">
+                  <a16:creationId xmlns:a16="http://schemas.microsoft.com/office/drawing/2014/main" id="{C9E989EC-B613-5D44-9C09-9B109ABEC478}"/>
+                </a:ext>
+              </a:extLst>
+            </p:cNvPr>
+            <p:cNvPicPr>
+              <a:picLocks noChangeAspect="1"/>
+            </p:cNvPicPr>
+            <p:nvPr/>
+          </p:nvPicPr>
+          <p:blipFill>
+            <a:blip r:embed="rId5">
+              <a:extLst>
+                <a:ext uri="{28A0092B-C50C-407E-A947-70E740481C1C}">
+                  <a14:useLocalDpi xmlns:a14="http://schemas.microsoft.com/office/drawing/2010/main" val="0"/>
+                </a:ext>
+              </a:extLst>
+            </a:blip>
+            <a:stretch>
+              <a:fillRect/>
+            </a:stretch>
+          </p:blipFill>
+          <p:spPr>
+            <a:xfrm rot="20927288">
+              <a:off x="3629106" y="2589218"/>
+              <a:ext cx="821520" cy="689521"/>
+            </a:xfrm>
+            <a:prstGeom prst="rect">
+              <a:avLst/>
+            </a:prstGeom>
+          </p:spPr>
+        </p:pic>
+        <p:pic>
+          <p:nvPicPr>
+            <p:cNvPr id="10" name="Picture 9">
+              <a:extLst>
+                <a:ext uri="{FF2B5EF4-FFF2-40B4-BE49-F238E27FC236}">
+                  <a16:creationId xmlns:a16="http://schemas.microsoft.com/office/drawing/2014/main" id="{08F61961-195A-4B47-8092-1123DCFCE023}"/>
+                </a:ext>
+              </a:extLst>
+            </p:cNvPr>
+            <p:cNvPicPr>
+              <a:picLocks noChangeAspect="1"/>
+            </p:cNvPicPr>
+            <p:nvPr/>
+          </p:nvPicPr>
+          <p:blipFill>
+            <a:blip r:embed="rId6">
+              <a:extLst>
+                <a:ext uri="{28A0092B-C50C-407E-A947-70E740481C1C}">
+                  <a14:useLocalDpi xmlns:a14="http://schemas.microsoft.com/office/drawing/2010/main" val="0"/>
+                </a:ext>
+              </a:extLst>
+            </a:blip>
+            <a:stretch>
+              <a:fillRect/>
+            </a:stretch>
+          </p:blipFill>
+          <p:spPr>
+            <a:xfrm>
+              <a:off x="3510293" y="3398613"/>
+              <a:ext cx="1059146" cy="459469"/>
+            </a:xfrm>
+            <a:prstGeom prst="rect">
+              <a:avLst/>
+            </a:prstGeom>
+          </p:spPr>
+        </p:pic>
+        <p:pic>
+          <p:nvPicPr>
+            <p:cNvPr id="11" name="Picture 10">
+              <a:extLst>
+                <a:ext uri="{FF2B5EF4-FFF2-40B4-BE49-F238E27FC236}">
+                  <a16:creationId xmlns:a16="http://schemas.microsoft.com/office/drawing/2014/main" id="{92D2909D-3ED4-DF44-901E-F5423EFAFBE2}"/>
+                </a:ext>
+              </a:extLst>
+            </p:cNvPr>
+            <p:cNvPicPr>
+              <a:picLocks noChangeAspect="1"/>
+            </p:cNvPicPr>
+            <p:nvPr/>
+          </p:nvPicPr>
+          <p:blipFill>
+            <a:blip r:embed="rId7">
+              <a:extLst>
+                <a:ext uri="{28A0092B-C50C-407E-A947-70E740481C1C}">
+                  <a14:useLocalDpi xmlns:a14="http://schemas.microsoft.com/office/drawing/2010/main" val="0"/>
+                </a:ext>
+              </a:extLst>
+            </a:blip>
+            <a:stretch>
+              <a:fillRect/>
+            </a:stretch>
+          </p:blipFill>
+          <p:spPr>
+            <a:xfrm>
+              <a:off x="2175140" y="3904436"/>
+              <a:ext cx="784414" cy="666117"/>
+            </a:xfrm>
+            <a:prstGeom prst="rect">
+              <a:avLst/>
+            </a:prstGeom>
+            <a:effectLst>
+              <a:softEdge rad="38100"/>
+            </a:effectLst>
+          </p:spPr>
+        </p:pic>
+        <p:pic>
+          <p:nvPicPr>
+            <p:cNvPr id="12" name="Picture 11">
+              <a:extLst>
+                <a:ext uri="{FF2B5EF4-FFF2-40B4-BE49-F238E27FC236}">
+                  <a16:creationId xmlns:a16="http://schemas.microsoft.com/office/drawing/2014/main" id="{E074D22B-DE95-5E4F-B8AF-CAFDAA9468DD}"/>
+                </a:ext>
+              </a:extLst>
+            </p:cNvPr>
+            <p:cNvPicPr>
+              <a:picLocks noChangeAspect="1"/>
+            </p:cNvPicPr>
+            <p:nvPr/>
+          </p:nvPicPr>
+          <p:blipFill>
+            <a:blip r:embed="rId8">
+              <a:extLst>
+                <a:ext uri="{28A0092B-C50C-407E-A947-70E740481C1C}">
+                  <a14:useLocalDpi xmlns:a14="http://schemas.microsoft.com/office/drawing/2010/main" val="0"/>
+                </a:ext>
+              </a:extLst>
+            </a:blip>
+            <a:stretch>
+              <a:fillRect/>
+            </a:stretch>
+          </p:blipFill>
+          <p:spPr>
+            <a:xfrm>
+              <a:off x="3404133" y="1604356"/>
+              <a:ext cx="540490" cy="192056"/>
+            </a:xfrm>
+            <a:prstGeom prst="rect">
+              <a:avLst/>
+            </a:prstGeom>
+          </p:spPr>
+        </p:pic>
+        <p:pic>
+          <p:nvPicPr>
+            <p:cNvPr id="13" name="Picture 12">
+              <a:extLst>
+                <a:ext uri="{FF2B5EF4-FFF2-40B4-BE49-F238E27FC236}">
+                  <a16:creationId xmlns:a16="http://schemas.microsoft.com/office/drawing/2014/main" id="{42F97D83-9CCF-944D-A263-0AD3A4567F89}"/>
+                </a:ext>
+              </a:extLst>
+            </p:cNvPr>
+            <p:cNvPicPr>
+              <a:picLocks noChangeAspect="1"/>
+            </p:cNvPicPr>
+            <p:nvPr/>
+          </p:nvPicPr>
+          <p:blipFill>
+            <a:blip r:embed="rId9">
+              <a:extLst>
+                <a:ext uri="{28A0092B-C50C-407E-A947-70E740481C1C}">
+                  <a14:useLocalDpi xmlns:a14="http://schemas.microsoft.com/office/drawing/2010/main" val="0"/>
+                </a:ext>
+              </a:extLst>
+            </a:blip>
+            <a:stretch>
+              <a:fillRect/>
+            </a:stretch>
+          </p:blipFill>
+          <p:spPr>
+            <a:xfrm>
+              <a:off x="3404133" y="1811112"/>
+              <a:ext cx="432961" cy="160394"/>
+            </a:xfrm>
+            <a:prstGeom prst="rect">
+              <a:avLst/>
+            </a:prstGeom>
+          </p:spPr>
+        </p:pic>
+        <p:pic>
+          <p:nvPicPr>
+            <p:cNvPr id="14" name="Picture 13">
+              <a:extLst>
+                <a:ext uri="{FF2B5EF4-FFF2-40B4-BE49-F238E27FC236}">
+                  <a16:creationId xmlns:a16="http://schemas.microsoft.com/office/drawing/2014/main" id="{CBA71493-620F-3147-A6F2-D9A0B1297686}"/>
+                </a:ext>
+              </a:extLst>
+            </p:cNvPr>
+            <p:cNvPicPr>
+              <a:picLocks noChangeAspect="1"/>
+            </p:cNvPicPr>
+            <p:nvPr/>
+          </p:nvPicPr>
+          <p:blipFill>
+            <a:blip r:embed="rId10">
+              <a:extLst>
+                <a:ext uri="{28A0092B-C50C-407E-A947-70E740481C1C}">
+                  <a14:useLocalDpi xmlns:a14="http://schemas.microsoft.com/office/drawing/2010/main" val="0"/>
+                </a:ext>
+              </a:extLst>
+            </a:blip>
+            <a:stretch>
+              <a:fillRect/>
+            </a:stretch>
+          </p:blipFill>
+          <p:spPr>
+            <a:xfrm>
+              <a:off x="3944623" y="1604355"/>
+              <a:ext cx="653598" cy="192056"/>
+            </a:xfrm>
+            <a:prstGeom prst="rect">
+              <a:avLst/>
+            </a:prstGeom>
+          </p:spPr>
+        </p:pic>
+        <p:pic>
+          <p:nvPicPr>
+            <p:cNvPr id="15" name="Picture 14">
+              <a:extLst>
+                <a:ext uri="{FF2B5EF4-FFF2-40B4-BE49-F238E27FC236}">
+                  <a16:creationId xmlns:a16="http://schemas.microsoft.com/office/drawing/2014/main" id="{6ED3B572-9A47-AB41-9674-DACFDD6D0FE8}"/>
+                </a:ext>
+              </a:extLst>
+            </p:cNvPr>
+            <p:cNvPicPr>
+              <a:picLocks noChangeAspect="1"/>
+            </p:cNvPicPr>
+            <p:nvPr/>
+          </p:nvPicPr>
+          <p:blipFill>
+            <a:blip r:embed="rId11">
+              <a:extLst>
+                <a:ext uri="{28A0092B-C50C-407E-A947-70E740481C1C}">
+                  <a14:useLocalDpi xmlns:a14="http://schemas.microsoft.com/office/drawing/2010/main" val="0"/>
+                </a:ext>
+              </a:extLst>
+            </a:blip>
+            <a:stretch>
+              <a:fillRect/>
+            </a:stretch>
+          </p:blipFill>
+          <p:spPr>
+            <a:xfrm>
+              <a:off x="3835442" y="1811111"/>
+              <a:ext cx="1069067" cy="176224"/>
+            </a:xfrm>
+            <a:prstGeom prst="rect">
+              <a:avLst/>
+            </a:prstGeom>
+          </p:spPr>
+        </p:pic>
+        <p:pic>
+          <p:nvPicPr>
+            <p:cNvPr id="16" name="Picture 15">
+              <a:extLst>
+                <a:ext uri="{FF2B5EF4-FFF2-40B4-BE49-F238E27FC236}">
+                  <a16:creationId xmlns:a16="http://schemas.microsoft.com/office/drawing/2014/main" id="{124C0B23-3AF6-4545-9CD6-9023252686F0}"/>
+                </a:ext>
+              </a:extLst>
+            </p:cNvPr>
+            <p:cNvPicPr>
+              <a:picLocks noChangeAspect="1"/>
+            </p:cNvPicPr>
+            <p:nvPr/>
+          </p:nvPicPr>
+          <p:blipFill>
+            <a:blip r:embed="rId12">
+              <a:extLst>
+                <a:ext uri="{28A0092B-C50C-407E-A947-70E740481C1C}">
+                  <a14:useLocalDpi xmlns:a14="http://schemas.microsoft.com/office/drawing/2010/main" val="0"/>
+                </a:ext>
+              </a:extLst>
+            </a:blip>
+            <a:stretch>
+              <a:fillRect/>
+            </a:stretch>
+          </p:blipFill>
+          <p:spPr>
+            <a:xfrm>
+              <a:off x="3404133" y="4570554"/>
+              <a:ext cx="1084633" cy="468801"/>
+            </a:xfrm>
+            <a:prstGeom prst="rect">
+              <a:avLst/>
+            </a:prstGeom>
+          </p:spPr>
+        </p:pic>
+      </p:grpSp>
+    </p:spTree>
+    <p:extLst>
+      <p:ext uri="{BB962C8B-B14F-4D97-AF65-F5344CB8AC3E}">
+        <p14:creationId xmlns:p14="http://schemas.microsoft.com/office/powerpoint/2010/main" val="1089803606"/>
       </p:ext>
     </p:extLst>
   </p:cSld>
@@ -32874,8 +35071,8 @@
             </a:fontRef>
           </p:style>
         </p:cxnSp>
-        <mc:AlternateContent xmlns:mc="http://schemas.openxmlformats.org/markup-compatibility/2006">
-          <mc:Choice xmlns:a14="http://schemas.microsoft.com/office/drawing/2010/main" Requires="a14">
+        <mc:AlternateContent xmlns:mc="http://schemas.openxmlformats.org/markup-compatibility/2006" xmlns:a14="http://schemas.microsoft.com/office/drawing/2010/main">
+          <mc:Choice Requires="a14">
             <p:sp>
               <p:nvSpPr>
                 <p:cNvPr id="26" name="Rectangle 25">
@@ -32930,7 +35127,7 @@
               </p:txBody>
             </p:sp>
           </mc:Choice>
-          <mc:Fallback>
+          <mc:Fallback xmlns="">
             <p:sp>
               <p:nvSpPr>
                 <p:cNvPr id="26" name="Rectangle 25">
@@ -32975,8 +35172,8 @@
             </p:sp>
           </mc:Fallback>
         </mc:AlternateContent>
-        <mc:AlternateContent xmlns:mc="http://schemas.openxmlformats.org/markup-compatibility/2006">
-          <mc:Choice xmlns:a14="http://schemas.microsoft.com/office/drawing/2010/main" Requires="a14">
+        <mc:AlternateContent xmlns:mc="http://schemas.openxmlformats.org/markup-compatibility/2006" xmlns:a14="http://schemas.microsoft.com/office/drawing/2010/main">
+          <mc:Choice Requires="a14">
             <p:sp>
               <p:nvSpPr>
                 <p:cNvPr id="28" name="Rectangle 27">
@@ -33031,7 +35228,7 @@
               </p:txBody>
             </p:sp>
           </mc:Choice>
-          <mc:Fallback>
+          <mc:Fallback xmlns="">
             <p:sp>
               <p:nvSpPr>
                 <p:cNvPr id="28" name="Rectangle 27">
@@ -33121,8 +35318,8 @@
             </a:fontRef>
           </p:style>
         </p:cxnSp>
-        <mc:AlternateContent xmlns:mc="http://schemas.openxmlformats.org/markup-compatibility/2006">
-          <mc:Choice xmlns:a14="http://schemas.microsoft.com/office/drawing/2010/main" Requires="a14">
+        <mc:AlternateContent xmlns:mc="http://schemas.openxmlformats.org/markup-compatibility/2006" xmlns:a14="http://schemas.microsoft.com/office/drawing/2010/main">
+          <mc:Choice Requires="a14">
             <p:sp>
               <p:nvSpPr>
                 <p:cNvPr id="31" name="Rectangle 30">
@@ -33177,7 +35374,7 @@
               </p:txBody>
             </p:sp>
           </mc:Choice>
-          <mc:Fallback>
+          <mc:Fallback xmlns="">
             <p:sp>
               <p:nvSpPr>
                 <p:cNvPr id="31" name="Rectangle 30">
@@ -33267,8 +35464,8 @@
             </a:fontRef>
           </p:style>
         </p:cxnSp>
-        <mc:AlternateContent xmlns:mc="http://schemas.openxmlformats.org/markup-compatibility/2006">
-          <mc:Choice xmlns:a14="http://schemas.microsoft.com/office/drawing/2010/main" Requires="a14">
+        <mc:AlternateContent xmlns:mc="http://schemas.openxmlformats.org/markup-compatibility/2006" xmlns:a14="http://schemas.microsoft.com/office/drawing/2010/main">
+          <mc:Choice Requires="a14">
             <p:sp>
               <p:nvSpPr>
                 <p:cNvPr id="36" name="Rectangle 35">
@@ -33323,7 +35520,7 @@
               </p:txBody>
             </p:sp>
           </mc:Choice>
-          <mc:Fallback>
+          <mc:Fallback xmlns="">
             <p:sp>
               <p:nvSpPr>
                 <p:cNvPr id="36" name="Rectangle 35">
@@ -33473,10 +35670,750 @@
           </p:txBody>
         </p:sp>
       </p:grpSp>
+      <p:grpSp>
+        <p:nvGrpSpPr>
+          <p:cNvPr id="22" name="Group 21">
+            <a:extLst>
+              <a:ext uri="{FF2B5EF4-FFF2-40B4-BE49-F238E27FC236}">
+                <a16:creationId xmlns:a16="http://schemas.microsoft.com/office/drawing/2014/main" id="{E537E7BD-5E28-BC4A-908D-0EDC99521A36}"/>
+              </a:ext>
+            </a:extLst>
+          </p:cNvPr>
+          <p:cNvGrpSpPr/>
+          <p:nvPr/>
+        </p:nvGrpSpPr>
+        <p:grpSpPr>
+          <a:xfrm>
+            <a:off x="7257860" y="2010502"/>
+            <a:ext cx="2879162" cy="2319967"/>
+            <a:chOff x="523089" y="1650875"/>
+            <a:chExt cx="2879162" cy="2319967"/>
+          </a:xfrm>
+        </p:grpSpPr>
+        <p:sp>
+          <p:nvSpPr>
+            <p:cNvPr id="23" name="Arc 22">
+              <a:extLst>
+                <a:ext uri="{FF2B5EF4-FFF2-40B4-BE49-F238E27FC236}">
+                  <a16:creationId xmlns:a16="http://schemas.microsoft.com/office/drawing/2014/main" id="{9D6638AC-4F22-7442-A32F-041C5E142C33}"/>
+                </a:ext>
+              </a:extLst>
+            </p:cNvPr>
+            <p:cNvSpPr/>
+            <p:nvPr/>
+          </p:nvSpPr>
+          <p:spPr>
+            <a:xfrm rot="14175335">
+              <a:off x="378021" y="2186491"/>
+              <a:ext cx="2027695" cy="1541007"/>
+            </a:xfrm>
+            <a:prstGeom prst="arc">
+              <a:avLst>
+                <a:gd name="adj1" fmla="val 19099028"/>
+                <a:gd name="adj2" fmla="val 1370033"/>
+              </a:avLst>
+            </a:prstGeom>
+            <a:ln w="38100">
+              <a:solidFill>
+                <a:schemeClr val="tx1"/>
+              </a:solidFill>
+            </a:ln>
+          </p:spPr>
+          <p:style>
+            <a:lnRef idx="1">
+              <a:schemeClr val="accent1"/>
+            </a:lnRef>
+            <a:fillRef idx="0">
+              <a:schemeClr val="accent1"/>
+            </a:fillRef>
+            <a:effectRef idx="0">
+              <a:schemeClr val="accent1"/>
+            </a:effectRef>
+            <a:fontRef idx="minor">
+              <a:schemeClr val="tx1"/>
+            </a:fontRef>
+          </p:style>
+          <p:txBody>
+            <a:bodyPr rtlCol="0" anchor="ctr"/>
+            <a:lstStyle/>
+            <a:p>
+              <a:pPr algn="ctr"/>
+              <a:endParaRPr lang="en-US"/>
+            </a:p>
+          </p:txBody>
+        </p:sp>
+        <p:sp>
+          <p:nvSpPr>
+            <p:cNvPr id="25" name="Arc 24">
+              <a:extLst>
+                <a:ext uri="{FF2B5EF4-FFF2-40B4-BE49-F238E27FC236}">
+                  <a16:creationId xmlns:a16="http://schemas.microsoft.com/office/drawing/2014/main" id="{5039A102-91C7-7147-9486-29110B6F2E58}"/>
+                </a:ext>
+              </a:extLst>
+            </p:cNvPr>
+            <p:cNvSpPr/>
+            <p:nvPr/>
+          </p:nvSpPr>
+          <p:spPr>
+            <a:xfrm rot="21190908">
+              <a:off x="2229302" y="2086560"/>
+              <a:ext cx="1172949" cy="1178820"/>
+            </a:xfrm>
+            <a:prstGeom prst="arc">
+              <a:avLst>
+                <a:gd name="adj1" fmla="val 16506767"/>
+                <a:gd name="adj2" fmla="val 6542811"/>
+              </a:avLst>
+            </a:prstGeom>
+            <a:ln w="38100">
+              <a:solidFill>
+                <a:schemeClr val="tx1"/>
+              </a:solidFill>
+            </a:ln>
+          </p:spPr>
+          <p:style>
+            <a:lnRef idx="1">
+              <a:schemeClr val="accent1"/>
+            </a:lnRef>
+            <a:fillRef idx="0">
+              <a:schemeClr val="accent1"/>
+            </a:fillRef>
+            <a:effectRef idx="0">
+              <a:schemeClr val="accent1"/>
+            </a:effectRef>
+            <a:fontRef idx="minor">
+              <a:schemeClr val="tx1"/>
+            </a:fontRef>
+          </p:style>
+          <p:txBody>
+            <a:bodyPr rtlCol="0" anchor="ctr"/>
+            <a:lstStyle/>
+            <a:p>
+              <a:pPr algn="ctr"/>
+              <a:endParaRPr lang="en-US"/>
+            </a:p>
+          </p:txBody>
+        </p:sp>
+        <p:sp>
+          <p:nvSpPr>
+            <p:cNvPr id="27" name="Arc 26">
+              <a:extLst>
+                <a:ext uri="{FF2B5EF4-FFF2-40B4-BE49-F238E27FC236}">
+                  <a16:creationId xmlns:a16="http://schemas.microsoft.com/office/drawing/2014/main" id="{D1336244-C21B-5A43-A5A7-4A9A1FDB523F}"/>
+                </a:ext>
+              </a:extLst>
+            </p:cNvPr>
+            <p:cNvSpPr/>
+            <p:nvPr/>
+          </p:nvSpPr>
+          <p:spPr>
+            <a:xfrm rot="19983949">
+              <a:off x="1711254" y="1929174"/>
+              <a:ext cx="1239865" cy="1053885"/>
+            </a:xfrm>
+            <a:prstGeom prst="arc">
+              <a:avLst>
+                <a:gd name="adj1" fmla="val 17285002"/>
+                <a:gd name="adj2" fmla="val 21052191"/>
+              </a:avLst>
+            </a:prstGeom>
+            <a:ln w="38100">
+              <a:solidFill>
+                <a:schemeClr val="tx1"/>
+              </a:solidFill>
+            </a:ln>
+          </p:spPr>
+          <p:style>
+            <a:lnRef idx="1">
+              <a:schemeClr val="accent1"/>
+            </a:lnRef>
+            <a:fillRef idx="0">
+              <a:schemeClr val="accent1"/>
+            </a:fillRef>
+            <a:effectRef idx="0">
+              <a:schemeClr val="accent1"/>
+            </a:effectRef>
+            <a:fontRef idx="minor">
+              <a:schemeClr val="tx1"/>
+            </a:fontRef>
+          </p:style>
+          <p:txBody>
+            <a:bodyPr rtlCol="0" anchor="ctr"/>
+            <a:lstStyle/>
+            <a:p>
+              <a:pPr algn="ctr"/>
+              <a:endParaRPr lang="en-US"/>
+            </a:p>
+          </p:txBody>
+        </p:sp>
+        <p:sp>
+          <p:nvSpPr>
+            <p:cNvPr id="30" name="Arc 29">
+              <a:extLst>
+                <a:ext uri="{FF2B5EF4-FFF2-40B4-BE49-F238E27FC236}">
+                  <a16:creationId xmlns:a16="http://schemas.microsoft.com/office/drawing/2014/main" id="{F13E2C32-15BE-5749-9266-AA1C103F3E7E}"/>
+                </a:ext>
+              </a:extLst>
+            </p:cNvPr>
+            <p:cNvSpPr/>
+            <p:nvPr/>
+          </p:nvSpPr>
+          <p:spPr>
+            <a:xfrm rot="19355474">
+              <a:off x="1080585" y="1650875"/>
+              <a:ext cx="1239865" cy="1053885"/>
+            </a:xfrm>
+            <a:prstGeom prst="arc">
+              <a:avLst>
+                <a:gd name="adj1" fmla="val 14084472"/>
+                <a:gd name="adj2" fmla="val 899782"/>
+              </a:avLst>
+            </a:prstGeom>
+            <a:ln w="38100">
+              <a:solidFill>
+                <a:schemeClr val="tx1"/>
+              </a:solidFill>
+            </a:ln>
+          </p:spPr>
+          <p:style>
+            <a:lnRef idx="1">
+              <a:schemeClr val="accent1"/>
+            </a:lnRef>
+            <a:fillRef idx="0">
+              <a:schemeClr val="accent1"/>
+            </a:fillRef>
+            <a:effectRef idx="0">
+              <a:schemeClr val="accent1"/>
+            </a:effectRef>
+            <a:fontRef idx="minor">
+              <a:schemeClr val="tx1"/>
+            </a:fontRef>
+          </p:style>
+          <p:txBody>
+            <a:bodyPr rtlCol="0" anchor="ctr"/>
+            <a:lstStyle/>
+            <a:p>
+              <a:pPr algn="ctr"/>
+              <a:endParaRPr lang="en-US"/>
+            </a:p>
+          </p:txBody>
+        </p:sp>
+        <p:sp>
+          <p:nvSpPr>
+            <p:cNvPr id="33" name="Arc 32">
+              <a:extLst>
+                <a:ext uri="{FF2B5EF4-FFF2-40B4-BE49-F238E27FC236}">
+                  <a16:creationId xmlns:a16="http://schemas.microsoft.com/office/drawing/2014/main" id="{1FC41066-C700-A746-BF8F-713D7B297EF5}"/>
+                </a:ext>
+              </a:extLst>
+            </p:cNvPr>
+            <p:cNvSpPr/>
+            <p:nvPr/>
+          </p:nvSpPr>
+          <p:spPr>
+            <a:xfrm rot="9574926">
+              <a:off x="523089" y="2182782"/>
+              <a:ext cx="1239865" cy="1053885"/>
+            </a:xfrm>
+            <a:prstGeom prst="arc">
+              <a:avLst>
+                <a:gd name="adj1" fmla="val 18078224"/>
+                <a:gd name="adj2" fmla="val 1397016"/>
+              </a:avLst>
+            </a:prstGeom>
+            <a:ln w="38100">
+              <a:solidFill>
+                <a:schemeClr val="tx1"/>
+              </a:solidFill>
+            </a:ln>
+          </p:spPr>
+          <p:style>
+            <a:lnRef idx="1">
+              <a:schemeClr val="accent1"/>
+            </a:lnRef>
+            <a:fillRef idx="0">
+              <a:schemeClr val="accent1"/>
+            </a:fillRef>
+            <a:effectRef idx="0">
+              <a:schemeClr val="accent1"/>
+            </a:effectRef>
+            <a:fontRef idx="minor">
+              <a:schemeClr val="tx1"/>
+            </a:fontRef>
+          </p:style>
+          <p:txBody>
+            <a:bodyPr rtlCol="0" anchor="ctr"/>
+            <a:lstStyle/>
+            <a:p>
+              <a:pPr algn="ctr"/>
+              <a:endParaRPr lang="en-US"/>
+            </a:p>
+          </p:txBody>
+        </p:sp>
+        <p:sp>
+          <p:nvSpPr>
+            <p:cNvPr id="34" name="Arc 33">
+              <a:extLst>
+                <a:ext uri="{FF2B5EF4-FFF2-40B4-BE49-F238E27FC236}">
+                  <a16:creationId xmlns:a16="http://schemas.microsoft.com/office/drawing/2014/main" id="{95561B35-8D66-7840-A762-5E6A9E75362D}"/>
+                </a:ext>
+              </a:extLst>
+            </p:cNvPr>
+            <p:cNvSpPr/>
+            <p:nvPr/>
+          </p:nvSpPr>
+          <p:spPr>
+            <a:xfrm rot="8980026">
+              <a:off x="966977" y="2483733"/>
+              <a:ext cx="917143" cy="1097276"/>
+            </a:xfrm>
+            <a:prstGeom prst="arc">
+              <a:avLst>
+                <a:gd name="adj1" fmla="val 15658632"/>
+                <a:gd name="adj2" fmla="val 202079"/>
+              </a:avLst>
+            </a:prstGeom>
+            <a:ln w="38100">
+              <a:solidFill>
+                <a:schemeClr val="tx1"/>
+              </a:solidFill>
+            </a:ln>
+          </p:spPr>
+          <p:style>
+            <a:lnRef idx="1">
+              <a:schemeClr val="accent1"/>
+            </a:lnRef>
+            <a:fillRef idx="0">
+              <a:schemeClr val="accent1"/>
+            </a:fillRef>
+            <a:effectRef idx="0">
+              <a:schemeClr val="accent1"/>
+            </a:effectRef>
+            <a:fontRef idx="minor">
+              <a:schemeClr val="tx1"/>
+            </a:fontRef>
+          </p:style>
+          <p:txBody>
+            <a:bodyPr rtlCol="0" anchor="ctr"/>
+            <a:lstStyle/>
+            <a:p>
+              <a:pPr algn="ctr"/>
+              <a:endParaRPr lang="en-US"/>
+            </a:p>
+          </p:txBody>
+        </p:sp>
+        <p:sp>
+          <p:nvSpPr>
+            <p:cNvPr id="35" name="Arc 34">
+              <a:extLst>
+                <a:ext uri="{FF2B5EF4-FFF2-40B4-BE49-F238E27FC236}">
+                  <a16:creationId xmlns:a16="http://schemas.microsoft.com/office/drawing/2014/main" id="{2C4486FE-C8E1-714F-BD67-7814586302CF}"/>
+                </a:ext>
+              </a:extLst>
+            </p:cNvPr>
+            <p:cNvSpPr/>
+            <p:nvPr/>
+          </p:nvSpPr>
+          <p:spPr>
+            <a:xfrm rot="8076279">
+              <a:off x="1590517" y="2465618"/>
+              <a:ext cx="1239865" cy="1053885"/>
+            </a:xfrm>
+            <a:prstGeom prst="arc">
+              <a:avLst>
+                <a:gd name="adj1" fmla="val 15238772"/>
+                <a:gd name="adj2" fmla="val 0"/>
+              </a:avLst>
+            </a:prstGeom>
+            <a:ln w="38100">
+              <a:solidFill>
+                <a:schemeClr val="tx1"/>
+              </a:solidFill>
+            </a:ln>
+          </p:spPr>
+          <p:style>
+            <a:lnRef idx="1">
+              <a:schemeClr val="accent1"/>
+            </a:lnRef>
+            <a:fillRef idx="0">
+              <a:schemeClr val="accent1"/>
+            </a:fillRef>
+            <a:effectRef idx="0">
+              <a:schemeClr val="accent1"/>
+            </a:effectRef>
+            <a:fontRef idx="minor">
+              <a:schemeClr val="tx1"/>
+            </a:fontRef>
+          </p:style>
+          <p:txBody>
+            <a:bodyPr rtlCol="0" anchor="ctr"/>
+            <a:lstStyle/>
+            <a:p>
+              <a:pPr algn="ctr"/>
+              <a:endParaRPr lang="en-US"/>
+            </a:p>
+          </p:txBody>
+        </p:sp>
+      </p:grpSp>
     </p:spTree>
     <p:extLst>
       <p:ext uri="{BB962C8B-B14F-4D97-AF65-F5344CB8AC3E}">
         <p14:creationId xmlns:p14="http://schemas.microsoft.com/office/powerpoint/2010/main" val="3030840156"/>
+      </p:ext>
+    </p:extLst>
+  </p:cSld>
+  <p:clrMapOvr>
+    <a:masterClrMapping/>
+  </p:clrMapOvr>
+</p:sld>
+</file>
+
+<file path=ppt/slides/slide9.xml><?xml version="1.0" encoding="utf-8"?>
+<p:sld xmlns:a="http://schemas.openxmlformats.org/drawingml/2006/main" xmlns:r="http://schemas.openxmlformats.org/officeDocument/2006/relationships" xmlns:p="http://schemas.openxmlformats.org/presentationml/2006/main">
+  <p:cSld>
+    <p:bg>
+      <p:bgPr>
+        <a:solidFill>
+          <a:schemeClr val="bg1"/>
+        </a:solidFill>
+        <a:effectLst/>
+      </p:bgPr>
+    </p:bg>
+    <p:spTree>
+      <p:nvGrpSpPr>
+        <p:cNvPr id="1" name=""/>
+        <p:cNvGrpSpPr/>
+        <p:nvPr/>
+      </p:nvGrpSpPr>
+      <p:grpSpPr>
+        <a:xfrm>
+          <a:off x="0" y="0"/>
+          <a:ext cx="0" cy="0"/>
+          <a:chOff x="0" y="0"/>
+          <a:chExt cx="0" cy="0"/>
+        </a:xfrm>
+      </p:grpSpPr>
+      <p:grpSp>
+        <p:nvGrpSpPr>
+          <p:cNvPr id="27" name="Group 26">
+            <a:extLst>
+              <a:ext uri="{FF2B5EF4-FFF2-40B4-BE49-F238E27FC236}">
+                <a16:creationId xmlns:a16="http://schemas.microsoft.com/office/drawing/2014/main" id="{0F26F720-1E02-6442-B14F-3A3CFD933026}"/>
+              </a:ext>
+            </a:extLst>
+          </p:cNvPr>
+          <p:cNvGrpSpPr/>
+          <p:nvPr/>
+        </p:nvGrpSpPr>
+        <p:grpSpPr>
+          <a:xfrm>
+            <a:off x="2051864" y="1881715"/>
+            <a:ext cx="5094090" cy="3601468"/>
+            <a:chOff x="2051864" y="1881715"/>
+            <a:chExt cx="5094090" cy="3601468"/>
+          </a:xfrm>
+        </p:grpSpPr>
+        <p:grpSp>
+          <p:nvGrpSpPr>
+            <p:cNvPr id="24" name="Group 23">
+              <a:extLst>
+                <a:ext uri="{FF2B5EF4-FFF2-40B4-BE49-F238E27FC236}">
+                  <a16:creationId xmlns:a16="http://schemas.microsoft.com/office/drawing/2014/main" id="{5544B094-50C8-AD4F-87FF-3C6CF4F57D41}"/>
+                </a:ext>
+              </a:extLst>
+            </p:cNvPr>
+            <p:cNvGrpSpPr/>
+            <p:nvPr/>
+          </p:nvGrpSpPr>
+          <p:grpSpPr>
+            <a:xfrm>
+              <a:off x="2051864" y="1881715"/>
+              <a:ext cx="5094090" cy="3601468"/>
+              <a:chOff x="2051864" y="1881715"/>
+              <a:chExt cx="5094090" cy="3601468"/>
+            </a:xfrm>
+          </p:grpSpPr>
+          <p:sp>
+            <p:nvSpPr>
+              <p:cNvPr id="21" name="Right Triangle 20">
+                <a:extLst>
+                  <a:ext uri="{FF2B5EF4-FFF2-40B4-BE49-F238E27FC236}">
+                    <a16:creationId xmlns:a16="http://schemas.microsoft.com/office/drawing/2014/main" id="{B481015D-8291-6643-9D17-3AD92A2498E3}"/>
+                  </a:ext>
+                </a:extLst>
+              </p:cNvPr>
+              <p:cNvSpPr/>
+              <p:nvPr/>
+            </p:nvSpPr>
+            <p:spPr>
+              <a:xfrm flipH="1">
+                <a:off x="3676817" y="2941119"/>
+                <a:ext cx="3429576" cy="2116136"/>
+              </a:xfrm>
+              <a:prstGeom prst="rtTriangle">
+                <a:avLst/>
+              </a:prstGeom>
+              <a:solidFill>
+                <a:schemeClr val="tx1">
+                  <a:lumMod val="50000"/>
+                  <a:lumOff val="50000"/>
+                </a:schemeClr>
+              </a:solidFill>
+              <a:ln w="38100">
+                <a:solidFill>
+                  <a:schemeClr val="tx1"/>
+                </a:solidFill>
+              </a:ln>
+            </p:spPr>
+            <p:style>
+              <a:lnRef idx="2">
+                <a:schemeClr val="accent1">
+                  <a:shade val="50000"/>
+                </a:schemeClr>
+              </a:lnRef>
+              <a:fillRef idx="1">
+                <a:schemeClr val="accent1"/>
+              </a:fillRef>
+              <a:effectRef idx="0">
+                <a:schemeClr val="accent1"/>
+              </a:effectRef>
+              <a:fontRef idx="minor">
+                <a:schemeClr val="lt1"/>
+              </a:fontRef>
+            </p:style>
+            <p:txBody>
+              <a:bodyPr rtlCol="0" anchor="ctr"/>
+              <a:lstStyle/>
+              <a:p>
+                <a:pPr algn="ctr"/>
+                <a:endParaRPr lang="en-US"/>
+              </a:p>
+            </p:txBody>
+          </p:sp>
+          <p:pic>
+            <p:nvPicPr>
+              <p:cNvPr id="20" name="Picture 19">
+                <a:extLst>
+                  <a:ext uri="{FF2B5EF4-FFF2-40B4-BE49-F238E27FC236}">
+                    <a16:creationId xmlns:a16="http://schemas.microsoft.com/office/drawing/2014/main" id="{A6AE02DE-A37A-0746-8693-9E0457170A93}"/>
+                  </a:ext>
+                </a:extLst>
+              </p:cNvPr>
+              <p:cNvPicPr>
+                <a:picLocks noChangeAspect="1"/>
+              </p:cNvPicPr>
+              <p:nvPr/>
+            </p:nvPicPr>
+            <p:blipFill>
+              <a:blip r:embed="rId2">
+                <a:extLst>
+                  <a:ext uri="{28A0092B-C50C-407E-A947-70E740481C1C}">
+                    <a14:useLocalDpi xmlns:a14="http://schemas.microsoft.com/office/drawing/2010/main" val="0"/>
+                  </a:ext>
+                </a:extLst>
+              </a:blip>
+              <a:stretch>
+                <a:fillRect/>
+              </a:stretch>
+            </p:blipFill>
+            <p:spPr>
+              <a:xfrm rot="18104251">
+                <a:off x="5741043" y="2147039"/>
+                <a:ext cx="1670235" cy="1139587"/>
+              </a:xfrm>
+              <a:prstGeom prst="rect">
+                <a:avLst/>
+              </a:prstGeom>
+            </p:spPr>
+          </p:pic>
+          <p:pic>
+            <p:nvPicPr>
+              <p:cNvPr id="23" name="Picture 22">
+                <a:extLst>
+                  <a:ext uri="{FF2B5EF4-FFF2-40B4-BE49-F238E27FC236}">
+                    <a16:creationId xmlns:a16="http://schemas.microsoft.com/office/drawing/2014/main" id="{27AE44A3-90A0-DA4E-949E-56A09226041F}"/>
+                  </a:ext>
+                </a:extLst>
+              </p:cNvPr>
+              <p:cNvPicPr>
+                <a:picLocks noChangeAspect="1"/>
+              </p:cNvPicPr>
+              <p:nvPr/>
+            </p:nvPicPr>
+            <p:blipFill>
+              <a:blip r:embed="rId3">
+                <a:extLst>
+                  <a:ext uri="{28A0092B-C50C-407E-A947-70E740481C1C}">
+                    <a14:useLocalDpi xmlns:a14="http://schemas.microsoft.com/office/drawing/2010/main" val="0"/>
+                  </a:ext>
+                </a:extLst>
+              </a:blip>
+              <a:stretch>
+                <a:fillRect/>
+              </a:stretch>
+            </p:blipFill>
+            <p:spPr>
+              <a:xfrm rot="151395">
+                <a:off x="2051864" y="4044747"/>
+                <a:ext cx="2101419" cy="1438436"/>
+              </a:xfrm>
+              <a:prstGeom prst="rect">
+                <a:avLst/>
+              </a:prstGeom>
+            </p:spPr>
+          </p:pic>
+        </p:grpSp>
+        <p:sp>
+          <p:nvSpPr>
+            <p:cNvPr id="25" name="Arc 24">
+              <a:extLst>
+                <a:ext uri="{FF2B5EF4-FFF2-40B4-BE49-F238E27FC236}">
+                  <a16:creationId xmlns:a16="http://schemas.microsoft.com/office/drawing/2014/main" id="{7B4B00BF-D205-D341-9D3F-735E27C165E9}"/>
+                </a:ext>
+              </a:extLst>
+            </p:cNvPr>
+            <p:cNvSpPr/>
+            <p:nvPr/>
+          </p:nvSpPr>
+          <p:spPr>
+            <a:xfrm rot="1879767">
+              <a:off x="4073131" y="4677568"/>
+              <a:ext cx="437446" cy="541157"/>
+            </a:xfrm>
+            <a:prstGeom prst="arc">
+              <a:avLst>
+                <a:gd name="adj1" fmla="val 15281352"/>
+                <a:gd name="adj2" fmla="val 21371079"/>
+              </a:avLst>
+            </a:prstGeom>
+            <a:ln w="38100">
+              <a:solidFill>
+                <a:schemeClr val="tx1"/>
+              </a:solidFill>
+              <a:prstDash val="sysDot"/>
+            </a:ln>
+          </p:spPr>
+          <p:style>
+            <a:lnRef idx="1">
+              <a:schemeClr val="accent1"/>
+            </a:lnRef>
+            <a:fillRef idx="0">
+              <a:schemeClr val="accent1"/>
+            </a:fillRef>
+            <a:effectRef idx="0">
+              <a:schemeClr val="accent1"/>
+            </a:effectRef>
+            <a:fontRef idx="minor">
+              <a:schemeClr val="tx1"/>
+            </a:fontRef>
+          </p:style>
+          <p:txBody>
+            <a:bodyPr rtlCol="0" anchor="ctr"/>
+            <a:lstStyle/>
+            <a:p>
+              <a:pPr algn="ctr"/>
+              <a:endParaRPr lang="en-CA"/>
+            </a:p>
+          </p:txBody>
+        </p:sp>
+        <mc:AlternateContent xmlns:mc="http://schemas.openxmlformats.org/markup-compatibility/2006">
+          <mc:Choice xmlns:a14="http://schemas.microsoft.com/office/drawing/2010/main" Requires="a14">
+            <p:sp>
+              <p:nvSpPr>
+                <p:cNvPr id="26" name="Rectangle 25">
+                  <a:extLst>
+                    <a:ext uri="{FF2B5EF4-FFF2-40B4-BE49-F238E27FC236}">
+                      <a16:creationId xmlns:a16="http://schemas.microsoft.com/office/drawing/2014/main" id="{601ABF8B-5F13-E742-BFE2-4284EA253871}"/>
+                    </a:ext>
+                  </a:extLst>
+                </p:cNvPr>
+                <p:cNvSpPr/>
+                <p:nvPr/>
+              </p:nvSpPr>
+              <p:spPr>
+                <a:xfrm>
+                  <a:off x="4543789" y="4537396"/>
+                  <a:ext cx="600984" cy="453137"/>
+                </a:xfrm>
+                <a:prstGeom prst="rect">
+                  <a:avLst/>
+                </a:prstGeom>
+              </p:spPr>
+              <p:txBody>
+                <a:bodyPr wrap="square">
+                  <a:spAutoFit/>
+                </a:bodyPr>
+                <a:lstStyle/>
+                <a:p>
+                  <a14:m>
+                    <m:oMath xmlns:m="http://schemas.openxmlformats.org/officeDocument/2006/math">
+                      <m:r>
+                        <a:rPr lang="en-US" sz="2400" b="0" i="1" smtClean="0">
+                          <a:latin typeface="Cambria Math" panose="02040503050406030204" pitchFamily="18" charset="0"/>
+                          <a:cs typeface="Arial" panose="020B0604020202020204" pitchFamily="34" charset="0"/>
+                        </a:rPr>
+                        <m:t>𝜃</m:t>
+                      </m:r>
+                    </m:oMath>
+                  </a14:m>
+                  <a:r>
+                    <a:rPr lang="en-CA" dirty="0"/>
+                    <a:t> </a:t>
+                  </a:r>
+                </a:p>
+              </p:txBody>
+            </p:sp>
+          </mc:Choice>
+          <mc:Fallback>
+            <p:sp>
+              <p:nvSpPr>
+                <p:cNvPr id="26" name="Rectangle 25">
+                  <a:extLst>
+                    <a:ext uri="{FF2B5EF4-FFF2-40B4-BE49-F238E27FC236}">
+                      <a16:creationId xmlns:a16="http://schemas.microsoft.com/office/drawing/2014/main" id="{601ABF8B-5F13-E742-BFE2-4284EA253871}"/>
+                    </a:ext>
+                  </a:extLst>
+                </p:cNvPr>
+                <p:cNvSpPr>
+                  <a:spLocks noRot="1" noChangeAspect="1" noMove="1" noResize="1" noEditPoints="1" noAdjustHandles="1" noChangeArrowheads="1" noChangeShapeType="1" noTextEdit="1"/>
+                </p:cNvSpPr>
+                <p:nvPr/>
+              </p:nvSpPr>
+              <p:spPr>
+                <a:xfrm>
+                  <a:off x="4543789" y="4537396"/>
+                  <a:ext cx="600984" cy="453137"/>
+                </a:xfrm>
+                <a:prstGeom prst="rect">
+                  <a:avLst/>
+                </a:prstGeom>
+                <a:blipFill>
+                  <a:blip r:embed="rId4"/>
+                  <a:stretch>
+                    <a:fillRect l="-2083"/>
+                  </a:stretch>
+                </a:blipFill>
+              </p:spPr>
+              <p:txBody>
+                <a:bodyPr/>
+                <a:lstStyle/>
+                <a:p>
+                  <a:r>
+                    <a:rPr lang="en-US">
+                      <a:noFill/>
+                    </a:rPr>
+                    <a:t> </a:t>
+                  </a:r>
+                </a:p>
+              </p:txBody>
+            </p:sp>
+          </mc:Fallback>
+        </mc:AlternateContent>
+      </p:grpSp>
+    </p:spTree>
+    <p:extLst>
+      <p:ext uri="{BB962C8B-B14F-4D97-AF65-F5344CB8AC3E}">
+        <p14:creationId xmlns:p14="http://schemas.microsoft.com/office/powerpoint/2010/main" val="2005195387"/>
       </p:ext>
     </p:extLst>
   </p:cSld>

--- a/tex/figures/Figures.pptx
+++ b/tex/figures/Figures.pptx
@@ -254,7 +254,7 @@
           <a:p>
             <a:fld id="{F7249F8D-641B-4CAF-BAE5-10524742F6F1}" type="datetimeFigureOut">
               <a:rPr lang="en-CA" smtClean="0"/>
-              <a:t>2018-06-04</a:t>
+              <a:t>2018-07-16</a:t>
             </a:fld>
             <a:endParaRPr lang="en-CA"/>
           </a:p>
@@ -424,7 +424,7 @@
           <a:p>
             <a:fld id="{F7249F8D-641B-4CAF-BAE5-10524742F6F1}" type="datetimeFigureOut">
               <a:rPr lang="en-CA" smtClean="0"/>
-              <a:t>2018-06-04</a:t>
+              <a:t>2018-07-16</a:t>
             </a:fld>
             <a:endParaRPr lang="en-CA"/>
           </a:p>
@@ -604,7 +604,7 @@
           <a:p>
             <a:fld id="{F7249F8D-641B-4CAF-BAE5-10524742F6F1}" type="datetimeFigureOut">
               <a:rPr lang="en-CA" smtClean="0"/>
-              <a:t>2018-06-04</a:t>
+              <a:t>2018-07-16</a:t>
             </a:fld>
             <a:endParaRPr lang="en-CA"/>
           </a:p>
@@ -774,7 +774,7 @@
           <a:p>
             <a:fld id="{F7249F8D-641B-4CAF-BAE5-10524742F6F1}" type="datetimeFigureOut">
               <a:rPr lang="en-CA" smtClean="0"/>
-              <a:t>2018-06-04</a:t>
+              <a:t>2018-07-16</a:t>
             </a:fld>
             <a:endParaRPr lang="en-CA"/>
           </a:p>
@@ -1020,7 +1020,7 @@
           <a:p>
             <a:fld id="{F7249F8D-641B-4CAF-BAE5-10524742F6F1}" type="datetimeFigureOut">
               <a:rPr lang="en-CA" smtClean="0"/>
-              <a:t>2018-06-04</a:t>
+              <a:t>2018-07-16</a:t>
             </a:fld>
             <a:endParaRPr lang="en-CA"/>
           </a:p>
@@ -1252,7 +1252,7 @@
           <a:p>
             <a:fld id="{F7249F8D-641B-4CAF-BAE5-10524742F6F1}" type="datetimeFigureOut">
               <a:rPr lang="en-CA" smtClean="0"/>
-              <a:t>2018-06-04</a:t>
+              <a:t>2018-07-16</a:t>
             </a:fld>
             <a:endParaRPr lang="en-CA"/>
           </a:p>
@@ -1619,7 +1619,7 @@
           <a:p>
             <a:fld id="{F7249F8D-641B-4CAF-BAE5-10524742F6F1}" type="datetimeFigureOut">
               <a:rPr lang="en-CA" smtClean="0"/>
-              <a:t>2018-06-04</a:t>
+              <a:t>2018-07-16</a:t>
             </a:fld>
             <a:endParaRPr lang="en-CA"/>
           </a:p>
@@ -1737,7 +1737,7 @@
           <a:p>
             <a:fld id="{F7249F8D-641B-4CAF-BAE5-10524742F6F1}" type="datetimeFigureOut">
               <a:rPr lang="en-CA" smtClean="0"/>
-              <a:t>2018-06-04</a:t>
+              <a:t>2018-07-16</a:t>
             </a:fld>
             <a:endParaRPr lang="en-CA"/>
           </a:p>
@@ -1832,7 +1832,7 @@
           <a:p>
             <a:fld id="{F7249F8D-641B-4CAF-BAE5-10524742F6F1}" type="datetimeFigureOut">
               <a:rPr lang="en-CA" smtClean="0"/>
-              <a:t>2018-06-04</a:t>
+              <a:t>2018-07-16</a:t>
             </a:fld>
             <a:endParaRPr lang="en-CA"/>
           </a:p>
@@ -2109,7 +2109,7 @@
           <a:p>
             <a:fld id="{F7249F8D-641B-4CAF-BAE5-10524742F6F1}" type="datetimeFigureOut">
               <a:rPr lang="en-CA" smtClean="0"/>
-              <a:t>2018-06-04</a:t>
+              <a:t>2018-07-16</a:t>
             </a:fld>
             <a:endParaRPr lang="en-CA"/>
           </a:p>
@@ -2362,7 +2362,7 @@
           <a:p>
             <a:fld id="{F7249F8D-641B-4CAF-BAE5-10524742F6F1}" type="datetimeFigureOut">
               <a:rPr lang="en-CA" smtClean="0"/>
-              <a:t>2018-06-04</a:t>
+              <a:t>2018-07-16</a:t>
             </a:fld>
             <a:endParaRPr lang="en-CA"/>
           </a:p>
@@ -2575,7 +2575,7 @@
           <a:p>
             <a:fld id="{F7249F8D-641B-4CAF-BAE5-10524742F6F1}" type="datetimeFigureOut">
               <a:rPr lang="en-CA" smtClean="0"/>
-              <a:t>2018-06-04</a:t>
+              <a:t>2018-07-16</a:t>
             </a:fld>
             <a:endParaRPr lang="en-CA"/>
           </a:p>
@@ -4200,7 +4200,7 @@
           <p:cNvPr id="19" name="Picture 18">
             <a:extLst>
               <a:ext uri="{FF2B5EF4-FFF2-40B4-BE49-F238E27FC236}">
-                <a16:creationId xmlns:a16="http://schemas.microsoft.com/office/drawing/2014/main" id="{CEA7C585-4AC1-C345-9A08-739DBF8DED93}"/>
+                <a16:creationId xmlns:a16="http://schemas.microsoft.com/office/drawing/2014/main" xmlns="" id="{CEA7C585-4AC1-C345-9A08-739DBF8DED93}"/>
               </a:ext>
             </a:extLst>
           </p:cNvPr>
@@ -4236,7 +4236,7 @@
           <p:cNvPr id="17" name="Picture 16">
             <a:extLst>
               <a:ext uri="{FF2B5EF4-FFF2-40B4-BE49-F238E27FC236}">
-                <a16:creationId xmlns:a16="http://schemas.microsoft.com/office/drawing/2014/main" id="{EEF707B4-8939-CA48-A54F-4E1C6EB4CCA5}"/>
+                <a16:creationId xmlns:a16="http://schemas.microsoft.com/office/drawing/2014/main" xmlns="" id="{EEF707B4-8939-CA48-A54F-4E1C6EB4CCA5}"/>
               </a:ext>
             </a:extLst>
           </p:cNvPr>
@@ -4272,7 +4272,7 @@
           <p:cNvPr id="73" name="Group 72">
             <a:extLst>
               <a:ext uri="{FF2B5EF4-FFF2-40B4-BE49-F238E27FC236}">
-                <a16:creationId xmlns:a16="http://schemas.microsoft.com/office/drawing/2014/main" id="{E341D7A9-8730-824D-9FA7-722A3869558A}"/>
+                <a16:creationId xmlns:a16="http://schemas.microsoft.com/office/drawing/2014/main" xmlns="" id="{E341D7A9-8730-824D-9FA7-722A3869558A}"/>
               </a:ext>
             </a:extLst>
           </p:cNvPr>
@@ -4292,7 +4292,7 @@
             <p:cNvPr id="5" name="Picture 4">
               <a:extLst>
                 <a:ext uri="{FF2B5EF4-FFF2-40B4-BE49-F238E27FC236}">
-                  <a16:creationId xmlns:a16="http://schemas.microsoft.com/office/drawing/2014/main" id="{84320F98-3341-BA42-B376-E667EA284AB9}"/>
+                  <a16:creationId xmlns:a16="http://schemas.microsoft.com/office/drawing/2014/main" xmlns="" id="{84320F98-3341-BA42-B376-E667EA284AB9}"/>
                 </a:ext>
               </a:extLst>
             </p:cNvPr>
@@ -4328,7 +4328,7 @@
             <p:cNvPr id="22" name="Straight Arrow Connector 21">
               <a:extLst>
                 <a:ext uri="{FF2B5EF4-FFF2-40B4-BE49-F238E27FC236}">
-                  <a16:creationId xmlns:a16="http://schemas.microsoft.com/office/drawing/2014/main" id="{83825F84-64F0-7A4B-9473-6B21120226B9}"/>
+                  <a16:creationId xmlns:a16="http://schemas.microsoft.com/office/drawing/2014/main" xmlns="" id="{83825F84-64F0-7A4B-9473-6B21120226B9}"/>
                 </a:ext>
               </a:extLst>
             </p:cNvPr>
@@ -4372,7 +4372,7 @@
             <p:cNvPr id="25" name="Straight Arrow Connector 24">
               <a:extLst>
                 <a:ext uri="{FF2B5EF4-FFF2-40B4-BE49-F238E27FC236}">
-                  <a16:creationId xmlns:a16="http://schemas.microsoft.com/office/drawing/2014/main" id="{C7E30327-D32A-7A48-B1D7-63BCB6D1C079}"/>
+                  <a16:creationId xmlns:a16="http://schemas.microsoft.com/office/drawing/2014/main" xmlns="" id="{C7E30327-D32A-7A48-B1D7-63BCB6D1C079}"/>
                 </a:ext>
               </a:extLst>
             </p:cNvPr>
@@ -4416,7 +4416,7 @@
             <p:cNvPr id="27" name="Straight Arrow Connector 26">
               <a:extLst>
                 <a:ext uri="{FF2B5EF4-FFF2-40B4-BE49-F238E27FC236}">
-                  <a16:creationId xmlns:a16="http://schemas.microsoft.com/office/drawing/2014/main" id="{AE80DFD5-4A51-FE47-A98C-467D6E5A58D8}"/>
+                  <a16:creationId xmlns:a16="http://schemas.microsoft.com/office/drawing/2014/main" xmlns="" id="{AE80DFD5-4A51-FE47-A98C-467D6E5A58D8}"/>
                 </a:ext>
               </a:extLst>
             </p:cNvPr>
@@ -4455,14 +4455,14 @@
             </a:fontRef>
           </p:style>
         </p:cxnSp>
-        <mc:AlternateContent xmlns:mc="http://schemas.openxmlformats.org/markup-compatibility/2006">
-          <mc:Choice xmlns:a14="http://schemas.microsoft.com/office/drawing/2010/main" Requires="a14">
+        <mc:AlternateContent xmlns:mc="http://schemas.openxmlformats.org/markup-compatibility/2006" xmlns:a14="http://schemas.microsoft.com/office/drawing/2010/main">
+          <mc:Choice Requires="a14">
             <p:sp>
               <p:nvSpPr>
                 <p:cNvPr id="38" name="Rectangle 37">
                   <a:extLst>
                     <a:ext uri="{FF2B5EF4-FFF2-40B4-BE49-F238E27FC236}">
-                      <a16:creationId xmlns:a16="http://schemas.microsoft.com/office/drawing/2014/main" id="{B4A04741-0A13-E741-BCC1-DF73A2C5ACE3}"/>
+                      <a16:creationId xmlns:a16="http://schemas.microsoft.com/office/drawing/2014/main" xmlns="" id="{B4A04741-0A13-E741-BCC1-DF73A2C5ACE3}"/>
                     </a:ext>
                   </a:extLst>
                 </p:cNvPr>
@@ -4503,7 +4503,7 @@
               </p:txBody>
             </p:sp>
           </mc:Choice>
-          <mc:Fallback>
+          <mc:Fallback xmlns="">
             <p:sp>
               <p:nvSpPr>
                 <p:cNvPr id="38" name="Rectangle 37">
@@ -4553,7 +4553,7 @@
             <p:cNvPr id="39" name="Arc 38">
               <a:extLst>
                 <a:ext uri="{FF2B5EF4-FFF2-40B4-BE49-F238E27FC236}">
-                  <a16:creationId xmlns:a16="http://schemas.microsoft.com/office/drawing/2014/main" id="{98A52D6D-B964-AD43-BCBA-962B6A16D7BE}"/>
+                  <a16:creationId xmlns:a16="http://schemas.microsoft.com/office/drawing/2014/main" xmlns="" id="{98A52D6D-B964-AD43-BCBA-962B6A16D7BE}"/>
                 </a:ext>
               </a:extLst>
             </p:cNvPr>
@@ -4606,7 +4606,7 @@
             <p:cNvPr id="67" name="Group 66">
               <a:extLst>
                 <a:ext uri="{FF2B5EF4-FFF2-40B4-BE49-F238E27FC236}">
-                  <a16:creationId xmlns:a16="http://schemas.microsoft.com/office/drawing/2014/main" id="{DA028E65-79F9-4A47-84BC-CCEF3479D1DA}"/>
+                  <a16:creationId xmlns:a16="http://schemas.microsoft.com/office/drawing/2014/main" xmlns="" id="{DA028E65-79F9-4A47-84BC-CCEF3479D1DA}"/>
                 </a:ext>
               </a:extLst>
             </p:cNvPr>
@@ -4626,7 +4626,7 @@
               <p:cNvPr id="61" name="Straight Arrow Connector 60">
                 <a:extLst>
                   <a:ext uri="{FF2B5EF4-FFF2-40B4-BE49-F238E27FC236}">
-                    <a16:creationId xmlns:a16="http://schemas.microsoft.com/office/drawing/2014/main" id="{8A63031D-CAA9-3045-AA66-AF4CA2688C19}"/>
+                    <a16:creationId xmlns:a16="http://schemas.microsoft.com/office/drawing/2014/main" xmlns="" id="{8A63031D-CAA9-3045-AA66-AF4CA2688C19}"/>
                   </a:ext>
                 </a:extLst>
               </p:cNvPr>
@@ -4668,7 +4668,7 @@
               <p:cNvPr id="62" name="Straight Arrow Connector 61">
                 <a:extLst>
                   <a:ext uri="{FF2B5EF4-FFF2-40B4-BE49-F238E27FC236}">
-                    <a16:creationId xmlns:a16="http://schemas.microsoft.com/office/drawing/2014/main" id="{9068D077-B250-6344-9DB8-EE8E96E33196}"/>
+                    <a16:creationId xmlns:a16="http://schemas.microsoft.com/office/drawing/2014/main" xmlns="" id="{9068D077-B250-6344-9DB8-EE8E96E33196}"/>
                   </a:ext>
                 </a:extLst>
               </p:cNvPr>
@@ -4712,7 +4712,7 @@
               <p:cNvPr id="63" name="Rectangle 62">
                 <a:extLst>
                   <a:ext uri="{FF2B5EF4-FFF2-40B4-BE49-F238E27FC236}">
-                    <a16:creationId xmlns:a16="http://schemas.microsoft.com/office/drawing/2014/main" id="{BF4A76EB-7607-AD41-8F3D-59893DC96394}"/>
+                    <a16:creationId xmlns:a16="http://schemas.microsoft.com/office/drawing/2014/main" xmlns="" id="{BF4A76EB-7607-AD41-8F3D-59893DC96394}"/>
                   </a:ext>
                 </a:extLst>
               </p:cNvPr>
@@ -4748,14 +4748,14 @@
               </a:p>
             </p:txBody>
           </p:sp>
-          <mc:AlternateContent xmlns:mc="http://schemas.openxmlformats.org/markup-compatibility/2006">
-            <mc:Choice xmlns:a14="http://schemas.microsoft.com/office/drawing/2010/main" Requires="a14">
+          <mc:AlternateContent xmlns:mc="http://schemas.openxmlformats.org/markup-compatibility/2006" xmlns:a14="http://schemas.microsoft.com/office/drawing/2010/main">
+            <mc:Choice Requires="a14">
               <p:sp>
                 <p:nvSpPr>
                   <p:cNvPr id="65" name="Rectangle 64">
                     <a:extLst>
                       <a:ext uri="{FF2B5EF4-FFF2-40B4-BE49-F238E27FC236}">
-                        <a16:creationId xmlns:a16="http://schemas.microsoft.com/office/drawing/2014/main" id="{18D3870A-EAC4-6848-9CD3-D35EC430F1FC}"/>
+                        <a16:creationId xmlns:a16="http://schemas.microsoft.com/office/drawing/2014/main" xmlns="" id="{18D3870A-EAC4-6848-9CD3-D35EC430F1FC}"/>
                       </a:ext>
                     </a:extLst>
                   </p:cNvPr>
@@ -4795,7 +4795,7 @@
                 </p:txBody>
               </p:sp>
             </mc:Choice>
-            <mc:Fallback>
+            <mc:Fallback xmlns="">
               <p:sp>
                 <p:nvSpPr>
                   <p:cNvPr id="65" name="Rectangle 64">
@@ -4840,14 +4840,14 @@
               </p:sp>
             </mc:Fallback>
           </mc:AlternateContent>
-          <mc:AlternateContent xmlns:mc="http://schemas.openxmlformats.org/markup-compatibility/2006">
-            <mc:Choice xmlns:a14="http://schemas.microsoft.com/office/drawing/2010/main" Requires="a14">
+          <mc:AlternateContent xmlns:mc="http://schemas.openxmlformats.org/markup-compatibility/2006" xmlns:a14="http://schemas.microsoft.com/office/drawing/2010/main">
+            <mc:Choice Requires="a14">
               <p:sp>
                 <p:nvSpPr>
                   <p:cNvPr id="66" name="Rectangle 65">
                     <a:extLst>
                       <a:ext uri="{FF2B5EF4-FFF2-40B4-BE49-F238E27FC236}">
-                        <a16:creationId xmlns:a16="http://schemas.microsoft.com/office/drawing/2014/main" id="{DB675D4B-26F0-DE47-B99B-69C8B788B8EB}"/>
+                        <a16:creationId xmlns:a16="http://schemas.microsoft.com/office/drawing/2014/main" xmlns="" id="{DB675D4B-26F0-DE47-B99B-69C8B788B8EB}"/>
                       </a:ext>
                     </a:extLst>
                   </p:cNvPr>
@@ -4888,7 +4888,7 @@
                 </p:txBody>
               </p:sp>
             </mc:Choice>
-            <mc:Fallback>
+            <mc:Fallback xmlns="">
               <p:sp>
                 <p:nvSpPr>
                   <p:cNvPr id="66" name="Rectangle 65">
@@ -4934,14 +4934,14 @@
             </mc:Fallback>
           </mc:AlternateContent>
         </p:grpSp>
-        <mc:AlternateContent xmlns:mc="http://schemas.openxmlformats.org/markup-compatibility/2006">
-          <mc:Choice xmlns:a14="http://schemas.microsoft.com/office/drawing/2010/main" Requires="a14">
+        <mc:AlternateContent xmlns:mc="http://schemas.openxmlformats.org/markup-compatibility/2006" xmlns:a14="http://schemas.microsoft.com/office/drawing/2010/main">
+          <mc:Choice Requires="a14">
             <p:sp>
               <p:nvSpPr>
                 <p:cNvPr id="68" name="Rectangle 67">
                   <a:extLst>
                     <a:ext uri="{FF2B5EF4-FFF2-40B4-BE49-F238E27FC236}">
-                      <a16:creationId xmlns:a16="http://schemas.microsoft.com/office/drawing/2014/main" id="{C4CE5173-E54E-1D41-A24C-A87E1617927D}"/>
+                      <a16:creationId xmlns:a16="http://schemas.microsoft.com/office/drawing/2014/main" xmlns="" id="{C4CE5173-E54E-1D41-A24C-A87E1617927D}"/>
                     </a:ext>
                   </a:extLst>
                 </p:cNvPr>
@@ -4963,6 +4963,7 @@
                 </a:bodyPr>
                 <a:lstStyle/>
                 <a:p>
+                  <a:pPr/>
                   <a14:m>
                     <m:oMathPara xmlns:m="http://schemas.openxmlformats.org/officeDocument/2006/math">
                       <m:oMathParaPr>
@@ -4974,7 +4975,7 @@
                             <m:chr m:val="⃗"/>
                             <m:ctrlPr>
                               <a:rPr lang="en-US" sz="2000" i="1">
-                                <a:latin typeface="Cambria Math" panose="02040503050406030204" pitchFamily="18" charset="0"/>
+                                <a:latin typeface="Cambria Math" charset="0"/>
                                 <a:cs typeface="Arial" panose="020B0604020202020204" pitchFamily="34" charset="0"/>
                               </a:rPr>
                             </m:ctrlPr>
@@ -5000,7 +5001,7 @@
               </p:txBody>
             </p:sp>
           </mc:Choice>
-          <mc:Fallback>
+          <mc:Fallback xmlns="">
             <p:sp>
               <p:nvSpPr>
                 <p:cNvPr id="68" name="Rectangle 67">
@@ -5045,14 +5046,14 @@
             </p:sp>
           </mc:Fallback>
         </mc:AlternateContent>
-        <mc:AlternateContent xmlns:mc="http://schemas.openxmlformats.org/markup-compatibility/2006">
-          <mc:Choice xmlns:a14="http://schemas.microsoft.com/office/drawing/2010/main" Requires="a14">
+        <mc:AlternateContent xmlns:mc="http://schemas.openxmlformats.org/markup-compatibility/2006" xmlns:a14="http://schemas.microsoft.com/office/drawing/2010/main">
+          <mc:Choice Requires="a14">
             <p:sp>
               <p:nvSpPr>
                 <p:cNvPr id="69" name="Rectangle 68">
                   <a:extLst>
                     <a:ext uri="{FF2B5EF4-FFF2-40B4-BE49-F238E27FC236}">
-                      <a16:creationId xmlns:a16="http://schemas.microsoft.com/office/drawing/2014/main" id="{4126345B-83F8-464F-86C8-88C8DDB4C2A9}"/>
+                      <a16:creationId xmlns:a16="http://schemas.microsoft.com/office/drawing/2014/main" xmlns="" id="{4126345B-83F8-464F-86C8-88C8DDB4C2A9}"/>
                     </a:ext>
                   </a:extLst>
                 </p:cNvPr>
@@ -5074,6 +5075,7 @@
                 </a:bodyPr>
                 <a:lstStyle/>
                 <a:p>
+                  <a:pPr/>
                   <a14:m>
                     <m:oMathPara xmlns:m="http://schemas.openxmlformats.org/officeDocument/2006/math">
                       <m:oMathParaPr>
@@ -5085,7 +5087,7 @@
                             <m:chr m:val="⃗"/>
                             <m:ctrlPr>
                               <a:rPr lang="en-US" sz="2000" i="1" smtClean="0">
-                                <a:latin typeface="Cambria Math" panose="02040503050406030204" pitchFamily="18" charset="0"/>
+                                <a:latin typeface="Cambria Math" charset="0"/>
                                 <a:cs typeface="Arial" panose="020B0604020202020204" pitchFamily="34" charset="0"/>
                               </a:rPr>
                             </m:ctrlPr>
@@ -5115,7 +5117,7 @@
               </p:txBody>
             </p:sp>
           </mc:Choice>
-          <mc:Fallback>
+          <mc:Fallback xmlns="">
             <p:sp>
               <p:nvSpPr>
                 <p:cNvPr id="69" name="Rectangle 68">
@@ -5160,14 +5162,14 @@
             </p:sp>
           </mc:Fallback>
         </mc:AlternateContent>
-        <mc:AlternateContent xmlns:mc="http://schemas.openxmlformats.org/markup-compatibility/2006">
-          <mc:Choice xmlns:a14="http://schemas.microsoft.com/office/drawing/2010/main" Requires="a14">
+        <mc:AlternateContent xmlns:mc="http://schemas.openxmlformats.org/markup-compatibility/2006" xmlns:a14="http://schemas.microsoft.com/office/drawing/2010/main">
+          <mc:Choice Requires="a14">
             <p:sp>
               <p:nvSpPr>
                 <p:cNvPr id="70" name="Rectangle 69">
                   <a:extLst>
                     <a:ext uri="{FF2B5EF4-FFF2-40B4-BE49-F238E27FC236}">
-                      <a16:creationId xmlns:a16="http://schemas.microsoft.com/office/drawing/2014/main" id="{1379BC8A-2F8E-EA44-BC7E-68FF4FD2E41F}"/>
+                      <a16:creationId xmlns:a16="http://schemas.microsoft.com/office/drawing/2014/main" xmlns="" id="{1379BC8A-2F8E-EA44-BC7E-68FF4FD2E41F}"/>
                     </a:ext>
                   </a:extLst>
                 </p:cNvPr>
@@ -5189,6 +5191,7 @@
                 </a:bodyPr>
                 <a:lstStyle/>
                 <a:p>
+                  <a:pPr/>
                   <a14:m>
                     <m:oMathPara xmlns:m="http://schemas.openxmlformats.org/officeDocument/2006/math">
                       <m:oMathParaPr>
@@ -5200,7 +5203,7 @@
                             <m:chr m:val="⃗"/>
                             <m:ctrlPr>
                               <a:rPr lang="en-US" sz="2000" i="1" smtClean="0">
-                                <a:latin typeface="Cambria Math" panose="02040503050406030204" pitchFamily="18" charset="0"/>
+                                <a:latin typeface="Cambria Math" charset="0"/>
                                 <a:cs typeface="Arial" panose="020B0604020202020204" pitchFamily="34" charset="0"/>
                               </a:rPr>
                             </m:ctrlPr>
@@ -5230,7 +5233,7 @@
               </p:txBody>
             </p:sp>
           </mc:Choice>
-          <mc:Fallback>
+          <mc:Fallback xmlns="">
             <p:sp>
               <p:nvSpPr>
                 <p:cNvPr id="70" name="Rectangle 69">
@@ -5280,7 +5283,7 @@
             <p:cNvPr id="71" name="Right Arrow 70">
               <a:extLst>
                 <a:ext uri="{FF2B5EF4-FFF2-40B4-BE49-F238E27FC236}">
-                  <a16:creationId xmlns:a16="http://schemas.microsoft.com/office/drawing/2014/main" id="{6B6E1C74-3787-964F-83B0-923A4C9A0AB9}"/>
+                  <a16:creationId xmlns:a16="http://schemas.microsoft.com/office/drawing/2014/main" xmlns="" id="{6B6E1C74-3787-964F-83B0-923A4C9A0AB9}"/>
                 </a:ext>
               </a:extLst>
             </p:cNvPr>
@@ -5329,14 +5332,14 @@
             </a:p>
           </p:txBody>
         </p:sp>
-        <mc:AlternateContent xmlns:mc="http://schemas.openxmlformats.org/markup-compatibility/2006">
-          <mc:Choice xmlns:a14="http://schemas.microsoft.com/office/drawing/2010/main" Requires="a14">
+        <mc:AlternateContent xmlns:mc="http://schemas.openxmlformats.org/markup-compatibility/2006" xmlns:a14="http://schemas.microsoft.com/office/drawing/2010/main">
+          <mc:Choice Requires="a14">
             <p:sp>
               <p:nvSpPr>
                 <p:cNvPr id="72" name="Rectangle 71">
                   <a:extLst>
                     <a:ext uri="{FF2B5EF4-FFF2-40B4-BE49-F238E27FC236}">
-                      <a16:creationId xmlns:a16="http://schemas.microsoft.com/office/drawing/2014/main" id="{9E0FC6A1-9C8A-8146-A6D0-F9E3266A95EC}"/>
+                      <a16:creationId xmlns:a16="http://schemas.microsoft.com/office/drawing/2014/main" xmlns="" id="{9E0FC6A1-9C8A-8146-A6D0-F9E3266A95EC}"/>
                     </a:ext>
                   </a:extLst>
                 </p:cNvPr>
@@ -5358,6 +5361,7 @@
                 </a:bodyPr>
                 <a:lstStyle/>
                 <a:p>
+                  <a:pPr/>
                   <a14:m>
                     <m:oMathPara xmlns:m="http://schemas.openxmlformats.org/officeDocument/2006/math">
                       <m:oMathParaPr>
@@ -5369,7 +5373,7 @@
                             <m:chr m:val="⃗"/>
                             <m:ctrlPr>
                               <a:rPr lang="en-US" sz="2400" i="1" smtClean="0">
-                                <a:latin typeface="Cambria Math" panose="02040503050406030204" pitchFamily="18" charset="0"/>
+                                <a:latin typeface="Cambria Math" charset="0"/>
                                 <a:cs typeface="Arial" panose="020B0604020202020204" pitchFamily="34" charset="0"/>
                               </a:rPr>
                             </m:ctrlPr>
@@ -5392,7 +5396,7 @@
               </p:txBody>
             </p:sp>
           </mc:Choice>
-          <mc:Fallback>
+          <mc:Fallback xmlns="">
             <p:sp>
               <p:nvSpPr>
                 <p:cNvPr id="72" name="Rectangle 71">
@@ -5473,7 +5477,7 @@
           <p:cNvPr id="34" name="Group 33">
             <a:extLst>
               <a:ext uri="{FF2B5EF4-FFF2-40B4-BE49-F238E27FC236}">
-                <a16:creationId xmlns:a16="http://schemas.microsoft.com/office/drawing/2014/main" id="{2968E25A-E0F0-4743-BCF9-DB80B3BE4E10}"/>
+                <a16:creationId xmlns:a16="http://schemas.microsoft.com/office/drawing/2014/main" xmlns="" id="{2968E25A-E0F0-4743-BCF9-DB80B3BE4E10}"/>
               </a:ext>
             </a:extLst>
           </p:cNvPr>
@@ -5493,7 +5497,7 @@
             <p:cNvPr id="5" name="Picture 4">
               <a:extLst>
                 <a:ext uri="{FF2B5EF4-FFF2-40B4-BE49-F238E27FC236}">
-                  <a16:creationId xmlns:a16="http://schemas.microsoft.com/office/drawing/2014/main" id="{862DDED0-28CD-A849-A46D-972FB68D3F7F}"/>
+                  <a16:creationId xmlns:a16="http://schemas.microsoft.com/office/drawing/2014/main" xmlns="" id="{862DDED0-28CD-A849-A46D-972FB68D3F7F}"/>
                 </a:ext>
               </a:extLst>
             </p:cNvPr>
@@ -5529,7 +5533,7 @@
             <p:cNvPr id="32" name="Group 31">
               <a:extLst>
                 <a:ext uri="{FF2B5EF4-FFF2-40B4-BE49-F238E27FC236}">
-                  <a16:creationId xmlns:a16="http://schemas.microsoft.com/office/drawing/2014/main" id="{849CEAB8-A185-2C46-A5AD-4DE470B95610}"/>
+                  <a16:creationId xmlns:a16="http://schemas.microsoft.com/office/drawing/2014/main" xmlns="" id="{849CEAB8-A185-2C46-A5AD-4DE470B95610}"/>
                 </a:ext>
               </a:extLst>
             </p:cNvPr>
@@ -5549,7 +5553,7 @@
               <p:cNvPr id="11" name="Picture 10">
                 <a:extLst>
                   <a:ext uri="{FF2B5EF4-FFF2-40B4-BE49-F238E27FC236}">
-                    <a16:creationId xmlns:a16="http://schemas.microsoft.com/office/drawing/2014/main" id="{33777C93-2AC5-2B45-8F96-3D25FB0CDBA2}"/>
+                    <a16:creationId xmlns:a16="http://schemas.microsoft.com/office/drawing/2014/main" xmlns="" id="{33777C93-2AC5-2B45-8F96-3D25FB0CDBA2}"/>
                   </a:ext>
                 </a:extLst>
               </p:cNvPr>
@@ -5585,7 +5589,7 @@
               <p:cNvPr id="9" name="Picture 8">
                 <a:extLst>
                   <a:ext uri="{FF2B5EF4-FFF2-40B4-BE49-F238E27FC236}">
-                    <a16:creationId xmlns:a16="http://schemas.microsoft.com/office/drawing/2014/main" id="{F3225B15-42E0-D54E-AACA-7467F5F93D3E}"/>
+                    <a16:creationId xmlns:a16="http://schemas.microsoft.com/office/drawing/2014/main" xmlns="" id="{F3225B15-42E0-D54E-AACA-7467F5F93D3E}"/>
                   </a:ext>
                 </a:extLst>
               </p:cNvPr>
@@ -5621,7 +5625,7 @@
               <p:cNvPr id="13" name="Picture 12">
                 <a:extLst>
                   <a:ext uri="{FF2B5EF4-FFF2-40B4-BE49-F238E27FC236}">
-                    <a16:creationId xmlns:a16="http://schemas.microsoft.com/office/drawing/2014/main" id="{CA298BF4-876F-AE42-B5DE-72E28566250D}"/>
+                    <a16:creationId xmlns:a16="http://schemas.microsoft.com/office/drawing/2014/main" xmlns="" id="{CA298BF4-876F-AE42-B5DE-72E28566250D}"/>
                   </a:ext>
                 </a:extLst>
               </p:cNvPr>
@@ -5657,7 +5661,7 @@
               <p:cNvPr id="15" name="Picture 14">
                 <a:extLst>
                   <a:ext uri="{FF2B5EF4-FFF2-40B4-BE49-F238E27FC236}">
-                    <a16:creationId xmlns:a16="http://schemas.microsoft.com/office/drawing/2014/main" id="{3E620177-C4F7-9448-9E58-F1F617DB2327}"/>
+                    <a16:creationId xmlns:a16="http://schemas.microsoft.com/office/drawing/2014/main" xmlns="" id="{3E620177-C4F7-9448-9E58-F1F617DB2327}"/>
                   </a:ext>
                 </a:extLst>
               </p:cNvPr>
@@ -5693,7 +5697,7 @@
               <p:cNvPr id="17" name="Picture 16">
                 <a:extLst>
                   <a:ext uri="{FF2B5EF4-FFF2-40B4-BE49-F238E27FC236}">
-                    <a16:creationId xmlns:a16="http://schemas.microsoft.com/office/drawing/2014/main" id="{A18192C4-71FC-2541-8334-92AFCC8114BB}"/>
+                    <a16:creationId xmlns:a16="http://schemas.microsoft.com/office/drawing/2014/main" xmlns="" id="{A18192C4-71FC-2541-8334-92AFCC8114BB}"/>
                   </a:ext>
                 </a:extLst>
               </p:cNvPr>
@@ -5732,7 +5736,7 @@
               <p:cNvPr id="20" name="Picture 19">
                 <a:extLst>
                   <a:ext uri="{FF2B5EF4-FFF2-40B4-BE49-F238E27FC236}">
-                    <a16:creationId xmlns:a16="http://schemas.microsoft.com/office/drawing/2014/main" id="{D19E6756-109C-D44C-A9C0-1E2F5A74207B}"/>
+                    <a16:creationId xmlns:a16="http://schemas.microsoft.com/office/drawing/2014/main" xmlns="" id="{D19E6756-109C-D44C-A9C0-1E2F5A74207B}"/>
                   </a:ext>
                 </a:extLst>
               </p:cNvPr>
@@ -5768,7 +5772,7 @@
               <p:cNvPr id="22" name="Picture 21">
                 <a:extLst>
                   <a:ext uri="{FF2B5EF4-FFF2-40B4-BE49-F238E27FC236}">
-                    <a16:creationId xmlns:a16="http://schemas.microsoft.com/office/drawing/2014/main" id="{19E743AB-A6EB-AC46-9701-519DD44AB637}"/>
+                    <a16:creationId xmlns:a16="http://schemas.microsoft.com/office/drawing/2014/main" xmlns="" id="{19E743AB-A6EB-AC46-9701-519DD44AB637}"/>
                   </a:ext>
                 </a:extLst>
               </p:cNvPr>
@@ -5804,7 +5808,7 @@
               <p:cNvPr id="24" name="Picture 23">
                 <a:extLst>
                   <a:ext uri="{FF2B5EF4-FFF2-40B4-BE49-F238E27FC236}">
-                    <a16:creationId xmlns:a16="http://schemas.microsoft.com/office/drawing/2014/main" id="{3C9795DD-A882-E944-B3C8-C21954748ED0}"/>
+                    <a16:creationId xmlns:a16="http://schemas.microsoft.com/office/drawing/2014/main" xmlns="" id="{3C9795DD-A882-E944-B3C8-C21954748ED0}"/>
                   </a:ext>
                 </a:extLst>
               </p:cNvPr>
@@ -5840,7 +5844,7 @@
               <p:cNvPr id="26" name="Picture 25">
                 <a:extLst>
                   <a:ext uri="{FF2B5EF4-FFF2-40B4-BE49-F238E27FC236}">
-                    <a16:creationId xmlns:a16="http://schemas.microsoft.com/office/drawing/2014/main" id="{2CA0F1BF-AF47-FE49-BD94-CD19BD4458D9}"/>
+                    <a16:creationId xmlns:a16="http://schemas.microsoft.com/office/drawing/2014/main" xmlns="" id="{2CA0F1BF-AF47-FE49-BD94-CD19BD4458D9}"/>
                   </a:ext>
                 </a:extLst>
               </p:cNvPr>
@@ -5876,7 +5880,7 @@
               <p:cNvPr id="28" name="Picture 27">
                 <a:extLst>
                   <a:ext uri="{FF2B5EF4-FFF2-40B4-BE49-F238E27FC236}">
-                    <a16:creationId xmlns:a16="http://schemas.microsoft.com/office/drawing/2014/main" id="{E797D9A0-6C8F-9941-ABB6-35AA6AB6D08C}"/>
+                    <a16:creationId xmlns:a16="http://schemas.microsoft.com/office/drawing/2014/main" xmlns="" id="{E797D9A0-6C8F-9941-ABB6-35AA6AB6D08C}"/>
                   </a:ext>
                 </a:extLst>
               </p:cNvPr>
@@ -5944,7 +5948,7 @@
           <p:cNvPr id="5" name="Content Placeholder 4">
             <a:extLst>
               <a:ext uri="{FF2B5EF4-FFF2-40B4-BE49-F238E27FC236}">
-                <a16:creationId xmlns:a16="http://schemas.microsoft.com/office/drawing/2014/main" id="{952598BC-B983-D442-AB43-1DA9E3EA04F3}"/>
+                <a16:creationId xmlns:a16="http://schemas.microsoft.com/office/drawing/2014/main" xmlns="" id="{952598BC-B983-D442-AB43-1DA9E3EA04F3}"/>
               </a:ext>
             </a:extLst>
           </p:cNvPr>
@@ -5979,7 +5983,7 @@
           <p:cNvPr id="6" name="Group 5">
             <a:extLst>
               <a:ext uri="{FF2B5EF4-FFF2-40B4-BE49-F238E27FC236}">
-                <a16:creationId xmlns:a16="http://schemas.microsoft.com/office/drawing/2014/main" id="{C68C002A-4070-BB41-A157-2EE6021AD65D}"/>
+                <a16:creationId xmlns:a16="http://schemas.microsoft.com/office/drawing/2014/main" xmlns="" id="{C68C002A-4070-BB41-A157-2EE6021AD65D}"/>
               </a:ext>
             </a:extLst>
           </p:cNvPr>
@@ -5999,7 +6003,7 @@
             <p:cNvPr id="7" name="Picture 6">
               <a:extLst>
                 <a:ext uri="{FF2B5EF4-FFF2-40B4-BE49-F238E27FC236}">
-                  <a16:creationId xmlns:a16="http://schemas.microsoft.com/office/drawing/2014/main" id="{4701B07A-9F93-2D47-B6F0-A8E18740DCC6}"/>
+                  <a16:creationId xmlns:a16="http://schemas.microsoft.com/office/drawing/2014/main" xmlns="" id="{4701B07A-9F93-2D47-B6F0-A8E18740DCC6}"/>
                 </a:ext>
               </a:extLst>
             </p:cNvPr>
@@ -6035,7 +6039,7 @@
             <p:cNvPr id="8" name="Picture 7">
               <a:extLst>
                 <a:ext uri="{FF2B5EF4-FFF2-40B4-BE49-F238E27FC236}">
-                  <a16:creationId xmlns:a16="http://schemas.microsoft.com/office/drawing/2014/main" id="{661F01C5-D41E-D348-8B8F-B22507334DB9}"/>
+                  <a16:creationId xmlns:a16="http://schemas.microsoft.com/office/drawing/2014/main" xmlns="" id="{661F01C5-D41E-D348-8B8F-B22507334DB9}"/>
                 </a:ext>
               </a:extLst>
             </p:cNvPr>
@@ -6071,7 +6075,7 @@
             <p:cNvPr id="9" name="Picture 8">
               <a:extLst>
                 <a:ext uri="{FF2B5EF4-FFF2-40B4-BE49-F238E27FC236}">
-                  <a16:creationId xmlns:a16="http://schemas.microsoft.com/office/drawing/2014/main" id="{C9E989EC-B613-5D44-9C09-9B109ABEC478}"/>
+                  <a16:creationId xmlns:a16="http://schemas.microsoft.com/office/drawing/2014/main" xmlns="" id="{C9E989EC-B613-5D44-9C09-9B109ABEC478}"/>
                 </a:ext>
               </a:extLst>
             </p:cNvPr>
@@ -6107,7 +6111,7 @@
             <p:cNvPr id="10" name="Picture 9">
               <a:extLst>
                 <a:ext uri="{FF2B5EF4-FFF2-40B4-BE49-F238E27FC236}">
-                  <a16:creationId xmlns:a16="http://schemas.microsoft.com/office/drawing/2014/main" id="{08F61961-195A-4B47-8092-1123DCFCE023}"/>
+                  <a16:creationId xmlns:a16="http://schemas.microsoft.com/office/drawing/2014/main" xmlns="" id="{08F61961-195A-4B47-8092-1123DCFCE023}"/>
                 </a:ext>
               </a:extLst>
             </p:cNvPr>
@@ -6143,7 +6147,7 @@
             <p:cNvPr id="11" name="Picture 10">
               <a:extLst>
                 <a:ext uri="{FF2B5EF4-FFF2-40B4-BE49-F238E27FC236}">
-                  <a16:creationId xmlns:a16="http://schemas.microsoft.com/office/drawing/2014/main" id="{92D2909D-3ED4-DF44-901E-F5423EFAFBE2}"/>
+                  <a16:creationId xmlns:a16="http://schemas.microsoft.com/office/drawing/2014/main" xmlns="" id="{92D2909D-3ED4-DF44-901E-F5423EFAFBE2}"/>
                 </a:ext>
               </a:extLst>
             </p:cNvPr>
@@ -6182,7 +6186,7 @@
             <p:cNvPr id="12" name="Picture 11">
               <a:extLst>
                 <a:ext uri="{FF2B5EF4-FFF2-40B4-BE49-F238E27FC236}">
-                  <a16:creationId xmlns:a16="http://schemas.microsoft.com/office/drawing/2014/main" id="{E074D22B-DE95-5E4F-B8AF-CAFDAA9468DD}"/>
+                  <a16:creationId xmlns:a16="http://schemas.microsoft.com/office/drawing/2014/main" xmlns="" id="{E074D22B-DE95-5E4F-B8AF-CAFDAA9468DD}"/>
                 </a:ext>
               </a:extLst>
             </p:cNvPr>
@@ -6218,7 +6222,7 @@
             <p:cNvPr id="13" name="Picture 12">
               <a:extLst>
                 <a:ext uri="{FF2B5EF4-FFF2-40B4-BE49-F238E27FC236}">
-                  <a16:creationId xmlns:a16="http://schemas.microsoft.com/office/drawing/2014/main" id="{42F97D83-9CCF-944D-A263-0AD3A4567F89}"/>
+                  <a16:creationId xmlns:a16="http://schemas.microsoft.com/office/drawing/2014/main" xmlns="" id="{42F97D83-9CCF-944D-A263-0AD3A4567F89}"/>
                 </a:ext>
               </a:extLst>
             </p:cNvPr>
@@ -6254,7 +6258,7 @@
             <p:cNvPr id="14" name="Picture 13">
               <a:extLst>
                 <a:ext uri="{FF2B5EF4-FFF2-40B4-BE49-F238E27FC236}">
-                  <a16:creationId xmlns:a16="http://schemas.microsoft.com/office/drawing/2014/main" id="{CBA71493-620F-3147-A6F2-D9A0B1297686}"/>
+                  <a16:creationId xmlns:a16="http://schemas.microsoft.com/office/drawing/2014/main" xmlns="" id="{CBA71493-620F-3147-A6F2-D9A0B1297686}"/>
                 </a:ext>
               </a:extLst>
             </p:cNvPr>
@@ -6290,7 +6294,7 @@
             <p:cNvPr id="15" name="Picture 14">
               <a:extLst>
                 <a:ext uri="{FF2B5EF4-FFF2-40B4-BE49-F238E27FC236}">
-                  <a16:creationId xmlns:a16="http://schemas.microsoft.com/office/drawing/2014/main" id="{6ED3B572-9A47-AB41-9674-DACFDD6D0FE8}"/>
+                  <a16:creationId xmlns:a16="http://schemas.microsoft.com/office/drawing/2014/main" xmlns="" id="{6ED3B572-9A47-AB41-9674-DACFDD6D0FE8}"/>
                 </a:ext>
               </a:extLst>
             </p:cNvPr>
@@ -6326,7 +6330,7 @@
             <p:cNvPr id="16" name="Picture 15">
               <a:extLst>
                 <a:ext uri="{FF2B5EF4-FFF2-40B4-BE49-F238E27FC236}">
-                  <a16:creationId xmlns:a16="http://schemas.microsoft.com/office/drawing/2014/main" id="{124C0B23-3AF6-4545-9CD6-9023252686F0}"/>
+                  <a16:creationId xmlns:a16="http://schemas.microsoft.com/office/drawing/2014/main" xmlns="" id="{124C0B23-3AF6-4545-9CD6-9023252686F0}"/>
                 </a:ext>
               </a:extLst>
             </p:cNvPr>
@@ -6680,7 +6684,7 @@
                           <m:sSubPr>
                             <m:ctrlPr>
                               <a:rPr lang="en-US" sz="2000" b="0" i="1" smtClean="0">
-                                <a:latin typeface="Cambria Math" panose="02040503050406030204" pitchFamily="18" charset="0"/>
+                                <a:latin typeface="Cambria Math" charset="0"/>
                                 <a:cs typeface="Arial" panose="020B0604020202020204" pitchFamily="34" charset="0"/>
                               </a:rPr>
                             </m:ctrlPr>
@@ -6729,7 +6733,7 @@
                           <m:sSubPr>
                             <m:ctrlPr>
                               <a:rPr lang="en-US" sz="2000" b="0" i="1" smtClean="0">
-                                <a:latin typeface="Cambria Math" panose="02040503050406030204" pitchFamily="18" charset="0"/>
+                                <a:latin typeface="Cambria Math" charset="0"/>
                                 <a:cs typeface="Arial" panose="020B0604020202020204" pitchFamily="34" charset="0"/>
                               </a:rPr>
                             </m:ctrlPr>
@@ -6898,7 +6902,7 @@
                           <m:sSubPr>
                             <m:ctrlPr>
                               <a:rPr lang="en-US" sz="2000" b="0" i="1" smtClean="0">
-                                <a:latin typeface="Cambria Math" panose="02040503050406030204" pitchFamily="18" charset="0"/>
+                                <a:latin typeface="Cambria Math" charset="0"/>
                                 <a:cs typeface="Arial" panose="020B0604020202020204" pitchFamily="34" charset="0"/>
                               </a:rPr>
                             </m:ctrlPr>
@@ -7954,7 +7958,7 @@
                                 <m:sSupPr>
                                   <m:ctrlPr>
                                     <a:rPr lang="en-US" sz="2000" b="0" i="1" smtClean="0">
-                                      <a:latin typeface="Cambria Math" panose="02040503050406030204" pitchFamily="18" charset="0"/>
+                                      <a:latin typeface="Cambria Math" charset="0"/>
                                       <a:cs typeface="Arial" panose="020B0604020202020204" pitchFamily="34" charset="0"/>
                                     </a:rPr>
                                   </m:ctrlPr>
@@ -8363,7 +8367,7 @@
                                 <m:sSupPr>
                                   <m:ctrlPr>
                                     <a:rPr lang="en-US" b="0" i="1" smtClean="0">
-                                      <a:latin typeface="Cambria Math" panose="02040503050406030204" pitchFamily="18" charset="0"/>
+                                      <a:latin typeface="Cambria Math" charset="0"/>
                                     </a:rPr>
                                   </m:ctrlPr>
                                 </m:sSupPr>
@@ -9097,7 +9101,7 @@
                             <m:sSupPr>
                               <m:ctrlPr>
                                 <a:rPr lang="en-US" sz="2000" b="0" i="1" smtClean="0">
-                                  <a:latin typeface="Cambria Math" panose="02040503050406030204" pitchFamily="18" charset="0"/>
+                                  <a:latin typeface="Cambria Math" charset="0"/>
                                   <a:cs typeface="Arial" panose="020B0604020202020204" pitchFamily="34" charset="0"/>
                                 </a:rPr>
                               </m:ctrlPr>
@@ -9107,7 +9111,7 @@
                                 <m:sSupPr>
                                   <m:ctrlPr>
                                     <a:rPr lang="en-US" sz="2000" b="0" i="1" smtClean="0">
-                                      <a:latin typeface="Cambria Math" panose="02040503050406030204" pitchFamily="18" charset="0"/>
+                                      <a:latin typeface="Cambria Math" charset="0"/>
                                       <a:cs typeface="Arial" panose="020B0604020202020204" pitchFamily="34" charset="0"/>
                                     </a:rPr>
                                   </m:ctrlPr>
@@ -9283,7 +9287,7 @@
                             <m:sSupPr>
                               <m:ctrlPr>
                                 <a:rPr lang="en-US" sz="2000" b="0" i="1" smtClean="0">
-                                  <a:latin typeface="Cambria Math" panose="02040503050406030204" pitchFamily="18" charset="0"/>
+                                  <a:latin typeface="Cambria Math" charset="0"/>
                                   <a:cs typeface="Arial" panose="020B0604020202020204" pitchFamily="34" charset="0"/>
                                 </a:rPr>
                               </m:ctrlPr>
@@ -9293,7 +9297,7 @@
                                 <m:sSupPr>
                                   <m:ctrlPr>
                                     <a:rPr lang="en-US" sz="2000" b="0" i="1" smtClean="0">
-                                      <a:latin typeface="Cambria Math" panose="02040503050406030204" pitchFamily="18" charset="0"/>
+                                      <a:latin typeface="Cambria Math" charset="0"/>
                                       <a:cs typeface="Arial" panose="020B0604020202020204" pitchFamily="34" charset="0"/>
                                     </a:rPr>
                                   </m:ctrlPr>
@@ -9470,7 +9474,7 @@
                           <m:sSupPr>
                             <m:ctrlPr>
                               <a:rPr lang="en-US" b="0" i="1" smtClean="0">
-                                <a:latin typeface="Cambria Math" panose="02040503050406030204" pitchFamily="18" charset="0"/>
+                                <a:latin typeface="Cambria Math" charset="0"/>
                               </a:rPr>
                             </m:ctrlPr>
                           </m:sSupPr>
@@ -9831,7 +9835,7 @@
                           <m:sSubPr>
                             <m:ctrlPr>
                               <a:rPr lang="en-US" sz="2000" b="0" i="1" smtClean="0">
-                                <a:latin typeface="Cambria Math" panose="02040503050406030204" pitchFamily="18" charset="0"/>
+                                <a:latin typeface="Cambria Math" charset="0"/>
                                 <a:cs typeface="Arial" panose="020B0604020202020204" pitchFamily="34" charset="0"/>
                               </a:rPr>
                             </m:ctrlPr>
@@ -10007,7 +10011,7 @@
                           <m:sSubPr>
                             <m:ctrlPr>
                               <a:rPr lang="en-US" sz="2000" b="0" i="1" smtClean="0">
-                                <a:latin typeface="Cambria Math" panose="02040503050406030204" pitchFamily="18" charset="0"/>
+                                <a:latin typeface="Cambria Math" charset="0"/>
                                 <a:cs typeface="Arial" panose="020B0604020202020204" pitchFamily="34" charset="0"/>
                               </a:rPr>
                             </m:ctrlPr>
@@ -10985,7 +10989,7 @@
                           <m:sSubPr>
                             <m:ctrlPr>
                               <a:rPr lang="en-US" i="1">
-                                <a:latin typeface="Cambria Math" panose="02040503050406030204" pitchFamily="18" charset="0"/>
+                                <a:latin typeface="Cambria Math" charset="0"/>
                                 <a:cs typeface="Arial" panose="020B0604020202020204" pitchFamily="34" charset="0"/>
                               </a:rPr>
                             </m:ctrlPr>
@@ -11090,7 +11094,7 @@
                           <m:sSubPr>
                             <m:ctrlPr>
                               <a:rPr lang="en-US" i="1">
-                                <a:latin typeface="Cambria Math" panose="02040503050406030204" pitchFamily="18" charset="0"/>
+                                <a:latin typeface="Cambria Math" charset="0"/>
                                 <a:cs typeface="Arial" panose="020B0604020202020204" pitchFamily="34" charset="0"/>
                               </a:rPr>
                             </m:ctrlPr>
@@ -11682,7 +11686,7 @@
                           <m:sSubPr>
                             <m:ctrlPr>
                               <a:rPr lang="en-US" i="1" smtClean="0">
-                                <a:latin typeface="Cambria Math" panose="02040503050406030204" pitchFamily="18" charset="0"/>
+                                <a:latin typeface="Cambria Math" charset="0"/>
                                 <a:cs typeface="Arial" panose="020B0604020202020204" pitchFamily="34" charset="0"/>
                               </a:rPr>
                             </m:ctrlPr>
@@ -11895,7 +11899,7 @@
                           <m:sSubPr>
                             <m:ctrlPr>
                               <a:rPr lang="en-US" i="1" smtClean="0">
-                                <a:latin typeface="Cambria Math" panose="02040503050406030204" pitchFamily="18" charset="0"/>
+                                <a:latin typeface="Cambria Math" charset="0"/>
                                 <a:cs typeface="Arial" panose="020B0604020202020204" pitchFamily="34" charset="0"/>
                               </a:rPr>
                             </m:ctrlPr>
@@ -12000,7 +12004,7 @@
                           <m:sSubPr>
                             <m:ctrlPr>
                               <a:rPr lang="en-US" i="1" smtClean="0">
-                                <a:latin typeface="Cambria Math" panose="02040503050406030204" pitchFamily="18" charset="0"/>
+                                <a:latin typeface="Cambria Math" charset="0"/>
                                 <a:cs typeface="Arial" panose="020B0604020202020204" pitchFamily="34" charset="0"/>
                               </a:rPr>
                             </m:ctrlPr>
@@ -12977,7 +12981,7 @@
                               <m:chr m:val="⃗"/>
                               <m:ctrlPr>
                                 <a:rPr lang="en-US" i="1">
-                                  <a:latin typeface="Cambria Math" panose="02040503050406030204" pitchFamily="18" charset="0"/>
+                                  <a:latin typeface="Cambria Math" charset="0"/>
                                   <a:cs typeface="Arial" panose="020B0604020202020204" pitchFamily="34" charset="0"/>
                                 </a:rPr>
                               </m:ctrlPr>
@@ -13074,7 +13078,7 @@
                               <m:chr m:val="⃗"/>
                               <m:ctrlPr>
                                 <a:rPr lang="en-US" i="1" smtClean="0">
-                                  <a:latin typeface="Cambria Math" panose="02040503050406030204" pitchFamily="18" charset="0"/>
+                                  <a:latin typeface="Cambria Math" charset="0"/>
                                   <a:cs typeface="Arial" panose="020B0604020202020204" pitchFamily="34" charset="0"/>
                                 </a:rPr>
                               </m:ctrlPr>
@@ -13084,7 +13088,7 @@
                                 <m:sSubPr>
                                   <m:ctrlPr>
                                     <a:rPr lang="en-US" b="0" i="1" smtClean="0">
-                                      <a:latin typeface="Cambria Math" panose="02040503050406030204" pitchFamily="18" charset="0"/>
+                                      <a:latin typeface="Cambria Math" charset="0"/>
                                       <a:cs typeface="Arial" panose="020B0604020202020204" pitchFamily="34" charset="0"/>
                                     </a:rPr>
                                   </m:ctrlPr>
@@ -13192,7 +13196,7 @@
                               <m:chr m:val="⃗"/>
                               <m:ctrlPr>
                                 <a:rPr lang="en-US" i="1" smtClean="0">
-                                  <a:latin typeface="Cambria Math" panose="02040503050406030204" pitchFamily="18" charset="0"/>
+                                  <a:latin typeface="Cambria Math" charset="0"/>
                                   <a:cs typeface="Arial" panose="020B0604020202020204" pitchFamily="34" charset="0"/>
                                 </a:rPr>
                               </m:ctrlPr>
@@ -13202,7 +13206,7 @@
                                 <m:sSubPr>
                                   <m:ctrlPr>
                                     <a:rPr lang="en-US" b="0" i="1" smtClean="0">
-                                      <a:latin typeface="Cambria Math" panose="02040503050406030204" pitchFamily="18" charset="0"/>
+                                      <a:latin typeface="Cambria Math" charset="0"/>
                                       <a:cs typeface="Arial" panose="020B0604020202020204" pitchFamily="34" charset="0"/>
                                     </a:rPr>
                                   </m:ctrlPr>
@@ -13310,7 +13314,7 @@
                           <m:sSubPr>
                             <m:ctrlPr>
                               <a:rPr lang="en-US" b="0" i="1" smtClean="0">
-                                <a:latin typeface="Cambria Math" panose="02040503050406030204" pitchFamily="18" charset="0"/>
+                                <a:latin typeface="Cambria Math" charset="0"/>
                                 <a:cs typeface="Arial" panose="020B0604020202020204" pitchFamily="34" charset="0"/>
                               </a:rPr>
                             </m:ctrlPr>
@@ -13415,7 +13419,7 @@
                           <m:sSubPr>
                             <m:ctrlPr>
                               <a:rPr lang="en-US" b="0" i="1" smtClean="0">
-                                <a:latin typeface="Cambria Math" panose="02040503050406030204" pitchFamily="18" charset="0"/>
+                                <a:latin typeface="Cambria Math" charset="0"/>
                                 <a:cs typeface="Arial" panose="020B0604020202020204" pitchFamily="34" charset="0"/>
                               </a:rPr>
                             </m:ctrlPr>
@@ -13651,7 +13655,7 @@
                             <m:chr m:val="⃗"/>
                             <m:ctrlPr>
                               <a:rPr lang="en-US" i="1" smtClean="0">
-                                <a:latin typeface="Cambria Math" panose="02040503050406030204" pitchFamily="18" charset="0"/>
+                                <a:latin typeface="Cambria Math" charset="0"/>
                                 <a:cs typeface="Arial" panose="020B0604020202020204" pitchFamily="34" charset="0"/>
                               </a:rPr>
                             </m:ctrlPr>
@@ -13661,7 +13665,7 @@
                               <m:sSubPr>
                                 <m:ctrlPr>
                                   <a:rPr lang="en-US" b="0" i="1" smtClean="0">
-                                    <a:latin typeface="Cambria Math" panose="02040503050406030204" pitchFamily="18" charset="0"/>
+                                    <a:latin typeface="Cambria Math" charset="0"/>
                                     <a:cs typeface="Arial" panose="020B0604020202020204" pitchFamily="34" charset="0"/>
                                   </a:rPr>
                                 </m:ctrlPr>
@@ -13776,7 +13780,7 @@
                             <m:chr m:val="⃗"/>
                             <m:ctrlPr>
                               <a:rPr lang="en-US" i="1" smtClean="0">
-                                <a:latin typeface="Cambria Math" panose="02040503050406030204" pitchFamily="18" charset="0"/>
+                                <a:latin typeface="Cambria Math" charset="0"/>
                                 <a:cs typeface="Arial" panose="020B0604020202020204" pitchFamily="34" charset="0"/>
                               </a:rPr>
                             </m:ctrlPr>
@@ -13786,7 +13790,7 @@
                               <m:sSubPr>
                                 <m:ctrlPr>
                                   <a:rPr lang="en-US" b="0" i="1" smtClean="0">
-                                    <a:latin typeface="Cambria Math" panose="02040503050406030204" pitchFamily="18" charset="0"/>
+                                    <a:latin typeface="Cambria Math" charset="0"/>
                                     <a:cs typeface="Arial" panose="020B0604020202020204" pitchFamily="34" charset="0"/>
                                   </a:rPr>
                                 </m:ctrlPr>
@@ -13894,7 +13898,7 @@
                             <m:chr m:val="⃗"/>
                             <m:ctrlPr>
                               <a:rPr lang="en-US" i="1" smtClean="0">
-                                <a:latin typeface="Cambria Math" panose="02040503050406030204" pitchFamily="18" charset="0"/>
+                                <a:latin typeface="Cambria Math" charset="0"/>
                                 <a:cs typeface="Arial" panose="020B0604020202020204" pitchFamily="34" charset="0"/>
                               </a:rPr>
                             </m:ctrlPr>
@@ -13904,7 +13908,7 @@
                               <m:sSubPr>
                                 <m:ctrlPr>
                                   <a:rPr lang="en-US" b="0" i="1" smtClean="0">
-                                    <a:latin typeface="Cambria Math" panose="02040503050406030204" pitchFamily="18" charset="0"/>
+                                    <a:latin typeface="Cambria Math" charset="0"/>
                                     <a:cs typeface="Arial" panose="020B0604020202020204" pitchFamily="34" charset="0"/>
                                   </a:rPr>
                                 </m:ctrlPr>
@@ -14058,7 +14062,7 @@
                             <m:chr m:val="⃗"/>
                             <m:ctrlPr>
                               <a:rPr lang="en-US" b="0" i="1" smtClean="0">
-                                <a:latin typeface="Cambria Math" panose="02040503050406030204" pitchFamily="18" charset="0"/>
+                                <a:latin typeface="Cambria Math" charset="0"/>
                                 <a:cs typeface="Arial" panose="020B0604020202020204" pitchFamily="34" charset="0"/>
                               </a:rPr>
                             </m:ctrlPr>
@@ -14085,7 +14089,7 @@
                             <m:chr m:val="⃗"/>
                             <m:ctrlPr>
                               <a:rPr lang="en-US" b="0" i="1" smtClean="0">
-                                <a:latin typeface="Cambria Math" panose="02040503050406030204" pitchFamily="18" charset="0"/>
+                                <a:latin typeface="Cambria Math" charset="0"/>
                                 <a:cs typeface="Arial" panose="020B0604020202020204" pitchFamily="34" charset="0"/>
                               </a:rPr>
                             </m:ctrlPr>
@@ -14095,7 +14099,7 @@
                               <m:sSubPr>
                                 <m:ctrlPr>
                                   <a:rPr lang="en-US" b="0" i="1" smtClean="0">
-                                    <a:latin typeface="Cambria Math" panose="02040503050406030204" pitchFamily="18" charset="0"/>
+                                    <a:latin typeface="Cambria Math" charset="0"/>
                                     <a:cs typeface="Arial" panose="020B0604020202020204" pitchFamily="34" charset="0"/>
                                   </a:rPr>
                                 </m:ctrlPr>
@@ -14133,7 +14137,7 @@
                             <m:chr m:val="⃗"/>
                             <m:ctrlPr>
                               <a:rPr lang="en-US" i="1" smtClean="0">
-                                <a:latin typeface="Cambria Math" panose="02040503050406030204" pitchFamily="18" charset="0"/>
+                                <a:latin typeface="Cambria Math" charset="0"/>
                                 <a:cs typeface="Arial" panose="020B0604020202020204" pitchFamily="34" charset="0"/>
                               </a:rPr>
                             </m:ctrlPr>
@@ -14143,7 +14147,7 @@
                               <m:sSubPr>
                                 <m:ctrlPr>
                                   <a:rPr lang="en-US" b="0" i="1" smtClean="0">
-                                    <a:latin typeface="Cambria Math" panose="02040503050406030204" pitchFamily="18" charset="0"/>
+                                    <a:latin typeface="Cambria Math" charset="0"/>
                                     <a:cs typeface="Arial" panose="020B0604020202020204" pitchFamily="34" charset="0"/>
                                   </a:rPr>
                                 </m:ctrlPr>
@@ -14639,7 +14643,7 @@
                               <m:chr m:val="⃗"/>
                               <m:ctrlPr>
                                 <a:rPr lang="en-US" i="1" smtClean="0">
-                                  <a:latin typeface="Cambria Math" panose="02040503050406030204" pitchFamily="18" charset="0"/>
+                                  <a:latin typeface="Cambria Math" charset="0"/>
                                   <a:cs typeface="Arial" panose="020B0604020202020204" pitchFamily="34" charset="0"/>
                                 </a:rPr>
                               </m:ctrlPr>
@@ -14735,7 +14739,7 @@
                             <m:sSubPr>
                               <m:ctrlPr>
                                 <a:rPr lang="en-US" b="0" i="1" smtClean="0">
-                                  <a:latin typeface="Cambria Math" panose="02040503050406030204" pitchFamily="18" charset="0"/>
+                                  <a:latin typeface="Cambria Math" charset="0"/>
                                   <a:cs typeface="Arial" panose="020B0604020202020204" pitchFamily="34" charset="0"/>
                                 </a:rPr>
                               </m:ctrlPr>
@@ -14840,7 +14844,7 @@
                             <m:sSubPr>
                               <m:ctrlPr>
                                 <a:rPr lang="en-US" b="0" i="1" smtClean="0">
-                                  <a:latin typeface="Cambria Math" panose="02040503050406030204" pitchFamily="18" charset="0"/>
+                                  <a:latin typeface="Cambria Math" charset="0"/>
                                   <a:cs typeface="Arial" panose="020B0604020202020204" pitchFamily="34" charset="0"/>
                                 </a:rPr>
                               </m:ctrlPr>
@@ -15053,7 +15057,7 @@
                             <m:fPr>
                               <m:ctrlPr>
                                 <a:rPr lang="en-US" b="0" i="1" smtClean="0">
-                                  <a:latin typeface="Cambria Math" panose="02040503050406030204" pitchFamily="18" charset="0"/>
+                                  <a:latin typeface="Cambria Math" charset="0"/>
                                   <a:cs typeface="Arial" panose="020B0604020202020204" pitchFamily="34" charset="0"/>
                                 </a:rPr>
                               </m:ctrlPr>
@@ -15063,7 +15067,7 @@
                                 <m:sSubPr>
                                   <m:ctrlPr>
                                     <a:rPr lang="en-US" b="0" i="1" smtClean="0">
-                                      <a:latin typeface="Cambria Math" panose="02040503050406030204" pitchFamily="18" charset="0"/>
+                                      <a:latin typeface="Cambria Math" charset="0"/>
                                       <a:cs typeface="Arial" panose="020B0604020202020204" pitchFamily="34" charset="0"/>
                                     </a:rPr>
                                   </m:ctrlPr>
@@ -15093,7 +15097,7 @@
                                 <m:sSubPr>
                                   <m:ctrlPr>
                                     <a:rPr lang="en-US" b="0" i="1" smtClean="0">
-                                      <a:latin typeface="Cambria Math" panose="02040503050406030204" pitchFamily="18" charset="0"/>
+                                      <a:latin typeface="Cambria Math" charset="0"/>
                                       <a:cs typeface="Arial" panose="020B0604020202020204" pitchFamily="34" charset="0"/>
                                     </a:rPr>
                                   </m:ctrlPr>
@@ -15454,7 +15458,7 @@
                             <m:chr m:val="⃗"/>
                             <m:ctrlPr>
                               <a:rPr lang="en-US" i="1" smtClean="0">
-                                <a:latin typeface="Cambria Math" panose="02040503050406030204" pitchFamily="18" charset="0"/>
+                                <a:latin typeface="Cambria Math" charset="0"/>
                                 <a:cs typeface="Arial" panose="020B0604020202020204" pitchFamily="34" charset="0"/>
                               </a:rPr>
                             </m:ctrlPr>
@@ -15917,7 +15921,7 @@
                             <m:sSubPr>
                               <m:ctrlPr>
                                 <a:rPr lang="en-US" i="1" smtClean="0">
-                                  <a:latin typeface="Cambria Math" panose="02040503050406030204" pitchFamily="18" charset="0"/>
+                                  <a:latin typeface="Cambria Math" charset="0"/>
                                   <a:cs typeface="Arial" panose="020B0604020202020204" pitchFamily="34" charset="0"/>
                                 </a:rPr>
                               </m:ctrlPr>
@@ -16022,7 +16026,7 @@
                             <m:sSubPr>
                               <m:ctrlPr>
                                 <a:rPr lang="en-US" i="1" smtClean="0">
-                                  <a:latin typeface="Cambria Math" panose="02040503050406030204" pitchFamily="18" charset="0"/>
+                                  <a:latin typeface="Cambria Math" charset="0"/>
                                   <a:cs typeface="Arial" panose="020B0604020202020204" pitchFamily="34" charset="0"/>
                                 </a:rPr>
                               </m:ctrlPr>
@@ -16127,7 +16131,7 @@
                             <m:sSubPr>
                               <m:ctrlPr>
                                 <a:rPr lang="en-US" i="1" smtClean="0">
-                                  <a:latin typeface="Cambria Math" panose="02040503050406030204" pitchFamily="18" charset="0"/>
+                                  <a:latin typeface="Cambria Math" charset="0"/>
                                   <a:cs typeface="Arial" panose="020B0604020202020204" pitchFamily="34" charset="0"/>
                                 </a:rPr>
                               </m:ctrlPr>
@@ -16232,7 +16236,7 @@
                             <m:sSubPr>
                               <m:ctrlPr>
                                 <a:rPr lang="en-US" i="1" smtClean="0">
-                                  <a:latin typeface="Cambria Math" panose="02040503050406030204" pitchFamily="18" charset="0"/>
+                                  <a:latin typeface="Cambria Math" charset="0"/>
                                   <a:cs typeface="Arial" panose="020B0604020202020204" pitchFamily="34" charset="0"/>
                                 </a:rPr>
                               </m:ctrlPr>
@@ -16640,7 +16644,7 @@
                                   <a:solidFill>
                                     <a:srgbClr val="FF0000"/>
                                   </a:solidFill>
-                                  <a:latin typeface="Cambria Math" panose="02040503050406030204" pitchFamily="18" charset="0"/>
+                                  <a:latin typeface="Cambria Math" charset="0"/>
                                   <a:cs typeface="Arial" panose="020B0604020202020204" pitchFamily="34" charset="0"/>
                                 </a:rPr>
                               </m:ctrlPr>
@@ -16817,7 +16821,7 @@
                           <m:sSubPr>
                             <m:ctrlPr>
                               <a:rPr lang="en-US" sz="2000" b="0" i="1" smtClean="0">
-                                <a:latin typeface="Cambria Math" panose="02040503050406030204" pitchFamily="18" charset="0"/>
+                                <a:latin typeface="Cambria Math" charset="0"/>
                                 <a:cs typeface="Arial" panose="020B0604020202020204" pitchFamily="34" charset="0"/>
                               </a:rPr>
                             </m:ctrlPr>
@@ -16828,7 +16832,7 @@
                                 <m:chr m:val="⃗"/>
                                 <m:ctrlPr>
                                   <a:rPr lang="en-US" sz="2000" b="0" i="1" smtClean="0">
-                                    <a:latin typeface="Cambria Math" panose="02040503050406030204" pitchFamily="18" charset="0"/>
+                                    <a:latin typeface="Cambria Math" charset="0"/>
                                     <a:cs typeface="Arial" panose="020B0604020202020204" pitchFamily="34" charset="0"/>
                                   </a:rPr>
                                 </m:ctrlPr>
@@ -16939,7 +16943,7 @@
                           <m:sSubPr>
                             <m:ctrlPr>
                               <a:rPr lang="en-US" sz="2000" b="0" i="1" smtClean="0">
-                                <a:latin typeface="Cambria Math" panose="02040503050406030204" pitchFamily="18" charset="0"/>
+                                <a:latin typeface="Cambria Math" charset="0"/>
                                 <a:cs typeface="Arial" panose="020B0604020202020204" pitchFamily="34" charset="0"/>
                               </a:rPr>
                             </m:ctrlPr>
@@ -16950,7 +16954,7 @@
                                 <m:chr m:val="⃗"/>
                                 <m:ctrlPr>
                                   <a:rPr lang="en-US" sz="2000" b="0" i="1" smtClean="0">
-                                    <a:latin typeface="Cambria Math" panose="02040503050406030204" pitchFamily="18" charset="0"/>
+                                    <a:latin typeface="Cambria Math" charset="0"/>
                                     <a:cs typeface="Arial" panose="020B0604020202020204" pitchFamily="34" charset="0"/>
                                   </a:rPr>
                                 </m:ctrlPr>
@@ -17427,7 +17431,7 @@
                             <m:sSubPr>
                               <m:ctrlPr>
                                 <a:rPr lang="en-US" i="1" smtClean="0">
-                                  <a:latin typeface="Cambria Math" panose="02040503050406030204" pitchFamily="18" charset="0"/>
+                                  <a:latin typeface="Cambria Math" charset="0"/>
                                   <a:cs typeface="Arial" panose="020B0604020202020204" pitchFamily="34" charset="0"/>
                                 </a:rPr>
                               </m:ctrlPr>
@@ -17532,7 +17536,7 @@
                             <m:sSubPr>
                               <m:ctrlPr>
                                 <a:rPr lang="en-US" i="1" smtClean="0">
-                                  <a:latin typeface="Cambria Math" panose="02040503050406030204" pitchFamily="18" charset="0"/>
+                                  <a:latin typeface="Cambria Math" charset="0"/>
                                   <a:cs typeface="Arial" panose="020B0604020202020204" pitchFamily="34" charset="0"/>
                                 </a:rPr>
                               </m:ctrlPr>
@@ -17637,7 +17641,7 @@
                             <m:sSubPr>
                               <m:ctrlPr>
                                 <a:rPr lang="en-US" i="1" smtClean="0">
-                                  <a:latin typeface="Cambria Math" panose="02040503050406030204" pitchFamily="18" charset="0"/>
+                                  <a:latin typeface="Cambria Math" charset="0"/>
                                   <a:cs typeface="Arial" panose="020B0604020202020204" pitchFamily="34" charset="0"/>
                                 </a:rPr>
                               </m:ctrlPr>
@@ -17742,7 +17746,7 @@
                             <m:sSubPr>
                               <m:ctrlPr>
                                 <a:rPr lang="en-US" i="1" smtClean="0">
-                                  <a:latin typeface="Cambria Math" panose="02040503050406030204" pitchFamily="18" charset="0"/>
+                                  <a:latin typeface="Cambria Math" charset="0"/>
                                   <a:cs typeface="Arial" panose="020B0604020202020204" pitchFamily="34" charset="0"/>
                                 </a:rPr>
                               </m:ctrlPr>
@@ -18163,7 +18167,7 @@
                                   <a:solidFill>
                                     <a:srgbClr val="FF0000"/>
                                   </a:solidFill>
-                                  <a:latin typeface="Cambria Math" panose="02040503050406030204" pitchFamily="18" charset="0"/>
+                                  <a:latin typeface="Cambria Math" charset="0"/>
                                   <a:cs typeface="Arial" panose="020B0604020202020204" pitchFamily="34" charset="0"/>
                                 </a:rPr>
                               </m:ctrlPr>
@@ -18340,7 +18344,7 @@
                           <m:sSubPr>
                             <m:ctrlPr>
                               <a:rPr lang="en-US" sz="2000" b="0" i="1" smtClean="0">
-                                <a:latin typeface="Cambria Math" panose="02040503050406030204" pitchFamily="18" charset="0"/>
+                                <a:latin typeface="Cambria Math" charset="0"/>
                                 <a:cs typeface="Arial" panose="020B0604020202020204" pitchFamily="34" charset="0"/>
                               </a:rPr>
                             </m:ctrlPr>
@@ -18351,7 +18355,7 @@
                                 <m:chr m:val="⃗"/>
                                 <m:ctrlPr>
                                   <a:rPr lang="en-US" sz="2000" b="0" i="1" smtClean="0">
-                                    <a:latin typeface="Cambria Math" panose="02040503050406030204" pitchFamily="18" charset="0"/>
+                                    <a:latin typeface="Cambria Math" charset="0"/>
                                     <a:cs typeface="Arial" panose="020B0604020202020204" pitchFamily="34" charset="0"/>
                                   </a:rPr>
                                 </m:ctrlPr>
@@ -18462,7 +18466,7 @@
                           <m:sSubPr>
                             <m:ctrlPr>
                               <a:rPr lang="en-US" sz="2000" b="0" i="1" smtClean="0">
-                                <a:latin typeface="Cambria Math" panose="02040503050406030204" pitchFamily="18" charset="0"/>
+                                <a:latin typeface="Cambria Math" charset="0"/>
                                 <a:cs typeface="Arial" panose="020B0604020202020204" pitchFamily="34" charset="0"/>
                               </a:rPr>
                             </m:ctrlPr>
@@ -18473,7 +18477,7 @@
                                 <m:chr m:val="⃗"/>
                                 <m:ctrlPr>
                                   <a:rPr lang="en-US" sz="2000" b="0" i="1" smtClean="0">
-                                    <a:latin typeface="Cambria Math" panose="02040503050406030204" pitchFamily="18" charset="0"/>
+                                    <a:latin typeface="Cambria Math" charset="0"/>
                                     <a:cs typeface="Arial" panose="020B0604020202020204" pitchFamily="34" charset="0"/>
                                   </a:rPr>
                                 </m:ctrlPr>
@@ -19326,7 +19330,7 @@
                             <m:sSubPr>
                               <m:ctrlPr>
                                 <a:rPr lang="en-US" b="0" i="1" smtClean="0">
-                                  <a:latin typeface="Cambria Math" panose="02040503050406030204" pitchFamily="18" charset="0"/>
+                                  <a:latin typeface="Cambria Math" charset="0"/>
                                 </a:rPr>
                               </m:ctrlPr>
                             </m:sSubPr>
@@ -19428,7 +19432,7 @@
                             <m:sSubPr>
                               <m:ctrlPr>
                                 <a:rPr lang="en-US" i="1" smtClean="0">
-                                  <a:latin typeface="Cambria Math" panose="02040503050406030204" pitchFamily="18" charset="0"/>
+                                  <a:latin typeface="Cambria Math" charset="0"/>
                                 </a:rPr>
                               </m:ctrlPr>
                             </m:sSubPr>
@@ -19530,7 +19534,7 @@
                             <m:sSubPr>
                               <m:ctrlPr>
                                 <a:rPr lang="en-US" i="1" smtClean="0">
-                                  <a:latin typeface="Cambria Math" panose="02040503050406030204" pitchFamily="18" charset="0"/>
+                                  <a:latin typeface="Cambria Math" charset="0"/>
                                 </a:rPr>
                               </m:ctrlPr>
                             </m:sSubPr>
@@ -20345,7 +20349,7 @@
                               <m:sSubPr>
                                 <m:ctrlPr>
                                   <a:rPr lang="en-US" i="1" smtClean="0">
-                                    <a:latin typeface="Cambria Math" panose="02040503050406030204" pitchFamily="18" charset="0"/>
+                                    <a:latin typeface="Cambria Math" charset="0"/>
                                   </a:rPr>
                                 </m:ctrlPr>
                               </m:sSubPr>
@@ -20531,7 +20535,7 @@
                             <m:sSubPr>
                               <m:ctrlPr>
                                 <a:rPr lang="en-US" b="0" i="1" smtClean="0">
-                                  <a:latin typeface="Cambria Math" panose="02040503050406030204" pitchFamily="18" charset="0"/>
+                                  <a:latin typeface="Cambria Math" charset="0"/>
                                 </a:rPr>
                               </m:ctrlPr>
                             </m:sSubPr>
@@ -20633,7 +20637,7 @@
                             <m:sSubPr>
                               <m:ctrlPr>
                                 <a:rPr lang="en-US" b="0" i="1" smtClean="0">
-                                  <a:latin typeface="Cambria Math" panose="02040503050406030204" pitchFamily="18" charset="0"/>
+                                  <a:latin typeface="Cambria Math" charset="0"/>
                                 </a:rPr>
                               </m:ctrlPr>
                             </m:sSubPr>
@@ -21549,7 +21553,7 @@
                               <m:sSubPr>
                                 <m:ctrlPr>
                                   <a:rPr lang="en-US" b="0" i="1" smtClean="0">
-                                    <a:latin typeface="Cambria Math" panose="02040503050406030204" pitchFamily="18" charset="0"/>
+                                    <a:latin typeface="Cambria Math" charset="0"/>
                                   </a:rPr>
                                 </m:ctrlPr>
                               </m:sSubPr>
@@ -21771,7 +21775,7 @@
                             <m:sSubPr>
                               <m:ctrlPr>
                                 <a:rPr lang="en-US" i="1" smtClean="0">
-                                  <a:latin typeface="Cambria Math" panose="02040503050406030204" pitchFamily="18" charset="0"/>
+                                  <a:latin typeface="Cambria Math" charset="0"/>
                                 </a:rPr>
                               </m:ctrlPr>
                             </m:sSubPr>
@@ -21873,7 +21877,7 @@
                             <m:sSubPr>
                               <m:ctrlPr>
                                 <a:rPr lang="en-US" i="1" smtClean="0">
-                                  <a:latin typeface="Cambria Math" panose="02040503050406030204" pitchFamily="18" charset="0"/>
+                                  <a:latin typeface="Cambria Math" charset="0"/>
                                 </a:rPr>
                               </m:ctrlPr>
                             </m:sSubPr>
@@ -22619,7 +22623,7 @@
                           <m:sSubPr>
                             <m:ctrlPr>
                               <a:rPr lang="en-US" b="0" i="1" smtClean="0">
-                                <a:latin typeface="Cambria Math" panose="02040503050406030204" pitchFamily="18" charset="0"/>
+                                <a:latin typeface="Cambria Math" charset="0"/>
                               </a:rPr>
                             </m:ctrlPr>
                           </m:sSubPr>
@@ -22721,7 +22725,7 @@
                           <m:sSubPr>
                             <m:ctrlPr>
                               <a:rPr lang="en-US" b="0" i="1" smtClean="0">
-                                <a:latin typeface="Cambria Math" panose="02040503050406030204" pitchFamily="18" charset="0"/>
+                                <a:latin typeface="Cambria Math" charset="0"/>
                               </a:rPr>
                             </m:ctrlPr>
                           </m:sSubPr>
@@ -22823,7 +22827,7 @@
                           <m:sSubPr>
                             <m:ctrlPr>
                               <a:rPr lang="en-US" i="1" smtClean="0">
-                                <a:latin typeface="Cambria Math" panose="02040503050406030204" pitchFamily="18" charset="0"/>
+                                <a:latin typeface="Cambria Math" charset="0"/>
                               </a:rPr>
                             </m:ctrlPr>
                           </m:sSubPr>
@@ -22925,7 +22929,7 @@
                           <m:sSubPr>
                             <m:ctrlPr>
                               <a:rPr lang="en-US" i="1" smtClean="0">
-                                <a:latin typeface="Cambria Math" panose="02040503050406030204" pitchFamily="18" charset="0"/>
+                                <a:latin typeface="Cambria Math" charset="0"/>
                               </a:rPr>
                             </m:ctrlPr>
                           </m:sSubPr>
@@ -24049,7 +24053,7 @@
                             <m:chr m:val="⃗"/>
                             <m:ctrlPr>
                               <a:rPr lang="en-US" b="0" i="1" smtClean="0">
-                                <a:latin typeface="Cambria Math" panose="02040503050406030204" pitchFamily="18" charset="0"/>
+                                <a:latin typeface="Cambria Math" charset="0"/>
                               </a:rPr>
                             </m:ctrlPr>
                           </m:accPr>
@@ -24144,7 +24148,7 @@
                             <m:chr m:val="⃗"/>
                             <m:ctrlPr>
                               <a:rPr lang="en-US" b="0" i="1" smtClean="0">
-                                <a:latin typeface="Cambria Math" panose="02040503050406030204" pitchFamily="18" charset="0"/>
+                                <a:latin typeface="Cambria Math" charset="0"/>
                               </a:rPr>
                             </m:ctrlPr>
                           </m:accPr>
@@ -24321,7 +24325,7 @@
                           <m:sSubPr>
                             <m:ctrlPr>
                               <a:rPr lang="en-US" b="0" i="1" smtClean="0">
-                                <a:latin typeface="Cambria Math" panose="02040503050406030204" pitchFamily="18" charset="0"/>
+                                <a:latin typeface="Cambria Math" charset="0"/>
                               </a:rPr>
                             </m:ctrlPr>
                           </m:sSubPr>
@@ -24423,7 +24427,7 @@
                           <m:sSubPr>
                             <m:ctrlPr>
                               <a:rPr lang="en-US" b="0" i="1" smtClean="0">
-                                <a:latin typeface="Cambria Math" panose="02040503050406030204" pitchFamily="18" charset="0"/>
+                                <a:latin typeface="Cambria Math" charset="0"/>
                               </a:rPr>
                             </m:ctrlPr>
                           </m:sSubPr>
@@ -25002,7 +25006,7 @@
                           <m:sSubPr>
                             <m:ctrlPr>
                               <a:rPr lang="en-US" b="0" i="1" smtClean="0">
-                                <a:latin typeface="Cambria Math" panose="02040503050406030204" pitchFamily="18" charset="0"/>
+                                <a:latin typeface="Cambria Math" charset="0"/>
                               </a:rPr>
                             </m:ctrlPr>
                           </m:sSubPr>
@@ -25186,7 +25190,7 @@
                           <m:sSubPr>
                             <m:ctrlPr>
                               <a:rPr lang="en-US" b="0" i="1" smtClean="0">
-                                <a:latin typeface="Cambria Math" panose="02040503050406030204" pitchFamily="18" charset="0"/>
+                                <a:latin typeface="Cambria Math" charset="0"/>
                               </a:rPr>
                             </m:ctrlPr>
                           </m:sSubPr>
@@ -25360,7 +25364,7 @@
                           <m:sSubPr>
                             <m:ctrlPr>
                               <a:rPr lang="en-US" b="0" i="1" smtClean="0">
-                                <a:latin typeface="Cambria Math" panose="02040503050406030204" pitchFamily="18" charset="0"/>
+                                <a:latin typeface="Cambria Math" charset="0"/>
                               </a:rPr>
                             </m:ctrlPr>
                           </m:sSubPr>
@@ -25370,7 +25374,7 @@
                                 <m:chr m:val="⃗"/>
                                 <m:ctrlPr>
                                   <a:rPr lang="en-US" b="0" i="1" smtClean="0">
-                                    <a:latin typeface="Cambria Math" panose="02040503050406030204" pitchFamily="18" charset="0"/>
+                                    <a:latin typeface="Cambria Math" charset="0"/>
                                   </a:rPr>
                                 </m:ctrlPr>
                               </m:accPr>
@@ -25474,7 +25478,7 @@
                           <m:sSubPr>
                             <m:ctrlPr>
                               <a:rPr lang="en-US" b="0" i="1" smtClean="0">
-                                <a:latin typeface="Cambria Math" panose="02040503050406030204" pitchFamily="18" charset="0"/>
+                                <a:latin typeface="Cambria Math" charset="0"/>
                               </a:rPr>
                             </m:ctrlPr>
                           </m:sSubPr>
@@ -25484,7 +25488,7 @@
                                 <m:chr m:val="⃗"/>
                                 <m:ctrlPr>
                                   <a:rPr lang="en-US" b="0" i="1" smtClean="0">
-                                    <a:latin typeface="Cambria Math" panose="02040503050406030204" pitchFamily="18" charset="0"/>
+                                    <a:latin typeface="Cambria Math" charset="0"/>
                                   </a:rPr>
                                 </m:ctrlPr>
                               </m:accPr>
@@ -26721,7 +26725,7 @@
                             <m:sSupPr>
                               <m:ctrlPr>
                                 <a:rPr lang="en-CA" i="1" smtClean="0">
-                                  <a:latin typeface="Cambria Math" panose="02040503050406030204" pitchFamily="18" charset="0"/>
+                                  <a:latin typeface="Cambria Math" charset="0"/>
                                 </a:rPr>
                               </m:ctrlPr>
                             </m:sSupPr>
@@ -26731,7 +26735,7 @@
                                   <m:chr m:val="⃗"/>
                                   <m:ctrlPr>
                                     <a:rPr lang="en-CA" i="1">
-                                      <a:latin typeface="Cambria Math" panose="02040503050406030204" pitchFamily="18" charset="0"/>
+                                      <a:latin typeface="Cambria Math" charset="0"/>
                                     </a:rPr>
                                   </m:ctrlPr>
                                 </m:accPr>
@@ -26847,7 +26851,7 @@
                             <m:sSupPr>
                               <m:ctrlPr>
                                 <a:rPr lang="en-US" b="0" i="1" smtClean="0">
-                                  <a:latin typeface="Cambria Math" panose="02040503050406030204" pitchFamily="18" charset="0"/>
+                                  <a:latin typeface="Cambria Math" charset="0"/>
                                 </a:rPr>
                               </m:ctrlPr>
                             </m:sSupPr>
@@ -26857,7 +26861,7 @@
                                   <m:chr m:val="⃗"/>
                                   <m:ctrlPr>
                                     <a:rPr lang="en-US" b="0" i="1" smtClean="0">
-                                      <a:latin typeface="Cambria Math" panose="02040503050406030204" pitchFamily="18" charset="0"/>
+                                      <a:latin typeface="Cambria Math" charset="0"/>
                                     </a:rPr>
                                   </m:ctrlPr>
                                 </m:accPr>
@@ -26985,7 +26989,7 @@
                             <m:sSupPr>
                               <m:ctrlPr>
                                 <a:rPr lang="en-US" b="0" i="1" smtClean="0">
-                                  <a:latin typeface="Cambria Math" panose="02040503050406030204" pitchFamily="18" charset="0"/>
+                                  <a:latin typeface="Cambria Math" charset="0"/>
                                 </a:rPr>
                               </m:ctrlPr>
                             </m:sSupPr>
@@ -26995,7 +26999,7 @@
                                   <m:chr m:val="⃗"/>
                                   <m:ctrlPr>
                                     <a:rPr lang="en-US" b="0" i="1" smtClean="0">
-                                      <a:latin typeface="Cambria Math" panose="02040503050406030204" pitchFamily="18" charset="0"/>
+                                      <a:latin typeface="Cambria Math" charset="0"/>
                                     </a:rPr>
                                   </m:ctrlPr>
                                 </m:accPr>
@@ -27154,7 +27158,7 @@
                           <m:sSupPr>
                             <m:ctrlPr>
                               <a:rPr lang="en-CA" b="0" i="1" smtClean="0">
-                                <a:latin typeface="Cambria Math" panose="02040503050406030204" pitchFamily="18" charset="0"/>
+                                <a:latin typeface="Cambria Math" charset="0"/>
                               </a:rPr>
                             </m:ctrlPr>
                           </m:sSupPr>
@@ -27164,7 +27168,7 @@
                                 <m:chr m:val="⃗"/>
                                 <m:ctrlPr>
                                   <a:rPr lang="en-CA" b="0" i="1" smtClean="0">
-                                    <a:latin typeface="Cambria Math" panose="02040503050406030204" pitchFamily="18" charset="0"/>
+                                    <a:latin typeface="Cambria Math" charset="0"/>
                                   </a:rPr>
                                 </m:ctrlPr>
                               </m:accPr>
@@ -27760,7 +27764,7 @@
                             <m:chr m:val="⃗"/>
                             <m:ctrlPr>
                               <a:rPr lang="en-US" b="0" i="1" smtClean="0">
-                                <a:latin typeface="Cambria Math" panose="02040503050406030204" pitchFamily="18" charset="0"/>
+                                <a:latin typeface="Cambria Math" charset="0"/>
                                 <a:cs typeface="Arial" panose="020B0604020202020204" pitchFamily="34" charset="0"/>
                               </a:rPr>
                             </m:ctrlPr>
@@ -27857,7 +27861,7 @@
                             <m:chr m:val="⃗"/>
                             <m:ctrlPr>
                               <a:rPr lang="en-US" b="0" i="1" smtClean="0">
-                                <a:latin typeface="Cambria Math" panose="02040503050406030204" pitchFamily="18" charset="0"/>
+                                <a:latin typeface="Cambria Math" charset="0"/>
                                 <a:cs typeface="Arial" panose="020B0604020202020204" pitchFamily="34" charset="0"/>
                               </a:rPr>
                             </m:ctrlPr>
@@ -27954,7 +27958,7 @@
                           <m:sSubPr>
                             <m:ctrlPr>
                               <a:rPr lang="en-US" sz="2000" b="0" i="1" smtClean="0">
-                                <a:latin typeface="Cambria Math" panose="02040503050406030204" pitchFamily="18" charset="0"/>
+                                <a:latin typeface="Cambria Math" charset="0"/>
                                 <a:cs typeface="Arial" panose="020B0604020202020204" pitchFamily="34" charset="0"/>
                               </a:rPr>
                             </m:ctrlPr>
@@ -28063,7 +28067,7 @@
                           <m:sSubPr>
                             <m:ctrlPr>
                               <a:rPr lang="en-US" sz="2000" b="0" i="1" smtClean="0">
-                                <a:latin typeface="Cambria Math" panose="02040503050406030204" pitchFamily="18" charset="0"/>
+                                <a:latin typeface="Cambria Math" charset="0"/>
                                 <a:cs typeface="Arial" panose="020B0604020202020204" pitchFamily="34" charset="0"/>
                               </a:rPr>
                             </m:ctrlPr>
@@ -28840,7 +28844,7 @@
                             <m:chr m:val="⃗"/>
                             <m:ctrlPr>
                               <a:rPr lang="en-US" b="0" i="1" smtClean="0">
-                                <a:latin typeface="Cambria Math" panose="02040503050406030204" pitchFamily="18" charset="0"/>
+                                <a:latin typeface="Cambria Math" charset="0"/>
                                 <a:cs typeface="Arial" panose="020B0604020202020204" pitchFamily="34" charset="0"/>
                               </a:rPr>
                             </m:ctrlPr>
@@ -28937,7 +28941,7 @@
                             <m:chr m:val="⃗"/>
                             <m:ctrlPr>
                               <a:rPr lang="en-US" b="0" i="1" smtClean="0">
-                                <a:latin typeface="Cambria Math" panose="02040503050406030204" pitchFamily="18" charset="0"/>
+                                <a:latin typeface="Cambria Math" charset="0"/>
                                 <a:cs typeface="Arial" panose="020B0604020202020204" pitchFamily="34" charset="0"/>
                               </a:rPr>
                             </m:ctrlPr>
@@ -29106,7 +29110,7 @@
                             <m:chr m:val="⃗"/>
                             <m:ctrlPr>
                               <a:rPr lang="en-US" b="0" i="1" smtClean="0">
-                                <a:latin typeface="Cambria Math" panose="02040503050406030204" pitchFamily="18" charset="0"/>
+                                <a:latin typeface="Cambria Math" charset="0"/>
                                 <a:cs typeface="Arial" panose="020B0604020202020204" pitchFamily="34" charset="0"/>
                               </a:rPr>
                             </m:ctrlPr>
@@ -29202,7 +29206,7 @@
                           <m:sSubPr>
                             <m:ctrlPr>
                               <a:rPr lang="en-US" sz="1400" b="0" i="1" smtClean="0">
-                                <a:latin typeface="Cambria Math" panose="02040503050406030204" pitchFamily="18" charset="0"/>
+                                <a:latin typeface="Cambria Math" charset="0"/>
                                 <a:cs typeface="Arial" panose="020B0604020202020204" pitchFamily="34" charset="0"/>
                               </a:rPr>
                             </m:ctrlPr>
@@ -29307,7 +29311,7 @@
                           <m:sSubPr>
                             <m:ctrlPr>
                               <a:rPr lang="en-US" sz="1400" b="0" i="1" smtClean="0">
-                                <a:latin typeface="Cambria Math" panose="02040503050406030204" pitchFamily="18" charset="0"/>
+                                <a:latin typeface="Cambria Math" charset="0"/>
                                 <a:cs typeface="Arial" panose="020B0604020202020204" pitchFamily="34" charset="0"/>
                               </a:rPr>
                             </m:ctrlPr>
@@ -29484,7 +29488,7 @@
                           <m:sSubPr>
                             <m:ctrlPr>
                               <a:rPr lang="en-US" sz="1400" b="0" i="1" smtClean="0">
-                                <a:latin typeface="Cambria Math" panose="02040503050406030204" pitchFamily="18" charset="0"/>
+                                <a:latin typeface="Cambria Math" charset="0"/>
                                 <a:cs typeface="Arial" panose="020B0604020202020204" pitchFamily="34" charset="0"/>
                               </a:rPr>
                             </m:ctrlPr>
@@ -29589,7 +29593,7 @@
                           <m:sSubPr>
                             <m:ctrlPr>
                               <a:rPr lang="en-US" sz="1400" b="0" i="1" smtClean="0">
-                                <a:latin typeface="Cambria Math" panose="02040503050406030204" pitchFamily="18" charset="0"/>
+                                <a:latin typeface="Cambria Math" charset="0"/>
                                 <a:cs typeface="Arial" panose="020B0604020202020204" pitchFamily="34" charset="0"/>
                               </a:rPr>
                             </m:ctrlPr>
@@ -29694,7 +29698,7 @@
                           <m:sSubPr>
                             <m:ctrlPr>
                               <a:rPr lang="en-US" b="0" i="1" smtClean="0">
-                                <a:latin typeface="Cambria Math" panose="02040503050406030204" pitchFamily="18" charset="0"/>
+                                <a:latin typeface="Cambria Math" charset="0"/>
                                 <a:cs typeface="Arial" panose="020B0604020202020204" pitchFamily="34" charset="0"/>
                               </a:rPr>
                             </m:ctrlPr>
@@ -29729,7 +29733,7 @@
                           <m:sSubPr>
                             <m:ctrlPr>
                               <a:rPr lang="en-US" b="0" i="1" smtClean="0">
-                                <a:latin typeface="Cambria Math" panose="02040503050406030204" pitchFamily="18" charset="0"/>
+                                <a:latin typeface="Cambria Math" charset="0"/>
                                 <a:cs typeface="Arial" panose="020B0604020202020204" pitchFamily="34" charset="0"/>
                               </a:rPr>
                             </m:ctrlPr>
@@ -29764,7 +29768,7 @@
                           <m:sSubPr>
                             <m:ctrlPr>
                               <a:rPr lang="en-US" b="0" i="1" smtClean="0">
-                                <a:latin typeface="Cambria Math" panose="02040503050406030204" pitchFamily="18" charset="0"/>
+                                <a:latin typeface="Cambria Math" charset="0"/>
                                 <a:cs typeface="Arial" panose="020B0604020202020204" pitchFamily="34" charset="0"/>
                               </a:rPr>
                             </m:ctrlPr>
@@ -29869,7 +29873,7 @@
                           <m:sSubPr>
                             <m:ctrlPr>
                               <a:rPr lang="en-US" b="0" i="1" smtClean="0">
-                                <a:latin typeface="Cambria Math" panose="02040503050406030204" pitchFamily="18" charset="0"/>
+                                <a:latin typeface="Cambria Math" charset="0"/>
                                 <a:cs typeface="Arial" panose="020B0604020202020204" pitchFamily="34" charset="0"/>
                               </a:rPr>
                             </m:ctrlPr>
@@ -29904,7 +29908,7 @@
                           <m:sSubPr>
                             <m:ctrlPr>
                               <a:rPr lang="en-US" b="0" i="1" smtClean="0">
-                                <a:latin typeface="Cambria Math" panose="02040503050406030204" pitchFamily="18" charset="0"/>
+                                <a:latin typeface="Cambria Math" charset="0"/>
                                 <a:cs typeface="Arial" panose="020B0604020202020204" pitchFamily="34" charset="0"/>
                               </a:rPr>
                             </m:ctrlPr>
@@ -29939,7 +29943,7 @@
                           <m:sSubPr>
                             <m:ctrlPr>
                               <a:rPr lang="en-US" b="0" i="1" smtClean="0">
-                                <a:latin typeface="Cambria Math" panose="02040503050406030204" pitchFamily="18" charset="0"/>
+                                <a:latin typeface="Cambria Math" charset="0"/>
                                 <a:cs typeface="Arial" panose="020B0604020202020204" pitchFamily="34" charset="0"/>
                               </a:rPr>
                             </m:ctrlPr>
@@ -30438,7 +30442,7 @@
                             <m:chr m:val="⃗"/>
                             <m:ctrlPr>
                               <a:rPr lang="en-US" b="0" i="1" smtClean="0">
-                                <a:latin typeface="Cambria Math" panose="02040503050406030204" pitchFamily="18" charset="0"/>
+                                <a:latin typeface="Cambria Math" charset="0"/>
                                 <a:cs typeface="Arial" panose="020B0604020202020204" pitchFamily="34" charset="0"/>
                               </a:rPr>
                             </m:ctrlPr>
@@ -30719,7 +30723,7 @@
                             <m:chr m:val="̂"/>
                             <m:ctrlPr>
                               <a:rPr lang="en-US" b="0" i="1" smtClean="0">
-                                <a:latin typeface="Cambria Math" panose="02040503050406030204" pitchFamily="18" charset="0"/>
+                                <a:latin typeface="Cambria Math" charset="0"/>
                                 <a:cs typeface="Arial" panose="020B0604020202020204" pitchFamily="34" charset="0"/>
                               </a:rPr>
                             </m:ctrlPr>
@@ -30816,7 +30820,7 @@
                             <m:chr m:val="̂"/>
                             <m:ctrlPr>
                               <a:rPr lang="en-US" b="0" i="1" smtClean="0">
-                                <a:latin typeface="Cambria Math" panose="02040503050406030204" pitchFamily="18" charset="0"/>
+                                <a:latin typeface="Cambria Math" charset="0"/>
                                 <a:cs typeface="Arial" panose="020B0604020202020204" pitchFamily="34" charset="0"/>
                               </a:rPr>
                             </m:ctrlPr>
@@ -30912,7 +30916,7 @@
                           <m:sSubPr>
                             <m:ctrlPr>
                               <a:rPr lang="en-US" b="0" i="1" smtClean="0">
-                                <a:latin typeface="Cambria Math" panose="02040503050406030204" pitchFamily="18" charset="0"/>
+                                <a:latin typeface="Cambria Math" charset="0"/>
                                 <a:cs typeface="Arial" panose="020B0604020202020204" pitchFamily="34" charset="0"/>
                               </a:rPr>
                             </m:ctrlPr>
@@ -30941,7 +30945,7 @@
                             <m:chr m:val="̂"/>
                             <m:ctrlPr>
                               <a:rPr lang="en-US" b="0" i="1" smtClean="0">
-                                <a:latin typeface="Cambria Math" panose="02040503050406030204" pitchFamily="18" charset="0"/>
+                                <a:latin typeface="Cambria Math" charset="0"/>
                                 <a:cs typeface="Arial" panose="020B0604020202020204" pitchFamily="34" charset="0"/>
                               </a:rPr>
                             </m:ctrlPr>
@@ -31037,7 +31041,7 @@
                           <m:sSubPr>
                             <m:ctrlPr>
                               <a:rPr lang="en-US" b="0" i="1" smtClean="0">
-                                <a:latin typeface="Cambria Math" panose="02040503050406030204" pitchFamily="18" charset="0"/>
+                                <a:latin typeface="Cambria Math" charset="0"/>
                                 <a:cs typeface="Arial" panose="020B0604020202020204" pitchFamily="34" charset="0"/>
                               </a:rPr>
                             </m:ctrlPr>
@@ -31066,7 +31070,7 @@
                             <m:chr m:val="̂"/>
                             <m:ctrlPr>
                               <a:rPr lang="en-US" b="0" i="1" smtClean="0">
-                                <a:latin typeface="Cambria Math" panose="02040503050406030204" pitchFamily="18" charset="0"/>
+                                <a:latin typeface="Cambria Math" charset="0"/>
                                 <a:cs typeface="Arial" panose="020B0604020202020204" pitchFamily="34" charset="0"/>
                               </a:rPr>
                             </m:ctrlPr>
@@ -31763,7 +31767,7 @@
                             <m:chr m:val="⃗"/>
                             <m:ctrlPr>
                               <a:rPr lang="en-US" b="0" i="1" smtClean="0">
-                                <a:latin typeface="Cambria Math" panose="02040503050406030204" pitchFamily="18" charset="0"/>
+                                <a:latin typeface="Cambria Math" charset="0"/>
                                 <a:cs typeface="Arial" panose="020B0604020202020204" pitchFamily="34" charset="0"/>
                               </a:rPr>
                             </m:ctrlPr>
@@ -31860,7 +31864,7 @@
                             <m:chr m:val="⃗"/>
                             <m:ctrlPr>
                               <a:rPr lang="en-US" b="0" i="1" smtClean="0">
-                                <a:latin typeface="Cambria Math" panose="02040503050406030204" pitchFamily="18" charset="0"/>
+                                <a:latin typeface="Cambria Math" charset="0"/>
                                 <a:cs typeface="Arial" panose="020B0604020202020204" pitchFamily="34" charset="0"/>
                               </a:rPr>
                             </m:ctrlPr>
@@ -32181,7 +32185,7 @@
                             <m:chr m:val="⃗"/>
                             <m:ctrlPr>
                               <a:rPr lang="en-US" sz="2000" b="0" i="1" smtClean="0">
-                                <a:latin typeface="Cambria Math" panose="02040503050406030204" pitchFamily="18" charset="0"/>
+                                <a:latin typeface="Cambria Math" charset="0"/>
                                 <a:cs typeface="Arial" panose="020B0604020202020204" pitchFamily="34" charset="0"/>
                               </a:rPr>
                             </m:ctrlPr>
@@ -32282,7 +32286,7 @@
                             <m:chr m:val="⃗"/>
                             <m:ctrlPr>
                               <a:rPr lang="en-US" sz="2000" b="0" i="1" smtClean="0">
-                                <a:latin typeface="Cambria Math" panose="02040503050406030204" pitchFamily="18" charset="0"/>
+                                <a:latin typeface="Cambria Math" charset="0"/>
                                 <a:cs typeface="Arial" panose="020B0604020202020204" pitchFamily="34" charset="0"/>
                               </a:rPr>
                             </m:ctrlPr>
@@ -32383,7 +32387,7 @@
                             <m:chr m:val="⃗"/>
                             <m:ctrlPr>
                               <a:rPr lang="en-US" sz="2000" b="0" i="1" smtClean="0">
-                                <a:latin typeface="Cambria Math" panose="02040503050406030204" pitchFamily="18" charset="0"/>
+                                <a:latin typeface="Cambria Math" charset="0"/>
                                 <a:cs typeface="Arial" panose="020B0604020202020204" pitchFamily="34" charset="0"/>
                               </a:rPr>
                             </m:ctrlPr>
@@ -32711,7 +32715,7 @@
                               <m:chr m:val="⃗"/>
                               <m:ctrlPr>
                                 <a:rPr lang="en-US" sz="2000" b="0" i="1" smtClean="0">
-                                  <a:latin typeface="Cambria Math" panose="02040503050406030204" pitchFamily="18" charset="0"/>
+                                  <a:latin typeface="Cambria Math" charset="0"/>
                                   <a:cs typeface="Arial" panose="020B0604020202020204" pitchFamily="34" charset="0"/>
                                 </a:rPr>
                               </m:ctrlPr>
@@ -32812,7 +32816,7 @@
                               <m:chr m:val="⃗"/>
                               <m:ctrlPr>
                                 <a:rPr lang="en-US" sz="2000" b="0" i="1" smtClean="0">
-                                  <a:latin typeface="Cambria Math" panose="02040503050406030204" pitchFamily="18" charset="0"/>
+                                  <a:latin typeface="Cambria Math" charset="0"/>
                                   <a:cs typeface="Arial" panose="020B0604020202020204" pitchFamily="34" charset="0"/>
                                 </a:rPr>
                               </m:ctrlPr>
@@ -33016,760 +33020,6 @@
       </p:grpSp>
       <p:grpSp>
         <p:nvGrpSpPr>
-          <p:cNvPr id="42" name="Group 41"/>
-          <p:cNvGrpSpPr/>
-          <p:nvPr/>
-        </p:nvGrpSpPr>
-        <p:grpSpPr>
-          <a:xfrm>
-            <a:off x="370840" y="2440028"/>
-            <a:ext cx="3372973" cy="2081821"/>
-            <a:chOff x="2189660" y="2683219"/>
-            <a:chExt cx="3372973" cy="2081821"/>
-          </a:xfrm>
-        </p:grpSpPr>
-        <p:sp>
-          <p:nvSpPr>
-            <p:cNvPr id="19" name="Oval 18"/>
-            <p:cNvSpPr/>
-            <p:nvPr/>
-          </p:nvSpPr>
-          <p:spPr>
-            <a:xfrm>
-              <a:off x="2189660" y="3180080"/>
-              <a:ext cx="1596411" cy="1584960"/>
-            </a:xfrm>
-            <a:prstGeom prst="ellipse">
-              <a:avLst/>
-            </a:prstGeom>
-            <a:solidFill>
-              <a:schemeClr val="bg2">
-                <a:lumMod val="90000"/>
-              </a:schemeClr>
-            </a:solidFill>
-            <a:ln w="38100">
-              <a:solidFill>
-                <a:schemeClr val="tx1"/>
-              </a:solidFill>
-            </a:ln>
-          </p:spPr>
-          <p:style>
-            <a:lnRef idx="2">
-              <a:schemeClr val="accent1">
-                <a:shade val="50000"/>
-              </a:schemeClr>
-            </a:lnRef>
-            <a:fillRef idx="1">
-              <a:schemeClr val="accent1"/>
-            </a:fillRef>
-            <a:effectRef idx="0">
-              <a:schemeClr val="accent1"/>
-            </a:effectRef>
-            <a:fontRef idx="minor">
-              <a:schemeClr val="lt1"/>
-            </a:fontRef>
-          </p:style>
-          <p:txBody>
-            <a:bodyPr rot="0" spcFirstLastPara="0" vertOverflow="overflow" horzOverflow="overflow" vert="horz" wrap="square" lIns="91440" tIns="45720" rIns="91440" bIns="45720" numCol="1" spcCol="0" rtlCol="0" fromWordArt="0" anchor="ctr" anchorCtr="0" forceAA="0" compatLnSpc="1">
-              <a:prstTxWarp prst="textNoShape">
-                <a:avLst/>
-              </a:prstTxWarp>
-              <a:noAutofit/>
-            </a:bodyPr>
-            <a:lstStyle/>
-            <a:p>
-              <a:pPr algn="ctr"/>
-              <a:endParaRPr lang="en-US"/>
-            </a:p>
-          </p:txBody>
-        </p:sp>
-        <p:cxnSp>
-          <p:nvCxnSpPr>
-            <p:cNvPr id="20" name="Straight Arrow Connector 19"/>
-            <p:cNvCxnSpPr/>
-            <p:nvPr/>
-          </p:nvCxnSpPr>
-          <p:spPr>
-            <a:xfrm flipV="1">
-              <a:off x="3745431" y="2683219"/>
-              <a:ext cx="259458" cy="1007692"/>
-            </a:xfrm>
-            <a:prstGeom prst="straightConnector1">
-              <a:avLst/>
-            </a:prstGeom>
-            <a:ln w="38100">
-              <a:solidFill>
-                <a:schemeClr val="tx1"/>
-              </a:solidFill>
-              <a:tailEnd type="triangle"/>
-            </a:ln>
-          </p:spPr>
-          <p:style>
-            <a:lnRef idx="1">
-              <a:schemeClr val="accent1"/>
-            </a:lnRef>
-            <a:fillRef idx="0">
-              <a:schemeClr val="accent1"/>
-            </a:fillRef>
-            <a:effectRef idx="0">
-              <a:schemeClr val="accent1"/>
-            </a:effectRef>
-            <a:fontRef idx="minor">
-              <a:schemeClr val="tx1"/>
-            </a:fontRef>
-          </p:style>
-        </p:cxnSp>
-        <mc:AlternateContent xmlns:mc="http://schemas.openxmlformats.org/markup-compatibility/2006" xmlns:a14="http://schemas.microsoft.com/office/drawing/2010/main">
-          <mc:Choice Requires="a14">
-            <p:sp>
-              <p:nvSpPr>
-                <p:cNvPr id="21" name="TextBox 20"/>
-                <p:cNvSpPr txBox="1"/>
-                <p:nvPr/>
-              </p:nvSpPr>
-              <p:spPr>
-                <a:xfrm>
-                  <a:off x="3596838" y="3007500"/>
-                  <a:ext cx="208416" cy="345159"/>
-                </a:xfrm>
-                <a:prstGeom prst="rect">
-                  <a:avLst/>
-                </a:prstGeom>
-                <a:noFill/>
-              </p:spPr>
-              <p:txBody>
-                <a:bodyPr wrap="square" lIns="0" tIns="0" rIns="0" bIns="0" rtlCol="0">
-                  <a:spAutoFit/>
-                </a:bodyPr>
-                <a:lstStyle/>
-                <a:p>
-                  <a:pPr/>
-                  <a14:m>
-                    <m:oMathPara xmlns:m="http://schemas.openxmlformats.org/officeDocument/2006/math">
-                      <m:oMathParaPr>
-                        <m:jc m:val="centerGroup"/>
-                      </m:oMathParaPr>
-                      <m:oMath xmlns:m="http://schemas.openxmlformats.org/officeDocument/2006/math">
-                        <m:acc>
-                          <m:accPr>
-                            <m:chr m:val="⃗"/>
-                            <m:ctrlPr>
-                              <a:rPr lang="en-US" sz="2000" b="0" i="1" smtClean="0">
-                                <a:latin typeface="Cambria Math" panose="02040503050406030204" pitchFamily="18" charset="0"/>
-                                <a:cs typeface="Arial" panose="020B0604020202020204" pitchFamily="34" charset="0"/>
-                              </a:rPr>
-                            </m:ctrlPr>
-                          </m:accPr>
-                          <m:e>
-                            <m:r>
-                              <a:rPr lang="en-US" sz="2000" b="0" i="1" smtClean="0">
-                                <a:latin typeface="Cambria Math" panose="02040503050406030204" pitchFamily="18" charset="0"/>
-                                <a:cs typeface="Arial" panose="020B0604020202020204" pitchFamily="34" charset="0"/>
-                              </a:rPr>
-                              <m:t>𝐹</m:t>
-                            </m:r>
-                          </m:e>
-                        </m:acc>
-                      </m:oMath>
-                    </m:oMathPara>
-                  </a14:m>
-                  <a:endParaRPr lang="en-US" sz="2000" dirty="0">
-                    <a:latin typeface="Arial" panose="020B0604020202020204" pitchFamily="34" charset="0"/>
-                    <a:cs typeface="Arial" panose="020B0604020202020204" pitchFamily="34" charset="0"/>
-                  </a:endParaRPr>
-                </a:p>
-              </p:txBody>
-            </p:sp>
-          </mc:Choice>
-          <mc:Fallback xmlns="">
-            <p:sp>
-              <p:nvSpPr>
-                <p:cNvPr id="21" name="TextBox 20"/>
-                <p:cNvSpPr txBox="1">
-                  <a:spLocks noRot="1" noChangeAspect="1" noMove="1" noResize="1" noEditPoints="1" noAdjustHandles="1" noChangeArrowheads="1" noChangeShapeType="1" noTextEdit="1"/>
-                </p:cNvSpPr>
-                <p:nvPr/>
-              </p:nvSpPr>
-              <p:spPr>
-                <a:xfrm>
-                  <a:off x="3596838" y="3007500"/>
-                  <a:ext cx="208416" cy="345159"/>
-                </a:xfrm>
-                <a:prstGeom prst="rect">
-                  <a:avLst/>
-                </a:prstGeom>
-                <a:blipFill>
-                  <a:blip r:embed="rId5"/>
-                  <a:stretch>
-                    <a:fillRect l="-32353" t="-33333" r="-97059" b="-8772"/>
-                  </a:stretch>
-                </a:blipFill>
-              </p:spPr>
-              <p:txBody>
-                <a:bodyPr/>
-                <a:lstStyle/>
-                <a:p>
-                  <a:r>
-                    <a:rPr lang="en-US">
-                      <a:noFill/>
-                    </a:rPr>
-                    <a:t> </a:t>
-                  </a:r>
-                </a:p>
-              </p:txBody>
-            </p:sp>
-          </mc:Fallback>
-        </mc:AlternateContent>
-        <p:cxnSp>
-          <p:nvCxnSpPr>
-            <p:cNvPr id="24" name="Straight Arrow Connector 23"/>
-            <p:cNvCxnSpPr/>
-            <p:nvPr/>
-          </p:nvCxnSpPr>
-          <p:spPr>
-            <a:xfrm flipV="1">
-              <a:off x="2942791" y="3690912"/>
-              <a:ext cx="802640" cy="310310"/>
-            </a:xfrm>
-            <a:prstGeom prst="straightConnector1">
-              <a:avLst/>
-            </a:prstGeom>
-            <a:ln w="38100">
-              <a:solidFill>
-                <a:schemeClr val="tx1"/>
-              </a:solidFill>
-              <a:tailEnd type="triangle"/>
-            </a:ln>
-          </p:spPr>
-          <p:style>
-            <a:lnRef idx="1">
-              <a:schemeClr val="accent1"/>
-            </a:lnRef>
-            <a:fillRef idx="0">
-              <a:schemeClr val="accent1"/>
-            </a:fillRef>
-            <a:effectRef idx="0">
-              <a:schemeClr val="accent1"/>
-            </a:effectRef>
-            <a:fontRef idx="minor">
-              <a:schemeClr val="tx1"/>
-            </a:fontRef>
-          </p:style>
-        </p:cxnSp>
-        <mc:AlternateContent xmlns:mc="http://schemas.openxmlformats.org/markup-compatibility/2006" xmlns:a14="http://schemas.microsoft.com/office/drawing/2010/main">
-          <mc:Choice Requires="a14">
-            <p:sp>
-              <p:nvSpPr>
-                <p:cNvPr id="27" name="TextBox 26"/>
-                <p:cNvSpPr txBox="1"/>
-                <p:nvPr/>
-              </p:nvSpPr>
-              <p:spPr>
-                <a:xfrm>
-                  <a:off x="3344111" y="3866025"/>
-                  <a:ext cx="198003" cy="307777"/>
-                </a:xfrm>
-                <a:prstGeom prst="rect">
-                  <a:avLst/>
-                </a:prstGeom>
-                <a:noFill/>
-              </p:spPr>
-              <p:txBody>
-                <a:bodyPr wrap="none" lIns="0" tIns="0" rIns="0" bIns="0" rtlCol="0">
-                  <a:spAutoFit/>
-                </a:bodyPr>
-                <a:lstStyle/>
-                <a:p>
-                  <a:pPr/>
-                  <a14:m>
-                    <m:oMathPara xmlns:m="http://schemas.openxmlformats.org/officeDocument/2006/math">
-                      <m:oMathParaPr>
-                        <m:jc m:val="centerGroup"/>
-                      </m:oMathParaPr>
-                      <m:oMath xmlns:m="http://schemas.openxmlformats.org/officeDocument/2006/math">
-                        <m:acc>
-                          <m:accPr>
-                            <m:chr m:val="⃗"/>
-                            <m:ctrlPr>
-                              <a:rPr lang="en-US" sz="2000" b="0" i="1" smtClean="0">
-                                <a:latin typeface="Cambria Math" panose="02040503050406030204" pitchFamily="18" charset="0"/>
-                                <a:cs typeface="Arial" panose="020B0604020202020204" pitchFamily="34" charset="0"/>
-                              </a:rPr>
-                            </m:ctrlPr>
-                          </m:accPr>
-                          <m:e>
-                            <m:r>
-                              <a:rPr lang="en-US" sz="2000" b="0" i="1" smtClean="0">
-                                <a:latin typeface="Cambria Math" panose="02040503050406030204" pitchFamily="18" charset="0"/>
-                                <a:cs typeface="Arial" panose="020B0604020202020204" pitchFamily="34" charset="0"/>
-                              </a:rPr>
-                              <m:t>𝑟</m:t>
-                            </m:r>
-                          </m:e>
-                        </m:acc>
-                      </m:oMath>
-                    </m:oMathPara>
-                  </a14:m>
-                  <a:endParaRPr lang="en-US" sz="2000" dirty="0">
-                    <a:latin typeface="Arial" panose="020B0604020202020204" pitchFamily="34" charset="0"/>
-                    <a:cs typeface="Arial" panose="020B0604020202020204" pitchFamily="34" charset="0"/>
-                  </a:endParaRPr>
-                </a:p>
-              </p:txBody>
-            </p:sp>
-          </mc:Choice>
-          <mc:Fallback xmlns="">
-            <p:sp>
-              <p:nvSpPr>
-                <p:cNvPr id="27" name="TextBox 26"/>
-                <p:cNvSpPr txBox="1">
-                  <a:spLocks noRot="1" noChangeAspect="1" noMove="1" noResize="1" noEditPoints="1" noAdjustHandles="1" noChangeArrowheads="1" noChangeShapeType="1" noTextEdit="1"/>
-                </p:cNvSpPr>
-                <p:nvPr/>
-              </p:nvSpPr>
-              <p:spPr>
-                <a:xfrm>
-                  <a:off x="3344111" y="3866025"/>
-                  <a:ext cx="198003" cy="307777"/>
-                </a:xfrm>
-                <a:prstGeom prst="rect">
-                  <a:avLst/>
-                </a:prstGeom>
-                <a:blipFill>
-                  <a:blip r:embed="rId6"/>
-                  <a:stretch>
-                    <a:fillRect l="-31250" t="-33333" r="-96875" b="-5882"/>
-                  </a:stretch>
-                </a:blipFill>
-              </p:spPr>
-              <p:txBody>
-                <a:bodyPr/>
-                <a:lstStyle/>
-                <a:p>
-                  <a:r>
-                    <a:rPr lang="en-US">
-                      <a:noFill/>
-                    </a:rPr>
-                    <a:t> </a:t>
-                  </a:r>
-                </a:p>
-              </p:txBody>
-            </p:sp>
-          </mc:Fallback>
-        </mc:AlternateContent>
-        <p:cxnSp>
-          <p:nvCxnSpPr>
-            <p:cNvPr id="34" name="Straight Arrow Connector 33"/>
-            <p:cNvCxnSpPr/>
-            <p:nvPr/>
-          </p:nvCxnSpPr>
-          <p:spPr>
-            <a:xfrm flipV="1">
-              <a:off x="4770153" y="2848813"/>
-              <a:ext cx="259458" cy="1007692"/>
-            </a:xfrm>
-            <a:prstGeom prst="straightConnector1">
-              <a:avLst/>
-            </a:prstGeom>
-            <a:ln w="38100">
-              <a:solidFill>
-                <a:schemeClr val="tx1"/>
-              </a:solidFill>
-              <a:tailEnd type="triangle"/>
-            </a:ln>
-          </p:spPr>
-          <p:style>
-            <a:lnRef idx="1">
-              <a:schemeClr val="accent1"/>
-            </a:lnRef>
-            <a:fillRef idx="0">
-              <a:schemeClr val="accent1"/>
-            </a:fillRef>
-            <a:effectRef idx="0">
-              <a:schemeClr val="accent1"/>
-            </a:effectRef>
-            <a:fontRef idx="minor">
-              <a:schemeClr val="tx1"/>
-            </a:fontRef>
-          </p:style>
-        </p:cxnSp>
-        <mc:AlternateContent xmlns:mc="http://schemas.openxmlformats.org/markup-compatibility/2006" xmlns:a14="http://schemas.microsoft.com/office/drawing/2010/main">
-          <mc:Choice Requires="a14">
-            <p:sp>
-              <p:nvSpPr>
-                <p:cNvPr id="35" name="TextBox 34"/>
-                <p:cNvSpPr txBox="1"/>
-                <p:nvPr/>
-              </p:nvSpPr>
-              <p:spPr>
-                <a:xfrm>
-                  <a:off x="4611400" y="3162934"/>
-                  <a:ext cx="208416" cy="345159"/>
-                </a:xfrm>
-                <a:prstGeom prst="rect">
-                  <a:avLst/>
-                </a:prstGeom>
-                <a:noFill/>
-              </p:spPr>
-              <p:txBody>
-                <a:bodyPr wrap="square" lIns="0" tIns="0" rIns="0" bIns="0" rtlCol="0">
-                  <a:spAutoFit/>
-                </a:bodyPr>
-                <a:lstStyle/>
-                <a:p>
-                  <a:pPr/>
-                  <a14:m>
-                    <m:oMathPara xmlns:m="http://schemas.openxmlformats.org/officeDocument/2006/math">
-                      <m:oMathParaPr>
-                        <m:jc m:val="centerGroup"/>
-                      </m:oMathParaPr>
-                      <m:oMath xmlns:m="http://schemas.openxmlformats.org/officeDocument/2006/math">
-                        <m:acc>
-                          <m:accPr>
-                            <m:chr m:val="⃗"/>
-                            <m:ctrlPr>
-                              <a:rPr lang="en-US" sz="2000" b="0" i="1" smtClean="0">
-                                <a:latin typeface="Cambria Math" panose="02040503050406030204" pitchFamily="18" charset="0"/>
-                                <a:cs typeface="Arial" panose="020B0604020202020204" pitchFamily="34" charset="0"/>
-                              </a:rPr>
-                            </m:ctrlPr>
-                          </m:accPr>
-                          <m:e>
-                            <m:r>
-                              <a:rPr lang="en-US" sz="2000" b="0" i="1" smtClean="0">
-                                <a:latin typeface="Cambria Math" panose="02040503050406030204" pitchFamily="18" charset="0"/>
-                                <a:cs typeface="Arial" panose="020B0604020202020204" pitchFamily="34" charset="0"/>
-                              </a:rPr>
-                              <m:t>𝐹</m:t>
-                            </m:r>
-                          </m:e>
-                        </m:acc>
-                      </m:oMath>
-                    </m:oMathPara>
-                  </a14:m>
-                  <a:endParaRPr lang="en-US" sz="2000" dirty="0">
-                    <a:latin typeface="Arial" panose="020B0604020202020204" pitchFamily="34" charset="0"/>
-                    <a:cs typeface="Arial" panose="020B0604020202020204" pitchFamily="34" charset="0"/>
-                  </a:endParaRPr>
-                </a:p>
-              </p:txBody>
-            </p:sp>
-          </mc:Choice>
-          <mc:Fallback xmlns="">
-            <p:sp>
-              <p:nvSpPr>
-                <p:cNvPr id="35" name="TextBox 34"/>
-                <p:cNvSpPr txBox="1">
-                  <a:spLocks noRot="1" noChangeAspect="1" noMove="1" noResize="1" noEditPoints="1" noAdjustHandles="1" noChangeArrowheads="1" noChangeShapeType="1" noTextEdit="1"/>
-                </p:cNvSpPr>
-                <p:nvPr/>
-              </p:nvSpPr>
-              <p:spPr>
-                <a:xfrm>
-                  <a:off x="4611400" y="3162934"/>
-                  <a:ext cx="208416" cy="345159"/>
-                </a:xfrm>
-                <a:prstGeom prst="rect">
-                  <a:avLst/>
-                </a:prstGeom>
-                <a:blipFill>
-                  <a:blip r:embed="rId7"/>
-                  <a:stretch>
-                    <a:fillRect l="-31429" t="-35714" r="-91429" b="-8929"/>
-                  </a:stretch>
-                </a:blipFill>
-              </p:spPr>
-              <p:txBody>
-                <a:bodyPr/>
-                <a:lstStyle/>
-                <a:p>
-                  <a:r>
-                    <a:rPr lang="en-US">
-                      <a:noFill/>
-                    </a:rPr>
-                    <a:t> </a:t>
-                  </a:r>
-                </a:p>
-              </p:txBody>
-            </p:sp>
-          </mc:Fallback>
-        </mc:AlternateContent>
-        <mc:AlternateContent xmlns:mc="http://schemas.openxmlformats.org/markup-compatibility/2006" xmlns:a14="http://schemas.microsoft.com/office/drawing/2010/main">
-          <mc:Choice Requires="a14">
-            <p:sp>
-              <p:nvSpPr>
-                <p:cNvPr id="37" name="TextBox 36"/>
-                <p:cNvSpPr txBox="1"/>
-                <p:nvPr/>
-              </p:nvSpPr>
-              <p:spPr>
-                <a:xfrm>
-                  <a:off x="5201478" y="3722003"/>
-                  <a:ext cx="198003" cy="307777"/>
-                </a:xfrm>
-                <a:prstGeom prst="rect">
-                  <a:avLst/>
-                </a:prstGeom>
-                <a:noFill/>
-              </p:spPr>
-              <p:txBody>
-                <a:bodyPr wrap="none" lIns="0" tIns="0" rIns="0" bIns="0" rtlCol="0">
-                  <a:spAutoFit/>
-                </a:bodyPr>
-                <a:lstStyle/>
-                <a:p>
-                  <a:pPr/>
-                  <a14:m>
-                    <m:oMathPara xmlns:m="http://schemas.openxmlformats.org/officeDocument/2006/math">
-                      <m:oMathParaPr>
-                        <m:jc m:val="centerGroup"/>
-                      </m:oMathParaPr>
-                      <m:oMath xmlns:m="http://schemas.openxmlformats.org/officeDocument/2006/math">
-                        <m:acc>
-                          <m:accPr>
-                            <m:chr m:val="⃗"/>
-                            <m:ctrlPr>
-                              <a:rPr lang="en-US" sz="2000" b="0" i="1" smtClean="0">
-                                <a:latin typeface="Cambria Math" panose="02040503050406030204" pitchFamily="18" charset="0"/>
-                                <a:cs typeface="Arial" panose="020B0604020202020204" pitchFamily="34" charset="0"/>
-                              </a:rPr>
-                            </m:ctrlPr>
-                          </m:accPr>
-                          <m:e>
-                            <m:r>
-                              <a:rPr lang="en-US" sz="2000" b="0" i="1" smtClean="0">
-                                <a:latin typeface="Cambria Math" panose="02040503050406030204" pitchFamily="18" charset="0"/>
-                                <a:cs typeface="Arial" panose="020B0604020202020204" pitchFamily="34" charset="0"/>
-                              </a:rPr>
-                              <m:t>𝑟</m:t>
-                            </m:r>
-                          </m:e>
-                        </m:acc>
-                      </m:oMath>
-                    </m:oMathPara>
-                  </a14:m>
-                  <a:endParaRPr lang="en-US" sz="2000" dirty="0">
-                    <a:latin typeface="Arial" panose="020B0604020202020204" pitchFamily="34" charset="0"/>
-                    <a:cs typeface="Arial" panose="020B0604020202020204" pitchFamily="34" charset="0"/>
-                  </a:endParaRPr>
-                </a:p>
-              </p:txBody>
-            </p:sp>
-          </mc:Choice>
-          <mc:Fallback xmlns="">
-            <p:sp>
-              <p:nvSpPr>
-                <p:cNvPr id="37" name="TextBox 36"/>
-                <p:cNvSpPr txBox="1">
-                  <a:spLocks noRot="1" noChangeAspect="1" noMove="1" noResize="1" noEditPoints="1" noAdjustHandles="1" noChangeArrowheads="1" noChangeShapeType="1" noTextEdit="1"/>
-                </p:cNvSpPr>
-                <p:nvPr/>
-              </p:nvSpPr>
-              <p:spPr>
-                <a:xfrm>
-                  <a:off x="5201478" y="3722003"/>
-                  <a:ext cx="198003" cy="307777"/>
-                </a:xfrm>
-                <a:prstGeom prst="rect">
-                  <a:avLst/>
-                </a:prstGeom>
-                <a:blipFill>
-                  <a:blip r:embed="rId8"/>
-                  <a:stretch>
-                    <a:fillRect l="-27273" t="-36000" r="-93939" b="-6000"/>
-                  </a:stretch>
-                </a:blipFill>
-              </p:spPr>
-              <p:txBody>
-                <a:bodyPr/>
-                <a:lstStyle/>
-                <a:p>
-                  <a:r>
-                    <a:rPr lang="en-US">
-                      <a:noFill/>
-                    </a:rPr>
-                    <a:t> </a:t>
-                  </a:r>
-                </a:p>
-              </p:txBody>
-            </p:sp>
-          </mc:Fallback>
-        </mc:AlternateContent>
-        <p:cxnSp>
-          <p:nvCxnSpPr>
-            <p:cNvPr id="38" name="Straight Arrow Connector 37"/>
-            <p:cNvCxnSpPr/>
-            <p:nvPr/>
-          </p:nvCxnSpPr>
-          <p:spPr>
-            <a:xfrm flipV="1">
-              <a:off x="4759993" y="3541845"/>
-              <a:ext cx="802640" cy="310310"/>
-            </a:xfrm>
-            <a:prstGeom prst="straightConnector1">
-              <a:avLst/>
-            </a:prstGeom>
-            <a:ln w="38100">
-              <a:solidFill>
-                <a:schemeClr val="tx1"/>
-              </a:solidFill>
-              <a:prstDash val="solid"/>
-              <a:tailEnd type="triangle"/>
-            </a:ln>
-          </p:spPr>
-          <p:style>
-            <a:lnRef idx="1">
-              <a:schemeClr val="accent1"/>
-            </a:lnRef>
-            <a:fillRef idx="0">
-              <a:schemeClr val="accent1"/>
-            </a:fillRef>
-            <a:effectRef idx="0">
-              <a:schemeClr val="accent1"/>
-            </a:effectRef>
-            <a:fontRef idx="minor">
-              <a:schemeClr val="tx1"/>
-            </a:fontRef>
-          </p:style>
-        </p:cxnSp>
-        <p:sp>
-          <p:nvSpPr>
-            <p:cNvPr id="40" name="Arc 39"/>
-            <p:cNvSpPr/>
-            <p:nvPr/>
-          </p:nvSpPr>
-          <p:spPr>
-            <a:xfrm rot="21358464">
-              <a:off x="4674794" y="3544951"/>
-              <a:ext cx="363438" cy="430210"/>
-            </a:xfrm>
-            <a:prstGeom prst="arc">
-              <a:avLst>
-                <a:gd name="adj1" fmla="val 16657186"/>
-                <a:gd name="adj2" fmla="val 20972173"/>
-              </a:avLst>
-            </a:prstGeom>
-            <a:ln w="19050">
-              <a:solidFill>
-                <a:schemeClr val="tx1"/>
-              </a:solidFill>
-              <a:prstDash val="sysDot"/>
-            </a:ln>
-          </p:spPr>
-          <p:style>
-            <a:lnRef idx="1">
-              <a:schemeClr val="accent1"/>
-            </a:lnRef>
-            <a:fillRef idx="0">
-              <a:schemeClr val="accent1"/>
-            </a:fillRef>
-            <a:effectRef idx="0">
-              <a:schemeClr val="accent1"/>
-            </a:effectRef>
-            <a:fontRef idx="minor">
-              <a:schemeClr val="tx1"/>
-            </a:fontRef>
-          </p:style>
-          <p:txBody>
-            <a:bodyPr rtlCol="0" anchor="ctr"/>
-            <a:lstStyle/>
-            <a:p>
-              <a:pPr algn="ctr"/>
-              <a:endParaRPr lang="en-US"/>
-            </a:p>
-          </p:txBody>
-        </p:sp>
-        <mc:AlternateContent xmlns:mc="http://schemas.openxmlformats.org/markup-compatibility/2006" xmlns:a14="http://schemas.microsoft.com/office/drawing/2010/main">
-          <mc:Choice Requires="a14">
-            <p:sp>
-              <p:nvSpPr>
-                <p:cNvPr id="41" name="TextBox 40"/>
-                <p:cNvSpPr txBox="1"/>
-                <p:nvPr/>
-              </p:nvSpPr>
-              <p:spPr>
-                <a:xfrm>
-                  <a:off x="4956753" y="3340453"/>
-                  <a:ext cx="222304" cy="307777"/>
-                </a:xfrm>
-                <a:prstGeom prst="rect">
-                  <a:avLst/>
-                </a:prstGeom>
-                <a:noFill/>
-              </p:spPr>
-              <p:txBody>
-                <a:bodyPr wrap="none" lIns="0" tIns="0" rIns="0" bIns="0" rtlCol="0">
-                  <a:spAutoFit/>
-                </a:bodyPr>
-                <a:lstStyle/>
-                <a:p>
-                  <a:pPr/>
-                  <a14:m>
-                    <m:oMathPara xmlns:m="http://schemas.openxmlformats.org/officeDocument/2006/math">
-                      <m:oMathParaPr>
-                        <m:jc m:val="centerGroup"/>
-                      </m:oMathParaPr>
-                      <m:oMath xmlns:m="http://schemas.openxmlformats.org/officeDocument/2006/math">
-                        <m:r>
-                          <a:rPr lang="en-US" sz="2000" b="0" i="1" smtClean="0">
-                            <a:latin typeface="Cambria Math" panose="02040503050406030204" pitchFamily="18" charset="0"/>
-                            <a:cs typeface="Arial" panose="020B0604020202020204" pitchFamily="34" charset="0"/>
-                          </a:rPr>
-                          <m:t>𝜃</m:t>
-                        </m:r>
-                      </m:oMath>
-                    </m:oMathPara>
-                  </a14:m>
-                  <a:endParaRPr lang="en-US" sz="2000" dirty="0">
-                    <a:latin typeface="Arial" panose="020B0604020202020204" pitchFamily="34" charset="0"/>
-                    <a:cs typeface="Arial" panose="020B0604020202020204" pitchFamily="34" charset="0"/>
-                  </a:endParaRPr>
-                </a:p>
-              </p:txBody>
-            </p:sp>
-          </mc:Choice>
-          <mc:Fallback xmlns="">
-            <p:sp>
-              <p:nvSpPr>
-                <p:cNvPr id="41" name="TextBox 40"/>
-                <p:cNvSpPr txBox="1">
-                  <a:spLocks noRot="1" noChangeAspect="1" noMove="1" noResize="1" noEditPoints="1" noAdjustHandles="1" noChangeArrowheads="1" noChangeShapeType="1" noTextEdit="1"/>
-                </p:cNvSpPr>
-                <p:nvPr/>
-              </p:nvSpPr>
-              <p:spPr>
-                <a:xfrm>
-                  <a:off x="4956753" y="3340453"/>
-                  <a:ext cx="222304" cy="307777"/>
-                </a:xfrm>
-                <a:prstGeom prst="rect">
-                  <a:avLst/>
-                </a:prstGeom>
-                <a:blipFill>
-                  <a:blip r:embed="rId9"/>
-                  <a:stretch>
-                    <a:fillRect l="-24324" r="-21622" b="-12000"/>
-                  </a:stretch>
-                </a:blipFill>
-              </p:spPr>
-              <p:txBody>
-                <a:bodyPr/>
-                <a:lstStyle/>
-                <a:p>
-                  <a:r>
-                    <a:rPr lang="en-US">
-                      <a:noFill/>
-                    </a:rPr>
-                    <a:t> </a:t>
-                  </a:r>
-                </a:p>
-              </p:txBody>
-            </p:sp>
-          </mc:Fallback>
-        </mc:AlternateContent>
-      </p:grpSp>
-      <p:grpSp>
-        <p:nvGrpSpPr>
           <p:cNvPr id="15" name="Group 14"/>
           <p:cNvGrpSpPr/>
           <p:nvPr/>
@@ -33903,7 +33153,7 @@
                           <m:sSubPr>
                             <m:ctrlPr>
                               <a:rPr lang="en-US" sz="2000" b="0" i="1" smtClean="0">
-                                <a:latin typeface="Cambria Math" panose="02040503050406030204" pitchFamily="18" charset="0"/>
+                                <a:latin typeface="Cambria Math" charset="0"/>
                                 <a:cs typeface="Arial" panose="020B0604020202020204" pitchFamily="34" charset="0"/>
                               </a:rPr>
                             </m:ctrlPr>
@@ -33914,7 +33164,7 @@
                                 <m:chr m:val="⃗"/>
                                 <m:ctrlPr>
                                   <a:rPr lang="en-US" sz="2000" b="0" i="1" smtClean="0">
-                                    <a:latin typeface="Cambria Math" panose="02040503050406030204" pitchFamily="18" charset="0"/>
+                                    <a:latin typeface="Cambria Math" charset="0"/>
                                     <a:cs typeface="Arial" panose="020B0604020202020204" pitchFamily="34" charset="0"/>
                                   </a:rPr>
                                 </m:ctrlPr>
@@ -34141,7 +33391,7 @@
                               <m:chr m:val="⃗"/>
                               <m:ctrlPr>
                                 <a:rPr lang="en-US" sz="2000" b="0" i="1" smtClean="0">
-                                  <a:latin typeface="Cambria Math" panose="02040503050406030204" pitchFamily="18" charset="0"/>
+                                  <a:latin typeface="Cambria Math" charset="0"/>
                                   <a:cs typeface="Arial" panose="020B0604020202020204" pitchFamily="34" charset="0"/>
                                 </a:rPr>
                               </m:ctrlPr>
@@ -34393,7 +33643,7 @@
                               <m:chr m:val="⃗"/>
                               <m:ctrlPr>
                                 <a:rPr lang="en-US" sz="2000" b="0" i="1" smtClean="0">
-                                  <a:latin typeface="Cambria Math" panose="02040503050406030204" pitchFamily="18" charset="0"/>
+                                  <a:latin typeface="Cambria Math" charset="0"/>
                                   <a:cs typeface="Arial" panose="020B0604020202020204" pitchFamily="34" charset="0"/>
                                 </a:rPr>
                               </m:ctrlPr>
@@ -34543,7 +33793,7 @@
           <p:cNvPr id="44" name="Group 43">
             <a:extLst>
               <a:ext uri="{FF2B5EF4-FFF2-40B4-BE49-F238E27FC236}">
-                <a16:creationId xmlns:a16="http://schemas.microsoft.com/office/drawing/2014/main" id="{8EAE65FF-F414-D844-9101-81534457BB78}"/>
+                <a16:creationId xmlns:a16="http://schemas.microsoft.com/office/drawing/2014/main" xmlns="" id="{8EAE65FF-F414-D844-9101-81534457BB78}"/>
               </a:ext>
             </a:extLst>
           </p:cNvPr>
@@ -34563,7 +33813,7 @@
             <p:cNvPr id="2" name="Rectangle 1">
               <a:extLst>
                 <a:ext uri="{FF2B5EF4-FFF2-40B4-BE49-F238E27FC236}">
-                  <a16:creationId xmlns:a16="http://schemas.microsoft.com/office/drawing/2014/main" id="{A317D95F-AD9F-354A-84CF-AB37E58FD834}"/>
+                  <a16:creationId xmlns:a16="http://schemas.microsoft.com/office/drawing/2014/main" xmlns="" id="{A317D95F-AD9F-354A-84CF-AB37E58FD834}"/>
                 </a:ext>
               </a:extLst>
             </p:cNvPr>
@@ -34615,7 +33865,7 @@
             <p:cNvPr id="3" name="Rectangle 2">
               <a:extLst>
                 <a:ext uri="{FF2B5EF4-FFF2-40B4-BE49-F238E27FC236}">
-                  <a16:creationId xmlns:a16="http://schemas.microsoft.com/office/drawing/2014/main" id="{6F8E2D6F-F584-5A44-A64A-632FB5C60417}"/>
+                  <a16:creationId xmlns:a16="http://schemas.microsoft.com/office/drawing/2014/main" xmlns="" id="{6F8E2D6F-F584-5A44-A64A-632FB5C60417}"/>
                 </a:ext>
               </a:extLst>
             </p:cNvPr>
@@ -34667,7 +33917,7 @@
             <p:cNvPr id="4" name="Rectangle 3">
               <a:extLst>
                 <a:ext uri="{FF2B5EF4-FFF2-40B4-BE49-F238E27FC236}">
-                  <a16:creationId xmlns:a16="http://schemas.microsoft.com/office/drawing/2014/main" id="{7B4E2826-C9FC-D141-9FBD-2505BE8992D6}"/>
+                  <a16:creationId xmlns:a16="http://schemas.microsoft.com/office/drawing/2014/main" xmlns="" id="{7B4E2826-C9FC-D141-9FBD-2505BE8992D6}"/>
                 </a:ext>
               </a:extLst>
             </p:cNvPr>
@@ -34719,7 +33969,7 @@
             <p:cNvPr id="5" name="Rectangle 4">
               <a:extLst>
                 <a:ext uri="{FF2B5EF4-FFF2-40B4-BE49-F238E27FC236}">
-                  <a16:creationId xmlns:a16="http://schemas.microsoft.com/office/drawing/2014/main" id="{6BAED393-2D0A-EA4D-AD3E-99F44392EF3E}"/>
+                  <a16:creationId xmlns:a16="http://schemas.microsoft.com/office/drawing/2014/main" xmlns="" id="{6BAED393-2D0A-EA4D-AD3E-99F44392EF3E}"/>
                 </a:ext>
               </a:extLst>
             </p:cNvPr>
@@ -34771,7 +34021,7 @@
             <p:cNvPr id="6" name="Straight Connector 5">
               <a:extLst>
                 <a:ext uri="{FF2B5EF4-FFF2-40B4-BE49-F238E27FC236}">
-                  <a16:creationId xmlns:a16="http://schemas.microsoft.com/office/drawing/2014/main" id="{D883AFDE-A82E-6844-B11A-5FAE70FF6D70}"/>
+                  <a16:creationId xmlns:a16="http://schemas.microsoft.com/office/drawing/2014/main" xmlns="" id="{D883AFDE-A82E-6844-B11A-5FAE70FF6D70}"/>
                 </a:ext>
               </a:extLst>
             </p:cNvPr>
@@ -34814,7 +34064,7 @@
             <p:cNvPr id="8" name="Straight Connector 7">
               <a:extLst>
                 <a:ext uri="{FF2B5EF4-FFF2-40B4-BE49-F238E27FC236}">
-                  <a16:creationId xmlns:a16="http://schemas.microsoft.com/office/drawing/2014/main" id="{E4E7C3DF-5D90-1C4E-9A12-BE9F492B95B8}"/>
+                  <a16:creationId xmlns:a16="http://schemas.microsoft.com/office/drawing/2014/main" xmlns="" id="{E4E7C3DF-5D90-1C4E-9A12-BE9F492B95B8}"/>
                 </a:ext>
               </a:extLst>
             </p:cNvPr>
@@ -34857,7 +34107,7 @@
             <p:cNvPr id="9" name="Straight Connector 8">
               <a:extLst>
                 <a:ext uri="{FF2B5EF4-FFF2-40B4-BE49-F238E27FC236}">
-                  <a16:creationId xmlns:a16="http://schemas.microsoft.com/office/drawing/2014/main" id="{6712C078-390D-0F40-8DF8-5830C7DB4A6F}"/>
+                  <a16:creationId xmlns:a16="http://schemas.microsoft.com/office/drawing/2014/main" xmlns="" id="{6712C078-390D-0F40-8DF8-5830C7DB4A6F}"/>
                 </a:ext>
               </a:extLst>
             </p:cNvPr>
@@ -34900,7 +34150,7 @@
             <p:cNvPr id="10" name="Straight Connector 9">
               <a:extLst>
                 <a:ext uri="{FF2B5EF4-FFF2-40B4-BE49-F238E27FC236}">
-                  <a16:creationId xmlns:a16="http://schemas.microsoft.com/office/drawing/2014/main" id="{DC525EBA-7839-0D42-99E0-B7A8CF118A93}"/>
+                  <a16:creationId xmlns:a16="http://schemas.microsoft.com/office/drawing/2014/main" xmlns="" id="{DC525EBA-7839-0D42-99E0-B7A8CF118A93}"/>
                 </a:ext>
               </a:extLst>
             </p:cNvPr>
@@ -34943,7 +34193,7 @@
             <p:cNvPr id="14" name="Straight Connector 13">
               <a:extLst>
                 <a:ext uri="{FF2B5EF4-FFF2-40B4-BE49-F238E27FC236}">
-                  <a16:creationId xmlns:a16="http://schemas.microsoft.com/office/drawing/2014/main" id="{A9451062-38DF-E440-B5A3-F6BD3995FA4D}"/>
+                  <a16:creationId xmlns:a16="http://schemas.microsoft.com/office/drawing/2014/main" xmlns="" id="{A9451062-38DF-E440-B5A3-F6BD3995FA4D}"/>
                 </a:ext>
               </a:extLst>
             </p:cNvPr>
@@ -34986,7 +34236,7 @@
             <p:cNvPr id="19" name="Straight Arrow Connector 18">
               <a:extLst>
                 <a:ext uri="{FF2B5EF4-FFF2-40B4-BE49-F238E27FC236}">
-                  <a16:creationId xmlns:a16="http://schemas.microsoft.com/office/drawing/2014/main" id="{4DA83C37-902C-144F-A897-EB614AF34AB2}"/>
+                  <a16:creationId xmlns:a16="http://schemas.microsoft.com/office/drawing/2014/main" xmlns="" id="{4DA83C37-902C-144F-A897-EB614AF34AB2}"/>
                 </a:ext>
               </a:extLst>
             </p:cNvPr>
@@ -35031,7 +34281,7 @@
             <p:cNvPr id="24" name="Straight Arrow Connector 23">
               <a:extLst>
                 <a:ext uri="{FF2B5EF4-FFF2-40B4-BE49-F238E27FC236}">
-                  <a16:creationId xmlns:a16="http://schemas.microsoft.com/office/drawing/2014/main" id="{2BFA5B68-70A8-4841-84A3-F1604E7BB737}"/>
+                  <a16:creationId xmlns:a16="http://schemas.microsoft.com/office/drawing/2014/main" xmlns="" id="{2BFA5B68-70A8-4841-84A3-F1604E7BB737}"/>
                 </a:ext>
               </a:extLst>
             </p:cNvPr>
@@ -35078,7 +34328,7 @@
                 <p:cNvPr id="26" name="Rectangle 25">
                   <a:extLst>
                     <a:ext uri="{FF2B5EF4-FFF2-40B4-BE49-F238E27FC236}">
-                      <a16:creationId xmlns:a16="http://schemas.microsoft.com/office/drawing/2014/main" id="{805B46A8-56BC-784D-A2C4-65AB8ECFAF52}"/>
+                      <a16:creationId xmlns:a16="http://schemas.microsoft.com/office/drawing/2014/main" xmlns="" id="{805B46A8-56BC-784D-A2C4-65AB8ECFAF52}"/>
                     </a:ext>
                   </a:extLst>
                 </p:cNvPr>
@@ -35179,7 +34429,7 @@
                 <p:cNvPr id="28" name="Rectangle 27">
                   <a:extLst>
                     <a:ext uri="{FF2B5EF4-FFF2-40B4-BE49-F238E27FC236}">
-                      <a16:creationId xmlns:a16="http://schemas.microsoft.com/office/drawing/2014/main" id="{5D366EF5-E10F-9C48-8364-5662D196B25C}"/>
+                      <a16:creationId xmlns:a16="http://schemas.microsoft.com/office/drawing/2014/main" xmlns="" id="{5D366EF5-E10F-9C48-8364-5662D196B25C}"/>
                     </a:ext>
                   </a:extLst>
                 </p:cNvPr>
@@ -35278,7 +34528,7 @@
             <p:cNvPr id="29" name="Straight Arrow Connector 28">
               <a:extLst>
                 <a:ext uri="{FF2B5EF4-FFF2-40B4-BE49-F238E27FC236}">
-                  <a16:creationId xmlns:a16="http://schemas.microsoft.com/office/drawing/2014/main" id="{208EA2CA-EAE1-A341-8A0F-59DA08DD26F6}"/>
+                  <a16:creationId xmlns:a16="http://schemas.microsoft.com/office/drawing/2014/main" xmlns="" id="{208EA2CA-EAE1-A341-8A0F-59DA08DD26F6}"/>
                 </a:ext>
               </a:extLst>
             </p:cNvPr>
@@ -35325,7 +34575,7 @@
                 <p:cNvPr id="31" name="Rectangle 30">
                   <a:extLst>
                     <a:ext uri="{FF2B5EF4-FFF2-40B4-BE49-F238E27FC236}">
-                      <a16:creationId xmlns:a16="http://schemas.microsoft.com/office/drawing/2014/main" id="{4C3269AC-A6D4-C443-BD63-90532BD67AB2}"/>
+                      <a16:creationId xmlns:a16="http://schemas.microsoft.com/office/drawing/2014/main" xmlns="" id="{4C3269AC-A6D4-C443-BD63-90532BD67AB2}"/>
                     </a:ext>
                   </a:extLst>
                 </p:cNvPr>
@@ -35424,7 +34674,7 @@
             <p:cNvPr id="32" name="Straight Arrow Connector 31">
               <a:extLst>
                 <a:ext uri="{FF2B5EF4-FFF2-40B4-BE49-F238E27FC236}">
-                  <a16:creationId xmlns:a16="http://schemas.microsoft.com/office/drawing/2014/main" id="{665B5D76-21CD-A944-A0FF-8F9569A985C2}"/>
+                  <a16:creationId xmlns:a16="http://schemas.microsoft.com/office/drawing/2014/main" xmlns="" id="{665B5D76-21CD-A944-A0FF-8F9569A985C2}"/>
                 </a:ext>
               </a:extLst>
             </p:cNvPr>
@@ -35471,7 +34721,7 @@
                 <p:cNvPr id="36" name="Rectangle 35">
                   <a:extLst>
                     <a:ext uri="{FF2B5EF4-FFF2-40B4-BE49-F238E27FC236}">
-                      <a16:creationId xmlns:a16="http://schemas.microsoft.com/office/drawing/2014/main" id="{26C80C5A-5AE1-AD4C-9B5B-6737DAF96CAC}"/>
+                      <a16:creationId xmlns:a16="http://schemas.microsoft.com/office/drawing/2014/main" xmlns="" id="{26C80C5A-5AE1-AD4C-9B5B-6737DAF96CAC}"/>
                     </a:ext>
                   </a:extLst>
                 </p:cNvPr>
@@ -35570,7 +34820,7 @@
             <p:cNvPr id="42" name="Oval 41">
               <a:extLst>
                 <a:ext uri="{FF2B5EF4-FFF2-40B4-BE49-F238E27FC236}">
-                  <a16:creationId xmlns:a16="http://schemas.microsoft.com/office/drawing/2014/main" id="{337E6CEC-93A0-264A-8B60-85302E2FC825}"/>
+                  <a16:creationId xmlns:a16="http://schemas.microsoft.com/office/drawing/2014/main" xmlns="" id="{337E6CEC-93A0-264A-8B60-85302E2FC825}"/>
                 </a:ext>
               </a:extLst>
             </p:cNvPr>
@@ -35622,7 +34872,7 @@
             <p:cNvPr id="43" name="Oval 42">
               <a:extLst>
                 <a:ext uri="{FF2B5EF4-FFF2-40B4-BE49-F238E27FC236}">
-                  <a16:creationId xmlns:a16="http://schemas.microsoft.com/office/drawing/2014/main" id="{35583F40-ECA8-2F41-8B4E-B945EFD5BA88}"/>
+                  <a16:creationId xmlns:a16="http://schemas.microsoft.com/office/drawing/2014/main" xmlns="" id="{35583F40-ECA8-2F41-8B4E-B945EFD5BA88}"/>
                 </a:ext>
               </a:extLst>
             </p:cNvPr>
@@ -35675,7 +34925,7 @@
           <p:cNvPr id="22" name="Group 21">
             <a:extLst>
               <a:ext uri="{FF2B5EF4-FFF2-40B4-BE49-F238E27FC236}">
-                <a16:creationId xmlns:a16="http://schemas.microsoft.com/office/drawing/2014/main" id="{E537E7BD-5E28-BC4A-908D-0EDC99521A36}"/>
+                <a16:creationId xmlns:a16="http://schemas.microsoft.com/office/drawing/2014/main" xmlns="" id="{E537E7BD-5E28-BC4A-908D-0EDC99521A36}"/>
               </a:ext>
             </a:extLst>
           </p:cNvPr>
@@ -35695,7 +34945,7 @@
             <p:cNvPr id="23" name="Arc 22">
               <a:extLst>
                 <a:ext uri="{FF2B5EF4-FFF2-40B4-BE49-F238E27FC236}">
-                  <a16:creationId xmlns:a16="http://schemas.microsoft.com/office/drawing/2014/main" id="{9D6638AC-4F22-7442-A32F-041C5E142C33}"/>
+                  <a16:creationId xmlns:a16="http://schemas.microsoft.com/office/drawing/2014/main" xmlns="" id="{9D6638AC-4F22-7442-A32F-041C5E142C33}"/>
                 </a:ext>
               </a:extLst>
             </p:cNvPr>
@@ -35747,7 +34997,7 @@
             <p:cNvPr id="25" name="Arc 24">
               <a:extLst>
                 <a:ext uri="{FF2B5EF4-FFF2-40B4-BE49-F238E27FC236}">
-                  <a16:creationId xmlns:a16="http://schemas.microsoft.com/office/drawing/2014/main" id="{5039A102-91C7-7147-9486-29110B6F2E58}"/>
+                  <a16:creationId xmlns:a16="http://schemas.microsoft.com/office/drawing/2014/main" xmlns="" id="{5039A102-91C7-7147-9486-29110B6F2E58}"/>
                 </a:ext>
               </a:extLst>
             </p:cNvPr>
@@ -35799,7 +35049,7 @@
             <p:cNvPr id="27" name="Arc 26">
               <a:extLst>
                 <a:ext uri="{FF2B5EF4-FFF2-40B4-BE49-F238E27FC236}">
-                  <a16:creationId xmlns:a16="http://schemas.microsoft.com/office/drawing/2014/main" id="{D1336244-C21B-5A43-A5A7-4A9A1FDB523F}"/>
+                  <a16:creationId xmlns:a16="http://schemas.microsoft.com/office/drawing/2014/main" xmlns="" id="{D1336244-C21B-5A43-A5A7-4A9A1FDB523F}"/>
                 </a:ext>
               </a:extLst>
             </p:cNvPr>
@@ -35851,7 +35101,7 @@
             <p:cNvPr id="30" name="Arc 29">
               <a:extLst>
                 <a:ext uri="{FF2B5EF4-FFF2-40B4-BE49-F238E27FC236}">
-                  <a16:creationId xmlns:a16="http://schemas.microsoft.com/office/drawing/2014/main" id="{F13E2C32-15BE-5749-9266-AA1C103F3E7E}"/>
+                  <a16:creationId xmlns:a16="http://schemas.microsoft.com/office/drawing/2014/main" xmlns="" id="{F13E2C32-15BE-5749-9266-AA1C103F3E7E}"/>
                 </a:ext>
               </a:extLst>
             </p:cNvPr>
@@ -35903,7 +35153,7 @@
             <p:cNvPr id="33" name="Arc 32">
               <a:extLst>
                 <a:ext uri="{FF2B5EF4-FFF2-40B4-BE49-F238E27FC236}">
-                  <a16:creationId xmlns:a16="http://schemas.microsoft.com/office/drawing/2014/main" id="{1FC41066-C700-A746-BF8F-713D7B297EF5}"/>
+                  <a16:creationId xmlns:a16="http://schemas.microsoft.com/office/drawing/2014/main" xmlns="" id="{1FC41066-C700-A746-BF8F-713D7B297EF5}"/>
                 </a:ext>
               </a:extLst>
             </p:cNvPr>
@@ -35955,7 +35205,7 @@
             <p:cNvPr id="34" name="Arc 33">
               <a:extLst>
                 <a:ext uri="{FF2B5EF4-FFF2-40B4-BE49-F238E27FC236}">
-                  <a16:creationId xmlns:a16="http://schemas.microsoft.com/office/drawing/2014/main" id="{95561B35-8D66-7840-A762-5E6A9E75362D}"/>
+                  <a16:creationId xmlns:a16="http://schemas.microsoft.com/office/drawing/2014/main" xmlns="" id="{95561B35-8D66-7840-A762-5E6A9E75362D}"/>
                 </a:ext>
               </a:extLst>
             </p:cNvPr>
@@ -36007,7 +35257,7 @@
             <p:cNvPr id="35" name="Arc 34">
               <a:extLst>
                 <a:ext uri="{FF2B5EF4-FFF2-40B4-BE49-F238E27FC236}">
-                  <a16:creationId xmlns:a16="http://schemas.microsoft.com/office/drawing/2014/main" id="{2C4486FE-C8E1-714F-BD67-7814586302CF}"/>
+                  <a16:creationId xmlns:a16="http://schemas.microsoft.com/office/drawing/2014/main" xmlns="" id="{2C4486FE-C8E1-714F-BD67-7814586302CF}"/>
                 </a:ext>
               </a:extLst>
             </p:cNvPr>
@@ -36098,7 +35348,7 @@
           <p:cNvPr id="27" name="Group 26">
             <a:extLst>
               <a:ext uri="{FF2B5EF4-FFF2-40B4-BE49-F238E27FC236}">
-                <a16:creationId xmlns:a16="http://schemas.microsoft.com/office/drawing/2014/main" id="{0F26F720-1E02-6442-B14F-3A3CFD933026}"/>
+                <a16:creationId xmlns:a16="http://schemas.microsoft.com/office/drawing/2014/main" xmlns="" id="{0F26F720-1E02-6442-B14F-3A3CFD933026}"/>
               </a:ext>
             </a:extLst>
           </p:cNvPr>
@@ -36118,7 +35368,7 @@
             <p:cNvPr id="24" name="Group 23">
               <a:extLst>
                 <a:ext uri="{FF2B5EF4-FFF2-40B4-BE49-F238E27FC236}">
-                  <a16:creationId xmlns:a16="http://schemas.microsoft.com/office/drawing/2014/main" id="{5544B094-50C8-AD4F-87FF-3C6CF4F57D41}"/>
+                  <a16:creationId xmlns:a16="http://schemas.microsoft.com/office/drawing/2014/main" xmlns="" id="{5544B094-50C8-AD4F-87FF-3C6CF4F57D41}"/>
                 </a:ext>
               </a:extLst>
             </p:cNvPr>
@@ -36138,7 +35388,7 @@
               <p:cNvPr id="21" name="Right Triangle 20">
                 <a:extLst>
                   <a:ext uri="{FF2B5EF4-FFF2-40B4-BE49-F238E27FC236}">
-                    <a16:creationId xmlns:a16="http://schemas.microsoft.com/office/drawing/2014/main" id="{B481015D-8291-6643-9D17-3AD92A2498E3}"/>
+                    <a16:creationId xmlns:a16="http://schemas.microsoft.com/office/drawing/2014/main" xmlns="" id="{B481015D-8291-6643-9D17-3AD92A2498E3}"/>
                   </a:ext>
                 </a:extLst>
               </p:cNvPr>
@@ -36195,7 +35445,7 @@
               <p:cNvPr id="20" name="Picture 19">
                 <a:extLst>
                   <a:ext uri="{FF2B5EF4-FFF2-40B4-BE49-F238E27FC236}">
-                    <a16:creationId xmlns:a16="http://schemas.microsoft.com/office/drawing/2014/main" id="{A6AE02DE-A37A-0746-8693-9E0457170A93}"/>
+                    <a16:creationId xmlns:a16="http://schemas.microsoft.com/office/drawing/2014/main" xmlns="" id="{A6AE02DE-A37A-0746-8693-9E0457170A93}"/>
                   </a:ext>
                 </a:extLst>
               </p:cNvPr>
@@ -36231,7 +35481,7 @@
               <p:cNvPr id="23" name="Picture 22">
                 <a:extLst>
                   <a:ext uri="{FF2B5EF4-FFF2-40B4-BE49-F238E27FC236}">
-                    <a16:creationId xmlns:a16="http://schemas.microsoft.com/office/drawing/2014/main" id="{27AE44A3-90A0-DA4E-949E-56A09226041F}"/>
+                    <a16:creationId xmlns:a16="http://schemas.microsoft.com/office/drawing/2014/main" xmlns="" id="{27AE44A3-90A0-DA4E-949E-56A09226041F}"/>
                   </a:ext>
                 </a:extLst>
               </p:cNvPr>
@@ -36268,7 +35518,7 @@
             <p:cNvPr id="25" name="Arc 24">
               <a:extLst>
                 <a:ext uri="{FF2B5EF4-FFF2-40B4-BE49-F238E27FC236}">
-                  <a16:creationId xmlns:a16="http://schemas.microsoft.com/office/drawing/2014/main" id="{7B4B00BF-D205-D341-9D3F-735E27C165E9}"/>
+                  <a16:creationId xmlns:a16="http://schemas.microsoft.com/office/drawing/2014/main" xmlns="" id="{7B4B00BF-D205-D341-9D3F-735E27C165E9}"/>
                 </a:ext>
               </a:extLst>
             </p:cNvPr>
@@ -36316,14 +35566,14 @@
             </a:p>
           </p:txBody>
         </p:sp>
-        <mc:AlternateContent xmlns:mc="http://schemas.openxmlformats.org/markup-compatibility/2006">
-          <mc:Choice xmlns:a14="http://schemas.microsoft.com/office/drawing/2010/main" Requires="a14">
+        <mc:AlternateContent xmlns:mc="http://schemas.openxmlformats.org/markup-compatibility/2006" xmlns:a14="http://schemas.microsoft.com/office/drawing/2010/main">
+          <mc:Choice Requires="a14">
             <p:sp>
               <p:nvSpPr>
                 <p:cNvPr id="26" name="Rectangle 25">
                   <a:extLst>
                     <a:ext uri="{FF2B5EF4-FFF2-40B4-BE49-F238E27FC236}">
-                      <a16:creationId xmlns:a16="http://schemas.microsoft.com/office/drawing/2014/main" id="{601ABF8B-5F13-E742-BFE2-4284EA253871}"/>
+                      <a16:creationId xmlns:a16="http://schemas.microsoft.com/office/drawing/2014/main" xmlns="" id="{601ABF8B-5F13-E742-BFE2-4284EA253871}"/>
                     </a:ext>
                   </a:extLst>
                 </p:cNvPr>
@@ -36364,7 +35614,7 @@
               </p:txBody>
             </p:sp>
           </mc:Choice>
-          <mc:Fallback>
+          <mc:Fallback xmlns="">
             <p:sp>
               <p:nvSpPr>
                 <p:cNvPr id="26" name="Rectangle 25">
